--- a/assets/posts/vslam/14-ch5/camera.pptx
+++ b/assets/posts/vslam/14-ch5/camera.pptx
@@ -270,7 +270,7 @@
           <a:p>
             <a:fld id="{FCD14527-64F6-420C-945F-B6CF35810A6B}" type="datetimeFigureOut">
               <a:rPr lang="zh-CN" altLang="en-US" smtClean="0"/>
-              <a:t>2022/5/22</a:t>
+              <a:t>2022/5/23</a:t>
             </a:fld>
             <a:endParaRPr lang="zh-CN" altLang="en-US"/>
           </a:p>
@@ -468,7 +468,7 @@
           <a:p>
             <a:fld id="{FCD14527-64F6-420C-945F-B6CF35810A6B}" type="datetimeFigureOut">
               <a:rPr lang="zh-CN" altLang="en-US" smtClean="0"/>
-              <a:t>2022/5/22</a:t>
+              <a:t>2022/5/23</a:t>
             </a:fld>
             <a:endParaRPr lang="zh-CN" altLang="en-US"/>
           </a:p>
@@ -676,7 +676,7 @@
           <a:p>
             <a:fld id="{FCD14527-64F6-420C-945F-B6CF35810A6B}" type="datetimeFigureOut">
               <a:rPr lang="zh-CN" altLang="en-US" smtClean="0"/>
-              <a:t>2022/5/22</a:t>
+              <a:t>2022/5/23</a:t>
             </a:fld>
             <a:endParaRPr lang="zh-CN" altLang="en-US"/>
           </a:p>
@@ -874,7 +874,7 @@
           <a:p>
             <a:fld id="{FCD14527-64F6-420C-945F-B6CF35810A6B}" type="datetimeFigureOut">
               <a:rPr lang="zh-CN" altLang="en-US" smtClean="0"/>
-              <a:t>2022/5/22</a:t>
+              <a:t>2022/5/23</a:t>
             </a:fld>
             <a:endParaRPr lang="zh-CN" altLang="en-US"/>
           </a:p>
@@ -1149,7 +1149,7 @@
           <a:p>
             <a:fld id="{FCD14527-64F6-420C-945F-B6CF35810A6B}" type="datetimeFigureOut">
               <a:rPr lang="zh-CN" altLang="en-US" smtClean="0"/>
-              <a:t>2022/5/22</a:t>
+              <a:t>2022/5/23</a:t>
             </a:fld>
             <a:endParaRPr lang="zh-CN" altLang="en-US"/>
           </a:p>
@@ -1414,7 +1414,7 @@
           <a:p>
             <a:fld id="{FCD14527-64F6-420C-945F-B6CF35810A6B}" type="datetimeFigureOut">
               <a:rPr lang="zh-CN" altLang="en-US" smtClean="0"/>
-              <a:t>2022/5/22</a:t>
+              <a:t>2022/5/23</a:t>
             </a:fld>
             <a:endParaRPr lang="zh-CN" altLang="en-US"/>
           </a:p>
@@ -1826,7 +1826,7 @@
           <a:p>
             <a:fld id="{FCD14527-64F6-420C-945F-B6CF35810A6B}" type="datetimeFigureOut">
               <a:rPr lang="zh-CN" altLang="en-US" smtClean="0"/>
-              <a:t>2022/5/22</a:t>
+              <a:t>2022/5/23</a:t>
             </a:fld>
             <a:endParaRPr lang="zh-CN" altLang="en-US"/>
           </a:p>
@@ -1967,7 +1967,7 @@
           <a:p>
             <a:fld id="{FCD14527-64F6-420C-945F-B6CF35810A6B}" type="datetimeFigureOut">
               <a:rPr lang="zh-CN" altLang="en-US" smtClean="0"/>
-              <a:t>2022/5/22</a:t>
+              <a:t>2022/5/23</a:t>
             </a:fld>
             <a:endParaRPr lang="zh-CN" altLang="en-US"/>
           </a:p>
@@ -2080,7 +2080,7 @@
           <a:p>
             <a:fld id="{FCD14527-64F6-420C-945F-B6CF35810A6B}" type="datetimeFigureOut">
               <a:rPr lang="zh-CN" altLang="en-US" smtClean="0"/>
-              <a:t>2022/5/22</a:t>
+              <a:t>2022/5/23</a:t>
             </a:fld>
             <a:endParaRPr lang="zh-CN" altLang="en-US"/>
           </a:p>
@@ -2391,7 +2391,7 @@
           <a:p>
             <a:fld id="{FCD14527-64F6-420C-945F-B6CF35810A6B}" type="datetimeFigureOut">
               <a:rPr lang="zh-CN" altLang="en-US" smtClean="0"/>
-              <a:t>2022/5/22</a:t>
+              <a:t>2022/5/23</a:t>
             </a:fld>
             <a:endParaRPr lang="zh-CN" altLang="en-US"/>
           </a:p>
@@ -2679,7 +2679,7 @@
           <a:p>
             <a:fld id="{FCD14527-64F6-420C-945F-B6CF35810A6B}" type="datetimeFigureOut">
               <a:rPr lang="zh-CN" altLang="en-US" smtClean="0"/>
-              <a:t>2022/5/22</a:t>
+              <a:t>2022/5/23</a:t>
             </a:fld>
             <a:endParaRPr lang="zh-CN" altLang="en-US"/>
           </a:p>
@@ -2920,7 +2920,7 @@
           <a:p>
             <a:fld id="{FCD14527-64F6-420C-945F-B6CF35810A6B}" type="datetimeFigureOut">
               <a:rPr lang="zh-CN" altLang="en-US" smtClean="0"/>
-              <a:t>2022/5/22</a:t>
+              <a:t>2022/5/23</a:t>
             </a:fld>
             <a:endParaRPr lang="zh-CN" altLang="en-US"/>
           </a:p>
@@ -3339,6 +3339,45 @@
       </p:grpSpPr>
       <p:cxnSp>
         <p:nvCxnSpPr>
+          <p:cNvPr id="16" name="直接连接符 14">
+            <a:extLst>
+              <a:ext uri="{FF2B5EF4-FFF2-40B4-BE49-F238E27FC236}">
+                <a16:creationId xmlns:a16="http://schemas.microsoft.com/office/drawing/2014/main" id="{394547BC-A15F-8D23-7151-1D23A588D42B}"/>
+              </a:ext>
+            </a:extLst>
+          </p:cNvPr>
+          <p:cNvCxnSpPr>
+            <a:cxnSpLocks/>
+          </p:cNvCxnSpPr>
+          <p:nvPr/>
+        </p:nvCxnSpPr>
+        <p:spPr>
+          <a:xfrm>
+            <a:off x="3230470" y="2252930"/>
+            <a:ext cx="1520989" cy="1009579"/>
+          </a:xfrm>
+          <a:prstGeom prst="line">
+            <a:avLst/>
+          </a:prstGeom>
+          <a:ln w="12700" cap="rnd"/>
+        </p:spPr>
+        <p:style>
+          <a:lnRef idx="1">
+            <a:schemeClr val="dk1"/>
+          </a:lnRef>
+          <a:fillRef idx="0">
+            <a:schemeClr val="dk1"/>
+          </a:fillRef>
+          <a:effectRef idx="0">
+            <a:schemeClr val="dk1"/>
+          </a:effectRef>
+          <a:fontRef idx="minor">
+            <a:schemeClr val="tx1"/>
+          </a:fontRef>
+        </p:style>
+      </p:cxnSp>
+      <p:cxnSp>
+        <p:nvCxnSpPr>
           <p:cNvPr id="5" name="直接连接符 4">
             <a:extLst>
               <a:ext uri="{FF2B5EF4-FFF2-40B4-BE49-F238E27FC236}">
@@ -3346,17 +3385,20 @@
               </a:ext>
             </a:extLst>
           </p:cNvPr>
-          <p:cNvCxnSpPr/>
+          <p:cNvCxnSpPr>
+            <a:cxnSpLocks/>
+          </p:cNvCxnSpPr>
           <p:nvPr/>
         </p:nvCxnSpPr>
         <p:spPr>
           <a:xfrm flipH="1">
-            <a:off x="5645792" y="3330429"/>
-            <a:ext cx="2147581" cy="2147581"/>
+            <a:off x="5645792" y="2511430"/>
+            <a:ext cx="2966580" cy="2966580"/>
           </a:xfrm>
           <a:prstGeom prst="line">
             <a:avLst/>
           </a:prstGeom>
+          <a:ln w="12700" cap="rnd"/>
         </p:spPr>
         <p:style>
           <a:lnRef idx="1">
@@ -3382,17 +3424,20 @@
               </a:ext>
             </a:extLst>
           </p:cNvPr>
-          <p:cNvCxnSpPr/>
+          <p:cNvCxnSpPr>
+            <a:cxnSpLocks/>
+          </p:cNvCxnSpPr>
           <p:nvPr/>
         </p:nvCxnSpPr>
         <p:spPr>
           <a:xfrm flipH="1">
-            <a:off x="2694265" y="660633"/>
-            <a:ext cx="2147581" cy="2147581"/>
+            <a:off x="2273099" y="660633"/>
+            <a:ext cx="2544684" cy="2544684"/>
           </a:xfrm>
           <a:prstGeom prst="line">
             <a:avLst/>
           </a:prstGeom>
+          <a:ln w="12700" cap="rnd"/>
         </p:spPr>
         <p:style>
           <a:lnRef idx="1">
@@ -3425,8 +3470,8 @@
         </p:nvCxnSpPr>
         <p:spPr>
           <a:xfrm flipV="1">
-            <a:off x="6610525" y="4068661"/>
-            <a:ext cx="453005" cy="425442"/>
+            <a:off x="6610525" y="3929423"/>
+            <a:ext cx="601264" cy="564680"/>
           </a:xfrm>
           <a:prstGeom prst="straightConnector1">
             <a:avLst/>
@@ -3451,8 +3496,8 @@
           </a:fontRef>
         </p:style>
       </p:cxnSp>
-      <mc:AlternateContent xmlns:mc="http://schemas.openxmlformats.org/markup-compatibility/2006">
-        <mc:Choice xmlns:a14="http://schemas.microsoft.com/office/drawing/2010/main" Requires="a14">
+      <mc:AlternateContent xmlns:mc="http://schemas.openxmlformats.org/markup-compatibility/2006" xmlns:a14="http://schemas.microsoft.com/office/drawing/2010/main">
+        <mc:Choice Requires="a14">
           <p:sp>
             <p:nvSpPr>
               <p:cNvPr id="9" name="文本框 8">
@@ -3467,7 +3512,7 @@
             </p:nvSpPr>
             <p:spPr>
               <a:xfrm>
-                <a:off x="6950961" y="4034887"/>
+                <a:off x="7015964" y="4123080"/>
                 <a:ext cx="509498" cy="338554"/>
               </a:xfrm>
               <a:prstGeom prst="rect">
@@ -3481,6 +3526,7 @@
               </a:bodyPr>
               <a:lstStyle/>
               <a:p>
+                <a:pPr/>
                 <a14:m>
                   <m:oMathPara xmlns:m="http://schemas.openxmlformats.org/officeDocument/2006/math">
                     <m:oMathParaPr>
@@ -3522,7 +3568,7 @@
             </p:txBody>
           </p:sp>
         </mc:Choice>
-        <mc:Fallback>
+        <mc:Fallback xmlns="">
           <p:sp>
             <p:nvSpPr>
               <p:cNvPr id="9" name="文本框 8">
@@ -3539,7 +3585,7 @@
             </p:nvSpPr>
             <p:spPr>
               <a:xfrm>
-                <a:off x="6950961" y="4034887"/>
+                <a:off x="7015964" y="4123080"/>
                 <a:ext cx="509498" cy="338554"/>
               </a:xfrm>
               <a:prstGeom prst="rect">
@@ -3584,7 +3630,7 @@
         <p:spPr>
           <a:xfrm>
             <a:off x="6609658" y="4504888"/>
-            <a:ext cx="0" cy="540000"/>
+            <a:ext cx="0" cy="864554"/>
           </a:xfrm>
           <a:prstGeom prst="straightConnector1">
             <a:avLst/>
@@ -3609,8 +3655,52 @@
           </a:fontRef>
         </p:style>
       </p:cxnSp>
-      <mc:AlternateContent xmlns:mc="http://schemas.openxmlformats.org/markup-compatibility/2006">
-        <mc:Choice xmlns:a14="http://schemas.microsoft.com/office/drawing/2010/main" Requires="a14">
+      <p:cxnSp>
+        <p:nvCxnSpPr>
+          <p:cNvPr id="39" name="直线连接符 38">
+            <a:extLst>
+              <a:ext uri="{FF2B5EF4-FFF2-40B4-BE49-F238E27FC236}">
+                <a16:creationId xmlns:a16="http://schemas.microsoft.com/office/drawing/2014/main" id="{0F961098-52A6-6D54-105C-F9962B5E66A6}"/>
+              </a:ext>
+            </a:extLst>
+          </p:cNvPr>
+          <p:cNvCxnSpPr>
+            <a:cxnSpLocks/>
+            <a:endCxn id="33" idx="3"/>
+          </p:cNvCxnSpPr>
+          <p:nvPr/>
+        </p:nvCxnSpPr>
+        <p:spPr>
+          <a:xfrm>
+            <a:off x="4310211" y="697217"/>
+            <a:ext cx="1009060" cy="1672795"/>
+          </a:xfrm>
+          <a:prstGeom prst="line">
+            <a:avLst/>
+          </a:prstGeom>
+          <a:ln w="19050">
+            <a:solidFill>
+              <a:srgbClr val="C00000"/>
+            </a:solidFill>
+          </a:ln>
+        </p:spPr>
+        <p:style>
+          <a:lnRef idx="1">
+            <a:schemeClr val="accent1"/>
+          </a:lnRef>
+          <a:fillRef idx="0">
+            <a:schemeClr val="accent1"/>
+          </a:fillRef>
+          <a:effectRef idx="0">
+            <a:schemeClr val="accent1"/>
+          </a:effectRef>
+          <a:fontRef idx="minor">
+            <a:schemeClr val="tx1"/>
+          </a:fontRef>
+        </p:style>
+      </p:cxnSp>
+      <mc:AlternateContent xmlns:mc="http://schemas.openxmlformats.org/markup-compatibility/2006" xmlns:a14="http://schemas.microsoft.com/office/drawing/2010/main">
+        <mc:Choice Requires="a14">
           <p:sp>
             <p:nvSpPr>
               <p:cNvPr id="13" name="文本框 12">
@@ -3625,7 +3715,7 @@
             </p:nvSpPr>
             <p:spPr>
               <a:xfrm>
-                <a:off x="6589368" y="4756448"/>
+                <a:off x="6542890" y="5142126"/>
                 <a:ext cx="487506" cy="338554"/>
               </a:xfrm>
               <a:prstGeom prst="rect">
@@ -3639,6 +3729,7 @@
               </a:bodyPr>
               <a:lstStyle/>
               <a:p>
+                <a:pPr/>
                 <a14:m>
                   <m:oMathPara xmlns:m="http://schemas.openxmlformats.org/officeDocument/2006/math">
                     <m:oMathParaPr>
@@ -3683,7 +3774,7 @@
             </p:txBody>
           </p:sp>
         </mc:Choice>
-        <mc:Fallback>
+        <mc:Fallback xmlns="">
           <p:sp>
             <p:nvSpPr>
               <p:cNvPr id="13" name="文本框 12">
@@ -3700,7 +3791,7 @@
             </p:nvSpPr>
             <p:spPr>
               <a:xfrm>
-                <a:off x="6589368" y="4756448"/>
+                <a:off x="6542890" y="5142126"/>
                 <a:ext cx="487506" cy="338554"/>
               </a:xfrm>
               <a:prstGeom prst="rect">
@@ -3744,8 +3835,8 @@
         </p:nvCxnSpPr>
         <p:spPr>
           <a:xfrm flipH="1" flipV="1">
-            <a:off x="6096000" y="4034887"/>
-            <a:ext cx="522914" cy="481166"/>
+            <a:off x="5781251" y="3926753"/>
+            <a:ext cx="837663" cy="589300"/>
           </a:xfrm>
           <a:prstGeom prst="straightConnector1">
             <a:avLst/>
@@ -3770,8 +3861,8 @@
           </a:fontRef>
         </p:style>
       </p:cxnSp>
-      <mc:AlternateContent xmlns:mc="http://schemas.openxmlformats.org/markup-compatibility/2006">
-        <mc:Choice xmlns:a14="http://schemas.microsoft.com/office/drawing/2010/main" Requires="a14">
+      <mc:AlternateContent xmlns:mc="http://schemas.openxmlformats.org/markup-compatibility/2006" xmlns:a14="http://schemas.microsoft.com/office/drawing/2010/main">
+        <mc:Choice Requires="a14">
           <p:sp>
             <p:nvSpPr>
               <p:cNvPr id="24" name="文本框 23">
@@ -3786,7 +3877,7 @@
             </p:nvSpPr>
             <p:spPr>
               <a:xfrm>
-                <a:off x="6079621" y="3794492"/>
+                <a:off x="5546725" y="3953803"/>
                 <a:ext cx="496097" cy="338554"/>
               </a:xfrm>
               <a:prstGeom prst="rect">
@@ -3800,6 +3891,7 @@
               </a:bodyPr>
               <a:lstStyle/>
               <a:p>
+                <a:pPr/>
                 <a14:m>
                   <m:oMathPara xmlns:m="http://schemas.openxmlformats.org/officeDocument/2006/math">
                     <m:oMathParaPr>
@@ -3844,7 +3936,7 @@
             </p:txBody>
           </p:sp>
         </mc:Choice>
-        <mc:Fallback>
+        <mc:Fallback xmlns="">
           <p:sp>
             <p:nvSpPr>
               <p:cNvPr id="24" name="文本框 23">
@@ -3861,7 +3953,7 @@
             </p:nvSpPr>
             <p:spPr>
               <a:xfrm>
-                <a:off x="6079621" y="3794492"/>
+                <a:off x="5546725" y="3953803"/>
                 <a:ext cx="496097" cy="338554"/>
               </a:xfrm>
               <a:prstGeom prst="rect">
@@ -4014,17 +4106,17 @@
         </p:nvSpPr>
         <p:spPr>
           <a:xfrm rot="18811595">
-            <a:off x="3222382" y="1777598"/>
-            <a:ext cx="3926743" cy="1626083"/>
+            <a:off x="2850839" y="2135113"/>
+            <a:ext cx="3982013" cy="1567892"/>
           </a:xfrm>
           <a:prstGeom prst="parallelogram">
             <a:avLst>
-              <a:gd name="adj" fmla="val 105522"/>
+              <a:gd name="adj" fmla="val 106162"/>
             </a:avLst>
           </a:prstGeom>
           <a:solidFill>
-            <a:srgbClr val="CCCCCC">
-              <a:alpha val="89804"/>
+            <a:srgbClr val="DFDFDF">
+              <a:alpha val="80000"/>
             </a:srgbClr>
           </a:solidFill>
           <a:ln>
@@ -4052,7 +4144,7 @@
           <a:lstStyle/>
           <a:p>
             <a:pPr algn="ctr"/>
-            <a:endParaRPr lang="zh-CN" altLang="en-US"/>
+            <a:endParaRPr lang="zh-CN" altLang="en-US" dirty="0"/>
           </a:p>
         </p:txBody>
       </p:sp>
@@ -4072,12 +4164,13 @@
         </p:nvCxnSpPr>
         <p:spPr>
           <a:xfrm>
-            <a:off x="4974672" y="3043743"/>
-            <a:ext cx="1635853" cy="1452756"/>
+            <a:off x="4751459" y="3262509"/>
+            <a:ext cx="1859066" cy="1233990"/>
           </a:xfrm>
           <a:prstGeom prst="line">
             <a:avLst/>
           </a:prstGeom>
+          <a:ln w="12700" cap="rnd"/>
         </p:spPr>
         <p:style>
           <a:lnRef idx="1">
@@ -4094,6 +4187,3424 @@
           </a:fontRef>
         </p:style>
       </p:cxnSp>
+      <p:cxnSp>
+        <p:nvCxnSpPr>
+          <p:cNvPr id="4" name="直线箭头连接符 3">
+            <a:extLst>
+              <a:ext uri="{FF2B5EF4-FFF2-40B4-BE49-F238E27FC236}">
+                <a16:creationId xmlns:a16="http://schemas.microsoft.com/office/drawing/2014/main" id="{AAB14D07-5A42-A4F4-B0DF-E9E132267C15}"/>
+              </a:ext>
+            </a:extLst>
+          </p:cNvPr>
+          <p:cNvCxnSpPr>
+            <a:cxnSpLocks/>
+          </p:cNvCxnSpPr>
+          <p:nvPr/>
+        </p:nvCxnSpPr>
+        <p:spPr>
+          <a:xfrm flipV="1">
+            <a:off x="3522907" y="1678333"/>
+            <a:ext cx="2812771" cy="2827943"/>
+          </a:xfrm>
+          <a:prstGeom prst="straightConnector1">
+            <a:avLst/>
+          </a:prstGeom>
+          <a:ln w="19050" cap="rnd">
+            <a:solidFill>
+              <a:schemeClr val="accent5">
+                <a:alpha val="90000"/>
+              </a:schemeClr>
+            </a:solidFill>
+            <a:prstDash val="lgDash"/>
+            <a:headEnd type="none"/>
+            <a:tailEnd type="arrow" w="med" len="med"/>
+          </a:ln>
+        </p:spPr>
+        <p:style>
+          <a:lnRef idx="1">
+            <a:schemeClr val="accent1"/>
+          </a:lnRef>
+          <a:fillRef idx="0">
+            <a:schemeClr val="accent1"/>
+          </a:fillRef>
+          <a:effectRef idx="0">
+            <a:schemeClr val="accent1"/>
+          </a:effectRef>
+          <a:fontRef idx="minor">
+            <a:schemeClr val="tx1"/>
+          </a:fontRef>
+        </p:style>
+      </p:cxnSp>
+      <mc:AlternateContent xmlns:mc="http://schemas.openxmlformats.org/markup-compatibility/2006" xmlns:a14="http://schemas.microsoft.com/office/drawing/2010/main">
+        <mc:Choice Requires="a14">
+          <p:sp>
+            <p:nvSpPr>
+              <p:cNvPr id="21" name="文本框 20">
+                <a:extLst>
+                  <a:ext uri="{FF2B5EF4-FFF2-40B4-BE49-F238E27FC236}">
+                    <a16:creationId xmlns:a16="http://schemas.microsoft.com/office/drawing/2014/main" id="{7DF97A7D-F56A-13F1-20C3-452230D933BA}"/>
+                  </a:ext>
+                </a:extLst>
+              </p:cNvPr>
+              <p:cNvSpPr txBox="1"/>
+              <p:nvPr/>
+            </p:nvSpPr>
+            <p:spPr>
+              <a:xfrm>
+                <a:off x="6127859" y="1681375"/>
+                <a:ext cx="412100" cy="338554"/>
+              </a:xfrm>
+              <a:prstGeom prst="rect">
+                <a:avLst/>
+              </a:prstGeom>
+              <a:noFill/>
+            </p:spPr>
+            <p:txBody>
+              <a:bodyPr wrap="none" rtlCol="0">
+                <a:spAutoFit/>
+              </a:bodyPr>
+              <a:lstStyle/>
+              <a:p>
+                <a:pPr/>
+                <a14:m>
+                  <m:oMathPara xmlns:m="http://schemas.openxmlformats.org/officeDocument/2006/math">
+                    <m:oMathParaPr>
+                      <m:jc m:val="centerGroup"/>
+                    </m:oMathParaPr>
+                    <m:oMath xmlns:m="http://schemas.openxmlformats.org/officeDocument/2006/math">
+                      <m:r>
+                        <a:rPr lang="en-US" altLang="zh-CN" sz="1600" i="1" dirty="0" smtClean="0">
+                          <a:solidFill>
+                            <a:schemeClr val="accent5"/>
+                          </a:solidFill>
+                          <a:latin typeface="Cambria Math" panose="02040503050406030204" pitchFamily="18" charset="0"/>
+                        </a:rPr>
+                        <m:t>𝑥</m:t>
+                      </m:r>
+                    </m:oMath>
+                  </m:oMathPara>
+                </a14:m>
+                <a:endParaRPr lang="zh-CN" altLang="en-US" sz="1600" i="1" dirty="0">
+                  <a:solidFill>
+                    <a:schemeClr val="accent5"/>
+                  </a:solidFill>
+                  <a:latin typeface="Consolas" panose="020B0609020204030204" pitchFamily="49" charset="0"/>
+                </a:endParaRPr>
+              </a:p>
+            </p:txBody>
+          </p:sp>
+        </mc:Choice>
+        <mc:Fallback xmlns="">
+          <p:sp>
+            <p:nvSpPr>
+              <p:cNvPr id="21" name="文本框 20">
+                <a:extLst>
+                  <a:ext uri="{FF2B5EF4-FFF2-40B4-BE49-F238E27FC236}">
+                    <a16:creationId xmlns:a16="http://schemas.microsoft.com/office/drawing/2014/main" id="{7DF97A7D-F56A-13F1-20C3-452230D933BA}"/>
+                  </a:ext>
+                </a:extLst>
+              </p:cNvPr>
+              <p:cNvSpPr txBox="1">
+                <a:spLocks noRot="1" noChangeAspect="1" noMove="1" noResize="1" noEditPoints="1" noAdjustHandles="1" noChangeArrowheads="1" noChangeShapeType="1" noTextEdit="1"/>
+              </p:cNvSpPr>
+              <p:nvPr/>
+            </p:nvSpPr>
+            <p:spPr>
+              <a:xfrm>
+                <a:off x="6127859" y="1681375"/>
+                <a:ext cx="412100" cy="338554"/>
+              </a:xfrm>
+              <a:prstGeom prst="rect">
+                <a:avLst/>
+              </a:prstGeom>
+              <a:blipFill>
+                <a:blip r:embed="rId5"/>
+                <a:stretch>
+                  <a:fillRect/>
+                </a:stretch>
+              </a:blipFill>
+            </p:spPr>
+            <p:txBody>
+              <a:bodyPr/>
+              <a:lstStyle/>
+              <a:p>
+                <a:r>
+                  <a:rPr lang="zh-CN" altLang="en-US">
+                    <a:noFill/>
+                  </a:rPr>
+                  <a:t> </a:t>
+                </a:r>
+              </a:p>
+            </p:txBody>
+          </p:sp>
+        </mc:Fallback>
+      </mc:AlternateContent>
+      <mc:AlternateContent xmlns:mc="http://schemas.openxmlformats.org/markup-compatibility/2006" xmlns:a14="http://schemas.microsoft.com/office/drawing/2010/main">
+        <mc:Choice Requires="a14">
+          <p:sp>
+            <p:nvSpPr>
+              <p:cNvPr id="25" name="文本框 24">
+                <a:extLst>
+                  <a:ext uri="{FF2B5EF4-FFF2-40B4-BE49-F238E27FC236}">
+                    <a16:creationId xmlns:a16="http://schemas.microsoft.com/office/drawing/2014/main" id="{805A24B6-8225-270D-085B-125054C35CDB}"/>
+                  </a:ext>
+                </a:extLst>
+              </p:cNvPr>
+              <p:cNvSpPr txBox="1"/>
+              <p:nvPr/>
+            </p:nvSpPr>
+            <p:spPr>
+              <a:xfrm>
+                <a:off x="4714984" y="4795216"/>
+                <a:ext cx="415818" cy="338554"/>
+              </a:xfrm>
+              <a:prstGeom prst="rect">
+                <a:avLst/>
+              </a:prstGeom>
+              <a:noFill/>
+            </p:spPr>
+            <p:txBody>
+              <a:bodyPr wrap="none" rtlCol="0">
+                <a:spAutoFit/>
+              </a:bodyPr>
+              <a:lstStyle/>
+              <a:p>
+                <a:pPr/>
+                <a14:m>
+                  <m:oMathPara xmlns:m="http://schemas.openxmlformats.org/officeDocument/2006/math">
+                    <m:oMathParaPr>
+                      <m:jc m:val="centerGroup"/>
+                    </m:oMathParaPr>
+                    <m:oMath xmlns:m="http://schemas.openxmlformats.org/officeDocument/2006/math">
+                      <m:r>
+                        <a:rPr lang="en-US" altLang="zh-CN" sz="1600" b="0" i="1" smtClean="0">
+                          <a:solidFill>
+                            <a:schemeClr val="accent5"/>
+                          </a:solidFill>
+                          <a:latin typeface="Cambria Math" panose="02040503050406030204" pitchFamily="18" charset="0"/>
+                        </a:rPr>
+                        <m:t>𝑦</m:t>
+                      </m:r>
+                    </m:oMath>
+                  </m:oMathPara>
+                </a14:m>
+                <a:endParaRPr lang="en-US" altLang="zh-CN" sz="1600" b="0" i="1" dirty="0">
+                  <a:solidFill>
+                    <a:schemeClr val="accent5"/>
+                  </a:solidFill>
+                  <a:latin typeface="Consolas" panose="020B0609020204030204" pitchFamily="49" charset="0"/>
+                </a:endParaRPr>
+              </a:p>
+            </p:txBody>
+          </p:sp>
+        </mc:Choice>
+        <mc:Fallback xmlns="">
+          <p:sp>
+            <p:nvSpPr>
+              <p:cNvPr id="25" name="文本框 24">
+                <a:extLst>
+                  <a:ext uri="{FF2B5EF4-FFF2-40B4-BE49-F238E27FC236}">
+                    <a16:creationId xmlns:a16="http://schemas.microsoft.com/office/drawing/2014/main" id="{805A24B6-8225-270D-085B-125054C35CDB}"/>
+                  </a:ext>
+                </a:extLst>
+              </p:cNvPr>
+              <p:cNvSpPr txBox="1">
+                <a:spLocks noRot="1" noChangeAspect="1" noMove="1" noResize="1" noEditPoints="1" noAdjustHandles="1" noChangeArrowheads="1" noChangeShapeType="1" noTextEdit="1"/>
+              </p:cNvSpPr>
+              <p:nvPr/>
+            </p:nvSpPr>
+            <p:spPr>
+              <a:xfrm>
+                <a:off x="4714984" y="4795216"/>
+                <a:ext cx="415818" cy="338554"/>
+              </a:xfrm>
+              <a:prstGeom prst="rect">
+                <a:avLst/>
+              </a:prstGeom>
+              <a:blipFill>
+                <a:blip r:embed="rId6"/>
+                <a:stretch>
+                  <a:fillRect b="-3571"/>
+                </a:stretch>
+              </a:blipFill>
+            </p:spPr>
+            <p:txBody>
+              <a:bodyPr/>
+              <a:lstStyle/>
+              <a:p>
+                <a:r>
+                  <a:rPr lang="zh-CN" altLang="en-US">
+                    <a:noFill/>
+                  </a:rPr>
+                  <a:t> </a:t>
+                </a:r>
+              </a:p>
+            </p:txBody>
+          </p:sp>
+        </mc:Fallback>
+      </mc:AlternateContent>
+      <p:cxnSp>
+        <p:nvCxnSpPr>
+          <p:cNvPr id="18" name="直线连接符 17">
+            <a:extLst>
+              <a:ext uri="{FF2B5EF4-FFF2-40B4-BE49-F238E27FC236}">
+                <a16:creationId xmlns:a16="http://schemas.microsoft.com/office/drawing/2014/main" id="{00BD2315-2EE7-9BB3-E963-B0A13C4927CA}"/>
+              </a:ext>
+            </a:extLst>
+          </p:cNvPr>
+          <p:cNvCxnSpPr>
+            <a:cxnSpLocks/>
+          </p:cNvCxnSpPr>
+          <p:nvPr/>
+        </p:nvCxnSpPr>
+        <p:spPr>
+          <a:xfrm>
+            <a:off x="5349879" y="2395468"/>
+            <a:ext cx="1266176" cy="2099528"/>
+          </a:xfrm>
+          <a:prstGeom prst="line">
+            <a:avLst/>
+          </a:prstGeom>
+          <a:ln w="19050">
+            <a:solidFill>
+              <a:srgbClr val="C00000"/>
+            </a:solidFill>
+          </a:ln>
+        </p:spPr>
+        <p:style>
+          <a:lnRef idx="1">
+            <a:schemeClr val="accent1"/>
+          </a:lnRef>
+          <a:fillRef idx="0">
+            <a:schemeClr val="accent1"/>
+          </a:fillRef>
+          <a:effectRef idx="0">
+            <a:schemeClr val="accent1"/>
+          </a:effectRef>
+          <a:fontRef idx="minor">
+            <a:schemeClr val="tx1"/>
+          </a:fontRef>
+        </p:style>
+      </p:cxnSp>
+      <p:cxnSp>
+        <p:nvCxnSpPr>
+          <p:cNvPr id="29" name="直线箭头连接符 28">
+            <a:extLst>
+              <a:ext uri="{FF2B5EF4-FFF2-40B4-BE49-F238E27FC236}">
+                <a16:creationId xmlns:a16="http://schemas.microsoft.com/office/drawing/2014/main" id="{4E697603-F122-9A8F-44A8-85640207961D}"/>
+              </a:ext>
+            </a:extLst>
+          </p:cNvPr>
+          <p:cNvCxnSpPr>
+            <a:cxnSpLocks/>
+          </p:cNvCxnSpPr>
+          <p:nvPr/>
+        </p:nvCxnSpPr>
+        <p:spPr>
+          <a:xfrm flipV="1">
+            <a:off x="4067240" y="663158"/>
+            <a:ext cx="1850771" cy="1928979"/>
+          </a:xfrm>
+          <a:prstGeom prst="straightConnector1">
+            <a:avLst/>
+          </a:prstGeom>
+          <a:ln w="19050" cap="rnd">
+            <a:solidFill>
+              <a:schemeClr val="bg1">
+                <a:lumMod val="50000"/>
+                <a:alpha val="90000"/>
+              </a:schemeClr>
+            </a:solidFill>
+            <a:prstDash val="lgDash"/>
+            <a:headEnd type="none"/>
+            <a:tailEnd type="arrow" w="med" len="med"/>
+          </a:ln>
+        </p:spPr>
+        <p:style>
+          <a:lnRef idx="1">
+            <a:schemeClr val="accent1"/>
+          </a:lnRef>
+          <a:fillRef idx="0">
+            <a:schemeClr val="accent1"/>
+          </a:fillRef>
+          <a:effectRef idx="0">
+            <a:schemeClr val="accent1"/>
+          </a:effectRef>
+          <a:fontRef idx="minor">
+            <a:schemeClr val="tx1"/>
+          </a:fontRef>
+        </p:style>
+      </p:cxnSp>
+      <p:cxnSp>
+        <p:nvCxnSpPr>
+          <p:cNvPr id="32" name="直接箭头连接符 25">
+            <a:extLst>
+              <a:ext uri="{FF2B5EF4-FFF2-40B4-BE49-F238E27FC236}">
+                <a16:creationId xmlns:a16="http://schemas.microsoft.com/office/drawing/2014/main" id="{233494E7-CE42-34C9-CA9C-D551F77ABB83}"/>
+              </a:ext>
+            </a:extLst>
+          </p:cNvPr>
+          <p:cNvCxnSpPr>
+            <a:cxnSpLocks/>
+          </p:cNvCxnSpPr>
+          <p:nvPr/>
+        </p:nvCxnSpPr>
+        <p:spPr>
+          <a:xfrm flipV="1">
+            <a:off x="5345111" y="2424225"/>
+            <a:ext cx="0" cy="252000"/>
+          </a:xfrm>
+          <a:prstGeom prst="straightConnector1">
+            <a:avLst/>
+          </a:prstGeom>
+          <a:ln w="44450">
+            <a:tailEnd type="triangle"/>
+          </a:ln>
+        </p:spPr>
+        <p:style>
+          <a:lnRef idx="1">
+            <a:schemeClr val="accent1"/>
+          </a:lnRef>
+          <a:fillRef idx="0">
+            <a:schemeClr val="accent1"/>
+          </a:fillRef>
+          <a:effectRef idx="0">
+            <a:schemeClr val="accent1"/>
+          </a:effectRef>
+          <a:fontRef idx="minor">
+            <a:schemeClr val="tx1"/>
+          </a:fontRef>
+        </p:style>
+      </p:cxnSp>
+      <p:sp>
+        <p:nvSpPr>
+          <p:cNvPr id="33" name="椭圆 32">
+            <a:extLst>
+              <a:ext uri="{FF2B5EF4-FFF2-40B4-BE49-F238E27FC236}">
+                <a16:creationId xmlns:a16="http://schemas.microsoft.com/office/drawing/2014/main" id="{5F51FAE2-368F-8500-A218-EDA9F8DC739C}"/>
+              </a:ext>
+            </a:extLst>
+          </p:cNvPr>
+          <p:cNvSpPr>
+            <a:spLocks noChangeAspect="1"/>
+          </p:cNvSpPr>
+          <p:nvPr/>
+        </p:nvSpPr>
+        <p:spPr>
+          <a:xfrm flipV="1">
+            <a:off x="5308727" y="2359468"/>
+            <a:ext cx="72000" cy="72000"/>
+          </a:xfrm>
+          <a:prstGeom prst="ellipse">
+            <a:avLst/>
+          </a:prstGeom>
+          <a:ln>
+            <a:noFill/>
+          </a:ln>
+        </p:spPr>
+        <p:style>
+          <a:lnRef idx="2">
+            <a:schemeClr val="accent1">
+              <a:shade val="50000"/>
+            </a:schemeClr>
+          </a:lnRef>
+          <a:fillRef idx="1">
+            <a:schemeClr val="accent1"/>
+          </a:fillRef>
+          <a:effectRef idx="0">
+            <a:schemeClr val="accent1"/>
+          </a:effectRef>
+          <a:fontRef idx="minor">
+            <a:schemeClr val="lt1"/>
+          </a:fontRef>
+        </p:style>
+        <p:txBody>
+          <a:bodyPr rtlCol="0" anchor="ctr"/>
+          <a:lstStyle/>
+          <a:p>
+            <a:pPr algn="ctr"/>
+            <a:endParaRPr lang="zh-CN" altLang="en-US"/>
+          </a:p>
+        </p:txBody>
+      </p:sp>
+      <p:cxnSp>
+        <p:nvCxnSpPr>
+          <p:cNvPr id="46" name="直线箭头连接符 45">
+            <a:extLst>
+              <a:ext uri="{FF2B5EF4-FFF2-40B4-BE49-F238E27FC236}">
+                <a16:creationId xmlns:a16="http://schemas.microsoft.com/office/drawing/2014/main" id="{89DDD77D-E45A-E814-DDFD-995A8B7425F4}"/>
+              </a:ext>
+            </a:extLst>
+          </p:cNvPr>
+          <p:cNvCxnSpPr>
+            <a:cxnSpLocks/>
+          </p:cNvCxnSpPr>
+          <p:nvPr/>
+        </p:nvCxnSpPr>
+        <p:spPr>
+          <a:xfrm>
+            <a:off x="4049118" y="2602770"/>
+            <a:ext cx="0" cy="2598559"/>
+          </a:xfrm>
+          <a:prstGeom prst="straightConnector1">
+            <a:avLst/>
+          </a:prstGeom>
+          <a:ln w="19050" cap="rnd">
+            <a:solidFill>
+              <a:schemeClr val="bg1">
+                <a:lumMod val="50000"/>
+                <a:alpha val="90000"/>
+              </a:schemeClr>
+            </a:solidFill>
+            <a:prstDash val="lgDash"/>
+            <a:headEnd type="none"/>
+            <a:tailEnd type="arrow" w="med" len="med"/>
+          </a:ln>
+        </p:spPr>
+        <p:style>
+          <a:lnRef idx="1">
+            <a:schemeClr val="accent1"/>
+          </a:lnRef>
+          <a:fillRef idx="0">
+            <a:schemeClr val="accent1"/>
+          </a:fillRef>
+          <a:effectRef idx="0">
+            <a:schemeClr val="accent1"/>
+          </a:effectRef>
+          <a:fontRef idx="minor">
+            <a:schemeClr val="tx1"/>
+          </a:fontRef>
+        </p:style>
+      </p:cxnSp>
+      <mc:AlternateContent xmlns:mc="http://schemas.openxmlformats.org/markup-compatibility/2006" xmlns:a14="http://schemas.microsoft.com/office/drawing/2010/main">
+        <mc:Choice Requires="a14">
+          <p:sp>
+            <p:nvSpPr>
+              <p:cNvPr id="49" name="文本框 48">
+                <a:extLst>
+                  <a:ext uri="{FF2B5EF4-FFF2-40B4-BE49-F238E27FC236}">
+                    <a16:creationId xmlns:a16="http://schemas.microsoft.com/office/drawing/2014/main" id="{79DD6B12-599A-2809-02A3-889D23BE437B}"/>
+                  </a:ext>
+                </a:extLst>
+              </p:cNvPr>
+              <p:cNvSpPr txBox="1"/>
+              <p:nvPr/>
+            </p:nvSpPr>
+            <p:spPr>
+              <a:xfrm>
+                <a:off x="4008130" y="4934025"/>
+                <a:ext cx="415114" cy="338554"/>
+              </a:xfrm>
+              <a:prstGeom prst="rect">
+                <a:avLst/>
+              </a:prstGeom>
+              <a:noFill/>
+              <a:ln>
+                <a:noFill/>
+              </a:ln>
+            </p:spPr>
+            <p:txBody>
+              <a:bodyPr wrap="none" rtlCol="0">
+                <a:spAutoFit/>
+              </a:bodyPr>
+              <a:lstStyle/>
+              <a:p>
+                <a:pPr/>
+                <a14:m>
+                  <m:oMathPara xmlns:m="http://schemas.openxmlformats.org/officeDocument/2006/math">
+                    <m:oMathParaPr>
+                      <m:jc m:val="centerGroup"/>
+                    </m:oMathParaPr>
+                    <m:oMath xmlns:m="http://schemas.openxmlformats.org/officeDocument/2006/math">
+                      <m:r>
+                        <a:rPr lang="en-US" altLang="zh-CN" sz="1600" b="0" i="1" smtClean="0">
+                          <a:solidFill>
+                            <a:schemeClr val="bg1">
+                              <a:lumMod val="50000"/>
+                            </a:schemeClr>
+                          </a:solidFill>
+                          <a:latin typeface="Cambria Math" panose="02040503050406030204" pitchFamily="18" charset="0"/>
+                        </a:rPr>
+                        <m:t>𝑣</m:t>
+                      </m:r>
+                    </m:oMath>
+                  </m:oMathPara>
+                </a14:m>
+                <a:endParaRPr lang="en-US" altLang="zh-CN" sz="1600" b="0" i="1" dirty="0">
+                  <a:solidFill>
+                    <a:schemeClr val="bg1">
+                      <a:lumMod val="50000"/>
+                    </a:schemeClr>
+                  </a:solidFill>
+                  <a:latin typeface="Consolas" panose="020B0609020204030204" pitchFamily="49" charset="0"/>
+                </a:endParaRPr>
+              </a:p>
+            </p:txBody>
+          </p:sp>
+        </mc:Choice>
+        <mc:Fallback xmlns="">
+          <p:sp>
+            <p:nvSpPr>
+              <p:cNvPr id="49" name="文本框 48">
+                <a:extLst>
+                  <a:ext uri="{FF2B5EF4-FFF2-40B4-BE49-F238E27FC236}">
+                    <a16:creationId xmlns:a16="http://schemas.microsoft.com/office/drawing/2014/main" id="{79DD6B12-599A-2809-02A3-889D23BE437B}"/>
+                  </a:ext>
+                </a:extLst>
+              </p:cNvPr>
+              <p:cNvSpPr txBox="1">
+                <a:spLocks noRot="1" noChangeAspect="1" noMove="1" noResize="1" noEditPoints="1" noAdjustHandles="1" noChangeArrowheads="1" noChangeShapeType="1" noTextEdit="1"/>
+              </p:cNvSpPr>
+              <p:nvPr/>
+            </p:nvSpPr>
+            <p:spPr>
+              <a:xfrm>
+                <a:off x="4008130" y="4934025"/>
+                <a:ext cx="415114" cy="338554"/>
+              </a:xfrm>
+              <a:prstGeom prst="rect">
+                <a:avLst/>
+              </a:prstGeom>
+              <a:blipFill>
+                <a:blip r:embed="rId7"/>
+                <a:stretch>
+                  <a:fillRect/>
+                </a:stretch>
+              </a:blipFill>
+              <a:ln>
+                <a:noFill/>
+              </a:ln>
+            </p:spPr>
+            <p:txBody>
+              <a:bodyPr/>
+              <a:lstStyle/>
+              <a:p>
+                <a:r>
+                  <a:rPr lang="zh-CN" altLang="en-US">
+                    <a:noFill/>
+                  </a:rPr>
+                  <a:t> </a:t>
+                </a:r>
+              </a:p>
+            </p:txBody>
+          </p:sp>
+        </mc:Fallback>
+      </mc:AlternateContent>
+      <mc:AlternateContent xmlns:mc="http://schemas.openxmlformats.org/markup-compatibility/2006" xmlns:a14="http://schemas.microsoft.com/office/drawing/2010/main">
+        <mc:Choice Requires="a14">
+          <p:sp>
+            <p:nvSpPr>
+              <p:cNvPr id="50" name="文本框 49">
+                <a:extLst>
+                  <a:ext uri="{FF2B5EF4-FFF2-40B4-BE49-F238E27FC236}">
+                    <a16:creationId xmlns:a16="http://schemas.microsoft.com/office/drawing/2014/main" id="{97639C60-2DFA-6E9C-C679-1459B16F4321}"/>
+                  </a:ext>
+                </a:extLst>
+              </p:cNvPr>
+              <p:cNvSpPr txBox="1"/>
+              <p:nvPr/>
+            </p:nvSpPr>
+            <p:spPr>
+              <a:xfrm>
+                <a:off x="5753182" y="652212"/>
+                <a:ext cx="419089" cy="338554"/>
+              </a:xfrm>
+              <a:prstGeom prst="rect">
+                <a:avLst/>
+              </a:prstGeom>
+              <a:noFill/>
+              <a:ln>
+                <a:noFill/>
+              </a:ln>
+            </p:spPr>
+            <p:txBody>
+              <a:bodyPr wrap="none" rtlCol="0">
+                <a:spAutoFit/>
+              </a:bodyPr>
+              <a:lstStyle/>
+              <a:p>
+                <a:pPr/>
+                <a14:m>
+                  <m:oMathPara xmlns:m="http://schemas.openxmlformats.org/officeDocument/2006/math">
+                    <m:oMathParaPr>
+                      <m:jc m:val="centerGroup"/>
+                    </m:oMathParaPr>
+                    <m:oMath xmlns:m="http://schemas.openxmlformats.org/officeDocument/2006/math">
+                      <m:r>
+                        <a:rPr lang="en-US" altLang="zh-CN" sz="1600" i="1" dirty="0" smtClean="0">
+                          <a:solidFill>
+                            <a:schemeClr val="bg1">
+                              <a:lumMod val="50000"/>
+                            </a:schemeClr>
+                          </a:solidFill>
+                          <a:latin typeface="Cambria Math" panose="02040503050406030204" pitchFamily="18" charset="0"/>
+                        </a:rPr>
+                        <m:t>𝑢</m:t>
+                      </m:r>
+                    </m:oMath>
+                  </m:oMathPara>
+                </a14:m>
+                <a:endParaRPr lang="en-US" altLang="zh-CN" sz="1600" b="0" i="1" dirty="0">
+                  <a:solidFill>
+                    <a:schemeClr val="bg1">
+                      <a:lumMod val="50000"/>
+                    </a:schemeClr>
+                  </a:solidFill>
+                  <a:latin typeface="Consolas" panose="020B0609020204030204" pitchFamily="49" charset="0"/>
+                </a:endParaRPr>
+              </a:p>
+            </p:txBody>
+          </p:sp>
+        </mc:Choice>
+        <mc:Fallback xmlns="">
+          <p:sp>
+            <p:nvSpPr>
+              <p:cNvPr id="50" name="文本框 49">
+                <a:extLst>
+                  <a:ext uri="{FF2B5EF4-FFF2-40B4-BE49-F238E27FC236}">
+                    <a16:creationId xmlns:a16="http://schemas.microsoft.com/office/drawing/2014/main" id="{97639C60-2DFA-6E9C-C679-1459B16F4321}"/>
+                  </a:ext>
+                </a:extLst>
+              </p:cNvPr>
+              <p:cNvSpPr txBox="1">
+                <a:spLocks noRot="1" noChangeAspect="1" noMove="1" noResize="1" noEditPoints="1" noAdjustHandles="1" noChangeArrowheads="1" noChangeShapeType="1" noTextEdit="1"/>
+              </p:cNvSpPr>
+              <p:nvPr/>
+            </p:nvSpPr>
+            <p:spPr>
+              <a:xfrm>
+                <a:off x="5753182" y="652212"/>
+                <a:ext cx="419089" cy="338554"/>
+              </a:xfrm>
+              <a:prstGeom prst="rect">
+                <a:avLst/>
+              </a:prstGeom>
+              <a:blipFill>
+                <a:blip r:embed="rId8"/>
+                <a:stretch>
+                  <a:fillRect/>
+                </a:stretch>
+              </a:blipFill>
+              <a:ln>
+                <a:noFill/>
+              </a:ln>
+            </p:spPr>
+            <p:txBody>
+              <a:bodyPr/>
+              <a:lstStyle/>
+              <a:p>
+                <a:r>
+                  <a:rPr lang="zh-CN" altLang="en-US">
+                    <a:noFill/>
+                  </a:rPr>
+                  <a:t> </a:t>
+                </a:r>
+              </a:p>
+            </p:txBody>
+          </p:sp>
+        </mc:Fallback>
+      </mc:AlternateContent>
+      <mc:AlternateContent xmlns:mc="http://schemas.openxmlformats.org/markup-compatibility/2006" xmlns:a14="http://schemas.microsoft.com/office/drawing/2010/main">
+        <mc:Choice Requires="a14">
+          <p:sp>
+            <p:nvSpPr>
+              <p:cNvPr id="53" name="文本框 52">
+                <a:extLst>
+                  <a:ext uri="{FF2B5EF4-FFF2-40B4-BE49-F238E27FC236}">
+                    <a16:creationId xmlns:a16="http://schemas.microsoft.com/office/drawing/2014/main" id="{3B477B60-B1E5-B6BB-57E8-EC0117C817C7}"/>
+                  </a:ext>
+                </a:extLst>
+              </p:cNvPr>
+              <p:cNvSpPr txBox="1"/>
+              <p:nvPr/>
+            </p:nvSpPr>
+            <p:spPr>
+              <a:xfrm>
+                <a:off x="2967917" y="2004892"/>
+                <a:ext cx="399789" cy="338554"/>
+              </a:xfrm>
+              <a:prstGeom prst="rect">
+                <a:avLst/>
+              </a:prstGeom>
+              <a:noFill/>
+            </p:spPr>
+            <p:txBody>
+              <a:bodyPr wrap="none" rtlCol="0">
+                <a:spAutoFit/>
+              </a:bodyPr>
+              <a:lstStyle/>
+              <a:p>
+                <a:pPr/>
+                <a14:m>
+                  <m:oMathPara xmlns:m="http://schemas.openxmlformats.org/officeDocument/2006/math">
+                    <m:oMathParaPr>
+                      <m:jc m:val="centerGroup"/>
+                    </m:oMathParaPr>
+                    <m:oMath xmlns:m="http://schemas.openxmlformats.org/officeDocument/2006/math">
+                      <m:r>
+                        <a:rPr lang="en-US" altLang="zh-CN" sz="1600" b="0" i="1" smtClean="0">
+                          <a:solidFill>
+                            <a:schemeClr val="accent1"/>
+                          </a:solidFill>
+                          <a:latin typeface="Cambria Math" panose="02040503050406030204" pitchFamily="18" charset="0"/>
+                        </a:rPr>
+                        <m:t>𝑧</m:t>
+                      </m:r>
+                    </m:oMath>
+                  </m:oMathPara>
+                </a14:m>
+                <a:endParaRPr lang="zh-CN" altLang="en-US" sz="1600" i="1" dirty="0">
+                  <a:solidFill>
+                    <a:schemeClr val="accent1"/>
+                  </a:solidFill>
+                  <a:latin typeface="Consolas" panose="020B0609020204030204" pitchFamily="49" charset="0"/>
+                </a:endParaRPr>
+              </a:p>
+            </p:txBody>
+          </p:sp>
+        </mc:Choice>
+        <mc:Fallback xmlns="">
+          <p:sp>
+            <p:nvSpPr>
+              <p:cNvPr id="53" name="文本框 52">
+                <a:extLst>
+                  <a:ext uri="{FF2B5EF4-FFF2-40B4-BE49-F238E27FC236}">
+                    <a16:creationId xmlns:a16="http://schemas.microsoft.com/office/drawing/2014/main" id="{3B477B60-B1E5-B6BB-57E8-EC0117C817C7}"/>
+                  </a:ext>
+                </a:extLst>
+              </p:cNvPr>
+              <p:cNvSpPr txBox="1">
+                <a:spLocks noRot="1" noChangeAspect="1" noMove="1" noResize="1" noEditPoints="1" noAdjustHandles="1" noChangeArrowheads="1" noChangeShapeType="1" noTextEdit="1"/>
+              </p:cNvSpPr>
+              <p:nvPr/>
+            </p:nvSpPr>
+            <p:spPr>
+              <a:xfrm>
+                <a:off x="2967917" y="2004892"/>
+                <a:ext cx="399789" cy="338554"/>
+              </a:xfrm>
+              <a:prstGeom prst="rect">
+                <a:avLst/>
+              </a:prstGeom>
+              <a:blipFill>
+                <a:blip r:embed="rId9"/>
+                <a:stretch>
+                  <a:fillRect/>
+                </a:stretch>
+              </a:blipFill>
+            </p:spPr>
+            <p:txBody>
+              <a:bodyPr/>
+              <a:lstStyle/>
+              <a:p>
+                <a:r>
+                  <a:rPr lang="zh-CN" altLang="en-US">
+                    <a:noFill/>
+                  </a:rPr>
+                  <a:t> </a:t>
+                </a:r>
+              </a:p>
+            </p:txBody>
+          </p:sp>
+        </mc:Fallback>
+      </mc:AlternateContent>
+      <mc:AlternateContent xmlns:mc="http://schemas.openxmlformats.org/markup-compatibility/2006" xmlns:a14="http://schemas.microsoft.com/office/drawing/2010/main">
+        <mc:Choice Requires="a14">
+          <p:sp>
+            <p:nvSpPr>
+              <p:cNvPr id="66" name="文本框 65">
+                <a:extLst>
+                  <a:ext uri="{FF2B5EF4-FFF2-40B4-BE49-F238E27FC236}">
+                    <a16:creationId xmlns:a16="http://schemas.microsoft.com/office/drawing/2014/main" id="{4B65F019-93A3-DC86-E3B8-68466BD5B13A}"/>
+                  </a:ext>
+                </a:extLst>
+              </p:cNvPr>
+              <p:cNvSpPr txBox="1"/>
+              <p:nvPr/>
+            </p:nvSpPr>
+            <p:spPr>
+              <a:xfrm rot="18591921">
+                <a:off x="3879271" y="4303776"/>
+                <a:ext cx="798104" cy="369332"/>
+              </a:xfrm>
+              <a:prstGeom prst="rect">
+                <a:avLst/>
+              </a:prstGeom>
+              <a:noFill/>
+            </p:spPr>
+            <p:txBody>
+              <a:bodyPr wrap="none" rtlCol="0">
+                <a:spAutoFit/>
+              </a:bodyPr>
+              <a:lstStyle/>
+              <a:p>
+                <a:pPr/>
+                <a14:m>
+                  <m:oMathPara xmlns:m="http://schemas.openxmlformats.org/officeDocument/2006/math">
+                    <m:oMathParaPr>
+                      <m:jc m:val="centerGroup"/>
+                    </m:oMathParaPr>
+                    <m:oMath xmlns:m="http://schemas.openxmlformats.org/officeDocument/2006/math">
+                      <m:r>
+                        <a:rPr kumimoji="1" lang="en-US" altLang="zh-CN" i="1" dirty="0" smtClean="0">
+                          <a:solidFill>
+                            <a:schemeClr val="bg1">
+                              <a:lumMod val="50000"/>
+                            </a:schemeClr>
+                          </a:solidFill>
+                          <a:latin typeface="Cambria Math" panose="02040503050406030204" pitchFamily="18" charset="0"/>
+                        </a:rPr>
+                        <m:t>𝑧</m:t>
+                      </m:r>
+                      <m:r>
+                        <a:rPr kumimoji="1" lang="en-US" altLang="zh-CN" i="1" dirty="0" smtClean="0">
+                          <a:solidFill>
+                            <a:schemeClr val="bg1">
+                              <a:lumMod val="50000"/>
+                            </a:schemeClr>
+                          </a:solidFill>
+                          <a:latin typeface="Cambria Math" panose="02040503050406030204" pitchFamily="18" charset="0"/>
+                        </a:rPr>
+                        <m:t>=</m:t>
+                      </m:r>
+                      <m:r>
+                        <a:rPr kumimoji="1" lang="en-US" altLang="zh-CN" i="1" dirty="0">
+                          <a:solidFill>
+                            <a:schemeClr val="bg1">
+                              <a:lumMod val="50000"/>
+                            </a:schemeClr>
+                          </a:solidFill>
+                          <a:latin typeface="Cambria Math" panose="02040503050406030204" pitchFamily="18" charset="0"/>
+                        </a:rPr>
+                        <m:t>𝑓</m:t>
+                      </m:r>
+                    </m:oMath>
+                  </m:oMathPara>
+                </a14:m>
+                <a:endParaRPr kumimoji="1" lang="zh-CN" altLang="en-US" dirty="0">
+                  <a:solidFill>
+                    <a:schemeClr val="bg1">
+                      <a:lumMod val="50000"/>
+                    </a:schemeClr>
+                  </a:solidFill>
+                </a:endParaRPr>
+              </a:p>
+            </p:txBody>
+          </p:sp>
+        </mc:Choice>
+        <mc:Fallback xmlns="">
+          <p:sp>
+            <p:nvSpPr>
+              <p:cNvPr id="66" name="文本框 65">
+                <a:extLst>
+                  <a:ext uri="{FF2B5EF4-FFF2-40B4-BE49-F238E27FC236}">
+                    <a16:creationId xmlns:a16="http://schemas.microsoft.com/office/drawing/2014/main" id="{4B65F019-93A3-DC86-E3B8-68466BD5B13A}"/>
+                  </a:ext>
+                </a:extLst>
+              </p:cNvPr>
+              <p:cNvSpPr txBox="1">
+                <a:spLocks noRot="1" noChangeAspect="1" noMove="1" noResize="1" noEditPoints="1" noAdjustHandles="1" noChangeArrowheads="1" noChangeShapeType="1" noTextEdit="1"/>
+              </p:cNvSpPr>
+              <p:nvPr/>
+            </p:nvSpPr>
+            <p:spPr>
+              <a:xfrm rot="18591921">
+                <a:off x="3879271" y="4303776"/>
+                <a:ext cx="798104" cy="369332"/>
+              </a:xfrm>
+              <a:prstGeom prst="rect">
+                <a:avLst/>
+              </a:prstGeom>
+              <a:blipFill>
+                <a:blip r:embed="rId10"/>
+                <a:stretch>
+                  <a:fillRect r="-3125"/>
+                </a:stretch>
+              </a:blipFill>
+            </p:spPr>
+            <p:txBody>
+              <a:bodyPr/>
+              <a:lstStyle/>
+              <a:p>
+                <a:r>
+                  <a:rPr lang="zh-CN" altLang="en-US">
+                    <a:noFill/>
+                  </a:rPr>
+                  <a:t> </a:t>
+                </a:r>
+              </a:p>
+            </p:txBody>
+          </p:sp>
+        </mc:Fallback>
+      </mc:AlternateContent>
+      <mc:AlternateContent xmlns:mc="http://schemas.openxmlformats.org/markup-compatibility/2006" xmlns:a14="http://schemas.microsoft.com/office/drawing/2010/main">
+        <mc:Choice Requires="a14">
+          <p:sp>
+            <p:nvSpPr>
+              <p:cNvPr id="67" name="文本框 66">
+                <a:extLst>
+                  <a:ext uri="{FF2B5EF4-FFF2-40B4-BE49-F238E27FC236}">
+                    <a16:creationId xmlns:a16="http://schemas.microsoft.com/office/drawing/2014/main" id="{C9627B49-E75A-6623-CE34-52E4C0A02626}"/>
+                  </a:ext>
+                </a:extLst>
+              </p:cNvPr>
+              <p:cNvSpPr txBox="1"/>
+              <p:nvPr/>
+            </p:nvSpPr>
+            <p:spPr>
+              <a:xfrm>
+                <a:off x="6567248" y="4378574"/>
+                <a:ext cx="506934" cy="338554"/>
+              </a:xfrm>
+              <a:prstGeom prst="rect">
+                <a:avLst/>
+              </a:prstGeom>
+              <a:noFill/>
+            </p:spPr>
+            <p:txBody>
+              <a:bodyPr wrap="none" rtlCol="0">
+                <a:spAutoFit/>
+              </a:bodyPr>
+              <a:lstStyle/>
+              <a:p>
+                <a:pPr/>
+                <a14:m>
+                  <m:oMathPara xmlns:m="http://schemas.openxmlformats.org/officeDocument/2006/math">
+                    <m:oMathParaPr>
+                      <m:jc m:val="centerGroup"/>
+                    </m:oMathParaPr>
+                    <m:oMath xmlns:m="http://schemas.openxmlformats.org/officeDocument/2006/math">
+                      <m:sSub>
+                        <m:sSubPr>
+                          <m:ctrlPr>
+                            <a:rPr lang="en-US" altLang="zh-CN" sz="1600" b="0" i="1" smtClean="0">
+                              <a:latin typeface="Cambria Math" panose="02040503050406030204" pitchFamily="18" charset="0"/>
+                            </a:rPr>
+                          </m:ctrlPr>
+                        </m:sSubPr>
+                        <m:e>
+                          <m:r>
+                            <a:rPr lang="en-US" altLang="zh-CN" sz="1600" b="0" i="1" smtClean="0">
+                              <a:latin typeface="Cambria Math" panose="02040503050406030204" pitchFamily="18" charset="0"/>
+                            </a:rPr>
+                            <m:t>𝑂</m:t>
+                          </m:r>
+                        </m:e>
+                        <m:sub>
+                          <m:r>
+                            <a:rPr lang="en-US" altLang="zh-CN" sz="1600" b="0" i="1" smtClean="0">
+                              <a:latin typeface="Cambria Math" panose="02040503050406030204" pitchFamily="18" charset="0"/>
+                            </a:rPr>
+                            <m:t>𝑐</m:t>
+                          </m:r>
+                        </m:sub>
+                      </m:sSub>
+                    </m:oMath>
+                  </m:oMathPara>
+                </a14:m>
+                <a:endParaRPr lang="zh-CN" altLang="en-US" sz="1600" i="1" dirty="0">
+                  <a:latin typeface="Consolas" panose="020B0609020204030204" pitchFamily="49" charset="0"/>
+                </a:endParaRPr>
+              </a:p>
+            </p:txBody>
+          </p:sp>
+        </mc:Choice>
+        <mc:Fallback xmlns="">
+          <p:sp>
+            <p:nvSpPr>
+              <p:cNvPr id="67" name="文本框 66">
+                <a:extLst>
+                  <a:ext uri="{FF2B5EF4-FFF2-40B4-BE49-F238E27FC236}">
+                    <a16:creationId xmlns:a16="http://schemas.microsoft.com/office/drawing/2014/main" id="{C9627B49-E75A-6623-CE34-52E4C0A02626}"/>
+                  </a:ext>
+                </a:extLst>
+              </p:cNvPr>
+              <p:cNvSpPr txBox="1">
+                <a:spLocks noRot="1" noChangeAspect="1" noMove="1" noResize="1" noEditPoints="1" noAdjustHandles="1" noChangeArrowheads="1" noChangeShapeType="1" noTextEdit="1"/>
+              </p:cNvSpPr>
+              <p:nvPr/>
+            </p:nvSpPr>
+            <p:spPr>
+              <a:xfrm>
+                <a:off x="6567248" y="4378574"/>
+                <a:ext cx="506934" cy="338554"/>
+              </a:xfrm>
+              <a:prstGeom prst="rect">
+                <a:avLst/>
+              </a:prstGeom>
+              <a:blipFill>
+                <a:blip r:embed="rId11"/>
+                <a:stretch>
+                  <a:fillRect/>
+                </a:stretch>
+              </a:blipFill>
+            </p:spPr>
+            <p:txBody>
+              <a:bodyPr/>
+              <a:lstStyle/>
+              <a:p>
+                <a:r>
+                  <a:rPr lang="zh-CN" altLang="en-US">
+                    <a:noFill/>
+                  </a:rPr>
+                  <a:t> </a:t>
+                </a:r>
+              </a:p>
+            </p:txBody>
+          </p:sp>
+        </mc:Fallback>
+      </mc:AlternateContent>
+      <p:cxnSp>
+        <p:nvCxnSpPr>
+          <p:cNvPr id="71" name="直线箭头连接符 70">
+            <a:extLst>
+              <a:ext uri="{FF2B5EF4-FFF2-40B4-BE49-F238E27FC236}">
+                <a16:creationId xmlns:a16="http://schemas.microsoft.com/office/drawing/2014/main" id="{161599EB-CEFE-3B8C-D6A7-8691B367AB11}"/>
+              </a:ext>
+            </a:extLst>
+          </p:cNvPr>
+          <p:cNvCxnSpPr>
+            <a:cxnSpLocks/>
+          </p:cNvCxnSpPr>
+          <p:nvPr/>
+        </p:nvCxnSpPr>
+        <p:spPr>
+          <a:xfrm>
+            <a:off x="5380727" y="1224772"/>
+            <a:ext cx="0" cy="1170696"/>
+          </a:xfrm>
+          <a:prstGeom prst="straightConnector1">
+            <a:avLst/>
+          </a:prstGeom>
+          <a:ln w="19050" cap="rnd">
+            <a:solidFill>
+              <a:schemeClr val="bg1">
+                <a:lumMod val="65000"/>
+                <a:alpha val="90000"/>
+              </a:schemeClr>
+            </a:solidFill>
+            <a:prstDash val="solid"/>
+            <a:headEnd type="none"/>
+            <a:tailEnd type="none" w="med" len="med"/>
+          </a:ln>
+        </p:spPr>
+        <p:style>
+          <a:lnRef idx="1">
+            <a:schemeClr val="accent1"/>
+          </a:lnRef>
+          <a:fillRef idx="0">
+            <a:schemeClr val="accent1"/>
+          </a:fillRef>
+          <a:effectRef idx="0">
+            <a:schemeClr val="accent1"/>
+          </a:effectRef>
+          <a:fontRef idx="minor">
+            <a:schemeClr val="tx1"/>
+          </a:fontRef>
+        </p:style>
+      </p:cxnSp>
+      <p:cxnSp>
+        <p:nvCxnSpPr>
+          <p:cNvPr id="73" name="直线箭头连接符 72">
+            <a:extLst>
+              <a:ext uri="{FF2B5EF4-FFF2-40B4-BE49-F238E27FC236}">
+                <a16:creationId xmlns:a16="http://schemas.microsoft.com/office/drawing/2014/main" id="{0D6DCBB4-4ED5-C18B-A797-1B2FD478CCF6}"/>
+              </a:ext>
+            </a:extLst>
+          </p:cNvPr>
+          <p:cNvCxnSpPr>
+            <a:cxnSpLocks/>
+          </p:cNvCxnSpPr>
+          <p:nvPr/>
+        </p:nvCxnSpPr>
+        <p:spPr>
+          <a:xfrm>
+            <a:off x="5308727" y="1304296"/>
+            <a:ext cx="0" cy="1143139"/>
+          </a:xfrm>
+          <a:prstGeom prst="straightConnector1">
+            <a:avLst/>
+          </a:prstGeom>
+          <a:ln w="19050" cap="rnd">
+            <a:solidFill>
+              <a:schemeClr val="bg1">
+                <a:lumMod val="65000"/>
+                <a:alpha val="90000"/>
+              </a:schemeClr>
+            </a:solidFill>
+            <a:prstDash val="solid"/>
+            <a:headEnd type="none"/>
+            <a:tailEnd type="none" w="med" len="med"/>
+          </a:ln>
+        </p:spPr>
+        <p:style>
+          <a:lnRef idx="1">
+            <a:schemeClr val="accent1"/>
+          </a:lnRef>
+          <a:fillRef idx="0">
+            <a:schemeClr val="accent1"/>
+          </a:fillRef>
+          <a:effectRef idx="0">
+            <a:schemeClr val="accent1"/>
+          </a:effectRef>
+          <a:fontRef idx="minor">
+            <a:schemeClr val="tx1"/>
+          </a:fontRef>
+        </p:style>
+      </p:cxnSp>
+      <p:cxnSp>
+        <p:nvCxnSpPr>
+          <p:cNvPr id="77" name="直线箭头连接符 76">
+            <a:extLst>
+              <a:ext uri="{FF2B5EF4-FFF2-40B4-BE49-F238E27FC236}">
+                <a16:creationId xmlns:a16="http://schemas.microsoft.com/office/drawing/2014/main" id="{61F2480D-D99A-4AFA-7F36-DBFA429E0D0E}"/>
+              </a:ext>
+            </a:extLst>
+          </p:cNvPr>
+          <p:cNvCxnSpPr>
+            <a:cxnSpLocks/>
+          </p:cNvCxnSpPr>
+          <p:nvPr/>
+        </p:nvCxnSpPr>
+        <p:spPr>
+          <a:xfrm flipH="1">
+            <a:off x="5306813" y="1361344"/>
+            <a:ext cx="72416" cy="75041"/>
+          </a:xfrm>
+          <a:prstGeom prst="straightConnector1">
+            <a:avLst/>
+          </a:prstGeom>
+          <a:ln w="19050" cap="rnd">
+            <a:solidFill>
+              <a:schemeClr val="bg1">
+                <a:lumMod val="65000"/>
+                <a:alpha val="90000"/>
+              </a:schemeClr>
+            </a:solidFill>
+            <a:prstDash val="solid"/>
+            <a:headEnd type="none"/>
+            <a:tailEnd type="none" w="med" len="med"/>
+          </a:ln>
+        </p:spPr>
+        <p:style>
+          <a:lnRef idx="1">
+            <a:schemeClr val="accent1"/>
+          </a:lnRef>
+          <a:fillRef idx="0">
+            <a:schemeClr val="accent1"/>
+          </a:fillRef>
+          <a:effectRef idx="0">
+            <a:schemeClr val="accent1"/>
+          </a:effectRef>
+          <a:fontRef idx="minor">
+            <a:schemeClr val="tx1"/>
+          </a:fontRef>
+        </p:style>
+      </p:cxnSp>
+      <p:cxnSp>
+        <p:nvCxnSpPr>
+          <p:cNvPr id="82" name="直线箭头连接符 81">
+            <a:extLst>
+              <a:ext uri="{FF2B5EF4-FFF2-40B4-BE49-F238E27FC236}">
+                <a16:creationId xmlns:a16="http://schemas.microsoft.com/office/drawing/2014/main" id="{26063281-A00B-5EE7-9CDB-99AC601928F4}"/>
+              </a:ext>
+            </a:extLst>
+          </p:cNvPr>
+          <p:cNvCxnSpPr>
+            <a:cxnSpLocks/>
+          </p:cNvCxnSpPr>
+          <p:nvPr/>
+        </p:nvCxnSpPr>
+        <p:spPr>
+          <a:xfrm flipH="1">
+            <a:off x="5306813" y="1489391"/>
+            <a:ext cx="72416" cy="75041"/>
+          </a:xfrm>
+          <a:prstGeom prst="straightConnector1">
+            <a:avLst/>
+          </a:prstGeom>
+          <a:ln w="19050" cap="rnd">
+            <a:solidFill>
+              <a:schemeClr val="bg1">
+                <a:lumMod val="65000"/>
+                <a:alpha val="90000"/>
+              </a:schemeClr>
+            </a:solidFill>
+            <a:prstDash val="solid"/>
+            <a:headEnd type="none"/>
+            <a:tailEnd type="none" w="med" len="med"/>
+          </a:ln>
+        </p:spPr>
+        <p:style>
+          <a:lnRef idx="1">
+            <a:schemeClr val="accent1"/>
+          </a:lnRef>
+          <a:fillRef idx="0">
+            <a:schemeClr val="accent1"/>
+          </a:fillRef>
+          <a:effectRef idx="0">
+            <a:schemeClr val="accent1"/>
+          </a:effectRef>
+          <a:fontRef idx="minor">
+            <a:schemeClr val="tx1"/>
+          </a:fontRef>
+        </p:style>
+      </p:cxnSp>
+      <p:cxnSp>
+        <p:nvCxnSpPr>
+          <p:cNvPr id="22" name="直线箭头连接符 21">
+            <a:extLst>
+              <a:ext uri="{FF2B5EF4-FFF2-40B4-BE49-F238E27FC236}">
+                <a16:creationId xmlns:a16="http://schemas.microsoft.com/office/drawing/2014/main" id="{61AAF773-37B6-E71F-5BF6-8B4C994A4EF8}"/>
+              </a:ext>
+            </a:extLst>
+          </p:cNvPr>
+          <p:cNvCxnSpPr>
+            <a:cxnSpLocks/>
+          </p:cNvCxnSpPr>
+          <p:nvPr/>
+        </p:nvCxnSpPr>
+        <p:spPr>
+          <a:xfrm>
+            <a:off x="4760727" y="1508265"/>
+            <a:ext cx="0" cy="3575377"/>
+          </a:xfrm>
+          <a:prstGeom prst="straightConnector1">
+            <a:avLst/>
+          </a:prstGeom>
+          <a:ln w="19050" cap="rnd">
+            <a:solidFill>
+              <a:schemeClr val="accent5">
+                <a:alpha val="90000"/>
+              </a:schemeClr>
+            </a:solidFill>
+            <a:prstDash val="lgDash"/>
+            <a:headEnd type="none"/>
+            <a:tailEnd type="arrow" w="med" len="med"/>
+          </a:ln>
+        </p:spPr>
+        <p:style>
+          <a:lnRef idx="1">
+            <a:schemeClr val="accent1"/>
+          </a:lnRef>
+          <a:fillRef idx="0">
+            <a:schemeClr val="accent1"/>
+          </a:fillRef>
+          <a:effectRef idx="0">
+            <a:schemeClr val="accent1"/>
+          </a:effectRef>
+          <a:fontRef idx="minor">
+            <a:schemeClr val="tx1"/>
+          </a:fontRef>
+        </p:style>
+      </p:cxnSp>
+      <p:cxnSp>
+        <p:nvCxnSpPr>
+          <p:cNvPr id="83" name="直线箭头连接符 82">
+            <a:extLst>
+              <a:ext uri="{FF2B5EF4-FFF2-40B4-BE49-F238E27FC236}">
+                <a16:creationId xmlns:a16="http://schemas.microsoft.com/office/drawing/2014/main" id="{F9290613-A587-F5D5-49DD-D97E32E05D43}"/>
+              </a:ext>
+            </a:extLst>
+          </p:cNvPr>
+          <p:cNvCxnSpPr>
+            <a:cxnSpLocks/>
+          </p:cNvCxnSpPr>
+          <p:nvPr/>
+        </p:nvCxnSpPr>
+        <p:spPr>
+          <a:xfrm flipH="1">
+            <a:off x="5306813" y="1617438"/>
+            <a:ext cx="72416" cy="75041"/>
+          </a:xfrm>
+          <a:prstGeom prst="straightConnector1">
+            <a:avLst/>
+          </a:prstGeom>
+          <a:ln w="19050" cap="rnd">
+            <a:solidFill>
+              <a:schemeClr val="bg1">
+                <a:lumMod val="65000"/>
+                <a:alpha val="90000"/>
+              </a:schemeClr>
+            </a:solidFill>
+            <a:prstDash val="solid"/>
+            <a:headEnd type="none"/>
+            <a:tailEnd type="none" w="med" len="med"/>
+          </a:ln>
+        </p:spPr>
+        <p:style>
+          <a:lnRef idx="1">
+            <a:schemeClr val="accent1"/>
+          </a:lnRef>
+          <a:fillRef idx="0">
+            <a:schemeClr val="accent1"/>
+          </a:fillRef>
+          <a:effectRef idx="0">
+            <a:schemeClr val="accent1"/>
+          </a:effectRef>
+          <a:fontRef idx="minor">
+            <a:schemeClr val="tx1"/>
+          </a:fontRef>
+        </p:style>
+      </p:cxnSp>
+      <p:cxnSp>
+        <p:nvCxnSpPr>
+          <p:cNvPr id="84" name="直线箭头连接符 83">
+            <a:extLst>
+              <a:ext uri="{FF2B5EF4-FFF2-40B4-BE49-F238E27FC236}">
+                <a16:creationId xmlns:a16="http://schemas.microsoft.com/office/drawing/2014/main" id="{C2B253C3-4430-9F0A-268C-694F5548B978}"/>
+              </a:ext>
+            </a:extLst>
+          </p:cNvPr>
+          <p:cNvCxnSpPr>
+            <a:cxnSpLocks/>
+          </p:cNvCxnSpPr>
+          <p:nvPr/>
+        </p:nvCxnSpPr>
+        <p:spPr>
+          <a:xfrm flipH="1">
+            <a:off x="5306813" y="1745485"/>
+            <a:ext cx="72416" cy="75041"/>
+          </a:xfrm>
+          <a:prstGeom prst="straightConnector1">
+            <a:avLst/>
+          </a:prstGeom>
+          <a:ln w="19050" cap="rnd">
+            <a:solidFill>
+              <a:schemeClr val="bg1">
+                <a:lumMod val="65000"/>
+                <a:alpha val="90000"/>
+              </a:schemeClr>
+            </a:solidFill>
+            <a:prstDash val="solid"/>
+            <a:headEnd type="none"/>
+            <a:tailEnd type="none" w="med" len="med"/>
+          </a:ln>
+        </p:spPr>
+        <p:style>
+          <a:lnRef idx="1">
+            <a:schemeClr val="accent1"/>
+          </a:lnRef>
+          <a:fillRef idx="0">
+            <a:schemeClr val="accent1"/>
+          </a:fillRef>
+          <a:effectRef idx="0">
+            <a:schemeClr val="accent1"/>
+          </a:effectRef>
+          <a:fontRef idx="minor">
+            <a:schemeClr val="tx1"/>
+          </a:fontRef>
+        </p:style>
+      </p:cxnSp>
+      <p:cxnSp>
+        <p:nvCxnSpPr>
+          <p:cNvPr id="85" name="直线箭头连接符 84">
+            <a:extLst>
+              <a:ext uri="{FF2B5EF4-FFF2-40B4-BE49-F238E27FC236}">
+                <a16:creationId xmlns:a16="http://schemas.microsoft.com/office/drawing/2014/main" id="{CA3076DA-8D83-EB69-AE40-860CA0BB3F64}"/>
+              </a:ext>
+            </a:extLst>
+          </p:cNvPr>
+          <p:cNvCxnSpPr>
+            <a:cxnSpLocks/>
+          </p:cNvCxnSpPr>
+          <p:nvPr/>
+        </p:nvCxnSpPr>
+        <p:spPr>
+          <a:xfrm flipH="1">
+            <a:off x="5306813" y="1873532"/>
+            <a:ext cx="72416" cy="75041"/>
+          </a:xfrm>
+          <a:prstGeom prst="straightConnector1">
+            <a:avLst/>
+          </a:prstGeom>
+          <a:ln w="19050" cap="rnd">
+            <a:solidFill>
+              <a:schemeClr val="bg1">
+                <a:lumMod val="65000"/>
+                <a:alpha val="90000"/>
+              </a:schemeClr>
+            </a:solidFill>
+            <a:prstDash val="solid"/>
+            <a:headEnd type="none"/>
+            <a:tailEnd type="none" w="med" len="med"/>
+          </a:ln>
+        </p:spPr>
+        <p:style>
+          <a:lnRef idx="1">
+            <a:schemeClr val="accent1"/>
+          </a:lnRef>
+          <a:fillRef idx="0">
+            <a:schemeClr val="accent1"/>
+          </a:fillRef>
+          <a:effectRef idx="0">
+            <a:schemeClr val="accent1"/>
+          </a:effectRef>
+          <a:fontRef idx="minor">
+            <a:schemeClr val="tx1"/>
+          </a:fontRef>
+        </p:style>
+      </p:cxnSp>
+      <p:cxnSp>
+        <p:nvCxnSpPr>
+          <p:cNvPr id="86" name="直线箭头连接符 85">
+            <a:extLst>
+              <a:ext uri="{FF2B5EF4-FFF2-40B4-BE49-F238E27FC236}">
+                <a16:creationId xmlns:a16="http://schemas.microsoft.com/office/drawing/2014/main" id="{34C77745-FE37-F332-A546-703AF9666C40}"/>
+              </a:ext>
+            </a:extLst>
+          </p:cNvPr>
+          <p:cNvCxnSpPr>
+            <a:cxnSpLocks/>
+          </p:cNvCxnSpPr>
+          <p:nvPr/>
+        </p:nvCxnSpPr>
+        <p:spPr>
+          <a:xfrm flipH="1">
+            <a:off x="5306813" y="2001579"/>
+            <a:ext cx="72416" cy="75041"/>
+          </a:xfrm>
+          <a:prstGeom prst="straightConnector1">
+            <a:avLst/>
+          </a:prstGeom>
+          <a:ln w="19050" cap="rnd">
+            <a:solidFill>
+              <a:schemeClr val="bg1">
+                <a:lumMod val="65000"/>
+                <a:alpha val="90000"/>
+              </a:schemeClr>
+            </a:solidFill>
+            <a:prstDash val="solid"/>
+            <a:headEnd type="none"/>
+            <a:tailEnd type="none" w="med" len="med"/>
+          </a:ln>
+        </p:spPr>
+        <p:style>
+          <a:lnRef idx="1">
+            <a:schemeClr val="accent1"/>
+          </a:lnRef>
+          <a:fillRef idx="0">
+            <a:schemeClr val="accent1"/>
+          </a:fillRef>
+          <a:effectRef idx="0">
+            <a:schemeClr val="accent1"/>
+          </a:effectRef>
+          <a:fontRef idx="minor">
+            <a:schemeClr val="tx1"/>
+          </a:fontRef>
+        </p:style>
+      </p:cxnSp>
+      <p:cxnSp>
+        <p:nvCxnSpPr>
+          <p:cNvPr id="87" name="直线箭头连接符 86">
+            <a:extLst>
+              <a:ext uri="{FF2B5EF4-FFF2-40B4-BE49-F238E27FC236}">
+                <a16:creationId xmlns:a16="http://schemas.microsoft.com/office/drawing/2014/main" id="{3E57FED5-18CE-D004-6294-14A0FF6AC219}"/>
+              </a:ext>
+            </a:extLst>
+          </p:cNvPr>
+          <p:cNvCxnSpPr>
+            <a:cxnSpLocks/>
+          </p:cNvCxnSpPr>
+          <p:nvPr/>
+        </p:nvCxnSpPr>
+        <p:spPr>
+          <a:xfrm flipH="1">
+            <a:off x="5306813" y="2129626"/>
+            <a:ext cx="72416" cy="75041"/>
+          </a:xfrm>
+          <a:prstGeom prst="straightConnector1">
+            <a:avLst/>
+          </a:prstGeom>
+          <a:ln w="19050" cap="rnd">
+            <a:solidFill>
+              <a:schemeClr val="bg1">
+                <a:lumMod val="65000"/>
+                <a:alpha val="90000"/>
+              </a:schemeClr>
+            </a:solidFill>
+            <a:prstDash val="solid"/>
+            <a:headEnd type="none"/>
+            <a:tailEnd type="none" w="med" len="med"/>
+          </a:ln>
+        </p:spPr>
+        <p:style>
+          <a:lnRef idx="1">
+            <a:schemeClr val="accent1"/>
+          </a:lnRef>
+          <a:fillRef idx="0">
+            <a:schemeClr val="accent1"/>
+          </a:fillRef>
+          <a:effectRef idx="0">
+            <a:schemeClr val="accent1"/>
+          </a:effectRef>
+          <a:fontRef idx="minor">
+            <a:schemeClr val="tx1"/>
+          </a:fontRef>
+        </p:style>
+      </p:cxnSp>
+      <p:cxnSp>
+        <p:nvCxnSpPr>
+          <p:cNvPr id="88" name="直线箭头连接符 87">
+            <a:extLst>
+              <a:ext uri="{FF2B5EF4-FFF2-40B4-BE49-F238E27FC236}">
+                <a16:creationId xmlns:a16="http://schemas.microsoft.com/office/drawing/2014/main" id="{0FA24E08-DEF8-F2B0-F721-03D9F53F5BEA}"/>
+              </a:ext>
+            </a:extLst>
+          </p:cNvPr>
+          <p:cNvCxnSpPr>
+            <a:cxnSpLocks/>
+          </p:cNvCxnSpPr>
+          <p:nvPr/>
+        </p:nvCxnSpPr>
+        <p:spPr>
+          <a:xfrm flipH="1">
+            <a:off x="5306813" y="2257673"/>
+            <a:ext cx="72416" cy="75041"/>
+          </a:xfrm>
+          <a:prstGeom prst="straightConnector1">
+            <a:avLst/>
+          </a:prstGeom>
+          <a:ln w="19050" cap="rnd">
+            <a:solidFill>
+              <a:schemeClr val="bg1">
+                <a:lumMod val="65000"/>
+                <a:alpha val="90000"/>
+              </a:schemeClr>
+            </a:solidFill>
+            <a:prstDash val="solid"/>
+            <a:headEnd type="none"/>
+            <a:tailEnd type="none" w="med" len="med"/>
+          </a:ln>
+        </p:spPr>
+        <p:style>
+          <a:lnRef idx="1">
+            <a:schemeClr val="accent1"/>
+          </a:lnRef>
+          <a:fillRef idx="0">
+            <a:schemeClr val="accent1"/>
+          </a:fillRef>
+          <a:effectRef idx="0">
+            <a:schemeClr val="accent1"/>
+          </a:effectRef>
+          <a:fontRef idx="minor">
+            <a:schemeClr val="tx1"/>
+          </a:fontRef>
+        </p:style>
+      </p:cxnSp>
+      <p:cxnSp>
+        <p:nvCxnSpPr>
+          <p:cNvPr id="89" name="直线箭头连接符 88">
+            <a:extLst>
+              <a:ext uri="{FF2B5EF4-FFF2-40B4-BE49-F238E27FC236}">
+                <a16:creationId xmlns:a16="http://schemas.microsoft.com/office/drawing/2014/main" id="{CB6557A0-BA3E-6633-B894-3381BA1F1DCE}"/>
+              </a:ext>
+            </a:extLst>
+          </p:cNvPr>
+          <p:cNvCxnSpPr>
+            <a:cxnSpLocks/>
+          </p:cNvCxnSpPr>
+          <p:nvPr/>
+        </p:nvCxnSpPr>
+        <p:spPr>
+          <a:xfrm flipH="1">
+            <a:off x="5306813" y="2385718"/>
+            <a:ext cx="72416" cy="75041"/>
+          </a:xfrm>
+          <a:prstGeom prst="straightConnector1">
+            <a:avLst/>
+          </a:prstGeom>
+          <a:ln w="19050" cap="rnd">
+            <a:solidFill>
+              <a:schemeClr val="bg1">
+                <a:lumMod val="65000"/>
+                <a:alpha val="90000"/>
+              </a:schemeClr>
+            </a:solidFill>
+            <a:prstDash val="solid"/>
+            <a:headEnd type="none"/>
+            <a:tailEnd type="none" w="med" len="med"/>
+          </a:ln>
+        </p:spPr>
+        <p:style>
+          <a:lnRef idx="1">
+            <a:schemeClr val="accent1"/>
+          </a:lnRef>
+          <a:fillRef idx="0">
+            <a:schemeClr val="accent1"/>
+          </a:fillRef>
+          <a:effectRef idx="0">
+            <a:schemeClr val="accent1"/>
+          </a:effectRef>
+          <a:fontRef idx="minor">
+            <a:schemeClr val="tx1"/>
+          </a:fontRef>
+        </p:style>
+      </p:cxnSp>
+      <p:cxnSp>
+        <p:nvCxnSpPr>
+          <p:cNvPr id="91" name="直线箭头连接符 90">
+            <a:extLst>
+              <a:ext uri="{FF2B5EF4-FFF2-40B4-BE49-F238E27FC236}">
+                <a16:creationId xmlns:a16="http://schemas.microsoft.com/office/drawing/2014/main" id="{98CB5DD7-F6EE-B204-CDEE-90FAF4383001}"/>
+              </a:ext>
+            </a:extLst>
+          </p:cNvPr>
+          <p:cNvCxnSpPr>
+            <a:cxnSpLocks/>
+          </p:cNvCxnSpPr>
+          <p:nvPr/>
+        </p:nvCxnSpPr>
+        <p:spPr>
+          <a:xfrm flipH="1">
+            <a:off x="5306813" y="1233297"/>
+            <a:ext cx="72416" cy="75041"/>
+          </a:xfrm>
+          <a:prstGeom prst="straightConnector1">
+            <a:avLst/>
+          </a:prstGeom>
+          <a:ln w="19050" cap="rnd">
+            <a:solidFill>
+              <a:schemeClr val="bg1">
+                <a:lumMod val="65000"/>
+                <a:alpha val="90000"/>
+              </a:schemeClr>
+            </a:solidFill>
+            <a:prstDash val="solid"/>
+            <a:headEnd type="none"/>
+            <a:tailEnd type="none" w="med" len="med"/>
+          </a:ln>
+        </p:spPr>
+        <p:style>
+          <a:lnRef idx="1">
+            <a:schemeClr val="accent1"/>
+          </a:lnRef>
+          <a:fillRef idx="0">
+            <a:schemeClr val="accent1"/>
+          </a:fillRef>
+          <a:effectRef idx="0">
+            <a:schemeClr val="accent1"/>
+          </a:effectRef>
+          <a:fontRef idx="minor">
+            <a:schemeClr val="tx1"/>
+          </a:fontRef>
+        </p:style>
+      </p:cxnSp>
+      <p:cxnSp>
+        <p:nvCxnSpPr>
+          <p:cNvPr id="92" name="直线箭头连接符 91">
+            <a:extLst>
+              <a:ext uri="{FF2B5EF4-FFF2-40B4-BE49-F238E27FC236}">
+                <a16:creationId xmlns:a16="http://schemas.microsoft.com/office/drawing/2014/main" id="{6600226A-2C8B-A3C8-3D02-9EEC2EB727C7}"/>
+              </a:ext>
+            </a:extLst>
+          </p:cNvPr>
+          <p:cNvCxnSpPr>
+            <a:cxnSpLocks/>
+          </p:cNvCxnSpPr>
+          <p:nvPr/>
+        </p:nvCxnSpPr>
+        <p:spPr>
+          <a:xfrm flipH="1">
+            <a:off x="4068362" y="2338369"/>
+            <a:ext cx="1234808" cy="1207569"/>
+          </a:xfrm>
+          <a:prstGeom prst="straightConnector1">
+            <a:avLst/>
+          </a:prstGeom>
+          <a:ln w="19050" cap="rnd">
+            <a:solidFill>
+              <a:schemeClr val="bg1">
+                <a:lumMod val="65000"/>
+                <a:alpha val="90000"/>
+              </a:schemeClr>
+            </a:solidFill>
+            <a:prstDash val="solid"/>
+            <a:headEnd type="none"/>
+            <a:tailEnd type="none" w="med" len="med"/>
+          </a:ln>
+        </p:spPr>
+        <p:style>
+          <a:lnRef idx="1">
+            <a:schemeClr val="accent1"/>
+          </a:lnRef>
+          <a:fillRef idx="0">
+            <a:schemeClr val="accent1"/>
+          </a:fillRef>
+          <a:effectRef idx="0">
+            <a:schemeClr val="accent1"/>
+          </a:effectRef>
+          <a:fontRef idx="minor">
+            <a:schemeClr val="tx1"/>
+          </a:fontRef>
+        </p:style>
+      </p:cxnSp>
+      <p:cxnSp>
+        <p:nvCxnSpPr>
+          <p:cNvPr id="98" name="直线箭头连接符 97">
+            <a:extLst>
+              <a:ext uri="{FF2B5EF4-FFF2-40B4-BE49-F238E27FC236}">
+                <a16:creationId xmlns:a16="http://schemas.microsoft.com/office/drawing/2014/main" id="{03319A83-C20F-079D-5AE7-C8BD5C312E14}"/>
+              </a:ext>
+            </a:extLst>
+          </p:cNvPr>
+          <p:cNvCxnSpPr>
+            <a:cxnSpLocks/>
+          </p:cNvCxnSpPr>
+          <p:nvPr/>
+        </p:nvCxnSpPr>
+        <p:spPr>
+          <a:xfrm flipH="1">
+            <a:off x="4060861" y="2461429"/>
+            <a:ext cx="1234808" cy="1207569"/>
+          </a:xfrm>
+          <a:prstGeom prst="straightConnector1">
+            <a:avLst/>
+          </a:prstGeom>
+          <a:ln w="19050" cap="rnd">
+            <a:solidFill>
+              <a:schemeClr val="bg1">
+                <a:lumMod val="65000"/>
+                <a:alpha val="90000"/>
+              </a:schemeClr>
+            </a:solidFill>
+            <a:prstDash val="solid"/>
+            <a:headEnd type="none"/>
+            <a:tailEnd type="none" w="med" len="med"/>
+          </a:ln>
+        </p:spPr>
+        <p:style>
+          <a:lnRef idx="1">
+            <a:schemeClr val="accent1"/>
+          </a:lnRef>
+          <a:fillRef idx="0">
+            <a:schemeClr val="accent1"/>
+          </a:fillRef>
+          <a:effectRef idx="0">
+            <a:schemeClr val="accent1"/>
+          </a:effectRef>
+          <a:fontRef idx="minor">
+            <a:schemeClr val="tx1"/>
+          </a:fontRef>
+        </p:style>
+      </p:cxnSp>
+      <p:cxnSp>
+        <p:nvCxnSpPr>
+          <p:cNvPr id="99" name="直线箭头连接符 98">
+            <a:extLst>
+              <a:ext uri="{FF2B5EF4-FFF2-40B4-BE49-F238E27FC236}">
+                <a16:creationId xmlns:a16="http://schemas.microsoft.com/office/drawing/2014/main" id="{0CD21DEA-2548-45F6-929A-893819F46877}"/>
+              </a:ext>
+            </a:extLst>
+          </p:cNvPr>
+          <p:cNvCxnSpPr>
+            <a:cxnSpLocks/>
+          </p:cNvCxnSpPr>
+          <p:nvPr/>
+        </p:nvCxnSpPr>
+        <p:spPr>
+          <a:xfrm flipV="1">
+            <a:off x="5208326" y="2431846"/>
+            <a:ext cx="0" cy="123021"/>
+          </a:xfrm>
+          <a:prstGeom prst="straightConnector1">
+            <a:avLst/>
+          </a:prstGeom>
+          <a:ln w="19050" cap="rnd">
+            <a:solidFill>
+              <a:schemeClr val="bg1">
+                <a:lumMod val="65000"/>
+                <a:alpha val="90000"/>
+              </a:schemeClr>
+            </a:solidFill>
+            <a:prstDash val="solid"/>
+            <a:headEnd type="none"/>
+            <a:tailEnd type="none" w="med" len="med"/>
+          </a:ln>
+        </p:spPr>
+        <p:style>
+          <a:lnRef idx="1">
+            <a:schemeClr val="accent1"/>
+          </a:lnRef>
+          <a:fillRef idx="0">
+            <a:schemeClr val="accent1"/>
+          </a:fillRef>
+          <a:effectRef idx="0">
+            <a:schemeClr val="accent1"/>
+          </a:effectRef>
+          <a:fontRef idx="minor">
+            <a:schemeClr val="tx1"/>
+          </a:fontRef>
+        </p:style>
+      </p:cxnSp>
+      <p:cxnSp>
+        <p:nvCxnSpPr>
+          <p:cNvPr id="102" name="直线箭头连接符 101">
+            <a:extLst>
+              <a:ext uri="{FF2B5EF4-FFF2-40B4-BE49-F238E27FC236}">
+                <a16:creationId xmlns:a16="http://schemas.microsoft.com/office/drawing/2014/main" id="{B6FBE38A-9286-8C17-739C-2CCA06760618}"/>
+              </a:ext>
+            </a:extLst>
+          </p:cNvPr>
+          <p:cNvCxnSpPr>
+            <a:cxnSpLocks/>
+          </p:cNvCxnSpPr>
+          <p:nvPr/>
+        </p:nvCxnSpPr>
+        <p:spPr>
+          <a:xfrm flipV="1">
+            <a:off x="5111933" y="2521374"/>
+            <a:ext cx="0" cy="123021"/>
+          </a:xfrm>
+          <a:prstGeom prst="straightConnector1">
+            <a:avLst/>
+          </a:prstGeom>
+          <a:ln w="19050" cap="rnd">
+            <a:solidFill>
+              <a:schemeClr val="bg1">
+                <a:lumMod val="65000"/>
+                <a:alpha val="90000"/>
+              </a:schemeClr>
+            </a:solidFill>
+            <a:prstDash val="solid"/>
+            <a:headEnd type="none"/>
+            <a:tailEnd type="none" w="med" len="med"/>
+          </a:ln>
+        </p:spPr>
+        <p:style>
+          <a:lnRef idx="1">
+            <a:schemeClr val="accent1"/>
+          </a:lnRef>
+          <a:fillRef idx="0">
+            <a:schemeClr val="accent1"/>
+          </a:fillRef>
+          <a:effectRef idx="0">
+            <a:schemeClr val="accent1"/>
+          </a:effectRef>
+          <a:fontRef idx="minor">
+            <a:schemeClr val="tx1"/>
+          </a:fontRef>
+        </p:style>
+      </p:cxnSp>
+      <p:cxnSp>
+        <p:nvCxnSpPr>
+          <p:cNvPr id="103" name="直线箭头连接符 102">
+            <a:extLst>
+              <a:ext uri="{FF2B5EF4-FFF2-40B4-BE49-F238E27FC236}">
+                <a16:creationId xmlns:a16="http://schemas.microsoft.com/office/drawing/2014/main" id="{89AC9D6D-F81F-4559-E468-ACB3F72A3920}"/>
+              </a:ext>
+            </a:extLst>
+          </p:cNvPr>
+          <p:cNvCxnSpPr>
+            <a:cxnSpLocks/>
+          </p:cNvCxnSpPr>
+          <p:nvPr/>
+        </p:nvCxnSpPr>
+        <p:spPr>
+          <a:xfrm flipV="1">
+            <a:off x="5015537" y="2619356"/>
+            <a:ext cx="0" cy="123021"/>
+          </a:xfrm>
+          <a:prstGeom prst="straightConnector1">
+            <a:avLst/>
+          </a:prstGeom>
+          <a:ln w="19050" cap="rnd">
+            <a:solidFill>
+              <a:schemeClr val="bg1">
+                <a:lumMod val="65000"/>
+                <a:alpha val="90000"/>
+              </a:schemeClr>
+            </a:solidFill>
+            <a:prstDash val="solid"/>
+            <a:headEnd type="none"/>
+            <a:tailEnd type="none" w="med" len="med"/>
+          </a:ln>
+        </p:spPr>
+        <p:style>
+          <a:lnRef idx="1">
+            <a:schemeClr val="accent1"/>
+          </a:lnRef>
+          <a:fillRef idx="0">
+            <a:schemeClr val="accent1"/>
+          </a:fillRef>
+          <a:effectRef idx="0">
+            <a:schemeClr val="accent1"/>
+          </a:effectRef>
+          <a:fontRef idx="minor">
+            <a:schemeClr val="tx1"/>
+          </a:fontRef>
+        </p:style>
+      </p:cxnSp>
+      <p:cxnSp>
+        <p:nvCxnSpPr>
+          <p:cNvPr id="104" name="直线箭头连接符 103">
+            <a:extLst>
+              <a:ext uri="{FF2B5EF4-FFF2-40B4-BE49-F238E27FC236}">
+                <a16:creationId xmlns:a16="http://schemas.microsoft.com/office/drawing/2014/main" id="{4A35F22E-C46E-DCB1-18C5-25E86C02745C}"/>
+              </a:ext>
+            </a:extLst>
+          </p:cNvPr>
+          <p:cNvCxnSpPr>
+            <a:cxnSpLocks/>
+          </p:cNvCxnSpPr>
+          <p:nvPr/>
+        </p:nvCxnSpPr>
+        <p:spPr>
+          <a:xfrm flipV="1">
+            <a:off x="4919141" y="2719167"/>
+            <a:ext cx="0" cy="123021"/>
+          </a:xfrm>
+          <a:prstGeom prst="straightConnector1">
+            <a:avLst/>
+          </a:prstGeom>
+          <a:ln w="19050" cap="rnd">
+            <a:solidFill>
+              <a:schemeClr val="bg1">
+                <a:lumMod val="65000"/>
+                <a:alpha val="90000"/>
+              </a:schemeClr>
+            </a:solidFill>
+            <a:prstDash val="solid"/>
+            <a:headEnd type="none"/>
+            <a:tailEnd type="none" w="med" len="med"/>
+          </a:ln>
+        </p:spPr>
+        <p:style>
+          <a:lnRef idx="1">
+            <a:schemeClr val="accent1"/>
+          </a:lnRef>
+          <a:fillRef idx="0">
+            <a:schemeClr val="accent1"/>
+          </a:fillRef>
+          <a:effectRef idx="0">
+            <a:schemeClr val="accent1"/>
+          </a:effectRef>
+          <a:fontRef idx="minor">
+            <a:schemeClr val="tx1"/>
+          </a:fontRef>
+        </p:style>
+      </p:cxnSp>
+      <p:cxnSp>
+        <p:nvCxnSpPr>
+          <p:cNvPr id="105" name="直线箭头连接符 104">
+            <a:extLst>
+              <a:ext uri="{FF2B5EF4-FFF2-40B4-BE49-F238E27FC236}">
+                <a16:creationId xmlns:a16="http://schemas.microsoft.com/office/drawing/2014/main" id="{14F5D2C1-B622-7FE0-A187-1374828643B4}"/>
+              </a:ext>
+            </a:extLst>
+          </p:cNvPr>
+          <p:cNvCxnSpPr>
+            <a:cxnSpLocks/>
+          </p:cNvCxnSpPr>
+          <p:nvPr/>
+        </p:nvCxnSpPr>
+        <p:spPr>
+          <a:xfrm flipV="1">
+            <a:off x="4822745" y="2809848"/>
+            <a:ext cx="0" cy="123021"/>
+          </a:xfrm>
+          <a:prstGeom prst="straightConnector1">
+            <a:avLst/>
+          </a:prstGeom>
+          <a:ln w="19050" cap="rnd">
+            <a:solidFill>
+              <a:schemeClr val="bg1">
+                <a:lumMod val="65000"/>
+                <a:alpha val="90000"/>
+              </a:schemeClr>
+            </a:solidFill>
+            <a:prstDash val="solid"/>
+            <a:headEnd type="none"/>
+            <a:tailEnd type="none" w="med" len="med"/>
+          </a:ln>
+        </p:spPr>
+        <p:style>
+          <a:lnRef idx="1">
+            <a:schemeClr val="accent1"/>
+          </a:lnRef>
+          <a:fillRef idx="0">
+            <a:schemeClr val="accent1"/>
+          </a:fillRef>
+          <a:effectRef idx="0">
+            <a:schemeClr val="accent1"/>
+          </a:effectRef>
+          <a:fontRef idx="minor">
+            <a:schemeClr val="tx1"/>
+          </a:fontRef>
+        </p:style>
+      </p:cxnSp>
+      <p:cxnSp>
+        <p:nvCxnSpPr>
+          <p:cNvPr id="106" name="直线箭头连接符 105">
+            <a:extLst>
+              <a:ext uri="{FF2B5EF4-FFF2-40B4-BE49-F238E27FC236}">
+                <a16:creationId xmlns:a16="http://schemas.microsoft.com/office/drawing/2014/main" id="{BAB17252-AEF5-FCD0-17D5-949D15AD2AD3}"/>
+              </a:ext>
+            </a:extLst>
+          </p:cNvPr>
+          <p:cNvCxnSpPr>
+            <a:cxnSpLocks/>
+          </p:cNvCxnSpPr>
+          <p:nvPr/>
+        </p:nvCxnSpPr>
+        <p:spPr>
+          <a:xfrm flipV="1">
+            <a:off x="4726349" y="2905133"/>
+            <a:ext cx="0" cy="123021"/>
+          </a:xfrm>
+          <a:prstGeom prst="straightConnector1">
+            <a:avLst/>
+          </a:prstGeom>
+          <a:ln w="19050" cap="rnd">
+            <a:solidFill>
+              <a:schemeClr val="bg1">
+                <a:lumMod val="65000"/>
+                <a:alpha val="90000"/>
+              </a:schemeClr>
+            </a:solidFill>
+            <a:prstDash val="solid"/>
+            <a:headEnd type="none"/>
+            <a:tailEnd type="none" w="med" len="med"/>
+          </a:ln>
+        </p:spPr>
+        <p:style>
+          <a:lnRef idx="1">
+            <a:schemeClr val="accent1"/>
+          </a:lnRef>
+          <a:fillRef idx="0">
+            <a:schemeClr val="accent1"/>
+          </a:fillRef>
+          <a:effectRef idx="0">
+            <a:schemeClr val="accent1"/>
+          </a:effectRef>
+          <a:fontRef idx="minor">
+            <a:schemeClr val="tx1"/>
+          </a:fontRef>
+        </p:style>
+      </p:cxnSp>
+      <p:cxnSp>
+        <p:nvCxnSpPr>
+          <p:cNvPr id="107" name="直线箭头连接符 106">
+            <a:extLst>
+              <a:ext uri="{FF2B5EF4-FFF2-40B4-BE49-F238E27FC236}">
+                <a16:creationId xmlns:a16="http://schemas.microsoft.com/office/drawing/2014/main" id="{8B1B0E32-816B-78A0-4828-4424A4F53700}"/>
+              </a:ext>
+            </a:extLst>
+          </p:cNvPr>
+          <p:cNvCxnSpPr>
+            <a:cxnSpLocks/>
+          </p:cNvCxnSpPr>
+          <p:nvPr/>
+        </p:nvCxnSpPr>
+        <p:spPr>
+          <a:xfrm flipV="1">
+            <a:off x="4629953" y="3003702"/>
+            <a:ext cx="0" cy="123021"/>
+          </a:xfrm>
+          <a:prstGeom prst="straightConnector1">
+            <a:avLst/>
+          </a:prstGeom>
+          <a:ln w="19050" cap="rnd">
+            <a:solidFill>
+              <a:schemeClr val="bg1">
+                <a:lumMod val="65000"/>
+                <a:alpha val="90000"/>
+              </a:schemeClr>
+            </a:solidFill>
+            <a:prstDash val="solid"/>
+            <a:headEnd type="none"/>
+            <a:tailEnd type="none" w="med" len="med"/>
+          </a:ln>
+        </p:spPr>
+        <p:style>
+          <a:lnRef idx="1">
+            <a:schemeClr val="accent1"/>
+          </a:lnRef>
+          <a:fillRef idx="0">
+            <a:schemeClr val="accent1"/>
+          </a:fillRef>
+          <a:effectRef idx="0">
+            <a:schemeClr val="accent1"/>
+          </a:effectRef>
+          <a:fontRef idx="minor">
+            <a:schemeClr val="tx1"/>
+          </a:fontRef>
+        </p:style>
+      </p:cxnSp>
+      <p:cxnSp>
+        <p:nvCxnSpPr>
+          <p:cNvPr id="108" name="直线箭头连接符 107">
+            <a:extLst>
+              <a:ext uri="{FF2B5EF4-FFF2-40B4-BE49-F238E27FC236}">
+                <a16:creationId xmlns:a16="http://schemas.microsoft.com/office/drawing/2014/main" id="{26855CD0-8B09-BBFF-22DE-BD96238767F6}"/>
+              </a:ext>
+            </a:extLst>
+          </p:cNvPr>
+          <p:cNvCxnSpPr>
+            <a:cxnSpLocks/>
+          </p:cNvCxnSpPr>
+          <p:nvPr/>
+        </p:nvCxnSpPr>
+        <p:spPr>
+          <a:xfrm flipV="1">
+            <a:off x="4533557" y="3092304"/>
+            <a:ext cx="0" cy="123021"/>
+          </a:xfrm>
+          <a:prstGeom prst="straightConnector1">
+            <a:avLst/>
+          </a:prstGeom>
+          <a:ln w="19050" cap="rnd">
+            <a:solidFill>
+              <a:schemeClr val="bg1">
+                <a:lumMod val="65000"/>
+                <a:alpha val="90000"/>
+              </a:schemeClr>
+            </a:solidFill>
+            <a:prstDash val="solid"/>
+            <a:headEnd type="none"/>
+            <a:tailEnd type="none" w="med" len="med"/>
+          </a:ln>
+        </p:spPr>
+        <p:style>
+          <a:lnRef idx="1">
+            <a:schemeClr val="accent1"/>
+          </a:lnRef>
+          <a:fillRef idx="0">
+            <a:schemeClr val="accent1"/>
+          </a:fillRef>
+          <a:effectRef idx="0">
+            <a:schemeClr val="accent1"/>
+          </a:effectRef>
+          <a:fontRef idx="minor">
+            <a:schemeClr val="tx1"/>
+          </a:fontRef>
+        </p:style>
+      </p:cxnSp>
+      <p:cxnSp>
+        <p:nvCxnSpPr>
+          <p:cNvPr id="109" name="直线箭头连接符 108">
+            <a:extLst>
+              <a:ext uri="{FF2B5EF4-FFF2-40B4-BE49-F238E27FC236}">
+                <a16:creationId xmlns:a16="http://schemas.microsoft.com/office/drawing/2014/main" id="{54B9E2F1-132F-20EF-4425-2D36E595BA55}"/>
+              </a:ext>
+            </a:extLst>
+          </p:cNvPr>
+          <p:cNvCxnSpPr>
+            <a:cxnSpLocks/>
+          </p:cNvCxnSpPr>
+          <p:nvPr/>
+        </p:nvCxnSpPr>
+        <p:spPr>
+          <a:xfrm flipV="1">
+            <a:off x="4437161" y="3182216"/>
+            <a:ext cx="0" cy="123021"/>
+          </a:xfrm>
+          <a:prstGeom prst="straightConnector1">
+            <a:avLst/>
+          </a:prstGeom>
+          <a:ln w="19050" cap="rnd">
+            <a:solidFill>
+              <a:schemeClr val="bg1">
+                <a:lumMod val="65000"/>
+                <a:alpha val="90000"/>
+              </a:schemeClr>
+            </a:solidFill>
+            <a:prstDash val="solid"/>
+            <a:headEnd type="none"/>
+            <a:tailEnd type="none" w="med" len="med"/>
+          </a:ln>
+        </p:spPr>
+        <p:style>
+          <a:lnRef idx="1">
+            <a:schemeClr val="accent1"/>
+          </a:lnRef>
+          <a:fillRef idx="0">
+            <a:schemeClr val="accent1"/>
+          </a:fillRef>
+          <a:effectRef idx="0">
+            <a:schemeClr val="accent1"/>
+          </a:effectRef>
+          <a:fontRef idx="minor">
+            <a:schemeClr val="tx1"/>
+          </a:fontRef>
+        </p:style>
+      </p:cxnSp>
+      <p:cxnSp>
+        <p:nvCxnSpPr>
+          <p:cNvPr id="110" name="直线箭头连接符 109">
+            <a:extLst>
+              <a:ext uri="{FF2B5EF4-FFF2-40B4-BE49-F238E27FC236}">
+                <a16:creationId xmlns:a16="http://schemas.microsoft.com/office/drawing/2014/main" id="{B831B112-EC04-4B13-4BCC-4978CCF8EF02}"/>
+              </a:ext>
+            </a:extLst>
+          </p:cNvPr>
+          <p:cNvCxnSpPr>
+            <a:cxnSpLocks/>
+          </p:cNvCxnSpPr>
+          <p:nvPr/>
+        </p:nvCxnSpPr>
+        <p:spPr>
+          <a:xfrm flipV="1">
+            <a:off x="4340765" y="3276435"/>
+            <a:ext cx="0" cy="123021"/>
+          </a:xfrm>
+          <a:prstGeom prst="straightConnector1">
+            <a:avLst/>
+          </a:prstGeom>
+          <a:ln w="19050" cap="rnd">
+            <a:solidFill>
+              <a:schemeClr val="bg1">
+                <a:lumMod val="65000"/>
+                <a:alpha val="90000"/>
+              </a:schemeClr>
+            </a:solidFill>
+            <a:prstDash val="solid"/>
+            <a:headEnd type="none"/>
+            <a:tailEnd type="none" w="med" len="med"/>
+          </a:ln>
+        </p:spPr>
+        <p:style>
+          <a:lnRef idx="1">
+            <a:schemeClr val="accent1"/>
+          </a:lnRef>
+          <a:fillRef idx="0">
+            <a:schemeClr val="accent1"/>
+          </a:fillRef>
+          <a:effectRef idx="0">
+            <a:schemeClr val="accent1"/>
+          </a:effectRef>
+          <a:fontRef idx="minor">
+            <a:schemeClr val="tx1"/>
+          </a:fontRef>
+        </p:style>
+      </p:cxnSp>
+      <p:cxnSp>
+        <p:nvCxnSpPr>
+          <p:cNvPr id="111" name="直线箭头连接符 110">
+            <a:extLst>
+              <a:ext uri="{FF2B5EF4-FFF2-40B4-BE49-F238E27FC236}">
+                <a16:creationId xmlns:a16="http://schemas.microsoft.com/office/drawing/2014/main" id="{984CAFD0-8C47-D3E9-0976-6F4AFED33B26}"/>
+              </a:ext>
+            </a:extLst>
+          </p:cNvPr>
+          <p:cNvCxnSpPr>
+            <a:cxnSpLocks/>
+          </p:cNvCxnSpPr>
+          <p:nvPr/>
+        </p:nvCxnSpPr>
+        <p:spPr>
+          <a:xfrm flipV="1">
+            <a:off x="4244369" y="3367489"/>
+            <a:ext cx="0" cy="123021"/>
+          </a:xfrm>
+          <a:prstGeom prst="straightConnector1">
+            <a:avLst/>
+          </a:prstGeom>
+          <a:ln w="19050" cap="rnd">
+            <a:solidFill>
+              <a:schemeClr val="bg1">
+                <a:lumMod val="65000"/>
+                <a:alpha val="90000"/>
+              </a:schemeClr>
+            </a:solidFill>
+            <a:prstDash val="solid"/>
+            <a:headEnd type="none"/>
+            <a:tailEnd type="none" w="med" len="med"/>
+          </a:ln>
+        </p:spPr>
+        <p:style>
+          <a:lnRef idx="1">
+            <a:schemeClr val="accent1"/>
+          </a:lnRef>
+          <a:fillRef idx="0">
+            <a:schemeClr val="accent1"/>
+          </a:fillRef>
+          <a:effectRef idx="0">
+            <a:schemeClr val="accent1"/>
+          </a:effectRef>
+          <a:fontRef idx="minor">
+            <a:schemeClr val="tx1"/>
+          </a:fontRef>
+        </p:style>
+      </p:cxnSp>
+      <p:cxnSp>
+        <p:nvCxnSpPr>
+          <p:cNvPr id="112" name="直线箭头连接符 111">
+            <a:extLst>
+              <a:ext uri="{FF2B5EF4-FFF2-40B4-BE49-F238E27FC236}">
+                <a16:creationId xmlns:a16="http://schemas.microsoft.com/office/drawing/2014/main" id="{7A4E428B-E982-7151-2DDE-B2473DDE117B}"/>
+              </a:ext>
+            </a:extLst>
+          </p:cNvPr>
+          <p:cNvCxnSpPr>
+            <a:cxnSpLocks/>
+          </p:cNvCxnSpPr>
+          <p:nvPr/>
+        </p:nvCxnSpPr>
+        <p:spPr>
+          <a:xfrm flipV="1">
+            <a:off x="4147973" y="3468442"/>
+            <a:ext cx="0" cy="123021"/>
+          </a:xfrm>
+          <a:prstGeom prst="straightConnector1">
+            <a:avLst/>
+          </a:prstGeom>
+          <a:ln w="19050" cap="rnd">
+            <a:solidFill>
+              <a:schemeClr val="bg1">
+                <a:lumMod val="65000"/>
+                <a:alpha val="90000"/>
+              </a:schemeClr>
+            </a:solidFill>
+            <a:prstDash val="solid"/>
+            <a:headEnd type="none"/>
+            <a:tailEnd type="none" w="med" len="med"/>
+          </a:ln>
+        </p:spPr>
+        <p:style>
+          <a:lnRef idx="1">
+            <a:schemeClr val="accent1"/>
+          </a:lnRef>
+          <a:fillRef idx="0">
+            <a:schemeClr val="accent1"/>
+          </a:fillRef>
+          <a:effectRef idx="0">
+            <a:schemeClr val="accent1"/>
+          </a:effectRef>
+          <a:fontRef idx="minor">
+            <a:schemeClr val="tx1"/>
+          </a:fontRef>
+        </p:style>
+      </p:cxnSp>
+      <p:cxnSp>
+        <p:nvCxnSpPr>
+          <p:cNvPr id="113" name="直线箭头连接符 112">
+            <a:extLst>
+              <a:ext uri="{FF2B5EF4-FFF2-40B4-BE49-F238E27FC236}">
+                <a16:creationId xmlns:a16="http://schemas.microsoft.com/office/drawing/2014/main" id="{B57D0180-60FB-7574-D83E-340C056C6A99}"/>
+              </a:ext>
+            </a:extLst>
+          </p:cNvPr>
+          <p:cNvCxnSpPr>
+            <a:cxnSpLocks/>
+          </p:cNvCxnSpPr>
+          <p:nvPr/>
+        </p:nvCxnSpPr>
+        <p:spPr>
+          <a:xfrm flipV="1">
+            <a:off x="4051577" y="3545977"/>
+            <a:ext cx="0" cy="123021"/>
+          </a:xfrm>
+          <a:prstGeom prst="straightConnector1">
+            <a:avLst/>
+          </a:prstGeom>
+          <a:ln w="19050" cap="rnd">
+            <a:solidFill>
+              <a:schemeClr val="bg1">
+                <a:lumMod val="65000"/>
+                <a:alpha val="90000"/>
+              </a:schemeClr>
+            </a:solidFill>
+            <a:prstDash val="solid"/>
+            <a:headEnd type="none"/>
+            <a:tailEnd type="none" w="med" len="med"/>
+          </a:ln>
+        </p:spPr>
+        <p:style>
+          <a:lnRef idx="1">
+            <a:schemeClr val="accent1"/>
+          </a:lnRef>
+          <a:fillRef idx="0">
+            <a:schemeClr val="accent1"/>
+          </a:fillRef>
+          <a:effectRef idx="0">
+            <a:schemeClr val="accent1"/>
+          </a:effectRef>
+          <a:fontRef idx="minor">
+            <a:schemeClr val="tx1"/>
+          </a:fontRef>
+        </p:style>
+      </p:cxnSp>
+      <p:sp>
+        <p:nvSpPr>
+          <p:cNvPr id="115" name="文本框 114">
+            <a:extLst>
+              <a:ext uri="{FF2B5EF4-FFF2-40B4-BE49-F238E27FC236}">
+                <a16:creationId xmlns:a16="http://schemas.microsoft.com/office/drawing/2014/main" id="{9D48342E-D681-DB01-4A80-C2223EDB8DEC}"/>
+              </a:ext>
+            </a:extLst>
+          </p:cNvPr>
+          <p:cNvSpPr txBox="1"/>
+          <p:nvPr/>
+        </p:nvSpPr>
+        <p:spPr>
+          <a:xfrm>
+            <a:off x="2496821" y="3006053"/>
+            <a:ext cx="1271502" cy="369332"/>
+          </a:xfrm>
+          <a:prstGeom prst="rect">
+            <a:avLst/>
+          </a:prstGeom>
+          <a:noFill/>
+        </p:spPr>
+        <p:txBody>
+          <a:bodyPr wrap="none" rtlCol="0">
+            <a:spAutoFit/>
+          </a:bodyPr>
+          <a:lstStyle/>
+          <a:p>
+            <a:r>
+              <a:rPr kumimoji="1" lang="en-US" altLang="zh-CN" dirty="0"/>
+              <a:t>optical</a:t>
+            </a:r>
+            <a:r>
+              <a:rPr kumimoji="1" lang="zh-CN" altLang="en-US" dirty="0"/>
+              <a:t> </a:t>
+            </a:r>
+            <a:r>
+              <a:rPr kumimoji="1" lang="en-US" altLang="zh-CN" dirty="0"/>
+              <a:t>axis</a:t>
+            </a:r>
+            <a:endParaRPr kumimoji="1" lang="zh-CN" altLang="en-US" dirty="0"/>
+          </a:p>
+        </p:txBody>
+      </p:sp>
+      <p:sp>
+        <p:nvSpPr>
+          <p:cNvPr id="117" name="任意形状 116">
+            <a:extLst>
+              <a:ext uri="{FF2B5EF4-FFF2-40B4-BE49-F238E27FC236}">
+                <a16:creationId xmlns:a16="http://schemas.microsoft.com/office/drawing/2014/main" id="{31BACFE2-EE93-15A9-0CA2-A7A3CD57A36F}"/>
+              </a:ext>
+            </a:extLst>
+          </p:cNvPr>
+          <p:cNvSpPr/>
+          <p:nvPr/>
+        </p:nvSpPr>
+        <p:spPr>
+          <a:xfrm>
+            <a:off x="3113590" y="2476982"/>
+            <a:ext cx="462987" cy="601884"/>
+          </a:xfrm>
+          <a:custGeom>
+            <a:avLst/>
+            <a:gdLst>
+              <a:gd name="connsiteX0" fmla="*/ 462987 w 462987"/>
+              <a:gd name="connsiteY0" fmla="*/ 0 h 601884"/>
+              <a:gd name="connsiteX1" fmla="*/ 104172 w 462987"/>
+              <a:gd name="connsiteY1" fmla="*/ 138896 h 601884"/>
+              <a:gd name="connsiteX2" fmla="*/ 0 w 462987"/>
+              <a:gd name="connsiteY2" fmla="*/ 601884 h 601884"/>
+            </a:gdLst>
+            <a:ahLst/>
+            <a:cxnLst>
+              <a:cxn ang="0">
+                <a:pos x="connsiteX0" y="connsiteY0"/>
+              </a:cxn>
+              <a:cxn ang="0">
+                <a:pos x="connsiteX1" y="connsiteY1"/>
+              </a:cxn>
+              <a:cxn ang="0">
+                <a:pos x="connsiteX2" y="connsiteY2"/>
+              </a:cxn>
+            </a:cxnLst>
+            <a:rect l="l" t="t" r="r" b="b"/>
+            <a:pathLst>
+              <a:path w="462987" h="601884">
+                <a:moveTo>
+                  <a:pt x="462987" y="0"/>
+                </a:moveTo>
+                <a:cubicBezTo>
+                  <a:pt x="322161" y="19291"/>
+                  <a:pt x="181336" y="38582"/>
+                  <a:pt x="104172" y="138896"/>
+                </a:cubicBezTo>
+                <a:cubicBezTo>
+                  <a:pt x="27008" y="239210"/>
+                  <a:pt x="23149" y="520861"/>
+                  <a:pt x="0" y="601884"/>
+                </a:cubicBezTo>
+              </a:path>
+            </a:pathLst>
+          </a:custGeom>
+          <a:ln w="12700"/>
+        </p:spPr>
+        <p:style>
+          <a:lnRef idx="1">
+            <a:schemeClr val="dk1"/>
+          </a:lnRef>
+          <a:fillRef idx="0">
+            <a:schemeClr val="dk1"/>
+          </a:fillRef>
+          <a:effectRef idx="0">
+            <a:schemeClr val="dk1"/>
+          </a:effectRef>
+          <a:fontRef idx="minor">
+            <a:schemeClr val="tx1"/>
+          </a:fontRef>
+        </p:style>
+        <p:txBody>
+          <a:bodyPr rtlCol="0" anchor="ctr"/>
+          <a:lstStyle/>
+          <a:p>
+            <a:pPr algn="ctr"/>
+            <a:endParaRPr kumimoji="1" lang="zh-CN" altLang="en-US"/>
+          </a:p>
+        </p:txBody>
+      </p:sp>
+      <mc:AlternateContent xmlns:mc="http://schemas.openxmlformats.org/markup-compatibility/2006" xmlns:a14="http://schemas.microsoft.com/office/drawing/2010/main">
+        <mc:Choice Requires="a14">
+          <p:sp>
+            <p:nvSpPr>
+              <p:cNvPr id="118" name="文本框 117">
+                <a:extLst>
+                  <a:ext uri="{FF2B5EF4-FFF2-40B4-BE49-F238E27FC236}">
+                    <a16:creationId xmlns:a16="http://schemas.microsoft.com/office/drawing/2014/main" id="{3EDB801F-7685-BD98-B88B-74D87C802BA5}"/>
+                  </a:ext>
+                </a:extLst>
+              </p:cNvPr>
+              <p:cNvSpPr txBox="1"/>
+              <p:nvPr/>
+            </p:nvSpPr>
+            <p:spPr>
+              <a:xfrm>
+                <a:off x="2997006" y="218203"/>
+                <a:ext cx="1987915" cy="369332"/>
+              </a:xfrm>
+              <a:prstGeom prst="rect">
+                <a:avLst/>
+              </a:prstGeom>
+              <a:noFill/>
+            </p:spPr>
+            <p:txBody>
+              <a:bodyPr wrap="none" rtlCol="0">
+                <a:spAutoFit/>
+              </a:bodyPr>
+              <a:lstStyle/>
+              <a:p>
+                <a:pPr/>
+                <a14:m>
+                  <m:oMathPara xmlns:m="http://schemas.openxmlformats.org/officeDocument/2006/math">
+                    <m:oMathParaPr>
+                      <m:jc m:val="centerGroup"/>
+                    </m:oMathParaPr>
+                    <m:oMath xmlns:m="http://schemas.openxmlformats.org/officeDocument/2006/math">
+                      <m:sSub>
+                        <m:sSubPr>
+                          <m:ctrlPr>
+                            <a:rPr kumimoji="1" lang="en-US" altLang="zh-CN" b="0" i="1" dirty="0" smtClean="0">
+                              <a:solidFill>
+                                <a:schemeClr val="accent1"/>
+                              </a:solidFill>
+                              <a:latin typeface="Cambria Math" panose="02040503050406030204" pitchFamily="18" charset="0"/>
+                            </a:rPr>
+                          </m:ctrlPr>
+                        </m:sSubPr>
+                        <m:e>
+                          <m:r>
+                            <a:rPr kumimoji="1" lang="en-US" altLang="zh-CN" i="1" dirty="0" smtClean="0">
+                              <a:solidFill>
+                                <a:schemeClr val="accent1"/>
+                              </a:solidFill>
+                              <a:latin typeface="Cambria Math" panose="02040503050406030204" pitchFamily="18" charset="0"/>
+                            </a:rPr>
+                            <m:t>𝑃</m:t>
+                          </m:r>
+                        </m:e>
+                        <m:sub>
+                          <m:r>
+                            <a:rPr kumimoji="1" lang="en-US" altLang="zh-CN" b="0" i="1" dirty="0" smtClean="0">
+                              <a:solidFill>
+                                <a:schemeClr val="accent1"/>
+                              </a:solidFill>
+                              <a:latin typeface="Cambria Math" panose="02040503050406030204" pitchFamily="18" charset="0"/>
+                            </a:rPr>
+                            <m:t>𝑐</m:t>
+                          </m:r>
+                        </m:sub>
+                      </m:sSub>
+                      <m:r>
+                        <a:rPr kumimoji="1" lang="en-US" altLang="zh-CN" i="1" dirty="0" smtClean="0">
+                          <a:solidFill>
+                            <a:schemeClr val="accent1"/>
+                          </a:solidFill>
+                          <a:latin typeface="Cambria Math" panose="02040503050406030204" pitchFamily="18" charset="0"/>
+                        </a:rPr>
+                        <m:t>=</m:t>
+                      </m:r>
+                      <m:r>
+                        <a:rPr kumimoji="1" lang="zh-CN" altLang="en-US" i="1" dirty="0" smtClean="0">
+                          <a:solidFill>
+                            <a:schemeClr val="accent1"/>
+                          </a:solidFill>
+                          <a:latin typeface="Cambria Math" panose="02040503050406030204" pitchFamily="18" charset="0"/>
+                        </a:rPr>
+                        <m:t> </m:t>
+                      </m:r>
+                      <m:r>
+                        <a:rPr kumimoji="1" lang="en-US" altLang="zh-CN" i="1" dirty="0" smtClean="0">
+                          <a:solidFill>
+                            <a:schemeClr val="accent1"/>
+                          </a:solidFill>
+                          <a:latin typeface="Cambria Math" panose="02040503050406030204" pitchFamily="18" charset="0"/>
+                        </a:rPr>
+                        <m:t>(</m:t>
+                      </m:r>
+                      <m:sSub>
+                        <m:sSubPr>
+                          <m:ctrlPr>
+                            <a:rPr kumimoji="1" lang="en-US" altLang="zh-CN" b="0" i="1" dirty="0" smtClean="0">
+                              <a:solidFill>
+                                <a:schemeClr val="accent1"/>
+                              </a:solidFill>
+                              <a:latin typeface="Cambria Math" panose="02040503050406030204" pitchFamily="18" charset="0"/>
+                            </a:rPr>
+                          </m:ctrlPr>
+                        </m:sSubPr>
+                        <m:e>
+                          <m:r>
+                            <a:rPr kumimoji="1" lang="en-US" altLang="zh-CN" i="1" dirty="0" smtClean="0">
+                              <a:solidFill>
+                                <a:schemeClr val="accent1"/>
+                              </a:solidFill>
+                              <a:latin typeface="Cambria Math" panose="02040503050406030204" pitchFamily="18" charset="0"/>
+                            </a:rPr>
+                            <m:t>𝑋</m:t>
+                          </m:r>
+                        </m:e>
+                        <m:sub>
+                          <m:r>
+                            <a:rPr kumimoji="1" lang="en-US" altLang="zh-CN" b="0" i="1" dirty="0" smtClean="0">
+                              <a:solidFill>
+                                <a:schemeClr val="accent1"/>
+                              </a:solidFill>
+                              <a:latin typeface="Cambria Math" panose="02040503050406030204" pitchFamily="18" charset="0"/>
+                            </a:rPr>
+                            <m:t>𝑤</m:t>
+                          </m:r>
+                        </m:sub>
+                      </m:sSub>
+                      <m:r>
+                        <a:rPr kumimoji="1" lang="en-US" altLang="zh-CN" b="0" i="1" dirty="0" smtClean="0">
+                          <a:solidFill>
+                            <a:schemeClr val="accent1"/>
+                          </a:solidFill>
+                          <a:latin typeface="Cambria Math" panose="02040503050406030204" pitchFamily="18" charset="0"/>
+                        </a:rPr>
+                        <m:t>,</m:t>
+                      </m:r>
+                      <m:r>
+                        <a:rPr kumimoji="1" lang="zh-CN" altLang="en-US" b="0" i="1" dirty="0" smtClean="0">
+                          <a:solidFill>
+                            <a:schemeClr val="accent1"/>
+                          </a:solidFill>
+                          <a:latin typeface="Cambria Math" panose="02040503050406030204" pitchFamily="18" charset="0"/>
+                        </a:rPr>
+                        <m:t> </m:t>
+                      </m:r>
+                      <m:sSub>
+                        <m:sSubPr>
+                          <m:ctrlPr>
+                            <a:rPr kumimoji="1" lang="en-US" altLang="zh-CN" b="0" i="1" dirty="0" smtClean="0">
+                              <a:solidFill>
+                                <a:schemeClr val="accent1"/>
+                              </a:solidFill>
+                              <a:latin typeface="Cambria Math" panose="02040503050406030204" pitchFamily="18" charset="0"/>
+                            </a:rPr>
+                          </m:ctrlPr>
+                        </m:sSubPr>
+                        <m:e>
+                          <m:r>
+                            <a:rPr kumimoji="1" lang="en-US" altLang="zh-CN" b="0" i="1" dirty="0" smtClean="0">
+                              <a:solidFill>
+                                <a:schemeClr val="accent1"/>
+                              </a:solidFill>
+                              <a:latin typeface="Cambria Math" panose="02040503050406030204" pitchFamily="18" charset="0"/>
+                            </a:rPr>
+                            <m:t>𝑌</m:t>
+                          </m:r>
+                        </m:e>
+                        <m:sub>
+                          <m:r>
+                            <a:rPr kumimoji="1" lang="en-US" altLang="zh-CN" b="0" i="1" dirty="0" smtClean="0">
+                              <a:solidFill>
+                                <a:schemeClr val="accent1"/>
+                              </a:solidFill>
+                              <a:latin typeface="Cambria Math" panose="02040503050406030204" pitchFamily="18" charset="0"/>
+                            </a:rPr>
+                            <m:t>𝑤</m:t>
+                          </m:r>
+                        </m:sub>
+                      </m:sSub>
+                      <m:r>
+                        <a:rPr kumimoji="1" lang="en-US" altLang="zh-CN" b="0" i="1" dirty="0" smtClean="0">
+                          <a:solidFill>
+                            <a:schemeClr val="accent1"/>
+                          </a:solidFill>
+                          <a:latin typeface="Cambria Math" panose="02040503050406030204" pitchFamily="18" charset="0"/>
+                        </a:rPr>
+                        <m:t>,</m:t>
+                      </m:r>
+                      <m:r>
+                        <a:rPr kumimoji="1" lang="zh-CN" altLang="en-US" b="0" i="1" dirty="0" smtClean="0">
+                          <a:solidFill>
+                            <a:schemeClr val="accent1"/>
+                          </a:solidFill>
+                          <a:latin typeface="Cambria Math" panose="02040503050406030204" pitchFamily="18" charset="0"/>
+                        </a:rPr>
+                        <m:t> </m:t>
+                      </m:r>
+                      <m:sSub>
+                        <m:sSubPr>
+                          <m:ctrlPr>
+                            <a:rPr kumimoji="1" lang="en-US" altLang="zh-CN" b="0" i="1" dirty="0" smtClean="0">
+                              <a:solidFill>
+                                <a:schemeClr val="accent1"/>
+                              </a:solidFill>
+                              <a:latin typeface="Cambria Math" panose="02040503050406030204" pitchFamily="18" charset="0"/>
+                            </a:rPr>
+                          </m:ctrlPr>
+                        </m:sSubPr>
+                        <m:e>
+                          <m:r>
+                            <a:rPr kumimoji="1" lang="en-US" altLang="zh-CN" b="0" i="1" dirty="0" smtClean="0">
+                              <a:solidFill>
+                                <a:schemeClr val="accent1"/>
+                              </a:solidFill>
+                              <a:latin typeface="Cambria Math" panose="02040503050406030204" pitchFamily="18" charset="0"/>
+                            </a:rPr>
+                            <m:t>𝑍</m:t>
+                          </m:r>
+                        </m:e>
+                        <m:sub>
+                          <m:r>
+                            <a:rPr kumimoji="1" lang="en-US" altLang="zh-CN" b="0" i="1" dirty="0" smtClean="0">
+                              <a:solidFill>
+                                <a:schemeClr val="accent1"/>
+                              </a:solidFill>
+                              <a:latin typeface="Cambria Math" panose="02040503050406030204" pitchFamily="18" charset="0"/>
+                            </a:rPr>
+                            <m:t>𝑤</m:t>
+                          </m:r>
+                        </m:sub>
+                      </m:sSub>
+                      <m:r>
+                        <a:rPr kumimoji="1" lang="en-US" altLang="zh-CN" i="1" dirty="0" smtClean="0">
+                          <a:solidFill>
+                            <a:schemeClr val="accent1"/>
+                          </a:solidFill>
+                          <a:latin typeface="Cambria Math" panose="02040503050406030204" pitchFamily="18" charset="0"/>
+                        </a:rPr>
+                        <m:t>)</m:t>
+                      </m:r>
+                    </m:oMath>
+                  </m:oMathPara>
+                </a14:m>
+                <a:endParaRPr kumimoji="1" lang="zh-CN" altLang="en-US" dirty="0">
+                  <a:solidFill>
+                    <a:schemeClr val="accent1"/>
+                  </a:solidFill>
+                </a:endParaRPr>
+              </a:p>
+            </p:txBody>
+          </p:sp>
+        </mc:Choice>
+        <mc:Fallback xmlns="">
+          <p:sp>
+            <p:nvSpPr>
+              <p:cNvPr id="118" name="文本框 117">
+                <a:extLst>
+                  <a:ext uri="{FF2B5EF4-FFF2-40B4-BE49-F238E27FC236}">
+                    <a16:creationId xmlns:a16="http://schemas.microsoft.com/office/drawing/2014/main" id="{3EDB801F-7685-BD98-B88B-74D87C802BA5}"/>
+                  </a:ext>
+                </a:extLst>
+              </p:cNvPr>
+              <p:cNvSpPr txBox="1">
+                <a:spLocks noRot="1" noChangeAspect="1" noMove="1" noResize="1" noEditPoints="1" noAdjustHandles="1" noChangeArrowheads="1" noChangeShapeType="1" noTextEdit="1"/>
+              </p:cNvSpPr>
+              <p:nvPr/>
+            </p:nvSpPr>
+            <p:spPr>
+              <a:xfrm>
+                <a:off x="2997006" y="218203"/>
+                <a:ext cx="1987915" cy="369332"/>
+              </a:xfrm>
+              <a:prstGeom prst="rect">
+                <a:avLst/>
+              </a:prstGeom>
+              <a:blipFill>
+                <a:blip r:embed="rId12"/>
+                <a:stretch>
+                  <a:fillRect b="-13333"/>
+                </a:stretch>
+              </a:blipFill>
+            </p:spPr>
+            <p:txBody>
+              <a:bodyPr/>
+              <a:lstStyle/>
+              <a:p>
+                <a:r>
+                  <a:rPr lang="zh-CN" altLang="en-US">
+                    <a:noFill/>
+                  </a:rPr>
+                  <a:t> </a:t>
+                </a:r>
+              </a:p>
+            </p:txBody>
+          </p:sp>
+        </mc:Fallback>
+      </mc:AlternateContent>
+      <mc:AlternateContent xmlns:mc="http://schemas.openxmlformats.org/markup-compatibility/2006" xmlns:a14="http://schemas.microsoft.com/office/drawing/2010/main">
+        <mc:Choice Requires="a14">
+          <p:sp>
+            <p:nvSpPr>
+              <p:cNvPr id="119" name="文本框 118">
+                <a:extLst>
+                  <a:ext uri="{FF2B5EF4-FFF2-40B4-BE49-F238E27FC236}">
+                    <a16:creationId xmlns:a16="http://schemas.microsoft.com/office/drawing/2014/main" id="{4418A3B5-5E83-1A7F-133F-55920345898E}"/>
+                  </a:ext>
+                </a:extLst>
+              </p:cNvPr>
+              <p:cNvSpPr txBox="1"/>
+              <p:nvPr/>
+            </p:nvSpPr>
+            <p:spPr>
+              <a:xfrm rot="18817345">
+                <a:off x="5185160" y="1809310"/>
+                <a:ext cx="994824" cy="307777"/>
+              </a:xfrm>
+              <a:prstGeom prst="rect">
+                <a:avLst/>
+              </a:prstGeom>
+              <a:noFill/>
+            </p:spPr>
+            <p:txBody>
+              <a:bodyPr wrap="none" rtlCol="0">
+                <a:spAutoFit/>
+              </a:bodyPr>
+              <a:lstStyle/>
+              <a:p>
+                <a:pPr/>
+                <a14:m>
+                  <m:oMathPara xmlns:m="http://schemas.openxmlformats.org/officeDocument/2006/math">
+                    <m:oMathParaPr>
+                      <m:jc m:val="centerGroup"/>
+                    </m:oMathParaPr>
+                    <m:oMath xmlns:m="http://schemas.openxmlformats.org/officeDocument/2006/math">
+                      <m:r>
+                        <a:rPr kumimoji="1" lang="en-US" altLang="zh-CN" sz="1400" b="0" i="1" smtClean="0">
+                          <a:solidFill>
+                            <a:schemeClr val="bg1">
+                              <a:lumMod val="50000"/>
+                            </a:schemeClr>
+                          </a:solidFill>
+                          <a:latin typeface="Cambria Math" panose="02040503050406030204" pitchFamily="18" charset="0"/>
+                        </a:rPr>
+                        <m:t>𝑝</m:t>
+                      </m:r>
+                      <m:r>
+                        <a:rPr kumimoji="1" lang="en-US" altLang="zh-CN" sz="1400" b="0" i="1" smtClean="0">
+                          <a:solidFill>
+                            <a:schemeClr val="bg1">
+                              <a:lumMod val="50000"/>
+                            </a:schemeClr>
+                          </a:solidFill>
+                          <a:latin typeface="Cambria Math" panose="02040503050406030204" pitchFamily="18" charset="0"/>
+                        </a:rPr>
+                        <m:t>=(</m:t>
+                      </m:r>
+                      <m:r>
+                        <a:rPr kumimoji="1" lang="en-US" altLang="zh-CN" sz="1400" b="0" i="1" smtClean="0">
+                          <a:solidFill>
+                            <a:schemeClr val="bg1">
+                              <a:lumMod val="50000"/>
+                            </a:schemeClr>
+                          </a:solidFill>
+                          <a:latin typeface="Cambria Math" panose="02040503050406030204" pitchFamily="18" charset="0"/>
+                        </a:rPr>
+                        <m:t>𝑢</m:t>
+                      </m:r>
+                      <m:r>
+                        <a:rPr kumimoji="1" lang="en-US" altLang="zh-CN" sz="1400" b="0" i="1" smtClean="0">
+                          <a:solidFill>
+                            <a:schemeClr val="bg1">
+                              <a:lumMod val="50000"/>
+                            </a:schemeClr>
+                          </a:solidFill>
+                          <a:latin typeface="Cambria Math" panose="02040503050406030204" pitchFamily="18" charset="0"/>
+                        </a:rPr>
+                        <m:t>, </m:t>
+                      </m:r>
+                      <m:r>
+                        <a:rPr kumimoji="1" lang="en-US" altLang="zh-CN" sz="1400" b="0" i="1" smtClean="0">
+                          <a:solidFill>
+                            <a:schemeClr val="bg1">
+                              <a:lumMod val="50000"/>
+                            </a:schemeClr>
+                          </a:solidFill>
+                          <a:latin typeface="Cambria Math" panose="02040503050406030204" pitchFamily="18" charset="0"/>
+                        </a:rPr>
+                        <m:t>𝑣</m:t>
+                      </m:r>
+                      <m:r>
+                        <a:rPr kumimoji="1" lang="en-US" altLang="zh-CN" sz="1400" b="0" i="1" smtClean="0">
+                          <a:solidFill>
+                            <a:schemeClr val="bg1">
+                              <a:lumMod val="50000"/>
+                            </a:schemeClr>
+                          </a:solidFill>
+                          <a:latin typeface="Cambria Math" panose="02040503050406030204" pitchFamily="18" charset="0"/>
+                        </a:rPr>
+                        <m:t>)</m:t>
+                      </m:r>
+                    </m:oMath>
+                  </m:oMathPara>
+                </a14:m>
+                <a:endParaRPr kumimoji="1" lang="zh-CN" altLang="en-US" sz="1400" dirty="0">
+                  <a:solidFill>
+                    <a:schemeClr val="bg1">
+                      <a:lumMod val="50000"/>
+                    </a:schemeClr>
+                  </a:solidFill>
+                </a:endParaRPr>
+              </a:p>
+            </p:txBody>
+          </p:sp>
+        </mc:Choice>
+        <mc:Fallback xmlns="">
+          <p:sp>
+            <p:nvSpPr>
+              <p:cNvPr id="119" name="文本框 118">
+                <a:extLst>
+                  <a:ext uri="{FF2B5EF4-FFF2-40B4-BE49-F238E27FC236}">
+                    <a16:creationId xmlns:a16="http://schemas.microsoft.com/office/drawing/2014/main" id="{4418A3B5-5E83-1A7F-133F-55920345898E}"/>
+                  </a:ext>
+                </a:extLst>
+              </p:cNvPr>
+              <p:cNvSpPr txBox="1">
+                <a:spLocks noRot="1" noChangeAspect="1" noMove="1" noResize="1" noEditPoints="1" noAdjustHandles="1" noChangeArrowheads="1" noChangeShapeType="1" noTextEdit="1"/>
+              </p:cNvSpPr>
+              <p:nvPr/>
+            </p:nvSpPr>
+            <p:spPr>
+              <a:xfrm rot="18817345">
+                <a:off x="5185160" y="1809310"/>
+                <a:ext cx="994824" cy="307777"/>
+              </a:xfrm>
+              <a:prstGeom prst="rect">
+                <a:avLst/>
+              </a:prstGeom>
+              <a:blipFill>
+                <a:blip r:embed="rId13"/>
+                <a:stretch>
+                  <a:fillRect/>
+                </a:stretch>
+              </a:blipFill>
+            </p:spPr>
+            <p:txBody>
+              <a:bodyPr/>
+              <a:lstStyle/>
+              <a:p>
+                <a:r>
+                  <a:rPr lang="zh-CN" altLang="en-US">
+                    <a:noFill/>
+                  </a:rPr>
+                  <a:t> </a:t>
+                </a:r>
+              </a:p>
+            </p:txBody>
+          </p:sp>
+        </mc:Fallback>
+      </mc:AlternateContent>
+      <mc:AlternateContent xmlns:mc="http://schemas.openxmlformats.org/markup-compatibility/2006" xmlns:a14="http://schemas.microsoft.com/office/drawing/2010/main">
+        <mc:Choice Requires="a14">
+          <p:sp>
+            <p:nvSpPr>
+              <p:cNvPr id="120" name="文本框 119">
+                <a:extLst>
+                  <a:ext uri="{FF2B5EF4-FFF2-40B4-BE49-F238E27FC236}">
+                    <a16:creationId xmlns:a16="http://schemas.microsoft.com/office/drawing/2014/main" id="{F1C5061F-F9A0-3591-424D-88E80D090CD4}"/>
+                  </a:ext>
+                </a:extLst>
+              </p:cNvPr>
+              <p:cNvSpPr txBox="1"/>
+              <p:nvPr/>
+            </p:nvSpPr>
+            <p:spPr>
+              <a:xfrm rot="20903127">
+                <a:off x="4880310" y="3374603"/>
+                <a:ext cx="1189493" cy="324769"/>
+              </a:xfrm>
+              <a:prstGeom prst="rect">
+                <a:avLst/>
+              </a:prstGeom>
+              <a:noFill/>
+            </p:spPr>
+            <p:txBody>
+              <a:bodyPr wrap="none" rtlCol="0">
+                <a:spAutoFit/>
+              </a:bodyPr>
+              <a:lstStyle/>
+              <a:p>
+                <a:pPr/>
+                <a14:m>
+                  <m:oMathPara xmlns:m="http://schemas.openxmlformats.org/officeDocument/2006/math">
+                    <m:oMathParaPr>
+                      <m:jc m:val="centerGroup"/>
+                    </m:oMathParaPr>
+                    <m:oMath xmlns:m="http://schemas.openxmlformats.org/officeDocument/2006/math">
+                      <m:sSubSup>
+                        <m:sSubSupPr>
+                          <m:ctrlPr>
+                            <a:rPr kumimoji="1" lang="en-US" altLang="zh-CN" sz="1400" b="0" i="1" smtClean="0">
+                              <a:solidFill>
+                                <a:schemeClr val="bg1">
+                                  <a:lumMod val="50000"/>
+                                </a:schemeClr>
+                              </a:solidFill>
+                              <a:latin typeface="Cambria Math" panose="02040503050406030204" pitchFamily="18" charset="0"/>
+                            </a:rPr>
+                          </m:ctrlPr>
+                        </m:sSubSupPr>
+                        <m:e>
+                          <m:r>
+                            <a:rPr kumimoji="1" lang="en-US" altLang="zh-CN" sz="1400" b="0" i="1" smtClean="0">
+                              <a:solidFill>
+                                <a:schemeClr val="bg1">
+                                  <a:lumMod val="50000"/>
+                                </a:schemeClr>
+                              </a:solidFill>
+                              <a:latin typeface="Cambria Math" panose="02040503050406030204" pitchFamily="18" charset="0"/>
+                            </a:rPr>
+                            <m:t>𝑜</m:t>
+                          </m:r>
+                        </m:e>
+                        <m:sub>
+                          <m:r>
+                            <a:rPr kumimoji="1" lang="en-US" altLang="zh-CN" sz="1400" b="0" i="1" smtClean="0">
+                              <a:solidFill>
+                                <a:schemeClr val="bg1">
+                                  <a:lumMod val="50000"/>
+                                </a:schemeClr>
+                              </a:solidFill>
+                              <a:latin typeface="Cambria Math" panose="02040503050406030204" pitchFamily="18" charset="0"/>
+                            </a:rPr>
+                            <m:t>𝑐</m:t>
+                          </m:r>
+                        </m:sub>
+                        <m:sup>
+                          <m:r>
+                            <a:rPr kumimoji="1" lang="en-US" altLang="zh-CN" sz="1400" b="0" i="1" smtClean="0">
+                              <a:solidFill>
+                                <a:schemeClr val="bg1">
+                                  <a:lumMod val="50000"/>
+                                </a:schemeClr>
+                              </a:solidFill>
+                              <a:latin typeface="Cambria Math" panose="02040503050406030204" pitchFamily="18" charset="0"/>
+                            </a:rPr>
+                            <m:t>′</m:t>
+                          </m:r>
+                        </m:sup>
+                      </m:sSubSup>
+                      <m:r>
+                        <a:rPr kumimoji="1" lang="en-US" altLang="zh-CN" sz="1400" b="0" i="1" smtClean="0">
+                          <a:solidFill>
+                            <a:schemeClr val="bg1">
+                              <a:lumMod val="50000"/>
+                            </a:schemeClr>
+                          </a:solidFill>
+                          <a:latin typeface="Cambria Math" panose="02040503050406030204" pitchFamily="18" charset="0"/>
+                        </a:rPr>
+                        <m:t>=(</m:t>
+                      </m:r>
+                      <m:sSub>
+                        <m:sSubPr>
+                          <m:ctrlPr>
+                            <a:rPr kumimoji="1" lang="en-US" altLang="zh-CN" sz="1400" b="0" i="1" smtClean="0">
+                              <a:solidFill>
+                                <a:schemeClr val="bg1">
+                                  <a:lumMod val="50000"/>
+                                </a:schemeClr>
+                              </a:solidFill>
+                              <a:latin typeface="Cambria Math" panose="02040503050406030204" pitchFamily="18" charset="0"/>
+                            </a:rPr>
+                          </m:ctrlPr>
+                        </m:sSubPr>
+                        <m:e>
+                          <m:r>
+                            <a:rPr kumimoji="1" lang="en-US" altLang="zh-CN" sz="1400" b="0" i="1" smtClean="0">
+                              <a:solidFill>
+                                <a:schemeClr val="bg1">
+                                  <a:lumMod val="50000"/>
+                                </a:schemeClr>
+                              </a:solidFill>
+                              <a:latin typeface="Cambria Math" panose="02040503050406030204" pitchFamily="18" charset="0"/>
+                            </a:rPr>
+                            <m:t>𝑐</m:t>
+                          </m:r>
+                        </m:e>
+                        <m:sub>
+                          <m:r>
+                            <a:rPr kumimoji="1" lang="en-US" altLang="zh-CN" sz="1400" b="0" i="1" smtClean="0">
+                              <a:solidFill>
+                                <a:schemeClr val="bg1">
+                                  <a:lumMod val="50000"/>
+                                </a:schemeClr>
+                              </a:solidFill>
+                              <a:latin typeface="Cambria Math" panose="02040503050406030204" pitchFamily="18" charset="0"/>
+                            </a:rPr>
+                            <m:t>𝑥</m:t>
+                          </m:r>
+                        </m:sub>
+                      </m:sSub>
+                      <m:r>
+                        <a:rPr kumimoji="1" lang="en-US" altLang="zh-CN" sz="1400" b="0" i="1" smtClean="0">
+                          <a:solidFill>
+                            <a:schemeClr val="bg1">
+                              <a:lumMod val="50000"/>
+                            </a:schemeClr>
+                          </a:solidFill>
+                          <a:latin typeface="Cambria Math" panose="02040503050406030204" pitchFamily="18" charset="0"/>
+                        </a:rPr>
+                        <m:t>, </m:t>
+                      </m:r>
+                      <m:sSub>
+                        <m:sSubPr>
+                          <m:ctrlPr>
+                            <a:rPr kumimoji="1" lang="en-US" altLang="zh-CN" sz="1400" b="0" i="1" smtClean="0">
+                              <a:solidFill>
+                                <a:schemeClr val="bg1">
+                                  <a:lumMod val="50000"/>
+                                </a:schemeClr>
+                              </a:solidFill>
+                              <a:latin typeface="Cambria Math" panose="02040503050406030204" pitchFamily="18" charset="0"/>
+                            </a:rPr>
+                          </m:ctrlPr>
+                        </m:sSubPr>
+                        <m:e>
+                          <m:r>
+                            <a:rPr kumimoji="1" lang="en-US" altLang="zh-CN" sz="1400" b="0" i="1" smtClean="0">
+                              <a:solidFill>
+                                <a:schemeClr val="bg1">
+                                  <a:lumMod val="50000"/>
+                                </a:schemeClr>
+                              </a:solidFill>
+                              <a:latin typeface="Cambria Math" panose="02040503050406030204" pitchFamily="18" charset="0"/>
+                            </a:rPr>
+                            <m:t>𝑐</m:t>
+                          </m:r>
+                        </m:e>
+                        <m:sub>
+                          <m:r>
+                            <a:rPr kumimoji="1" lang="en-US" altLang="zh-CN" sz="1400" b="0" i="1" smtClean="0">
+                              <a:solidFill>
+                                <a:schemeClr val="bg1">
+                                  <a:lumMod val="50000"/>
+                                </a:schemeClr>
+                              </a:solidFill>
+                              <a:latin typeface="Cambria Math" panose="02040503050406030204" pitchFamily="18" charset="0"/>
+                            </a:rPr>
+                            <m:t>𝑦</m:t>
+                          </m:r>
+                        </m:sub>
+                      </m:sSub>
+                      <m:r>
+                        <a:rPr kumimoji="1" lang="en-US" altLang="zh-CN" sz="1400" b="0" i="1" smtClean="0">
+                          <a:solidFill>
+                            <a:schemeClr val="bg1">
+                              <a:lumMod val="50000"/>
+                            </a:schemeClr>
+                          </a:solidFill>
+                          <a:latin typeface="Cambria Math" panose="02040503050406030204" pitchFamily="18" charset="0"/>
+                        </a:rPr>
+                        <m:t>)</m:t>
+                      </m:r>
+                    </m:oMath>
+                  </m:oMathPara>
+                </a14:m>
+                <a:endParaRPr kumimoji="1" lang="zh-CN" altLang="en-US" sz="1400" dirty="0">
+                  <a:solidFill>
+                    <a:schemeClr val="bg1">
+                      <a:lumMod val="50000"/>
+                    </a:schemeClr>
+                  </a:solidFill>
+                </a:endParaRPr>
+              </a:p>
+            </p:txBody>
+          </p:sp>
+        </mc:Choice>
+        <mc:Fallback xmlns="">
+          <p:sp>
+            <p:nvSpPr>
+              <p:cNvPr id="120" name="文本框 119">
+                <a:extLst>
+                  <a:ext uri="{FF2B5EF4-FFF2-40B4-BE49-F238E27FC236}">
+                    <a16:creationId xmlns:a16="http://schemas.microsoft.com/office/drawing/2014/main" id="{F1C5061F-F9A0-3591-424D-88E80D090CD4}"/>
+                  </a:ext>
+                </a:extLst>
+              </p:cNvPr>
+              <p:cNvSpPr txBox="1">
+                <a:spLocks noRot="1" noChangeAspect="1" noMove="1" noResize="1" noEditPoints="1" noAdjustHandles="1" noChangeArrowheads="1" noChangeShapeType="1" noTextEdit="1"/>
+              </p:cNvSpPr>
+              <p:nvPr/>
+            </p:nvSpPr>
+            <p:spPr>
+              <a:xfrm rot="20903127">
+                <a:off x="4880310" y="3374603"/>
+                <a:ext cx="1189493" cy="324769"/>
+              </a:xfrm>
+              <a:prstGeom prst="rect">
+                <a:avLst/>
+              </a:prstGeom>
+              <a:blipFill>
+                <a:blip r:embed="rId14"/>
+                <a:stretch>
+                  <a:fillRect/>
+                </a:stretch>
+              </a:blipFill>
+            </p:spPr>
+            <p:txBody>
+              <a:bodyPr/>
+              <a:lstStyle/>
+              <a:p>
+                <a:r>
+                  <a:rPr lang="zh-CN" altLang="en-US">
+                    <a:noFill/>
+                  </a:rPr>
+                  <a:t> </a:t>
+                </a:r>
+              </a:p>
+            </p:txBody>
+          </p:sp>
+        </mc:Fallback>
+      </mc:AlternateContent>
+      <p:sp>
+        <p:nvSpPr>
+          <p:cNvPr id="121" name="任意形状 120">
+            <a:extLst>
+              <a:ext uri="{FF2B5EF4-FFF2-40B4-BE49-F238E27FC236}">
+                <a16:creationId xmlns:a16="http://schemas.microsoft.com/office/drawing/2014/main" id="{75A48C69-F509-8F33-0B0A-DB4BA51E7AB3}"/>
+              </a:ext>
+            </a:extLst>
+          </p:cNvPr>
+          <p:cNvSpPr/>
+          <p:nvPr/>
+        </p:nvSpPr>
+        <p:spPr>
+          <a:xfrm rot="5781107">
+            <a:off x="4858720" y="3125976"/>
+            <a:ext cx="207387" cy="461185"/>
+          </a:xfrm>
+          <a:custGeom>
+            <a:avLst/>
+            <a:gdLst>
+              <a:gd name="connsiteX0" fmla="*/ 250838 w 250838"/>
+              <a:gd name="connsiteY0" fmla="*/ 0 h 348712"/>
+              <a:gd name="connsiteX1" fmla="*/ 10614 w 250838"/>
+              <a:gd name="connsiteY1" fmla="*/ 170482 h 348712"/>
+              <a:gd name="connsiteX2" fmla="*/ 64858 w 250838"/>
+              <a:gd name="connsiteY2" fmla="*/ 348712 h 348712"/>
+            </a:gdLst>
+            <a:ahLst/>
+            <a:cxnLst>
+              <a:cxn ang="0">
+                <a:pos x="connsiteX0" y="connsiteY0"/>
+              </a:cxn>
+              <a:cxn ang="0">
+                <a:pos x="connsiteX1" y="connsiteY1"/>
+              </a:cxn>
+              <a:cxn ang="0">
+                <a:pos x="connsiteX2" y="connsiteY2"/>
+              </a:cxn>
+            </a:cxnLst>
+            <a:rect l="l" t="t" r="r" b="b"/>
+            <a:pathLst>
+              <a:path w="250838" h="348712">
+                <a:moveTo>
+                  <a:pt x="250838" y="0"/>
+                </a:moveTo>
+                <a:cubicBezTo>
+                  <a:pt x="146224" y="56181"/>
+                  <a:pt x="41611" y="112363"/>
+                  <a:pt x="10614" y="170482"/>
+                </a:cubicBezTo>
+                <a:cubicBezTo>
+                  <a:pt x="-20383" y="228601"/>
+                  <a:pt x="22237" y="288656"/>
+                  <a:pt x="64858" y="348712"/>
+                </a:cubicBezTo>
+              </a:path>
+            </a:pathLst>
+          </a:custGeom>
+          <a:noFill/>
+          <a:ln>
+            <a:solidFill>
+              <a:schemeClr val="bg1">
+                <a:lumMod val="50000"/>
+              </a:schemeClr>
+            </a:solidFill>
+          </a:ln>
+        </p:spPr>
+        <p:style>
+          <a:lnRef idx="2">
+            <a:schemeClr val="accent1">
+              <a:shade val="50000"/>
+            </a:schemeClr>
+          </a:lnRef>
+          <a:fillRef idx="1">
+            <a:schemeClr val="accent1"/>
+          </a:fillRef>
+          <a:effectRef idx="0">
+            <a:schemeClr val="accent1"/>
+          </a:effectRef>
+          <a:fontRef idx="minor">
+            <a:schemeClr val="lt1"/>
+          </a:fontRef>
+        </p:style>
+        <p:txBody>
+          <a:bodyPr rtlCol="0" anchor="ctr"/>
+          <a:lstStyle/>
+          <a:p>
+            <a:pPr algn="ctr"/>
+            <a:endParaRPr kumimoji="1" lang="zh-CN" altLang="en-US"/>
+          </a:p>
+        </p:txBody>
+      </p:sp>
+      <p:sp>
+        <p:nvSpPr>
+          <p:cNvPr id="123" name="文本框 122">
+            <a:extLst>
+              <a:ext uri="{FF2B5EF4-FFF2-40B4-BE49-F238E27FC236}">
+                <a16:creationId xmlns:a16="http://schemas.microsoft.com/office/drawing/2014/main" id="{DDACEF02-8F74-CCB0-8EA5-AB363290065B}"/>
+              </a:ext>
+            </a:extLst>
+          </p:cNvPr>
+          <p:cNvSpPr txBox="1"/>
+          <p:nvPr/>
+        </p:nvSpPr>
+        <p:spPr>
+          <a:xfrm>
+            <a:off x="3707877" y="6113477"/>
+            <a:ext cx="2303836" cy="369332"/>
+          </a:xfrm>
+          <a:prstGeom prst="rect">
+            <a:avLst/>
+          </a:prstGeom>
+          <a:noFill/>
+        </p:spPr>
+        <p:txBody>
+          <a:bodyPr wrap="none" rtlCol="0">
+            <a:spAutoFit/>
+          </a:bodyPr>
+          <a:lstStyle/>
+          <a:p>
+            <a:r>
+              <a:rPr kumimoji="1" lang="zh-CN" altLang="en-US" dirty="0"/>
+              <a:t>针孔相机模型示意图</a:t>
+            </a:r>
+          </a:p>
+        </p:txBody>
+      </p:sp>
     </p:spTree>
     <p:extLst>
       <p:ext uri="{BB962C8B-B14F-4D97-AF65-F5344CB8AC3E}">

--- a/assets/posts/vslam/14-ch5/camera.pptx
+++ b/assets/posts/vslam/14-ch5/camera.pptx
@@ -6752,8 +6752,8 @@
           </a:p>
         </p:txBody>
       </p:sp>
-      <mc:AlternateContent xmlns:mc="http://schemas.openxmlformats.org/markup-compatibility/2006" xmlns:a14="http://schemas.microsoft.com/office/drawing/2010/main">
-        <mc:Choice Requires="a14">
+      <mc:AlternateContent xmlns:mc="http://schemas.openxmlformats.org/markup-compatibility/2006">
+        <mc:Choice xmlns:a14="http://schemas.microsoft.com/office/drawing/2010/main" Requires="a14">
           <p:sp>
             <p:nvSpPr>
               <p:cNvPr id="118" name="文本框 117">
@@ -6768,8 +6768,8 @@
             </p:nvSpPr>
             <p:spPr>
               <a:xfrm>
-                <a:off x="2997006" y="218203"/>
-                <a:ext cx="1987915" cy="369332"/>
+                <a:off x="1903344" y="284270"/>
+                <a:ext cx="4108369" cy="369332"/>
               </a:xfrm>
               <a:prstGeom prst="rect">
                 <a:avLst/>
@@ -6789,6 +6789,192 @@
                       <m:jc m:val="centerGroup"/>
                     </m:oMathParaPr>
                     <m:oMath xmlns:m="http://schemas.openxmlformats.org/officeDocument/2006/math">
+                      <m:sSub>
+                        <m:sSubPr>
+                          <m:ctrlPr>
+                            <a:rPr kumimoji="1" lang="en-US" altLang="zh-CN" b="0" i="1" dirty="0" smtClean="0">
+                              <a:solidFill>
+                                <a:schemeClr val="accent1"/>
+                              </a:solidFill>
+                              <a:latin typeface="Cambria Math" panose="02040503050406030204" pitchFamily="18" charset="0"/>
+                            </a:rPr>
+                          </m:ctrlPr>
+                        </m:sSubPr>
+                        <m:e>
+                          <m:r>
+                            <a:rPr kumimoji="1" lang="en-US" altLang="zh-CN" b="0" i="1" dirty="0" smtClean="0">
+                              <a:solidFill>
+                                <a:schemeClr val="accent1"/>
+                              </a:solidFill>
+                              <a:latin typeface="Cambria Math" panose="02040503050406030204" pitchFamily="18" charset="0"/>
+                            </a:rPr>
+                            <m:t>𝑃</m:t>
+                          </m:r>
+                        </m:e>
+                        <m:sub>
+                          <m:r>
+                            <a:rPr kumimoji="1" lang="en-US" altLang="zh-CN" b="0" i="1" dirty="0" smtClean="0">
+                              <a:solidFill>
+                                <a:schemeClr val="accent1"/>
+                              </a:solidFill>
+                              <a:latin typeface="Cambria Math" panose="02040503050406030204" pitchFamily="18" charset="0"/>
+                            </a:rPr>
+                            <m:t>𝑤</m:t>
+                          </m:r>
+                        </m:sub>
+                      </m:sSub>
+                      <m:r>
+                        <a:rPr kumimoji="1" lang="en-US" altLang="zh-CN" b="0" i="1" dirty="0" smtClean="0">
+                          <a:solidFill>
+                            <a:schemeClr val="accent1"/>
+                          </a:solidFill>
+                          <a:latin typeface="Cambria Math" panose="02040503050406030204" pitchFamily="18" charset="0"/>
+                        </a:rPr>
+                        <m:t>=</m:t>
+                      </m:r>
+                      <m:d>
+                        <m:dPr>
+                          <m:ctrlPr>
+                            <a:rPr kumimoji="1" lang="en-US" altLang="zh-CN" b="0" i="1" dirty="0" smtClean="0">
+                              <a:solidFill>
+                                <a:schemeClr val="accent1"/>
+                              </a:solidFill>
+                              <a:latin typeface="Cambria Math" panose="02040503050406030204" pitchFamily="18" charset="0"/>
+                            </a:rPr>
+                          </m:ctrlPr>
+                        </m:dPr>
+                        <m:e>
+                          <m:sSub>
+                            <m:sSubPr>
+                              <m:ctrlPr>
+                                <a:rPr kumimoji="1" lang="en-US" altLang="zh-CN" b="0" i="1" dirty="0" smtClean="0">
+                                  <a:solidFill>
+                                    <a:schemeClr val="accent1"/>
+                                  </a:solidFill>
+                                  <a:latin typeface="Cambria Math" panose="02040503050406030204" pitchFamily="18" charset="0"/>
+                                </a:rPr>
+                              </m:ctrlPr>
+                            </m:sSubPr>
+                            <m:e>
+                              <m:r>
+                                <a:rPr kumimoji="1" lang="en-US" altLang="zh-CN" b="0" i="1" dirty="0" smtClean="0">
+                                  <a:solidFill>
+                                    <a:schemeClr val="accent1"/>
+                                  </a:solidFill>
+                                  <a:latin typeface="Cambria Math" panose="02040503050406030204" pitchFamily="18" charset="0"/>
+                                </a:rPr>
+                                <m:t>𝑋</m:t>
+                              </m:r>
+                            </m:e>
+                            <m:sub>
+                              <m:r>
+                                <a:rPr kumimoji="1" lang="en-US" altLang="zh-CN" b="0" i="1" dirty="0" smtClean="0">
+                                  <a:solidFill>
+                                    <a:schemeClr val="accent1"/>
+                                  </a:solidFill>
+                                  <a:latin typeface="Cambria Math" panose="02040503050406030204" pitchFamily="18" charset="0"/>
+                                </a:rPr>
+                                <m:t>𝑤</m:t>
+                              </m:r>
+                            </m:sub>
+                          </m:sSub>
+                          <m:r>
+                            <a:rPr kumimoji="1" lang="en-US" altLang="zh-CN" b="0" i="1" dirty="0" smtClean="0">
+                              <a:solidFill>
+                                <a:schemeClr val="accent1"/>
+                              </a:solidFill>
+                              <a:latin typeface="Cambria Math" panose="02040503050406030204" pitchFamily="18" charset="0"/>
+                            </a:rPr>
+                            <m:t>, </m:t>
+                          </m:r>
+                          <m:sSub>
+                            <m:sSubPr>
+                              <m:ctrlPr>
+                                <a:rPr kumimoji="1" lang="en-US" altLang="zh-CN" b="0" i="1" dirty="0" smtClean="0">
+                                  <a:solidFill>
+                                    <a:schemeClr val="accent1"/>
+                                  </a:solidFill>
+                                  <a:latin typeface="Cambria Math" panose="02040503050406030204" pitchFamily="18" charset="0"/>
+                                </a:rPr>
+                              </m:ctrlPr>
+                            </m:sSubPr>
+                            <m:e>
+                              <m:r>
+                                <a:rPr kumimoji="1" lang="en-US" altLang="zh-CN" b="0" i="1" dirty="0" smtClean="0">
+                                  <a:solidFill>
+                                    <a:schemeClr val="accent1"/>
+                                  </a:solidFill>
+                                  <a:latin typeface="Cambria Math" panose="02040503050406030204" pitchFamily="18" charset="0"/>
+                                </a:rPr>
+                                <m:t>𝑌</m:t>
+                              </m:r>
+                            </m:e>
+                            <m:sub>
+                              <m:r>
+                                <a:rPr kumimoji="1" lang="en-US" altLang="zh-CN" b="0" i="1" dirty="0" smtClean="0">
+                                  <a:solidFill>
+                                    <a:schemeClr val="accent1"/>
+                                  </a:solidFill>
+                                  <a:latin typeface="Cambria Math" panose="02040503050406030204" pitchFamily="18" charset="0"/>
+                                </a:rPr>
+                                <m:t>𝑤</m:t>
+                              </m:r>
+                            </m:sub>
+                          </m:sSub>
+                          <m:r>
+                            <a:rPr kumimoji="1" lang="en-US" altLang="zh-CN" b="0" i="1" dirty="0" smtClean="0">
+                              <a:solidFill>
+                                <a:schemeClr val="accent1"/>
+                              </a:solidFill>
+                              <a:latin typeface="Cambria Math" panose="02040503050406030204" pitchFamily="18" charset="0"/>
+                            </a:rPr>
+                            <m:t>, </m:t>
+                          </m:r>
+                          <m:sSub>
+                            <m:sSubPr>
+                              <m:ctrlPr>
+                                <a:rPr kumimoji="1" lang="en-US" altLang="zh-CN" b="0" i="1" dirty="0" smtClean="0">
+                                  <a:solidFill>
+                                    <a:schemeClr val="accent1"/>
+                                  </a:solidFill>
+                                  <a:latin typeface="Cambria Math" panose="02040503050406030204" pitchFamily="18" charset="0"/>
+                                </a:rPr>
+                              </m:ctrlPr>
+                            </m:sSubPr>
+                            <m:e>
+                              <m:r>
+                                <a:rPr kumimoji="1" lang="en-US" altLang="zh-CN" b="0" i="1" dirty="0" smtClean="0">
+                                  <a:solidFill>
+                                    <a:schemeClr val="accent1"/>
+                                  </a:solidFill>
+                                  <a:latin typeface="Cambria Math" panose="02040503050406030204" pitchFamily="18" charset="0"/>
+                                </a:rPr>
+                                <m:t>𝑍</m:t>
+                              </m:r>
+                            </m:e>
+                            <m:sub>
+                              <m:r>
+                                <a:rPr kumimoji="1" lang="en-US" altLang="zh-CN" b="0" i="1" dirty="0" smtClean="0">
+                                  <a:solidFill>
+                                    <a:schemeClr val="accent1"/>
+                                  </a:solidFill>
+                                  <a:latin typeface="Cambria Math" panose="02040503050406030204" pitchFamily="18" charset="0"/>
+                                </a:rPr>
+                                <m:t>𝑤</m:t>
+                              </m:r>
+                            </m:sub>
+                          </m:sSub>
+                        </m:e>
+                      </m:d>
+                      <m:r>
+                        <a:rPr kumimoji="1" lang="en-US" altLang="zh-CN" b="0" i="1" dirty="0" smtClean="0">
+                          <a:solidFill>
+                            <a:schemeClr val="accent1"/>
+                          </a:solidFill>
+                          <a:latin typeface="Cambria Math" panose="02040503050406030204" pitchFamily="18" charset="0"/>
+                        </a:rPr>
+                        <m:t>⇒ </m:t>
+                      </m:r>
                       <m:sSub>
                         <m:sSubPr>
                           <m:ctrlPr>
@@ -6880,7 +7066,7 @@
                               </a:solidFill>
                               <a:latin typeface="Cambria Math" panose="02040503050406030204" pitchFamily="18" charset="0"/>
                             </a:rPr>
-                            <m:t>𝑤</m:t>
+                            <m:t>𝑐</m:t>
                           </m:r>
                         </m:sub>
                       </m:sSub>
@@ -6932,7 +7118,7 @@
                               </a:solidFill>
                               <a:latin typeface="Cambria Math" panose="02040503050406030204" pitchFamily="18" charset="0"/>
                             </a:rPr>
-                            <m:t>𝑤</m:t>
+                            <m:t>𝑐</m:t>
                           </m:r>
                         </m:sub>
                       </m:sSub>
@@ -6984,7 +7170,7 @@
                               </a:solidFill>
                               <a:latin typeface="Cambria Math" panose="02040503050406030204" pitchFamily="18" charset="0"/>
                             </a:rPr>
-                            <m:t>𝑤</m:t>
+                            <m:t>𝑐</m:t>
                           </m:r>
                         </m:sub>
                       </m:sSub>
@@ -7009,7 +7195,7 @@
             </p:txBody>
           </p:sp>
         </mc:Choice>
-        <mc:Fallback xmlns="">
+        <mc:Fallback>
           <p:sp>
             <p:nvSpPr>
               <p:cNvPr id="118" name="文本框 117">
@@ -7026,8 +7212,8 @@
             </p:nvSpPr>
             <p:spPr>
               <a:xfrm>
-                <a:off x="2997006" y="218203"/>
-                <a:ext cx="1987915" cy="369332"/>
+                <a:off x="1903344" y="284270"/>
+                <a:ext cx="4108369" cy="369332"/>
               </a:xfrm>
               <a:prstGeom prst="rect">
                 <a:avLst/>
@@ -7035,7 +7221,7 @@
               <a:blipFill>
                 <a:blip r:embed="rId12"/>
                 <a:stretch>
-                  <a:fillRect b="-13333"/>
+                  <a:fillRect b="-16667"/>
                 </a:stretch>
               </a:blipFill>
             </p:spPr>

--- a/assets/posts/vslam/14-ch5/camera.pptx
+++ b/assets/posts/vslam/14-ch5/camera.pptx
@@ -270,7 +270,7 @@
           <a:p>
             <a:fld id="{FCD14527-64F6-420C-945F-B6CF35810A6B}" type="datetimeFigureOut">
               <a:rPr lang="zh-CN" altLang="en-US" smtClean="0"/>
-              <a:t>2022/5/23</a:t>
+              <a:t>2022/5/27</a:t>
             </a:fld>
             <a:endParaRPr lang="zh-CN" altLang="en-US"/>
           </a:p>
@@ -468,7 +468,7 @@
           <a:p>
             <a:fld id="{FCD14527-64F6-420C-945F-B6CF35810A6B}" type="datetimeFigureOut">
               <a:rPr lang="zh-CN" altLang="en-US" smtClean="0"/>
-              <a:t>2022/5/23</a:t>
+              <a:t>2022/5/27</a:t>
             </a:fld>
             <a:endParaRPr lang="zh-CN" altLang="en-US"/>
           </a:p>
@@ -676,7 +676,7 @@
           <a:p>
             <a:fld id="{FCD14527-64F6-420C-945F-B6CF35810A6B}" type="datetimeFigureOut">
               <a:rPr lang="zh-CN" altLang="en-US" smtClean="0"/>
-              <a:t>2022/5/23</a:t>
+              <a:t>2022/5/27</a:t>
             </a:fld>
             <a:endParaRPr lang="zh-CN" altLang="en-US"/>
           </a:p>
@@ -874,7 +874,7 @@
           <a:p>
             <a:fld id="{FCD14527-64F6-420C-945F-B6CF35810A6B}" type="datetimeFigureOut">
               <a:rPr lang="zh-CN" altLang="en-US" smtClean="0"/>
-              <a:t>2022/5/23</a:t>
+              <a:t>2022/5/27</a:t>
             </a:fld>
             <a:endParaRPr lang="zh-CN" altLang="en-US"/>
           </a:p>
@@ -1149,7 +1149,7 @@
           <a:p>
             <a:fld id="{FCD14527-64F6-420C-945F-B6CF35810A6B}" type="datetimeFigureOut">
               <a:rPr lang="zh-CN" altLang="en-US" smtClean="0"/>
-              <a:t>2022/5/23</a:t>
+              <a:t>2022/5/27</a:t>
             </a:fld>
             <a:endParaRPr lang="zh-CN" altLang="en-US"/>
           </a:p>
@@ -1414,7 +1414,7 @@
           <a:p>
             <a:fld id="{FCD14527-64F6-420C-945F-B6CF35810A6B}" type="datetimeFigureOut">
               <a:rPr lang="zh-CN" altLang="en-US" smtClean="0"/>
-              <a:t>2022/5/23</a:t>
+              <a:t>2022/5/27</a:t>
             </a:fld>
             <a:endParaRPr lang="zh-CN" altLang="en-US"/>
           </a:p>
@@ -1826,7 +1826,7 @@
           <a:p>
             <a:fld id="{FCD14527-64F6-420C-945F-B6CF35810A6B}" type="datetimeFigureOut">
               <a:rPr lang="zh-CN" altLang="en-US" smtClean="0"/>
-              <a:t>2022/5/23</a:t>
+              <a:t>2022/5/27</a:t>
             </a:fld>
             <a:endParaRPr lang="zh-CN" altLang="en-US"/>
           </a:p>
@@ -1967,7 +1967,7 @@
           <a:p>
             <a:fld id="{FCD14527-64F6-420C-945F-B6CF35810A6B}" type="datetimeFigureOut">
               <a:rPr lang="zh-CN" altLang="en-US" smtClean="0"/>
-              <a:t>2022/5/23</a:t>
+              <a:t>2022/5/27</a:t>
             </a:fld>
             <a:endParaRPr lang="zh-CN" altLang="en-US"/>
           </a:p>
@@ -2080,7 +2080,7 @@
           <a:p>
             <a:fld id="{FCD14527-64F6-420C-945F-B6CF35810A6B}" type="datetimeFigureOut">
               <a:rPr lang="zh-CN" altLang="en-US" smtClean="0"/>
-              <a:t>2022/5/23</a:t>
+              <a:t>2022/5/27</a:t>
             </a:fld>
             <a:endParaRPr lang="zh-CN" altLang="en-US"/>
           </a:p>
@@ -2391,7 +2391,7 @@
           <a:p>
             <a:fld id="{FCD14527-64F6-420C-945F-B6CF35810A6B}" type="datetimeFigureOut">
               <a:rPr lang="zh-CN" altLang="en-US" smtClean="0"/>
-              <a:t>2022/5/23</a:t>
+              <a:t>2022/5/27</a:t>
             </a:fld>
             <a:endParaRPr lang="zh-CN" altLang="en-US"/>
           </a:p>
@@ -2679,7 +2679,7 @@
           <a:p>
             <a:fld id="{FCD14527-64F6-420C-945F-B6CF35810A6B}" type="datetimeFigureOut">
               <a:rPr lang="zh-CN" altLang="en-US" smtClean="0"/>
-              <a:t>2022/5/23</a:t>
+              <a:t>2022/5/27</a:t>
             </a:fld>
             <a:endParaRPr lang="zh-CN" altLang="en-US"/>
           </a:p>
@@ -2920,7 +2920,7 @@
           <a:p>
             <a:fld id="{FCD14527-64F6-420C-945F-B6CF35810A6B}" type="datetimeFigureOut">
               <a:rPr lang="zh-CN" altLang="en-US" smtClean="0"/>
-              <a:t>2022/5/23</a:t>
+              <a:t>2022/5/27</a:t>
             </a:fld>
             <a:endParaRPr lang="zh-CN" altLang="en-US"/>
           </a:p>
@@ -3339,6 +3339,49 @@
       </p:grpSpPr>
       <p:cxnSp>
         <p:nvCxnSpPr>
+          <p:cNvPr id="93" name="直线连接符 38">
+            <a:extLst>
+              <a:ext uri="{FF2B5EF4-FFF2-40B4-BE49-F238E27FC236}">
+                <a16:creationId xmlns:a16="http://schemas.microsoft.com/office/drawing/2014/main" id="{21B8A3F3-516D-C310-5736-8BA4E966D946}"/>
+              </a:ext>
+            </a:extLst>
+          </p:cNvPr>
+          <p:cNvCxnSpPr>
+            <a:cxnSpLocks/>
+          </p:cNvCxnSpPr>
+          <p:nvPr/>
+        </p:nvCxnSpPr>
+        <p:spPr>
+          <a:xfrm>
+            <a:off x="4303105" y="1166921"/>
+            <a:ext cx="1052632" cy="1506581"/>
+          </a:xfrm>
+          <a:prstGeom prst="line">
+            <a:avLst/>
+          </a:prstGeom>
+          <a:ln w="19050">
+            <a:solidFill>
+              <a:srgbClr val="C00000"/>
+            </a:solidFill>
+          </a:ln>
+        </p:spPr>
+        <p:style>
+          <a:lnRef idx="1">
+            <a:schemeClr val="accent1"/>
+          </a:lnRef>
+          <a:fillRef idx="0">
+            <a:schemeClr val="accent1"/>
+          </a:fillRef>
+          <a:effectRef idx="0">
+            <a:schemeClr val="accent1"/>
+          </a:effectRef>
+          <a:fontRef idx="minor">
+            <a:schemeClr val="tx1"/>
+          </a:fontRef>
+        </p:style>
+      </p:cxnSp>
+      <p:cxnSp>
+        <p:nvCxnSpPr>
           <p:cNvPr id="16" name="直接连接符 14">
             <a:extLst>
               <a:ext uri="{FF2B5EF4-FFF2-40B4-BE49-F238E27FC236}">
@@ -3454,50 +3497,8 @@
           </a:fontRef>
         </p:style>
       </p:cxnSp>
-      <p:cxnSp>
-        <p:nvCxnSpPr>
-          <p:cNvPr id="8" name="直接箭头连接符 7">
-            <a:extLst>
-              <a:ext uri="{FF2B5EF4-FFF2-40B4-BE49-F238E27FC236}">
-                <a16:creationId xmlns:a16="http://schemas.microsoft.com/office/drawing/2014/main" id="{2E763FFE-5C4D-AE5E-D62A-F8E73446F036}"/>
-              </a:ext>
-            </a:extLst>
-          </p:cNvPr>
-          <p:cNvCxnSpPr>
-            <a:cxnSpLocks/>
-          </p:cNvCxnSpPr>
-          <p:nvPr/>
-        </p:nvCxnSpPr>
-        <p:spPr>
-          <a:xfrm flipV="1">
-            <a:off x="6610525" y="3929423"/>
-            <a:ext cx="601264" cy="564680"/>
-          </a:xfrm>
-          <a:prstGeom prst="straightConnector1">
-            <a:avLst/>
-          </a:prstGeom>
-          <a:ln w="28575">
-            <a:headEnd type="none" w="med" len="med"/>
-            <a:tailEnd type="arrow" w="med" len="med"/>
-          </a:ln>
-        </p:spPr>
-        <p:style>
-          <a:lnRef idx="1">
-            <a:schemeClr val="dk1"/>
-          </a:lnRef>
-          <a:fillRef idx="0">
-            <a:schemeClr val="dk1"/>
-          </a:fillRef>
-          <a:effectRef idx="0">
-            <a:schemeClr val="dk1"/>
-          </a:effectRef>
-          <a:fontRef idx="minor">
-            <a:schemeClr val="tx1"/>
-          </a:fontRef>
-        </p:style>
-      </p:cxnSp>
-      <mc:AlternateContent xmlns:mc="http://schemas.openxmlformats.org/markup-compatibility/2006" xmlns:a14="http://schemas.microsoft.com/office/drawing/2010/main">
-        <mc:Choice Requires="a14">
+      <mc:AlternateContent xmlns:mc="http://schemas.openxmlformats.org/markup-compatibility/2006">
+        <mc:Choice xmlns:a14="http://schemas.microsoft.com/office/drawing/2010/main" Requires="a14">
           <p:sp>
             <p:nvSpPr>
               <p:cNvPr id="9" name="文本框 8">
@@ -3512,8 +3513,8 @@
             </p:nvSpPr>
             <p:spPr>
               <a:xfrm>
-                <a:off x="7015964" y="4123080"/>
-                <a:ext cx="509498" cy="338554"/>
+                <a:off x="6983637" y="3953275"/>
+                <a:ext cx="434926" cy="338554"/>
               </a:xfrm>
               <a:prstGeom prst="rect">
                 <a:avLst/>
@@ -3533,31 +3534,12 @@
                       <m:jc m:val="centerGroup"/>
                     </m:oMathParaPr>
                     <m:oMath xmlns:m="http://schemas.openxmlformats.org/officeDocument/2006/math">
-                      <m:sSub>
-                        <m:sSubPr>
-                          <m:ctrlPr>
-                            <a:rPr lang="en-US" altLang="zh-CN" sz="1600" b="0" i="1" smtClean="0">
-                              <a:latin typeface="Cambria Math" panose="02040503050406030204" pitchFamily="18" charset="0"/>
-                            </a:rPr>
-                          </m:ctrlPr>
-                        </m:sSubPr>
-                        <m:e>
-                          <m:r>
-                            <a:rPr lang="en-US" altLang="zh-CN" sz="1600" i="1" smtClean="0">
-                              <a:latin typeface="Cambria Math" panose="02040503050406030204" pitchFamily="18" charset="0"/>
-                            </a:rPr>
-                            <m:t>𝑋</m:t>
-                          </m:r>
-                        </m:e>
-                        <m:sub>
-                          <m:r>
-                            <a:rPr lang="en-US" altLang="zh-CN" sz="1600" b="0" i="1" smtClean="0">
-                              <a:latin typeface="Cambria Math" panose="02040503050406030204" pitchFamily="18" charset="0"/>
-                            </a:rPr>
-                            <m:t>𝑐</m:t>
-                          </m:r>
-                        </m:sub>
-                      </m:sSub>
+                      <m:r>
+                        <a:rPr lang="en-US" altLang="zh-CN" sz="1600" b="0" i="1" smtClean="0">
+                          <a:latin typeface="Cambria Math" panose="02040503050406030204" pitchFamily="18" charset="0"/>
+                        </a:rPr>
+                        <m:t>𝑋</m:t>
+                      </m:r>
                     </m:oMath>
                   </m:oMathPara>
                 </a14:m>
@@ -3568,7 +3550,7 @@
             </p:txBody>
           </p:sp>
         </mc:Choice>
-        <mc:Fallback xmlns="">
+        <mc:Fallback>
           <p:sp>
             <p:nvSpPr>
               <p:cNvPr id="9" name="文本框 8">
@@ -3585,8 +3567,8 @@
             </p:nvSpPr>
             <p:spPr>
               <a:xfrm>
-                <a:off x="7015964" y="4123080"/>
-                <a:ext cx="509498" cy="338554"/>
+                <a:off x="6983637" y="3953275"/>
+                <a:ext cx="434926" cy="338554"/>
               </a:xfrm>
               <a:prstGeom prst="rect">
                 <a:avLst/>
@@ -3624,13 +3606,14 @@
           </p:cNvPr>
           <p:cNvCxnSpPr>
             <a:cxnSpLocks/>
+            <a:stCxn id="38" idx="4"/>
           </p:cNvCxnSpPr>
           <p:nvPr/>
         </p:nvCxnSpPr>
         <p:spPr>
           <a:xfrm>
-            <a:off x="6609658" y="4504888"/>
-            <a:ext cx="0" cy="864554"/>
+            <a:off x="6609449" y="4535723"/>
+            <a:ext cx="209" cy="833719"/>
           </a:xfrm>
           <a:prstGeom prst="straightConnector1">
             <a:avLst/>
@@ -3699,126 +3682,47 @@
           </a:fontRef>
         </p:style>
       </p:cxnSp>
-      <mc:AlternateContent xmlns:mc="http://schemas.openxmlformats.org/markup-compatibility/2006" xmlns:a14="http://schemas.microsoft.com/office/drawing/2010/main">
-        <mc:Choice Requires="a14">
-          <p:sp>
-            <p:nvSpPr>
-              <p:cNvPr id="13" name="文本框 12">
-                <a:extLst>
-                  <a:ext uri="{FF2B5EF4-FFF2-40B4-BE49-F238E27FC236}">
-                    <a16:creationId xmlns:a16="http://schemas.microsoft.com/office/drawing/2014/main" id="{EAC76193-FCDA-48A0-877F-052E6EC6BEFA}"/>
-                  </a:ext>
-                </a:extLst>
-              </p:cNvPr>
-              <p:cNvSpPr txBox="1"/>
-              <p:nvPr/>
-            </p:nvSpPr>
-            <p:spPr>
-              <a:xfrm>
-                <a:off x="6542890" y="5142126"/>
-                <a:ext cx="487506" cy="338554"/>
-              </a:xfrm>
-              <a:prstGeom prst="rect">
-                <a:avLst/>
-              </a:prstGeom>
-              <a:noFill/>
-            </p:spPr>
-            <p:txBody>
-              <a:bodyPr wrap="none" rtlCol="0">
-                <a:spAutoFit/>
-              </a:bodyPr>
-              <a:lstStyle/>
-              <a:p>
-                <a:pPr/>
-                <a14:m>
-                  <m:oMathPara xmlns:m="http://schemas.openxmlformats.org/officeDocument/2006/math">
-                    <m:oMathParaPr>
-                      <m:jc m:val="centerGroup"/>
-                    </m:oMathParaPr>
-                    <m:oMath xmlns:m="http://schemas.openxmlformats.org/officeDocument/2006/math">
-                      <m:sSub>
-                        <m:sSubPr>
-                          <m:ctrlPr>
-                            <a:rPr lang="en-US" altLang="zh-CN" sz="1600" b="0" i="1" smtClean="0">
-                              <a:latin typeface="Cambria Math" panose="02040503050406030204" pitchFamily="18" charset="0"/>
-                            </a:rPr>
-                          </m:ctrlPr>
-                        </m:sSubPr>
-                        <m:e>
-                          <m:r>
-                            <m:rPr>
-                              <m:sty m:val="p"/>
-                            </m:rPr>
-                            <a:rPr lang="en-US" altLang="zh-CN" sz="1600" i="1">
-                              <a:latin typeface="Cambria Math" panose="02040503050406030204" pitchFamily="18" charset="0"/>
-                            </a:rPr>
-                            <m:t>Y</m:t>
-                          </m:r>
-                        </m:e>
-                        <m:sub>
-                          <m:r>
-                            <a:rPr lang="en-US" altLang="zh-CN" sz="1600" b="0" i="1" smtClean="0">
-                              <a:latin typeface="Cambria Math" panose="02040503050406030204" pitchFamily="18" charset="0"/>
-                            </a:rPr>
-                            <m:t>𝑐</m:t>
-                          </m:r>
-                        </m:sub>
-                      </m:sSub>
-                    </m:oMath>
-                  </m:oMathPara>
-                </a14:m>
-                <a:endParaRPr lang="zh-CN" altLang="en-US" sz="1600" i="1" dirty="0">
-                  <a:latin typeface="Consolas" panose="020B0609020204030204" pitchFamily="49" charset="0"/>
-                </a:endParaRPr>
-              </a:p>
-            </p:txBody>
-          </p:sp>
-        </mc:Choice>
-        <mc:Fallback xmlns="">
-          <p:sp>
-            <p:nvSpPr>
-              <p:cNvPr id="13" name="文本框 12">
-                <a:extLst>
-                  <a:ext uri="{FF2B5EF4-FFF2-40B4-BE49-F238E27FC236}">
-                    <a16:creationId xmlns:a16="http://schemas.microsoft.com/office/drawing/2014/main" id="{EAC76193-FCDA-48A0-877F-052E6EC6BEFA}"/>
-                  </a:ext>
-                </a:extLst>
-              </p:cNvPr>
-              <p:cNvSpPr txBox="1">
-                <a:spLocks noRot="1" noChangeAspect="1" noMove="1" noResize="1" noEditPoints="1" noAdjustHandles="1" noChangeArrowheads="1" noChangeShapeType="1" noTextEdit="1"/>
-              </p:cNvSpPr>
-              <p:nvPr/>
-            </p:nvSpPr>
-            <p:spPr>
-              <a:xfrm>
-                <a:off x="6542890" y="5142126"/>
-                <a:ext cx="487506" cy="338554"/>
-              </a:xfrm>
-              <a:prstGeom prst="rect">
-                <a:avLst/>
-              </a:prstGeom>
-              <a:blipFill>
-                <a:blip r:embed="rId3"/>
-                <a:stretch>
-                  <a:fillRect/>
-                </a:stretch>
-              </a:blipFill>
-            </p:spPr>
-            <p:txBody>
-              <a:bodyPr/>
-              <a:lstStyle/>
-              <a:p>
-                <a:r>
-                  <a:rPr lang="zh-CN" altLang="en-US">
-                    <a:noFill/>
-                  </a:rPr>
-                  <a:t> </a:t>
-                </a:r>
-              </a:p>
-            </p:txBody>
-          </p:sp>
-        </mc:Fallback>
-      </mc:AlternateContent>
+      <p:sp>
+        <p:nvSpPr>
+          <p:cNvPr id="13" name="文本框 12">
+            <a:extLst>
+              <a:ext uri="{FF2B5EF4-FFF2-40B4-BE49-F238E27FC236}">
+                <a16:creationId xmlns:a16="http://schemas.microsoft.com/office/drawing/2014/main" id="{EAC76193-FCDA-48A0-877F-052E6EC6BEFA}"/>
+              </a:ext>
+            </a:extLst>
+          </p:cNvPr>
+          <p:cNvSpPr txBox="1"/>
+          <p:nvPr/>
+        </p:nvSpPr>
+        <p:spPr>
+          <a:xfrm>
+            <a:off x="6609448" y="5127953"/>
+            <a:ext cx="296876" cy="338554"/>
+          </a:xfrm>
+          <a:prstGeom prst="rect">
+            <a:avLst/>
+          </a:prstGeom>
+          <a:noFill/>
+        </p:spPr>
+        <p:txBody>
+          <a:bodyPr wrap="none" rtlCol="0">
+            <a:spAutoFit/>
+          </a:bodyPr>
+          <a:lstStyle/>
+          <a:p>
+            <a:pPr/>
+            <a:r>
+              <a:rPr lang="en-US" altLang="zh-CN" sz="1600" i="1" dirty="0">
+                <a:latin typeface="Consolas" panose="020B0609020204030204" pitchFamily="49" charset="0"/>
+              </a:rPr>
+              <a:t>Y</a:t>
+            </a:r>
+            <a:endParaRPr lang="zh-CN" altLang="en-US" sz="1600" i="1" dirty="0">
+              <a:latin typeface="Consolas" panose="020B0609020204030204" pitchFamily="49" charset="0"/>
+            </a:endParaRPr>
+          </a:p>
+        </p:txBody>
+      </p:sp>
       <p:cxnSp>
         <p:nvCxnSpPr>
           <p:cNvPr id="20" name="直接箭头连接符 19">
@@ -3830,13 +3734,14 @@
           </p:cNvPr>
           <p:cNvCxnSpPr>
             <a:cxnSpLocks/>
+            <a:stCxn id="38" idx="1"/>
           </p:cNvCxnSpPr>
           <p:nvPr/>
         </p:nvCxnSpPr>
         <p:spPr>
           <a:xfrm flipH="1" flipV="1">
-            <a:off x="5781251" y="3926753"/>
-            <a:ext cx="837663" cy="589300"/>
+            <a:off x="5787984" y="3959946"/>
+            <a:ext cx="804759" cy="535447"/>
           </a:xfrm>
           <a:prstGeom prst="straightConnector1">
             <a:avLst/>
@@ -3861,8 +3766,8 @@
           </a:fontRef>
         </p:style>
       </p:cxnSp>
-      <mc:AlternateContent xmlns:mc="http://schemas.openxmlformats.org/markup-compatibility/2006" xmlns:a14="http://schemas.microsoft.com/office/drawing/2010/main">
-        <mc:Choice Requires="a14">
+      <mc:AlternateContent xmlns:mc="http://schemas.openxmlformats.org/markup-compatibility/2006">
+        <mc:Choice xmlns:a14="http://schemas.microsoft.com/office/drawing/2010/main" Requires="a14">
           <p:sp>
             <p:nvSpPr>
               <p:cNvPr id="24" name="文本框 23">
@@ -3877,8 +3782,8 @@
             </p:nvSpPr>
             <p:spPr>
               <a:xfrm>
-                <a:off x="5546725" y="3953803"/>
-                <a:ext cx="496097" cy="338554"/>
+                <a:off x="5545220" y="4012780"/>
+                <a:ext cx="423706" cy="338554"/>
               </a:xfrm>
               <a:prstGeom prst="rect">
                 <a:avLst/>
@@ -3898,34 +3803,12 @@
                       <m:jc m:val="centerGroup"/>
                     </m:oMathParaPr>
                     <m:oMath xmlns:m="http://schemas.openxmlformats.org/officeDocument/2006/math">
-                      <m:sSub>
-                        <m:sSubPr>
-                          <m:ctrlPr>
-                            <a:rPr lang="en-US" altLang="zh-CN" sz="1600" b="0" i="1" smtClean="0">
-                              <a:latin typeface="Cambria Math" panose="02040503050406030204" pitchFamily="18" charset="0"/>
-                            </a:rPr>
-                          </m:ctrlPr>
-                        </m:sSubPr>
-                        <m:e>
-                          <m:r>
-                            <m:rPr>
-                              <m:sty m:val="p"/>
-                            </m:rPr>
-                            <a:rPr lang="en-US" altLang="zh-CN" sz="1600" i="1">
-                              <a:latin typeface="Cambria Math" panose="02040503050406030204" pitchFamily="18" charset="0"/>
-                            </a:rPr>
-                            <m:t>Z</m:t>
-                          </m:r>
-                        </m:e>
-                        <m:sub>
-                          <m:r>
-                            <a:rPr lang="en-US" altLang="zh-CN" sz="1600" b="0" i="1" smtClean="0">
-                              <a:latin typeface="Cambria Math" panose="02040503050406030204" pitchFamily="18" charset="0"/>
-                            </a:rPr>
-                            <m:t>𝑐</m:t>
-                          </m:r>
-                        </m:sub>
-                      </m:sSub>
+                      <m:r>
+                        <a:rPr lang="en-US" altLang="zh-CN" sz="1600" b="0" i="1" smtClean="0">
+                          <a:latin typeface="Cambria Math" panose="02040503050406030204" pitchFamily="18" charset="0"/>
+                        </a:rPr>
+                        <m:t>𝑍</m:t>
+                      </m:r>
                     </m:oMath>
                   </m:oMathPara>
                 </a14:m>
@@ -3936,7 +3819,7 @@
             </p:txBody>
           </p:sp>
         </mc:Choice>
-        <mc:Fallback xmlns="">
+        <mc:Fallback>
           <p:sp>
             <p:nvSpPr>
               <p:cNvPr id="24" name="文本框 23">
@@ -3953,14 +3836,14 @@
             </p:nvSpPr>
             <p:spPr>
               <a:xfrm>
-                <a:off x="5546725" y="3953803"/>
-                <a:ext cx="496097" cy="338554"/>
+                <a:off x="5545220" y="4012780"/>
+                <a:ext cx="423706" cy="338554"/>
               </a:xfrm>
               <a:prstGeom prst="rect">
                 <a:avLst/>
               </a:prstGeom>
               <a:blipFill>
-                <a:blip r:embed="rId4"/>
+                <a:blip r:embed="rId3"/>
                 <a:stretch>
                   <a:fillRect/>
                 </a:stretch>
@@ -4159,13 +4042,14 @@
           </p:cNvPr>
           <p:cNvCxnSpPr>
             <a:cxnSpLocks/>
+            <a:endCxn id="38" idx="1"/>
           </p:cNvCxnSpPr>
           <p:nvPr/>
         </p:nvCxnSpPr>
         <p:spPr>
           <a:xfrm>
             <a:off x="4751459" y="3262509"/>
-            <a:ext cx="1859066" cy="1233990"/>
+            <a:ext cx="1841284" cy="1232884"/>
           </a:xfrm>
           <a:prstGeom prst="line">
             <a:avLst/>
@@ -4203,8 +4087,8 @@
         </p:nvCxnSpPr>
         <p:spPr>
           <a:xfrm flipV="1">
-            <a:off x="3522907" y="1678333"/>
-            <a:ext cx="2812771" cy="2827943"/>
+            <a:off x="3522907" y="1762904"/>
+            <a:ext cx="2728654" cy="2743372"/>
           </a:xfrm>
           <a:prstGeom prst="straightConnector1">
             <a:avLst/>
@@ -4216,8 +4100,8 @@
               </a:schemeClr>
             </a:solidFill>
             <a:prstDash val="lgDash"/>
-            <a:headEnd type="none"/>
-            <a:tailEnd type="arrow" w="med" len="med"/>
+            <a:headEnd type="none" w="med" len="med"/>
+            <a:tailEnd type="none" w="med" len="med"/>
           </a:ln>
         </p:spPr>
         <p:style>
@@ -4235,214 +4119,6 @@
           </a:fontRef>
         </p:style>
       </p:cxnSp>
-      <mc:AlternateContent xmlns:mc="http://schemas.openxmlformats.org/markup-compatibility/2006" xmlns:a14="http://schemas.microsoft.com/office/drawing/2010/main">
-        <mc:Choice Requires="a14">
-          <p:sp>
-            <p:nvSpPr>
-              <p:cNvPr id="21" name="文本框 20">
-                <a:extLst>
-                  <a:ext uri="{FF2B5EF4-FFF2-40B4-BE49-F238E27FC236}">
-                    <a16:creationId xmlns:a16="http://schemas.microsoft.com/office/drawing/2014/main" id="{7DF97A7D-F56A-13F1-20C3-452230D933BA}"/>
-                  </a:ext>
-                </a:extLst>
-              </p:cNvPr>
-              <p:cNvSpPr txBox="1"/>
-              <p:nvPr/>
-            </p:nvSpPr>
-            <p:spPr>
-              <a:xfrm>
-                <a:off x="6127859" y="1681375"/>
-                <a:ext cx="412100" cy="338554"/>
-              </a:xfrm>
-              <a:prstGeom prst="rect">
-                <a:avLst/>
-              </a:prstGeom>
-              <a:noFill/>
-            </p:spPr>
-            <p:txBody>
-              <a:bodyPr wrap="none" rtlCol="0">
-                <a:spAutoFit/>
-              </a:bodyPr>
-              <a:lstStyle/>
-              <a:p>
-                <a:pPr/>
-                <a14:m>
-                  <m:oMathPara xmlns:m="http://schemas.openxmlformats.org/officeDocument/2006/math">
-                    <m:oMathParaPr>
-                      <m:jc m:val="centerGroup"/>
-                    </m:oMathParaPr>
-                    <m:oMath xmlns:m="http://schemas.openxmlformats.org/officeDocument/2006/math">
-                      <m:r>
-                        <a:rPr lang="en-US" altLang="zh-CN" sz="1600" i="1" dirty="0" smtClean="0">
-                          <a:solidFill>
-                            <a:schemeClr val="accent5"/>
-                          </a:solidFill>
-                          <a:latin typeface="Cambria Math" panose="02040503050406030204" pitchFamily="18" charset="0"/>
-                        </a:rPr>
-                        <m:t>𝑥</m:t>
-                      </m:r>
-                    </m:oMath>
-                  </m:oMathPara>
-                </a14:m>
-                <a:endParaRPr lang="zh-CN" altLang="en-US" sz="1600" i="1" dirty="0">
-                  <a:solidFill>
-                    <a:schemeClr val="accent5"/>
-                  </a:solidFill>
-                  <a:latin typeface="Consolas" panose="020B0609020204030204" pitchFamily="49" charset="0"/>
-                </a:endParaRPr>
-              </a:p>
-            </p:txBody>
-          </p:sp>
-        </mc:Choice>
-        <mc:Fallback xmlns="">
-          <p:sp>
-            <p:nvSpPr>
-              <p:cNvPr id="21" name="文本框 20">
-                <a:extLst>
-                  <a:ext uri="{FF2B5EF4-FFF2-40B4-BE49-F238E27FC236}">
-                    <a16:creationId xmlns:a16="http://schemas.microsoft.com/office/drawing/2014/main" id="{7DF97A7D-F56A-13F1-20C3-452230D933BA}"/>
-                  </a:ext>
-                </a:extLst>
-              </p:cNvPr>
-              <p:cNvSpPr txBox="1">
-                <a:spLocks noRot="1" noChangeAspect="1" noMove="1" noResize="1" noEditPoints="1" noAdjustHandles="1" noChangeArrowheads="1" noChangeShapeType="1" noTextEdit="1"/>
-              </p:cNvSpPr>
-              <p:nvPr/>
-            </p:nvSpPr>
-            <p:spPr>
-              <a:xfrm>
-                <a:off x="6127859" y="1681375"/>
-                <a:ext cx="412100" cy="338554"/>
-              </a:xfrm>
-              <a:prstGeom prst="rect">
-                <a:avLst/>
-              </a:prstGeom>
-              <a:blipFill>
-                <a:blip r:embed="rId5"/>
-                <a:stretch>
-                  <a:fillRect/>
-                </a:stretch>
-              </a:blipFill>
-            </p:spPr>
-            <p:txBody>
-              <a:bodyPr/>
-              <a:lstStyle/>
-              <a:p>
-                <a:r>
-                  <a:rPr lang="zh-CN" altLang="en-US">
-                    <a:noFill/>
-                  </a:rPr>
-                  <a:t> </a:t>
-                </a:r>
-              </a:p>
-            </p:txBody>
-          </p:sp>
-        </mc:Fallback>
-      </mc:AlternateContent>
-      <mc:AlternateContent xmlns:mc="http://schemas.openxmlformats.org/markup-compatibility/2006" xmlns:a14="http://schemas.microsoft.com/office/drawing/2010/main">
-        <mc:Choice Requires="a14">
-          <p:sp>
-            <p:nvSpPr>
-              <p:cNvPr id="25" name="文本框 24">
-                <a:extLst>
-                  <a:ext uri="{FF2B5EF4-FFF2-40B4-BE49-F238E27FC236}">
-                    <a16:creationId xmlns:a16="http://schemas.microsoft.com/office/drawing/2014/main" id="{805A24B6-8225-270D-085B-125054C35CDB}"/>
-                  </a:ext>
-                </a:extLst>
-              </p:cNvPr>
-              <p:cNvSpPr txBox="1"/>
-              <p:nvPr/>
-            </p:nvSpPr>
-            <p:spPr>
-              <a:xfrm>
-                <a:off x="4714984" y="4795216"/>
-                <a:ext cx="415818" cy="338554"/>
-              </a:xfrm>
-              <a:prstGeom prst="rect">
-                <a:avLst/>
-              </a:prstGeom>
-              <a:noFill/>
-            </p:spPr>
-            <p:txBody>
-              <a:bodyPr wrap="none" rtlCol="0">
-                <a:spAutoFit/>
-              </a:bodyPr>
-              <a:lstStyle/>
-              <a:p>
-                <a:pPr/>
-                <a14:m>
-                  <m:oMathPara xmlns:m="http://schemas.openxmlformats.org/officeDocument/2006/math">
-                    <m:oMathParaPr>
-                      <m:jc m:val="centerGroup"/>
-                    </m:oMathParaPr>
-                    <m:oMath xmlns:m="http://schemas.openxmlformats.org/officeDocument/2006/math">
-                      <m:r>
-                        <a:rPr lang="en-US" altLang="zh-CN" sz="1600" b="0" i="1" smtClean="0">
-                          <a:solidFill>
-                            <a:schemeClr val="accent5"/>
-                          </a:solidFill>
-                          <a:latin typeface="Cambria Math" panose="02040503050406030204" pitchFamily="18" charset="0"/>
-                        </a:rPr>
-                        <m:t>𝑦</m:t>
-                      </m:r>
-                    </m:oMath>
-                  </m:oMathPara>
-                </a14:m>
-                <a:endParaRPr lang="en-US" altLang="zh-CN" sz="1600" b="0" i="1" dirty="0">
-                  <a:solidFill>
-                    <a:schemeClr val="accent5"/>
-                  </a:solidFill>
-                  <a:latin typeface="Consolas" panose="020B0609020204030204" pitchFamily="49" charset="0"/>
-                </a:endParaRPr>
-              </a:p>
-            </p:txBody>
-          </p:sp>
-        </mc:Choice>
-        <mc:Fallback xmlns="">
-          <p:sp>
-            <p:nvSpPr>
-              <p:cNvPr id="25" name="文本框 24">
-                <a:extLst>
-                  <a:ext uri="{FF2B5EF4-FFF2-40B4-BE49-F238E27FC236}">
-                    <a16:creationId xmlns:a16="http://schemas.microsoft.com/office/drawing/2014/main" id="{805A24B6-8225-270D-085B-125054C35CDB}"/>
-                  </a:ext>
-                </a:extLst>
-              </p:cNvPr>
-              <p:cNvSpPr txBox="1">
-                <a:spLocks noRot="1" noChangeAspect="1" noMove="1" noResize="1" noEditPoints="1" noAdjustHandles="1" noChangeArrowheads="1" noChangeShapeType="1" noTextEdit="1"/>
-              </p:cNvSpPr>
-              <p:nvPr/>
-            </p:nvSpPr>
-            <p:spPr>
-              <a:xfrm>
-                <a:off x="4714984" y="4795216"/>
-                <a:ext cx="415818" cy="338554"/>
-              </a:xfrm>
-              <a:prstGeom prst="rect">
-                <a:avLst/>
-              </a:prstGeom>
-              <a:blipFill>
-                <a:blip r:embed="rId6"/>
-                <a:stretch>
-                  <a:fillRect b="-3571"/>
-                </a:stretch>
-              </a:blipFill>
-            </p:spPr>
-            <p:txBody>
-              <a:bodyPr/>
-              <a:lstStyle/>
-              <a:p>
-                <a:r>
-                  <a:rPr lang="zh-CN" altLang="en-US">
-                    <a:noFill/>
-                  </a:rPr>
-                  <a:t> </a:t>
-                </a:r>
-              </a:p>
-            </p:txBody>
-          </p:sp>
-        </mc:Fallback>
-      </mc:AlternateContent>
       <p:cxnSp>
         <p:nvCxnSpPr>
           <p:cNvPr id="18" name="直线连接符 17">
@@ -4454,13 +4130,14 @@
           </p:cNvPr>
           <p:cNvCxnSpPr>
             <a:cxnSpLocks/>
+            <a:endCxn id="38" idx="1"/>
           </p:cNvCxnSpPr>
           <p:nvPr/>
         </p:nvCxnSpPr>
         <p:spPr>
           <a:xfrm>
-            <a:off x="5349879" y="2395468"/>
-            <a:ext cx="1266176" cy="2099528"/>
+            <a:off x="5320369" y="2367270"/>
+            <a:ext cx="1272374" cy="2128123"/>
           </a:xfrm>
           <a:prstGeom prst="line">
             <a:avLst/>
@@ -4904,8 +4581,8 @@
           </p:sp>
         </mc:Fallback>
       </mc:AlternateContent>
-      <mc:AlternateContent xmlns:mc="http://schemas.openxmlformats.org/markup-compatibility/2006" xmlns:a14="http://schemas.microsoft.com/office/drawing/2010/main">
-        <mc:Choice Requires="a14">
+      <mc:AlternateContent xmlns:mc="http://schemas.openxmlformats.org/markup-compatibility/2006">
+        <mc:Choice xmlns:a14="http://schemas.microsoft.com/office/drawing/2010/main" Requires="a14">
           <p:sp>
             <p:nvSpPr>
               <p:cNvPr id="53" name="文本框 52">
@@ -4920,8 +4597,8 @@
             </p:nvSpPr>
             <p:spPr>
               <a:xfrm>
-                <a:off x="2967917" y="2004892"/>
-                <a:ext cx="399789" cy="338554"/>
+                <a:off x="2922775" y="1952167"/>
+                <a:ext cx="479875" cy="338554"/>
               </a:xfrm>
               <a:prstGeom prst="rect">
                 <a:avLst/>
@@ -4941,15 +4618,40 @@
                       <m:jc m:val="centerGroup"/>
                     </m:oMathParaPr>
                     <m:oMath xmlns:m="http://schemas.openxmlformats.org/officeDocument/2006/math">
-                      <m:r>
-                        <a:rPr lang="en-US" altLang="zh-CN" sz="1600" b="0" i="1" smtClean="0">
-                          <a:solidFill>
-                            <a:schemeClr val="accent1"/>
-                          </a:solidFill>
-                          <a:latin typeface="Cambria Math" panose="02040503050406030204" pitchFamily="18" charset="0"/>
-                        </a:rPr>
-                        <m:t>𝑧</m:t>
-                      </m:r>
+                      <m:sSub>
+                        <m:sSubPr>
+                          <m:ctrlPr>
+                            <a:rPr lang="en-US" altLang="zh-CN" sz="1600" b="0" i="1" smtClean="0">
+                              <a:solidFill>
+                                <a:schemeClr val="accent1"/>
+                              </a:solidFill>
+                              <a:latin typeface="Cambria Math" panose="02040503050406030204" pitchFamily="18" charset="0"/>
+                            </a:rPr>
+                          </m:ctrlPr>
+                        </m:sSubPr>
+                        <m:e>
+                          <m:r>
+                            <a:rPr lang="en-US" altLang="zh-CN" sz="1600" b="0" i="1" smtClean="0">
+                              <a:solidFill>
+                                <a:schemeClr val="accent1"/>
+                              </a:solidFill>
+                              <a:latin typeface="Cambria Math" panose="02040503050406030204" pitchFamily="18" charset="0"/>
+                            </a:rPr>
+                            <m:t>𝑧</m:t>
+                          </m:r>
+                        </m:e>
+                        <m:sub>
+                          <m:r>
+                            <a:rPr lang="en-US" altLang="zh-CN" sz="1600" b="0" i="1" smtClean="0">
+                              <a:solidFill>
+                                <a:schemeClr val="accent1"/>
+                              </a:solidFill>
+                              <a:latin typeface="Cambria Math" panose="02040503050406030204" pitchFamily="18" charset="0"/>
+                            </a:rPr>
+                            <m:t>𝑐</m:t>
+                          </m:r>
+                        </m:sub>
+                      </m:sSub>
                     </m:oMath>
                   </m:oMathPara>
                 </a14:m>
@@ -4963,7 +4665,7 @@
             </p:txBody>
           </p:sp>
         </mc:Choice>
-        <mc:Fallback xmlns="">
+        <mc:Fallback>
           <p:sp>
             <p:nvSpPr>
               <p:cNvPr id="53" name="文本框 52">
@@ -4980,8 +4682,8 @@
             </p:nvSpPr>
             <p:spPr>
               <a:xfrm>
-                <a:off x="2967917" y="2004892"/>
-                <a:ext cx="399789" cy="338554"/>
+                <a:off x="2922775" y="1952167"/>
+                <a:ext cx="479875" cy="338554"/>
               </a:xfrm>
               <a:prstGeom prst="rect">
                 <a:avLst/>
@@ -5137,8 +4839,8 @@
           </p:sp>
         </mc:Fallback>
       </mc:AlternateContent>
-      <mc:AlternateContent xmlns:mc="http://schemas.openxmlformats.org/markup-compatibility/2006" xmlns:a14="http://schemas.microsoft.com/office/drawing/2010/main">
-        <mc:Choice Requires="a14">
+      <mc:AlternateContent xmlns:mc="http://schemas.openxmlformats.org/markup-compatibility/2006">
+        <mc:Choice xmlns:a14="http://schemas.microsoft.com/office/drawing/2010/main" Requires="a14">
           <p:sp>
             <p:nvSpPr>
               <p:cNvPr id="67" name="文本框 66">
@@ -5153,7 +4855,7 @@
             </p:nvSpPr>
             <p:spPr>
               <a:xfrm>
-                <a:off x="6567248" y="4378574"/>
+                <a:off x="6505183" y="4395195"/>
                 <a:ext cx="506934" cy="338554"/>
               </a:xfrm>
               <a:prstGeom prst="rect">
@@ -5209,7 +4911,7 @@
             </p:txBody>
           </p:sp>
         </mc:Choice>
-        <mc:Fallback xmlns="">
+        <mc:Fallback>
           <p:sp>
             <p:nvSpPr>
               <p:cNvPr id="67" name="文本框 66">
@@ -5226,7 +4928,7 @@
             </p:nvSpPr>
             <p:spPr>
               <a:xfrm>
-                <a:off x="6567248" y="4378574"/>
+                <a:off x="6505183" y="4395195"/>
                 <a:ext cx="506934" cy="338554"/>
               </a:xfrm>
               <a:prstGeom prst="rect">
@@ -5452,54 +5154,6 @@
       </p:cxnSp>
       <p:cxnSp>
         <p:nvCxnSpPr>
-          <p:cNvPr id="22" name="直线箭头连接符 21">
-            <a:extLst>
-              <a:ext uri="{FF2B5EF4-FFF2-40B4-BE49-F238E27FC236}">
-                <a16:creationId xmlns:a16="http://schemas.microsoft.com/office/drawing/2014/main" id="{61AAF773-37B6-E71F-5BF6-8B4C994A4EF8}"/>
-              </a:ext>
-            </a:extLst>
-          </p:cNvPr>
-          <p:cNvCxnSpPr>
-            <a:cxnSpLocks/>
-          </p:cNvCxnSpPr>
-          <p:nvPr/>
-        </p:nvCxnSpPr>
-        <p:spPr>
-          <a:xfrm>
-            <a:off x="4760727" y="1508265"/>
-            <a:ext cx="0" cy="3575377"/>
-          </a:xfrm>
-          <a:prstGeom prst="straightConnector1">
-            <a:avLst/>
-          </a:prstGeom>
-          <a:ln w="19050" cap="rnd">
-            <a:solidFill>
-              <a:schemeClr val="accent5">
-                <a:alpha val="90000"/>
-              </a:schemeClr>
-            </a:solidFill>
-            <a:prstDash val="lgDash"/>
-            <a:headEnd type="none"/>
-            <a:tailEnd type="arrow" w="med" len="med"/>
-          </a:ln>
-        </p:spPr>
-        <p:style>
-          <a:lnRef idx="1">
-            <a:schemeClr val="accent1"/>
-          </a:lnRef>
-          <a:fillRef idx="0">
-            <a:schemeClr val="accent1"/>
-          </a:fillRef>
-          <a:effectRef idx="0">
-            <a:schemeClr val="accent1"/>
-          </a:effectRef>
-          <a:fontRef idx="minor">
-            <a:schemeClr val="tx1"/>
-          </a:fontRef>
-        </p:style>
-      </p:cxnSp>
-      <p:cxnSp>
-        <p:nvCxnSpPr>
           <p:cNvPr id="83" name="直线箭头连接符 82">
             <a:extLst>
               <a:ext uri="{FF2B5EF4-FFF2-40B4-BE49-F238E27FC236}">
@@ -6380,6 +6034,143 @@
           </a:fontRef>
         </p:style>
       </p:cxnSp>
+      <mc:AlternateContent xmlns:mc="http://schemas.openxmlformats.org/markup-compatibility/2006">
+        <mc:Choice xmlns:a14="http://schemas.microsoft.com/office/drawing/2010/main" Requires="a14">
+          <p:sp>
+            <p:nvSpPr>
+              <p:cNvPr id="95" name="文本框 94">
+                <a:extLst>
+                  <a:ext uri="{FF2B5EF4-FFF2-40B4-BE49-F238E27FC236}">
+                    <a16:creationId xmlns:a16="http://schemas.microsoft.com/office/drawing/2014/main" id="{06748724-DF00-14C2-DDFA-DB8E95F43705}"/>
+                  </a:ext>
+                </a:extLst>
+              </p:cNvPr>
+              <p:cNvSpPr txBox="1"/>
+              <p:nvPr/>
+            </p:nvSpPr>
+            <p:spPr>
+              <a:xfrm rot="4756815">
+                <a:off x="5024955" y="2664938"/>
+                <a:ext cx="593047" cy="391582"/>
+              </a:xfrm>
+              <a:prstGeom prst="rect">
+                <a:avLst/>
+              </a:prstGeom>
+              <a:noFill/>
+            </p:spPr>
+            <p:txBody>
+              <a:bodyPr wrap="none" rtlCol="0">
+                <a:spAutoFit/>
+              </a:bodyPr>
+              <a:lstStyle/>
+              <a:p>
+                <a:pPr/>
+                <a14:m>
+                  <m:oMathPara xmlns:m="http://schemas.openxmlformats.org/officeDocument/2006/math">
+                    <m:oMathParaPr>
+                      <m:jc m:val="centerGroup"/>
+                    </m:oMathParaPr>
+                    <m:oMath xmlns:m="http://schemas.openxmlformats.org/officeDocument/2006/math">
+                      <m:sSub>
+                        <m:sSubPr>
+                          <m:ctrlPr>
+                            <a:rPr kumimoji="1" lang="en-US" altLang="zh-CN" b="0" i="1" dirty="0" smtClean="0">
+                              <a:solidFill>
+                                <a:schemeClr val="accent5"/>
+                              </a:solidFill>
+                              <a:latin typeface="Cambria Math" panose="02040503050406030204" pitchFamily="18" charset="0"/>
+                            </a:rPr>
+                          </m:ctrlPr>
+                        </m:sSubPr>
+                        <m:e>
+                          <m:r>
+                            <a:rPr kumimoji="1" lang="en-US" altLang="zh-CN" b="0" i="1" dirty="0" smtClean="0">
+                              <a:solidFill>
+                                <a:schemeClr val="accent5"/>
+                              </a:solidFill>
+                              <a:latin typeface="Cambria Math" panose="02040503050406030204" pitchFamily="18" charset="0"/>
+                            </a:rPr>
+                            <m:t>𝐴</m:t>
+                          </m:r>
+                        </m:e>
+                        <m:sub>
+                          <m:r>
+                            <a:rPr kumimoji="1" lang="en-US" altLang="zh-CN" b="0" i="1" dirty="0" smtClean="0">
+                              <a:solidFill>
+                                <a:schemeClr val="accent5"/>
+                              </a:solidFill>
+                              <a:latin typeface="Cambria Math" panose="02040503050406030204" pitchFamily="18" charset="0"/>
+                            </a:rPr>
+                            <m:t>𝑐</m:t>
+                          </m:r>
+                          <m:r>
+                            <a:rPr kumimoji="1" lang="en-US" altLang="zh-CN" b="0" i="1" dirty="0" smtClean="0">
+                              <a:solidFill>
+                                <a:schemeClr val="accent5"/>
+                              </a:solidFill>
+                              <a:latin typeface="Cambria Math" panose="02040503050406030204" pitchFamily="18" charset="0"/>
+                            </a:rPr>
+                            <m:t>𝑓</m:t>
+                          </m:r>
+                        </m:sub>
+                      </m:sSub>
+                    </m:oMath>
+                  </m:oMathPara>
+                </a14:m>
+                <a:endParaRPr kumimoji="1" lang="zh-CN" altLang="en-US" dirty="0">
+                  <a:solidFill>
+                    <a:schemeClr val="accent5"/>
+                  </a:solidFill>
+                </a:endParaRPr>
+              </a:p>
+            </p:txBody>
+          </p:sp>
+        </mc:Choice>
+        <mc:Fallback>
+          <p:sp>
+            <p:nvSpPr>
+              <p:cNvPr id="95" name="文本框 94">
+                <a:extLst>
+                  <a:ext uri="{FF2B5EF4-FFF2-40B4-BE49-F238E27FC236}">
+                    <a16:creationId xmlns:a16="http://schemas.microsoft.com/office/drawing/2014/main" id="{06748724-DF00-14C2-DDFA-DB8E95F43705}"/>
+                  </a:ext>
+                </a:extLst>
+              </p:cNvPr>
+              <p:cNvSpPr txBox="1">
+                <a:spLocks noRot="1" noChangeAspect="1" noMove="1" noResize="1" noEditPoints="1" noAdjustHandles="1" noChangeArrowheads="1" noChangeShapeType="1" noTextEdit="1"/>
+              </p:cNvSpPr>
+              <p:nvPr/>
+            </p:nvSpPr>
+            <p:spPr>
+              <a:xfrm rot="4756815">
+                <a:off x="5024955" y="2664938"/>
+                <a:ext cx="593047" cy="391582"/>
+              </a:xfrm>
+              <a:prstGeom prst="rect">
+                <a:avLst/>
+              </a:prstGeom>
+              <a:blipFill>
+                <a:blip r:embed="rId12"/>
+                <a:stretch>
+                  <a:fillRect/>
+                </a:stretch>
+              </a:blipFill>
+            </p:spPr>
+            <p:txBody>
+              <a:bodyPr/>
+              <a:lstStyle/>
+              <a:p>
+                <a:r>
+                  <a:rPr lang="zh-CN" altLang="en-US">
+                    <a:noFill/>
+                  </a:rPr>
+                  <a:t> </a:t>
+                </a:r>
+              </a:p>
+            </p:txBody>
+          </p:sp>
+        </mc:Fallback>
+      </mc:AlternateContent>
       <p:cxnSp>
         <p:nvCxnSpPr>
           <p:cNvPr id="109" name="直线箭头连接符 108">
@@ -6752,8 +6543,8 @@
           </a:p>
         </p:txBody>
       </p:sp>
-      <mc:AlternateContent xmlns:mc="http://schemas.openxmlformats.org/markup-compatibility/2006">
-        <mc:Choice xmlns:a14="http://schemas.microsoft.com/office/drawing/2010/main" Requires="a14">
+      <mc:AlternateContent xmlns:mc="http://schemas.openxmlformats.org/markup-compatibility/2006" xmlns:a14="http://schemas.microsoft.com/office/drawing/2010/main">
+        <mc:Choice Requires="a14">
           <p:sp>
             <p:nvSpPr>
               <p:cNvPr id="118" name="文本框 117">
@@ -7195,7 +6986,7 @@
             </p:txBody>
           </p:sp>
         </mc:Choice>
-        <mc:Fallback>
+        <mc:Fallback xmlns="">
           <p:sp>
             <p:nvSpPr>
               <p:cNvPr id="118" name="文本框 117">
@@ -7219,7 +7010,7 @@
                 <a:avLst/>
               </a:prstGeom>
               <a:blipFill>
-                <a:blip r:embed="rId12"/>
+                <a:blip r:embed="rId13"/>
                 <a:stretch>
                   <a:fillRect b="-16667"/>
                 </a:stretch>
@@ -7240,8 +7031,8 @@
           </p:sp>
         </mc:Fallback>
       </mc:AlternateContent>
-      <mc:AlternateContent xmlns:mc="http://schemas.openxmlformats.org/markup-compatibility/2006" xmlns:a14="http://schemas.microsoft.com/office/drawing/2010/main">
-        <mc:Choice Requires="a14">
+      <mc:AlternateContent xmlns:mc="http://schemas.openxmlformats.org/markup-compatibility/2006">
+        <mc:Choice xmlns:a14="http://schemas.microsoft.com/office/drawing/2010/main" Requires="a14">
           <p:sp>
             <p:nvSpPr>
               <p:cNvPr id="119" name="文本框 118">
@@ -7256,7 +7047,7 @@
             </p:nvSpPr>
             <p:spPr>
               <a:xfrm rot="18817345">
-                <a:off x="5185160" y="1809310"/>
+                <a:off x="4357134" y="2257412"/>
                 <a:ext cx="994824" cy="307777"/>
               </a:xfrm>
               <a:prstGeom prst="rect">
@@ -7357,7 +7148,7 @@
             </p:txBody>
           </p:sp>
         </mc:Choice>
-        <mc:Fallback xmlns="">
+        <mc:Fallback>
           <p:sp>
             <p:nvSpPr>
               <p:cNvPr id="119" name="文本框 118">
@@ -7374,14 +7165,14 @@
             </p:nvSpPr>
             <p:spPr>
               <a:xfrm rot="18817345">
-                <a:off x="5185160" y="1809310"/>
+                <a:off x="4357134" y="2257412"/>
                 <a:ext cx="994824" cy="307777"/>
               </a:xfrm>
               <a:prstGeom prst="rect">
                 <a:avLst/>
               </a:prstGeom>
               <a:blipFill>
-                <a:blip r:embed="rId13"/>
+                <a:blip r:embed="rId14"/>
                 <a:stretch>
                   <a:fillRect/>
                 </a:stretch>
@@ -7402,8 +7193,8 @@
           </p:sp>
         </mc:Fallback>
       </mc:AlternateContent>
-      <mc:AlternateContent xmlns:mc="http://schemas.openxmlformats.org/markup-compatibility/2006" xmlns:a14="http://schemas.microsoft.com/office/drawing/2010/main">
-        <mc:Choice Requires="a14">
+      <mc:AlternateContent xmlns:mc="http://schemas.openxmlformats.org/markup-compatibility/2006">
+        <mc:Choice xmlns:a14="http://schemas.microsoft.com/office/drawing/2010/main" Requires="a14">
           <p:sp>
             <p:nvSpPr>
               <p:cNvPr id="120" name="文本框 119">
@@ -7418,7 +7209,7 @@
             </p:nvSpPr>
             <p:spPr>
               <a:xfrm rot="20903127">
-                <a:off x="4880310" y="3374603"/>
+                <a:off x="5016620" y="3146584"/>
                 <a:ext cx="1189493" cy="324769"/>
               </a:xfrm>
               <a:prstGeom prst="rect">
@@ -7619,7 +7410,7 @@
             </p:txBody>
           </p:sp>
         </mc:Choice>
-        <mc:Fallback xmlns="">
+        <mc:Fallback>
           <p:sp>
             <p:nvSpPr>
               <p:cNvPr id="120" name="文本框 119">
@@ -7636,14 +7427,14 @@
             </p:nvSpPr>
             <p:spPr>
               <a:xfrm rot="20903127">
-                <a:off x="4880310" y="3374603"/>
+                <a:off x="5016620" y="3146584"/>
                 <a:ext cx="1189493" cy="324769"/>
               </a:xfrm>
               <a:prstGeom prst="rect">
                 <a:avLst/>
               </a:prstGeom>
               <a:blipFill>
-                <a:blip r:embed="rId14"/>
+                <a:blip r:embed="rId15"/>
                 <a:stretch>
                   <a:fillRect/>
                 </a:stretch>
@@ -7678,8 +7469,8 @@
         </p:nvSpPr>
         <p:spPr>
           <a:xfrm rot="5781107">
-            <a:off x="4858720" y="3125976"/>
-            <a:ext cx="207387" cy="461185"/>
+            <a:off x="4925270" y="3120725"/>
+            <a:ext cx="67869" cy="367902"/>
           </a:xfrm>
           <a:custGeom>
             <a:avLst/>
@@ -7791,6 +7582,650 @@
           </a:p>
         </p:txBody>
       </p:sp>
+      <mc:AlternateContent xmlns:mc="http://schemas.openxmlformats.org/markup-compatibility/2006">
+        <mc:Choice xmlns:a14="http://schemas.microsoft.com/office/drawing/2010/main" Requires="a14">
+          <p:sp>
+            <p:nvSpPr>
+              <p:cNvPr id="65" name="文本框 64">
+                <a:extLst>
+                  <a:ext uri="{FF2B5EF4-FFF2-40B4-BE49-F238E27FC236}">
+                    <a16:creationId xmlns:a16="http://schemas.microsoft.com/office/drawing/2014/main" id="{EB0874DF-3C79-6619-8DB7-3523FFE6AECC}"/>
+                  </a:ext>
+                </a:extLst>
+              </p:cNvPr>
+              <p:cNvSpPr txBox="1"/>
+              <p:nvPr/>
+            </p:nvSpPr>
+            <p:spPr>
+              <a:xfrm rot="18817345">
+                <a:off x="5115536" y="1600392"/>
+                <a:ext cx="1597040" cy="325025"/>
+              </a:xfrm>
+              <a:prstGeom prst="rect">
+                <a:avLst/>
+              </a:prstGeom>
+              <a:noFill/>
+            </p:spPr>
+            <p:txBody>
+              <a:bodyPr wrap="none" rtlCol="0">
+                <a:spAutoFit/>
+              </a:bodyPr>
+              <a:lstStyle/>
+              <a:p>
+                <a:pPr/>
+                <a14:m>
+                  <m:oMathPara xmlns:m="http://schemas.openxmlformats.org/officeDocument/2006/math">
+                    <m:oMathParaPr>
+                      <m:jc m:val="centerGroup"/>
+                    </m:oMathParaPr>
+                    <m:oMath xmlns:m="http://schemas.openxmlformats.org/officeDocument/2006/math">
+                      <m:sSub>
+                        <m:sSubPr>
+                          <m:ctrlPr>
+                            <a:rPr kumimoji="1" lang="en-US" altLang="zh-CN" sz="1400" b="0" i="1" smtClean="0">
+                              <a:solidFill>
+                                <a:schemeClr val="accent5"/>
+                              </a:solidFill>
+                              <a:latin typeface="Cambria Math" panose="02040503050406030204" pitchFamily="18" charset="0"/>
+                            </a:rPr>
+                          </m:ctrlPr>
+                        </m:sSubPr>
+                        <m:e>
+                          <m:r>
+                            <a:rPr kumimoji="1" lang="en-US" altLang="zh-CN" sz="1400" b="0" i="1" smtClean="0">
+                              <a:solidFill>
+                                <a:schemeClr val="accent5"/>
+                              </a:solidFill>
+                              <a:latin typeface="Cambria Math" panose="02040503050406030204" pitchFamily="18" charset="0"/>
+                            </a:rPr>
+                            <m:t>𝑃</m:t>
+                          </m:r>
+                        </m:e>
+                        <m:sub>
+                          <m:r>
+                            <a:rPr kumimoji="1" lang="en-US" altLang="zh-CN" sz="1400" b="0" i="1" smtClean="0">
+                              <a:solidFill>
+                                <a:schemeClr val="accent5"/>
+                              </a:solidFill>
+                              <a:latin typeface="Cambria Math" panose="02040503050406030204" pitchFamily="18" charset="0"/>
+                            </a:rPr>
+                            <m:t>𝑐𝑓</m:t>
+                          </m:r>
+                        </m:sub>
+                      </m:sSub>
+                      <m:r>
+                        <a:rPr kumimoji="1" lang="en-US" altLang="zh-CN" sz="1400" b="0" i="1" smtClean="0">
+                          <a:solidFill>
+                            <a:schemeClr val="accent5"/>
+                          </a:solidFill>
+                          <a:latin typeface="Cambria Math" panose="02040503050406030204" pitchFamily="18" charset="0"/>
+                        </a:rPr>
+                        <m:t>=(</m:t>
+                      </m:r>
+                      <m:sSub>
+                        <m:sSubPr>
+                          <m:ctrlPr>
+                            <a:rPr kumimoji="1" lang="en-US" altLang="zh-CN" sz="1400" b="0" i="1" smtClean="0">
+                              <a:solidFill>
+                                <a:schemeClr val="accent5"/>
+                              </a:solidFill>
+                              <a:latin typeface="Cambria Math" panose="02040503050406030204" pitchFamily="18" charset="0"/>
+                            </a:rPr>
+                          </m:ctrlPr>
+                        </m:sSubPr>
+                        <m:e>
+                          <m:r>
+                            <a:rPr kumimoji="1" lang="en-US" altLang="zh-CN" sz="1400" b="0" i="1" smtClean="0">
+                              <a:solidFill>
+                                <a:schemeClr val="accent5"/>
+                              </a:solidFill>
+                              <a:latin typeface="Cambria Math" panose="02040503050406030204" pitchFamily="18" charset="0"/>
+                            </a:rPr>
+                            <m:t>𝑋</m:t>
+                          </m:r>
+                        </m:e>
+                        <m:sub>
+                          <m:r>
+                            <a:rPr kumimoji="1" lang="en-US" altLang="zh-CN" sz="1400" b="0" i="1" smtClean="0">
+                              <a:solidFill>
+                                <a:schemeClr val="accent5"/>
+                              </a:solidFill>
+                              <a:latin typeface="Cambria Math" panose="02040503050406030204" pitchFamily="18" charset="0"/>
+                            </a:rPr>
+                            <m:t>𝑐𝑓</m:t>
+                          </m:r>
+                        </m:sub>
+                      </m:sSub>
+                      <m:r>
+                        <a:rPr kumimoji="1" lang="en-US" altLang="zh-CN" sz="1400" b="0" i="1" smtClean="0">
+                          <a:solidFill>
+                            <a:schemeClr val="accent5"/>
+                          </a:solidFill>
+                          <a:latin typeface="Cambria Math" panose="02040503050406030204" pitchFamily="18" charset="0"/>
+                        </a:rPr>
+                        <m:t>, </m:t>
+                      </m:r>
+                      <m:sSub>
+                        <m:sSubPr>
+                          <m:ctrlPr>
+                            <a:rPr kumimoji="1" lang="en-US" altLang="zh-CN" sz="1400" b="0" i="1" smtClean="0">
+                              <a:solidFill>
+                                <a:schemeClr val="accent5"/>
+                              </a:solidFill>
+                              <a:latin typeface="Cambria Math" panose="02040503050406030204" pitchFamily="18" charset="0"/>
+                            </a:rPr>
+                          </m:ctrlPr>
+                        </m:sSubPr>
+                        <m:e>
+                          <m:r>
+                            <a:rPr kumimoji="1" lang="en-US" altLang="zh-CN" sz="1400" b="0" i="1" smtClean="0">
+                              <a:solidFill>
+                                <a:schemeClr val="accent5"/>
+                              </a:solidFill>
+                              <a:latin typeface="Cambria Math" panose="02040503050406030204" pitchFamily="18" charset="0"/>
+                            </a:rPr>
+                            <m:t>𝑌</m:t>
+                          </m:r>
+                        </m:e>
+                        <m:sub>
+                          <m:r>
+                            <a:rPr kumimoji="1" lang="en-US" altLang="zh-CN" sz="1400" b="0" i="1" smtClean="0">
+                              <a:solidFill>
+                                <a:schemeClr val="accent5"/>
+                              </a:solidFill>
+                              <a:latin typeface="Cambria Math" panose="02040503050406030204" pitchFamily="18" charset="0"/>
+                            </a:rPr>
+                            <m:t>𝑐𝑓</m:t>
+                          </m:r>
+                        </m:sub>
+                      </m:sSub>
+                      <m:r>
+                        <a:rPr kumimoji="1" lang="en-US" altLang="zh-CN" sz="1400" b="0" i="1" smtClean="0">
+                          <a:solidFill>
+                            <a:schemeClr val="accent5"/>
+                          </a:solidFill>
+                          <a:latin typeface="Cambria Math" panose="02040503050406030204" pitchFamily="18" charset="0"/>
+                        </a:rPr>
+                        <m:t>, </m:t>
+                      </m:r>
+                      <m:r>
+                        <a:rPr kumimoji="1" lang="en-US" altLang="zh-CN" sz="1400" b="0" i="1" smtClean="0">
+                          <a:solidFill>
+                            <a:schemeClr val="accent5"/>
+                          </a:solidFill>
+                          <a:latin typeface="Cambria Math" panose="02040503050406030204" pitchFamily="18" charset="0"/>
+                        </a:rPr>
+                        <m:t>𝑓</m:t>
+                      </m:r>
+                      <m:r>
+                        <a:rPr kumimoji="1" lang="en-US" altLang="zh-CN" sz="1400" b="0" i="1" smtClean="0">
+                          <a:solidFill>
+                            <a:schemeClr val="accent5"/>
+                          </a:solidFill>
+                          <a:latin typeface="Cambria Math" panose="02040503050406030204" pitchFamily="18" charset="0"/>
+                        </a:rPr>
+                        <m:t>)</m:t>
+                      </m:r>
+                    </m:oMath>
+                  </m:oMathPara>
+                </a14:m>
+                <a:endParaRPr kumimoji="1" lang="zh-CN" altLang="en-US" sz="1400" dirty="0">
+                  <a:solidFill>
+                    <a:schemeClr val="accent5"/>
+                  </a:solidFill>
+                </a:endParaRPr>
+              </a:p>
+            </p:txBody>
+          </p:sp>
+        </mc:Choice>
+        <mc:Fallback>
+          <p:sp>
+            <p:nvSpPr>
+              <p:cNvPr id="65" name="文本框 64">
+                <a:extLst>
+                  <a:ext uri="{FF2B5EF4-FFF2-40B4-BE49-F238E27FC236}">
+                    <a16:creationId xmlns:a16="http://schemas.microsoft.com/office/drawing/2014/main" id="{EB0874DF-3C79-6619-8DB7-3523FFE6AECC}"/>
+                  </a:ext>
+                </a:extLst>
+              </p:cNvPr>
+              <p:cNvSpPr txBox="1">
+                <a:spLocks noRot="1" noChangeAspect="1" noMove="1" noResize="1" noEditPoints="1" noAdjustHandles="1" noChangeArrowheads="1" noChangeShapeType="1" noTextEdit="1"/>
+              </p:cNvSpPr>
+              <p:nvPr/>
+            </p:nvSpPr>
+            <p:spPr>
+              <a:xfrm rot="18817345">
+                <a:off x="5115536" y="1600392"/>
+                <a:ext cx="1597040" cy="325025"/>
+              </a:xfrm>
+              <a:prstGeom prst="rect">
+                <a:avLst/>
+              </a:prstGeom>
+              <a:blipFill>
+                <a:blip r:embed="rId16"/>
+                <a:stretch>
+                  <a:fillRect/>
+                </a:stretch>
+              </a:blipFill>
+            </p:spPr>
+            <p:txBody>
+              <a:bodyPr/>
+              <a:lstStyle/>
+              <a:p>
+                <a:r>
+                  <a:rPr lang="zh-CN" altLang="en-US">
+                    <a:noFill/>
+                  </a:rPr>
+                  <a:t> </a:t>
+                </a:r>
+              </a:p>
+            </p:txBody>
+          </p:sp>
+        </mc:Fallback>
+      </mc:AlternateContent>
+      <p:cxnSp>
+        <p:nvCxnSpPr>
+          <p:cNvPr id="68" name="直线连接符 17">
+            <a:extLst>
+              <a:ext uri="{FF2B5EF4-FFF2-40B4-BE49-F238E27FC236}">
+                <a16:creationId xmlns:a16="http://schemas.microsoft.com/office/drawing/2014/main" id="{B1557DB3-563F-85BC-017C-36E1392DE0B1}"/>
+              </a:ext>
+            </a:extLst>
+          </p:cNvPr>
+          <p:cNvCxnSpPr>
+            <a:cxnSpLocks/>
+            <a:endCxn id="38" idx="1"/>
+          </p:cNvCxnSpPr>
+          <p:nvPr/>
+        </p:nvCxnSpPr>
+        <p:spPr>
+          <a:xfrm>
+            <a:off x="5343021" y="2667883"/>
+            <a:ext cx="1249722" cy="1827510"/>
+          </a:xfrm>
+          <a:prstGeom prst="line">
+            <a:avLst/>
+          </a:prstGeom>
+          <a:ln w="19050">
+            <a:solidFill>
+              <a:srgbClr val="C00000"/>
+            </a:solidFill>
+          </a:ln>
+        </p:spPr>
+        <p:style>
+          <a:lnRef idx="1">
+            <a:schemeClr val="accent1"/>
+          </a:lnRef>
+          <a:fillRef idx="0">
+            <a:schemeClr val="accent1"/>
+          </a:fillRef>
+          <a:effectRef idx="0">
+            <a:schemeClr val="accent1"/>
+          </a:effectRef>
+          <a:fontRef idx="minor">
+            <a:schemeClr val="tx1"/>
+          </a:fontRef>
+        </p:style>
+      </p:cxnSp>
+      <p:cxnSp>
+        <p:nvCxnSpPr>
+          <p:cNvPr id="8" name="直接箭头连接符 7">
+            <a:extLst>
+              <a:ext uri="{FF2B5EF4-FFF2-40B4-BE49-F238E27FC236}">
+                <a16:creationId xmlns:a16="http://schemas.microsoft.com/office/drawing/2014/main" id="{2E763FFE-5C4D-AE5E-D62A-F8E73446F036}"/>
+              </a:ext>
+            </a:extLst>
+          </p:cNvPr>
+          <p:cNvCxnSpPr>
+            <a:cxnSpLocks/>
+          </p:cNvCxnSpPr>
+          <p:nvPr/>
+        </p:nvCxnSpPr>
+        <p:spPr>
+          <a:xfrm flipV="1">
+            <a:off x="6618914" y="3976900"/>
+            <a:ext cx="532279" cy="535198"/>
+          </a:xfrm>
+          <a:prstGeom prst="straightConnector1">
+            <a:avLst/>
+          </a:prstGeom>
+          <a:ln w="28575">
+            <a:headEnd type="none" w="med" len="med"/>
+            <a:tailEnd type="arrow" w="med" len="med"/>
+          </a:ln>
+        </p:spPr>
+        <p:style>
+          <a:lnRef idx="1">
+            <a:schemeClr val="dk1"/>
+          </a:lnRef>
+          <a:fillRef idx="0">
+            <a:schemeClr val="dk1"/>
+          </a:fillRef>
+          <a:effectRef idx="0">
+            <a:schemeClr val="dk1"/>
+          </a:effectRef>
+          <a:fontRef idx="minor">
+            <a:schemeClr val="tx1"/>
+          </a:fontRef>
+        </p:style>
+      </p:cxnSp>
+      <p:sp>
+        <p:nvSpPr>
+          <p:cNvPr id="38" name="椭圆 37">
+            <a:extLst>
+              <a:ext uri="{FF2B5EF4-FFF2-40B4-BE49-F238E27FC236}">
+                <a16:creationId xmlns:a16="http://schemas.microsoft.com/office/drawing/2014/main" id="{FFF0355E-C9D1-A827-808A-E9D2E25F2C0F}"/>
+              </a:ext>
+            </a:extLst>
+          </p:cNvPr>
+          <p:cNvSpPr/>
+          <p:nvPr/>
+        </p:nvSpPr>
+        <p:spPr>
+          <a:xfrm>
+            <a:off x="6585824" y="4488474"/>
+            <a:ext cx="47249" cy="47249"/>
+          </a:xfrm>
+          <a:prstGeom prst="ellipse">
+            <a:avLst/>
+          </a:prstGeom>
+          <a:solidFill>
+            <a:schemeClr val="tx1"/>
+          </a:solidFill>
+          <a:ln>
+            <a:noFill/>
+          </a:ln>
+        </p:spPr>
+        <p:style>
+          <a:lnRef idx="2">
+            <a:schemeClr val="accent1">
+              <a:shade val="50000"/>
+            </a:schemeClr>
+          </a:lnRef>
+          <a:fillRef idx="1">
+            <a:schemeClr val="accent1"/>
+          </a:fillRef>
+          <a:effectRef idx="0">
+            <a:schemeClr val="accent1"/>
+          </a:effectRef>
+          <a:fontRef idx="minor">
+            <a:schemeClr val="lt1"/>
+          </a:fontRef>
+        </p:style>
+        <p:txBody>
+          <a:bodyPr rtlCol="0" anchor="ctr"/>
+          <a:lstStyle/>
+          <a:p>
+            <a:pPr algn="ctr"/>
+            <a:endParaRPr lang="zh-CN" altLang="en-US"/>
+          </a:p>
+        </p:txBody>
+      </p:sp>
+      <mc:AlternateContent xmlns:mc="http://schemas.openxmlformats.org/markup-compatibility/2006">
+        <mc:Choice xmlns:a14="http://schemas.microsoft.com/office/drawing/2010/main" Requires="a14">
+          <p:sp>
+            <p:nvSpPr>
+              <p:cNvPr id="94" name="文本框 93">
+                <a:extLst>
+                  <a:ext uri="{FF2B5EF4-FFF2-40B4-BE49-F238E27FC236}">
+                    <a16:creationId xmlns:a16="http://schemas.microsoft.com/office/drawing/2014/main" id="{4A963B5B-2A47-C2C0-6CF5-1B664CB354FD}"/>
+                  </a:ext>
+                </a:extLst>
+              </p:cNvPr>
+              <p:cNvSpPr txBox="1"/>
+              <p:nvPr/>
+            </p:nvSpPr>
+            <p:spPr>
+              <a:xfrm>
+                <a:off x="4080212" y="1140000"/>
+                <a:ext cx="492892" cy="369332"/>
+              </a:xfrm>
+              <a:prstGeom prst="rect">
+                <a:avLst/>
+              </a:prstGeom>
+              <a:noFill/>
+            </p:spPr>
+            <p:txBody>
+              <a:bodyPr wrap="none" rtlCol="0">
+                <a:spAutoFit/>
+              </a:bodyPr>
+              <a:lstStyle/>
+              <a:p>
+                <a:pPr/>
+                <a14:m>
+                  <m:oMathPara xmlns:m="http://schemas.openxmlformats.org/officeDocument/2006/math">
+                    <m:oMathParaPr>
+                      <m:jc m:val="centerGroup"/>
+                    </m:oMathParaPr>
+                    <m:oMath xmlns:m="http://schemas.openxmlformats.org/officeDocument/2006/math">
+                      <m:sSub>
+                        <m:sSubPr>
+                          <m:ctrlPr>
+                            <a:rPr kumimoji="1" lang="en-US" altLang="zh-CN" b="0" i="1" dirty="0" smtClean="0">
+                              <a:solidFill>
+                                <a:schemeClr val="accent1"/>
+                              </a:solidFill>
+                              <a:latin typeface="Cambria Math" panose="02040503050406030204" pitchFamily="18" charset="0"/>
+                            </a:rPr>
+                          </m:ctrlPr>
+                        </m:sSubPr>
+                        <m:e>
+                          <m:r>
+                            <a:rPr kumimoji="1" lang="en-US" altLang="zh-CN" b="0" i="1" dirty="0" smtClean="0">
+                              <a:solidFill>
+                                <a:schemeClr val="accent1"/>
+                              </a:solidFill>
+                              <a:latin typeface="Cambria Math" panose="02040503050406030204" pitchFamily="18" charset="0"/>
+                            </a:rPr>
+                            <m:t>𝐴</m:t>
+                          </m:r>
+                        </m:e>
+                        <m:sub>
+                          <m:r>
+                            <a:rPr kumimoji="1" lang="en-US" altLang="zh-CN" b="0" i="1" dirty="0" smtClean="0">
+                              <a:solidFill>
+                                <a:schemeClr val="accent1"/>
+                              </a:solidFill>
+                              <a:latin typeface="Cambria Math" panose="02040503050406030204" pitchFamily="18" charset="0"/>
+                            </a:rPr>
+                            <m:t>𝑐</m:t>
+                          </m:r>
+                        </m:sub>
+                      </m:sSub>
+                    </m:oMath>
+                  </m:oMathPara>
+                </a14:m>
+                <a:endParaRPr kumimoji="1" lang="zh-CN" altLang="en-US" dirty="0">
+                  <a:solidFill>
+                    <a:schemeClr val="accent1"/>
+                  </a:solidFill>
+                </a:endParaRPr>
+              </a:p>
+            </p:txBody>
+          </p:sp>
+        </mc:Choice>
+        <mc:Fallback>
+          <p:sp>
+            <p:nvSpPr>
+              <p:cNvPr id="94" name="文本框 93">
+                <a:extLst>
+                  <a:ext uri="{FF2B5EF4-FFF2-40B4-BE49-F238E27FC236}">
+                    <a16:creationId xmlns:a16="http://schemas.microsoft.com/office/drawing/2014/main" id="{4A963B5B-2A47-C2C0-6CF5-1B664CB354FD}"/>
+                  </a:ext>
+                </a:extLst>
+              </p:cNvPr>
+              <p:cNvSpPr txBox="1">
+                <a:spLocks noRot="1" noChangeAspect="1" noMove="1" noResize="1" noEditPoints="1" noAdjustHandles="1" noChangeArrowheads="1" noChangeShapeType="1" noTextEdit="1"/>
+              </p:cNvSpPr>
+              <p:nvPr/>
+            </p:nvSpPr>
+            <p:spPr>
+              <a:xfrm>
+                <a:off x="4080212" y="1140000"/>
+                <a:ext cx="492892" cy="369332"/>
+              </a:xfrm>
+              <a:prstGeom prst="rect">
+                <a:avLst/>
+              </a:prstGeom>
+              <a:blipFill>
+                <a:blip r:embed="rId17"/>
+                <a:stretch>
+                  <a:fillRect/>
+                </a:stretch>
+              </a:blipFill>
+            </p:spPr>
+            <p:txBody>
+              <a:bodyPr/>
+              <a:lstStyle/>
+              <a:p>
+                <a:r>
+                  <a:rPr lang="zh-CN" altLang="en-US">
+                    <a:noFill/>
+                  </a:rPr>
+                  <a:t> </a:t>
+                </a:r>
+              </a:p>
+            </p:txBody>
+          </p:sp>
+        </mc:Fallback>
+      </mc:AlternateContent>
+      <mc:AlternateContent xmlns:mc="http://schemas.openxmlformats.org/markup-compatibility/2006">
+        <mc:Choice xmlns:a14="http://schemas.microsoft.com/office/drawing/2010/main" Requires="a14">
+          <p:sp>
+            <p:nvSpPr>
+              <p:cNvPr id="96" name="文本框 95">
+                <a:extLst>
+                  <a:ext uri="{FF2B5EF4-FFF2-40B4-BE49-F238E27FC236}">
+                    <a16:creationId xmlns:a16="http://schemas.microsoft.com/office/drawing/2014/main" id="{46D53433-9EB1-4AD8-2413-9F7F7DB152B4}"/>
+                  </a:ext>
+                </a:extLst>
+              </p:cNvPr>
+              <p:cNvSpPr txBox="1"/>
+              <p:nvPr/>
+            </p:nvSpPr>
+            <p:spPr>
+              <a:xfrm rot="2830732">
+                <a:off x="4542303" y="3343788"/>
+                <a:ext cx="592535" cy="391582"/>
+              </a:xfrm>
+              <a:prstGeom prst="rect">
+                <a:avLst/>
+              </a:prstGeom>
+              <a:noFill/>
+            </p:spPr>
+            <p:txBody>
+              <a:bodyPr wrap="none" rtlCol="0">
+                <a:spAutoFit/>
+              </a:bodyPr>
+              <a:lstStyle/>
+              <a:p>
+                <a:pPr/>
+                <a14:m>
+                  <m:oMathPara xmlns:m="http://schemas.openxmlformats.org/officeDocument/2006/math">
+                    <m:oMathParaPr>
+                      <m:jc m:val="centerGroup"/>
+                    </m:oMathParaPr>
+                    <m:oMath xmlns:m="http://schemas.openxmlformats.org/officeDocument/2006/math">
+                      <m:sSub>
+                        <m:sSubPr>
+                          <m:ctrlPr>
+                            <a:rPr kumimoji="1" lang="en-US" altLang="zh-CN" b="0" i="1" dirty="0" smtClean="0">
+                              <a:solidFill>
+                                <a:schemeClr val="accent5"/>
+                              </a:solidFill>
+                              <a:latin typeface="Cambria Math" panose="02040503050406030204" pitchFamily="18" charset="0"/>
+                            </a:rPr>
+                          </m:ctrlPr>
+                        </m:sSubPr>
+                        <m:e>
+                          <m:r>
+                            <a:rPr kumimoji="1" lang="en-US" altLang="zh-CN" b="0" i="1" dirty="0" smtClean="0">
+                              <a:solidFill>
+                                <a:schemeClr val="accent5"/>
+                              </a:solidFill>
+                              <a:latin typeface="Cambria Math" panose="02040503050406030204" pitchFamily="18" charset="0"/>
+                            </a:rPr>
+                            <m:t>𝑂</m:t>
+                          </m:r>
+                        </m:e>
+                        <m:sub>
+                          <m:r>
+                            <a:rPr kumimoji="1" lang="en-US" altLang="zh-CN" b="0" i="1" dirty="0" smtClean="0">
+                              <a:solidFill>
+                                <a:schemeClr val="accent5"/>
+                              </a:solidFill>
+                              <a:latin typeface="Cambria Math" panose="02040503050406030204" pitchFamily="18" charset="0"/>
+                            </a:rPr>
+                            <m:t>𝑐</m:t>
+                          </m:r>
+                          <m:r>
+                            <a:rPr kumimoji="1" lang="en-US" altLang="zh-CN" b="0" i="1" dirty="0" smtClean="0">
+                              <a:solidFill>
+                                <a:schemeClr val="accent5"/>
+                              </a:solidFill>
+                              <a:latin typeface="Cambria Math" panose="02040503050406030204" pitchFamily="18" charset="0"/>
+                            </a:rPr>
+                            <m:t>𝑓</m:t>
+                          </m:r>
+                        </m:sub>
+                      </m:sSub>
+                    </m:oMath>
+                  </m:oMathPara>
+                </a14:m>
+                <a:endParaRPr kumimoji="1" lang="zh-CN" altLang="en-US" dirty="0">
+                  <a:solidFill>
+                    <a:schemeClr val="accent5"/>
+                  </a:solidFill>
+                </a:endParaRPr>
+              </a:p>
+            </p:txBody>
+          </p:sp>
+        </mc:Choice>
+        <mc:Fallback>
+          <p:sp>
+            <p:nvSpPr>
+              <p:cNvPr id="96" name="文本框 95">
+                <a:extLst>
+                  <a:ext uri="{FF2B5EF4-FFF2-40B4-BE49-F238E27FC236}">
+                    <a16:creationId xmlns:a16="http://schemas.microsoft.com/office/drawing/2014/main" id="{46D53433-9EB1-4AD8-2413-9F7F7DB152B4}"/>
+                  </a:ext>
+                </a:extLst>
+              </p:cNvPr>
+              <p:cNvSpPr txBox="1">
+                <a:spLocks noRot="1" noChangeAspect="1" noMove="1" noResize="1" noEditPoints="1" noAdjustHandles="1" noChangeArrowheads="1" noChangeShapeType="1" noTextEdit="1"/>
+              </p:cNvSpPr>
+              <p:nvPr/>
+            </p:nvSpPr>
+            <p:spPr>
+              <a:xfrm rot="2830732">
+                <a:off x="4542303" y="3343788"/>
+                <a:ext cx="592535" cy="391582"/>
+              </a:xfrm>
+              <a:prstGeom prst="rect">
+                <a:avLst/>
+              </a:prstGeom>
+              <a:blipFill>
+                <a:blip r:embed="rId18"/>
+                <a:stretch>
+                  <a:fillRect/>
+                </a:stretch>
+              </a:blipFill>
+            </p:spPr>
+            <p:txBody>
+              <a:bodyPr/>
+              <a:lstStyle/>
+              <a:p>
+                <a:r>
+                  <a:rPr lang="zh-CN" altLang="en-US">
+                    <a:noFill/>
+                  </a:rPr>
+                  <a:t> </a:t>
+                </a:r>
+              </a:p>
+            </p:txBody>
+          </p:sp>
+        </mc:Fallback>
+      </mc:AlternateContent>
     </p:spTree>
     <p:extLst>
       <p:ext uri="{BB962C8B-B14F-4D97-AF65-F5344CB8AC3E}">

--- a/assets/posts/vslam/14-ch5/camera.pptx
+++ b/assets/posts/vslam/14-ch5/camera.pptx
@@ -270,7 +270,7 @@
           <a:p>
             <a:fld id="{FCD14527-64F6-420C-945F-B6CF35810A6B}" type="datetimeFigureOut">
               <a:rPr lang="zh-CN" altLang="en-US" smtClean="0"/>
-              <a:t>2022/5/27</a:t>
+              <a:t>2022/5/30</a:t>
             </a:fld>
             <a:endParaRPr lang="zh-CN" altLang="en-US"/>
           </a:p>
@@ -468,7 +468,7 @@
           <a:p>
             <a:fld id="{FCD14527-64F6-420C-945F-B6CF35810A6B}" type="datetimeFigureOut">
               <a:rPr lang="zh-CN" altLang="en-US" smtClean="0"/>
-              <a:t>2022/5/27</a:t>
+              <a:t>2022/5/30</a:t>
             </a:fld>
             <a:endParaRPr lang="zh-CN" altLang="en-US"/>
           </a:p>
@@ -676,7 +676,7 @@
           <a:p>
             <a:fld id="{FCD14527-64F6-420C-945F-B6CF35810A6B}" type="datetimeFigureOut">
               <a:rPr lang="zh-CN" altLang="en-US" smtClean="0"/>
-              <a:t>2022/5/27</a:t>
+              <a:t>2022/5/30</a:t>
             </a:fld>
             <a:endParaRPr lang="zh-CN" altLang="en-US"/>
           </a:p>
@@ -874,7 +874,7 @@
           <a:p>
             <a:fld id="{FCD14527-64F6-420C-945F-B6CF35810A6B}" type="datetimeFigureOut">
               <a:rPr lang="zh-CN" altLang="en-US" smtClean="0"/>
-              <a:t>2022/5/27</a:t>
+              <a:t>2022/5/30</a:t>
             </a:fld>
             <a:endParaRPr lang="zh-CN" altLang="en-US"/>
           </a:p>
@@ -1149,7 +1149,7 @@
           <a:p>
             <a:fld id="{FCD14527-64F6-420C-945F-B6CF35810A6B}" type="datetimeFigureOut">
               <a:rPr lang="zh-CN" altLang="en-US" smtClean="0"/>
-              <a:t>2022/5/27</a:t>
+              <a:t>2022/5/30</a:t>
             </a:fld>
             <a:endParaRPr lang="zh-CN" altLang="en-US"/>
           </a:p>
@@ -1414,7 +1414,7 @@
           <a:p>
             <a:fld id="{FCD14527-64F6-420C-945F-B6CF35810A6B}" type="datetimeFigureOut">
               <a:rPr lang="zh-CN" altLang="en-US" smtClean="0"/>
-              <a:t>2022/5/27</a:t>
+              <a:t>2022/5/30</a:t>
             </a:fld>
             <a:endParaRPr lang="zh-CN" altLang="en-US"/>
           </a:p>
@@ -1826,7 +1826,7 @@
           <a:p>
             <a:fld id="{FCD14527-64F6-420C-945F-B6CF35810A6B}" type="datetimeFigureOut">
               <a:rPr lang="zh-CN" altLang="en-US" smtClean="0"/>
-              <a:t>2022/5/27</a:t>
+              <a:t>2022/5/30</a:t>
             </a:fld>
             <a:endParaRPr lang="zh-CN" altLang="en-US"/>
           </a:p>
@@ -1967,7 +1967,7 @@
           <a:p>
             <a:fld id="{FCD14527-64F6-420C-945F-B6CF35810A6B}" type="datetimeFigureOut">
               <a:rPr lang="zh-CN" altLang="en-US" smtClean="0"/>
-              <a:t>2022/5/27</a:t>
+              <a:t>2022/5/30</a:t>
             </a:fld>
             <a:endParaRPr lang="zh-CN" altLang="en-US"/>
           </a:p>
@@ -2080,7 +2080,7 @@
           <a:p>
             <a:fld id="{FCD14527-64F6-420C-945F-B6CF35810A6B}" type="datetimeFigureOut">
               <a:rPr lang="zh-CN" altLang="en-US" smtClean="0"/>
-              <a:t>2022/5/27</a:t>
+              <a:t>2022/5/30</a:t>
             </a:fld>
             <a:endParaRPr lang="zh-CN" altLang="en-US"/>
           </a:p>
@@ -2391,7 +2391,7 @@
           <a:p>
             <a:fld id="{FCD14527-64F6-420C-945F-B6CF35810A6B}" type="datetimeFigureOut">
               <a:rPr lang="zh-CN" altLang="en-US" smtClean="0"/>
-              <a:t>2022/5/27</a:t>
+              <a:t>2022/5/30</a:t>
             </a:fld>
             <a:endParaRPr lang="zh-CN" altLang="en-US"/>
           </a:p>
@@ -2679,7 +2679,7 @@
           <a:p>
             <a:fld id="{FCD14527-64F6-420C-945F-B6CF35810A6B}" type="datetimeFigureOut">
               <a:rPr lang="zh-CN" altLang="en-US" smtClean="0"/>
-              <a:t>2022/5/27</a:t>
+              <a:t>2022/5/30</a:t>
             </a:fld>
             <a:endParaRPr lang="zh-CN" altLang="en-US"/>
           </a:p>
@@ -2920,7 +2920,7 @@
           <a:p>
             <a:fld id="{FCD14527-64F6-420C-945F-B6CF35810A6B}" type="datetimeFigureOut">
               <a:rPr lang="zh-CN" altLang="en-US" smtClean="0"/>
-              <a:t>2022/5/27</a:t>
+              <a:t>2022/5/30</a:t>
             </a:fld>
             <a:endParaRPr lang="zh-CN" altLang="en-US"/>
           </a:p>
@@ -3497,8 +3497,8 @@
           </a:fontRef>
         </p:style>
       </p:cxnSp>
-      <mc:AlternateContent xmlns:mc="http://schemas.openxmlformats.org/markup-compatibility/2006">
-        <mc:Choice xmlns:a14="http://schemas.microsoft.com/office/drawing/2010/main" Requires="a14">
+      <mc:AlternateContent xmlns:mc="http://schemas.openxmlformats.org/markup-compatibility/2006" xmlns:a14="http://schemas.microsoft.com/office/drawing/2010/main">
+        <mc:Choice Requires="a14">
           <p:sp>
             <p:nvSpPr>
               <p:cNvPr id="9" name="文本框 8">
@@ -3550,7 +3550,7 @@
             </p:txBody>
           </p:sp>
         </mc:Choice>
-        <mc:Fallback>
+        <mc:Fallback xmlns="">
           <p:sp>
             <p:nvSpPr>
               <p:cNvPr id="9" name="文本框 8">
@@ -3710,7 +3710,6 @@
           </a:bodyPr>
           <a:lstStyle/>
           <a:p>
-            <a:pPr/>
             <a:r>
               <a:rPr lang="en-US" altLang="zh-CN" sz="1600" i="1" dirty="0">
                 <a:latin typeface="Consolas" panose="020B0609020204030204" pitchFamily="49" charset="0"/>
@@ -3766,8 +3765,8 @@
           </a:fontRef>
         </p:style>
       </p:cxnSp>
-      <mc:AlternateContent xmlns:mc="http://schemas.openxmlformats.org/markup-compatibility/2006">
-        <mc:Choice xmlns:a14="http://schemas.microsoft.com/office/drawing/2010/main" Requires="a14">
+      <mc:AlternateContent xmlns:mc="http://schemas.openxmlformats.org/markup-compatibility/2006" xmlns:a14="http://schemas.microsoft.com/office/drawing/2010/main">
+        <mc:Choice Requires="a14">
           <p:sp>
             <p:nvSpPr>
               <p:cNvPr id="24" name="文本框 23">
@@ -3819,7 +3818,7 @@
             </p:txBody>
           </p:sp>
         </mc:Choice>
-        <mc:Fallback>
+        <mc:Fallback xmlns="">
           <p:sp>
             <p:nvSpPr>
               <p:cNvPr id="24" name="文本框 23">
@@ -4597,8 +4596,8 @@
             </p:nvSpPr>
             <p:spPr>
               <a:xfrm>
-                <a:off x="2922775" y="1952167"/>
-                <a:ext cx="479875" cy="338554"/>
+                <a:off x="2878374" y="1937203"/>
+                <a:ext cx="506934" cy="338554"/>
               </a:xfrm>
               <a:prstGeom prst="rect">
                 <a:avLst/>
@@ -4637,7 +4636,7 @@
                               </a:solidFill>
                               <a:latin typeface="Cambria Math" panose="02040503050406030204" pitchFamily="18" charset="0"/>
                             </a:rPr>
-                            <m:t>𝑧</m:t>
+                            <m:t>𝑂</m:t>
                           </m:r>
                         </m:e>
                         <m:sub>
@@ -4682,8 +4681,8 @@
             </p:nvSpPr>
             <p:spPr>
               <a:xfrm>
-                <a:off x="2922775" y="1952167"/>
-                <a:ext cx="479875" cy="338554"/>
+                <a:off x="2878374" y="1937203"/>
+                <a:ext cx="506934" cy="338554"/>
               </a:xfrm>
               <a:prstGeom prst="rect">
                 <a:avLst/>
@@ -4856,7 +4855,7 @@
             <p:spPr>
               <a:xfrm>
                 <a:off x="6505183" y="4395195"/>
-                <a:ext cx="506934" cy="338554"/>
+                <a:ext cx="441338" cy="338554"/>
               </a:xfrm>
               <a:prstGeom prst="rect">
                 <a:avLst/>
@@ -4876,31 +4875,12 @@
                       <m:jc m:val="centerGroup"/>
                     </m:oMathParaPr>
                     <m:oMath xmlns:m="http://schemas.openxmlformats.org/officeDocument/2006/math">
-                      <m:sSub>
-                        <m:sSubPr>
-                          <m:ctrlPr>
-                            <a:rPr lang="en-US" altLang="zh-CN" sz="1600" b="0" i="1" smtClean="0">
-                              <a:latin typeface="Cambria Math" panose="02040503050406030204" pitchFamily="18" charset="0"/>
-                            </a:rPr>
-                          </m:ctrlPr>
-                        </m:sSubPr>
-                        <m:e>
-                          <m:r>
-                            <a:rPr lang="en-US" altLang="zh-CN" sz="1600" b="0" i="1" smtClean="0">
-                              <a:latin typeface="Cambria Math" panose="02040503050406030204" pitchFamily="18" charset="0"/>
-                            </a:rPr>
-                            <m:t>𝑂</m:t>
-                          </m:r>
-                        </m:e>
-                        <m:sub>
-                          <m:r>
-                            <a:rPr lang="en-US" altLang="zh-CN" sz="1600" b="0" i="1" smtClean="0">
-                              <a:latin typeface="Cambria Math" panose="02040503050406030204" pitchFamily="18" charset="0"/>
-                            </a:rPr>
-                            <m:t>𝑐</m:t>
-                          </m:r>
-                        </m:sub>
-                      </m:sSub>
+                      <m:r>
+                        <a:rPr lang="en-US" altLang="zh-CN" sz="1600" b="0" i="1" smtClean="0">
+                          <a:latin typeface="Cambria Math" panose="02040503050406030204" pitchFamily="18" charset="0"/>
+                        </a:rPr>
+                        <m:t>𝑂</m:t>
+                      </m:r>
                     </m:oMath>
                   </m:oMathPara>
                 </a14:m>
@@ -4929,7 +4909,7 @@
             <p:spPr>
               <a:xfrm>
                 <a:off x="6505183" y="4395195"/>
-                <a:ext cx="506934" cy="338554"/>
+                <a:ext cx="441338" cy="338554"/>
               </a:xfrm>
               <a:prstGeom prst="rect">
                 <a:avLst/>
@@ -6050,8 +6030,8 @@
             </p:nvSpPr>
             <p:spPr>
               <a:xfrm rot="4756815">
-                <a:off x="5024955" y="2664938"/>
-                <a:ext cx="593047" cy="391582"/>
+                <a:off x="5074392" y="2664938"/>
+                <a:ext cx="494173" cy="391582"/>
               </a:xfrm>
               <a:prstGeom prst="rect">
                 <a:avLst/>
@@ -6101,15 +6081,6 @@
                               </a:solidFill>
                               <a:latin typeface="Cambria Math" panose="02040503050406030204" pitchFamily="18" charset="0"/>
                             </a:rPr>
-                            <m:t>𝑐</m:t>
-                          </m:r>
-                          <m:r>
-                            <a:rPr kumimoji="1" lang="en-US" altLang="zh-CN" b="0" i="1" dirty="0" smtClean="0">
-                              <a:solidFill>
-                                <a:schemeClr val="accent5"/>
-                              </a:solidFill>
-                              <a:latin typeface="Cambria Math" panose="02040503050406030204" pitchFamily="18" charset="0"/>
-                            </a:rPr>
                             <m:t>𝑓</m:t>
                           </m:r>
                         </m:sub>
@@ -6143,8 +6114,8 @@
             </p:nvSpPr>
             <p:spPr>
               <a:xfrm rot="4756815">
-                <a:off x="5024955" y="2664938"/>
-                <a:ext cx="593047" cy="391582"/>
+                <a:off x="5074392" y="2664938"/>
+                <a:ext cx="494173" cy="391582"/>
               </a:xfrm>
               <a:prstGeom prst="rect">
                 <a:avLst/>
@@ -7031,8 +7002,8 @@
           </p:sp>
         </mc:Fallback>
       </mc:AlternateContent>
-      <mc:AlternateContent xmlns:mc="http://schemas.openxmlformats.org/markup-compatibility/2006">
-        <mc:Choice xmlns:a14="http://schemas.microsoft.com/office/drawing/2010/main" Requires="a14">
+      <mc:AlternateContent xmlns:mc="http://schemas.openxmlformats.org/markup-compatibility/2006" xmlns:a14="http://schemas.microsoft.com/office/drawing/2010/main">
+        <mc:Choice Requires="a14">
           <p:sp>
             <p:nvSpPr>
               <p:cNvPr id="119" name="文本框 118">
@@ -7148,7 +7119,7 @@
             </p:txBody>
           </p:sp>
         </mc:Choice>
-        <mc:Fallback>
+        <mc:Fallback xmlns="">
           <p:sp>
             <p:nvSpPr>
               <p:cNvPr id="119" name="文本框 118">
@@ -7209,8 +7180,8 @@
             </p:nvSpPr>
             <p:spPr>
               <a:xfrm rot="20903127">
-                <a:off x="5016620" y="3146584"/>
-                <a:ext cx="1189493" cy="324769"/>
+                <a:off x="5021977" y="3146584"/>
+                <a:ext cx="1178784" cy="324769"/>
               </a:xfrm>
               <a:prstGeom prst="rect">
                 <a:avLst/>
@@ -7230,8 +7201,8 @@
                       <m:jc m:val="centerGroup"/>
                     </m:oMathParaPr>
                     <m:oMath xmlns:m="http://schemas.openxmlformats.org/officeDocument/2006/math">
-                      <m:sSubSup>
-                        <m:sSubSupPr>
+                      <m:sSup>
+                        <m:sSupPr>
                           <m:ctrlPr>
                             <a:rPr kumimoji="1" lang="en-US" altLang="zh-CN" sz="1400" b="0" i="1" smtClean="0">
                               <a:solidFill>
@@ -7242,7 +7213,7 @@
                               <a:latin typeface="Cambria Math" panose="02040503050406030204" pitchFamily="18" charset="0"/>
                             </a:rPr>
                           </m:ctrlPr>
-                        </m:sSubSupPr>
+                        </m:sSupPr>
                         <m:e>
                           <m:r>
                             <a:rPr kumimoji="1" lang="en-US" altLang="zh-CN" sz="1400" b="0" i="1" smtClean="0">
@@ -7256,19 +7227,6 @@
                             <m:t>𝑜</m:t>
                           </m:r>
                         </m:e>
-                        <m:sub>
-                          <m:r>
-                            <a:rPr kumimoji="1" lang="en-US" altLang="zh-CN" sz="1400" b="0" i="1" smtClean="0">
-                              <a:solidFill>
-                                <a:schemeClr val="bg1">
-                                  <a:lumMod val="50000"/>
-                                </a:schemeClr>
-                              </a:solidFill>
-                              <a:latin typeface="Cambria Math" panose="02040503050406030204" pitchFamily="18" charset="0"/>
-                            </a:rPr>
-                            <m:t>𝑐</m:t>
-                          </m:r>
-                        </m:sub>
                         <m:sup>
                           <m:r>
                             <a:rPr kumimoji="1" lang="en-US" altLang="zh-CN" sz="1400" b="0" i="1" smtClean="0">
@@ -7282,7 +7240,7 @@
                             <m:t>′</m:t>
                           </m:r>
                         </m:sup>
-                      </m:sSubSup>
+                      </m:sSup>
                       <m:r>
                         <a:rPr kumimoji="1" lang="en-US" altLang="zh-CN" sz="1400" b="0" i="1" smtClean="0">
                           <a:solidFill>
@@ -7427,8 +7385,8 @@
             </p:nvSpPr>
             <p:spPr>
               <a:xfrm rot="20903127">
-                <a:off x="5016620" y="3146584"/>
-                <a:ext cx="1189493" cy="324769"/>
+                <a:off x="5021977" y="3146584"/>
+                <a:ext cx="1178784" cy="324769"/>
               </a:xfrm>
               <a:prstGeom prst="rect">
                 <a:avLst/>
@@ -7598,8 +7556,8 @@
             </p:nvSpPr>
             <p:spPr>
               <a:xfrm rot="18817345">
-                <a:off x="5115536" y="1600392"/>
-                <a:ext cx="1597040" cy="325025"/>
+                <a:off x="5109342" y="1729679"/>
+                <a:ext cx="1367362" cy="325025"/>
               </a:xfrm>
               <a:prstGeom prst="rect">
                 <a:avLst/>
@@ -7649,7 +7607,7 @@
                               </a:solidFill>
                               <a:latin typeface="Cambria Math" panose="02040503050406030204" pitchFamily="18" charset="0"/>
                             </a:rPr>
-                            <m:t>𝑐𝑓</m:t>
+                            <m:t>𝑓</m:t>
                           </m:r>
                         </m:sub>
                       </m:sSub>
@@ -7692,7 +7650,7 @@
                               </a:solidFill>
                               <a:latin typeface="Cambria Math" panose="02040503050406030204" pitchFamily="18" charset="0"/>
                             </a:rPr>
-                            <m:t>𝑐𝑓</m:t>
+                            <m:t>𝑓</m:t>
                           </m:r>
                         </m:sub>
                       </m:sSub>
@@ -7735,7 +7693,7 @@
                               </a:solidFill>
                               <a:latin typeface="Cambria Math" panose="02040503050406030204" pitchFamily="18" charset="0"/>
                             </a:rPr>
-                            <m:t>𝑐𝑓</m:t>
+                            <m:t>𝑓</m:t>
                           </m:r>
                         </m:sub>
                       </m:sSub>
@@ -7795,8 +7753,8 @@
             </p:nvSpPr>
             <p:spPr>
               <a:xfrm rot="18817345">
-                <a:off x="5115536" y="1600392"/>
-                <a:ext cx="1597040" cy="325025"/>
+                <a:off x="5109342" y="1729679"/>
+                <a:ext cx="1367362" cy="325025"/>
               </a:xfrm>
               <a:prstGeom prst="rect">
                 <a:avLst/>
@@ -7977,8 +7935,8 @@
             </p:nvSpPr>
             <p:spPr>
               <a:xfrm>
-                <a:off x="4080212" y="1140000"/>
-                <a:ext cx="492892" cy="369332"/>
+                <a:off x="3932512" y="950515"/>
+                <a:ext cx="459228" cy="338554"/>
               </a:xfrm>
               <a:prstGeom prst="rect">
                 <a:avLst/>
@@ -8001,7 +7959,7 @@
                       <m:sSub>
                         <m:sSubPr>
                           <m:ctrlPr>
-                            <a:rPr kumimoji="1" lang="en-US" altLang="zh-CN" b="0" i="1" dirty="0" smtClean="0">
+                            <a:rPr kumimoji="1" lang="en-US" altLang="zh-CN" sz="1600" b="0" i="1" dirty="0" smtClean="0">
                               <a:solidFill>
                                 <a:schemeClr val="accent1"/>
                               </a:solidFill>
@@ -8011,7 +7969,7 @@
                         </m:sSubPr>
                         <m:e>
                           <m:r>
-                            <a:rPr kumimoji="1" lang="en-US" altLang="zh-CN" b="0" i="1" dirty="0" smtClean="0">
+                            <a:rPr kumimoji="1" lang="en-US" altLang="zh-CN" sz="1600" b="0" i="1" dirty="0" smtClean="0">
                               <a:solidFill>
                                 <a:schemeClr val="accent1"/>
                               </a:solidFill>
@@ -8022,7 +7980,7 @@
                         </m:e>
                         <m:sub>
                           <m:r>
-                            <a:rPr kumimoji="1" lang="en-US" altLang="zh-CN" b="0" i="1" dirty="0" smtClean="0">
+                            <a:rPr kumimoji="1" lang="en-US" altLang="zh-CN" sz="1600" b="0" i="1" dirty="0" smtClean="0">
                               <a:solidFill>
                                 <a:schemeClr val="accent1"/>
                               </a:solidFill>
@@ -8061,8 +8019,8 @@
             </p:nvSpPr>
             <p:spPr>
               <a:xfrm>
-                <a:off x="4080212" y="1140000"/>
-                <a:ext cx="492892" cy="369332"/>
+                <a:off x="3932512" y="950515"/>
+                <a:ext cx="459228" cy="338554"/>
               </a:xfrm>
               <a:prstGeom prst="rect">
                 <a:avLst/>
@@ -8105,8 +8063,8 @@
             </p:nvSpPr>
             <p:spPr>
               <a:xfrm rot="2830732">
-                <a:off x="4542303" y="3343788"/>
-                <a:ext cx="592535" cy="391582"/>
+                <a:off x="4591740" y="3343788"/>
+                <a:ext cx="493660" cy="391582"/>
               </a:xfrm>
               <a:prstGeom prst="rect">
                 <a:avLst/>
@@ -8156,15 +8114,6 @@
                               </a:solidFill>
                               <a:latin typeface="Cambria Math" panose="02040503050406030204" pitchFamily="18" charset="0"/>
                             </a:rPr>
-                            <m:t>𝑐</m:t>
-                          </m:r>
-                          <m:r>
-                            <a:rPr kumimoji="1" lang="en-US" altLang="zh-CN" b="0" i="1" dirty="0" smtClean="0">
-                              <a:solidFill>
-                                <a:schemeClr val="accent5"/>
-                              </a:solidFill>
-                              <a:latin typeface="Cambria Math" panose="02040503050406030204" pitchFamily="18" charset="0"/>
-                            </a:rPr>
                             <m:t>𝑓</m:t>
                           </m:r>
                         </m:sub>
@@ -8198,8 +8147,8 @@
             </p:nvSpPr>
             <p:spPr>
               <a:xfrm rot="2830732">
-                <a:off x="4542303" y="3343788"/>
-                <a:ext cx="592535" cy="391582"/>
+                <a:off x="4591740" y="3343788"/>
+                <a:ext cx="493660" cy="391582"/>
               </a:xfrm>
               <a:prstGeom prst="rect">
                 <a:avLst/>

--- a/assets/posts/vslam/14-ch5/camera.pptx
+++ b/assets/posts/vslam/14-ch5/camera.pptx
@@ -6,6 +6,7 @@
   </p:sldMasterIdLst>
   <p:sldIdLst>
     <p:sldId id="256" r:id="rId2"/>
+    <p:sldId id="257" r:id="rId3"/>
   </p:sldIdLst>
   <p:sldSz cx="12192000" cy="6858000"/>
   <p:notesSz cx="6858000" cy="9144000"/>
@@ -107,12 +108,12 @@
   <p:extLst>
     <p:ext uri="{EFAFB233-063F-42B5-8137-9DF3F51BA10A}">
       <p15:sldGuideLst xmlns:p15="http://schemas.microsoft.com/office/powerpoint/2012/main">
-        <p15:guide id="1" orient="horz" pos="2160" userDrawn="1">
+        <p15:guide id="1" orient="horz" pos="3680" userDrawn="1">
           <p15:clr>
             <a:srgbClr val="A4A3A4"/>
           </p15:clr>
         </p15:guide>
-        <p15:guide id="2" pos="3024" userDrawn="1">
+        <p15:guide id="2" pos="914" userDrawn="1">
           <p15:clr>
             <a:srgbClr val="A4A3A4"/>
           </p15:clr>
@@ -270,7 +271,7 @@
           <a:p>
             <a:fld id="{FCD14527-64F6-420C-945F-B6CF35810A6B}" type="datetimeFigureOut">
               <a:rPr lang="zh-CN" altLang="en-US" smtClean="0"/>
-              <a:t>2022/5/30</a:t>
+              <a:t>2022/5/31</a:t>
             </a:fld>
             <a:endParaRPr lang="zh-CN" altLang="en-US"/>
           </a:p>
@@ -468,7 +469,7 @@
           <a:p>
             <a:fld id="{FCD14527-64F6-420C-945F-B6CF35810A6B}" type="datetimeFigureOut">
               <a:rPr lang="zh-CN" altLang="en-US" smtClean="0"/>
-              <a:t>2022/5/30</a:t>
+              <a:t>2022/5/31</a:t>
             </a:fld>
             <a:endParaRPr lang="zh-CN" altLang="en-US"/>
           </a:p>
@@ -676,7 +677,7 @@
           <a:p>
             <a:fld id="{FCD14527-64F6-420C-945F-B6CF35810A6B}" type="datetimeFigureOut">
               <a:rPr lang="zh-CN" altLang="en-US" smtClean="0"/>
-              <a:t>2022/5/30</a:t>
+              <a:t>2022/5/31</a:t>
             </a:fld>
             <a:endParaRPr lang="zh-CN" altLang="en-US"/>
           </a:p>
@@ -874,7 +875,7 @@
           <a:p>
             <a:fld id="{FCD14527-64F6-420C-945F-B6CF35810A6B}" type="datetimeFigureOut">
               <a:rPr lang="zh-CN" altLang="en-US" smtClean="0"/>
-              <a:t>2022/5/30</a:t>
+              <a:t>2022/5/31</a:t>
             </a:fld>
             <a:endParaRPr lang="zh-CN" altLang="en-US"/>
           </a:p>
@@ -1149,7 +1150,7 @@
           <a:p>
             <a:fld id="{FCD14527-64F6-420C-945F-B6CF35810A6B}" type="datetimeFigureOut">
               <a:rPr lang="zh-CN" altLang="en-US" smtClean="0"/>
-              <a:t>2022/5/30</a:t>
+              <a:t>2022/5/31</a:t>
             </a:fld>
             <a:endParaRPr lang="zh-CN" altLang="en-US"/>
           </a:p>
@@ -1414,7 +1415,7 @@
           <a:p>
             <a:fld id="{FCD14527-64F6-420C-945F-B6CF35810A6B}" type="datetimeFigureOut">
               <a:rPr lang="zh-CN" altLang="en-US" smtClean="0"/>
-              <a:t>2022/5/30</a:t>
+              <a:t>2022/5/31</a:t>
             </a:fld>
             <a:endParaRPr lang="zh-CN" altLang="en-US"/>
           </a:p>
@@ -1826,7 +1827,7 @@
           <a:p>
             <a:fld id="{FCD14527-64F6-420C-945F-B6CF35810A6B}" type="datetimeFigureOut">
               <a:rPr lang="zh-CN" altLang="en-US" smtClean="0"/>
-              <a:t>2022/5/30</a:t>
+              <a:t>2022/5/31</a:t>
             </a:fld>
             <a:endParaRPr lang="zh-CN" altLang="en-US"/>
           </a:p>
@@ -1967,7 +1968,7 @@
           <a:p>
             <a:fld id="{FCD14527-64F6-420C-945F-B6CF35810A6B}" type="datetimeFigureOut">
               <a:rPr lang="zh-CN" altLang="en-US" smtClean="0"/>
-              <a:t>2022/5/30</a:t>
+              <a:t>2022/5/31</a:t>
             </a:fld>
             <a:endParaRPr lang="zh-CN" altLang="en-US"/>
           </a:p>
@@ -2080,7 +2081,7 @@
           <a:p>
             <a:fld id="{FCD14527-64F6-420C-945F-B6CF35810A6B}" type="datetimeFigureOut">
               <a:rPr lang="zh-CN" altLang="en-US" smtClean="0"/>
-              <a:t>2022/5/30</a:t>
+              <a:t>2022/5/31</a:t>
             </a:fld>
             <a:endParaRPr lang="zh-CN" altLang="en-US"/>
           </a:p>
@@ -2391,7 +2392,7 @@
           <a:p>
             <a:fld id="{FCD14527-64F6-420C-945F-B6CF35810A6B}" type="datetimeFigureOut">
               <a:rPr lang="zh-CN" altLang="en-US" smtClean="0"/>
-              <a:t>2022/5/30</a:t>
+              <a:t>2022/5/31</a:t>
             </a:fld>
             <a:endParaRPr lang="zh-CN" altLang="en-US"/>
           </a:p>
@@ -2679,7 +2680,7 @@
           <a:p>
             <a:fld id="{FCD14527-64F6-420C-945F-B6CF35810A6B}" type="datetimeFigureOut">
               <a:rPr lang="zh-CN" altLang="en-US" smtClean="0"/>
-              <a:t>2022/5/30</a:t>
+              <a:t>2022/5/31</a:t>
             </a:fld>
             <a:endParaRPr lang="zh-CN" altLang="en-US"/>
           </a:p>
@@ -2920,7 +2921,7 @@
           <a:p>
             <a:fld id="{FCD14527-64F6-420C-945F-B6CF35810A6B}" type="datetimeFigureOut">
               <a:rPr lang="zh-CN" altLang="en-US" smtClean="0"/>
-              <a:t>2022/5/30</a:t>
+              <a:t>2022/5/31</a:t>
             </a:fld>
             <a:endParaRPr lang="zh-CN" altLang="en-US"/>
           </a:p>
@@ -3339,49 +3340,6 @@
       </p:grpSpPr>
       <p:cxnSp>
         <p:nvCxnSpPr>
-          <p:cNvPr id="93" name="直线连接符 38">
-            <a:extLst>
-              <a:ext uri="{FF2B5EF4-FFF2-40B4-BE49-F238E27FC236}">
-                <a16:creationId xmlns:a16="http://schemas.microsoft.com/office/drawing/2014/main" id="{21B8A3F3-516D-C310-5736-8BA4E966D946}"/>
-              </a:ext>
-            </a:extLst>
-          </p:cNvPr>
-          <p:cNvCxnSpPr>
-            <a:cxnSpLocks/>
-          </p:cNvCxnSpPr>
-          <p:nvPr/>
-        </p:nvCxnSpPr>
-        <p:spPr>
-          <a:xfrm>
-            <a:off x="4303105" y="1166921"/>
-            <a:ext cx="1052632" cy="1506581"/>
-          </a:xfrm>
-          <a:prstGeom prst="line">
-            <a:avLst/>
-          </a:prstGeom>
-          <a:ln w="19050">
-            <a:solidFill>
-              <a:srgbClr val="C00000"/>
-            </a:solidFill>
-          </a:ln>
-        </p:spPr>
-        <p:style>
-          <a:lnRef idx="1">
-            <a:schemeClr val="accent1"/>
-          </a:lnRef>
-          <a:fillRef idx="0">
-            <a:schemeClr val="accent1"/>
-          </a:fillRef>
-          <a:effectRef idx="0">
-            <a:schemeClr val="accent1"/>
-          </a:effectRef>
-          <a:fontRef idx="minor">
-            <a:schemeClr val="tx1"/>
-          </a:fontRef>
-        </p:style>
-      </p:cxnSp>
-      <p:cxnSp>
-        <p:nvCxnSpPr>
           <p:cNvPr id="16" name="直接连接符 14">
             <a:extLst>
               <a:ext uri="{FF2B5EF4-FFF2-40B4-BE49-F238E27FC236}">
@@ -4580,135 +4538,6 @@
           </p:sp>
         </mc:Fallback>
       </mc:AlternateContent>
-      <mc:AlternateContent xmlns:mc="http://schemas.openxmlformats.org/markup-compatibility/2006">
-        <mc:Choice xmlns:a14="http://schemas.microsoft.com/office/drawing/2010/main" Requires="a14">
-          <p:sp>
-            <p:nvSpPr>
-              <p:cNvPr id="53" name="文本框 52">
-                <a:extLst>
-                  <a:ext uri="{FF2B5EF4-FFF2-40B4-BE49-F238E27FC236}">
-                    <a16:creationId xmlns:a16="http://schemas.microsoft.com/office/drawing/2014/main" id="{3B477B60-B1E5-B6BB-57E8-EC0117C817C7}"/>
-                  </a:ext>
-                </a:extLst>
-              </p:cNvPr>
-              <p:cNvSpPr txBox="1"/>
-              <p:nvPr/>
-            </p:nvSpPr>
-            <p:spPr>
-              <a:xfrm>
-                <a:off x="2878374" y="1937203"/>
-                <a:ext cx="506934" cy="338554"/>
-              </a:xfrm>
-              <a:prstGeom prst="rect">
-                <a:avLst/>
-              </a:prstGeom>
-              <a:noFill/>
-            </p:spPr>
-            <p:txBody>
-              <a:bodyPr wrap="none" rtlCol="0">
-                <a:spAutoFit/>
-              </a:bodyPr>
-              <a:lstStyle/>
-              <a:p>
-                <a:pPr/>
-                <a14:m>
-                  <m:oMathPara xmlns:m="http://schemas.openxmlformats.org/officeDocument/2006/math">
-                    <m:oMathParaPr>
-                      <m:jc m:val="centerGroup"/>
-                    </m:oMathParaPr>
-                    <m:oMath xmlns:m="http://schemas.openxmlformats.org/officeDocument/2006/math">
-                      <m:sSub>
-                        <m:sSubPr>
-                          <m:ctrlPr>
-                            <a:rPr lang="en-US" altLang="zh-CN" sz="1600" b="0" i="1" smtClean="0">
-                              <a:solidFill>
-                                <a:schemeClr val="accent1"/>
-                              </a:solidFill>
-                              <a:latin typeface="Cambria Math" panose="02040503050406030204" pitchFamily="18" charset="0"/>
-                            </a:rPr>
-                          </m:ctrlPr>
-                        </m:sSubPr>
-                        <m:e>
-                          <m:r>
-                            <a:rPr lang="en-US" altLang="zh-CN" sz="1600" b="0" i="1" smtClean="0">
-                              <a:solidFill>
-                                <a:schemeClr val="accent1"/>
-                              </a:solidFill>
-                              <a:latin typeface="Cambria Math" panose="02040503050406030204" pitchFamily="18" charset="0"/>
-                            </a:rPr>
-                            <m:t>𝑂</m:t>
-                          </m:r>
-                        </m:e>
-                        <m:sub>
-                          <m:r>
-                            <a:rPr lang="en-US" altLang="zh-CN" sz="1600" b="0" i="1" smtClean="0">
-                              <a:solidFill>
-                                <a:schemeClr val="accent1"/>
-                              </a:solidFill>
-                              <a:latin typeface="Cambria Math" panose="02040503050406030204" pitchFamily="18" charset="0"/>
-                            </a:rPr>
-                            <m:t>𝑐</m:t>
-                          </m:r>
-                        </m:sub>
-                      </m:sSub>
-                    </m:oMath>
-                  </m:oMathPara>
-                </a14:m>
-                <a:endParaRPr lang="zh-CN" altLang="en-US" sz="1600" i="1" dirty="0">
-                  <a:solidFill>
-                    <a:schemeClr val="accent1"/>
-                  </a:solidFill>
-                  <a:latin typeface="Consolas" panose="020B0609020204030204" pitchFamily="49" charset="0"/>
-                </a:endParaRPr>
-              </a:p>
-            </p:txBody>
-          </p:sp>
-        </mc:Choice>
-        <mc:Fallback>
-          <p:sp>
-            <p:nvSpPr>
-              <p:cNvPr id="53" name="文本框 52">
-                <a:extLst>
-                  <a:ext uri="{FF2B5EF4-FFF2-40B4-BE49-F238E27FC236}">
-                    <a16:creationId xmlns:a16="http://schemas.microsoft.com/office/drawing/2014/main" id="{3B477B60-B1E5-B6BB-57E8-EC0117C817C7}"/>
-                  </a:ext>
-                </a:extLst>
-              </p:cNvPr>
-              <p:cNvSpPr txBox="1">
-                <a:spLocks noRot="1" noChangeAspect="1" noMove="1" noResize="1" noEditPoints="1" noAdjustHandles="1" noChangeArrowheads="1" noChangeShapeType="1" noTextEdit="1"/>
-              </p:cNvSpPr>
-              <p:nvPr/>
-            </p:nvSpPr>
-            <p:spPr>
-              <a:xfrm>
-                <a:off x="2878374" y="1937203"/>
-                <a:ext cx="506934" cy="338554"/>
-              </a:xfrm>
-              <a:prstGeom prst="rect">
-                <a:avLst/>
-              </a:prstGeom>
-              <a:blipFill>
-                <a:blip r:embed="rId9"/>
-                <a:stretch>
-                  <a:fillRect/>
-                </a:stretch>
-              </a:blipFill>
-            </p:spPr>
-            <p:txBody>
-              <a:bodyPr/>
-              <a:lstStyle/>
-              <a:p>
-                <a:r>
-                  <a:rPr lang="zh-CN" altLang="en-US">
-                    <a:noFill/>
-                  </a:rPr>
-                  <a:t> </a:t>
-                </a:r>
-              </a:p>
-            </p:txBody>
-          </p:sp>
-        </mc:Fallback>
-      </mc:AlternateContent>
       <mc:AlternateContent xmlns:mc="http://schemas.openxmlformats.org/markup-compatibility/2006" xmlns:a14="http://schemas.microsoft.com/office/drawing/2010/main">
         <mc:Choice Requires="a14">
           <p:sp>
@@ -4838,8 +4667,8 @@
           </p:sp>
         </mc:Fallback>
       </mc:AlternateContent>
-      <mc:AlternateContent xmlns:mc="http://schemas.openxmlformats.org/markup-compatibility/2006">
-        <mc:Choice xmlns:a14="http://schemas.microsoft.com/office/drawing/2010/main" Requires="a14">
+      <mc:AlternateContent xmlns:mc="http://schemas.openxmlformats.org/markup-compatibility/2006" xmlns:a14="http://schemas.microsoft.com/office/drawing/2010/main">
+        <mc:Choice Requires="a14">
           <p:sp>
             <p:nvSpPr>
               <p:cNvPr id="67" name="文本框 66">
@@ -4891,7 +4720,7 @@
             </p:txBody>
           </p:sp>
         </mc:Choice>
-        <mc:Fallback>
+        <mc:Fallback xmlns="">
           <p:sp>
             <p:nvSpPr>
               <p:cNvPr id="67" name="文本框 66">
@@ -6014,134 +5843,6 @@
           </a:fontRef>
         </p:style>
       </p:cxnSp>
-      <mc:AlternateContent xmlns:mc="http://schemas.openxmlformats.org/markup-compatibility/2006">
-        <mc:Choice xmlns:a14="http://schemas.microsoft.com/office/drawing/2010/main" Requires="a14">
-          <p:sp>
-            <p:nvSpPr>
-              <p:cNvPr id="95" name="文本框 94">
-                <a:extLst>
-                  <a:ext uri="{FF2B5EF4-FFF2-40B4-BE49-F238E27FC236}">
-                    <a16:creationId xmlns:a16="http://schemas.microsoft.com/office/drawing/2014/main" id="{06748724-DF00-14C2-DDFA-DB8E95F43705}"/>
-                  </a:ext>
-                </a:extLst>
-              </p:cNvPr>
-              <p:cNvSpPr txBox="1"/>
-              <p:nvPr/>
-            </p:nvSpPr>
-            <p:spPr>
-              <a:xfrm rot="4756815">
-                <a:off x="5074392" y="2664938"/>
-                <a:ext cx="494173" cy="391582"/>
-              </a:xfrm>
-              <a:prstGeom prst="rect">
-                <a:avLst/>
-              </a:prstGeom>
-              <a:noFill/>
-            </p:spPr>
-            <p:txBody>
-              <a:bodyPr wrap="none" rtlCol="0">
-                <a:spAutoFit/>
-              </a:bodyPr>
-              <a:lstStyle/>
-              <a:p>
-                <a:pPr/>
-                <a14:m>
-                  <m:oMathPara xmlns:m="http://schemas.openxmlformats.org/officeDocument/2006/math">
-                    <m:oMathParaPr>
-                      <m:jc m:val="centerGroup"/>
-                    </m:oMathParaPr>
-                    <m:oMath xmlns:m="http://schemas.openxmlformats.org/officeDocument/2006/math">
-                      <m:sSub>
-                        <m:sSubPr>
-                          <m:ctrlPr>
-                            <a:rPr kumimoji="1" lang="en-US" altLang="zh-CN" b="0" i="1" dirty="0" smtClean="0">
-                              <a:solidFill>
-                                <a:schemeClr val="accent5"/>
-                              </a:solidFill>
-                              <a:latin typeface="Cambria Math" panose="02040503050406030204" pitchFamily="18" charset="0"/>
-                            </a:rPr>
-                          </m:ctrlPr>
-                        </m:sSubPr>
-                        <m:e>
-                          <m:r>
-                            <a:rPr kumimoji="1" lang="en-US" altLang="zh-CN" b="0" i="1" dirty="0" smtClean="0">
-                              <a:solidFill>
-                                <a:schemeClr val="accent5"/>
-                              </a:solidFill>
-                              <a:latin typeface="Cambria Math" panose="02040503050406030204" pitchFamily="18" charset="0"/>
-                            </a:rPr>
-                            <m:t>𝐴</m:t>
-                          </m:r>
-                        </m:e>
-                        <m:sub>
-                          <m:r>
-                            <a:rPr kumimoji="1" lang="en-US" altLang="zh-CN" b="0" i="1" dirty="0" smtClean="0">
-                              <a:solidFill>
-                                <a:schemeClr val="accent5"/>
-                              </a:solidFill>
-                              <a:latin typeface="Cambria Math" panose="02040503050406030204" pitchFamily="18" charset="0"/>
-                            </a:rPr>
-                            <m:t>𝑓</m:t>
-                          </m:r>
-                        </m:sub>
-                      </m:sSub>
-                    </m:oMath>
-                  </m:oMathPara>
-                </a14:m>
-                <a:endParaRPr kumimoji="1" lang="zh-CN" altLang="en-US" dirty="0">
-                  <a:solidFill>
-                    <a:schemeClr val="accent5"/>
-                  </a:solidFill>
-                </a:endParaRPr>
-              </a:p>
-            </p:txBody>
-          </p:sp>
-        </mc:Choice>
-        <mc:Fallback>
-          <p:sp>
-            <p:nvSpPr>
-              <p:cNvPr id="95" name="文本框 94">
-                <a:extLst>
-                  <a:ext uri="{FF2B5EF4-FFF2-40B4-BE49-F238E27FC236}">
-                    <a16:creationId xmlns:a16="http://schemas.microsoft.com/office/drawing/2014/main" id="{06748724-DF00-14C2-DDFA-DB8E95F43705}"/>
-                  </a:ext>
-                </a:extLst>
-              </p:cNvPr>
-              <p:cNvSpPr txBox="1">
-                <a:spLocks noRot="1" noChangeAspect="1" noMove="1" noResize="1" noEditPoints="1" noAdjustHandles="1" noChangeArrowheads="1" noChangeShapeType="1" noTextEdit="1"/>
-              </p:cNvSpPr>
-              <p:nvPr/>
-            </p:nvSpPr>
-            <p:spPr>
-              <a:xfrm rot="4756815">
-                <a:off x="5074392" y="2664938"/>
-                <a:ext cx="494173" cy="391582"/>
-              </a:xfrm>
-              <a:prstGeom prst="rect">
-                <a:avLst/>
-              </a:prstGeom>
-              <a:blipFill>
-                <a:blip r:embed="rId12"/>
-                <a:stretch>
-                  <a:fillRect/>
-                </a:stretch>
-              </a:blipFill>
-            </p:spPr>
-            <p:txBody>
-              <a:bodyPr/>
-              <a:lstStyle/>
-              <a:p>
-                <a:r>
-                  <a:rPr lang="zh-CN" altLang="en-US">
-                    <a:noFill/>
-                  </a:rPr>
-                  <a:t> </a:t>
-                </a:r>
-              </a:p>
-            </p:txBody>
-          </p:sp>
-        </mc:Fallback>
-      </mc:AlternateContent>
       <p:cxnSp>
         <p:nvCxnSpPr>
           <p:cNvPr id="109" name="直线箭头连接符 108">
@@ -7018,7 +6719,7 @@
             </p:nvSpPr>
             <p:spPr>
               <a:xfrm rot="18817345">
-                <a:off x="4357134" y="2257412"/>
+                <a:off x="4420150" y="1974590"/>
                 <a:ext cx="994824" cy="307777"/>
               </a:xfrm>
               <a:prstGeom prst="rect">
@@ -7136,7 +6837,7 @@
             </p:nvSpPr>
             <p:spPr>
               <a:xfrm rot="18817345">
-                <a:off x="4357134" y="2257412"/>
+                <a:off x="4420150" y="1974590"/>
                 <a:ext cx="994824" cy="307777"/>
               </a:xfrm>
               <a:prstGeom prst="rect">
@@ -7164,8 +6865,8 @@
           </p:sp>
         </mc:Fallback>
       </mc:AlternateContent>
-      <mc:AlternateContent xmlns:mc="http://schemas.openxmlformats.org/markup-compatibility/2006">
-        <mc:Choice xmlns:a14="http://schemas.microsoft.com/office/drawing/2010/main" Requires="a14">
+      <mc:AlternateContent xmlns:mc="http://schemas.openxmlformats.org/markup-compatibility/2006" xmlns:a14="http://schemas.microsoft.com/office/drawing/2010/main">
+        <mc:Choice Requires="a14">
           <p:sp>
             <p:nvSpPr>
               <p:cNvPr id="120" name="文本框 119">
@@ -7180,8 +6881,8 @@
             </p:nvSpPr>
             <p:spPr>
               <a:xfrm rot="20903127">
-                <a:off x="5021977" y="3146584"/>
-                <a:ext cx="1178784" cy="324769"/>
+                <a:off x="4085685" y="3543494"/>
+                <a:ext cx="1317990" cy="540212"/>
               </a:xfrm>
               <a:prstGeom prst="rect">
                 <a:avLst/>
@@ -7194,6 +6895,19 @@
               </a:bodyPr>
               <a:lstStyle/>
               <a:p>
+                <a:r>
+                  <a:rPr kumimoji="1" lang="en-US" altLang="zh-CN" sz="1400" b="0" i="1" dirty="0">
+                    <a:solidFill>
+                      <a:schemeClr val="bg1">
+                        <a:lumMod val="50000"/>
+                      </a:schemeClr>
+                    </a:solidFill>
+                    <a:latin typeface="Cambria Math" panose="02040503050406030204" pitchFamily="18" charset="0"/>
+                  </a:rPr>
+                  <a:t>principal point</a:t>
+                </a:r>
+              </a:p>
+              <a:p>
                 <a:pPr/>
                 <a14:m>
                   <m:oMathPara xmlns:m="http://schemas.openxmlformats.org/officeDocument/2006/math">
@@ -7201,46 +6915,17 @@
                       <m:jc m:val="centerGroup"/>
                     </m:oMathParaPr>
                     <m:oMath xmlns:m="http://schemas.openxmlformats.org/officeDocument/2006/math">
-                      <m:sSup>
-                        <m:sSupPr>
-                          <m:ctrlPr>
-                            <a:rPr kumimoji="1" lang="en-US" altLang="zh-CN" sz="1400" b="0" i="1" smtClean="0">
-                              <a:solidFill>
-                                <a:schemeClr val="bg1">
-                                  <a:lumMod val="50000"/>
-                                </a:schemeClr>
-                              </a:solidFill>
-                              <a:latin typeface="Cambria Math" panose="02040503050406030204" pitchFamily="18" charset="0"/>
-                            </a:rPr>
-                          </m:ctrlPr>
-                        </m:sSupPr>
-                        <m:e>
-                          <m:r>
-                            <a:rPr kumimoji="1" lang="en-US" altLang="zh-CN" sz="1400" b="0" i="1" smtClean="0">
-                              <a:solidFill>
-                                <a:schemeClr val="bg1">
-                                  <a:lumMod val="50000"/>
-                                </a:schemeClr>
-                              </a:solidFill>
-                              <a:latin typeface="Cambria Math" panose="02040503050406030204" pitchFamily="18" charset="0"/>
-                            </a:rPr>
-                            <m:t>𝑜</m:t>
-                          </m:r>
-                        </m:e>
-                        <m:sup>
-                          <m:r>
-                            <a:rPr kumimoji="1" lang="en-US" altLang="zh-CN" sz="1400" b="0" i="1" smtClean="0">
-                              <a:solidFill>
-                                <a:schemeClr val="bg1">
-                                  <a:lumMod val="50000"/>
-                                </a:schemeClr>
-                              </a:solidFill>
-                              <a:latin typeface="Cambria Math" panose="02040503050406030204" pitchFamily="18" charset="0"/>
-                            </a:rPr>
-                            <m:t>′</m:t>
-                          </m:r>
-                        </m:sup>
-                      </m:sSup>
+                      <m:r>
+                        <a:rPr kumimoji="1" lang="en-US" altLang="zh-CN" sz="1400" b="0" i="1" smtClean="0">
+                          <a:solidFill>
+                            <a:schemeClr val="bg1">
+                              <a:lumMod val="50000"/>
+                            </a:schemeClr>
+                          </a:solidFill>
+                          <a:latin typeface="Cambria Math" panose="02040503050406030204" pitchFamily="18" charset="0"/>
+                        </a:rPr>
+                        <m:t>𝑐</m:t>
+                      </m:r>
                       <m:r>
                         <a:rPr kumimoji="1" lang="en-US" altLang="zh-CN" sz="1400" b="0" i="1" smtClean="0">
                           <a:solidFill>
@@ -7368,7 +7053,7 @@
             </p:txBody>
           </p:sp>
         </mc:Choice>
-        <mc:Fallback>
+        <mc:Fallback xmlns="">
           <p:sp>
             <p:nvSpPr>
               <p:cNvPr id="120" name="文本框 119">
@@ -7385,8 +7070,8 @@
             </p:nvSpPr>
             <p:spPr>
               <a:xfrm rot="20903127">
-                <a:off x="5021977" y="3146584"/>
-                <a:ext cx="1178784" cy="324769"/>
+                <a:off x="4085685" y="3543494"/>
+                <a:ext cx="1317990" cy="540212"/>
               </a:xfrm>
               <a:prstGeom prst="rect">
                 <a:avLst/>
@@ -7394,7 +7079,7 @@
               <a:blipFill>
                 <a:blip r:embed="rId15"/>
                 <a:stretch>
-                  <a:fillRect/>
+                  <a:fillRect l="-1786" t="-1563"/>
                 </a:stretch>
               </a:blipFill>
             </p:spPr>
@@ -7426,8 +7111,8 @@
           <p:nvPr/>
         </p:nvSpPr>
         <p:spPr>
-          <a:xfrm rot="5781107">
-            <a:off x="4925270" y="3120725"/>
+          <a:xfrm rot="10800000">
+            <a:off x="4707000" y="3258197"/>
             <a:ext cx="67869" cy="367902"/>
           </a:xfrm>
           <a:custGeom>
@@ -7540,8 +7225,8 @@
           </a:p>
         </p:txBody>
       </p:sp>
-      <mc:AlternateContent xmlns:mc="http://schemas.openxmlformats.org/markup-compatibility/2006">
-        <mc:Choice xmlns:a14="http://schemas.microsoft.com/office/drawing/2010/main" Requires="a14">
+      <mc:AlternateContent xmlns:mc="http://schemas.openxmlformats.org/markup-compatibility/2006" xmlns:a14="http://schemas.microsoft.com/office/drawing/2010/main">
+        <mc:Choice Requires="a14">
           <p:sp>
             <p:nvSpPr>
               <p:cNvPr id="65" name="文本框 64">
@@ -7556,7 +7241,7 @@
             </p:nvSpPr>
             <p:spPr>
               <a:xfrm rot="18817345">
-                <a:off x="5109342" y="1729679"/>
+                <a:off x="5163638" y="1838819"/>
                 <a:ext cx="1367362" cy="325025"/>
               </a:xfrm>
               <a:prstGeom prst="rect">
@@ -7736,7 +7421,7 @@
             </p:txBody>
           </p:sp>
         </mc:Choice>
-        <mc:Fallback>
+        <mc:Fallback xmlns="">
           <p:sp>
             <p:nvSpPr>
               <p:cNvPr id="65" name="文本框 64">
@@ -7753,7 +7438,7 @@
             </p:nvSpPr>
             <p:spPr>
               <a:xfrm rot="18817345">
-                <a:off x="5109342" y="1729679"/>
+                <a:off x="5163638" y="1838819"/>
                 <a:ext cx="1367362" cy="325025"/>
               </a:xfrm>
               <a:prstGeom prst="rect">
@@ -7781,50 +7466,6 @@
           </p:sp>
         </mc:Fallback>
       </mc:AlternateContent>
-      <p:cxnSp>
-        <p:nvCxnSpPr>
-          <p:cNvPr id="68" name="直线连接符 17">
-            <a:extLst>
-              <a:ext uri="{FF2B5EF4-FFF2-40B4-BE49-F238E27FC236}">
-                <a16:creationId xmlns:a16="http://schemas.microsoft.com/office/drawing/2014/main" id="{B1557DB3-563F-85BC-017C-36E1392DE0B1}"/>
-              </a:ext>
-            </a:extLst>
-          </p:cNvPr>
-          <p:cNvCxnSpPr>
-            <a:cxnSpLocks/>
-            <a:endCxn id="38" idx="1"/>
-          </p:cNvCxnSpPr>
-          <p:nvPr/>
-        </p:nvCxnSpPr>
-        <p:spPr>
-          <a:xfrm>
-            <a:off x="5343021" y="2667883"/>
-            <a:ext cx="1249722" cy="1827510"/>
-          </a:xfrm>
-          <a:prstGeom prst="line">
-            <a:avLst/>
-          </a:prstGeom>
-          <a:ln w="19050">
-            <a:solidFill>
-              <a:srgbClr val="C00000"/>
-            </a:solidFill>
-          </a:ln>
-        </p:spPr>
-        <p:style>
-          <a:lnRef idx="1">
-            <a:schemeClr val="accent1"/>
-          </a:lnRef>
-          <a:fillRef idx="0">
-            <a:schemeClr val="accent1"/>
-          </a:fillRef>
-          <a:effectRef idx="0">
-            <a:schemeClr val="accent1"/>
-          </a:effectRef>
-          <a:fontRef idx="minor">
-            <a:schemeClr val="tx1"/>
-          </a:fontRef>
-        </p:style>
-      </p:cxnSp>
       <p:cxnSp>
         <p:nvCxnSpPr>
           <p:cNvPr id="8" name="直接箭头连接符 7">
@@ -7919,8 +7560,8 @@
           </a:p>
         </p:txBody>
       </p:sp>
-      <mc:AlternateContent xmlns:mc="http://schemas.openxmlformats.org/markup-compatibility/2006">
-        <mc:Choice xmlns:a14="http://schemas.microsoft.com/office/drawing/2010/main" Requires="a14">
+      <mc:AlternateContent xmlns:mc="http://schemas.openxmlformats.org/markup-compatibility/2006" xmlns:a14="http://schemas.microsoft.com/office/drawing/2010/main">
+        <mc:Choice Requires="a14">
           <p:sp>
             <p:nvSpPr>
               <p:cNvPr id="94" name="文本框 93">
@@ -8002,7 +7643,7 @@
             </p:txBody>
           </p:sp>
         </mc:Choice>
-        <mc:Fallback>
+        <mc:Fallback xmlns="">
           <p:sp>
             <p:nvSpPr>
               <p:cNvPr id="94" name="文本框 93">
@@ -8047,14 +7688,103 @@
           </p:sp>
         </mc:Fallback>
       </mc:AlternateContent>
-      <mc:AlternateContent xmlns:mc="http://schemas.openxmlformats.org/markup-compatibility/2006">
-        <mc:Choice xmlns:a14="http://schemas.microsoft.com/office/drawing/2010/main" Requires="a14">
+      <p:sp>
+        <p:nvSpPr>
+          <p:cNvPr id="2" name="任意形状 1">
+            <a:extLst>
+              <a:ext uri="{FF2B5EF4-FFF2-40B4-BE49-F238E27FC236}">
+                <a16:creationId xmlns:a16="http://schemas.microsoft.com/office/drawing/2014/main" id="{9C96C629-A592-D99B-8874-3B7B82ED81E2}"/>
+              </a:ext>
+            </a:extLst>
+          </p:cNvPr>
+          <p:cNvSpPr/>
+          <p:nvPr/>
+        </p:nvSpPr>
+        <p:spPr>
+          <a:xfrm>
+            <a:off x="4934662" y="2295966"/>
+            <a:ext cx="414577" cy="129308"/>
+          </a:xfrm>
+          <a:custGeom>
+            <a:avLst/>
+            <a:gdLst>
+              <a:gd name="connsiteX0" fmla="*/ 420624 w 420624"/>
+              <a:gd name="connsiteY0" fmla="*/ 73152 h 148418"/>
+              <a:gd name="connsiteX1" fmla="*/ 109728 w 420624"/>
+              <a:gd name="connsiteY1" fmla="*/ 146304 h 148418"/>
+              <a:gd name="connsiteX2" fmla="*/ 0 w 420624"/>
+              <a:gd name="connsiteY2" fmla="*/ 0 h 148418"/>
+            </a:gdLst>
+            <a:ahLst/>
+            <a:cxnLst>
+              <a:cxn ang="0">
+                <a:pos x="connsiteX0" y="connsiteY0"/>
+              </a:cxn>
+              <a:cxn ang="0">
+                <a:pos x="connsiteX1" y="connsiteY1"/>
+              </a:cxn>
+              <a:cxn ang="0">
+                <a:pos x="connsiteX2" y="connsiteY2"/>
+              </a:cxn>
+            </a:cxnLst>
+            <a:rect l="l" t="t" r="r" b="b"/>
+            <a:pathLst>
+              <a:path w="420624" h="148418">
+                <a:moveTo>
+                  <a:pt x="420624" y="73152"/>
+                </a:moveTo>
+                <a:cubicBezTo>
+                  <a:pt x="300228" y="115824"/>
+                  <a:pt x="179832" y="158496"/>
+                  <a:pt x="109728" y="146304"/>
+                </a:cubicBezTo>
+                <a:cubicBezTo>
+                  <a:pt x="39624" y="134112"/>
+                  <a:pt x="6096" y="27432"/>
+                  <a:pt x="0" y="0"/>
+                </a:cubicBezTo>
+              </a:path>
+            </a:pathLst>
+          </a:custGeom>
+          <a:ln w="12700">
+            <a:solidFill>
+              <a:schemeClr val="bg1">
+                <a:lumMod val="50000"/>
+              </a:schemeClr>
+            </a:solidFill>
+          </a:ln>
+        </p:spPr>
+        <p:style>
+          <a:lnRef idx="1">
+            <a:schemeClr val="dk1"/>
+          </a:lnRef>
+          <a:fillRef idx="0">
+            <a:schemeClr val="dk1"/>
+          </a:fillRef>
+          <a:effectRef idx="0">
+            <a:schemeClr val="dk1"/>
+          </a:effectRef>
+          <a:fontRef idx="minor">
+            <a:schemeClr val="tx1"/>
+          </a:fontRef>
+        </p:style>
+        <p:txBody>
+          <a:bodyPr rtlCol="0" anchor="ctr"/>
+          <a:lstStyle/>
+          <a:p>
+            <a:pPr algn="ctr"/>
+            <a:endParaRPr kumimoji="1" lang="zh-CN" altLang="en-US"/>
+          </a:p>
+        </p:txBody>
+      </p:sp>
+      <mc:AlternateContent xmlns:mc="http://schemas.openxmlformats.org/markup-compatibility/2006" xmlns:a14="http://schemas.microsoft.com/office/drawing/2010/main">
+        <mc:Choice Requires="a14">
           <p:sp>
             <p:nvSpPr>
-              <p:cNvPr id="96" name="文本框 95">
+              <p:cNvPr id="70" name="文本框 69">
                 <a:extLst>
                   <a:ext uri="{FF2B5EF4-FFF2-40B4-BE49-F238E27FC236}">
-                    <a16:creationId xmlns:a16="http://schemas.microsoft.com/office/drawing/2014/main" id="{46D53433-9EB1-4AD8-2413-9F7F7DB152B4}"/>
+                    <a16:creationId xmlns:a16="http://schemas.microsoft.com/office/drawing/2014/main" id="{8A9B5E8D-CBFE-51F4-7C79-ADF878BB62F1}"/>
                   </a:ext>
                 </a:extLst>
               </p:cNvPr>
@@ -8062,9 +7792,9 @@
               <p:nvPr/>
             </p:nvSpPr>
             <p:spPr>
-              <a:xfrm rot="2830732">
-                <a:off x="4591740" y="3343788"/>
-                <a:ext cx="493660" cy="391582"/>
+              <a:xfrm rot="18817345">
+                <a:off x="3787733" y="2382882"/>
+                <a:ext cx="334514" cy="307777"/>
               </a:xfrm>
               <a:prstGeom prst="rect">
                 <a:avLst/>
@@ -8084,59 +7814,38 @@
                       <m:jc m:val="centerGroup"/>
                     </m:oMathParaPr>
                     <m:oMath xmlns:m="http://schemas.openxmlformats.org/officeDocument/2006/math">
-                      <m:sSub>
-                        <m:sSubPr>
-                          <m:ctrlPr>
-                            <a:rPr kumimoji="1" lang="en-US" altLang="zh-CN" b="0" i="1" dirty="0" smtClean="0">
-                              <a:solidFill>
-                                <a:schemeClr val="accent5"/>
-                              </a:solidFill>
-                              <a:latin typeface="Cambria Math" panose="02040503050406030204" pitchFamily="18" charset="0"/>
-                            </a:rPr>
-                          </m:ctrlPr>
-                        </m:sSubPr>
-                        <m:e>
-                          <m:r>
-                            <a:rPr kumimoji="1" lang="en-US" altLang="zh-CN" b="0" i="1" dirty="0" smtClean="0">
-                              <a:solidFill>
-                                <a:schemeClr val="accent5"/>
-                              </a:solidFill>
-                              <a:latin typeface="Cambria Math" panose="02040503050406030204" pitchFamily="18" charset="0"/>
-                            </a:rPr>
-                            <m:t>𝑂</m:t>
-                          </m:r>
-                        </m:e>
-                        <m:sub>
-                          <m:r>
-                            <a:rPr kumimoji="1" lang="en-US" altLang="zh-CN" b="0" i="1" dirty="0" smtClean="0">
-                              <a:solidFill>
-                                <a:schemeClr val="accent5"/>
-                              </a:solidFill>
-                              <a:latin typeface="Cambria Math" panose="02040503050406030204" pitchFamily="18" charset="0"/>
-                            </a:rPr>
-                            <m:t>𝑓</m:t>
-                          </m:r>
-                        </m:sub>
-                      </m:sSub>
+                      <m:r>
+                        <a:rPr kumimoji="1" lang="en-US" altLang="zh-CN" sz="1400" b="0" i="1" smtClean="0">
+                          <a:solidFill>
+                            <a:schemeClr val="bg1">
+                              <a:lumMod val="50000"/>
+                            </a:schemeClr>
+                          </a:solidFill>
+                          <a:latin typeface="Cambria Math" panose="02040503050406030204" pitchFamily="18" charset="0"/>
+                        </a:rPr>
+                        <m:t>𝑜</m:t>
+                      </m:r>
                     </m:oMath>
                   </m:oMathPara>
                 </a14:m>
-                <a:endParaRPr kumimoji="1" lang="zh-CN" altLang="en-US" dirty="0">
+                <a:endParaRPr kumimoji="1" lang="zh-CN" altLang="en-US" sz="1400" dirty="0">
                   <a:solidFill>
-                    <a:schemeClr val="accent5"/>
+                    <a:schemeClr val="bg1">
+                      <a:lumMod val="50000"/>
+                    </a:schemeClr>
                   </a:solidFill>
                 </a:endParaRPr>
               </a:p>
             </p:txBody>
           </p:sp>
         </mc:Choice>
-        <mc:Fallback>
+        <mc:Fallback xmlns="">
           <p:sp>
             <p:nvSpPr>
-              <p:cNvPr id="96" name="文本框 95">
+              <p:cNvPr id="70" name="文本框 69">
                 <a:extLst>
                   <a:ext uri="{FF2B5EF4-FFF2-40B4-BE49-F238E27FC236}">
-                    <a16:creationId xmlns:a16="http://schemas.microsoft.com/office/drawing/2014/main" id="{46D53433-9EB1-4AD8-2413-9F7F7DB152B4}"/>
+                    <a16:creationId xmlns:a16="http://schemas.microsoft.com/office/drawing/2014/main" id="{8A9B5E8D-CBFE-51F4-7C79-ADF878BB62F1}"/>
                   </a:ext>
                 </a:extLst>
               </p:cNvPr>
@@ -8146,9 +7855,9 @@
               <p:nvPr/>
             </p:nvSpPr>
             <p:spPr>
-              <a:xfrm rot="2830732">
-                <a:off x="4591740" y="3343788"/>
-                <a:ext cx="493660" cy="391582"/>
+              <a:xfrm rot="18817345">
+                <a:off x="3787733" y="2382882"/>
+                <a:ext cx="334514" cy="307777"/>
               </a:xfrm>
               <a:prstGeom prst="rect">
                 <a:avLst/>
@@ -8175,10 +7884,2159 @@
           </p:sp>
         </mc:Fallback>
       </mc:AlternateContent>
+      <mc:AlternateContent xmlns:mc="http://schemas.openxmlformats.org/markup-compatibility/2006" xmlns:a14="http://schemas.microsoft.com/office/drawing/2010/main">
+        <mc:Choice Requires="a14">
+          <p:sp>
+            <p:nvSpPr>
+              <p:cNvPr id="72" name="文本框 71">
+                <a:extLst>
+                  <a:ext uri="{FF2B5EF4-FFF2-40B4-BE49-F238E27FC236}">
+                    <a16:creationId xmlns:a16="http://schemas.microsoft.com/office/drawing/2014/main" id="{1D683396-1EC8-69A6-9AAD-227774D58937}"/>
+                  </a:ext>
+                </a:extLst>
+              </p:cNvPr>
+              <p:cNvSpPr txBox="1"/>
+              <p:nvPr/>
+            </p:nvSpPr>
+            <p:spPr>
+              <a:xfrm rot="18817345">
+                <a:off x="4727452" y="3058118"/>
+                <a:ext cx="426976" cy="325025"/>
+              </a:xfrm>
+              <a:prstGeom prst="rect">
+                <a:avLst/>
+              </a:prstGeom>
+              <a:noFill/>
+            </p:spPr>
+            <p:txBody>
+              <a:bodyPr wrap="none" rtlCol="0">
+                <a:spAutoFit/>
+              </a:bodyPr>
+              <a:lstStyle/>
+              <a:p>
+                <a:pPr/>
+                <a14:m>
+                  <m:oMathPara xmlns:m="http://schemas.openxmlformats.org/officeDocument/2006/math">
+                    <m:oMathParaPr>
+                      <m:jc m:val="centerGroup"/>
+                    </m:oMathParaPr>
+                    <m:oMath xmlns:m="http://schemas.openxmlformats.org/officeDocument/2006/math">
+                      <m:sSub>
+                        <m:sSubPr>
+                          <m:ctrlPr>
+                            <a:rPr kumimoji="1" lang="en-US" altLang="zh-CN" sz="1400" b="0" i="1" smtClean="0">
+                              <a:solidFill>
+                                <a:schemeClr val="accent5"/>
+                              </a:solidFill>
+                              <a:latin typeface="Cambria Math" panose="02040503050406030204" pitchFamily="18" charset="0"/>
+                            </a:rPr>
+                          </m:ctrlPr>
+                        </m:sSubPr>
+                        <m:e>
+                          <m:r>
+                            <a:rPr kumimoji="1" lang="en-US" altLang="zh-CN" sz="1400" b="0" i="1" smtClean="0">
+                              <a:solidFill>
+                                <a:schemeClr val="accent5"/>
+                              </a:solidFill>
+                              <a:latin typeface="Cambria Math" panose="02040503050406030204" pitchFamily="18" charset="0"/>
+                            </a:rPr>
+                            <m:t>𝑂</m:t>
+                          </m:r>
+                        </m:e>
+                        <m:sub>
+                          <m:r>
+                            <a:rPr kumimoji="1" lang="en-US" altLang="zh-CN" sz="1400" b="0" i="1" smtClean="0">
+                              <a:solidFill>
+                                <a:schemeClr val="accent5"/>
+                              </a:solidFill>
+                              <a:latin typeface="Cambria Math" panose="02040503050406030204" pitchFamily="18" charset="0"/>
+                            </a:rPr>
+                            <m:t>𝑓</m:t>
+                          </m:r>
+                        </m:sub>
+                      </m:sSub>
+                    </m:oMath>
+                  </m:oMathPara>
+                </a14:m>
+                <a:endParaRPr kumimoji="1" lang="zh-CN" altLang="en-US" sz="1400" dirty="0">
+                  <a:solidFill>
+                    <a:schemeClr val="accent5"/>
+                  </a:solidFill>
+                </a:endParaRPr>
+              </a:p>
+            </p:txBody>
+          </p:sp>
+        </mc:Choice>
+        <mc:Fallback xmlns="">
+          <p:sp>
+            <p:nvSpPr>
+              <p:cNvPr id="72" name="文本框 71">
+                <a:extLst>
+                  <a:ext uri="{FF2B5EF4-FFF2-40B4-BE49-F238E27FC236}">
+                    <a16:creationId xmlns:a16="http://schemas.microsoft.com/office/drawing/2014/main" id="{1D683396-1EC8-69A6-9AAD-227774D58937}"/>
+                  </a:ext>
+                </a:extLst>
+              </p:cNvPr>
+              <p:cNvSpPr txBox="1">
+                <a:spLocks noRot="1" noChangeAspect="1" noMove="1" noResize="1" noEditPoints="1" noAdjustHandles="1" noChangeArrowheads="1" noChangeShapeType="1" noTextEdit="1"/>
+              </p:cNvSpPr>
+              <p:nvPr/>
+            </p:nvSpPr>
+            <p:spPr>
+              <a:xfrm rot="18817345">
+                <a:off x="4727452" y="3058118"/>
+                <a:ext cx="426976" cy="325025"/>
+              </a:xfrm>
+              <a:prstGeom prst="rect">
+                <a:avLst/>
+              </a:prstGeom>
+              <a:blipFill>
+                <a:blip r:embed="rId19"/>
+                <a:stretch>
+                  <a:fillRect/>
+                </a:stretch>
+              </a:blipFill>
+            </p:spPr>
+            <p:txBody>
+              <a:bodyPr/>
+              <a:lstStyle/>
+              <a:p>
+                <a:r>
+                  <a:rPr lang="zh-CN" altLang="en-US">
+                    <a:noFill/>
+                  </a:rPr>
+                  <a:t> </a:t>
+                </a:r>
+              </a:p>
+            </p:txBody>
+          </p:sp>
+        </mc:Fallback>
+      </mc:AlternateContent>
     </p:spTree>
     <p:extLst>
       <p:ext uri="{BB962C8B-B14F-4D97-AF65-F5344CB8AC3E}">
         <p14:creationId xmlns:p14="http://schemas.microsoft.com/office/powerpoint/2010/main" val="855359054"/>
+      </p:ext>
+    </p:extLst>
+  </p:cSld>
+  <p:clrMapOvr>
+    <a:masterClrMapping/>
+  </p:clrMapOvr>
+</p:sld>
+</file>
+
+<file path=ppt/slides/slide2.xml><?xml version="1.0" encoding="utf-8"?>
+<p:sld xmlns:a="http://schemas.openxmlformats.org/drawingml/2006/main" xmlns:r="http://schemas.openxmlformats.org/officeDocument/2006/relationships" xmlns:p="http://schemas.openxmlformats.org/presentationml/2006/main">
+  <p:cSld>
+    <p:spTree>
+      <p:nvGrpSpPr>
+        <p:cNvPr id="1" name=""/>
+        <p:cNvGrpSpPr/>
+        <p:nvPr/>
+      </p:nvGrpSpPr>
+      <p:grpSpPr>
+        <a:xfrm>
+          <a:off x="0" y="0"/>
+          <a:ext cx="0" cy="0"/>
+          <a:chOff x="0" y="0"/>
+          <a:chExt cx="0" cy="0"/>
+        </a:xfrm>
+      </p:grpSpPr>
+      <p:cxnSp>
+        <p:nvCxnSpPr>
+          <p:cNvPr id="14" name="直线连接符 13">
+            <a:extLst>
+              <a:ext uri="{FF2B5EF4-FFF2-40B4-BE49-F238E27FC236}">
+                <a16:creationId xmlns:a16="http://schemas.microsoft.com/office/drawing/2014/main" id="{9C89DBFA-3516-A626-D63E-BC6D2370D927}"/>
+              </a:ext>
+            </a:extLst>
+          </p:cNvPr>
+          <p:cNvCxnSpPr>
+            <a:cxnSpLocks/>
+          </p:cNvCxnSpPr>
+          <p:nvPr/>
+        </p:nvCxnSpPr>
+        <p:spPr>
+          <a:xfrm>
+            <a:off x="2957020" y="2006465"/>
+            <a:ext cx="1299010" cy="924634"/>
+          </a:xfrm>
+          <a:prstGeom prst="line">
+            <a:avLst/>
+          </a:prstGeom>
+          <a:ln w="12700">
+            <a:solidFill>
+              <a:srgbClr val="C00000"/>
+            </a:solidFill>
+            <a:prstDash val="lgDash"/>
+          </a:ln>
+        </p:spPr>
+        <p:style>
+          <a:lnRef idx="1">
+            <a:schemeClr val="accent1"/>
+          </a:lnRef>
+          <a:fillRef idx="0">
+            <a:schemeClr val="accent1"/>
+          </a:fillRef>
+          <a:effectRef idx="0">
+            <a:schemeClr val="accent1"/>
+          </a:effectRef>
+          <a:fontRef idx="minor">
+            <a:schemeClr val="tx1"/>
+          </a:fontRef>
+        </p:style>
+      </p:cxnSp>
+      <p:sp>
+        <p:nvSpPr>
+          <p:cNvPr id="3" name="平行四边形 2">
+            <a:extLst>
+              <a:ext uri="{FF2B5EF4-FFF2-40B4-BE49-F238E27FC236}">
+                <a16:creationId xmlns:a16="http://schemas.microsoft.com/office/drawing/2014/main" id="{B5C9EC0F-3157-F40D-2801-BB906380A1F2}"/>
+              </a:ext>
+            </a:extLst>
+          </p:cNvPr>
+          <p:cNvSpPr/>
+          <p:nvPr/>
+        </p:nvSpPr>
+        <p:spPr>
+          <a:xfrm rot="9977797">
+            <a:off x="2796106" y="1901455"/>
+            <a:ext cx="2919848" cy="1902325"/>
+          </a:xfrm>
+          <a:prstGeom prst="parallelogram">
+            <a:avLst/>
+          </a:prstGeom>
+          <a:solidFill>
+            <a:srgbClr val="DFDFDF">
+              <a:alpha val="87843"/>
+            </a:srgbClr>
+          </a:solidFill>
+          <a:ln>
+            <a:solidFill>
+              <a:srgbClr val="CCCCCC"/>
+            </a:solidFill>
+          </a:ln>
+        </p:spPr>
+        <p:style>
+          <a:lnRef idx="2">
+            <a:schemeClr val="accent1">
+              <a:shade val="50000"/>
+            </a:schemeClr>
+          </a:lnRef>
+          <a:fillRef idx="1">
+            <a:schemeClr val="accent1"/>
+          </a:fillRef>
+          <a:effectRef idx="0">
+            <a:schemeClr val="accent1"/>
+          </a:effectRef>
+          <a:fontRef idx="minor">
+            <a:schemeClr val="lt1"/>
+          </a:fontRef>
+        </p:style>
+        <p:txBody>
+          <a:bodyPr rtlCol="0" anchor="ctr"/>
+          <a:lstStyle/>
+          <a:p>
+            <a:pPr algn="ctr"/>
+            <a:endParaRPr kumimoji="1" lang="zh-CN" altLang="en-US"/>
+          </a:p>
+        </p:txBody>
+      </p:sp>
+      <p:sp>
+        <p:nvSpPr>
+          <p:cNvPr id="41" name="椭圆 40">
+            <a:extLst>
+              <a:ext uri="{FF2B5EF4-FFF2-40B4-BE49-F238E27FC236}">
+                <a16:creationId xmlns:a16="http://schemas.microsoft.com/office/drawing/2014/main" id="{56BA3487-7B2B-90DE-7A53-EFBBFA30EAE4}"/>
+              </a:ext>
+            </a:extLst>
+          </p:cNvPr>
+          <p:cNvSpPr/>
+          <p:nvPr/>
+        </p:nvSpPr>
+        <p:spPr>
+          <a:xfrm>
+            <a:off x="5039528" y="2135489"/>
+            <a:ext cx="155199" cy="155199"/>
+          </a:xfrm>
+          <a:prstGeom prst="ellipse">
+            <a:avLst/>
+          </a:prstGeom>
+          <a:ln>
+            <a:noFill/>
+          </a:ln>
+        </p:spPr>
+        <p:style>
+          <a:lnRef idx="2">
+            <a:schemeClr val="accent1">
+              <a:shade val="50000"/>
+            </a:schemeClr>
+          </a:lnRef>
+          <a:fillRef idx="1">
+            <a:schemeClr val="accent1"/>
+          </a:fillRef>
+          <a:effectRef idx="0">
+            <a:schemeClr val="accent1"/>
+          </a:effectRef>
+          <a:fontRef idx="minor">
+            <a:schemeClr val="lt1"/>
+          </a:fontRef>
+        </p:style>
+        <p:txBody>
+          <a:bodyPr rtlCol="0" anchor="ctr"/>
+          <a:lstStyle/>
+          <a:p>
+            <a:pPr algn="ctr"/>
+            <a:endParaRPr kumimoji="1" lang="zh-CN" altLang="en-US" dirty="0"/>
+          </a:p>
+        </p:txBody>
+      </p:sp>
+      <p:cxnSp>
+        <p:nvCxnSpPr>
+          <p:cNvPr id="40" name="直线连接符 39">
+            <a:extLst>
+              <a:ext uri="{FF2B5EF4-FFF2-40B4-BE49-F238E27FC236}">
+                <a16:creationId xmlns:a16="http://schemas.microsoft.com/office/drawing/2014/main" id="{55CC368B-298F-FBF5-6DF9-B4741073CF84}"/>
+              </a:ext>
+            </a:extLst>
+          </p:cNvPr>
+          <p:cNvCxnSpPr>
+            <a:cxnSpLocks/>
+          </p:cNvCxnSpPr>
+          <p:nvPr/>
+        </p:nvCxnSpPr>
+        <p:spPr>
+          <a:xfrm>
+            <a:off x="5113198" y="2215541"/>
+            <a:ext cx="1071361" cy="1411843"/>
+          </a:xfrm>
+          <a:prstGeom prst="line">
+            <a:avLst/>
+          </a:prstGeom>
+          <a:ln w="12700">
+            <a:solidFill>
+              <a:srgbClr val="C00000"/>
+            </a:solidFill>
+            <a:prstDash val="lgDash"/>
+          </a:ln>
+        </p:spPr>
+        <p:style>
+          <a:lnRef idx="1">
+            <a:schemeClr val="accent1"/>
+          </a:lnRef>
+          <a:fillRef idx="0">
+            <a:schemeClr val="accent1"/>
+          </a:fillRef>
+          <a:effectRef idx="0">
+            <a:schemeClr val="accent1"/>
+          </a:effectRef>
+          <a:fontRef idx="minor">
+            <a:schemeClr val="tx1"/>
+          </a:fontRef>
+        </p:style>
+      </p:cxnSp>
+      <p:cxnSp>
+        <p:nvCxnSpPr>
+          <p:cNvPr id="13" name="直线连接符 12">
+            <a:extLst>
+              <a:ext uri="{FF2B5EF4-FFF2-40B4-BE49-F238E27FC236}">
+                <a16:creationId xmlns:a16="http://schemas.microsoft.com/office/drawing/2014/main" id="{2369C6E1-D191-C4D8-76A9-3808F5021DE9}"/>
+              </a:ext>
+            </a:extLst>
+          </p:cNvPr>
+          <p:cNvCxnSpPr>
+            <a:cxnSpLocks/>
+          </p:cNvCxnSpPr>
+          <p:nvPr/>
+        </p:nvCxnSpPr>
+        <p:spPr>
+          <a:xfrm>
+            <a:off x="4256030" y="2925750"/>
+            <a:ext cx="1570098" cy="1117594"/>
+          </a:xfrm>
+          <a:prstGeom prst="line">
+            <a:avLst/>
+          </a:prstGeom>
+          <a:ln w="12700">
+            <a:solidFill>
+              <a:srgbClr val="C00000"/>
+            </a:solidFill>
+            <a:prstDash val="lgDash"/>
+          </a:ln>
+        </p:spPr>
+        <p:style>
+          <a:lnRef idx="1">
+            <a:schemeClr val="accent1"/>
+          </a:lnRef>
+          <a:fillRef idx="0">
+            <a:schemeClr val="accent1"/>
+          </a:fillRef>
+          <a:effectRef idx="0">
+            <a:schemeClr val="accent1"/>
+          </a:effectRef>
+          <a:fontRef idx="minor">
+            <a:schemeClr val="tx1"/>
+          </a:fontRef>
+        </p:style>
+      </p:cxnSp>
+      <p:sp>
+        <p:nvSpPr>
+          <p:cNvPr id="4" name="平行四边形 3">
+            <a:extLst>
+              <a:ext uri="{FF2B5EF4-FFF2-40B4-BE49-F238E27FC236}">
+                <a16:creationId xmlns:a16="http://schemas.microsoft.com/office/drawing/2014/main" id="{CB05E032-64EB-3B1D-5FB7-929E78CA0C3A}"/>
+              </a:ext>
+            </a:extLst>
+          </p:cNvPr>
+          <p:cNvSpPr/>
+          <p:nvPr/>
+        </p:nvSpPr>
+        <p:spPr>
+          <a:xfrm rot="9977797">
+            <a:off x="4842896" y="3350001"/>
+            <a:ext cx="1948177" cy="1269267"/>
+          </a:xfrm>
+          <a:prstGeom prst="parallelogram">
+            <a:avLst/>
+          </a:prstGeom>
+          <a:solidFill>
+            <a:srgbClr val="00B0F0">
+              <a:alpha val="78824"/>
+            </a:srgbClr>
+          </a:solidFill>
+          <a:ln>
+            <a:solidFill>
+              <a:srgbClr val="CCCCCC"/>
+            </a:solidFill>
+          </a:ln>
+        </p:spPr>
+        <p:style>
+          <a:lnRef idx="2">
+            <a:schemeClr val="accent1">
+              <a:shade val="50000"/>
+            </a:schemeClr>
+          </a:lnRef>
+          <a:fillRef idx="1">
+            <a:schemeClr val="accent1"/>
+          </a:fillRef>
+          <a:effectRef idx="0">
+            <a:schemeClr val="accent1"/>
+          </a:effectRef>
+          <a:fontRef idx="minor">
+            <a:schemeClr val="lt1"/>
+          </a:fontRef>
+        </p:style>
+        <p:txBody>
+          <a:bodyPr rtlCol="0" anchor="ctr"/>
+          <a:lstStyle/>
+          <a:p>
+            <a:pPr algn="ctr"/>
+            <a:endParaRPr kumimoji="1" lang="zh-CN" altLang="en-US"/>
+          </a:p>
+        </p:txBody>
+      </p:sp>
+      <p:cxnSp>
+        <p:nvCxnSpPr>
+          <p:cNvPr id="8" name="直线连接符 7">
+            <a:extLst>
+              <a:ext uri="{FF2B5EF4-FFF2-40B4-BE49-F238E27FC236}">
+                <a16:creationId xmlns:a16="http://schemas.microsoft.com/office/drawing/2014/main" id="{8C5012B7-2DD5-7026-22AB-42C44F496E67}"/>
+              </a:ext>
+            </a:extLst>
+          </p:cNvPr>
+          <p:cNvCxnSpPr>
+            <a:cxnSpLocks/>
+          </p:cNvCxnSpPr>
+          <p:nvPr/>
+        </p:nvCxnSpPr>
+        <p:spPr>
+          <a:xfrm>
+            <a:off x="5816984" y="4038998"/>
+            <a:ext cx="1339883" cy="953727"/>
+          </a:xfrm>
+          <a:prstGeom prst="line">
+            <a:avLst/>
+          </a:prstGeom>
+          <a:ln w="12700">
+            <a:solidFill>
+              <a:srgbClr val="C00000"/>
+            </a:solidFill>
+            <a:prstDash val="lgDash"/>
+          </a:ln>
+        </p:spPr>
+        <p:style>
+          <a:lnRef idx="1">
+            <a:schemeClr val="accent1"/>
+          </a:lnRef>
+          <a:fillRef idx="0">
+            <a:schemeClr val="accent1"/>
+          </a:fillRef>
+          <a:effectRef idx="0">
+            <a:schemeClr val="accent1"/>
+          </a:effectRef>
+          <a:fontRef idx="minor">
+            <a:schemeClr val="tx1"/>
+          </a:fontRef>
+        </p:style>
+      </p:cxnSp>
+      <mc:AlternateContent xmlns:mc="http://schemas.openxmlformats.org/markup-compatibility/2006">
+        <mc:Choice xmlns:a14="http://schemas.microsoft.com/office/drawing/2010/main" Requires="a14">
+          <p:sp>
+            <p:nvSpPr>
+              <p:cNvPr id="7" name="文本框 6">
+                <a:extLst>
+                  <a:ext uri="{FF2B5EF4-FFF2-40B4-BE49-F238E27FC236}">
+                    <a16:creationId xmlns:a16="http://schemas.microsoft.com/office/drawing/2014/main" id="{3F32FEA6-7EAC-B890-8497-0F75095434FE}"/>
+                  </a:ext>
+                </a:extLst>
+              </p:cNvPr>
+              <p:cNvSpPr txBox="1"/>
+              <p:nvPr/>
+            </p:nvSpPr>
+            <p:spPr>
+              <a:xfrm>
+                <a:off x="5472748" y="3798701"/>
+                <a:ext cx="426976" cy="325025"/>
+              </a:xfrm>
+              <a:prstGeom prst="rect">
+                <a:avLst/>
+              </a:prstGeom>
+              <a:noFill/>
+            </p:spPr>
+            <p:txBody>
+              <a:bodyPr wrap="none" rtlCol="0">
+                <a:spAutoFit/>
+              </a:bodyPr>
+              <a:lstStyle/>
+              <a:p>
+                <a:pPr/>
+                <a14:m>
+                  <m:oMathPara xmlns:m="http://schemas.openxmlformats.org/officeDocument/2006/math">
+                    <m:oMathParaPr>
+                      <m:jc m:val="centerGroup"/>
+                    </m:oMathParaPr>
+                    <m:oMath xmlns:m="http://schemas.openxmlformats.org/officeDocument/2006/math">
+                      <m:sSub>
+                        <m:sSubPr>
+                          <m:ctrlPr>
+                            <a:rPr kumimoji="1" lang="en-US" altLang="zh-CN" sz="1400" b="0" i="1" smtClean="0">
+                              <a:solidFill>
+                                <a:schemeClr val="bg1"/>
+                              </a:solidFill>
+                              <a:latin typeface="Cambria Math" panose="02040503050406030204" pitchFamily="18" charset="0"/>
+                            </a:rPr>
+                          </m:ctrlPr>
+                        </m:sSubPr>
+                        <m:e>
+                          <m:r>
+                            <a:rPr kumimoji="1" lang="en-US" altLang="zh-CN" sz="1400" b="0" i="1" smtClean="0">
+                              <a:solidFill>
+                                <a:schemeClr val="bg1"/>
+                              </a:solidFill>
+                              <a:latin typeface="Cambria Math" panose="02040503050406030204" pitchFamily="18" charset="0"/>
+                            </a:rPr>
+                            <m:t>𝑂</m:t>
+                          </m:r>
+                        </m:e>
+                        <m:sub>
+                          <m:r>
+                            <a:rPr kumimoji="1" lang="en-US" altLang="zh-CN" sz="1400" b="0" i="1" smtClean="0">
+                              <a:solidFill>
+                                <a:schemeClr val="bg1"/>
+                              </a:solidFill>
+                              <a:latin typeface="Cambria Math" panose="02040503050406030204" pitchFamily="18" charset="0"/>
+                            </a:rPr>
+                            <m:t>𝑓</m:t>
+                          </m:r>
+                        </m:sub>
+                      </m:sSub>
+                    </m:oMath>
+                  </m:oMathPara>
+                </a14:m>
+                <a:endParaRPr kumimoji="1" lang="zh-CN" altLang="en-US" sz="1400" dirty="0">
+                  <a:solidFill>
+                    <a:schemeClr val="bg1"/>
+                  </a:solidFill>
+                </a:endParaRPr>
+              </a:p>
+            </p:txBody>
+          </p:sp>
+        </mc:Choice>
+        <mc:Fallback>
+          <p:sp>
+            <p:nvSpPr>
+              <p:cNvPr id="7" name="文本框 6">
+                <a:extLst>
+                  <a:ext uri="{FF2B5EF4-FFF2-40B4-BE49-F238E27FC236}">
+                    <a16:creationId xmlns:a16="http://schemas.microsoft.com/office/drawing/2014/main" id="{3F32FEA6-7EAC-B890-8497-0F75095434FE}"/>
+                  </a:ext>
+                </a:extLst>
+              </p:cNvPr>
+              <p:cNvSpPr txBox="1">
+                <a:spLocks noRot="1" noChangeAspect="1" noMove="1" noResize="1" noEditPoints="1" noAdjustHandles="1" noChangeArrowheads="1" noChangeShapeType="1" noTextEdit="1"/>
+              </p:cNvSpPr>
+              <p:nvPr/>
+            </p:nvSpPr>
+            <p:spPr>
+              <a:xfrm>
+                <a:off x="5472748" y="3798701"/>
+                <a:ext cx="426976" cy="325025"/>
+              </a:xfrm>
+              <a:prstGeom prst="rect">
+                <a:avLst/>
+              </a:prstGeom>
+              <a:blipFill>
+                <a:blip r:embed="rId2"/>
+                <a:stretch>
+                  <a:fillRect b="-3846"/>
+                </a:stretch>
+              </a:blipFill>
+            </p:spPr>
+            <p:txBody>
+              <a:bodyPr/>
+              <a:lstStyle/>
+              <a:p>
+                <a:r>
+                  <a:rPr lang="zh-CN" altLang="en-US">
+                    <a:noFill/>
+                  </a:rPr>
+                  <a:t> </a:t>
+                </a:r>
+              </a:p>
+            </p:txBody>
+          </p:sp>
+        </mc:Fallback>
+      </mc:AlternateContent>
+      <p:cxnSp>
+        <p:nvCxnSpPr>
+          <p:cNvPr id="5" name="直线箭头连接符 4">
+            <a:extLst>
+              <a:ext uri="{FF2B5EF4-FFF2-40B4-BE49-F238E27FC236}">
+                <a16:creationId xmlns:a16="http://schemas.microsoft.com/office/drawing/2014/main" id="{40AEDD26-1257-76C0-3FD1-F891092D5E83}"/>
+              </a:ext>
+            </a:extLst>
+          </p:cNvPr>
+          <p:cNvCxnSpPr>
+            <a:cxnSpLocks/>
+          </p:cNvCxnSpPr>
+          <p:nvPr/>
+        </p:nvCxnSpPr>
+        <p:spPr>
+          <a:xfrm flipV="1">
+            <a:off x="4511916" y="3734114"/>
+            <a:ext cx="2471685" cy="632197"/>
+          </a:xfrm>
+          <a:prstGeom prst="straightConnector1">
+            <a:avLst/>
+          </a:prstGeom>
+          <a:ln w="12700">
+            <a:solidFill>
+              <a:srgbClr val="00B0F0"/>
+            </a:solidFill>
+            <a:tailEnd type="triangle"/>
+          </a:ln>
+        </p:spPr>
+        <p:style>
+          <a:lnRef idx="1">
+            <a:schemeClr val="accent1"/>
+          </a:lnRef>
+          <a:fillRef idx="0">
+            <a:schemeClr val="accent1"/>
+          </a:fillRef>
+          <a:effectRef idx="0">
+            <a:schemeClr val="accent1"/>
+          </a:effectRef>
+          <a:fontRef idx="minor">
+            <a:schemeClr val="tx1"/>
+          </a:fontRef>
+        </p:style>
+      </p:cxnSp>
+      <p:cxnSp>
+        <p:nvCxnSpPr>
+          <p:cNvPr id="18" name="直线箭头连接符 17">
+            <a:extLst>
+              <a:ext uri="{FF2B5EF4-FFF2-40B4-BE49-F238E27FC236}">
+                <a16:creationId xmlns:a16="http://schemas.microsoft.com/office/drawing/2014/main" id="{5612A3D7-A126-3132-71EF-100DBA710FEE}"/>
+              </a:ext>
+            </a:extLst>
+          </p:cNvPr>
+          <p:cNvCxnSpPr>
+            <a:cxnSpLocks/>
+          </p:cNvCxnSpPr>
+          <p:nvPr/>
+        </p:nvCxnSpPr>
+        <p:spPr>
+          <a:xfrm>
+            <a:off x="5816984" y="3007816"/>
+            <a:ext cx="0" cy="1984909"/>
+          </a:xfrm>
+          <a:prstGeom prst="straightConnector1">
+            <a:avLst/>
+          </a:prstGeom>
+          <a:ln w="12700">
+            <a:solidFill>
+              <a:srgbClr val="00B0F0"/>
+            </a:solidFill>
+            <a:tailEnd type="triangle"/>
+          </a:ln>
+        </p:spPr>
+        <p:style>
+          <a:lnRef idx="1">
+            <a:schemeClr val="accent1"/>
+          </a:lnRef>
+          <a:fillRef idx="0">
+            <a:schemeClr val="accent1"/>
+          </a:fillRef>
+          <a:effectRef idx="0">
+            <a:schemeClr val="accent1"/>
+          </a:effectRef>
+          <a:fontRef idx="minor">
+            <a:schemeClr val="tx1"/>
+          </a:fontRef>
+        </p:style>
+      </p:cxnSp>
+      <mc:AlternateContent xmlns:mc="http://schemas.openxmlformats.org/markup-compatibility/2006">
+        <mc:Choice xmlns:a14="http://schemas.microsoft.com/office/drawing/2010/main" Requires="a14">
+          <p:sp>
+            <p:nvSpPr>
+              <p:cNvPr id="24" name="文本框 23">
+                <a:extLst>
+                  <a:ext uri="{FF2B5EF4-FFF2-40B4-BE49-F238E27FC236}">
+                    <a16:creationId xmlns:a16="http://schemas.microsoft.com/office/drawing/2014/main" id="{D07C2397-3581-96FF-40E0-21BD1468B990}"/>
+                  </a:ext>
+                </a:extLst>
+              </p:cNvPr>
+              <p:cNvSpPr txBox="1"/>
+              <p:nvPr/>
+            </p:nvSpPr>
+            <p:spPr>
+              <a:xfrm>
+                <a:off x="7008721" y="3521702"/>
+                <a:ext cx="192938" cy="276999"/>
+              </a:xfrm>
+              <a:prstGeom prst="rect">
+                <a:avLst/>
+              </a:prstGeom>
+              <a:noFill/>
+            </p:spPr>
+            <p:txBody>
+              <a:bodyPr wrap="none" lIns="0" tIns="0" rIns="0" bIns="0" rtlCol="0">
+                <a:spAutoFit/>
+              </a:bodyPr>
+              <a:lstStyle/>
+              <a:p>
+                <a14:m>
+                  <m:oMathPara xmlns:m="http://schemas.openxmlformats.org/officeDocument/2006/math">
+                    <m:oMathParaPr>
+                      <m:jc m:val="centerGroup"/>
+                    </m:oMathParaPr>
+                    <m:oMath xmlns:m="http://schemas.openxmlformats.org/officeDocument/2006/math">
+                      <m:r>
+                        <a:rPr kumimoji="1" lang="en-US" altLang="zh-CN" b="0" i="1" smtClean="0">
+                          <a:solidFill>
+                            <a:srgbClr val="00B0F0"/>
+                          </a:solidFill>
+                          <a:latin typeface="Cambria Math" panose="02040503050406030204" pitchFamily="18" charset="0"/>
+                        </a:rPr>
+                        <m:t>𝑥</m:t>
+                      </m:r>
+                    </m:oMath>
+                  </m:oMathPara>
+                </a14:m>
+                <a:endParaRPr kumimoji="1" lang="zh-CN" altLang="en-US" dirty="0">
+                  <a:solidFill>
+                    <a:srgbClr val="00B0F0"/>
+                  </a:solidFill>
+                </a:endParaRPr>
+              </a:p>
+            </p:txBody>
+          </p:sp>
+        </mc:Choice>
+        <mc:Fallback>
+          <p:sp>
+            <p:nvSpPr>
+              <p:cNvPr id="24" name="文本框 23">
+                <a:extLst>
+                  <a:ext uri="{FF2B5EF4-FFF2-40B4-BE49-F238E27FC236}">
+                    <a16:creationId xmlns:a16="http://schemas.microsoft.com/office/drawing/2014/main" id="{D07C2397-3581-96FF-40E0-21BD1468B990}"/>
+                  </a:ext>
+                </a:extLst>
+              </p:cNvPr>
+              <p:cNvSpPr txBox="1">
+                <a:spLocks noRot="1" noChangeAspect="1" noMove="1" noResize="1" noEditPoints="1" noAdjustHandles="1" noChangeArrowheads="1" noChangeShapeType="1" noTextEdit="1"/>
+              </p:cNvSpPr>
+              <p:nvPr/>
+            </p:nvSpPr>
+            <p:spPr>
+              <a:xfrm>
+                <a:off x="7008721" y="3521702"/>
+                <a:ext cx="192938" cy="276999"/>
+              </a:xfrm>
+              <a:prstGeom prst="rect">
+                <a:avLst/>
+              </a:prstGeom>
+              <a:blipFill>
+                <a:blip r:embed="rId3"/>
+                <a:stretch>
+                  <a:fillRect l="-20000" r="-13333"/>
+                </a:stretch>
+              </a:blipFill>
+            </p:spPr>
+            <p:txBody>
+              <a:bodyPr/>
+              <a:lstStyle/>
+              <a:p>
+                <a:r>
+                  <a:rPr lang="zh-CN" altLang="en-US">
+                    <a:noFill/>
+                  </a:rPr>
+                  <a:t> </a:t>
+                </a:r>
+              </a:p>
+            </p:txBody>
+          </p:sp>
+        </mc:Fallback>
+      </mc:AlternateContent>
+      <mc:AlternateContent xmlns:mc="http://schemas.openxmlformats.org/markup-compatibility/2006">
+        <mc:Choice xmlns:a14="http://schemas.microsoft.com/office/drawing/2010/main" Requires="a14">
+          <p:sp>
+            <p:nvSpPr>
+              <p:cNvPr id="25" name="文本框 24">
+                <a:extLst>
+                  <a:ext uri="{FF2B5EF4-FFF2-40B4-BE49-F238E27FC236}">
+                    <a16:creationId xmlns:a16="http://schemas.microsoft.com/office/drawing/2014/main" id="{5737D18E-3978-867C-2EC6-64CA5018BC02}"/>
+                  </a:ext>
+                </a:extLst>
+              </p:cNvPr>
+              <p:cNvSpPr txBox="1"/>
+              <p:nvPr/>
+            </p:nvSpPr>
+            <p:spPr>
+              <a:xfrm>
+                <a:off x="5903062" y="4787812"/>
+                <a:ext cx="196336" cy="276999"/>
+              </a:xfrm>
+              <a:prstGeom prst="rect">
+                <a:avLst/>
+              </a:prstGeom>
+              <a:noFill/>
+            </p:spPr>
+            <p:txBody>
+              <a:bodyPr wrap="none" lIns="0" tIns="0" rIns="0" bIns="0" rtlCol="0">
+                <a:spAutoFit/>
+              </a:bodyPr>
+              <a:lstStyle/>
+              <a:p>
+                <a14:m>
+                  <m:oMathPara xmlns:m="http://schemas.openxmlformats.org/officeDocument/2006/math">
+                    <m:oMathParaPr>
+                      <m:jc m:val="centerGroup"/>
+                    </m:oMathParaPr>
+                    <m:oMath xmlns:m="http://schemas.openxmlformats.org/officeDocument/2006/math">
+                      <m:r>
+                        <a:rPr kumimoji="1" lang="en-US" altLang="zh-CN" b="0" i="1" smtClean="0">
+                          <a:solidFill>
+                            <a:srgbClr val="00B0F0"/>
+                          </a:solidFill>
+                          <a:latin typeface="Cambria Math" panose="02040503050406030204" pitchFamily="18" charset="0"/>
+                        </a:rPr>
+                        <m:t>𝑦</m:t>
+                      </m:r>
+                    </m:oMath>
+                  </m:oMathPara>
+                </a14:m>
+                <a:endParaRPr kumimoji="1" lang="zh-CN" altLang="en-US" dirty="0">
+                  <a:solidFill>
+                    <a:srgbClr val="00B0F0"/>
+                  </a:solidFill>
+                </a:endParaRPr>
+              </a:p>
+            </p:txBody>
+          </p:sp>
+        </mc:Choice>
+        <mc:Fallback>
+          <p:sp>
+            <p:nvSpPr>
+              <p:cNvPr id="25" name="文本框 24">
+                <a:extLst>
+                  <a:ext uri="{FF2B5EF4-FFF2-40B4-BE49-F238E27FC236}">
+                    <a16:creationId xmlns:a16="http://schemas.microsoft.com/office/drawing/2014/main" id="{5737D18E-3978-867C-2EC6-64CA5018BC02}"/>
+                  </a:ext>
+                </a:extLst>
+              </p:cNvPr>
+              <p:cNvSpPr txBox="1">
+                <a:spLocks noRot="1" noChangeAspect="1" noMove="1" noResize="1" noEditPoints="1" noAdjustHandles="1" noChangeArrowheads="1" noChangeShapeType="1" noTextEdit="1"/>
+              </p:cNvSpPr>
+              <p:nvPr/>
+            </p:nvSpPr>
+            <p:spPr>
+              <a:xfrm>
+                <a:off x="5903062" y="4787812"/>
+                <a:ext cx="196336" cy="276999"/>
+              </a:xfrm>
+              <a:prstGeom prst="rect">
+                <a:avLst/>
+              </a:prstGeom>
+              <a:blipFill>
+                <a:blip r:embed="rId4"/>
+                <a:stretch>
+                  <a:fillRect l="-23529" r="-23529" b="-26087"/>
+                </a:stretch>
+              </a:blipFill>
+            </p:spPr>
+            <p:txBody>
+              <a:bodyPr/>
+              <a:lstStyle/>
+              <a:p>
+                <a:r>
+                  <a:rPr lang="zh-CN" altLang="en-US">
+                    <a:noFill/>
+                  </a:rPr>
+                  <a:t> </a:t>
+                </a:r>
+              </a:p>
+            </p:txBody>
+          </p:sp>
+        </mc:Fallback>
+      </mc:AlternateContent>
+      <p:cxnSp>
+        <p:nvCxnSpPr>
+          <p:cNvPr id="27" name="直线箭头连接符 26">
+            <a:extLst>
+              <a:ext uri="{FF2B5EF4-FFF2-40B4-BE49-F238E27FC236}">
+                <a16:creationId xmlns:a16="http://schemas.microsoft.com/office/drawing/2014/main" id="{81F38351-CEF6-9872-F197-49F3B61B68F0}"/>
+              </a:ext>
+            </a:extLst>
+          </p:cNvPr>
+          <p:cNvCxnSpPr>
+            <a:cxnSpLocks/>
+          </p:cNvCxnSpPr>
+          <p:nvPr/>
+        </p:nvCxnSpPr>
+        <p:spPr>
+          <a:xfrm flipV="1">
+            <a:off x="3054698" y="1473382"/>
+            <a:ext cx="2845026" cy="697062"/>
+          </a:xfrm>
+          <a:prstGeom prst="straightConnector1">
+            <a:avLst/>
+          </a:prstGeom>
+          <a:ln w="12700">
+            <a:solidFill>
+              <a:schemeClr val="bg1">
+                <a:lumMod val="50000"/>
+              </a:schemeClr>
+            </a:solidFill>
+            <a:tailEnd type="triangle"/>
+          </a:ln>
+        </p:spPr>
+        <p:style>
+          <a:lnRef idx="1">
+            <a:schemeClr val="accent1"/>
+          </a:lnRef>
+          <a:fillRef idx="0">
+            <a:schemeClr val="accent1"/>
+          </a:fillRef>
+          <a:effectRef idx="0">
+            <a:schemeClr val="accent1"/>
+          </a:effectRef>
+          <a:fontRef idx="minor">
+            <a:schemeClr val="tx1"/>
+          </a:fontRef>
+        </p:style>
+      </p:cxnSp>
+      <p:cxnSp>
+        <p:nvCxnSpPr>
+          <p:cNvPr id="31" name="直线箭头连接符 30">
+            <a:extLst>
+              <a:ext uri="{FF2B5EF4-FFF2-40B4-BE49-F238E27FC236}">
+                <a16:creationId xmlns:a16="http://schemas.microsoft.com/office/drawing/2014/main" id="{C730ACBA-8E5E-5520-259D-0D09DC1FBC74}"/>
+              </a:ext>
+            </a:extLst>
+          </p:cNvPr>
+          <p:cNvCxnSpPr>
+            <a:cxnSpLocks/>
+          </p:cNvCxnSpPr>
+          <p:nvPr/>
+        </p:nvCxnSpPr>
+        <p:spPr>
+          <a:xfrm flipH="1">
+            <a:off x="3055603" y="2162528"/>
+            <a:ext cx="9037" cy="2644038"/>
+          </a:xfrm>
+          <a:prstGeom prst="straightConnector1">
+            <a:avLst/>
+          </a:prstGeom>
+          <a:ln w="12700">
+            <a:solidFill>
+              <a:schemeClr val="bg1">
+                <a:lumMod val="50000"/>
+              </a:schemeClr>
+            </a:solidFill>
+            <a:tailEnd type="triangle"/>
+          </a:ln>
+        </p:spPr>
+        <p:style>
+          <a:lnRef idx="1">
+            <a:schemeClr val="accent1"/>
+          </a:lnRef>
+          <a:fillRef idx="0">
+            <a:schemeClr val="accent1"/>
+          </a:fillRef>
+          <a:effectRef idx="0">
+            <a:schemeClr val="accent1"/>
+          </a:effectRef>
+          <a:fontRef idx="minor">
+            <a:schemeClr val="tx1"/>
+          </a:fontRef>
+        </p:style>
+      </p:cxnSp>
+      <mc:AlternateContent xmlns:mc="http://schemas.openxmlformats.org/markup-compatibility/2006">
+        <mc:Choice xmlns:a14="http://schemas.microsoft.com/office/drawing/2010/main" Requires="a14">
+          <p:sp>
+            <p:nvSpPr>
+              <p:cNvPr id="33" name="文本框 32">
+                <a:extLst>
+                  <a:ext uri="{FF2B5EF4-FFF2-40B4-BE49-F238E27FC236}">
+                    <a16:creationId xmlns:a16="http://schemas.microsoft.com/office/drawing/2014/main" id="{F5BF625A-ADB2-36F8-D6FB-BFBA804E7C7A}"/>
+                  </a:ext>
+                </a:extLst>
+              </p:cNvPr>
+              <p:cNvSpPr txBox="1"/>
+              <p:nvPr/>
+            </p:nvSpPr>
+            <p:spPr>
+              <a:xfrm>
+                <a:off x="5796000" y="1472211"/>
+                <a:ext cx="201402" cy="276999"/>
+              </a:xfrm>
+              <a:prstGeom prst="rect">
+                <a:avLst/>
+              </a:prstGeom>
+              <a:noFill/>
+            </p:spPr>
+            <p:txBody>
+              <a:bodyPr wrap="none" lIns="0" tIns="0" rIns="0" bIns="0" rtlCol="0">
+                <a:spAutoFit/>
+              </a:bodyPr>
+              <a:lstStyle/>
+              <a:p>
+                <a14:m>
+                  <m:oMathPara xmlns:m="http://schemas.openxmlformats.org/officeDocument/2006/math">
+                    <m:oMathParaPr>
+                      <m:jc m:val="centerGroup"/>
+                    </m:oMathParaPr>
+                    <m:oMath xmlns:m="http://schemas.openxmlformats.org/officeDocument/2006/math">
+                      <m:r>
+                        <a:rPr kumimoji="1" lang="en-US" altLang="zh-CN" b="0" i="1" smtClean="0">
+                          <a:solidFill>
+                            <a:schemeClr val="bg1">
+                              <a:lumMod val="50000"/>
+                            </a:schemeClr>
+                          </a:solidFill>
+                          <a:latin typeface="Cambria Math" panose="02040503050406030204" pitchFamily="18" charset="0"/>
+                        </a:rPr>
+                        <m:t>𝑢</m:t>
+                      </m:r>
+                    </m:oMath>
+                  </m:oMathPara>
+                </a14:m>
+                <a:endParaRPr kumimoji="1" lang="zh-CN" altLang="en-US" dirty="0">
+                  <a:solidFill>
+                    <a:schemeClr val="bg1">
+                      <a:lumMod val="50000"/>
+                    </a:schemeClr>
+                  </a:solidFill>
+                </a:endParaRPr>
+              </a:p>
+            </p:txBody>
+          </p:sp>
+        </mc:Choice>
+        <mc:Fallback>
+          <p:sp>
+            <p:nvSpPr>
+              <p:cNvPr id="33" name="文本框 32">
+                <a:extLst>
+                  <a:ext uri="{FF2B5EF4-FFF2-40B4-BE49-F238E27FC236}">
+                    <a16:creationId xmlns:a16="http://schemas.microsoft.com/office/drawing/2014/main" id="{F5BF625A-ADB2-36F8-D6FB-BFBA804E7C7A}"/>
+                  </a:ext>
+                </a:extLst>
+              </p:cNvPr>
+              <p:cNvSpPr txBox="1">
+                <a:spLocks noRot="1" noChangeAspect="1" noMove="1" noResize="1" noEditPoints="1" noAdjustHandles="1" noChangeArrowheads="1" noChangeShapeType="1" noTextEdit="1"/>
+              </p:cNvSpPr>
+              <p:nvPr/>
+            </p:nvSpPr>
+            <p:spPr>
+              <a:xfrm>
+                <a:off x="5796000" y="1472211"/>
+                <a:ext cx="201402" cy="276999"/>
+              </a:xfrm>
+              <a:prstGeom prst="rect">
+                <a:avLst/>
+              </a:prstGeom>
+              <a:blipFill>
+                <a:blip r:embed="rId5"/>
+                <a:stretch>
+                  <a:fillRect l="-11765" r="-5882"/>
+                </a:stretch>
+              </a:blipFill>
+            </p:spPr>
+            <p:txBody>
+              <a:bodyPr/>
+              <a:lstStyle/>
+              <a:p>
+                <a:r>
+                  <a:rPr lang="zh-CN" altLang="en-US">
+                    <a:noFill/>
+                  </a:rPr>
+                  <a:t> </a:t>
+                </a:r>
+              </a:p>
+            </p:txBody>
+          </p:sp>
+        </mc:Fallback>
+      </mc:AlternateContent>
+      <mc:AlternateContent xmlns:mc="http://schemas.openxmlformats.org/markup-compatibility/2006">
+        <mc:Choice xmlns:a14="http://schemas.microsoft.com/office/drawing/2010/main" Requires="a14">
+          <p:sp>
+            <p:nvSpPr>
+              <p:cNvPr id="34" name="文本框 33">
+                <a:extLst>
+                  <a:ext uri="{FF2B5EF4-FFF2-40B4-BE49-F238E27FC236}">
+                    <a16:creationId xmlns:a16="http://schemas.microsoft.com/office/drawing/2014/main" id="{88F2A96D-16E6-ED81-28E4-1AFA6D7B3D80}"/>
+                  </a:ext>
+                </a:extLst>
+              </p:cNvPr>
+              <p:cNvSpPr txBox="1"/>
+              <p:nvPr/>
+            </p:nvSpPr>
+            <p:spPr>
+              <a:xfrm>
+                <a:off x="3082179" y="4519686"/>
+                <a:ext cx="194284" cy="276999"/>
+              </a:xfrm>
+              <a:prstGeom prst="rect">
+                <a:avLst/>
+              </a:prstGeom>
+              <a:noFill/>
+            </p:spPr>
+            <p:txBody>
+              <a:bodyPr wrap="none" lIns="0" tIns="0" rIns="0" bIns="0" rtlCol="0">
+                <a:spAutoFit/>
+              </a:bodyPr>
+              <a:lstStyle/>
+              <a:p>
+                <a14:m>
+                  <m:oMathPara xmlns:m="http://schemas.openxmlformats.org/officeDocument/2006/math">
+                    <m:oMathParaPr>
+                      <m:jc m:val="centerGroup"/>
+                    </m:oMathParaPr>
+                    <m:oMath xmlns:m="http://schemas.openxmlformats.org/officeDocument/2006/math">
+                      <m:r>
+                        <a:rPr kumimoji="1" lang="en-US" altLang="zh-CN" b="0" i="1" smtClean="0">
+                          <a:solidFill>
+                            <a:schemeClr val="bg1">
+                              <a:lumMod val="50000"/>
+                            </a:schemeClr>
+                          </a:solidFill>
+                          <a:latin typeface="Cambria Math" panose="02040503050406030204" pitchFamily="18" charset="0"/>
+                        </a:rPr>
+                        <m:t>𝑣</m:t>
+                      </m:r>
+                    </m:oMath>
+                  </m:oMathPara>
+                </a14:m>
+                <a:endParaRPr kumimoji="1" lang="zh-CN" altLang="en-US" dirty="0">
+                  <a:solidFill>
+                    <a:schemeClr val="bg1">
+                      <a:lumMod val="50000"/>
+                    </a:schemeClr>
+                  </a:solidFill>
+                </a:endParaRPr>
+              </a:p>
+            </p:txBody>
+          </p:sp>
+        </mc:Choice>
+        <mc:Fallback>
+          <p:sp>
+            <p:nvSpPr>
+              <p:cNvPr id="34" name="文本框 33">
+                <a:extLst>
+                  <a:ext uri="{FF2B5EF4-FFF2-40B4-BE49-F238E27FC236}">
+                    <a16:creationId xmlns:a16="http://schemas.microsoft.com/office/drawing/2014/main" id="{88F2A96D-16E6-ED81-28E4-1AFA6D7B3D80}"/>
+                  </a:ext>
+                </a:extLst>
+              </p:cNvPr>
+              <p:cNvSpPr txBox="1">
+                <a:spLocks noRot="1" noChangeAspect="1" noMove="1" noResize="1" noEditPoints="1" noAdjustHandles="1" noChangeArrowheads="1" noChangeShapeType="1" noTextEdit="1"/>
+              </p:cNvSpPr>
+              <p:nvPr/>
+            </p:nvSpPr>
+            <p:spPr>
+              <a:xfrm>
+                <a:off x="3082179" y="4519686"/>
+                <a:ext cx="194284" cy="276999"/>
+              </a:xfrm>
+              <a:prstGeom prst="rect">
+                <a:avLst/>
+              </a:prstGeom>
+              <a:blipFill>
+                <a:blip r:embed="rId6"/>
+                <a:stretch>
+                  <a:fillRect l="-12500" r="-12500"/>
+                </a:stretch>
+              </a:blipFill>
+            </p:spPr>
+            <p:txBody>
+              <a:bodyPr/>
+              <a:lstStyle/>
+              <a:p>
+                <a:r>
+                  <a:rPr lang="zh-CN" altLang="en-US">
+                    <a:noFill/>
+                  </a:rPr>
+                  <a:t> </a:t>
+                </a:r>
+              </a:p>
+            </p:txBody>
+          </p:sp>
+        </mc:Fallback>
+      </mc:AlternateContent>
+      <mc:AlternateContent xmlns:mc="http://schemas.openxmlformats.org/markup-compatibility/2006">
+        <mc:Choice xmlns:a14="http://schemas.microsoft.com/office/drawing/2010/main" Requires="a14">
+          <p:sp>
+            <p:nvSpPr>
+              <p:cNvPr id="35" name="文本框 34">
+                <a:extLst>
+                  <a:ext uri="{FF2B5EF4-FFF2-40B4-BE49-F238E27FC236}">
+                    <a16:creationId xmlns:a16="http://schemas.microsoft.com/office/drawing/2014/main" id="{0EB43008-D699-7BA7-AA30-889769A6EA58}"/>
+                  </a:ext>
+                </a:extLst>
+              </p:cNvPr>
+              <p:cNvSpPr txBox="1"/>
+              <p:nvPr/>
+            </p:nvSpPr>
+            <p:spPr>
+              <a:xfrm>
+                <a:off x="2805378" y="2106742"/>
+                <a:ext cx="191013" cy="276999"/>
+              </a:xfrm>
+              <a:prstGeom prst="rect">
+                <a:avLst/>
+              </a:prstGeom>
+              <a:noFill/>
+            </p:spPr>
+            <p:txBody>
+              <a:bodyPr wrap="none" lIns="0" tIns="0" rIns="0" bIns="0" rtlCol="0">
+                <a:spAutoFit/>
+              </a:bodyPr>
+              <a:lstStyle/>
+              <a:p>
+                <a14:m>
+                  <m:oMathPara xmlns:m="http://schemas.openxmlformats.org/officeDocument/2006/math">
+                    <m:oMathParaPr>
+                      <m:jc m:val="centerGroup"/>
+                    </m:oMathParaPr>
+                    <m:oMath xmlns:m="http://schemas.openxmlformats.org/officeDocument/2006/math">
+                      <m:r>
+                        <a:rPr kumimoji="1" lang="en-US" altLang="zh-CN" b="0" i="1" smtClean="0">
+                          <a:solidFill>
+                            <a:schemeClr val="bg1">
+                              <a:lumMod val="50000"/>
+                            </a:schemeClr>
+                          </a:solidFill>
+                          <a:latin typeface="Cambria Math" panose="02040503050406030204" pitchFamily="18" charset="0"/>
+                        </a:rPr>
+                        <m:t>𝑜</m:t>
+                      </m:r>
+                    </m:oMath>
+                  </m:oMathPara>
+                </a14:m>
+                <a:endParaRPr kumimoji="1" lang="zh-CN" altLang="en-US" dirty="0">
+                  <a:solidFill>
+                    <a:schemeClr val="bg1">
+                      <a:lumMod val="50000"/>
+                    </a:schemeClr>
+                  </a:solidFill>
+                </a:endParaRPr>
+              </a:p>
+            </p:txBody>
+          </p:sp>
+        </mc:Choice>
+        <mc:Fallback>
+          <p:sp>
+            <p:nvSpPr>
+              <p:cNvPr id="35" name="文本框 34">
+                <a:extLst>
+                  <a:ext uri="{FF2B5EF4-FFF2-40B4-BE49-F238E27FC236}">
+                    <a16:creationId xmlns:a16="http://schemas.microsoft.com/office/drawing/2014/main" id="{0EB43008-D699-7BA7-AA30-889769A6EA58}"/>
+                  </a:ext>
+                </a:extLst>
+              </p:cNvPr>
+              <p:cNvSpPr txBox="1">
+                <a:spLocks noRot="1" noChangeAspect="1" noMove="1" noResize="1" noEditPoints="1" noAdjustHandles="1" noChangeArrowheads="1" noChangeShapeType="1" noTextEdit="1"/>
+              </p:cNvSpPr>
+              <p:nvPr/>
+            </p:nvSpPr>
+            <p:spPr>
+              <a:xfrm>
+                <a:off x="2805378" y="2106742"/>
+                <a:ext cx="191013" cy="276999"/>
+              </a:xfrm>
+              <a:prstGeom prst="rect">
+                <a:avLst/>
+              </a:prstGeom>
+              <a:blipFill>
+                <a:blip r:embed="rId7"/>
+                <a:stretch>
+                  <a:fillRect l="-11765" r="-5882"/>
+                </a:stretch>
+              </a:blipFill>
+            </p:spPr>
+            <p:txBody>
+              <a:bodyPr/>
+              <a:lstStyle/>
+              <a:p>
+                <a:r>
+                  <a:rPr lang="zh-CN" altLang="en-US">
+                    <a:noFill/>
+                  </a:rPr>
+                  <a:t> </a:t>
+                </a:r>
+              </a:p>
+            </p:txBody>
+          </p:sp>
+        </mc:Fallback>
+      </mc:AlternateContent>
+      <p:sp>
+        <p:nvSpPr>
+          <p:cNvPr id="37" name="椭圆 36">
+            <a:extLst>
+              <a:ext uri="{FF2B5EF4-FFF2-40B4-BE49-F238E27FC236}">
+                <a16:creationId xmlns:a16="http://schemas.microsoft.com/office/drawing/2014/main" id="{C79AA4E3-E3C8-66E3-9356-65E4AC1C79EF}"/>
+              </a:ext>
+            </a:extLst>
+          </p:cNvPr>
+          <p:cNvSpPr/>
+          <p:nvPr/>
+        </p:nvSpPr>
+        <p:spPr>
+          <a:xfrm>
+            <a:off x="6132538" y="3582601"/>
+            <a:ext cx="155199" cy="155199"/>
+          </a:xfrm>
+          <a:prstGeom prst="ellipse">
+            <a:avLst/>
+          </a:prstGeom>
+          <a:ln>
+            <a:noFill/>
+          </a:ln>
+        </p:spPr>
+        <p:style>
+          <a:lnRef idx="2">
+            <a:schemeClr val="accent1">
+              <a:shade val="50000"/>
+            </a:schemeClr>
+          </a:lnRef>
+          <a:fillRef idx="1">
+            <a:schemeClr val="accent1"/>
+          </a:fillRef>
+          <a:effectRef idx="0">
+            <a:schemeClr val="accent1"/>
+          </a:effectRef>
+          <a:fontRef idx="minor">
+            <a:schemeClr val="lt1"/>
+          </a:fontRef>
+        </p:style>
+        <p:txBody>
+          <a:bodyPr rtlCol="0" anchor="ctr"/>
+          <a:lstStyle/>
+          <a:p>
+            <a:pPr algn="ctr"/>
+            <a:endParaRPr kumimoji="1" lang="zh-CN" altLang="en-US"/>
+          </a:p>
+        </p:txBody>
+      </p:sp>
+      <p:cxnSp>
+        <p:nvCxnSpPr>
+          <p:cNvPr id="38" name="直线箭头连接符 37">
+            <a:extLst>
+              <a:ext uri="{FF2B5EF4-FFF2-40B4-BE49-F238E27FC236}">
+                <a16:creationId xmlns:a16="http://schemas.microsoft.com/office/drawing/2014/main" id="{F554F403-E272-018C-6E78-C219A8A17A1E}"/>
+              </a:ext>
+            </a:extLst>
+          </p:cNvPr>
+          <p:cNvCxnSpPr>
+            <a:cxnSpLocks/>
+          </p:cNvCxnSpPr>
+          <p:nvPr/>
+        </p:nvCxnSpPr>
+        <p:spPr>
+          <a:xfrm flipV="1">
+            <a:off x="2855913" y="2503873"/>
+            <a:ext cx="3160441" cy="808364"/>
+          </a:xfrm>
+          <a:prstGeom prst="straightConnector1">
+            <a:avLst/>
+          </a:prstGeom>
+          <a:ln w="12700">
+            <a:solidFill>
+              <a:srgbClr val="00B0F0"/>
+            </a:solidFill>
+            <a:prstDash val="lgDash"/>
+            <a:tailEnd type="triangle"/>
+          </a:ln>
+        </p:spPr>
+        <p:style>
+          <a:lnRef idx="1">
+            <a:schemeClr val="accent1"/>
+          </a:lnRef>
+          <a:fillRef idx="0">
+            <a:schemeClr val="accent1"/>
+          </a:fillRef>
+          <a:effectRef idx="0">
+            <a:schemeClr val="accent1"/>
+          </a:effectRef>
+          <a:fontRef idx="minor">
+            <a:schemeClr val="tx1"/>
+          </a:fontRef>
+        </p:style>
+      </p:cxnSp>
+      <mc:AlternateContent xmlns:mc="http://schemas.openxmlformats.org/markup-compatibility/2006">
+        <mc:Choice xmlns:a14="http://schemas.microsoft.com/office/drawing/2010/main" Requires="a14">
+          <p:sp>
+            <p:nvSpPr>
+              <p:cNvPr id="42" name="文本框 41">
+                <a:extLst>
+                  <a:ext uri="{FF2B5EF4-FFF2-40B4-BE49-F238E27FC236}">
+                    <a16:creationId xmlns:a16="http://schemas.microsoft.com/office/drawing/2014/main" id="{DFF5466C-EB20-F795-ED9D-218BE73D29E2}"/>
+                  </a:ext>
+                </a:extLst>
+              </p:cNvPr>
+              <p:cNvSpPr txBox="1"/>
+              <p:nvPr/>
+            </p:nvSpPr>
+            <p:spPr>
+              <a:xfrm>
+                <a:off x="6240799" y="3328063"/>
+                <a:ext cx="404341" cy="325025"/>
+              </a:xfrm>
+              <a:prstGeom prst="rect">
+                <a:avLst/>
+              </a:prstGeom>
+              <a:noFill/>
+            </p:spPr>
+            <p:txBody>
+              <a:bodyPr wrap="none" rtlCol="0">
+                <a:spAutoFit/>
+              </a:bodyPr>
+              <a:lstStyle/>
+              <a:p>
+                <a:pPr/>
+                <a14:m>
+                  <m:oMathPara xmlns:m="http://schemas.openxmlformats.org/officeDocument/2006/math">
+                    <m:oMathParaPr>
+                      <m:jc m:val="centerGroup"/>
+                    </m:oMathParaPr>
+                    <m:oMath xmlns:m="http://schemas.openxmlformats.org/officeDocument/2006/math">
+                      <m:sSub>
+                        <m:sSubPr>
+                          <m:ctrlPr>
+                            <a:rPr kumimoji="1" lang="en-US" altLang="zh-CN" sz="1400" b="0" i="1" smtClean="0">
+                              <a:solidFill>
+                                <a:schemeClr val="bg1"/>
+                              </a:solidFill>
+                              <a:latin typeface="Cambria Math" panose="02040503050406030204" pitchFamily="18" charset="0"/>
+                            </a:rPr>
+                          </m:ctrlPr>
+                        </m:sSubPr>
+                        <m:e>
+                          <m:r>
+                            <a:rPr kumimoji="1" lang="en-US" altLang="zh-CN" sz="1400" b="0" i="1" smtClean="0">
+                              <a:solidFill>
+                                <a:schemeClr val="bg1"/>
+                              </a:solidFill>
+                              <a:latin typeface="Cambria Math" panose="02040503050406030204" pitchFamily="18" charset="0"/>
+                            </a:rPr>
+                            <m:t>𝑃</m:t>
+                          </m:r>
+                        </m:e>
+                        <m:sub>
+                          <m:r>
+                            <a:rPr kumimoji="1" lang="en-US" altLang="zh-CN" sz="1400" b="0" i="1" smtClean="0">
+                              <a:solidFill>
+                                <a:schemeClr val="bg1"/>
+                              </a:solidFill>
+                              <a:latin typeface="Cambria Math" panose="02040503050406030204" pitchFamily="18" charset="0"/>
+                            </a:rPr>
+                            <m:t>𝑓</m:t>
+                          </m:r>
+                        </m:sub>
+                      </m:sSub>
+                    </m:oMath>
+                  </m:oMathPara>
+                </a14:m>
+                <a:endParaRPr kumimoji="1" lang="zh-CN" altLang="en-US" sz="1400" dirty="0">
+                  <a:solidFill>
+                    <a:schemeClr val="bg1"/>
+                  </a:solidFill>
+                </a:endParaRPr>
+              </a:p>
+            </p:txBody>
+          </p:sp>
+        </mc:Choice>
+        <mc:Fallback>
+          <p:sp>
+            <p:nvSpPr>
+              <p:cNvPr id="42" name="文本框 41">
+                <a:extLst>
+                  <a:ext uri="{FF2B5EF4-FFF2-40B4-BE49-F238E27FC236}">
+                    <a16:creationId xmlns:a16="http://schemas.microsoft.com/office/drawing/2014/main" id="{DFF5466C-EB20-F795-ED9D-218BE73D29E2}"/>
+                  </a:ext>
+                </a:extLst>
+              </p:cNvPr>
+              <p:cNvSpPr txBox="1">
+                <a:spLocks noRot="1" noChangeAspect="1" noMove="1" noResize="1" noEditPoints="1" noAdjustHandles="1" noChangeArrowheads="1" noChangeShapeType="1" noTextEdit="1"/>
+              </p:cNvSpPr>
+              <p:nvPr/>
+            </p:nvSpPr>
+            <p:spPr>
+              <a:xfrm>
+                <a:off x="6240799" y="3328063"/>
+                <a:ext cx="404341" cy="325025"/>
+              </a:xfrm>
+              <a:prstGeom prst="rect">
+                <a:avLst/>
+              </a:prstGeom>
+              <a:blipFill>
+                <a:blip r:embed="rId8"/>
+                <a:stretch>
+                  <a:fillRect b="-3846"/>
+                </a:stretch>
+              </a:blipFill>
+            </p:spPr>
+            <p:txBody>
+              <a:bodyPr/>
+              <a:lstStyle/>
+              <a:p>
+                <a:r>
+                  <a:rPr lang="zh-CN" altLang="en-US">
+                    <a:noFill/>
+                  </a:rPr>
+                  <a:t> </a:t>
+                </a:r>
+              </a:p>
+            </p:txBody>
+          </p:sp>
+        </mc:Fallback>
+      </mc:AlternateContent>
+      <mc:AlternateContent xmlns:mc="http://schemas.openxmlformats.org/markup-compatibility/2006">
+        <mc:Choice xmlns:a14="http://schemas.microsoft.com/office/drawing/2010/main" Requires="a14">
+          <p:sp>
+            <p:nvSpPr>
+              <p:cNvPr id="44" name="文本框 43">
+                <a:extLst>
+                  <a:ext uri="{FF2B5EF4-FFF2-40B4-BE49-F238E27FC236}">
+                    <a16:creationId xmlns:a16="http://schemas.microsoft.com/office/drawing/2014/main" id="{31D02AD0-2343-0E80-AF1C-4F1F8EDEF784}"/>
+                  </a:ext>
+                </a:extLst>
+              </p:cNvPr>
+              <p:cNvSpPr txBox="1"/>
+              <p:nvPr/>
+            </p:nvSpPr>
+            <p:spPr>
+              <a:xfrm>
+                <a:off x="4850398" y="1959123"/>
+                <a:ext cx="193578" cy="276999"/>
+              </a:xfrm>
+              <a:prstGeom prst="rect">
+                <a:avLst/>
+              </a:prstGeom>
+              <a:noFill/>
+            </p:spPr>
+            <p:txBody>
+              <a:bodyPr wrap="none" lIns="0" tIns="0" rIns="0" bIns="0" rtlCol="0">
+                <a:spAutoFit/>
+              </a:bodyPr>
+              <a:lstStyle/>
+              <a:p>
+                <a14:m>
+                  <m:oMathPara xmlns:m="http://schemas.openxmlformats.org/officeDocument/2006/math">
+                    <m:oMathParaPr>
+                      <m:jc m:val="centerGroup"/>
+                    </m:oMathParaPr>
+                    <m:oMath xmlns:m="http://schemas.openxmlformats.org/officeDocument/2006/math">
+                      <m:r>
+                        <a:rPr kumimoji="1" lang="en-US" altLang="zh-CN" b="0" i="1" smtClean="0">
+                          <a:solidFill>
+                            <a:schemeClr val="bg1">
+                              <a:lumMod val="50000"/>
+                            </a:schemeClr>
+                          </a:solidFill>
+                          <a:latin typeface="Cambria Math" panose="02040503050406030204" pitchFamily="18" charset="0"/>
+                        </a:rPr>
+                        <m:t>𝑝</m:t>
+                      </m:r>
+                    </m:oMath>
+                  </m:oMathPara>
+                </a14:m>
+                <a:endParaRPr kumimoji="1" lang="zh-CN" altLang="en-US" dirty="0">
+                  <a:solidFill>
+                    <a:schemeClr val="bg1">
+                      <a:lumMod val="50000"/>
+                    </a:schemeClr>
+                  </a:solidFill>
+                </a:endParaRPr>
+              </a:p>
+            </p:txBody>
+          </p:sp>
+        </mc:Choice>
+        <mc:Fallback>
+          <p:sp>
+            <p:nvSpPr>
+              <p:cNvPr id="44" name="文本框 43">
+                <a:extLst>
+                  <a:ext uri="{FF2B5EF4-FFF2-40B4-BE49-F238E27FC236}">
+                    <a16:creationId xmlns:a16="http://schemas.microsoft.com/office/drawing/2014/main" id="{31D02AD0-2343-0E80-AF1C-4F1F8EDEF784}"/>
+                  </a:ext>
+                </a:extLst>
+              </p:cNvPr>
+              <p:cNvSpPr txBox="1">
+                <a:spLocks noRot="1" noChangeAspect="1" noMove="1" noResize="1" noEditPoints="1" noAdjustHandles="1" noChangeArrowheads="1" noChangeShapeType="1" noTextEdit="1"/>
+              </p:cNvSpPr>
+              <p:nvPr/>
+            </p:nvSpPr>
+            <p:spPr>
+              <a:xfrm>
+                <a:off x="4850398" y="1959123"/>
+                <a:ext cx="193578" cy="276999"/>
+              </a:xfrm>
+              <a:prstGeom prst="rect">
+                <a:avLst/>
+              </a:prstGeom>
+              <a:blipFill>
+                <a:blip r:embed="rId9"/>
+                <a:stretch>
+                  <a:fillRect l="-33333" r="-33333" b="-21739"/>
+                </a:stretch>
+              </a:blipFill>
+            </p:spPr>
+            <p:txBody>
+              <a:bodyPr/>
+              <a:lstStyle/>
+              <a:p>
+                <a:r>
+                  <a:rPr lang="zh-CN" altLang="en-US">
+                    <a:noFill/>
+                  </a:rPr>
+                  <a:t> </a:t>
+                </a:r>
+              </a:p>
+            </p:txBody>
+          </p:sp>
+        </mc:Fallback>
+      </mc:AlternateContent>
+      <p:cxnSp>
+        <p:nvCxnSpPr>
+          <p:cNvPr id="45" name="直线箭头连接符 44">
+            <a:extLst>
+              <a:ext uri="{FF2B5EF4-FFF2-40B4-BE49-F238E27FC236}">
+                <a16:creationId xmlns:a16="http://schemas.microsoft.com/office/drawing/2014/main" id="{1B281987-5D20-46A1-F558-21D0259C5082}"/>
+              </a:ext>
+            </a:extLst>
+          </p:cNvPr>
+          <p:cNvCxnSpPr>
+            <a:cxnSpLocks/>
+          </p:cNvCxnSpPr>
+          <p:nvPr/>
+        </p:nvCxnSpPr>
+        <p:spPr>
+          <a:xfrm>
+            <a:off x="4292292" y="1632850"/>
+            <a:ext cx="0" cy="2437458"/>
+          </a:xfrm>
+          <a:prstGeom prst="straightConnector1">
+            <a:avLst/>
+          </a:prstGeom>
+          <a:ln w="12700">
+            <a:solidFill>
+              <a:srgbClr val="00B0F0"/>
+            </a:solidFill>
+            <a:prstDash val="lgDash"/>
+            <a:tailEnd type="triangle"/>
+          </a:ln>
+        </p:spPr>
+        <p:style>
+          <a:lnRef idx="1">
+            <a:schemeClr val="accent1"/>
+          </a:lnRef>
+          <a:fillRef idx="0">
+            <a:schemeClr val="accent1"/>
+          </a:fillRef>
+          <a:effectRef idx="0">
+            <a:schemeClr val="accent1"/>
+          </a:effectRef>
+          <a:fontRef idx="minor">
+            <a:schemeClr val="tx1"/>
+          </a:fontRef>
+        </p:style>
+      </p:cxnSp>
+      <mc:AlternateContent xmlns:mc="http://schemas.openxmlformats.org/markup-compatibility/2006">
+        <mc:Choice xmlns:a14="http://schemas.microsoft.com/office/drawing/2010/main" Requires="a14">
+          <p:sp>
+            <p:nvSpPr>
+              <p:cNvPr id="36" name="文本框 35">
+                <a:extLst>
+                  <a:ext uri="{FF2B5EF4-FFF2-40B4-BE49-F238E27FC236}">
+                    <a16:creationId xmlns:a16="http://schemas.microsoft.com/office/drawing/2014/main" id="{D332584C-AC9C-9809-85DB-B1B4EC184902}"/>
+                  </a:ext>
+                </a:extLst>
+              </p:cNvPr>
+              <p:cNvSpPr txBox="1"/>
+              <p:nvPr/>
+            </p:nvSpPr>
+            <p:spPr>
+              <a:xfrm rot="20705676">
+                <a:off x="3483037" y="2964417"/>
+                <a:ext cx="1190711" cy="298928"/>
+              </a:xfrm>
+              <a:prstGeom prst="rect">
+                <a:avLst/>
+              </a:prstGeom>
+              <a:noFill/>
+            </p:spPr>
+            <p:txBody>
+              <a:bodyPr wrap="none" lIns="0" tIns="0" rIns="0" bIns="0" rtlCol="0">
+                <a:spAutoFit/>
+              </a:bodyPr>
+              <a:lstStyle/>
+              <a:p>
+                <a14:m>
+                  <m:oMathPara xmlns:m="http://schemas.openxmlformats.org/officeDocument/2006/math">
+                    <m:oMathParaPr>
+                      <m:jc m:val="centerGroup"/>
+                    </m:oMathParaPr>
+                    <m:oMath xmlns:m="http://schemas.openxmlformats.org/officeDocument/2006/math">
+                      <m:r>
+                        <a:rPr kumimoji="1" lang="en-US" altLang="zh-CN" b="0" i="1" smtClean="0">
+                          <a:solidFill>
+                            <a:schemeClr val="bg1">
+                              <a:lumMod val="50000"/>
+                            </a:schemeClr>
+                          </a:solidFill>
+                          <a:latin typeface="Cambria Math" panose="02040503050406030204" pitchFamily="18" charset="0"/>
+                        </a:rPr>
+                        <m:t>𝑐</m:t>
+                      </m:r>
+                      <m:r>
+                        <a:rPr kumimoji="1" lang="en-US" altLang="zh-CN" b="0" i="1" smtClean="0">
+                          <a:solidFill>
+                            <a:schemeClr val="bg1">
+                              <a:lumMod val="50000"/>
+                            </a:schemeClr>
+                          </a:solidFill>
+                          <a:latin typeface="Cambria Math" panose="02040503050406030204" pitchFamily="18" charset="0"/>
+                        </a:rPr>
+                        <m:t>=(</m:t>
+                      </m:r>
+                      <m:sSub>
+                        <m:sSubPr>
+                          <m:ctrlPr>
+                            <a:rPr kumimoji="1" lang="en-US" altLang="zh-CN" b="0" i="1" smtClean="0">
+                              <a:solidFill>
+                                <a:schemeClr val="bg1">
+                                  <a:lumMod val="50000"/>
+                                </a:schemeClr>
+                              </a:solidFill>
+                              <a:latin typeface="Cambria Math" panose="02040503050406030204" pitchFamily="18" charset="0"/>
+                            </a:rPr>
+                          </m:ctrlPr>
+                        </m:sSubPr>
+                        <m:e>
+                          <m:r>
+                            <a:rPr kumimoji="1" lang="en-US" altLang="zh-CN" b="0" i="1" smtClean="0">
+                              <a:solidFill>
+                                <a:schemeClr val="bg1">
+                                  <a:lumMod val="50000"/>
+                                </a:schemeClr>
+                              </a:solidFill>
+                              <a:latin typeface="Cambria Math" panose="02040503050406030204" pitchFamily="18" charset="0"/>
+                            </a:rPr>
+                            <m:t>𝑐</m:t>
+                          </m:r>
+                        </m:e>
+                        <m:sub>
+                          <m:r>
+                            <a:rPr kumimoji="1" lang="en-US" altLang="zh-CN" b="0" i="1" smtClean="0">
+                              <a:solidFill>
+                                <a:schemeClr val="bg1">
+                                  <a:lumMod val="50000"/>
+                                </a:schemeClr>
+                              </a:solidFill>
+                              <a:latin typeface="Cambria Math" panose="02040503050406030204" pitchFamily="18" charset="0"/>
+                            </a:rPr>
+                            <m:t>𝑥</m:t>
+                          </m:r>
+                        </m:sub>
+                      </m:sSub>
+                      <m:r>
+                        <a:rPr kumimoji="1" lang="en-US" altLang="zh-CN" b="0" i="1" smtClean="0">
+                          <a:solidFill>
+                            <a:schemeClr val="bg1">
+                              <a:lumMod val="50000"/>
+                            </a:schemeClr>
+                          </a:solidFill>
+                          <a:latin typeface="Cambria Math" panose="02040503050406030204" pitchFamily="18" charset="0"/>
+                        </a:rPr>
+                        <m:t>, </m:t>
+                      </m:r>
+                      <m:sSub>
+                        <m:sSubPr>
+                          <m:ctrlPr>
+                            <a:rPr kumimoji="1" lang="en-US" altLang="zh-CN" b="0" i="1" smtClean="0">
+                              <a:solidFill>
+                                <a:schemeClr val="bg1">
+                                  <a:lumMod val="50000"/>
+                                </a:schemeClr>
+                              </a:solidFill>
+                              <a:latin typeface="Cambria Math" panose="02040503050406030204" pitchFamily="18" charset="0"/>
+                            </a:rPr>
+                          </m:ctrlPr>
+                        </m:sSubPr>
+                        <m:e>
+                          <m:r>
+                            <a:rPr kumimoji="1" lang="en-US" altLang="zh-CN" b="0" i="1" smtClean="0">
+                              <a:solidFill>
+                                <a:schemeClr val="bg1">
+                                  <a:lumMod val="50000"/>
+                                </a:schemeClr>
+                              </a:solidFill>
+                              <a:latin typeface="Cambria Math" panose="02040503050406030204" pitchFamily="18" charset="0"/>
+                            </a:rPr>
+                            <m:t>𝑐</m:t>
+                          </m:r>
+                        </m:e>
+                        <m:sub>
+                          <m:r>
+                            <a:rPr kumimoji="1" lang="en-US" altLang="zh-CN" b="0" i="1" smtClean="0">
+                              <a:solidFill>
+                                <a:schemeClr val="bg1">
+                                  <a:lumMod val="50000"/>
+                                </a:schemeClr>
+                              </a:solidFill>
+                              <a:latin typeface="Cambria Math" panose="02040503050406030204" pitchFamily="18" charset="0"/>
+                            </a:rPr>
+                            <m:t>𝑦</m:t>
+                          </m:r>
+                        </m:sub>
+                      </m:sSub>
+                      <m:r>
+                        <a:rPr kumimoji="1" lang="en-US" altLang="zh-CN" b="0" i="1" smtClean="0">
+                          <a:solidFill>
+                            <a:schemeClr val="bg1">
+                              <a:lumMod val="50000"/>
+                            </a:schemeClr>
+                          </a:solidFill>
+                          <a:latin typeface="Cambria Math" panose="02040503050406030204" pitchFamily="18" charset="0"/>
+                        </a:rPr>
+                        <m:t>)</m:t>
+                      </m:r>
+                    </m:oMath>
+                  </m:oMathPara>
+                </a14:m>
+                <a:endParaRPr kumimoji="1" lang="zh-CN" altLang="en-US" dirty="0">
+                  <a:solidFill>
+                    <a:schemeClr val="bg1">
+                      <a:lumMod val="50000"/>
+                    </a:schemeClr>
+                  </a:solidFill>
+                </a:endParaRPr>
+              </a:p>
+            </p:txBody>
+          </p:sp>
+        </mc:Choice>
+        <mc:Fallback>
+          <p:sp>
+            <p:nvSpPr>
+              <p:cNvPr id="36" name="文本框 35">
+                <a:extLst>
+                  <a:ext uri="{FF2B5EF4-FFF2-40B4-BE49-F238E27FC236}">
+                    <a16:creationId xmlns:a16="http://schemas.microsoft.com/office/drawing/2014/main" id="{D332584C-AC9C-9809-85DB-B1B4EC184902}"/>
+                  </a:ext>
+                </a:extLst>
+              </p:cNvPr>
+              <p:cNvSpPr txBox="1">
+                <a:spLocks noRot="1" noChangeAspect="1" noMove="1" noResize="1" noEditPoints="1" noAdjustHandles="1" noChangeArrowheads="1" noChangeShapeType="1" noTextEdit="1"/>
+              </p:cNvSpPr>
+              <p:nvPr/>
+            </p:nvSpPr>
+            <p:spPr>
+              <a:xfrm rot="20705676">
+                <a:off x="3483037" y="2964417"/>
+                <a:ext cx="1190711" cy="298928"/>
+              </a:xfrm>
+              <a:prstGeom prst="rect">
+                <a:avLst/>
+              </a:prstGeom>
+              <a:blipFill>
+                <a:blip r:embed="rId10"/>
+                <a:stretch>
+                  <a:fillRect t="-4167" r="-7143"/>
+                </a:stretch>
+              </a:blipFill>
+            </p:spPr>
+            <p:txBody>
+              <a:bodyPr/>
+              <a:lstStyle/>
+              <a:p>
+                <a:r>
+                  <a:rPr lang="zh-CN" altLang="en-US">
+                    <a:noFill/>
+                  </a:rPr>
+                  <a:t> </a:t>
+                </a:r>
+              </a:p>
+            </p:txBody>
+          </p:sp>
+        </mc:Fallback>
+      </mc:AlternateContent>
+      <p:cxnSp>
+        <p:nvCxnSpPr>
+          <p:cNvPr id="48" name="直线连接符 47">
+            <a:extLst>
+              <a:ext uri="{FF2B5EF4-FFF2-40B4-BE49-F238E27FC236}">
+                <a16:creationId xmlns:a16="http://schemas.microsoft.com/office/drawing/2014/main" id="{6D73CDF9-F060-BF5C-3407-57A2368C89F7}"/>
+              </a:ext>
+            </a:extLst>
+          </p:cNvPr>
+          <p:cNvCxnSpPr>
+            <a:cxnSpLocks/>
+          </p:cNvCxnSpPr>
+          <p:nvPr/>
+        </p:nvCxnSpPr>
+        <p:spPr>
+          <a:xfrm>
+            <a:off x="5456305" y="1619583"/>
+            <a:ext cx="1140417" cy="1515865"/>
+          </a:xfrm>
+          <a:prstGeom prst="line">
+            <a:avLst/>
+          </a:prstGeom>
+          <a:ln w="12700">
+            <a:solidFill>
+              <a:srgbClr val="C00000"/>
+            </a:solidFill>
+            <a:prstDash val="lgDash"/>
+          </a:ln>
+        </p:spPr>
+        <p:style>
+          <a:lnRef idx="1">
+            <a:schemeClr val="accent1"/>
+          </a:lnRef>
+          <a:fillRef idx="0">
+            <a:schemeClr val="accent1"/>
+          </a:fillRef>
+          <a:effectRef idx="0">
+            <a:schemeClr val="accent1"/>
+          </a:effectRef>
+          <a:fontRef idx="minor">
+            <a:schemeClr val="tx1"/>
+          </a:fontRef>
+        </p:style>
+      </p:cxnSp>
+      <p:cxnSp>
+        <p:nvCxnSpPr>
+          <p:cNvPr id="55" name="直线箭头连接符 54">
+            <a:extLst>
+              <a:ext uri="{FF2B5EF4-FFF2-40B4-BE49-F238E27FC236}">
+                <a16:creationId xmlns:a16="http://schemas.microsoft.com/office/drawing/2014/main" id="{A9C76F10-2BAD-2AE8-1308-BC9976537725}"/>
+              </a:ext>
+            </a:extLst>
+          </p:cNvPr>
+          <p:cNvCxnSpPr>
+            <a:cxnSpLocks/>
+          </p:cNvCxnSpPr>
+          <p:nvPr/>
+        </p:nvCxnSpPr>
+        <p:spPr>
+          <a:xfrm flipV="1">
+            <a:off x="4325252" y="2214076"/>
+            <a:ext cx="781827" cy="199972"/>
+          </a:xfrm>
+          <a:prstGeom prst="straightConnector1">
+            <a:avLst/>
+          </a:prstGeom>
+          <a:ln w="19050">
+            <a:solidFill>
+              <a:schemeClr val="bg1">
+                <a:lumMod val="50000"/>
+              </a:schemeClr>
+            </a:solidFill>
+            <a:prstDash val="lgDash"/>
+            <a:headEnd type="none" w="med" len="med"/>
+            <a:tailEnd type="none" w="med" len="med"/>
+          </a:ln>
+        </p:spPr>
+        <p:style>
+          <a:lnRef idx="1">
+            <a:schemeClr val="accent1"/>
+          </a:lnRef>
+          <a:fillRef idx="0">
+            <a:schemeClr val="accent1"/>
+          </a:fillRef>
+          <a:effectRef idx="0">
+            <a:schemeClr val="accent1"/>
+          </a:effectRef>
+          <a:fontRef idx="minor">
+            <a:schemeClr val="tx1"/>
+          </a:fontRef>
+        </p:style>
+      </p:cxnSp>
+      <p:cxnSp>
+        <p:nvCxnSpPr>
+          <p:cNvPr id="61" name="直线箭头连接符 60">
+            <a:extLst>
+              <a:ext uri="{FF2B5EF4-FFF2-40B4-BE49-F238E27FC236}">
+                <a16:creationId xmlns:a16="http://schemas.microsoft.com/office/drawing/2014/main" id="{E20FC6B9-D1B3-50DD-4728-F4498837A32C}"/>
+              </a:ext>
+            </a:extLst>
+          </p:cNvPr>
+          <p:cNvCxnSpPr>
+            <a:cxnSpLocks/>
+          </p:cNvCxnSpPr>
+          <p:nvPr/>
+        </p:nvCxnSpPr>
+        <p:spPr>
+          <a:xfrm flipV="1">
+            <a:off x="5117127" y="2246170"/>
+            <a:ext cx="0" cy="486982"/>
+          </a:xfrm>
+          <a:prstGeom prst="straightConnector1">
+            <a:avLst/>
+          </a:prstGeom>
+          <a:ln w="19050">
+            <a:solidFill>
+              <a:schemeClr val="bg1">
+                <a:lumMod val="50000"/>
+              </a:schemeClr>
+            </a:solidFill>
+            <a:prstDash val="lgDash"/>
+            <a:headEnd type="none" w="med" len="med"/>
+            <a:tailEnd type="none" w="med" len="med"/>
+          </a:ln>
+        </p:spPr>
+        <p:style>
+          <a:lnRef idx="1">
+            <a:schemeClr val="accent1"/>
+          </a:lnRef>
+          <a:fillRef idx="0">
+            <a:schemeClr val="accent1"/>
+          </a:fillRef>
+          <a:effectRef idx="0">
+            <a:schemeClr val="accent1"/>
+          </a:effectRef>
+          <a:fontRef idx="minor">
+            <a:schemeClr val="tx1"/>
+          </a:fontRef>
+        </p:style>
+      </p:cxnSp>
+      <p:cxnSp>
+        <p:nvCxnSpPr>
+          <p:cNvPr id="64" name="直线箭头连接符 63">
+            <a:extLst>
+              <a:ext uri="{FF2B5EF4-FFF2-40B4-BE49-F238E27FC236}">
+                <a16:creationId xmlns:a16="http://schemas.microsoft.com/office/drawing/2014/main" id="{4788E50A-233A-20DE-98ED-C95E768F8D67}"/>
+              </a:ext>
+            </a:extLst>
+          </p:cNvPr>
+          <p:cNvCxnSpPr>
+            <a:cxnSpLocks/>
+          </p:cNvCxnSpPr>
+          <p:nvPr/>
+        </p:nvCxnSpPr>
+        <p:spPr>
+          <a:xfrm flipV="1">
+            <a:off x="5824594" y="3668171"/>
+            <a:ext cx="324000" cy="86400"/>
+          </a:xfrm>
+          <a:prstGeom prst="straightConnector1">
+            <a:avLst/>
+          </a:prstGeom>
+          <a:ln w="19050">
+            <a:solidFill>
+              <a:srgbClr val="0070C0"/>
+            </a:solidFill>
+            <a:prstDash val="lgDash"/>
+            <a:headEnd type="none" w="med" len="med"/>
+            <a:tailEnd type="none" w="med" len="med"/>
+          </a:ln>
+        </p:spPr>
+        <p:style>
+          <a:lnRef idx="1">
+            <a:schemeClr val="accent1"/>
+          </a:lnRef>
+          <a:fillRef idx="0">
+            <a:schemeClr val="accent1"/>
+          </a:fillRef>
+          <a:effectRef idx="0">
+            <a:schemeClr val="accent1"/>
+          </a:effectRef>
+          <a:fontRef idx="minor">
+            <a:schemeClr val="tx1"/>
+          </a:fontRef>
+        </p:style>
+      </p:cxnSp>
+      <p:cxnSp>
+        <p:nvCxnSpPr>
+          <p:cNvPr id="67" name="直线箭头连接符 66">
+            <a:extLst>
+              <a:ext uri="{FF2B5EF4-FFF2-40B4-BE49-F238E27FC236}">
+                <a16:creationId xmlns:a16="http://schemas.microsoft.com/office/drawing/2014/main" id="{D33E54D1-FF49-BC4C-F687-C742B3C9B654}"/>
+              </a:ext>
+            </a:extLst>
+          </p:cNvPr>
+          <p:cNvCxnSpPr>
+            <a:cxnSpLocks/>
+          </p:cNvCxnSpPr>
+          <p:nvPr/>
+        </p:nvCxnSpPr>
+        <p:spPr>
+          <a:xfrm flipV="1">
+            <a:off x="6230911" y="3711371"/>
+            <a:ext cx="0" cy="216000"/>
+          </a:xfrm>
+          <a:prstGeom prst="straightConnector1">
+            <a:avLst/>
+          </a:prstGeom>
+          <a:ln w="19050">
+            <a:solidFill>
+              <a:srgbClr val="0070C0"/>
+            </a:solidFill>
+            <a:prstDash val="dash"/>
+            <a:headEnd type="none" w="med" len="med"/>
+            <a:tailEnd type="none" w="med" len="med"/>
+          </a:ln>
+        </p:spPr>
+        <p:style>
+          <a:lnRef idx="1">
+            <a:schemeClr val="accent1"/>
+          </a:lnRef>
+          <a:fillRef idx="0">
+            <a:schemeClr val="accent1"/>
+          </a:fillRef>
+          <a:effectRef idx="0">
+            <a:schemeClr val="accent1"/>
+          </a:effectRef>
+          <a:fontRef idx="minor">
+            <a:schemeClr val="tx1"/>
+          </a:fontRef>
+        </p:style>
+      </p:cxnSp>
+    </p:spTree>
+    <p:extLst>
+      <p:ext uri="{BB962C8B-B14F-4D97-AF65-F5344CB8AC3E}">
+        <p14:creationId xmlns:p14="http://schemas.microsoft.com/office/powerpoint/2010/main" val="4056692889"/>
       </p:ext>
     </p:extLst>
   </p:cSld>

--- a/assets/posts/vslam/14-ch5/camera.pptx
+++ b/assets/posts/vslam/14-ch5/camera.pptx
@@ -7,6 +7,7 @@
   <p:sldIdLst>
     <p:sldId id="256" r:id="rId2"/>
     <p:sldId id="257" r:id="rId3"/>
+    <p:sldId id="258" r:id="rId4"/>
   </p:sldIdLst>
   <p:sldSz cx="12192000" cy="6858000"/>
   <p:notesSz cx="6858000" cy="9144000"/>
@@ -271,7 +272,7 @@
           <a:p>
             <a:fld id="{FCD14527-64F6-420C-945F-B6CF35810A6B}" type="datetimeFigureOut">
               <a:rPr lang="zh-CN" altLang="en-US" smtClean="0"/>
-              <a:t>2022/5/31</a:t>
+              <a:t>2022/6/4</a:t>
             </a:fld>
             <a:endParaRPr lang="zh-CN" altLang="en-US"/>
           </a:p>
@@ -469,7 +470,7 @@
           <a:p>
             <a:fld id="{FCD14527-64F6-420C-945F-B6CF35810A6B}" type="datetimeFigureOut">
               <a:rPr lang="zh-CN" altLang="en-US" smtClean="0"/>
-              <a:t>2022/5/31</a:t>
+              <a:t>2022/6/4</a:t>
             </a:fld>
             <a:endParaRPr lang="zh-CN" altLang="en-US"/>
           </a:p>
@@ -677,7 +678,7 @@
           <a:p>
             <a:fld id="{FCD14527-64F6-420C-945F-B6CF35810A6B}" type="datetimeFigureOut">
               <a:rPr lang="zh-CN" altLang="en-US" smtClean="0"/>
-              <a:t>2022/5/31</a:t>
+              <a:t>2022/6/4</a:t>
             </a:fld>
             <a:endParaRPr lang="zh-CN" altLang="en-US"/>
           </a:p>
@@ -875,7 +876,7 @@
           <a:p>
             <a:fld id="{FCD14527-64F6-420C-945F-B6CF35810A6B}" type="datetimeFigureOut">
               <a:rPr lang="zh-CN" altLang="en-US" smtClean="0"/>
-              <a:t>2022/5/31</a:t>
+              <a:t>2022/6/4</a:t>
             </a:fld>
             <a:endParaRPr lang="zh-CN" altLang="en-US"/>
           </a:p>
@@ -1150,7 +1151,7 @@
           <a:p>
             <a:fld id="{FCD14527-64F6-420C-945F-B6CF35810A6B}" type="datetimeFigureOut">
               <a:rPr lang="zh-CN" altLang="en-US" smtClean="0"/>
-              <a:t>2022/5/31</a:t>
+              <a:t>2022/6/4</a:t>
             </a:fld>
             <a:endParaRPr lang="zh-CN" altLang="en-US"/>
           </a:p>
@@ -1415,7 +1416,7 @@
           <a:p>
             <a:fld id="{FCD14527-64F6-420C-945F-B6CF35810A6B}" type="datetimeFigureOut">
               <a:rPr lang="zh-CN" altLang="en-US" smtClean="0"/>
-              <a:t>2022/5/31</a:t>
+              <a:t>2022/6/4</a:t>
             </a:fld>
             <a:endParaRPr lang="zh-CN" altLang="en-US"/>
           </a:p>
@@ -1827,7 +1828,7 @@
           <a:p>
             <a:fld id="{FCD14527-64F6-420C-945F-B6CF35810A6B}" type="datetimeFigureOut">
               <a:rPr lang="zh-CN" altLang="en-US" smtClean="0"/>
-              <a:t>2022/5/31</a:t>
+              <a:t>2022/6/4</a:t>
             </a:fld>
             <a:endParaRPr lang="zh-CN" altLang="en-US"/>
           </a:p>
@@ -1968,7 +1969,7 @@
           <a:p>
             <a:fld id="{FCD14527-64F6-420C-945F-B6CF35810A6B}" type="datetimeFigureOut">
               <a:rPr lang="zh-CN" altLang="en-US" smtClean="0"/>
-              <a:t>2022/5/31</a:t>
+              <a:t>2022/6/4</a:t>
             </a:fld>
             <a:endParaRPr lang="zh-CN" altLang="en-US"/>
           </a:p>
@@ -2081,7 +2082,7 @@
           <a:p>
             <a:fld id="{FCD14527-64F6-420C-945F-B6CF35810A6B}" type="datetimeFigureOut">
               <a:rPr lang="zh-CN" altLang="en-US" smtClean="0"/>
-              <a:t>2022/5/31</a:t>
+              <a:t>2022/6/4</a:t>
             </a:fld>
             <a:endParaRPr lang="zh-CN" altLang="en-US"/>
           </a:p>
@@ -2392,7 +2393,7 @@
           <a:p>
             <a:fld id="{FCD14527-64F6-420C-945F-B6CF35810A6B}" type="datetimeFigureOut">
               <a:rPr lang="zh-CN" altLang="en-US" smtClean="0"/>
-              <a:t>2022/5/31</a:t>
+              <a:t>2022/6/4</a:t>
             </a:fld>
             <a:endParaRPr lang="zh-CN" altLang="en-US"/>
           </a:p>
@@ -2680,7 +2681,7 @@
           <a:p>
             <a:fld id="{FCD14527-64F6-420C-945F-B6CF35810A6B}" type="datetimeFigureOut">
               <a:rPr lang="zh-CN" altLang="en-US" smtClean="0"/>
-              <a:t>2022/5/31</a:t>
+              <a:t>2022/6/4</a:t>
             </a:fld>
             <a:endParaRPr lang="zh-CN" altLang="en-US"/>
           </a:p>
@@ -2921,7 +2922,7 @@
           <a:p>
             <a:fld id="{FCD14527-64F6-420C-945F-B6CF35810A6B}" type="datetimeFigureOut">
               <a:rPr lang="zh-CN" altLang="en-US" smtClean="0"/>
-              <a:t>2022/5/31</a:t>
+              <a:t>2022/6/4</a:t>
             </a:fld>
             <a:endParaRPr lang="zh-CN" altLang="en-US"/>
           </a:p>
@@ -8379,8 +8380,8 @@
           </a:fontRef>
         </p:style>
       </p:cxnSp>
-      <mc:AlternateContent xmlns:mc="http://schemas.openxmlformats.org/markup-compatibility/2006">
-        <mc:Choice xmlns:a14="http://schemas.microsoft.com/office/drawing/2010/main" Requires="a14">
+      <mc:AlternateContent xmlns:mc="http://schemas.openxmlformats.org/markup-compatibility/2006" xmlns:a14="http://schemas.microsoft.com/office/drawing/2010/main">
+        <mc:Choice Requires="a14">
           <p:sp>
             <p:nvSpPr>
               <p:cNvPr id="7" name="文本框 6">
@@ -8462,7 +8463,7 @@
             </p:txBody>
           </p:sp>
         </mc:Choice>
-        <mc:Fallback>
+        <mc:Fallback xmlns="">
           <p:sp>
             <p:nvSpPr>
               <p:cNvPr id="7" name="文本框 6">
@@ -8595,8 +8596,8 @@
           </a:fontRef>
         </p:style>
       </p:cxnSp>
-      <mc:AlternateContent xmlns:mc="http://schemas.openxmlformats.org/markup-compatibility/2006">
-        <mc:Choice xmlns:a14="http://schemas.microsoft.com/office/drawing/2010/main" Requires="a14">
+      <mc:AlternateContent xmlns:mc="http://schemas.openxmlformats.org/markup-compatibility/2006" xmlns:a14="http://schemas.microsoft.com/office/drawing/2010/main">
+        <mc:Choice Requires="a14">
           <p:sp>
             <p:nvSpPr>
               <p:cNvPr id="24" name="文本框 23">
@@ -8625,6 +8626,7 @@
               </a:bodyPr>
               <a:lstStyle/>
               <a:p>
+                <a:pPr/>
                 <a14:m>
                   <m:oMathPara xmlns:m="http://schemas.openxmlformats.org/officeDocument/2006/math">
                     <m:oMathParaPr>
@@ -8652,7 +8654,7 @@
             </p:txBody>
           </p:sp>
         </mc:Choice>
-        <mc:Fallback>
+        <mc:Fallback xmlns="">
           <p:sp>
             <p:nvSpPr>
               <p:cNvPr id="24" name="文本框 23">
@@ -8697,8 +8699,8 @@
           </p:sp>
         </mc:Fallback>
       </mc:AlternateContent>
-      <mc:AlternateContent xmlns:mc="http://schemas.openxmlformats.org/markup-compatibility/2006">
-        <mc:Choice xmlns:a14="http://schemas.microsoft.com/office/drawing/2010/main" Requires="a14">
+      <mc:AlternateContent xmlns:mc="http://schemas.openxmlformats.org/markup-compatibility/2006" xmlns:a14="http://schemas.microsoft.com/office/drawing/2010/main">
+        <mc:Choice Requires="a14">
           <p:sp>
             <p:nvSpPr>
               <p:cNvPr id="25" name="文本框 24">
@@ -8727,6 +8729,7 @@
               </a:bodyPr>
               <a:lstStyle/>
               <a:p>
+                <a:pPr/>
                 <a14:m>
                   <m:oMathPara xmlns:m="http://schemas.openxmlformats.org/officeDocument/2006/math">
                     <m:oMathParaPr>
@@ -8754,7 +8757,7 @@
             </p:txBody>
           </p:sp>
         </mc:Choice>
-        <mc:Fallback>
+        <mc:Fallback xmlns="">
           <p:sp>
             <p:nvSpPr>
               <p:cNvPr id="25" name="文本框 24">
@@ -8891,8 +8894,8 @@
           </a:fontRef>
         </p:style>
       </p:cxnSp>
-      <mc:AlternateContent xmlns:mc="http://schemas.openxmlformats.org/markup-compatibility/2006">
-        <mc:Choice xmlns:a14="http://schemas.microsoft.com/office/drawing/2010/main" Requires="a14">
+      <mc:AlternateContent xmlns:mc="http://schemas.openxmlformats.org/markup-compatibility/2006" xmlns:a14="http://schemas.microsoft.com/office/drawing/2010/main">
+        <mc:Choice Requires="a14">
           <p:sp>
             <p:nvSpPr>
               <p:cNvPr id="33" name="文本框 32">
@@ -8921,6 +8924,7 @@
               </a:bodyPr>
               <a:lstStyle/>
               <a:p>
+                <a:pPr/>
                 <a14:m>
                   <m:oMathPara xmlns:m="http://schemas.openxmlformats.org/officeDocument/2006/math">
                     <m:oMathParaPr>
@@ -8952,7 +8956,7 @@
             </p:txBody>
           </p:sp>
         </mc:Choice>
-        <mc:Fallback>
+        <mc:Fallback xmlns="">
           <p:sp>
             <p:nvSpPr>
               <p:cNvPr id="33" name="文本框 32">
@@ -8997,8 +9001,8 @@
           </p:sp>
         </mc:Fallback>
       </mc:AlternateContent>
-      <mc:AlternateContent xmlns:mc="http://schemas.openxmlformats.org/markup-compatibility/2006">
-        <mc:Choice xmlns:a14="http://schemas.microsoft.com/office/drawing/2010/main" Requires="a14">
+      <mc:AlternateContent xmlns:mc="http://schemas.openxmlformats.org/markup-compatibility/2006" xmlns:a14="http://schemas.microsoft.com/office/drawing/2010/main">
+        <mc:Choice Requires="a14">
           <p:sp>
             <p:nvSpPr>
               <p:cNvPr id="34" name="文本框 33">
@@ -9027,6 +9031,7 @@
               </a:bodyPr>
               <a:lstStyle/>
               <a:p>
+                <a:pPr/>
                 <a14:m>
                   <m:oMathPara xmlns:m="http://schemas.openxmlformats.org/officeDocument/2006/math">
                     <m:oMathParaPr>
@@ -9058,7 +9063,7 @@
             </p:txBody>
           </p:sp>
         </mc:Choice>
-        <mc:Fallback>
+        <mc:Fallback xmlns="">
           <p:sp>
             <p:nvSpPr>
               <p:cNvPr id="34" name="文本框 33">
@@ -9103,8 +9108,8 @@
           </p:sp>
         </mc:Fallback>
       </mc:AlternateContent>
-      <mc:AlternateContent xmlns:mc="http://schemas.openxmlformats.org/markup-compatibility/2006">
-        <mc:Choice xmlns:a14="http://schemas.microsoft.com/office/drawing/2010/main" Requires="a14">
+      <mc:AlternateContent xmlns:mc="http://schemas.openxmlformats.org/markup-compatibility/2006" xmlns:a14="http://schemas.microsoft.com/office/drawing/2010/main">
+        <mc:Choice Requires="a14">
           <p:sp>
             <p:nvSpPr>
               <p:cNvPr id="35" name="文本框 34">
@@ -9133,6 +9138,7 @@
               </a:bodyPr>
               <a:lstStyle/>
               <a:p>
+                <a:pPr/>
                 <a14:m>
                   <m:oMathPara xmlns:m="http://schemas.openxmlformats.org/officeDocument/2006/math">
                     <m:oMathParaPr>
@@ -9164,7 +9170,7 @@
             </p:txBody>
           </p:sp>
         </mc:Choice>
-        <mc:Fallback>
+        <mc:Fallback xmlns="">
           <p:sp>
             <p:nvSpPr>
               <p:cNvPr id="35" name="文本框 34">
@@ -9303,8 +9309,8 @@
           </a:fontRef>
         </p:style>
       </p:cxnSp>
-      <mc:AlternateContent xmlns:mc="http://schemas.openxmlformats.org/markup-compatibility/2006">
-        <mc:Choice xmlns:a14="http://schemas.microsoft.com/office/drawing/2010/main" Requires="a14">
+      <mc:AlternateContent xmlns:mc="http://schemas.openxmlformats.org/markup-compatibility/2006" xmlns:a14="http://schemas.microsoft.com/office/drawing/2010/main">
+        <mc:Choice Requires="a14">
           <p:sp>
             <p:nvSpPr>
               <p:cNvPr id="42" name="文本框 41">
@@ -9386,7 +9392,7 @@
             </p:txBody>
           </p:sp>
         </mc:Choice>
-        <mc:Fallback>
+        <mc:Fallback xmlns="">
           <p:sp>
             <p:nvSpPr>
               <p:cNvPr id="42" name="文本框 41">
@@ -9431,8 +9437,8 @@
           </p:sp>
         </mc:Fallback>
       </mc:AlternateContent>
-      <mc:AlternateContent xmlns:mc="http://schemas.openxmlformats.org/markup-compatibility/2006">
-        <mc:Choice xmlns:a14="http://schemas.microsoft.com/office/drawing/2010/main" Requires="a14">
+      <mc:AlternateContent xmlns:mc="http://schemas.openxmlformats.org/markup-compatibility/2006" xmlns:a14="http://schemas.microsoft.com/office/drawing/2010/main">
+        <mc:Choice Requires="a14">
           <p:sp>
             <p:nvSpPr>
               <p:cNvPr id="44" name="文本框 43">
@@ -9461,6 +9467,7 @@
               </a:bodyPr>
               <a:lstStyle/>
               <a:p>
+                <a:pPr/>
                 <a14:m>
                   <m:oMathPara xmlns:m="http://schemas.openxmlformats.org/officeDocument/2006/math">
                     <m:oMathParaPr>
@@ -9492,7 +9499,7 @@
             </p:txBody>
           </p:sp>
         </mc:Choice>
-        <mc:Fallback>
+        <mc:Fallback xmlns="">
           <p:sp>
             <p:nvSpPr>
               <p:cNvPr id="44" name="文本框 43">
@@ -9582,8 +9589,8 @@
           </a:fontRef>
         </p:style>
       </p:cxnSp>
-      <mc:AlternateContent xmlns:mc="http://schemas.openxmlformats.org/markup-compatibility/2006">
-        <mc:Choice xmlns:a14="http://schemas.microsoft.com/office/drawing/2010/main" Requires="a14">
+      <mc:AlternateContent xmlns:mc="http://schemas.openxmlformats.org/markup-compatibility/2006" xmlns:a14="http://schemas.microsoft.com/office/drawing/2010/main">
+        <mc:Choice Requires="a14">
           <p:sp>
             <p:nvSpPr>
               <p:cNvPr id="36" name="文本框 35">
@@ -9612,6 +9619,7 @@
               </a:bodyPr>
               <a:lstStyle/>
               <a:p>
+                <a:pPr/>
                 <a14:m>
                   <m:oMathPara xmlns:m="http://schemas.openxmlformats.org/officeDocument/2006/math">
                     <m:oMathParaPr>
@@ -9756,7 +9764,7 @@
             </p:txBody>
           </p:sp>
         </mc:Choice>
-        <mc:Fallback>
+        <mc:Fallback xmlns="">
           <p:sp>
             <p:nvSpPr>
               <p:cNvPr id="36" name="文本框 35">
@@ -10037,6 +10045,2716 @@
     <p:extLst>
       <p:ext uri="{BB962C8B-B14F-4D97-AF65-F5344CB8AC3E}">
         <p14:creationId xmlns:p14="http://schemas.microsoft.com/office/powerpoint/2010/main" val="4056692889"/>
+      </p:ext>
+    </p:extLst>
+  </p:cSld>
+  <p:clrMapOvr>
+    <a:masterClrMapping/>
+  </p:clrMapOvr>
+</p:sld>
+</file>
+
+<file path=ppt/slides/slide3.xml><?xml version="1.0" encoding="utf-8"?>
+<p:sld xmlns:a="http://schemas.openxmlformats.org/drawingml/2006/main" xmlns:r="http://schemas.openxmlformats.org/officeDocument/2006/relationships" xmlns:p="http://schemas.openxmlformats.org/presentationml/2006/main">
+  <p:cSld>
+    <p:spTree>
+      <p:nvGrpSpPr>
+        <p:cNvPr id="1" name=""/>
+        <p:cNvGrpSpPr/>
+        <p:nvPr/>
+      </p:nvGrpSpPr>
+      <p:grpSpPr>
+        <a:xfrm>
+          <a:off x="0" y="0"/>
+          <a:ext cx="0" cy="0"/>
+          <a:chOff x="0" y="0"/>
+          <a:chExt cx="0" cy="0"/>
+        </a:xfrm>
+      </p:grpSpPr>
+      <p:cxnSp>
+        <p:nvCxnSpPr>
+          <p:cNvPr id="3" name="直接连接符 2">
+            <a:extLst>
+              <a:ext uri="{FF2B5EF4-FFF2-40B4-BE49-F238E27FC236}">
+                <a16:creationId xmlns:a16="http://schemas.microsoft.com/office/drawing/2014/main" id="{103A7A48-DF22-3520-20E0-CED6A94CAE60}"/>
+              </a:ext>
+            </a:extLst>
+          </p:cNvPr>
+          <p:cNvCxnSpPr>
+            <a:cxnSpLocks/>
+          </p:cNvCxnSpPr>
+          <p:nvPr/>
+        </p:nvCxnSpPr>
+        <p:spPr>
+          <a:xfrm>
+            <a:off x="4175449" y="3163079"/>
+            <a:ext cx="3200400" cy="0"/>
+          </a:xfrm>
+          <a:prstGeom prst="line">
+            <a:avLst/>
+          </a:prstGeom>
+          <a:ln w="19050"/>
+        </p:spPr>
+        <p:style>
+          <a:lnRef idx="1">
+            <a:schemeClr val="dk1"/>
+          </a:lnRef>
+          <a:fillRef idx="0">
+            <a:schemeClr val="dk1"/>
+          </a:fillRef>
+          <a:effectRef idx="0">
+            <a:schemeClr val="dk1"/>
+          </a:effectRef>
+          <a:fontRef idx="minor">
+            <a:schemeClr val="tx1"/>
+          </a:fontRef>
+        </p:style>
+      </p:cxnSp>
+      <p:sp>
+        <p:nvSpPr>
+          <p:cNvPr id="4" name="椭圆 3">
+            <a:extLst>
+              <a:ext uri="{FF2B5EF4-FFF2-40B4-BE49-F238E27FC236}">
+                <a16:creationId xmlns:a16="http://schemas.microsoft.com/office/drawing/2014/main" id="{7640ED24-DC13-A7AB-A4CD-304C8E801162}"/>
+              </a:ext>
+            </a:extLst>
+          </p:cNvPr>
+          <p:cNvSpPr/>
+          <p:nvPr/>
+        </p:nvSpPr>
+        <p:spPr>
+          <a:xfrm>
+            <a:off x="5346441" y="1726163"/>
+            <a:ext cx="139959" cy="139959"/>
+          </a:xfrm>
+          <a:prstGeom prst="ellipse">
+            <a:avLst/>
+          </a:prstGeom>
+          <a:solidFill>
+            <a:schemeClr val="accent1"/>
+          </a:solidFill>
+          <a:ln>
+            <a:noFill/>
+          </a:ln>
+        </p:spPr>
+        <p:style>
+          <a:lnRef idx="2">
+            <a:schemeClr val="accent1">
+              <a:shade val="50000"/>
+            </a:schemeClr>
+          </a:lnRef>
+          <a:fillRef idx="1">
+            <a:schemeClr val="accent1"/>
+          </a:fillRef>
+          <a:effectRef idx="0">
+            <a:schemeClr val="accent1"/>
+          </a:effectRef>
+          <a:fontRef idx="minor">
+            <a:schemeClr val="lt1"/>
+          </a:fontRef>
+        </p:style>
+        <p:txBody>
+          <a:bodyPr rtlCol="0" anchor="ctr"/>
+          <a:lstStyle/>
+          <a:p>
+            <a:pPr algn="ctr"/>
+            <a:endParaRPr lang="zh-CN" altLang="en-US"/>
+          </a:p>
+        </p:txBody>
+      </p:sp>
+      <p:cxnSp>
+        <p:nvCxnSpPr>
+          <p:cNvPr id="5" name="直接连接符 4">
+            <a:extLst>
+              <a:ext uri="{FF2B5EF4-FFF2-40B4-BE49-F238E27FC236}">
+                <a16:creationId xmlns:a16="http://schemas.microsoft.com/office/drawing/2014/main" id="{53B6DA81-C572-F7A5-028B-1229EB717B6B}"/>
+              </a:ext>
+            </a:extLst>
+          </p:cNvPr>
+          <p:cNvCxnSpPr/>
+          <p:nvPr/>
+        </p:nvCxnSpPr>
+        <p:spPr>
+          <a:xfrm>
+            <a:off x="4175449" y="3949960"/>
+            <a:ext cx="3200400" cy="0"/>
+          </a:xfrm>
+          <a:prstGeom prst="line">
+            <a:avLst/>
+          </a:prstGeom>
+          <a:ln w="19050">
+            <a:prstDash val="lgDash"/>
+            <a:tailEnd type="arrow"/>
+          </a:ln>
+        </p:spPr>
+        <p:style>
+          <a:lnRef idx="1">
+            <a:schemeClr val="dk1"/>
+          </a:lnRef>
+          <a:fillRef idx="0">
+            <a:schemeClr val="dk1"/>
+          </a:fillRef>
+          <a:effectRef idx="0">
+            <a:schemeClr val="dk1"/>
+          </a:effectRef>
+          <a:fontRef idx="minor">
+            <a:schemeClr val="tx1"/>
+          </a:fontRef>
+        </p:style>
+      </p:cxnSp>
+      <p:cxnSp>
+        <p:nvCxnSpPr>
+          <p:cNvPr id="9" name="直接连接符 8">
+            <a:extLst>
+              <a:ext uri="{FF2B5EF4-FFF2-40B4-BE49-F238E27FC236}">
+                <a16:creationId xmlns:a16="http://schemas.microsoft.com/office/drawing/2014/main" id="{65C00082-F66D-AF91-A336-0E6970A27559}"/>
+              </a:ext>
+            </a:extLst>
+          </p:cNvPr>
+          <p:cNvCxnSpPr>
+            <a:cxnSpLocks/>
+            <a:stCxn id="4" idx="4"/>
+            <a:endCxn id="10" idx="0"/>
+          </p:cNvCxnSpPr>
+          <p:nvPr/>
+        </p:nvCxnSpPr>
+        <p:spPr>
+          <a:xfrm flipH="1">
+            <a:off x="4715351" y="1866122"/>
+            <a:ext cx="701070" cy="2058395"/>
+          </a:xfrm>
+          <a:prstGeom prst="line">
+            <a:avLst/>
+          </a:prstGeom>
+          <a:ln w="12700"/>
+        </p:spPr>
+        <p:style>
+          <a:lnRef idx="1">
+            <a:schemeClr val="dk1"/>
+          </a:lnRef>
+          <a:fillRef idx="0">
+            <a:schemeClr val="dk1"/>
+          </a:fillRef>
+          <a:effectRef idx="0">
+            <a:schemeClr val="dk1"/>
+          </a:effectRef>
+          <a:fontRef idx="minor">
+            <a:schemeClr val="tx1"/>
+          </a:fontRef>
+        </p:style>
+      </p:cxnSp>
+      <p:sp>
+        <p:nvSpPr>
+          <p:cNvPr id="10" name="椭圆 9">
+            <a:extLst>
+              <a:ext uri="{FF2B5EF4-FFF2-40B4-BE49-F238E27FC236}">
+                <a16:creationId xmlns:a16="http://schemas.microsoft.com/office/drawing/2014/main" id="{6DA6F680-9D60-64D5-3D2D-06ED89DC2AC7}"/>
+              </a:ext>
+            </a:extLst>
+          </p:cNvPr>
+          <p:cNvSpPr/>
+          <p:nvPr/>
+        </p:nvSpPr>
+        <p:spPr>
+          <a:xfrm>
+            <a:off x="4674000" y="3924517"/>
+            <a:ext cx="82701" cy="82701"/>
+          </a:xfrm>
+          <a:prstGeom prst="ellipse">
+            <a:avLst/>
+          </a:prstGeom>
+          <a:solidFill>
+            <a:schemeClr val="tx1"/>
+          </a:solidFill>
+          <a:ln>
+            <a:solidFill>
+              <a:schemeClr val="tx1"/>
+            </a:solidFill>
+          </a:ln>
+        </p:spPr>
+        <p:style>
+          <a:lnRef idx="2">
+            <a:schemeClr val="accent1">
+              <a:shade val="50000"/>
+            </a:schemeClr>
+          </a:lnRef>
+          <a:fillRef idx="1">
+            <a:schemeClr val="accent1"/>
+          </a:fillRef>
+          <a:effectRef idx="0">
+            <a:schemeClr val="accent1"/>
+          </a:effectRef>
+          <a:fontRef idx="minor">
+            <a:schemeClr val="lt1"/>
+          </a:fontRef>
+        </p:style>
+        <p:txBody>
+          <a:bodyPr rtlCol="0" anchor="ctr"/>
+          <a:lstStyle/>
+          <a:p>
+            <a:pPr algn="ctr"/>
+            <a:endParaRPr lang="zh-CN" altLang="en-US"/>
+          </a:p>
+        </p:txBody>
+      </p:sp>
+      <p:sp>
+        <p:nvSpPr>
+          <p:cNvPr id="11" name="椭圆 10">
+            <a:extLst>
+              <a:ext uri="{FF2B5EF4-FFF2-40B4-BE49-F238E27FC236}">
+                <a16:creationId xmlns:a16="http://schemas.microsoft.com/office/drawing/2014/main" id="{99D69908-9850-355E-0D79-851ECB20B720}"/>
+              </a:ext>
+            </a:extLst>
+          </p:cNvPr>
+          <p:cNvSpPr/>
+          <p:nvPr/>
+        </p:nvSpPr>
+        <p:spPr>
+          <a:xfrm>
+            <a:off x="6839506" y="3908610"/>
+            <a:ext cx="98608" cy="98608"/>
+          </a:xfrm>
+          <a:prstGeom prst="ellipse">
+            <a:avLst/>
+          </a:prstGeom>
+          <a:solidFill>
+            <a:schemeClr val="tx1"/>
+          </a:solidFill>
+          <a:ln>
+            <a:noFill/>
+          </a:ln>
+        </p:spPr>
+        <p:style>
+          <a:lnRef idx="2">
+            <a:schemeClr val="accent1">
+              <a:shade val="50000"/>
+            </a:schemeClr>
+          </a:lnRef>
+          <a:fillRef idx="1">
+            <a:schemeClr val="accent1"/>
+          </a:fillRef>
+          <a:effectRef idx="0">
+            <a:schemeClr val="accent1"/>
+          </a:effectRef>
+          <a:fontRef idx="minor">
+            <a:schemeClr val="lt1"/>
+          </a:fontRef>
+        </p:style>
+        <p:txBody>
+          <a:bodyPr rtlCol="0" anchor="ctr"/>
+          <a:lstStyle/>
+          <a:p>
+            <a:pPr algn="ctr"/>
+            <a:endParaRPr lang="zh-CN" altLang="en-US"/>
+          </a:p>
+        </p:txBody>
+      </p:sp>
+      <p:cxnSp>
+        <p:nvCxnSpPr>
+          <p:cNvPr id="17" name="直接连接符 16">
+            <a:extLst>
+              <a:ext uri="{FF2B5EF4-FFF2-40B4-BE49-F238E27FC236}">
+                <a16:creationId xmlns:a16="http://schemas.microsoft.com/office/drawing/2014/main" id="{EA5B9BAE-A204-4AE5-98EA-E786D33A796E}"/>
+              </a:ext>
+            </a:extLst>
+          </p:cNvPr>
+          <p:cNvCxnSpPr>
+            <a:cxnSpLocks/>
+            <a:stCxn id="4" idx="4"/>
+            <a:endCxn id="11" idx="1"/>
+          </p:cNvCxnSpPr>
+          <p:nvPr/>
+        </p:nvCxnSpPr>
+        <p:spPr>
+          <a:xfrm>
+            <a:off x="5416421" y="1866122"/>
+            <a:ext cx="1437526" cy="2056929"/>
+          </a:xfrm>
+          <a:prstGeom prst="line">
+            <a:avLst/>
+          </a:prstGeom>
+          <a:ln w="12700"/>
+        </p:spPr>
+        <p:style>
+          <a:lnRef idx="1">
+            <a:schemeClr val="dk1"/>
+          </a:lnRef>
+          <a:fillRef idx="0">
+            <a:schemeClr val="dk1"/>
+          </a:fillRef>
+          <a:effectRef idx="0">
+            <a:schemeClr val="dk1"/>
+          </a:effectRef>
+          <a:fontRef idx="minor">
+            <a:schemeClr val="tx1"/>
+          </a:fontRef>
+        </p:style>
+      </p:cxnSp>
+      <p:cxnSp>
+        <p:nvCxnSpPr>
+          <p:cNvPr id="21" name="直接连接符 20">
+            <a:extLst>
+              <a:ext uri="{FF2B5EF4-FFF2-40B4-BE49-F238E27FC236}">
+                <a16:creationId xmlns:a16="http://schemas.microsoft.com/office/drawing/2014/main" id="{462F5271-CB77-BC5A-0912-B101306F2CED}"/>
+              </a:ext>
+            </a:extLst>
+          </p:cNvPr>
+          <p:cNvCxnSpPr>
+            <a:cxnSpLocks/>
+          </p:cNvCxnSpPr>
+          <p:nvPr/>
+        </p:nvCxnSpPr>
+        <p:spPr>
+          <a:xfrm>
+            <a:off x="4702650" y="1817642"/>
+            <a:ext cx="0" cy="2176497"/>
+          </a:xfrm>
+          <a:prstGeom prst="line">
+            <a:avLst/>
+          </a:prstGeom>
+          <a:ln w="12700">
+            <a:prstDash val="lgDash"/>
+          </a:ln>
+        </p:spPr>
+        <p:style>
+          <a:lnRef idx="1">
+            <a:schemeClr val="dk1"/>
+          </a:lnRef>
+          <a:fillRef idx="0">
+            <a:schemeClr val="dk1"/>
+          </a:fillRef>
+          <a:effectRef idx="0">
+            <a:schemeClr val="dk1"/>
+          </a:effectRef>
+          <a:fontRef idx="minor">
+            <a:schemeClr val="tx1"/>
+          </a:fontRef>
+        </p:style>
+      </p:cxnSp>
+      <p:cxnSp>
+        <p:nvCxnSpPr>
+          <p:cNvPr id="24" name="直接连接符 23">
+            <a:extLst>
+              <a:ext uri="{FF2B5EF4-FFF2-40B4-BE49-F238E27FC236}">
+                <a16:creationId xmlns:a16="http://schemas.microsoft.com/office/drawing/2014/main" id="{8CA62986-9FE8-2604-EDE8-FAED329A3339}"/>
+              </a:ext>
+            </a:extLst>
+          </p:cNvPr>
+          <p:cNvCxnSpPr>
+            <a:cxnSpLocks/>
+          </p:cNvCxnSpPr>
+          <p:nvPr/>
+        </p:nvCxnSpPr>
+        <p:spPr>
+          <a:xfrm flipH="1">
+            <a:off x="6886500" y="3159292"/>
+            <a:ext cx="0" cy="847926"/>
+          </a:xfrm>
+          <a:prstGeom prst="line">
+            <a:avLst/>
+          </a:prstGeom>
+          <a:ln w="12700">
+            <a:prstDash val="lgDash"/>
+          </a:ln>
+        </p:spPr>
+        <p:style>
+          <a:lnRef idx="1">
+            <a:schemeClr val="dk1"/>
+          </a:lnRef>
+          <a:fillRef idx="0">
+            <a:schemeClr val="dk1"/>
+          </a:fillRef>
+          <a:effectRef idx="0">
+            <a:schemeClr val="dk1"/>
+          </a:effectRef>
+          <a:fontRef idx="minor">
+            <a:schemeClr val="tx1"/>
+          </a:fontRef>
+        </p:style>
+      </p:cxnSp>
+      <p:sp>
+        <p:nvSpPr>
+          <p:cNvPr id="31" name="椭圆 30">
+            <a:extLst>
+              <a:ext uri="{FF2B5EF4-FFF2-40B4-BE49-F238E27FC236}">
+                <a16:creationId xmlns:a16="http://schemas.microsoft.com/office/drawing/2014/main" id="{7ECB4E4A-4B72-3F8A-DFB8-040EED63D5DA}"/>
+              </a:ext>
+            </a:extLst>
+          </p:cNvPr>
+          <p:cNvSpPr/>
+          <p:nvPr/>
+        </p:nvSpPr>
+        <p:spPr>
+          <a:xfrm>
+            <a:off x="4915867" y="3099450"/>
+            <a:ext cx="119684" cy="119684"/>
+          </a:xfrm>
+          <a:prstGeom prst="ellipse">
+            <a:avLst/>
+          </a:prstGeom>
+          <a:solidFill>
+            <a:schemeClr val="accent1"/>
+          </a:solidFill>
+          <a:ln>
+            <a:noFill/>
+          </a:ln>
+        </p:spPr>
+        <p:style>
+          <a:lnRef idx="2">
+            <a:schemeClr val="accent1">
+              <a:shade val="50000"/>
+            </a:schemeClr>
+          </a:lnRef>
+          <a:fillRef idx="1">
+            <a:schemeClr val="accent1"/>
+          </a:fillRef>
+          <a:effectRef idx="0">
+            <a:schemeClr val="accent1"/>
+          </a:effectRef>
+          <a:fontRef idx="minor">
+            <a:schemeClr val="lt1"/>
+          </a:fontRef>
+        </p:style>
+        <p:txBody>
+          <a:bodyPr rtlCol="0" anchor="ctr"/>
+          <a:lstStyle/>
+          <a:p>
+            <a:pPr algn="ctr"/>
+            <a:endParaRPr lang="zh-CN" altLang="en-US"/>
+          </a:p>
+        </p:txBody>
+      </p:sp>
+      <p:sp>
+        <p:nvSpPr>
+          <p:cNvPr id="32" name="椭圆 31">
+            <a:extLst>
+              <a:ext uri="{FF2B5EF4-FFF2-40B4-BE49-F238E27FC236}">
+                <a16:creationId xmlns:a16="http://schemas.microsoft.com/office/drawing/2014/main" id="{4001812B-B623-CDFA-BD41-FDA6776DBE78}"/>
+              </a:ext>
+            </a:extLst>
+          </p:cNvPr>
+          <p:cNvSpPr/>
+          <p:nvPr/>
+        </p:nvSpPr>
+        <p:spPr>
+          <a:xfrm>
+            <a:off x="6249367" y="3099450"/>
+            <a:ext cx="119684" cy="119684"/>
+          </a:xfrm>
+          <a:prstGeom prst="ellipse">
+            <a:avLst/>
+          </a:prstGeom>
+          <a:solidFill>
+            <a:schemeClr val="accent1"/>
+          </a:solidFill>
+          <a:ln>
+            <a:noFill/>
+          </a:ln>
+        </p:spPr>
+        <p:style>
+          <a:lnRef idx="2">
+            <a:schemeClr val="accent1">
+              <a:shade val="50000"/>
+            </a:schemeClr>
+          </a:lnRef>
+          <a:fillRef idx="1">
+            <a:schemeClr val="accent1"/>
+          </a:fillRef>
+          <a:effectRef idx="0">
+            <a:schemeClr val="accent1"/>
+          </a:effectRef>
+          <a:fontRef idx="minor">
+            <a:schemeClr val="lt1"/>
+          </a:fontRef>
+        </p:style>
+        <p:txBody>
+          <a:bodyPr rtlCol="0" anchor="ctr"/>
+          <a:lstStyle/>
+          <a:p>
+            <a:pPr algn="ctr"/>
+            <a:endParaRPr lang="zh-CN" altLang="en-US"/>
+          </a:p>
+        </p:txBody>
+      </p:sp>
+      <mc:AlternateContent xmlns:mc="http://schemas.openxmlformats.org/markup-compatibility/2006" xmlns:a14="http://schemas.microsoft.com/office/drawing/2010/main">
+        <mc:Choice Requires="a14">
+          <p:sp>
+            <p:nvSpPr>
+              <p:cNvPr id="33" name="文本框 32">
+                <a:extLst>
+                  <a:ext uri="{FF2B5EF4-FFF2-40B4-BE49-F238E27FC236}">
+                    <a16:creationId xmlns:a16="http://schemas.microsoft.com/office/drawing/2014/main" id="{DF80C023-3333-2B0B-5B64-1F6D0635FC8E}"/>
+                  </a:ext>
+                </a:extLst>
+              </p:cNvPr>
+              <p:cNvSpPr txBox="1"/>
+              <p:nvPr/>
+            </p:nvSpPr>
+            <p:spPr>
+              <a:xfrm>
+                <a:off x="5429144" y="1611477"/>
+                <a:ext cx="447367" cy="369332"/>
+              </a:xfrm>
+              <a:prstGeom prst="rect">
+                <a:avLst/>
+              </a:prstGeom>
+              <a:noFill/>
+            </p:spPr>
+            <p:txBody>
+              <a:bodyPr wrap="none" rtlCol="0">
+                <a:spAutoFit/>
+              </a:bodyPr>
+              <a:lstStyle/>
+              <a:p>
+                <a:pPr/>
+                <a14:m>
+                  <m:oMathPara xmlns:m="http://schemas.openxmlformats.org/officeDocument/2006/math">
+                    <m:oMathParaPr>
+                      <m:jc m:val="centerGroup"/>
+                    </m:oMathParaPr>
+                    <m:oMath xmlns:m="http://schemas.openxmlformats.org/officeDocument/2006/math">
+                      <m:sSub>
+                        <m:sSubPr>
+                          <m:ctrlPr>
+                            <a:rPr lang="en-US" altLang="zh-CN" b="0" i="1" smtClean="0">
+                              <a:solidFill>
+                                <a:schemeClr val="accent1"/>
+                              </a:solidFill>
+                              <a:latin typeface="Cambria Math" panose="02040503050406030204" pitchFamily="18" charset="0"/>
+                            </a:rPr>
+                          </m:ctrlPr>
+                        </m:sSubPr>
+                        <m:e>
+                          <m:r>
+                            <m:rPr>
+                              <m:sty m:val="p"/>
+                            </m:rPr>
+                            <a:rPr lang="en-US" altLang="zh-CN" b="0" i="0" smtClean="0">
+                              <a:solidFill>
+                                <a:schemeClr val="accent1"/>
+                              </a:solidFill>
+                              <a:latin typeface="Cambria Math" panose="02040503050406030204" pitchFamily="18" charset="0"/>
+                            </a:rPr>
+                            <m:t>P</m:t>
+                          </m:r>
+                        </m:e>
+                        <m:sub>
+                          <m:r>
+                            <a:rPr lang="en-US" altLang="zh-CN" b="0" i="1" smtClean="0">
+                              <a:solidFill>
+                                <a:schemeClr val="accent1"/>
+                              </a:solidFill>
+                              <a:latin typeface="Cambria Math" panose="02040503050406030204" pitchFamily="18" charset="0"/>
+                            </a:rPr>
+                            <m:t>𝑐</m:t>
+                          </m:r>
+                        </m:sub>
+                      </m:sSub>
+                    </m:oMath>
+                  </m:oMathPara>
+                </a14:m>
+                <a:endParaRPr lang="zh-CN" altLang="en-US" dirty="0">
+                  <a:solidFill>
+                    <a:schemeClr val="accent1"/>
+                  </a:solidFill>
+                </a:endParaRPr>
+              </a:p>
+            </p:txBody>
+          </p:sp>
+        </mc:Choice>
+        <mc:Fallback xmlns="">
+          <p:sp>
+            <p:nvSpPr>
+              <p:cNvPr id="33" name="文本框 32">
+                <a:extLst>
+                  <a:ext uri="{FF2B5EF4-FFF2-40B4-BE49-F238E27FC236}">
+                    <a16:creationId xmlns:a16="http://schemas.microsoft.com/office/drawing/2014/main" id="{DF80C023-3333-2B0B-5B64-1F6D0635FC8E}"/>
+                  </a:ext>
+                </a:extLst>
+              </p:cNvPr>
+              <p:cNvSpPr txBox="1">
+                <a:spLocks noRot="1" noChangeAspect="1" noMove="1" noResize="1" noEditPoints="1" noAdjustHandles="1" noChangeArrowheads="1" noChangeShapeType="1" noTextEdit="1"/>
+              </p:cNvSpPr>
+              <p:nvPr/>
+            </p:nvSpPr>
+            <p:spPr>
+              <a:xfrm>
+                <a:off x="5429144" y="1611477"/>
+                <a:ext cx="447367" cy="369332"/>
+              </a:xfrm>
+              <a:prstGeom prst="rect">
+                <a:avLst/>
+              </a:prstGeom>
+              <a:blipFill>
+                <a:blip r:embed="rId2"/>
+                <a:stretch>
+                  <a:fillRect/>
+                </a:stretch>
+              </a:blipFill>
+            </p:spPr>
+            <p:txBody>
+              <a:bodyPr/>
+              <a:lstStyle/>
+              <a:p>
+                <a:r>
+                  <a:rPr lang="zh-CN" altLang="en-US">
+                    <a:noFill/>
+                  </a:rPr>
+                  <a:t> </a:t>
+                </a:r>
+              </a:p>
+            </p:txBody>
+          </p:sp>
+        </mc:Fallback>
+      </mc:AlternateContent>
+      <mc:AlternateContent xmlns:mc="http://schemas.openxmlformats.org/markup-compatibility/2006">
+        <mc:Choice xmlns:a14="http://schemas.microsoft.com/office/drawing/2010/main" Requires="a14">
+          <p:sp>
+            <p:nvSpPr>
+              <p:cNvPr id="14" name="文本框 13">
+                <a:extLst>
+                  <a:ext uri="{FF2B5EF4-FFF2-40B4-BE49-F238E27FC236}">
+                    <a16:creationId xmlns:a16="http://schemas.microsoft.com/office/drawing/2014/main" id="{C908271D-12C4-8503-9DCE-9EFDBE81F4D5}"/>
+                  </a:ext>
+                </a:extLst>
+              </p:cNvPr>
+              <p:cNvSpPr txBox="1"/>
+              <p:nvPr/>
+            </p:nvSpPr>
+            <p:spPr>
+              <a:xfrm>
+                <a:off x="4437299" y="3926518"/>
+                <a:ext cx="503279" cy="369332"/>
+              </a:xfrm>
+              <a:prstGeom prst="rect">
+                <a:avLst/>
+              </a:prstGeom>
+              <a:noFill/>
+            </p:spPr>
+            <p:txBody>
+              <a:bodyPr wrap="none" rtlCol="0">
+                <a:spAutoFit/>
+              </a:bodyPr>
+              <a:lstStyle/>
+              <a:p>
+                <a:pPr/>
+                <a14:m>
+                  <m:oMathPara xmlns:m="http://schemas.openxmlformats.org/officeDocument/2006/math">
+                    <m:oMathParaPr>
+                      <m:jc m:val="centerGroup"/>
+                    </m:oMathParaPr>
+                    <m:oMath xmlns:m="http://schemas.openxmlformats.org/officeDocument/2006/math">
+                      <m:sSub>
+                        <m:sSubPr>
+                          <m:ctrlPr>
+                            <a:rPr lang="en-US" altLang="zh-CN" b="0" i="1" smtClean="0">
+                              <a:solidFill>
+                                <a:schemeClr val="tx1"/>
+                              </a:solidFill>
+                              <a:latin typeface="Cambria Math" panose="02040503050406030204" pitchFamily="18" charset="0"/>
+                            </a:rPr>
+                          </m:ctrlPr>
+                        </m:sSubPr>
+                        <m:e>
+                          <m:r>
+                            <m:rPr>
+                              <m:sty m:val="p"/>
+                            </m:rPr>
+                            <a:rPr lang="en-US" altLang="zh-CN" i="1">
+                              <a:solidFill>
+                                <a:schemeClr val="tx1"/>
+                              </a:solidFill>
+                              <a:latin typeface="Cambria Math" panose="02040503050406030204" pitchFamily="18" charset="0"/>
+                            </a:rPr>
+                            <m:t>O</m:t>
+                          </m:r>
+                        </m:e>
+                        <m:sub>
+                          <m:r>
+                            <a:rPr lang="en-US" altLang="zh-CN" b="0" i="1" smtClean="0">
+                              <a:solidFill>
+                                <a:schemeClr val="tx1"/>
+                              </a:solidFill>
+                              <a:latin typeface="Cambria Math" panose="02040503050406030204" pitchFamily="18" charset="0"/>
+                            </a:rPr>
+                            <m:t>𝐿</m:t>
+                          </m:r>
+                        </m:sub>
+                      </m:sSub>
+                    </m:oMath>
+                  </m:oMathPara>
+                </a14:m>
+                <a:endParaRPr lang="zh-CN" altLang="en-US" dirty="0">
+                  <a:solidFill>
+                    <a:schemeClr val="tx1"/>
+                  </a:solidFill>
+                </a:endParaRPr>
+              </a:p>
+            </p:txBody>
+          </p:sp>
+        </mc:Choice>
+        <mc:Fallback>
+          <p:sp>
+            <p:nvSpPr>
+              <p:cNvPr id="14" name="文本框 13">
+                <a:extLst>
+                  <a:ext uri="{FF2B5EF4-FFF2-40B4-BE49-F238E27FC236}">
+                    <a16:creationId xmlns:a16="http://schemas.microsoft.com/office/drawing/2014/main" id="{C908271D-12C4-8503-9DCE-9EFDBE81F4D5}"/>
+                  </a:ext>
+                </a:extLst>
+              </p:cNvPr>
+              <p:cNvSpPr txBox="1">
+                <a:spLocks noRot="1" noChangeAspect="1" noMove="1" noResize="1" noEditPoints="1" noAdjustHandles="1" noChangeArrowheads="1" noChangeShapeType="1" noTextEdit="1"/>
+              </p:cNvSpPr>
+              <p:nvPr/>
+            </p:nvSpPr>
+            <p:spPr>
+              <a:xfrm>
+                <a:off x="4437299" y="3926518"/>
+                <a:ext cx="503279" cy="369332"/>
+              </a:xfrm>
+              <a:prstGeom prst="rect">
+                <a:avLst/>
+              </a:prstGeom>
+              <a:blipFill>
+                <a:blip r:embed="rId3"/>
+                <a:stretch>
+                  <a:fillRect/>
+                </a:stretch>
+              </a:blipFill>
+            </p:spPr>
+            <p:txBody>
+              <a:bodyPr/>
+              <a:lstStyle/>
+              <a:p>
+                <a:r>
+                  <a:rPr lang="zh-CN" altLang="en-US">
+                    <a:noFill/>
+                  </a:rPr>
+                  <a:t> </a:t>
+                </a:r>
+              </a:p>
+            </p:txBody>
+          </p:sp>
+        </mc:Fallback>
+      </mc:AlternateContent>
+      <mc:AlternateContent xmlns:mc="http://schemas.openxmlformats.org/markup-compatibility/2006">
+        <mc:Choice xmlns:a14="http://schemas.microsoft.com/office/drawing/2010/main" Requires="a14">
+          <p:sp>
+            <p:nvSpPr>
+              <p:cNvPr id="15" name="文本框 14">
+                <a:extLst>
+                  <a:ext uri="{FF2B5EF4-FFF2-40B4-BE49-F238E27FC236}">
+                    <a16:creationId xmlns:a16="http://schemas.microsoft.com/office/drawing/2014/main" id="{2A24348C-48A6-5588-E986-98D605CE2E25}"/>
+                  </a:ext>
+                </a:extLst>
+              </p:cNvPr>
+              <p:cNvSpPr txBox="1"/>
+              <p:nvPr/>
+            </p:nvSpPr>
+            <p:spPr>
+              <a:xfrm>
+                <a:off x="5929571" y="3080503"/>
+                <a:ext cx="577338" cy="391582"/>
+              </a:xfrm>
+              <a:prstGeom prst="rect">
+                <a:avLst/>
+              </a:prstGeom>
+              <a:noFill/>
+            </p:spPr>
+            <p:txBody>
+              <a:bodyPr wrap="none" rtlCol="0">
+                <a:spAutoFit/>
+              </a:bodyPr>
+              <a:lstStyle/>
+              <a:p>
+                <a:pPr/>
+                <a14:m>
+                  <m:oMathPara xmlns:m="http://schemas.openxmlformats.org/officeDocument/2006/math">
+                    <m:oMathParaPr>
+                      <m:jc m:val="centerGroup"/>
+                    </m:oMathParaPr>
+                    <m:oMath xmlns:m="http://schemas.openxmlformats.org/officeDocument/2006/math">
+                      <m:sSub>
+                        <m:sSubPr>
+                          <m:ctrlPr>
+                            <a:rPr lang="en-US" altLang="zh-CN" b="0" i="1" smtClean="0">
+                              <a:solidFill>
+                                <a:schemeClr val="accent1"/>
+                              </a:solidFill>
+                              <a:latin typeface="Cambria Math" panose="02040503050406030204" pitchFamily="18" charset="0"/>
+                            </a:rPr>
+                          </m:ctrlPr>
+                        </m:sSubPr>
+                        <m:e>
+                          <m:r>
+                            <a:rPr lang="en-US" altLang="zh-CN" b="0" i="1" smtClean="0">
+                              <a:solidFill>
+                                <a:schemeClr val="accent1"/>
+                              </a:solidFill>
+                              <a:latin typeface="Cambria Math" panose="02040503050406030204" pitchFamily="18" charset="0"/>
+                            </a:rPr>
+                            <m:t>𝑃</m:t>
+                          </m:r>
+                        </m:e>
+                        <m:sub>
+                          <m:r>
+                            <a:rPr lang="en-US" altLang="zh-CN" b="0" i="1" smtClean="0">
+                              <a:solidFill>
+                                <a:schemeClr val="accent1"/>
+                              </a:solidFill>
+                              <a:latin typeface="Cambria Math" panose="02040503050406030204" pitchFamily="18" charset="0"/>
+                            </a:rPr>
+                            <m:t>𝑓𝑅</m:t>
+                          </m:r>
+                        </m:sub>
+                      </m:sSub>
+                    </m:oMath>
+                  </m:oMathPara>
+                </a14:m>
+                <a:endParaRPr lang="zh-CN" altLang="en-US" dirty="0">
+                  <a:solidFill>
+                    <a:schemeClr val="accent1"/>
+                  </a:solidFill>
+                </a:endParaRPr>
+              </a:p>
+            </p:txBody>
+          </p:sp>
+        </mc:Choice>
+        <mc:Fallback>
+          <p:sp>
+            <p:nvSpPr>
+              <p:cNvPr id="15" name="文本框 14">
+                <a:extLst>
+                  <a:ext uri="{FF2B5EF4-FFF2-40B4-BE49-F238E27FC236}">
+                    <a16:creationId xmlns:a16="http://schemas.microsoft.com/office/drawing/2014/main" id="{2A24348C-48A6-5588-E986-98D605CE2E25}"/>
+                  </a:ext>
+                </a:extLst>
+              </p:cNvPr>
+              <p:cNvSpPr txBox="1">
+                <a:spLocks noRot="1" noChangeAspect="1" noMove="1" noResize="1" noEditPoints="1" noAdjustHandles="1" noChangeArrowheads="1" noChangeShapeType="1" noTextEdit="1"/>
+              </p:cNvSpPr>
+              <p:nvPr/>
+            </p:nvSpPr>
+            <p:spPr>
+              <a:xfrm>
+                <a:off x="5929571" y="3080503"/>
+                <a:ext cx="577338" cy="391582"/>
+              </a:xfrm>
+              <a:prstGeom prst="rect">
+                <a:avLst/>
+              </a:prstGeom>
+              <a:blipFill>
+                <a:blip r:embed="rId4"/>
+                <a:stretch>
+                  <a:fillRect b="-9231"/>
+                </a:stretch>
+              </a:blipFill>
+            </p:spPr>
+            <p:txBody>
+              <a:bodyPr/>
+              <a:lstStyle/>
+              <a:p>
+                <a:r>
+                  <a:rPr lang="zh-CN" altLang="en-US">
+                    <a:noFill/>
+                  </a:rPr>
+                  <a:t> </a:t>
+                </a:r>
+              </a:p>
+            </p:txBody>
+          </p:sp>
+        </mc:Fallback>
+      </mc:AlternateContent>
+      <p:sp>
+        <p:nvSpPr>
+          <p:cNvPr id="2" name="右大括号 1">
+            <a:extLst>
+              <a:ext uri="{FF2B5EF4-FFF2-40B4-BE49-F238E27FC236}">
+                <a16:creationId xmlns:a16="http://schemas.microsoft.com/office/drawing/2014/main" id="{000A3DB7-534D-F04C-CCEF-B02026FD71A9}"/>
+              </a:ext>
+            </a:extLst>
+          </p:cNvPr>
+          <p:cNvSpPr/>
+          <p:nvPr/>
+        </p:nvSpPr>
+        <p:spPr>
+          <a:xfrm>
+            <a:off x="6961694" y="3213196"/>
+            <a:ext cx="116730" cy="686647"/>
+          </a:xfrm>
+          <a:custGeom>
+            <a:avLst/>
+            <a:gdLst>
+              <a:gd name="connsiteX0" fmla="*/ 0 w 116730"/>
+              <a:gd name="connsiteY0" fmla="*/ 0 h 686647"/>
+              <a:gd name="connsiteX1" fmla="*/ 58365 w 116730"/>
+              <a:gd name="connsiteY1" fmla="*/ 9727 h 686647"/>
+              <a:gd name="connsiteX2" fmla="*/ 58365 w 116730"/>
+              <a:gd name="connsiteY2" fmla="*/ 333596 h 686647"/>
+              <a:gd name="connsiteX3" fmla="*/ 116730 w 116730"/>
+              <a:gd name="connsiteY3" fmla="*/ 343323 h 686647"/>
+              <a:gd name="connsiteX4" fmla="*/ 58365 w 116730"/>
+              <a:gd name="connsiteY4" fmla="*/ 353050 h 686647"/>
+              <a:gd name="connsiteX5" fmla="*/ 58365 w 116730"/>
+              <a:gd name="connsiteY5" fmla="*/ 676920 h 686647"/>
+              <a:gd name="connsiteX6" fmla="*/ 0 w 116730"/>
+              <a:gd name="connsiteY6" fmla="*/ 686647 h 686647"/>
+              <a:gd name="connsiteX7" fmla="*/ 0 w 116730"/>
+              <a:gd name="connsiteY7" fmla="*/ 329591 h 686647"/>
+              <a:gd name="connsiteX8" fmla="*/ 0 w 116730"/>
+              <a:gd name="connsiteY8" fmla="*/ 0 h 686647"/>
+              <a:gd name="connsiteX0" fmla="*/ 0 w 116730"/>
+              <a:gd name="connsiteY0" fmla="*/ 0 h 686647"/>
+              <a:gd name="connsiteX1" fmla="*/ 58365 w 116730"/>
+              <a:gd name="connsiteY1" fmla="*/ 9727 h 686647"/>
+              <a:gd name="connsiteX2" fmla="*/ 58365 w 116730"/>
+              <a:gd name="connsiteY2" fmla="*/ 333596 h 686647"/>
+              <a:gd name="connsiteX3" fmla="*/ 116730 w 116730"/>
+              <a:gd name="connsiteY3" fmla="*/ 343323 h 686647"/>
+              <a:gd name="connsiteX4" fmla="*/ 58365 w 116730"/>
+              <a:gd name="connsiteY4" fmla="*/ 353050 h 686647"/>
+              <a:gd name="connsiteX5" fmla="*/ 58365 w 116730"/>
+              <a:gd name="connsiteY5" fmla="*/ 676920 h 686647"/>
+              <a:gd name="connsiteX6" fmla="*/ 0 w 116730"/>
+              <a:gd name="connsiteY6" fmla="*/ 686647 h 686647"/>
+            </a:gdLst>
+            <a:ahLst/>
+            <a:cxnLst>
+              <a:cxn ang="0">
+                <a:pos x="connsiteX0" y="connsiteY0"/>
+              </a:cxn>
+              <a:cxn ang="0">
+                <a:pos x="connsiteX1" y="connsiteY1"/>
+              </a:cxn>
+              <a:cxn ang="0">
+                <a:pos x="connsiteX2" y="connsiteY2"/>
+              </a:cxn>
+              <a:cxn ang="0">
+                <a:pos x="connsiteX3" y="connsiteY3"/>
+              </a:cxn>
+              <a:cxn ang="0">
+                <a:pos x="connsiteX4" y="connsiteY4"/>
+              </a:cxn>
+              <a:cxn ang="0">
+                <a:pos x="connsiteX5" y="connsiteY5"/>
+              </a:cxn>
+              <a:cxn ang="0">
+                <a:pos x="connsiteX6" y="connsiteY6"/>
+              </a:cxn>
+            </a:cxnLst>
+            <a:rect l="l" t="t" r="r" b="b"/>
+            <a:pathLst>
+              <a:path w="116730" h="686647" stroke="0" extrusionOk="0">
+                <a:moveTo>
+                  <a:pt x="0" y="0"/>
+                </a:moveTo>
+                <a:cubicBezTo>
+                  <a:pt x="31369" y="-534"/>
+                  <a:pt x="58010" y="4488"/>
+                  <a:pt x="58365" y="9727"/>
+                </a:cubicBezTo>
+                <a:cubicBezTo>
+                  <a:pt x="95787" y="168044"/>
+                  <a:pt x="52033" y="227425"/>
+                  <a:pt x="58365" y="333596"/>
+                </a:cubicBezTo>
+                <a:cubicBezTo>
+                  <a:pt x="56110" y="337253"/>
+                  <a:pt x="84231" y="343868"/>
+                  <a:pt x="116730" y="343323"/>
+                </a:cubicBezTo>
+                <a:cubicBezTo>
+                  <a:pt x="84514" y="344759"/>
+                  <a:pt x="58161" y="347021"/>
+                  <a:pt x="58365" y="353050"/>
+                </a:cubicBezTo>
+                <a:cubicBezTo>
+                  <a:pt x="80697" y="462762"/>
+                  <a:pt x="20184" y="544450"/>
+                  <a:pt x="58365" y="676920"/>
+                </a:cubicBezTo>
+                <a:cubicBezTo>
+                  <a:pt x="55133" y="685334"/>
+                  <a:pt x="31855" y="683028"/>
+                  <a:pt x="0" y="686647"/>
+                </a:cubicBezTo>
+                <a:cubicBezTo>
+                  <a:pt x="-24359" y="583393"/>
+                  <a:pt x="6640" y="472147"/>
+                  <a:pt x="0" y="329591"/>
+                </a:cubicBezTo>
+                <a:cubicBezTo>
+                  <a:pt x="-6640" y="187035"/>
+                  <a:pt x="10160" y="161729"/>
+                  <a:pt x="0" y="0"/>
+                </a:cubicBezTo>
+                <a:close/>
+              </a:path>
+              <a:path w="116730" h="686647" fill="none" extrusionOk="0">
+                <a:moveTo>
+                  <a:pt x="0" y="0"/>
+                </a:moveTo>
+                <a:cubicBezTo>
+                  <a:pt x="33130" y="733"/>
+                  <a:pt x="58860" y="5092"/>
+                  <a:pt x="58365" y="9727"/>
+                </a:cubicBezTo>
+                <a:cubicBezTo>
+                  <a:pt x="81446" y="150392"/>
+                  <a:pt x="53784" y="266084"/>
+                  <a:pt x="58365" y="333596"/>
+                </a:cubicBezTo>
+                <a:cubicBezTo>
+                  <a:pt x="56975" y="338612"/>
+                  <a:pt x="85470" y="342113"/>
+                  <a:pt x="116730" y="343323"/>
+                </a:cubicBezTo>
+                <a:cubicBezTo>
+                  <a:pt x="83793" y="343051"/>
+                  <a:pt x="58114" y="347051"/>
+                  <a:pt x="58365" y="353050"/>
+                </a:cubicBezTo>
+                <a:cubicBezTo>
+                  <a:pt x="71459" y="436600"/>
+                  <a:pt x="38163" y="538552"/>
+                  <a:pt x="58365" y="676920"/>
+                </a:cubicBezTo>
+                <a:cubicBezTo>
+                  <a:pt x="58822" y="676109"/>
+                  <a:pt x="30959" y="687391"/>
+                  <a:pt x="0" y="686647"/>
+                </a:cubicBezTo>
+              </a:path>
+            </a:pathLst>
+          </a:custGeom>
+          <a:ln w="12700">
+            <a:solidFill>
+              <a:schemeClr val="tx1"/>
+            </a:solidFill>
+            <a:extLst>
+              <a:ext uri="{C807C97D-BFC1-408E-A445-0C87EB9F89A2}">
+                <ask:lineSketchStyleProps xmlns:ask="http://schemas.microsoft.com/office/drawing/2018/sketchyshapes" sd="1219033472">
+                  <a:prstGeom prst="rightBrace">
+                    <a:avLst/>
+                  </a:prstGeom>
+                  <ask:type>
+                    <ask:lineSketchScribble/>
+                  </ask:type>
+                </ask:lineSketchStyleProps>
+              </a:ext>
+            </a:extLst>
+          </a:ln>
+        </p:spPr>
+        <p:style>
+          <a:lnRef idx="1">
+            <a:schemeClr val="accent1"/>
+          </a:lnRef>
+          <a:fillRef idx="0">
+            <a:schemeClr val="accent1"/>
+          </a:fillRef>
+          <a:effectRef idx="0">
+            <a:schemeClr val="accent1"/>
+          </a:effectRef>
+          <a:fontRef idx="minor">
+            <a:schemeClr val="tx1"/>
+          </a:fontRef>
+        </p:style>
+        <p:txBody>
+          <a:bodyPr rtlCol="0" anchor="ctr"/>
+          <a:lstStyle/>
+          <a:p>
+            <a:pPr algn="ctr"/>
+            <a:endParaRPr lang="zh-CN" altLang="en-US"/>
+          </a:p>
+        </p:txBody>
+      </p:sp>
+      <mc:AlternateContent xmlns:mc="http://schemas.openxmlformats.org/markup-compatibility/2006">
+        <mc:Choice xmlns:a14="http://schemas.microsoft.com/office/drawing/2010/main" Requires="a14">
+          <p:sp>
+            <p:nvSpPr>
+              <p:cNvPr id="19" name="文本框 18">
+                <a:extLst>
+                  <a:ext uri="{FF2B5EF4-FFF2-40B4-BE49-F238E27FC236}">
+                    <a16:creationId xmlns:a16="http://schemas.microsoft.com/office/drawing/2014/main" id="{2629171D-F080-1D50-5A4C-A298A11EE0E4}"/>
+                  </a:ext>
+                </a:extLst>
+              </p:cNvPr>
+              <p:cNvSpPr txBox="1"/>
+              <p:nvPr/>
+            </p:nvSpPr>
+            <p:spPr>
+              <a:xfrm>
+                <a:off x="7002297" y="3356367"/>
+                <a:ext cx="359009" cy="338554"/>
+              </a:xfrm>
+              <a:prstGeom prst="rect">
+                <a:avLst/>
+              </a:prstGeom>
+              <a:noFill/>
+            </p:spPr>
+            <p:txBody>
+              <a:bodyPr wrap="none" rtlCol="0">
+                <a:spAutoFit/>
+              </a:bodyPr>
+              <a:lstStyle/>
+              <a:p>
+                <a:pPr/>
+                <a14:m>
+                  <m:oMathPara xmlns:m="http://schemas.openxmlformats.org/officeDocument/2006/math">
+                    <m:oMathParaPr>
+                      <m:jc m:val="centerGroup"/>
+                    </m:oMathParaPr>
+                    <m:oMath xmlns:m="http://schemas.openxmlformats.org/officeDocument/2006/math">
+                      <m:r>
+                        <a:rPr lang="en-US" altLang="zh-CN" sz="1600" b="0" i="1" smtClean="0">
+                          <a:solidFill>
+                            <a:schemeClr val="tx1"/>
+                          </a:solidFill>
+                          <a:latin typeface="Cambria Math" panose="02040503050406030204" pitchFamily="18" charset="0"/>
+                        </a:rPr>
+                        <m:t>𝑓</m:t>
+                      </m:r>
+                    </m:oMath>
+                  </m:oMathPara>
+                </a14:m>
+                <a:endParaRPr lang="zh-CN" altLang="en-US" sz="1600" dirty="0">
+                  <a:solidFill>
+                    <a:schemeClr val="tx1"/>
+                  </a:solidFill>
+                </a:endParaRPr>
+              </a:p>
+            </p:txBody>
+          </p:sp>
+        </mc:Choice>
+        <mc:Fallback>
+          <p:sp>
+            <p:nvSpPr>
+              <p:cNvPr id="19" name="文本框 18">
+                <a:extLst>
+                  <a:ext uri="{FF2B5EF4-FFF2-40B4-BE49-F238E27FC236}">
+                    <a16:creationId xmlns:a16="http://schemas.microsoft.com/office/drawing/2014/main" id="{2629171D-F080-1D50-5A4C-A298A11EE0E4}"/>
+                  </a:ext>
+                </a:extLst>
+              </p:cNvPr>
+              <p:cNvSpPr txBox="1">
+                <a:spLocks noRot="1" noChangeAspect="1" noMove="1" noResize="1" noEditPoints="1" noAdjustHandles="1" noChangeArrowheads="1" noChangeShapeType="1" noTextEdit="1"/>
+              </p:cNvSpPr>
+              <p:nvPr/>
+            </p:nvSpPr>
+            <p:spPr>
+              <a:xfrm>
+                <a:off x="7002297" y="3356367"/>
+                <a:ext cx="359009" cy="338554"/>
+              </a:xfrm>
+              <a:prstGeom prst="rect">
+                <a:avLst/>
+              </a:prstGeom>
+              <a:blipFill>
+                <a:blip r:embed="rId5"/>
+                <a:stretch>
+                  <a:fillRect b="-10909"/>
+                </a:stretch>
+              </a:blipFill>
+            </p:spPr>
+            <p:txBody>
+              <a:bodyPr/>
+              <a:lstStyle/>
+              <a:p>
+                <a:r>
+                  <a:rPr lang="zh-CN" altLang="en-US">
+                    <a:noFill/>
+                  </a:rPr>
+                  <a:t> </a:t>
+                </a:r>
+              </a:p>
+            </p:txBody>
+          </p:sp>
+        </mc:Fallback>
+      </mc:AlternateContent>
+      <p:cxnSp>
+        <p:nvCxnSpPr>
+          <p:cNvPr id="22" name="直接连接符 21">
+            <a:extLst>
+              <a:ext uri="{FF2B5EF4-FFF2-40B4-BE49-F238E27FC236}">
+                <a16:creationId xmlns:a16="http://schemas.microsoft.com/office/drawing/2014/main" id="{4D9EBE93-0084-E4EA-5216-561652BF26DD}"/>
+              </a:ext>
+            </a:extLst>
+          </p:cNvPr>
+          <p:cNvCxnSpPr>
+            <a:cxnSpLocks/>
+            <a:endCxn id="4" idx="2"/>
+          </p:cNvCxnSpPr>
+          <p:nvPr/>
+        </p:nvCxnSpPr>
+        <p:spPr>
+          <a:xfrm flipV="1">
+            <a:off x="4451708" y="1796143"/>
+            <a:ext cx="894733" cy="0"/>
+          </a:xfrm>
+          <a:prstGeom prst="line">
+            <a:avLst/>
+          </a:prstGeom>
+          <a:ln w="15875">
+            <a:prstDash val="dash"/>
+          </a:ln>
+        </p:spPr>
+        <p:style>
+          <a:lnRef idx="1">
+            <a:schemeClr val="dk1"/>
+          </a:lnRef>
+          <a:fillRef idx="0">
+            <a:schemeClr val="dk1"/>
+          </a:fillRef>
+          <a:effectRef idx="0">
+            <a:schemeClr val="dk1"/>
+          </a:effectRef>
+          <a:fontRef idx="minor">
+            <a:schemeClr val="tx1"/>
+          </a:fontRef>
+        </p:style>
+      </p:cxnSp>
+      <p:sp>
+        <p:nvSpPr>
+          <p:cNvPr id="18" name="左大括号 17">
+            <a:extLst>
+              <a:ext uri="{FF2B5EF4-FFF2-40B4-BE49-F238E27FC236}">
+                <a16:creationId xmlns:a16="http://schemas.microsoft.com/office/drawing/2014/main" id="{CA1572C4-EC3C-52B0-3F65-16962CB29DFB}"/>
+              </a:ext>
+            </a:extLst>
+          </p:cNvPr>
+          <p:cNvSpPr/>
+          <p:nvPr/>
+        </p:nvSpPr>
+        <p:spPr>
+          <a:xfrm>
+            <a:off x="4377172" y="1925053"/>
+            <a:ext cx="120255" cy="1914357"/>
+          </a:xfrm>
+          <a:custGeom>
+            <a:avLst/>
+            <a:gdLst>
+              <a:gd name="connsiteX0" fmla="*/ 120255 w 120255"/>
+              <a:gd name="connsiteY0" fmla="*/ 1914357 h 1914357"/>
+              <a:gd name="connsiteX1" fmla="*/ 60127 w 120255"/>
+              <a:gd name="connsiteY1" fmla="*/ 1904336 h 1914357"/>
+              <a:gd name="connsiteX2" fmla="*/ 60128 w 120255"/>
+              <a:gd name="connsiteY2" fmla="*/ 967199 h 1914357"/>
+              <a:gd name="connsiteX3" fmla="*/ 0 w 120255"/>
+              <a:gd name="connsiteY3" fmla="*/ 957178 h 1914357"/>
+              <a:gd name="connsiteX4" fmla="*/ 60128 w 120255"/>
+              <a:gd name="connsiteY4" fmla="*/ 947157 h 1914357"/>
+              <a:gd name="connsiteX5" fmla="*/ 60128 w 120255"/>
+              <a:gd name="connsiteY5" fmla="*/ 10021 h 1914357"/>
+              <a:gd name="connsiteX6" fmla="*/ 120256 w 120255"/>
+              <a:gd name="connsiteY6" fmla="*/ 0 h 1914357"/>
+              <a:gd name="connsiteX7" fmla="*/ 120255 w 120255"/>
+              <a:gd name="connsiteY7" fmla="*/ 1914357 h 1914357"/>
+              <a:gd name="connsiteX0" fmla="*/ 120255 w 120255"/>
+              <a:gd name="connsiteY0" fmla="*/ 1914357 h 1914357"/>
+              <a:gd name="connsiteX1" fmla="*/ 60127 w 120255"/>
+              <a:gd name="connsiteY1" fmla="*/ 1904336 h 1914357"/>
+              <a:gd name="connsiteX2" fmla="*/ 60128 w 120255"/>
+              <a:gd name="connsiteY2" fmla="*/ 967199 h 1914357"/>
+              <a:gd name="connsiteX3" fmla="*/ 0 w 120255"/>
+              <a:gd name="connsiteY3" fmla="*/ 957178 h 1914357"/>
+              <a:gd name="connsiteX4" fmla="*/ 60128 w 120255"/>
+              <a:gd name="connsiteY4" fmla="*/ 947157 h 1914357"/>
+              <a:gd name="connsiteX5" fmla="*/ 60128 w 120255"/>
+              <a:gd name="connsiteY5" fmla="*/ 10021 h 1914357"/>
+              <a:gd name="connsiteX6" fmla="*/ 120256 w 120255"/>
+              <a:gd name="connsiteY6" fmla="*/ 0 h 1914357"/>
+            </a:gdLst>
+            <a:ahLst/>
+            <a:cxnLst>
+              <a:cxn ang="0">
+                <a:pos x="connsiteX0" y="connsiteY0"/>
+              </a:cxn>
+              <a:cxn ang="0">
+                <a:pos x="connsiteX1" y="connsiteY1"/>
+              </a:cxn>
+              <a:cxn ang="0">
+                <a:pos x="connsiteX2" y="connsiteY2"/>
+              </a:cxn>
+              <a:cxn ang="0">
+                <a:pos x="connsiteX3" y="connsiteY3"/>
+              </a:cxn>
+              <a:cxn ang="0">
+                <a:pos x="connsiteX4" y="connsiteY4"/>
+              </a:cxn>
+              <a:cxn ang="0">
+                <a:pos x="connsiteX5" y="connsiteY5"/>
+              </a:cxn>
+              <a:cxn ang="0">
+                <a:pos x="connsiteX6" y="connsiteY6"/>
+              </a:cxn>
+            </a:cxnLst>
+            <a:rect l="l" t="t" r="r" b="b"/>
+            <a:pathLst>
+              <a:path w="120255" h="1914357" stroke="0" extrusionOk="0">
+                <a:moveTo>
+                  <a:pt x="120255" y="1914357"/>
+                </a:moveTo>
+                <a:cubicBezTo>
+                  <a:pt x="86510" y="1914025"/>
+                  <a:pt x="59390" y="1910147"/>
+                  <a:pt x="60127" y="1904336"/>
+                </a:cubicBezTo>
+                <a:cubicBezTo>
+                  <a:pt x="89539" y="1598149"/>
+                  <a:pt x="55487" y="1279726"/>
+                  <a:pt x="60128" y="967199"/>
+                </a:cubicBezTo>
+                <a:cubicBezTo>
+                  <a:pt x="57361" y="964367"/>
+                  <a:pt x="32370" y="961809"/>
+                  <a:pt x="0" y="957178"/>
+                </a:cubicBezTo>
+                <a:cubicBezTo>
+                  <a:pt x="32575" y="956832"/>
+                  <a:pt x="60510" y="952873"/>
+                  <a:pt x="60128" y="947157"/>
+                </a:cubicBezTo>
+                <a:cubicBezTo>
+                  <a:pt x="-21552" y="489273"/>
+                  <a:pt x="11826" y="361394"/>
+                  <a:pt x="60128" y="10021"/>
+                </a:cubicBezTo>
+                <a:cubicBezTo>
+                  <a:pt x="58394" y="4221"/>
+                  <a:pt x="86513" y="504"/>
+                  <a:pt x="120256" y="0"/>
+                </a:cubicBezTo>
+                <a:cubicBezTo>
+                  <a:pt x="116552" y="602799"/>
+                  <a:pt x="53254" y="1369350"/>
+                  <a:pt x="120255" y="1914357"/>
+                </a:cubicBezTo>
+                <a:close/>
+              </a:path>
+              <a:path w="120255" h="1914357" fill="none" extrusionOk="0">
+                <a:moveTo>
+                  <a:pt x="120255" y="1914357"/>
+                </a:moveTo>
+                <a:cubicBezTo>
+                  <a:pt x="87560" y="1914644"/>
+                  <a:pt x="61149" y="1910116"/>
+                  <a:pt x="60127" y="1904336"/>
+                </a:cubicBezTo>
+                <a:cubicBezTo>
+                  <a:pt x="49989" y="1590317"/>
+                  <a:pt x="71379" y="1288779"/>
+                  <a:pt x="60128" y="967199"/>
+                </a:cubicBezTo>
+                <a:cubicBezTo>
+                  <a:pt x="63029" y="965983"/>
+                  <a:pt x="33435" y="959529"/>
+                  <a:pt x="0" y="957178"/>
+                </a:cubicBezTo>
+                <a:cubicBezTo>
+                  <a:pt x="33699" y="957934"/>
+                  <a:pt x="60818" y="953536"/>
+                  <a:pt x="60128" y="947157"/>
+                </a:cubicBezTo>
+                <a:cubicBezTo>
+                  <a:pt x="106733" y="685729"/>
+                  <a:pt x="-8651" y="375343"/>
+                  <a:pt x="60128" y="10021"/>
+                </a:cubicBezTo>
+                <a:cubicBezTo>
+                  <a:pt x="59558" y="4581"/>
+                  <a:pt x="85950" y="-758"/>
+                  <a:pt x="120256" y="0"/>
+                </a:cubicBezTo>
+              </a:path>
+            </a:pathLst>
+          </a:custGeom>
+          <a:ln w="12700">
+            <a:solidFill>
+              <a:schemeClr val="tx1"/>
+            </a:solidFill>
+            <a:extLst>
+              <a:ext uri="{C807C97D-BFC1-408E-A445-0C87EB9F89A2}">
+                <ask:lineSketchStyleProps xmlns:ask="http://schemas.microsoft.com/office/drawing/2018/sketchyshapes" sd="1219033472">
+                  <a:prstGeom prst="leftBrace">
+                    <a:avLst/>
+                  </a:prstGeom>
+                  <ask:type>
+                    <ask:lineSketchCurved/>
+                  </ask:type>
+                </ask:lineSketchStyleProps>
+              </a:ext>
+            </a:extLst>
+          </a:ln>
+        </p:spPr>
+        <p:style>
+          <a:lnRef idx="1">
+            <a:schemeClr val="accent1"/>
+          </a:lnRef>
+          <a:fillRef idx="0">
+            <a:schemeClr val="accent1"/>
+          </a:fillRef>
+          <a:effectRef idx="0">
+            <a:schemeClr val="accent1"/>
+          </a:effectRef>
+          <a:fontRef idx="minor">
+            <a:schemeClr val="tx1"/>
+          </a:fontRef>
+        </p:style>
+        <p:txBody>
+          <a:bodyPr rtlCol="0" anchor="ctr"/>
+          <a:lstStyle/>
+          <a:p>
+            <a:pPr algn="ctr"/>
+            <a:endParaRPr lang="zh-CN" altLang="en-US"/>
+          </a:p>
+        </p:txBody>
+      </p:sp>
+      <mc:AlternateContent xmlns:mc="http://schemas.openxmlformats.org/markup-compatibility/2006">
+        <mc:Choice xmlns:a14="http://schemas.microsoft.com/office/drawing/2010/main" Requires="a14">
+          <p:sp>
+            <p:nvSpPr>
+              <p:cNvPr id="26" name="文本框 25">
+                <a:extLst>
+                  <a:ext uri="{FF2B5EF4-FFF2-40B4-BE49-F238E27FC236}">
+                    <a16:creationId xmlns:a16="http://schemas.microsoft.com/office/drawing/2014/main" id="{854CEAF0-40C0-1D24-80D8-42425C7C421B}"/>
+                  </a:ext>
+                </a:extLst>
+              </p:cNvPr>
+              <p:cNvSpPr txBox="1"/>
+              <p:nvPr/>
+            </p:nvSpPr>
+            <p:spPr>
+              <a:xfrm>
+                <a:off x="3993690" y="2707851"/>
+                <a:ext cx="445185" cy="338554"/>
+              </a:xfrm>
+              <a:prstGeom prst="rect">
+                <a:avLst/>
+              </a:prstGeom>
+              <a:noFill/>
+            </p:spPr>
+            <p:txBody>
+              <a:bodyPr wrap="none" rtlCol="0">
+                <a:spAutoFit/>
+              </a:bodyPr>
+              <a:lstStyle/>
+              <a:p>
+                <a:pPr/>
+                <a14:m>
+                  <m:oMathPara xmlns:m="http://schemas.openxmlformats.org/officeDocument/2006/math">
+                    <m:oMathParaPr>
+                      <m:jc m:val="centerGroup"/>
+                    </m:oMathParaPr>
+                    <m:oMath xmlns:m="http://schemas.openxmlformats.org/officeDocument/2006/math">
+                      <m:sSub>
+                        <m:sSubPr>
+                          <m:ctrlPr>
+                            <a:rPr lang="en-US" altLang="zh-CN" sz="1600" i="1" dirty="0" smtClean="0">
+                              <a:solidFill>
+                                <a:schemeClr val="tx1"/>
+                              </a:solidFill>
+                              <a:latin typeface="Cambria Math" panose="02040503050406030204" pitchFamily="18" charset="0"/>
+                            </a:rPr>
+                          </m:ctrlPr>
+                        </m:sSubPr>
+                        <m:e>
+                          <m:r>
+                            <a:rPr lang="en-US" altLang="zh-CN" sz="1600" i="1" dirty="0" smtClean="0">
+                              <a:solidFill>
+                                <a:schemeClr val="tx1"/>
+                              </a:solidFill>
+                              <a:latin typeface="Cambria Math" panose="02040503050406030204" pitchFamily="18" charset="0"/>
+                            </a:rPr>
+                            <m:t>𝑍</m:t>
+                          </m:r>
+                        </m:e>
+                        <m:sub>
+                          <m:r>
+                            <a:rPr lang="en-US" altLang="zh-CN" sz="1600" i="1" dirty="0" smtClean="0">
+                              <a:solidFill>
+                                <a:schemeClr val="tx1"/>
+                              </a:solidFill>
+                              <a:latin typeface="Cambria Math" panose="02040503050406030204" pitchFamily="18" charset="0"/>
+                            </a:rPr>
+                            <m:t>𝑐</m:t>
+                          </m:r>
+                        </m:sub>
+                      </m:sSub>
+                    </m:oMath>
+                  </m:oMathPara>
+                </a14:m>
+                <a:endParaRPr lang="zh-CN" altLang="en-US" sz="1600" dirty="0">
+                  <a:solidFill>
+                    <a:schemeClr val="tx1"/>
+                  </a:solidFill>
+                </a:endParaRPr>
+              </a:p>
+            </p:txBody>
+          </p:sp>
+        </mc:Choice>
+        <mc:Fallback>
+          <p:sp>
+            <p:nvSpPr>
+              <p:cNvPr id="26" name="文本框 25">
+                <a:extLst>
+                  <a:ext uri="{FF2B5EF4-FFF2-40B4-BE49-F238E27FC236}">
+                    <a16:creationId xmlns:a16="http://schemas.microsoft.com/office/drawing/2014/main" id="{854CEAF0-40C0-1D24-80D8-42425C7C421B}"/>
+                  </a:ext>
+                </a:extLst>
+              </p:cNvPr>
+              <p:cNvSpPr txBox="1">
+                <a:spLocks noRot="1" noChangeAspect="1" noMove="1" noResize="1" noEditPoints="1" noAdjustHandles="1" noChangeArrowheads="1" noChangeShapeType="1" noTextEdit="1"/>
+              </p:cNvSpPr>
+              <p:nvPr/>
+            </p:nvSpPr>
+            <p:spPr>
+              <a:xfrm>
+                <a:off x="3993690" y="2707851"/>
+                <a:ext cx="445185" cy="338554"/>
+              </a:xfrm>
+              <a:prstGeom prst="rect">
+                <a:avLst/>
+              </a:prstGeom>
+              <a:blipFill>
+                <a:blip r:embed="rId6"/>
+                <a:stretch>
+                  <a:fillRect/>
+                </a:stretch>
+              </a:blipFill>
+            </p:spPr>
+            <p:txBody>
+              <a:bodyPr/>
+              <a:lstStyle/>
+              <a:p>
+                <a:r>
+                  <a:rPr lang="zh-CN" altLang="en-US">
+                    <a:noFill/>
+                  </a:rPr>
+                  <a:t> </a:t>
+                </a:r>
+              </a:p>
+            </p:txBody>
+          </p:sp>
+        </mc:Fallback>
+      </mc:AlternateContent>
+      <mc:AlternateContent xmlns:mc="http://schemas.openxmlformats.org/markup-compatibility/2006">
+        <mc:Choice xmlns:a14="http://schemas.microsoft.com/office/drawing/2010/main" Requires="a14">
+          <p:sp>
+            <p:nvSpPr>
+              <p:cNvPr id="27" name="文本框 26">
+                <a:extLst>
+                  <a:ext uri="{FF2B5EF4-FFF2-40B4-BE49-F238E27FC236}">
+                    <a16:creationId xmlns:a16="http://schemas.microsoft.com/office/drawing/2014/main" id="{E773239A-DC2A-E31D-BCBA-DD8323926E20}"/>
+                  </a:ext>
+                </a:extLst>
+              </p:cNvPr>
+              <p:cNvSpPr txBox="1"/>
+              <p:nvPr/>
+            </p:nvSpPr>
+            <p:spPr>
+              <a:xfrm>
+                <a:off x="4124093" y="2595627"/>
+                <a:ext cx="346570" cy="369332"/>
+              </a:xfrm>
+              <a:prstGeom prst="rect">
+                <a:avLst/>
+              </a:prstGeom>
+              <a:noFill/>
+            </p:spPr>
+            <p:txBody>
+              <a:bodyPr wrap="none" rtlCol="0">
+                <a:spAutoFit/>
+              </a:bodyPr>
+              <a:lstStyle/>
+              <a:p>
+                <a:pPr/>
+                <a14:m>
+                  <m:oMathPara xmlns:m="http://schemas.openxmlformats.org/officeDocument/2006/math">
+                    <m:oMathParaPr>
+                      <m:jc m:val="centerGroup"/>
+                    </m:oMathParaPr>
+                    <m:oMath xmlns:m="http://schemas.openxmlformats.org/officeDocument/2006/math">
+                      <m:r>
+                        <a:rPr lang="en-US" altLang="zh-CN" b="1" i="1" dirty="0" smtClean="0">
+                          <a:solidFill>
+                            <a:srgbClr val="C00000"/>
+                          </a:solidFill>
+                          <a:latin typeface="Cambria Math" panose="02040503050406030204" pitchFamily="18" charset="0"/>
+                        </a:rPr>
+                        <m:t>?</m:t>
+                      </m:r>
+                    </m:oMath>
+                  </m:oMathPara>
+                </a14:m>
+                <a:endParaRPr lang="zh-CN" altLang="en-US" b="1" dirty="0">
+                  <a:solidFill>
+                    <a:srgbClr val="C00000"/>
+                  </a:solidFill>
+                </a:endParaRPr>
+              </a:p>
+            </p:txBody>
+          </p:sp>
+        </mc:Choice>
+        <mc:Fallback>
+          <p:sp>
+            <p:nvSpPr>
+              <p:cNvPr id="27" name="文本框 26">
+                <a:extLst>
+                  <a:ext uri="{FF2B5EF4-FFF2-40B4-BE49-F238E27FC236}">
+                    <a16:creationId xmlns:a16="http://schemas.microsoft.com/office/drawing/2014/main" id="{E773239A-DC2A-E31D-BCBA-DD8323926E20}"/>
+                  </a:ext>
+                </a:extLst>
+              </p:cNvPr>
+              <p:cNvSpPr txBox="1">
+                <a:spLocks noRot="1" noChangeAspect="1" noMove="1" noResize="1" noEditPoints="1" noAdjustHandles="1" noChangeArrowheads="1" noChangeShapeType="1" noTextEdit="1"/>
+              </p:cNvSpPr>
+              <p:nvPr/>
+            </p:nvSpPr>
+            <p:spPr>
+              <a:xfrm>
+                <a:off x="4124093" y="2595627"/>
+                <a:ext cx="346570" cy="369332"/>
+              </a:xfrm>
+              <a:prstGeom prst="rect">
+                <a:avLst/>
+              </a:prstGeom>
+              <a:blipFill>
+                <a:blip r:embed="rId7"/>
+                <a:stretch>
+                  <a:fillRect/>
+                </a:stretch>
+              </a:blipFill>
+            </p:spPr>
+            <p:txBody>
+              <a:bodyPr/>
+              <a:lstStyle/>
+              <a:p>
+                <a:r>
+                  <a:rPr lang="zh-CN" altLang="en-US">
+                    <a:noFill/>
+                  </a:rPr>
+                  <a:t> </a:t>
+                </a:r>
+              </a:p>
+            </p:txBody>
+          </p:sp>
+        </mc:Fallback>
+      </mc:AlternateContent>
+      <mc:AlternateContent xmlns:mc="http://schemas.openxmlformats.org/markup-compatibility/2006">
+        <mc:Choice xmlns:a14="http://schemas.microsoft.com/office/drawing/2010/main" Requires="a14">
+          <p:sp>
+            <p:nvSpPr>
+              <p:cNvPr id="28" name="文本框 27">
+                <a:extLst>
+                  <a:ext uri="{FF2B5EF4-FFF2-40B4-BE49-F238E27FC236}">
+                    <a16:creationId xmlns:a16="http://schemas.microsoft.com/office/drawing/2014/main" id="{E2D8E017-7842-BAFE-9E28-FC01CCA7CE98}"/>
+                  </a:ext>
+                </a:extLst>
+              </p:cNvPr>
+              <p:cNvSpPr txBox="1"/>
+              <p:nvPr/>
+            </p:nvSpPr>
+            <p:spPr>
+              <a:xfrm>
+                <a:off x="5051474" y="3257202"/>
+                <a:ext cx="557524" cy="391582"/>
+              </a:xfrm>
+              <a:prstGeom prst="rect">
+                <a:avLst/>
+              </a:prstGeom>
+              <a:noFill/>
+            </p:spPr>
+            <p:txBody>
+              <a:bodyPr wrap="none" rtlCol="0">
+                <a:spAutoFit/>
+              </a:bodyPr>
+              <a:lstStyle/>
+              <a:p>
+                <a:pPr/>
+                <a14:m>
+                  <m:oMathPara xmlns:m="http://schemas.openxmlformats.org/officeDocument/2006/math">
+                    <m:oMathParaPr>
+                      <m:jc m:val="centerGroup"/>
+                    </m:oMathParaPr>
+                    <m:oMath xmlns:m="http://schemas.openxmlformats.org/officeDocument/2006/math">
+                      <m:sSub>
+                        <m:sSubPr>
+                          <m:ctrlPr>
+                            <a:rPr lang="en-US" altLang="zh-CN" b="0" i="1" smtClean="0">
+                              <a:solidFill>
+                                <a:schemeClr val="accent1"/>
+                              </a:solidFill>
+                              <a:latin typeface="Cambria Math" panose="02040503050406030204" pitchFamily="18" charset="0"/>
+                            </a:rPr>
+                          </m:ctrlPr>
+                        </m:sSubPr>
+                        <m:e>
+                          <m:r>
+                            <a:rPr lang="en-US" altLang="zh-CN" b="0" i="1" smtClean="0">
+                              <a:solidFill>
+                                <a:schemeClr val="accent1"/>
+                              </a:solidFill>
+                              <a:latin typeface="Cambria Math" panose="02040503050406030204" pitchFamily="18" charset="0"/>
+                            </a:rPr>
+                            <m:t>𝑃</m:t>
+                          </m:r>
+                        </m:e>
+                        <m:sub>
+                          <m:r>
+                            <a:rPr lang="en-US" altLang="zh-CN" b="0" i="1" smtClean="0">
+                              <a:solidFill>
+                                <a:schemeClr val="accent1"/>
+                              </a:solidFill>
+                              <a:latin typeface="Cambria Math" panose="02040503050406030204" pitchFamily="18" charset="0"/>
+                            </a:rPr>
+                            <m:t>𝑓𝐿</m:t>
+                          </m:r>
+                        </m:sub>
+                      </m:sSub>
+                    </m:oMath>
+                  </m:oMathPara>
+                </a14:m>
+                <a:endParaRPr lang="zh-CN" altLang="en-US" dirty="0">
+                  <a:solidFill>
+                    <a:schemeClr val="accent1"/>
+                  </a:solidFill>
+                </a:endParaRPr>
+              </a:p>
+            </p:txBody>
+          </p:sp>
+        </mc:Choice>
+        <mc:Fallback>
+          <p:sp>
+            <p:nvSpPr>
+              <p:cNvPr id="28" name="文本框 27">
+                <a:extLst>
+                  <a:ext uri="{FF2B5EF4-FFF2-40B4-BE49-F238E27FC236}">
+                    <a16:creationId xmlns:a16="http://schemas.microsoft.com/office/drawing/2014/main" id="{E2D8E017-7842-BAFE-9E28-FC01CCA7CE98}"/>
+                  </a:ext>
+                </a:extLst>
+              </p:cNvPr>
+              <p:cNvSpPr txBox="1">
+                <a:spLocks noRot="1" noChangeAspect="1" noMove="1" noResize="1" noEditPoints="1" noAdjustHandles="1" noChangeArrowheads="1" noChangeShapeType="1" noTextEdit="1"/>
+              </p:cNvSpPr>
+              <p:nvPr/>
+            </p:nvSpPr>
+            <p:spPr>
+              <a:xfrm>
+                <a:off x="5051474" y="3257202"/>
+                <a:ext cx="557524" cy="391582"/>
+              </a:xfrm>
+              <a:prstGeom prst="rect">
+                <a:avLst/>
+              </a:prstGeom>
+              <a:blipFill>
+                <a:blip r:embed="rId8"/>
+                <a:stretch>
+                  <a:fillRect b="-9231"/>
+                </a:stretch>
+              </a:blipFill>
+            </p:spPr>
+            <p:txBody>
+              <a:bodyPr/>
+              <a:lstStyle/>
+              <a:p>
+                <a:r>
+                  <a:rPr lang="zh-CN" altLang="en-US">
+                    <a:noFill/>
+                  </a:rPr>
+                  <a:t> </a:t>
+                </a:r>
+              </a:p>
+            </p:txBody>
+          </p:sp>
+        </mc:Fallback>
+      </mc:AlternateContent>
+      <mc:AlternateContent xmlns:mc="http://schemas.openxmlformats.org/markup-compatibility/2006">
+        <mc:Choice xmlns:a14="http://schemas.microsoft.com/office/drawing/2010/main" Requires="a14">
+          <p:sp>
+            <p:nvSpPr>
+              <p:cNvPr id="29" name="文本框 28">
+                <a:extLst>
+                  <a:ext uri="{FF2B5EF4-FFF2-40B4-BE49-F238E27FC236}">
+                    <a16:creationId xmlns:a16="http://schemas.microsoft.com/office/drawing/2014/main" id="{9F78363E-2082-0BCA-6BFA-6A21BF327F3E}"/>
+                  </a:ext>
+                </a:extLst>
+              </p:cNvPr>
+              <p:cNvSpPr txBox="1"/>
+              <p:nvPr/>
+            </p:nvSpPr>
+            <p:spPr>
+              <a:xfrm>
+                <a:off x="6758513" y="3926518"/>
+                <a:ext cx="523092" cy="369332"/>
+              </a:xfrm>
+              <a:prstGeom prst="rect">
+                <a:avLst/>
+              </a:prstGeom>
+              <a:noFill/>
+            </p:spPr>
+            <p:txBody>
+              <a:bodyPr wrap="none" rtlCol="0">
+                <a:spAutoFit/>
+              </a:bodyPr>
+              <a:lstStyle/>
+              <a:p>
+                <a:pPr/>
+                <a14:m>
+                  <m:oMathPara xmlns:m="http://schemas.openxmlformats.org/officeDocument/2006/math">
+                    <m:oMathParaPr>
+                      <m:jc m:val="centerGroup"/>
+                    </m:oMathParaPr>
+                    <m:oMath xmlns:m="http://schemas.openxmlformats.org/officeDocument/2006/math">
+                      <m:sSub>
+                        <m:sSubPr>
+                          <m:ctrlPr>
+                            <a:rPr lang="en-US" altLang="zh-CN" b="0" i="1" smtClean="0">
+                              <a:solidFill>
+                                <a:schemeClr val="tx1"/>
+                              </a:solidFill>
+                              <a:latin typeface="Cambria Math" panose="02040503050406030204" pitchFamily="18" charset="0"/>
+                            </a:rPr>
+                          </m:ctrlPr>
+                        </m:sSubPr>
+                        <m:e>
+                          <m:r>
+                            <m:rPr>
+                              <m:sty m:val="p"/>
+                            </m:rPr>
+                            <a:rPr lang="en-US" altLang="zh-CN" i="1">
+                              <a:solidFill>
+                                <a:schemeClr val="tx1"/>
+                              </a:solidFill>
+                              <a:latin typeface="Cambria Math" panose="02040503050406030204" pitchFamily="18" charset="0"/>
+                            </a:rPr>
+                            <m:t>O</m:t>
+                          </m:r>
+                        </m:e>
+                        <m:sub>
+                          <m:r>
+                            <a:rPr lang="en-US" altLang="zh-CN" b="0" i="1" smtClean="0">
+                              <a:solidFill>
+                                <a:schemeClr val="tx1"/>
+                              </a:solidFill>
+                              <a:latin typeface="Cambria Math" panose="02040503050406030204" pitchFamily="18" charset="0"/>
+                            </a:rPr>
+                            <m:t>𝑅</m:t>
+                          </m:r>
+                        </m:sub>
+                      </m:sSub>
+                    </m:oMath>
+                  </m:oMathPara>
+                </a14:m>
+                <a:endParaRPr lang="zh-CN" altLang="en-US" dirty="0">
+                  <a:solidFill>
+                    <a:schemeClr val="tx1"/>
+                  </a:solidFill>
+                </a:endParaRPr>
+              </a:p>
+            </p:txBody>
+          </p:sp>
+        </mc:Choice>
+        <mc:Fallback>
+          <p:sp>
+            <p:nvSpPr>
+              <p:cNvPr id="29" name="文本框 28">
+                <a:extLst>
+                  <a:ext uri="{FF2B5EF4-FFF2-40B4-BE49-F238E27FC236}">
+                    <a16:creationId xmlns:a16="http://schemas.microsoft.com/office/drawing/2014/main" id="{9F78363E-2082-0BCA-6BFA-6A21BF327F3E}"/>
+                  </a:ext>
+                </a:extLst>
+              </p:cNvPr>
+              <p:cNvSpPr txBox="1">
+                <a:spLocks noRot="1" noChangeAspect="1" noMove="1" noResize="1" noEditPoints="1" noAdjustHandles="1" noChangeArrowheads="1" noChangeShapeType="1" noTextEdit="1"/>
+              </p:cNvSpPr>
+              <p:nvPr/>
+            </p:nvSpPr>
+            <p:spPr>
+              <a:xfrm>
+                <a:off x="6758513" y="3926518"/>
+                <a:ext cx="523092" cy="369332"/>
+              </a:xfrm>
+              <a:prstGeom prst="rect">
+                <a:avLst/>
+              </a:prstGeom>
+              <a:blipFill>
+                <a:blip r:embed="rId9"/>
+                <a:stretch>
+                  <a:fillRect/>
+                </a:stretch>
+              </a:blipFill>
+            </p:spPr>
+            <p:txBody>
+              <a:bodyPr/>
+              <a:lstStyle/>
+              <a:p>
+                <a:r>
+                  <a:rPr lang="zh-CN" altLang="en-US">
+                    <a:noFill/>
+                  </a:rPr>
+                  <a:t> </a:t>
+                </a:r>
+              </a:p>
+            </p:txBody>
+          </p:sp>
+        </mc:Fallback>
+      </mc:AlternateContent>
+      <p:sp>
+        <p:nvSpPr>
+          <p:cNvPr id="20" name="左大括号 19">
+            <a:extLst>
+              <a:ext uri="{FF2B5EF4-FFF2-40B4-BE49-F238E27FC236}">
+                <a16:creationId xmlns:a16="http://schemas.microsoft.com/office/drawing/2014/main" id="{5D1A984C-8F56-6C16-7CB0-505CC1DAE7F4}"/>
+              </a:ext>
+            </a:extLst>
+          </p:cNvPr>
+          <p:cNvSpPr/>
+          <p:nvPr/>
+        </p:nvSpPr>
+        <p:spPr>
+          <a:xfrm rot="16200000">
+            <a:off x="5750971" y="3027078"/>
+            <a:ext cx="109488" cy="2080578"/>
+          </a:xfrm>
+          <a:custGeom>
+            <a:avLst/>
+            <a:gdLst>
+              <a:gd name="connsiteX0" fmla="*/ 109488 w 109488"/>
+              <a:gd name="connsiteY0" fmla="*/ 2080578 h 2080578"/>
+              <a:gd name="connsiteX1" fmla="*/ 54744 w 109488"/>
+              <a:gd name="connsiteY1" fmla="*/ 2071454 h 2080578"/>
+              <a:gd name="connsiteX2" fmla="*/ 54744 w 109488"/>
+              <a:gd name="connsiteY2" fmla="*/ 1049413 h 2080578"/>
+              <a:gd name="connsiteX3" fmla="*/ 0 w 109488"/>
+              <a:gd name="connsiteY3" fmla="*/ 1040289 h 2080578"/>
+              <a:gd name="connsiteX4" fmla="*/ 54744 w 109488"/>
+              <a:gd name="connsiteY4" fmla="*/ 1031165 h 2080578"/>
+              <a:gd name="connsiteX5" fmla="*/ 54744 w 109488"/>
+              <a:gd name="connsiteY5" fmla="*/ 9124 h 2080578"/>
+              <a:gd name="connsiteX6" fmla="*/ 109488 w 109488"/>
+              <a:gd name="connsiteY6" fmla="*/ 0 h 2080578"/>
+              <a:gd name="connsiteX7" fmla="*/ 109488 w 109488"/>
+              <a:gd name="connsiteY7" fmla="*/ 2080578 h 2080578"/>
+              <a:gd name="connsiteX0" fmla="*/ 109488 w 109488"/>
+              <a:gd name="connsiteY0" fmla="*/ 2080578 h 2080578"/>
+              <a:gd name="connsiteX1" fmla="*/ 54744 w 109488"/>
+              <a:gd name="connsiteY1" fmla="*/ 2071454 h 2080578"/>
+              <a:gd name="connsiteX2" fmla="*/ 54744 w 109488"/>
+              <a:gd name="connsiteY2" fmla="*/ 1049413 h 2080578"/>
+              <a:gd name="connsiteX3" fmla="*/ 0 w 109488"/>
+              <a:gd name="connsiteY3" fmla="*/ 1040289 h 2080578"/>
+              <a:gd name="connsiteX4" fmla="*/ 54744 w 109488"/>
+              <a:gd name="connsiteY4" fmla="*/ 1031165 h 2080578"/>
+              <a:gd name="connsiteX5" fmla="*/ 54744 w 109488"/>
+              <a:gd name="connsiteY5" fmla="*/ 9124 h 2080578"/>
+              <a:gd name="connsiteX6" fmla="*/ 109488 w 109488"/>
+              <a:gd name="connsiteY6" fmla="*/ 0 h 2080578"/>
+            </a:gdLst>
+            <a:ahLst/>
+            <a:cxnLst>
+              <a:cxn ang="0">
+                <a:pos x="connsiteX0" y="connsiteY0"/>
+              </a:cxn>
+              <a:cxn ang="0">
+                <a:pos x="connsiteX1" y="connsiteY1"/>
+              </a:cxn>
+              <a:cxn ang="0">
+                <a:pos x="connsiteX2" y="connsiteY2"/>
+              </a:cxn>
+              <a:cxn ang="0">
+                <a:pos x="connsiteX3" y="connsiteY3"/>
+              </a:cxn>
+              <a:cxn ang="0">
+                <a:pos x="connsiteX4" y="connsiteY4"/>
+              </a:cxn>
+              <a:cxn ang="0">
+                <a:pos x="connsiteX5" y="connsiteY5"/>
+              </a:cxn>
+              <a:cxn ang="0">
+                <a:pos x="connsiteX6" y="connsiteY6"/>
+              </a:cxn>
+            </a:cxnLst>
+            <a:rect l="l" t="t" r="r" b="b"/>
+            <a:pathLst>
+              <a:path w="109488" h="2080578" stroke="0" extrusionOk="0">
+                <a:moveTo>
+                  <a:pt x="109488" y="2080578"/>
+                </a:moveTo>
+                <a:cubicBezTo>
+                  <a:pt x="78426" y="2080068"/>
+                  <a:pt x="54571" y="2076558"/>
+                  <a:pt x="54744" y="2071454"/>
+                </a:cubicBezTo>
+                <a:cubicBezTo>
+                  <a:pt x="59497" y="1811643"/>
+                  <a:pt x="79075" y="1328315"/>
+                  <a:pt x="54744" y="1049413"/>
+                </a:cubicBezTo>
+                <a:cubicBezTo>
+                  <a:pt x="52690" y="1046379"/>
+                  <a:pt x="29386" y="1044975"/>
+                  <a:pt x="0" y="1040289"/>
+                </a:cubicBezTo>
+                <a:cubicBezTo>
+                  <a:pt x="30057" y="1040192"/>
+                  <a:pt x="55319" y="1036479"/>
+                  <a:pt x="54744" y="1031165"/>
+                </a:cubicBezTo>
+                <a:cubicBezTo>
+                  <a:pt x="137643" y="666355"/>
+                  <a:pt x="45033" y="283362"/>
+                  <a:pt x="54744" y="9124"/>
+                </a:cubicBezTo>
+                <a:cubicBezTo>
+                  <a:pt x="53512" y="3896"/>
+                  <a:pt x="78818" y="410"/>
+                  <a:pt x="109488" y="0"/>
+                </a:cubicBezTo>
+                <a:cubicBezTo>
+                  <a:pt x="61257" y="832986"/>
+                  <a:pt x="193943" y="1309661"/>
+                  <a:pt x="109488" y="2080578"/>
+                </a:cubicBezTo>
+                <a:close/>
+              </a:path>
+              <a:path w="109488" h="2080578" fill="none" extrusionOk="0">
+                <a:moveTo>
+                  <a:pt x="109488" y="2080578"/>
+                </a:moveTo>
+                <a:cubicBezTo>
+                  <a:pt x="79319" y="2080615"/>
+                  <a:pt x="55197" y="2076602"/>
+                  <a:pt x="54744" y="2071454"/>
+                </a:cubicBezTo>
+                <a:cubicBezTo>
+                  <a:pt x="145939" y="1774120"/>
+                  <a:pt x="-34709" y="1533608"/>
+                  <a:pt x="54744" y="1049413"/>
+                </a:cubicBezTo>
+                <a:cubicBezTo>
+                  <a:pt x="56759" y="1047374"/>
+                  <a:pt x="30370" y="1041700"/>
+                  <a:pt x="0" y="1040289"/>
+                </a:cubicBezTo>
+                <a:cubicBezTo>
+                  <a:pt x="30565" y="1040799"/>
+                  <a:pt x="54949" y="1036455"/>
+                  <a:pt x="54744" y="1031165"/>
+                </a:cubicBezTo>
+                <a:cubicBezTo>
+                  <a:pt x="-16594" y="757049"/>
+                  <a:pt x="65667" y="455689"/>
+                  <a:pt x="54744" y="9124"/>
+                </a:cubicBezTo>
+                <a:cubicBezTo>
+                  <a:pt x="50711" y="4747"/>
+                  <a:pt x="76255" y="-2069"/>
+                  <a:pt x="109488" y="0"/>
+                </a:cubicBezTo>
+              </a:path>
+            </a:pathLst>
+          </a:custGeom>
+          <a:ln w="9525" cmpd="thinThick">
+            <a:solidFill>
+              <a:schemeClr val="tx1"/>
+            </a:solidFill>
+            <a:extLst>
+              <a:ext uri="{C807C97D-BFC1-408E-A445-0C87EB9F89A2}">
+                <ask:lineSketchStyleProps xmlns:ask="http://schemas.microsoft.com/office/drawing/2018/sketchyshapes" sd="1219033472">
+                  <a:prstGeom prst="leftBrace">
+                    <a:avLst/>
+                  </a:prstGeom>
+                  <ask:type>
+                    <ask:lineSketchCurved/>
+                  </ask:type>
+                </ask:lineSketchStyleProps>
+              </a:ext>
+            </a:extLst>
+          </a:ln>
+        </p:spPr>
+        <p:style>
+          <a:lnRef idx="1">
+            <a:schemeClr val="accent1"/>
+          </a:lnRef>
+          <a:fillRef idx="0">
+            <a:schemeClr val="accent1"/>
+          </a:fillRef>
+          <a:effectRef idx="0">
+            <a:schemeClr val="accent1"/>
+          </a:effectRef>
+          <a:fontRef idx="minor">
+            <a:schemeClr val="tx1"/>
+          </a:fontRef>
+        </p:style>
+        <p:txBody>
+          <a:bodyPr rtlCol="0" anchor="ctr"/>
+          <a:lstStyle/>
+          <a:p>
+            <a:pPr algn="ctr"/>
+            <a:endParaRPr lang="zh-CN" altLang="en-US"/>
+          </a:p>
+        </p:txBody>
+      </p:sp>
+      <mc:AlternateContent xmlns:mc="http://schemas.openxmlformats.org/markup-compatibility/2006">
+        <mc:Choice xmlns:a14="http://schemas.microsoft.com/office/drawing/2010/main" Requires="a14">
+          <p:sp>
+            <p:nvSpPr>
+              <p:cNvPr id="34" name="文本框 33">
+                <a:extLst>
+                  <a:ext uri="{FF2B5EF4-FFF2-40B4-BE49-F238E27FC236}">
+                    <a16:creationId xmlns:a16="http://schemas.microsoft.com/office/drawing/2014/main" id="{2FB88F92-AB7F-4AFC-A14F-3CCB2296D27E}"/>
+                  </a:ext>
+                </a:extLst>
+              </p:cNvPr>
+              <p:cNvSpPr txBox="1"/>
+              <p:nvPr/>
+            </p:nvSpPr>
+            <p:spPr>
+              <a:xfrm>
+                <a:off x="5618805" y="4063010"/>
+                <a:ext cx="352981" cy="338554"/>
+              </a:xfrm>
+              <a:prstGeom prst="rect">
+                <a:avLst/>
+              </a:prstGeom>
+              <a:noFill/>
+            </p:spPr>
+            <p:txBody>
+              <a:bodyPr wrap="none" rtlCol="0">
+                <a:spAutoFit/>
+              </a:bodyPr>
+              <a:lstStyle/>
+              <a:p>
+                <a:pPr/>
+                <a14:m>
+                  <m:oMathPara xmlns:m="http://schemas.openxmlformats.org/officeDocument/2006/math">
+                    <m:oMathParaPr>
+                      <m:jc m:val="centerGroup"/>
+                    </m:oMathParaPr>
+                    <m:oMath xmlns:m="http://schemas.openxmlformats.org/officeDocument/2006/math">
+                      <m:r>
+                        <m:rPr>
+                          <m:sty m:val="p"/>
+                        </m:rPr>
+                        <a:rPr lang="en-US" altLang="zh-CN" sz="1600" i="1">
+                          <a:latin typeface="Cambria Math" panose="02040503050406030204" pitchFamily="18" charset="0"/>
+                        </a:rPr>
+                        <m:t>b</m:t>
+                      </m:r>
+                    </m:oMath>
+                  </m:oMathPara>
+                </a14:m>
+                <a:endParaRPr lang="zh-CN" altLang="en-US" sz="1600" dirty="0">
+                  <a:solidFill>
+                    <a:schemeClr val="tx1"/>
+                  </a:solidFill>
+                </a:endParaRPr>
+              </a:p>
+            </p:txBody>
+          </p:sp>
+        </mc:Choice>
+        <mc:Fallback>
+          <p:sp>
+            <p:nvSpPr>
+              <p:cNvPr id="34" name="文本框 33">
+                <a:extLst>
+                  <a:ext uri="{FF2B5EF4-FFF2-40B4-BE49-F238E27FC236}">
+                    <a16:creationId xmlns:a16="http://schemas.microsoft.com/office/drawing/2014/main" id="{2FB88F92-AB7F-4AFC-A14F-3CCB2296D27E}"/>
+                  </a:ext>
+                </a:extLst>
+              </p:cNvPr>
+              <p:cNvSpPr txBox="1">
+                <a:spLocks noRot="1" noChangeAspect="1" noMove="1" noResize="1" noEditPoints="1" noAdjustHandles="1" noChangeArrowheads="1" noChangeShapeType="1" noTextEdit="1"/>
+              </p:cNvSpPr>
+              <p:nvPr/>
+            </p:nvSpPr>
+            <p:spPr>
+              <a:xfrm>
+                <a:off x="5618805" y="4063010"/>
+                <a:ext cx="352981" cy="338554"/>
+              </a:xfrm>
+              <a:prstGeom prst="rect">
+                <a:avLst/>
+              </a:prstGeom>
+              <a:blipFill>
+                <a:blip r:embed="rId10"/>
+                <a:stretch>
+                  <a:fillRect/>
+                </a:stretch>
+              </a:blipFill>
+            </p:spPr>
+            <p:txBody>
+              <a:bodyPr/>
+              <a:lstStyle/>
+              <a:p>
+                <a:r>
+                  <a:rPr lang="zh-CN" altLang="en-US">
+                    <a:noFill/>
+                  </a:rPr>
+                  <a:t> </a:t>
+                </a:r>
+              </a:p>
+            </p:txBody>
+          </p:sp>
+        </mc:Fallback>
+      </mc:AlternateContent>
+      <mc:AlternateContent xmlns:mc="http://schemas.openxmlformats.org/markup-compatibility/2006">
+        <mc:Choice xmlns:a14="http://schemas.microsoft.com/office/drawing/2010/main" Requires="a14">
+          <p:sp>
+            <p:nvSpPr>
+              <p:cNvPr id="35" name="文本框 34">
+                <a:extLst>
+                  <a:ext uri="{FF2B5EF4-FFF2-40B4-BE49-F238E27FC236}">
+                    <a16:creationId xmlns:a16="http://schemas.microsoft.com/office/drawing/2014/main" id="{61459367-6189-7D43-A16F-E5B8A3F69CA1}"/>
+                  </a:ext>
+                </a:extLst>
+              </p:cNvPr>
+              <p:cNvSpPr txBox="1"/>
+              <p:nvPr/>
+            </p:nvSpPr>
+            <p:spPr>
+              <a:xfrm>
+                <a:off x="7339293" y="3772630"/>
+                <a:ext cx="355995" cy="338554"/>
+              </a:xfrm>
+              <a:prstGeom prst="rect">
+                <a:avLst/>
+              </a:prstGeom>
+              <a:noFill/>
+            </p:spPr>
+            <p:txBody>
+              <a:bodyPr wrap="none" rtlCol="0">
+                <a:spAutoFit/>
+              </a:bodyPr>
+              <a:lstStyle/>
+              <a:p>
+                <a:pPr/>
+                <a14:m>
+                  <m:oMathPara xmlns:m="http://schemas.openxmlformats.org/officeDocument/2006/math">
+                    <m:oMathParaPr>
+                      <m:jc m:val="centerGroup"/>
+                    </m:oMathParaPr>
+                    <m:oMath xmlns:m="http://schemas.openxmlformats.org/officeDocument/2006/math">
+                      <m:r>
+                        <a:rPr lang="en-US" altLang="zh-CN" sz="1600" i="1" dirty="0" smtClean="0">
+                          <a:solidFill>
+                            <a:schemeClr val="tx1"/>
+                          </a:solidFill>
+                          <a:latin typeface="Cambria Math" panose="02040503050406030204" pitchFamily="18" charset="0"/>
+                        </a:rPr>
+                        <m:t>𝑥</m:t>
+                      </m:r>
+                    </m:oMath>
+                  </m:oMathPara>
+                </a14:m>
+                <a:endParaRPr lang="zh-CN" altLang="en-US" sz="1600" dirty="0">
+                  <a:solidFill>
+                    <a:schemeClr val="tx1"/>
+                  </a:solidFill>
+                </a:endParaRPr>
+              </a:p>
+            </p:txBody>
+          </p:sp>
+        </mc:Choice>
+        <mc:Fallback>
+          <p:sp>
+            <p:nvSpPr>
+              <p:cNvPr id="35" name="文本框 34">
+                <a:extLst>
+                  <a:ext uri="{FF2B5EF4-FFF2-40B4-BE49-F238E27FC236}">
+                    <a16:creationId xmlns:a16="http://schemas.microsoft.com/office/drawing/2014/main" id="{61459367-6189-7D43-A16F-E5B8A3F69CA1}"/>
+                  </a:ext>
+                </a:extLst>
+              </p:cNvPr>
+              <p:cNvSpPr txBox="1">
+                <a:spLocks noRot="1" noChangeAspect="1" noMove="1" noResize="1" noEditPoints="1" noAdjustHandles="1" noChangeArrowheads="1" noChangeShapeType="1" noTextEdit="1"/>
+              </p:cNvSpPr>
+              <p:nvPr/>
+            </p:nvSpPr>
+            <p:spPr>
+              <a:xfrm>
+                <a:off x="7339293" y="3772630"/>
+                <a:ext cx="355995" cy="338554"/>
+              </a:xfrm>
+              <a:prstGeom prst="rect">
+                <a:avLst/>
+              </a:prstGeom>
+              <a:blipFill>
+                <a:blip r:embed="rId11"/>
+                <a:stretch>
+                  <a:fillRect/>
+                </a:stretch>
+              </a:blipFill>
+            </p:spPr>
+            <p:txBody>
+              <a:bodyPr/>
+              <a:lstStyle/>
+              <a:p>
+                <a:r>
+                  <a:rPr lang="zh-CN" altLang="en-US">
+                    <a:noFill/>
+                  </a:rPr>
+                  <a:t> </a:t>
+                </a:r>
+              </a:p>
+            </p:txBody>
+          </p:sp>
+        </mc:Fallback>
+      </mc:AlternateContent>
+      <p:sp>
+        <p:nvSpPr>
+          <p:cNvPr id="23" name="右大括号 22">
+            <a:extLst>
+              <a:ext uri="{FF2B5EF4-FFF2-40B4-BE49-F238E27FC236}">
+                <a16:creationId xmlns:a16="http://schemas.microsoft.com/office/drawing/2014/main" id="{1F2BC822-FE92-AF19-B5AF-D9A177D8362C}"/>
+              </a:ext>
+            </a:extLst>
+          </p:cNvPr>
+          <p:cNvSpPr/>
+          <p:nvPr/>
+        </p:nvSpPr>
+        <p:spPr>
+          <a:xfrm>
+            <a:off x="4776267" y="1883426"/>
+            <a:ext cx="75266" cy="1202388"/>
+          </a:xfrm>
+          <a:custGeom>
+            <a:avLst/>
+            <a:gdLst>
+              <a:gd name="connsiteX0" fmla="*/ 0 w 75266"/>
+              <a:gd name="connsiteY0" fmla="*/ 0 h 1202388"/>
+              <a:gd name="connsiteX1" fmla="*/ 37633 w 75266"/>
+              <a:gd name="connsiteY1" fmla="*/ 6272 h 1202388"/>
+              <a:gd name="connsiteX2" fmla="*/ 37633 w 75266"/>
+              <a:gd name="connsiteY2" fmla="*/ 594922 h 1202388"/>
+              <a:gd name="connsiteX3" fmla="*/ 75266 w 75266"/>
+              <a:gd name="connsiteY3" fmla="*/ 601194 h 1202388"/>
+              <a:gd name="connsiteX4" fmla="*/ 37633 w 75266"/>
+              <a:gd name="connsiteY4" fmla="*/ 607466 h 1202388"/>
+              <a:gd name="connsiteX5" fmla="*/ 37633 w 75266"/>
+              <a:gd name="connsiteY5" fmla="*/ 1196116 h 1202388"/>
+              <a:gd name="connsiteX6" fmla="*/ 0 w 75266"/>
+              <a:gd name="connsiteY6" fmla="*/ 1202388 h 1202388"/>
+              <a:gd name="connsiteX7" fmla="*/ 0 w 75266"/>
+              <a:gd name="connsiteY7" fmla="*/ 577146 h 1202388"/>
+              <a:gd name="connsiteX8" fmla="*/ 0 w 75266"/>
+              <a:gd name="connsiteY8" fmla="*/ 0 h 1202388"/>
+              <a:gd name="connsiteX0" fmla="*/ 0 w 75266"/>
+              <a:gd name="connsiteY0" fmla="*/ 0 h 1202388"/>
+              <a:gd name="connsiteX1" fmla="*/ 37633 w 75266"/>
+              <a:gd name="connsiteY1" fmla="*/ 6272 h 1202388"/>
+              <a:gd name="connsiteX2" fmla="*/ 37633 w 75266"/>
+              <a:gd name="connsiteY2" fmla="*/ 594922 h 1202388"/>
+              <a:gd name="connsiteX3" fmla="*/ 75266 w 75266"/>
+              <a:gd name="connsiteY3" fmla="*/ 601194 h 1202388"/>
+              <a:gd name="connsiteX4" fmla="*/ 37633 w 75266"/>
+              <a:gd name="connsiteY4" fmla="*/ 607466 h 1202388"/>
+              <a:gd name="connsiteX5" fmla="*/ 37633 w 75266"/>
+              <a:gd name="connsiteY5" fmla="*/ 1196116 h 1202388"/>
+              <a:gd name="connsiteX6" fmla="*/ 0 w 75266"/>
+              <a:gd name="connsiteY6" fmla="*/ 1202388 h 1202388"/>
+            </a:gdLst>
+            <a:ahLst/>
+            <a:cxnLst>
+              <a:cxn ang="0">
+                <a:pos x="connsiteX0" y="connsiteY0"/>
+              </a:cxn>
+              <a:cxn ang="0">
+                <a:pos x="connsiteX1" y="connsiteY1"/>
+              </a:cxn>
+              <a:cxn ang="0">
+                <a:pos x="connsiteX2" y="connsiteY2"/>
+              </a:cxn>
+              <a:cxn ang="0">
+                <a:pos x="connsiteX3" y="connsiteY3"/>
+              </a:cxn>
+              <a:cxn ang="0">
+                <a:pos x="connsiteX4" y="connsiteY4"/>
+              </a:cxn>
+              <a:cxn ang="0">
+                <a:pos x="connsiteX5" y="connsiteY5"/>
+              </a:cxn>
+              <a:cxn ang="0">
+                <a:pos x="connsiteX6" y="connsiteY6"/>
+              </a:cxn>
+            </a:cxnLst>
+            <a:rect l="l" t="t" r="r" b="b"/>
+            <a:pathLst>
+              <a:path w="75266" h="1202388" stroke="0" extrusionOk="0">
+                <a:moveTo>
+                  <a:pt x="0" y="0"/>
+                </a:moveTo>
+                <a:cubicBezTo>
+                  <a:pt x="20615" y="-104"/>
+                  <a:pt x="37420" y="2888"/>
+                  <a:pt x="37633" y="6272"/>
+                </a:cubicBezTo>
+                <a:cubicBezTo>
+                  <a:pt x="46763" y="200172"/>
+                  <a:pt x="43122" y="301870"/>
+                  <a:pt x="37633" y="594922"/>
+                </a:cubicBezTo>
+                <a:cubicBezTo>
+                  <a:pt x="35997" y="597141"/>
+                  <a:pt x="52997" y="604242"/>
+                  <a:pt x="75266" y="601194"/>
+                </a:cubicBezTo>
+                <a:cubicBezTo>
+                  <a:pt x="54484" y="601330"/>
+                  <a:pt x="37424" y="603329"/>
+                  <a:pt x="37633" y="607466"/>
+                </a:cubicBezTo>
+                <a:cubicBezTo>
+                  <a:pt x="44920" y="743476"/>
+                  <a:pt x="61975" y="1040850"/>
+                  <a:pt x="37633" y="1196116"/>
+                </a:cubicBezTo>
+                <a:cubicBezTo>
+                  <a:pt x="34911" y="1202143"/>
+                  <a:pt x="20450" y="1199199"/>
+                  <a:pt x="0" y="1202388"/>
+                </a:cubicBezTo>
+                <a:cubicBezTo>
+                  <a:pt x="30809" y="985451"/>
+                  <a:pt x="-20664" y="869511"/>
+                  <a:pt x="0" y="577146"/>
+                </a:cubicBezTo>
+                <a:cubicBezTo>
+                  <a:pt x="20664" y="284781"/>
+                  <a:pt x="-18469" y="253882"/>
+                  <a:pt x="0" y="0"/>
+                </a:cubicBezTo>
+                <a:close/>
+              </a:path>
+              <a:path w="75266" h="1202388" fill="none" extrusionOk="0">
+                <a:moveTo>
+                  <a:pt x="0" y="0"/>
+                </a:moveTo>
+                <a:cubicBezTo>
+                  <a:pt x="21450" y="545"/>
+                  <a:pt x="38115" y="3526"/>
+                  <a:pt x="37633" y="6272"/>
+                </a:cubicBezTo>
+                <a:cubicBezTo>
+                  <a:pt x="17768" y="297184"/>
+                  <a:pt x="22549" y="357587"/>
+                  <a:pt x="37633" y="594922"/>
+                </a:cubicBezTo>
+                <a:cubicBezTo>
+                  <a:pt x="36370" y="598063"/>
+                  <a:pt x="57141" y="597894"/>
+                  <a:pt x="75266" y="601194"/>
+                </a:cubicBezTo>
+                <a:cubicBezTo>
+                  <a:pt x="54364" y="601148"/>
+                  <a:pt x="37394" y="603407"/>
+                  <a:pt x="37633" y="607466"/>
+                </a:cubicBezTo>
+                <a:cubicBezTo>
+                  <a:pt x="50448" y="741276"/>
+                  <a:pt x="12141" y="1074380"/>
+                  <a:pt x="37633" y="1196116"/>
+                </a:cubicBezTo>
+                <a:cubicBezTo>
+                  <a:pt x="37735" y="1198197"/>
+                  <a:pt x="17897" y="1204074"/>
+                  <a:pt x="0" y="1202388"/>
+                </a:cubicBezTo>
+              </a:path>
+            </a:pathLst>
+          </a:custGeom>
+          <a:ln w="12700">
+            <a:solidFill>
+              <a:schemeClr val="tx1"/>
+            </a:solidFill>
+            <a:extLst>
+              <a:ext uri="{C807C97D-BFC1-408E-A445-0C87EB9F89A2}">
+                <ask:lineSketchStyleProps xmlns:ask="http://schemas.microsoft.com/office/drawing/2018/sketchyshapes" sd="1219033472">
+                  <a:prstGeom prst="rightBrace">
+                    <a:avLst/>
+                  </a:prstGeom>
+                  <ask:type>
+                    <ask:lineSketchFreehand/>
+                  </ask:type>
+                </ask:lineSketchStyleProps>
+              </a:ext>
+            </a:extLst>
+          </a:ln>
+        </p:spPr>
+        <p:style>
+          <a:lnRef idx="1">
+            <a:schemeClr val="accent1"/>
+          </a:lnRef>
+          <a:fillRef idx="0">
+            <a:schemeClr val="accent1"/>
+          </a:fillRef>
+          <a:effectRef idx="0">
+            <a:schemeClr val="accent1"/>
+          </a:effectRef>
+          <a:fontRef idx="minor">
+            <a:schemeClr val="tx1"/>
+          </a:fontRef>
+        </p:style>
+        <p:txBody>
+          <a:bodyPr rtlCol="0" anchor="ctr"/>
+          <a:lstStyle/>
+          <a:p>
+            <a:pPr algn="ctr"/>
+            <a:endParaRPr lang="zh-CN" altLang="en-US"/>
+          </a:p>
+        </p:txBody>
+      </p:sp>
+      <mc:AlternateContent xmlns:mc="http://schemas.openxmlformats.org/markup-compatibility/2006">
+        <mc:Choice xmlns:a14="http://schemas.microsoft.com/office/drawing/2010/main" Requires="a14">
+          <p:sp>
+            <p:nvSpPr>
+              <p:cNvPr id="37" name="文本框 36">
+                <a:extLst>
+                  <a:ext uri="{FF2B5EF4-FFF2-40B4-BE49-F238E27FC236}">
+                    <a16:creationId xmlns:a16="http://schemas.microsoft.com/office/drawing/2014/main" id="{F4B6CB8C-BB53-DDDC-7E56-D95001A8E77C}"/>
+                  </a:ext>
+                </a:extLst>
+              </p:cNvPr>
+              <p:cNvSpPr txBox="1"/>
+              <p:nvPr/>
+            </p:nvSpPr>
+            <p:spPr>
+              <a:xfrm>
+                <a:off x="4728747" y="2357060"/>
+                <a:ext cx="612347" cy="261610"/>
+              </a:xfrm>
+              <a:prstGeom prst="rect">
+                <a:avLst/>
+              </a:prstGeom>
+              <a:noFill/>
+            </p:spPr>
+            <p:txBody>
+              <a:bodyPr wrap="none" rtlCol="0">
+                <a:spAutoFit/>
+              </a:bodyPr>
+              <a:lstStyle/>
+              <a:p>
+                <a:pPr/>
+                <a14:m>
+                  <m:oMathPara xmlns:m="http://schemas.openxmlformats.org/officeDocument/2006/math">
+                    <m:oMathParaPr>
+                      <m:jc m:val="centerGroup"/>
+                    </m:oMathParaPr>
+                    <m:oMath xmlns:m="http://schemas.openxmlformats.org/officeDocument/2006/math">
+                      <m:sSub>
+                        <m:sSubPr>
+                          <m:ctrlPr>
+                            <a:rPr lang="en-US" altLang="zh-CN" sz="1050" b="0" i="1" smtClean="0">
+                              <a:solidFill>
+                                <a:schemeClr val="tx1"/>
+                              </a:solidFill>
+                              <a:latin typeface="Cambria Math" panose="02040503050406030204" pitchFamily="18" charset="0"/>
+                            </a:rPr>
+                          </m:ctrlPr>
+                        </m:sSubPr>
+                        <m:e>
+                          <m:r>
+                            <a:rPr lang="en-US" altLang="zh-CN" sz="1050" b="0" i="1" smtClean="0">
+                              <a:solidFill>
+                                <a:schemeClr val="tx1"/>
+                              </a:solidFill>
+                              <a:latin typeface="Cambria Math" panose="02040503050406030204" pitchFamily="18" charset="0"/>
+                            </a:rPr>
+                            <m:t>𝑍</m:t>
+                          </m:r>
+                        </m:e>
+                        <m:sub>
+                          <m:r>
+                            <a:rPr lang="en-US" altLang="zh-CN" sz="1050" b="0" i="1" smtClean="0">
+                              <a:solidFill>
+                                <a:schemeClr val="tx1"/>
+                              </a:solidFill>
+                              <a:latin typeface="Cambria Math" panose="02040503050406030204" pitchFamily="18" charset="0"/>
+                            </a:rPr>
+                            <m:t>𝑐</m:t>
+                          </m:r>
+                        </m:sub>
+                      </m:sSub>
+                      <m:r>
+                        <a:rPr lang="en-US" altLang="zh-CN" sz="1050" b="0" i="1" smtClean="0">
+                          <a:solidFill>
+                            <a:schemeClr val="tx1"/>
+                          </a:solidFill>
+                          <a:latin typeface="Cambria Math" panose="02040503050406030204" pitchFamily="18" charset="0"/>
+                        </a:rPr>
+                        <m:t>−</m:t>
+                      </m:r>
+                      <m:r>
+                        <a:rPr lang="en-US" altLang="zh-CN" sz="1050" b="0" i="1" smtClean="0">
+                          <a:solidFill>
+                            <a:schemeClr val="tx1"/>
+                          </a:solidFill>
+                          <a:latin typeface="Cambria Math" panose="02040503050406030204" pitchFamily="18" charset="0"/>
+                        </a:rPr>
+                        <m:t>𝑓</m:t>
+                      </m:r>
+                    </m:oMath>
+                  </m:oMathPara>
+                </a14:m>
+                <a:endParaRPr lang="zh-CN" altLang="en-US" sz="1050" dirty="0">
+                  <a:solidFill>
+                    <a:schemeClr val="tx1"/>
+                  </a:solidFill>
+                </a:endParaRPr>
+              </a:p>
+            </p:txBody>
+          </p:sp>
+        </mc:Choice>
+        <mc:Fallback>
+          <p:sp>
+            <p:nvSpPr>
+              <p:cNvPr id="37" name="文本框 36">
+                <a:extLst>
+                  <a:ext uri="{FF2B5EF4-FFF2-40B4-BE49-F238E27FC236}">
+                    <a16:creationId xmlns:a16="http://schemas.microsoft.com/office/drawing/2014/main" id="{F4B6CB8C-BB53-DDDC-7E56-D95001A8E77C}"/>
+                  </a:ext>
+                </a:extLst>
+              </p:cNvPr>
+              <p:cNvSpPr txBox="1">
+                <a:spLocks noRot="1" noChangeAspect="1" noMove="1" noResize="1" noEditPoints="1" noAdjustHandles="1" noChangeArrowheads="1" noChangeShapeType="1" noTextEdit="1"/>
+              </p:cNvSpPr>
+              <p:nvPr/>
+            </p:nvSpPr>
+            <p:spPr>
+              <a:xfrm>
+                <a:off x="4728747" y="2357060"/>
+                <a:ext cx="612347" cy="261610"/>
+              </a:xfrm>
+              <a:prstGeom prst="rect">
+                <a:avLst/>
+              </a:prstGeom>
+              <a:blipFill>
+                <a:blip r:embed="rId12"/>
+                <a:stretch>
+                  <a:fillRect/>
+                </a:stretch>
+              </a:blipFill>
+            </p:spPr>
+            <p:txBody>
+              <a:bodyPr/>
+              <a:lstStyle/>
+              <a:p>
+                <a:r>
+                  <a:rPr lang="zh-CN" altLang="en-US">
+                    <a:noFill/>
+                  </a:rPr>
+                  <a:t> </a:t>
+                </a:r>
+              </a:p>
+            </p:txBody>
+          </p:sp>
+        </mc:Fallback>
+      </mc:AlternateContent>
+    </p:spTree>
+    <p:extLst>
+      <p:ext uri="{BB962C8B-B14F-4D97-AF65-F5344CB8AC3E}">
+        <p14:creationId xmlns:p14="http://schemas.microsoft.com/office/powerpoint/2010/main" val="36637517"/>
       </p:ext>
     </p:extLst>
   </p:cSld>

--- a/assets/posts/vslam/14-ch5/camera.pptx
+++ b/assets/posts/vslam/14-ch5/camera.pptx
@@ -272,7 +272,7 @@
           <a:p>
             <a:fld id="{FCD14527-64F6-420C-945F-B6CF35810A6B}" type="datetimeFigureOut">
               <a:rPr lang="zh-CN" altLang="en-US" smtClean="0"/>
-              <a:t>2022/6/4</a:t>
+              <a:t>2022/6/5</a:t>
             </a:fld>
             <a:endParaRPr lang="zh-CN" altLang="en-US"/>
           </a:p>
@@ -470,7 +470,7 @@
           <a:p>
             <a:fld id="{FCD14527-64F6-420C-945F-B6CF35810A6B}" type="datetimeFigureOut">
               <a:rPr lang="zh-CN" altLang="en-US" smtClean="0"/>
-              <a:t>2022/6/4</a:t>
+              <a:t>2022/6/5</a:t>
             </a:fld>
             <a:endParaRPr lang="zh-CN" altLang="en-US"/>
           </a:p>
@@ -678,7 +678,7 @@
           <a:p>
             <a:fld id="{FCD14527-64F6-420C-945F-B6CF35810A6B}" type="datetimeFigureOut">
               <a:rPr lang="zh-CN" altLang="en-US" smtClean="0"/>
-              <a:t>2022/6/4</a:t>
+              <a:t>2022/6/5</a:t>
             </a:fld>
             <a:endParaRPr lang="zh-CN" altLang="en-US"/>
           </a:p>
@@ -876,7 +876,7 @@
           <a:p>
             <a:fld id="{FCD14527-64F6-420C-945F-B6CF35810A6B}" type="datetimeFigureOut">
               <a:rPr lang="zh-CN" altLang="en-US" smtClean="0"/>
-              <a:t>2022/6/4</a:t>
+              <a:t>2022/6/5</a:t>
             </a:fld>
             <a:endParaRPr lang="zh-CN" altLang="en-US"/>
           </a:p>
@@ -1151,7 +1151,7 @@
           <a:p>
             <a:fld id="{FCD14527-64F6-420C-945F-B6CF35810A6B}" type="datetimeFigureOut">
               <a:rPr lang="zh-CN" altLang="en-US" smtClean="0"/>
-              <a:t>2022/6/4</a:t>
+              <a:t>2022/6/5</a:t>
             </a:fld>
             <a:endParaRPr lang="zh-CN" altLang="en-US"/>
           </a:p>
@@ -1416,7 +1416,7 @@
           <a:p>
             <a:fld id="{FCD14527-64F6-420C-945F-B6CF35810A6B}" type="datetimeFigureOut">
               <a:rPr lang="zh-CN" altLang="en-US" smtClean="0"/>
-              <a:t>2022/6/4</a:t>
+              <a:t>2022/6/5</a:t>
             </a:fld>
             <a:endParaRPr lang="zh-CN" altLang="en-US"/>
           </a:p>
@@ -1828,7 +1828,7 @@
           <a:p>
             <a:fld id="{FCD14527-64F6-420C-945F-B6CF35810A6B}" type="datetimeFigureOut">
               <a:rPr lang="zh-CN" altLang="en-US" smtClean="0"/>
-              <a:t>2022/6/4</a:t>
+              <a:t>2022/6/5</a:t>
             </a:fld>
             <a:endParaRPr lang="zh-CN" altLang="en-US"/>
           </a:p>
@@ -1969,7 +1969,7 @@
           <a:p>
             <a:fld id="{FCD14527-64F6-420C-945F-B6CF35810A6B}" type="datetimeFigureOut">
               <a:rPr lang="zh-CN" altLang="en-US" smtClean="0"/>
-              <a:t>2022/6/4</a:t>
+              <a:t>2022/6/5</a:t>
             </a:fld>
             <a:endParaRPr lang="zh-CN" altLang="en-US"/>
           </a:p>
@@ -2082,7 +2082,7 @@
           <a:p>
             <a:fld id="{FCD14527-64F6-420C-945F-B6CF35810A6B}" type="datetimeFigureOut">
               <a:rPr lang="zh-CN" altLang="en-US" smtClean="0"/>
-              <a:t>2022/6/4</a:t>
+              <a:t>2022/6/5</a:t>
             </a:fld>
             <a:endParaRPr lang="zh-CN" altLang="en-US"/>
           </a:p>
@@ -2393,7 +2393,7 @@
           <a:p>
             <a:fld id="{FCD14527-64F6-420C-945F-B6CF35810A6B}" type="datetimeFigureOut">
               <a:rPr lang="zh-CN" altLang="en-US" smtClean="0"/>
-              <a:t>2022/6/4</a:t>
+              <a:t>2022/6/5</a:t>
             </a:fld>
             <a:endParaRPr lang="zh-CN" altLang="en-US"/>
           </a:p>
@@ -2681,7 +2681,7 @@
           <a:p>
             <a:fld id="{FCD14527-64F6-420C-945F-B6CF35810A6B}" type="datetimeFigureOut">
               <a:rPr lang="zh-CN" altLang="en-US" smtClean="0"/>
-              <a:t>2022/6/4</a:t>
+              <a:t>2022/6/5</a:t>
             </a:fld>
             <a:endParaRPr lang="zh-CN" altLang="en-US"/>
           </a:p>
@@ -2922,7 +2922,7 @@
           <a:p>
             <a:fld id="{FCD14527-64F6-420C-945F-B6CF35810A6B}" type="datetimeFigureOut">
               <a:rPr lang="zh-CN" altLang="en-US" smtClean="0"/>
-              <a:t>2022/6/4</a:t>
+              <a:t>2022/6/5</a:t>
             </a:fld>
             <a:endParaRPr lang="zh-CN" altLang="en-US"/>
           </a:p>
@@ -10087,7 +10087,7 @@
         </p:nvCxnSpPr>
         <p:spPr>
           <a:xfrm>
-            <a:off x="4175449" y="3163079"/>
+            <a:off x="1646853" y="3172410"/>
             <a:ext cx="3200400" cy="0"/>
           </a:xfrm>
           <a:prstGeom prst="line">
@@ -10124,7 +10124,7 @@
         </p:nvSpPr>
         <p:spPr>
           <a:xfrm>
-            <a:off x="5346441" y="1726163"/>
+            <a:off x="2817845" y="1735494"/>
             <a:ext cx="139959" cy="139959"/>
           </a:xfrm>
           <a:prstGeom prst="ellipse">
@@ -10176,7 +10176,7 @@
         </p:nvCxnSpPr>
         <p:spPr>
           <a:xfrm>
-            <a:off x="4175449" y="3949960"/>
+            <a:off x="1646853" y="3959291"/>
             <a:ext cx="3200400" cy="0"/>
           </a:xfrm>
           <a:prstGeom prst="line">
@@ -10220,7 +10220,7 @@
         </p:nvCxnSpPr>
         <p:spPr>
           <a:xfrm flipH="1">
-            <a:off x="4715351" y="1866122"/>
+            <a:off x="2186755" y="1875453"/>
             <a:ext cx="701070" cy="2058395"/>
           </a:xfrm>
           <a:prstGeom prst="line">
@@ -10257,7 +10257,7 @@
         </p:nvSpPr>
         <p:spPr>
           <a:xfrm>
-            <a:off x="4674000" y="3924517"/>
+            <a:off x="2145404" y="3933848"/>
             <a:ext cx="82701" cy="82701"/>
           </a:xfrm>
           <a:prstGeom prst="ellipse">
@@ -10311,7 +10311,7 @@
         </p:nvSpPr>
         <p:spPr>
           <a:xfrm>
-            <a:off x="6839506" y="3908610"/>
+            <a:off x="4310910" y="3917941"/>
             <a:ext cx="98608" cy="98608"/>
           </a:xfrm>
           <a:prstGeom prst="ellipse">
@@ -10367,7 +10367,7 @@
         </p:nvCxnSpPr>
         <p:spPr>
           <a:xfrm>
-            <a:off x="5416421" y="1866122"/>
+            <a:off x="2887825" y="1875453"/>
             <a:ext cx="1437526" cy="2056929"/>
           </a:xfrm>
           <a:prstGeom prst="line">
@@ -10406,7 +10406,7 @@
         </p:nvCxnSpPr>
         <p:spPr>
           <a:xfrm>
-            <a:off x="4702650" y="1817642"/>
+            <a:off x="2174054" y="1826973"/>
             <a:ext cx="0" cy="2176497"/>
           </a:xfrm>
           <a:prstGeom prst="line">
@@ -10447,7 +10447,7 @@
         </p:nvCxnSpPr>
         <p:spPr>
           <a:xfrm flipH="1">
-            <a:off x="6886500" y="3159292"/>
+            <a:off x="4357904" y="3168623"/>
             <a:ext cx="0" cy="847926"/>
           </a:xfrm>
           <a:prstGeom prst="line">
@@ -10486,7 +10486,7 @@
         </p:nvSpPr>
         <p:spPr>
           <a:xfrm>
-            <a:off x="4915867" y="3099450"/>
+            <a:off x="2387271" y="3108781"/>
             <a:ext cx="119684" cy="119684"/>
           </a:xfrm>
           <a:prstGeom prst="ellipse">
@@ -10538,7 +10538,7 @@
         </p:nvSpPr>
         <p:spPr>
           <a:xfrm>
-            <a:off x="6249367" y="3099450"/>
+            <a:off x="3720771" y="3108781"/>
             <a:ext cx="119684" cy="119684"/>
           </a:xfrm>
           <a:prstGeom prst="ellipse">
@@ -10576,8 +10576,8 @@
           </a:p>
         </p:txBody>
       </p:sp>
-      <mc:AlternateContent xmlns:mc="http://schemas.openxmlformats.org/markup-compatibility/2006" xmlns:a14="http://schemas.microsoft.com/office/drawing/2010/main">
-        <mc:Choice Requires="a14">
+      <mc:AlternateContent xmlns:mc="http://schemas.openxmlformats.org/markup-compatibility/2006">
+        <mc:Choice xmlns:a14="http://schemas.microsoft.com/office/drawing/2010/main" Requires="a14">
           <p:sp>
             <p:nvSpPr>
               <p:cNvPr id="33" name="文本框 32">
@@ -10592,7 +10592,7 @@
             </p:nvSpPr>
             <p:spPr>
               <a:xfrm>
-                <a:off x="5429144" y="1611477"/>
+                <a:off x="2900548" y="1620808"/>
                 <a:ext cx="447367" cy="369332"/>
               </a:xfrm>
               <a:prstGeom prst="rect">
@@ -10662,7 +10662,7 @@
             </p:txBody>
           </p:sp>
         </mc:Choice>
-        <mc:Fallback xmlns="">
+        <mc:Fallback>
           <p:sp>
             <p:nvSpPr>
               <p:cNvPr id="33" name="文本框 32">
@@ -10679,7 +10679,7 @@
             </p:nvSpPr>
             <p:spPr>
               <a:xfrm>
-                <a:off x="5429144" y="1611477"/>
+                <a:off x="2900548" y="1620808"/>
                 <a:ext cx="447367" cy="369332"/>
               </a:xfrm>
               <a:prstGeom prst="rect">
@@ -10723,7 +10723,7 @@
             </p:nvSpPr>
             <p:spPr>
               <a:xfrm>
-                <a:off x="4437299" y="3926518"/>
+                <a:off x="1908703" y="3935849"/>
                 <a:ext cx="503279" cy="369332"/>
               </a:xfrm>
               <a:prstGeom prst="rect">
@@ -10810,7 +10810,7 @@
             </p:nvSpPr>
             <p:spPr>
               <a:xfrm>
-                <a:off x="4437299" y="3926518"/>
+                <a:off x="1908703" y="3935849"/>
                 <a:ext cx="503279" cy="369332"/>
               </a:xfrm>
               <a:prstGeom prst="rect">
@@ -10854,7 +10854,7 @@
             </p:nvSpPr>
             <p:spPr>
               <a:xfrm>
-                <a:off x="5929571" y="3080503"/>
+                <a:off x="3400975" y="3095199"/>
                 <a:ext cx="577338" cy="391582"/>
               </a:xfrm>
               <a:prstGeom prst="rect">
@@ -10938,7 +10938,7 @@
             </p:nvSpPr>
             <p:spPr>
               <a:xfrm>
-                <a:off x="5929571" y="3080503"/>
+                <a:off x="3400975" y="3095199"/>
                 <a:ext cx="577338" cy="391582"/>
               </a:xfrm>
               <a:prstGeom prst="rect">
@@ -10947,7 +10947,7 @@
               <a:blipFill>
                 <a:blip r:embed="rId4"/>
                 <a:stretch>
-                  <a:fillRect b="-9231"/>
+                  <a:fillRect b="-9375"/>
                 </a:stretch>
               </a:blipFill>
             </p:spPr>
@@ -10980,7 +10980,7 @@
         </p:nvSpPr>
         <p:spPr>
           <a:xfrm>
-            <a:off x="6961694" y="3213196"/>
+            <a:off x="4433098" y="3222527"/>
             <a:ext cx="116730" cy="686647"/>
           </a:xfrm>
           <a:custGeom>
@@ -11096,6 +11096,41 @@
                   <a:pt x="0" y="0"/>
                 </a:moveTo>
                 <a:cubicBezTo>
+                  <a:pt x="31837" y="709"/>
+                  <a:pt x="59044" y="4860"/>
+                  <a:pt x="58365" y="9727"/>
+                </a:cubicBezTo>
+                <a:cubicBezTo>
+                  <a:pt x="63885" y="171023"/>
+                  <a:pt x="41402" y="175893"/>
+                  <a:pt x="58365" y="333596"/>
+                </a:cubicBezTo>
+                <a:cubicBezTo>
+                  <a:pt x="61363" y="338334"/>
+                  <a:pt x="84905" y="347211"/>
+                  <a:pt x="116730" y="343323"/>
+                </a:cubicBezTo>
+                <a:cubicBezTo>
+                  <a:pt x="85898" y="342851"/>
+                  <a:pt x="58358" y="347499"/>
+                  <a:pt x="58365" y="353050"/>
+                </a:cubicBezTo>
+                <a:cubicBezTo>
+                  <a:pt x="88502" y="506604"/>
+                  <a:pt x="19895" y="596379"/>
+                  <a:pt x="58365" y="676920"/>
+                </a:cubicBezTo>
+                <a:cubicBezTo>
+                  <a:pt x="56449" y="688079"/>
+                  <a:pt x="29319" y="692498"/>
+                  <a:pt x="0" y="686647"/>
+                </a:cubicBezTo>
+              </a:path>
+              <a:path w="116730" h="686647" fill="none" stroke="0" extrusionOk="0">
+                <a:moveTo>
+                  <a:pt x="0" y="0"/>
+                </a:moveTo>
+                <a:cubicBezTo>
                   <a:pt x="33130" y="733"/>
                   <a:pt x="58860" y="5092"/>
                   <a:pt x="58365" y="9727"/>
@@ -11185,7 +11220,7 @@
             </p:nvSpPr>
             <p:spPr>
               <a:xfrm>
-                <a:off x="7002297" y="3356367"/>
+                <a:off x="4473701" y="3365698"/>
                 <a:ext cx="359009" cy="338554"/>
               </a:xfrm>
               <a:prstGeom prst="rect">
@@ -11244,7 +11279,7 @@
             </p:nvSpPr>
             <p:spPr>
               <a:xfrm>
-                <a:off x="7002297" y="3356367"/>
+                <a:off x="4473701" y="3365698"/>
                 <a:ext cx="359009" cy="338554"/>
               </a:xfrm>
               <a:prstGeom prst="rect">
@@ -11253,7 +11288,7 @@
               <a:blipFill>
                 <a:blip r:embed="rId5"/>
                 <a:stretch>
-                  <a:fillRect b="-10909"/>
+                  <a:fillRect b="-8929"/>
                 </a:stretch>
               </a:blipFill>
             </p:spPr>
@@ -11289,7 +11324,7 @@
         </p:nvCxnSpPr>
         <p:spPr>
           <a:xfrm flipV="1">
-            <a:off x="4451708" y="1796143"/>
+            <a:off x="1923112" y="1805474"/>
             <a:ext cx="894733" cy="0"/>
           </a:xfrm>
           <a:prstGeom prst="line">
@@ -11328,7 +11363,7 @@
         </p:nvSpPr>
         <p:spPr>
           <a:xfrm>
-            <a:off x="4377172" y="1925053"/>
+            <a:off x="1848576" y="1934384"/>
             <a:ext cx="120255" cy="1914357"/>
           </a:xfrm>
           <a:custGeom>
@@ -11437,6 +11472,41 @@
                   <a:pt x="120255" y="1914357"/>
                 </a:moveTo>
                 <a:cubicBezTo>
+                  <a:pt x="86721" y="1914334"/>
+                  <a:pt x="59796" y="1909195"/>
+                  <a:pt x="60127" y="1904336"/>
+                </a:cubicBezTo>
+                <a:cubicBezTo>
+                  <a:pt x="63582" y="1545219"/>
+                  <a:pt x="32454" y="1295737"/>
+                  <a:pt x="60128" y="967199"/>
+                </a:cubicBezTo>
+                <a:cubicBezTo>
+                  <a:pt x="58955" y="963762"/>
+                  <a:pt x="35634" y="958981"/>
+                  <a:pt x="0" y="957178"/>
+                </a:cubicBezTo>
+                <a:cubicBezTo>
+                  <a:pt x="33178" y="957901"/>
+                  <a:pt x="60573" y="952427"/>
+                  <a:pt x="60128" y="947157"/>
+                </a:cubicBezTo>
+                <a:cubicBezTo>
+                  <a:pt x="89129" y="748341"/>
+                  <a:pt x="96285" y="308908"/>
+                  <a:pt x="60128" y="10021"/>
+                </a:cubicBezTo>
+                <a:cubicBezTo>
+                  <a:pt x="60805" y="5828"/>
+                  <a:pt x="84843" y="1163"/>
+                  <a:pt x="120256" y="0"/>
+                </a:cubicBezTo>
+              </a:path>
+              <a:path w="120255" h="1914357" fill="none" stroke="0" extrusionOk="0">
+                <a:moveTo>
+                  <a:pt x="120255" y="1914357"/>
+                </a:moveTo>
+                <a:cubicBezTo>
                   <a:pt x="87560" y="1914644"/>
                   <a:pt x="61149" y="1910116"/>
                   <a:pt x="60127" y="1904336"/>
@@ -11526,7 +11596,7 @@
             </p:nvSpPr>
             <p:spPr>
               <a:xfrm>
-                <a:off x="3993690" y="2707851"/>
+                <a:off x="1465094" y="2717182"/>
                 <a:ext cx="445185" cy="338554"/>
               </a:xfrm>
               <a:prstGeom prst="rect">
@@ -11610,7 +11680,7 @@
             </p:nvSpPr>
             <p:spPr>
               <a:xfrm>
-                <a:off x="3993690" y="2707851"/>
+                <a:off x="1465094" y="2717182"/>
                 <a:ext cx="445185" cy="338554"/>
               </a:xfrm>
               <a:prstGeom prst="rect">
@@ -11654,7 +11724,7 @@
             </p:nvSpPr>
             <p:spPr>
               <a:xfrm>
-                <a:off x="4124093" y="2595627"/>
+                <a:off x="1579986" y="2633652"/>
                 <a:ext cx="346570" cy="369332"/>
               </a:xfrm>
               <a:prstGeom prst="rect">
@@ -11713,7 +11783,7 @@
             </p:nvSpPr>
             <p:spPr>
               <a:xfrm>
-                <a:off x="4124093" y="2595627"/>
+                <a:off x="1579986" y="2633652"/>
                 <a:ext cx="346570" cy="369332"/>
               </a:xfrm>
               <a:prstGeom prst="rect">
@@ -11757,7 +11827,7 @@
             </p:nvSpPr>
             <p:spPr>
               <a:xfrm>
-                <a:off x="5051474" y="3257202"/>
+                <a:off x="2408442" y="3095199"/>
                 <a:ext cx="557524" cy="391582"/>
               </a:xfrm>
               <a:prstGeom prst="rect">
@@ -11841,7 +11911,7 @@
             </p:nvSpPr>
             <p:spPr>
               <a:xfrm>
-                <a:off x="5051474" y="3257202"/>
+                <a:off x="2408442" y="3095199"/>
                 <a:ext cx="557524" cy="391582"/>
               </a:xfrm>
               <a:prstGeom prst="rect">
@@ -11850,7 +11920,7 @@
               <a:blipFill>
                 <a:blip r:embed="rId8"/>
                 <a:stretch>
-                  <a:fillRect b="-9231"/>
+                  <a:fillRect b="-9375"/>
                 </a:stretch>
               </a:blipFill>
             </p:spPr>
@@ -11885,7 +11955,7 @@
             </p:nvSpPr>
             <p:spPr>
               <a:xfrm>
-                <a:off x="6758513" y="3926518"/>
+                <a:off x="4229917" y="3935849"/>
                 <a:ext cx="523092" cy="369332"/>
               </a:xfrm>
               <a:prstGeom prst="rect">
@@ -11972,7 +12042,7 @@
             </p:nvSpPr>
             <p:spPr>
               <a:xfrm>
-                <a:off x="6758513" y="3926518"/>
+                <a:off x="4229917" y="3935849"/>
                 <a:ext cx="523092" cy="369332"/>
               </a:xfrm>
               <a:prstGeom prst="rect">
@@ -12014,7 +12084,7 @@
         </p:nvSpPr>
         <p:spPr>
           <a:xfrm rot="16200000">
-            <a:off x="5750971" y="3027078"/>
+            <a:off x="3222375" y="3036409"/>
             <a:ext cx="109488" cy="2080578"/>
           </a:xfrm>
           <a:custGeom>
@@ -12123,6 +12193,41 @@
                   <a:pt x="109488" y="2080578"/>
                 </a:moveTo>
                 <a:cubicBezTo>
+                  <a:pt x="78257" y="2080507"/>
+                  <a:pt x="54483" y="2075960"/>
+                  <a:pt x="54744" y="2071454"/>
+                </a:cubicBezTo>
+                <a:cubicBezTo>
+                  <a:pt x="56655" y="1896176"/>
+                  <a:pt x="15897" y="1357440"/>
+                  <a:pt x="54744" y="1049413"/>
+                </a:cubicBezTo>
+                <a:cubicBezTo>
+                  <a:pt x="54532" y="1044753"/>
+                  <a:pt x="31490" y="1041222"/>
+                  <a:pt x="0" y="1040289"/>
+                </a:cubicBezTo>
+                <a:cubicBezTo>
+                  <a:pt x="30204" y="1041011"/>
+                  <a:pt x="55219" y="1035922"/>
+                  <a:pt x="54744" y="1031165"/>
+                </a:cubicBezTo>
+                <a:cubicBezTo>
+                  <a:pt x="104290" y="828533"/>
+                  <a:pt x="62520" y="420095"/>
+                  <a:pt x="54744" y="9124"/>
+                </a:cubicBezTo>
+                <a:cubicBezTo>
+                  <a:pt x="55123" y="4836"/>
+                  <a:pt x="76167" y="1628"/>
+                  <a:pt x="109488" y="0"/>
+                </a:cubicBezTo>
+              </a:path>
+              <a:path w="109488" h="2080578" fill="none" stroke="0" extrusionOk="0">
+                <a:moveTo>
+                  <a:pt x="109488" y="2080578"/>
+                </a:moveTo>
+                <a:cubicBezTo>
                   <a:pt x="79319" y="2080615"/>
                   <a:pt x="55197" y="2076602"/>
                   <a:pt x="54744" y="2071454"/>
@@ -12212,7 +12317,7 @@
             </p:nvSpPr>
             <p:spPr>
               <a:xfrm>
-                <a:off x="5618805" y="4063010"/>
+                <a:off x="3090209" y="4072341"/>
                 <a:ext cx="352981" cy="338554"/>
               </a:xfrm>
               <a:prstGeom prst="rect">
@@ -12271,7 +12376,7 @@
             </p:nvSpPr>
             <p:spPr>
               <a:xfrm>
-                <a:off x="5618805" y="4063010"/>
+                <a:off x="3090209" y="4072341"/>
                 <a:ext cx="352981" cy="338554"/>
               </a:xfrm>
               <a:prstGeom prst="rect">
@@ -12315,7 +12420,7 @@
             </p:nvSpPr>
             <p:spPr>
               <a:xfrm>
-                <a:off x="7339293" y="3772630"/>
+                <a:off x="4810697" y="3781961"/>
                 <a:ext cx="355995" cy="338554"/>
               </a:xfrm>
               <a:prstGeom prst="rect">
@@ -12374,7 +12479,7 @@
             </p:nvSpPr>
             <p:spPr>
               <a:xfrm>
-                <a:off x="7339293" y="3772630"/>
+                <a:off x="4810697" y="3781961"/>
                 <a:ext cx="355995" cy="338554"/>
               </a:xfrm>
               <a:prstGeom prst="rect">
@@ -12416,44 +12521,44 @@
         </p:nvSpPr>
         <p:spPr>
           <a:xfrm>
-            <a:off x="4776267" y="1883426"/>
-            <a:ext cx="75266" cy="1202388"/>
+            <a:off x="2978853" y="2088269"/>
+            <a:ext cx="54994" cy="985055"/>
           </a:xfrm>
           <a:custGeom>
             <a:avLst/>
             <a:gdLst>
-              <a:gd name="connsiteX0" fmla="*/ 0 w 75266"/>
-              <a:gd name="connsiteY0" fmla="*/ 0 h 1202388"/>
-              <a:gd name="connsiteX1" fmla="*/ 37633 w 75266"/>
-              <a:gd name="connsiteY1" fmla="*/ 6272 h 1202388"/>
-              <a:gd name="connsiteX2" fmla="*/ 37633 w 75266"/>
-              <a:gd name="connsiteY2" fmla="*/ 594922 h 1202388"/>
-              <a:gd name="connsiteX3" fmla="*/ 75266 w 75266"/>
-              <a:gd name="connsiteY3" fmla="*/ 601194 h 1202388"/>
-              <a:gd name="connsiteX4" fmla="*/ 37633 w 75266"/>
-              <a:gd name="connsiteY4" fmla="*/ 607466 h 1202388"/>
-              <a:gd name="connsiteX5" fmla="*/ 37633 w 75266"/>
-              <a:gd name="connsiteY5" fmla="*/ 1196116 h 1202388"/>
-              <a:gd name="connsiteX6" fmla="*/ 0 w 75266"/>
-              <a:gd name="connsiteY6" fmla="*/ 1202388 h 1202388"/>
-              <a:gd name="connsiteX7" fmla="*/ 0 w 75266"/>
-              <a:gd name="connsiteY7" fmla="*/ 577146 h 1202388"/>
-              <a:gd name="connsiteX8" fmla="*/ 0 w 75266"/>
-              <a:gd name="connsiteY8" fmla="*/ 0 h 1202388"/>
-              <a:gd name="connsiteX0" fmla="*/ 0 w 75266"/>
-              <a:gd name="connsiteY0" fmla="*/ 0 h 1202388"/>
-              <a:gd name="connsiteX1" fmla="*/ 37633 w 75266"/>
-              <a:gd name="connsiteY1" fmla="*/ 6272 h 1202388"/>
-              <a:gd name="connsiteX2" fmla="*/ 37633 w 75266"/>
-              <a:gd name="connsiteY2" fmla="*/ 594922 h 1202388"/>
-              <a:gd name="connsiteX3" fmla="*/ 75266 w 75266"/>
-              <a:gd name="connsiteY3" fmla="*/ 601194 h 1202388"/>
-              <a:gd name="connsiteX4" fmla="*/ 37633 w 75266"/>
-              <a:gd name="connsiteY4" fmla="*/ 607466 h 1202388"/>
-              <a:gd name="connsiteX5" fmla="*/ 37633 w 75266"/>
-              <a:gd name="connsiteY5" fmla="*/ 1196116 h 1202388"/>
-              <a:gd name="connsiteX6" fmla="*/ 0 w 75266"/>
-              <a:gd name="connsiteY6" fmla="*/ 1202388 h 1202388"/>
+              <a:gd name="connsiteX0" fmla="*/ 0 w 54994"/>
+              <a:gd name="connsiteY0" fmla="*/ 0 h 985055"/>
+              <a:gd name="connsiteX1" fmla="*/ 27497 w 54994"/>
+              <a:gd name="connsiteY1" fmla="*/ 4583 h 985055"/>
+              <a:gd name="connsiteX2" fmla="*/ 27497 w 54994"/>
+              <a:gd name="connsiteY2" fmla="*/ 487945 h 985055"/>
+              <a:gd name="connsiteX3" fmla="*/ 54994 w 54994"/>
+              <a:gd name="connsiteY3" fmla="*/ 492528 h 985055"/>
+              <a:gd name="connsiteX4" fmla="*/ 27497 w 54994"/>
+              <a:gd name="connsiteY4" fmla="*/ 497111 h 985055"/>
+              <a:gd name="connsiteX5" fmla="*/ 27497 w 54994"/>
+              <a:gd name="connsiteY5" fmla="*/ 980472 h 985055"/>
+              <a:gd name="connsiteX6" fmla="*/ 0 w 54994"/>
+              <a:gd name="connsiteY6" fmla="*/ 985055 h 985055"/>
+              <a:gd name="connsiteX7" fmla="*/ 0 w 54994"/>
+              <a:gd name="connsiteY7" fmla="*/ 472826 h 985055"/>
+              <a:gd name="connsiteX8" fmla="*/ 0 w 54994"/>
+              <a:gd name="connsiteY8" fmla="*/ 0 h 985055"/>
+              <a:gd name="connsiteX0" fmla="*/ 0 w 54994"/>
+              <a:gd name="connsiteY0" fmla="*/ 0 h 985055"/>
+              <a:gd name="connsiteX1" fmla="*/ 27497 w 54994"/>
+              <a:gd name="connsiteY1" fmla="*/ 4583 h 985055"/>
+              <a:gd name="connsiteX2" fmla="*/ 27497 w 54994"/>
+              <a:gd name="connsiteY2" fmla="*/ 487945 h 985055"/>
+              <a:gd name="connsiteX3" fmla="*/ 54994 w 54994"/>
+              <a:gd name="connsiteY3" fmla="*/ 492528 h 985055"/>
+              <a:gd name="connsiteX4" fmla="*/ 27497 w 54994"/>
+              <a:gd name="connsiteY4" fmla="*/ 497111 h 985055"/>
+              <a:gd name="connsiteX5" fmla="*/ 27497 w 54994"/>
+              <a:gd name="connsiteY5" fmla="*/ 980472 h 985055"/>
+              <a:gd name="connsiteX6" fmla="*/ 0 w 54994"/>
+              <a:gd name="connsiteY6" fmla="*/ 985055 h 985055"/>
             </a:gdLst>
             <a:ahLst/>
             <a:cxnLst>
@@ -12481,85 +12586,120 @@
             </a:cxnLst>
             <a:rect l="l" t="t" r="r" b="b"/>
             <a:pathLst>
-              <a:path w="75266" h="1202388" stroke="0" extrusionOk="0">
+              <a:path w="54994" h="985055" stroke="0" extrusionOk="0">
                 <a:moveTo>
                   <a:pt x="0" y="0"/>
                 </a:moveTo>
                 <a:cubicBezTo>
-                  <a:pt x="20615" y="-104"/>
-                  <a:pt x="37420" y="2888"/>
-                  <a:pt x="37633" y="6272"/>
-                </a:cubicBezTo>
-                <a:cubicBezTo>
-                  <a:pt x="46763" y="200172"/>
-                  <a:pt x="43122" y="301870"/>
-                  <a:pt x="37633" y="594922"/>
-                </a:cubicBezTo>
-                <a:cubicBezTo>
-                  <a:pt x="35997" y="597141"/>
-                  <a:pt x="52997" y="604242"/>
-                  <a:pt x="75266" y="601194"/>
-                </a:cubicBezTo>
-                <a:cubicBezTo>
-                  <a:pt x="54484" y="601330"/>
-                  <a:pt x="37424" y="603329"/>
-                  <a:pt x="37633" y="607466"/>
-                </a:cubicBezTo>
-                <a:cubicBezTo>
-                  <a:pt x="44920" y="743476"/>
-                  <a:pt x="61975" y="1040850"/>
-                  <a:pt x="37633" y="1196116"/>
-                </a:cubicBezTo>
-                <a:cubicBezTo>
-                  <a:pt x="34911" y="1202143"/>
-                  <a:pt x="20450" y="1199199"/>
-                  <a:pt x="0" y="1202388"/>
-                </a:cubicBezTo>
-                <a:cubicBezTo>
-                  <a:pt x="30809" y="985451"/>
-                  <a:pt x="-20664" y="869511"/>
-                  <a:pt x="0" y="577146"/>
-                </a:cubicBezTo>
-                <a:cubicBezTo>
-                  <a:pt x="20664" y="284781"/>
-                  <a:pt x="-18469" y="253882"/>
+                  <a:pt x="14661" y="-324"/>
+                  <a:pt x="27319" y="2119"/>
+                  <a:pt x="27497" y="4583"/>
+                </a:cubicBezTo>
+                <a:cubicBezTo>
+                  <a:pt x="11286" y="178190"/>
+                  <a:pt x="12778" y="318929"/>
+                  <a:pt x="27497" y="487945"/>
+                </a:cubicBezTo>
+                <a:cubicBezTo>
+                  <a:pt x="27142" y="490206"/>
+                  <a:pt x="39305" y="493560"/>
+                  <a:pt x="54994" y="492528"/>
+                </a:cubicBezTo>
+                <a:cubicBezTo>
+                  <a:pt x="39814" y="493032"/>
+                  <a:pt x="27458" y="494455"/>
+                  <a:pt x="27497" y="497111"/>
+                </a:cubicBezTo>
+                <a:cubicBezTo>
+                  <a:pt x="20707" y="726543"/>
+                  <a:pt x="3600" y="825127"/>
+                  <a:pt x="27497" y="980472"/>
+                </a:cubicBezTo>
+                <a:cubicBezTo>
+                  <a:pt x="26080" y="984337"/>
+                  <a:pt x="14985" y="983134"/>
+                  <a:pt x="0" y="985055"/>
+                </a:cubicBezTo>
+                <a:cubicBezTo>
+                  <a:pt x="-13070" y="749696"/>
+                  <a:pt x="-1146" y="639632"/>
+                  <a:pt x="0" y="472826"/>
+                </a:cubicBezTo>
+                <a:cubicBezTo>
+                  <a:pt x="1146" y="306020"/>
+                  <a:pt x="612" y="206251"/>
                   <a:pt x="0" y="0"/>
                 </a:cubicBezTo>
                 <a:close/>
               </a:path>
-              <a:path w="75266" h="1202388" fill="none" extrusionOk="0">
+              <a:path w="54994" h="985055" fill="none" extrusionOk="0">
                 <a:moveTo>
                   <a:pt x="0" y="0"/>
                 </a:moveTo>
                 <a:cubicBezTo>
-                  <a:pt x="21450" y="545"/>
-                  <a:pt x="38115" y="3526"/>
-                  <a:pt x="37633" y="6272"/>
-                </a:cubicBezTo>
-                <a:cubicBezTo>
-                  <a:pt x="17768" y="297184"/>
-                  <a:pt x="22549" y="357587"/>
-                  <a:pt x="37633" y="594922"/>
-                </a:cubicBezTo>
-                <a:cubicBezTo>
-                  <a:pt x="36370" y="598063"/>
-                  <a:pt x="57141" y="597894"/>
-                  <a:pt x="75266" y="601194"/>
-                </a:cubicBezTo>
-                <a:cubicBezTo>
-                  <a:pt x="54364" y="601148"/>
-                  <a:pt x="37394" y="603407"/>
-                  <a:pt x="37633" y="607466"/>
-                </a:cubicBezTo>
-                <a:cubicBezTo>
-                  <a:pt x="50448" y="741276"/>
-                  <a:pt x="12141" y="1074380"/>
-                  <a:pt x="37633" y="1196116"/>
-                </a:cubicBezTo>
-                <a:cubicBezTo>
-                  <a:pt x="37735" y="1198197"/>
-                  <a:pt x="17897" y="1204074"/>
-                  <a:pt x="0" y="1202388"/>
+                  <a:pt x="15112" y="132"/>
+                  <a:pt x="27817" y="2290"/>
+                  <a:pt x="27497" y="4583"/>
+                </a:cubicBezTo>
+                <a:cubicBezTo>
+                  <a:pt x="9628" y="224229"/>
+                  <a:pt x="34447" y="329606"/>
+                  <a:pt x="27497" y="487945"/>
+                </a:cubicBezTo>
+                <a:cubicBezTo>
+                  <a:pt x="29527" y="490046"/>
+                  <a:pt x="40064" y="494956"/>
+                  <a:pt x="54994" y="492528"/>
+                </a:cubicBezTo>
+                <a:cubicBezTo>
+                  <a:pt x="39996" y="492465"/>
+                  <a:pt x="27493" y="494466"/>
+                  <a:pt x="27497" y="497111"/>
+                </a:cubicBezTo>
+                <a:cubicBezTo>
+                  <a:pt x="31317" y="635097"/>
+                  <a:pt x="30090" y="832655"/>
+                  <a:pt x="27497" y="980472"/>
+                </a:cubicBezTo>
+                <a:cubicBezTo>
+                  <a:pt x="27343" y="983469"/>
+                  <a:pt x="14017" y="987402"/>
+                  <a:pt x="0" y="985055"/>
+                </a:cubicBezTo>
+              </a:path>
+              <a:path w="54994" h="985055" fill="none" stroke="0" extrusionOk="0">
+                <a:moveTo>
+                  <a:pt x="0" y="0"/>
+                </a:moveTo>
+                <a:cubicBezTo>
+                  <a:pt x="15500" y="257"/>
+                  <a:pt x="27815" y="2525"/>
+                  <a:pt x="27497" y="4583"/>
+                </a:cubicBezTo>
+                <a:cubicBezTo>
+                  <a:pt x="51527" y="102017"/>
+                  <a:pt x="19476" y="279735"/>
+                  <a:pt x="27497" y="487945"/>
+                </a:cubicBezTo>
+                <a:cubicBezTo>
+                  <a:pt x="25368" y="489931"/>
+                  <a:pt x="40656" y="491475"/>
+                  <a:pt x="54994" y="492528"/>
+                </a:cubicBezTo>
+                <a:cubicBezTo>
+                  <a:pt x="39708" y="492489"/>
+                  <a:pt x="27398" y="494333"/>
+                  <a:pt x="27497" y="497111"/>
+                </a:cubicBezTo>
+                <a:cubicBezTo>
+                  <a:pt x="16472" y="606328"/>
+                  <a:pt x="42098" y="840054"/>
+                  <a:pt x="27497" y="980472"/>
+                </a:cubicBezTo>
+                <a:cubicBezTo>
+                  <a:pt x="27565" y="982083"/>
+                  <a:pt x="13161" y="986237"/>
+                  <a:pt x="0" y="985055"/>
                 </a:cubicBezTo>
               </a:path>
             </a:pathLst>
@@ -12621,7 +12761,7 @@
             </p:nvSpPr>
             <p:spPr>
               <a:xfrm>
-                <a:off x="4728747" y="2357060"/>
+                <a:off x="2970945" y="2449991"/>
                 <a:ext cx="612347" cy="261610"/>
               </a:xfrm>
               <a:prstGeom prst="rect">
@@ -12723,7 +12863,7 @@
             </p:nvSpPr>
             <p:spPr>
               <a:xfrm>
-                <a:off x="4728747" y="2357060"/>
+                <a:off x="2970945" y="2449991"/>
                 <a:ext cx="612347" cy="261610"/>
               </a:xfrm>
               <a:prstGeom prst="rect">
@@ -12733,6 +12873,5485 @@
                 <a:blip r:embed="rId12"/>
                 <a:stretch>
                   <a:fillRect/>
+                </a:stretch>
+              </a:blipFill>
+            </p:spPr>
+            <p:txBody>
+              <a:bodyPr/>
+              <a:lstStyle/>
+              <a:p>
+                <a:r>
+                  <a:rPr lang="zh-CN" altLang="en-US">
+                    <a:noFill/>
+                  </a:rPr>
+                  <a:t> </a:t>
+                </a:r>
+              </a:p>
+            </p:txBody>
+          </p:sp>
+        </mc:Fallback>
+      </mc:AlternateContent>
+      <p:cxnSp>
+        <p:nvCxnSpPr>
+          <p:cNvPr id="30" name="直接连接符 29">
+            <a:extLst>
+              <a:ext uri="{FF2B5EF4-FFF2-40B4-BE49-F238E27FC236}">
+                <a16:creationId xmlns:a16="http://schemas.microsoft.com/office/drawing/2014/main" id="{02149D06-F801-1EAE-035E-66FAF1F6166B}"/>
+              </a:ext>
+            </a:extLst>
+          </p:cNvPr>
+          <p:cNvCxnSpPr>
+            <a:cxnSpLocks/>
+          </p:cNvCxnSpPr>
+          <p:nvPr/>
+        </p:nvCxnSpPr>
+        <p:spPr>
+          <a:xfrm>
+            <a:off x="2887825" y="1875453"/>
+            <a:ext cx="0" cy="1293170"/>
+          </a:xfrm>
+          <a:prstGeom prst="line">
+            <a:avLst/>
+          </a:prstGeom>
+          <a:ln w="12700">
+            <a:prstDash val="lgDash"/>
+          </a:ln>
+        </p:spPr>
+        <p:style>
+          <a:lnRef idx="1">
+            <a:schemeClr val="dk1"/>
+          </a:lnRef>
+          <a:fillRef idx="0">
+            <a:schemeClr val="dk1"/>
+          </a:fillRef>
+          <a:effectRef idx="0">
+            <a:schemeClr val="dk1"/>
+          </a:effectRef>
+          <a:fontRef idx="minor">
+            <a:schemeClr val="tx1"/>
+          </a:fontRef>
+        </p:style>
+      </p:cxnSp>
+      <p:sp>
+        <p:nvSpPr>
+          <p:cNvPr id="36" name="右大括号 35">
+            <a:extLst>
+              <a:ext uri="{FF2B5EF4-FFF2-40B4-BE49-F238E27FC236}">
+                <a16:creationId xmlns:a16="http://schemas.microsoft.com/office/drawing/2014/main" id="{C37DA630-1BDB-1C40-647B-FEA4670A5B92}"/>
+              </a:ext>
+            </a:extLst>
+          </p:cNvPr>
+          <p:cNvSpPr/>
+          <p:nvPr/>
+        </p:nvSpPr>
+        <p:spPr>
+          <a:xfrm rot="16200000">
+            <a:off x="4055399" y="2867164"/>
+            <a:ext cx="45719" cy="450258"/>
+          </a:xfrm>
+          <a:custGeom>
+            <a:avLst/>
+            <a:gdLst>
+              <a:gd name="connsiteX0" fmla="*/ 0 w 45719"/>
+              <a:gd name="connsiteY0" fmla="*/ 0 h 450258"/>
+              <a:gd name="connsiteX1" fmla="*/ 22860 w 45719"/>
+              <a:gd name="connsiteY1" fmla="*/ 3810 h 450258"/>
+              <a:gd name="connsiteX2" fmla="*/ 22860 w 45719"/>
+              <a:gd name="connsiteY2" fmla="*/ 221319 h 450258"/>
+              <a:gd name="connsiteX3" fmla="*/ 45720 w 45719"/>
+              <a:gd name="connsiteY3" fmla="*/ 225129 h 450258"/>
+              <a:gd name="connsiteX4" fmla="*/ 22860 w 45719"/>
+              <a:gd name="connsiteY4" fmla="*/ 228939 h 450258"/>
+              <a:gd name="connsiteX5" fmla="*/ 22860 w 45719"/>
+              <a:gd name="connsiteY5" fmla="*/ 446448 h 450258"/>
+              <a:gd name="connsiteX6" fmla="*/ 0 w 45719"/>
+              <a:gd name="connsiteY6" fmla="*/ 450258 h 450258"/>
+              <a:gd name="connsiteX7" fmla="*/ 0 w 45719"/>
+              <a:gd name="connsiteY7" fmla="*/ 0 h 450258"/>
+              <a:gd name="connsiteX0" fmla="*/ 0 w 45719"/>
+              <a:gd name="connsiteY0" fmla="*/ 0 h 450258"/>
+              <a:gd name="connsiteX1" fmla="*/ 22860 w 45719"/>
+              <a:gd name="connsiteY1" fmla="*/ 3810 h 450258"/>
+              <a:gd name="connsiteX2" fmla="*/ 22860 w 45719"/>
+              <a:gd name="connsiteY2" fmla="*/ 221319 h 450258"/>
+              <a:gd name="connsiteX3" fmla="*/ 45720 w 45719"/>
+              <a:gd name="connsiteY3" fmla="*/ 225129 h 450258"/>
+              <a:gd name="connsiteX4" fmla="*/ 22860 w 45719"/>
+              <a:gd name="connsiteY4" fmla="*/ 228939 h 450258"/>
+              <a:gd name="connsiteX5" fmla="*/ 22860 w 45719"/>
+              <a:gd name="connsiteY5" fmla="*/ 446448 h 450258"/>
+              <a:gd name="connsiteX6" fmla="*/ 0 w 45719"/>
+              <a:gd name="connsiteY6" fmla="*/ 450258 h 450258"/>
+            </a:gdLst>
+            <a:ahLst/>
+            <a:cxnLst>
+              <a:cxn ang="0">
+                <a:pos x="connsiteX0" y="connsiteY0"/>
+              </a:cxn>
+              <a:cxn ang="0">
+                <a:pos x="connsiteX1" y="connsiteY1"/>
+              </a:cxn>
+              <a:cxn ang="0">
+                <a:pos x="connsiteX2" y="connsiteY2"/>
+              </a:cxn>
+              <a:cxn ang="0">
+                <a:pos x="connsiteX3" y="connsiteY3"/>
+              </a:cxn>
+              <a:cxn ang="0">
+                <a:pos x="connsiteX4" y="connsiteY4"/>
+              </a:cxn>
+              <a:cxn ang="0">
+                <a:pos x="connsiteX5" y="connsiteY5"/>
+              </a:cxn>
+              <a:cxn ang="0">
+                <a:pos x="connsiteX6" y="connsiteY6"/>
+              </a:cxn>
+            </a:cxnLst>
+            <a:rect l="l" t="t" r="r" b="b"/>
+            <a:pathLst>
+              <a:path w="45719" h="450258" stroke="0" extrusionOk="0">
+                <a:moveTo>
+                  <a:pt x="0" y="0"/>
+                </a:moveTo>
+                <a:cubicBezTo>
+                  <a:pt x="12337" y="-178"/>
+                  <a:pt x="22371" y="1889"/>
+                  <a:pt x="22860" y="3810"/>
+                </a:cubicBezTo>
+                <a:cubicBezTo>
+                  <a:pt x="32636" y="90777"/>
+                  <a:pt x="24567" y="169338"/>
+                  <a:pt x="22860" y="221319"/>
+                </a:cubicBezTo>
+                <a:cubicBezTo>
+                  <a:pt x="22559" y="223194"/>
+                  <a:pt x="31969" y="227441"/>
+                  <a:pt x="45720" y="225129"/>
+                </a:cubicBezTo>
+                <a:cubicBezTo>
+                  <a:pt x="33098" y="225374"/>
+                  <a:pt x="22738" y="226442"/>
+                  <a:pt x="22860" y="228939"/>
+                </a:cubicBezTo>
+                <a:cubicBezTo>
+                  <a:pt x="19179" y="335552"/>
+                  <a:pt x="20883" y="399807"/>
+                  <a:pt x="22860" y="446448"/>
+                </a:cubicBezTo>
+                <a:cubicBezTo>
+                  <a:pt x="21687" y="449657"/>
+                  <a:pt x="12535" y="449397"/>
+                  <a:pt x="0" y="450258"/>
+                </a:cubicBezTo>
+                <a:cubicBezTo>
+                  <a:pt x="-1053" y="343199"/>
+                  <a:pt x="14475" y="223681"/>
+                  <a:pt x="0" y="0"/>
+                </a:cubicBezTo>
+                <a:close/>
+              </a:path>
+              <a:path w="45719" h="450258" fill="none" extrusionOk="0">
+                <a:moveTo>
+                  <a:pt x="0" y="0"/>
+                </a:moveTo>
+                <a:cubicBezTo>
+                  <a:pt x="12589" y="-108"/>
+                  <a:pt x="23261" y="1625"/>
+                  <a:pt x="22860" y="3810"/>
+                </a:cubicBezTo>
+                <a:cubicBezTo>
+                  <a:pt x="31026" y="85559"/>
+                  <a:pt x="23867" y="166648"/>
+                  <a:pt x="22860" y="221319"/>
+                </a:cubicBezTo>
+                <a:cubicBezTo>
+                  <a:pt x="24050" y="222717"/>
+                  <a:pt x="32374" y="226274"/>
+                  <a:pt x="45720" y="225129"/>
+                </a:cubicBezTo>
+                <a:cubicBezTo>
+                  <a:pt x="32867" y="225141"/>
+                  <a:pt x="22904" y="226922"/>
+                  <a:pt x="22860" y="228939"/>
+                </a:cubicBezTo>
+                <a:cubicBezTo>
+                  <a:pt x="31721" y="337389"/>
+                  <a:pt x="32084" y="382257"/>
+                  <a:pt x="22860" y="446448"/>
+                </a:cubicBezTo>
+                <a:cubicBezTo>
+                  <a:pt x="21771" y="449909"/>
+                  <a:pt x="12940" y="449289"/>
+                  <a:pt x="0" y="450258"/>
+                </a:cubicBezTo>
+              </a:path>
+              <a:path w="45719" h="450258" fill="none" stroke="0" extrusionOk="0">
+                <a:moveTo>
+                  <a:pt x="0" y="0"/>
+                </a:moveTo>
+                <a:cubicBezTo>
+                  <a:pt x="12665" y="276"/>
+                  <a:pt x="22358" y="1677"/>
+                  <a:pt x="22860" y="3810"/>
+                </a:cubicBezTo>
+                <a:cubicBezTo>
+                  <a:pt x="27355" y="80543"/>
+                  <a:pt x="25672" y="168737"/>
+                  <a:pt x="22860" y="221319"/>
+                </a:cubicBezTo>
+                <a:cubicBezTo>
+                  <a:pt x="22995" y="223631"/>
+                  <a:pt x="34419" y="226751"/>
+                  <a:pt x="45720" y="225129"/>
+                </a:cubicBezTo>
+                <a:cubicBezTo>
+                  <a:pt x="33453" y="224816"/>
+                  <a:pt x="22902" y="226639"/>
+                  <a:pt x="22860" y="228939"/>
+                </a:cubicBezTo>
+                <a:cubicBezTo>
+                  <a:pt x="13457" y="308736"/>
+                  <a:pt x="16629" y="379074"/>
+                  <a:pt x="22860" y="446448"/>
+                </a:cubicBezTo>
+                <a:cubicBezTo>
+                  <a:pt x="21789" y="446951"/>
+                  <a:pt x="12292" y="451511"/>
+                  <a:pt x="0" y="450258"/>
+                </a:cubicBezTo>
+              </a:path>
+            </a:pathLst>
+          </a:custGeom>
+          <a:ln w="12700">
+            <a:solidFill>
+              <a:schemeClr val="tx1"/>
+            </a:solidFill>
+            <a:extLst>
+              <a:ext uri="{C807C97D-BFC1-408E-A445-0C87EB9F89A2}">
+                <ask:lineSketchStyleProps xmlns:ask="http://schemas.microsoft.com/office/drawing/2018/sketchyshapes" sd="1219033472">
+                  <a:prstGeom prst="rightBrace">
+                    <a:avLst/>
+                  </a:prstGeom>
+                  <ask:type>
+                    <ask:lineSketchFreehand/>
+                  </ask:type>
+                </ask:lineSketchStyleProps>
+              </a:ext>
+            </a:extLst>
+          </a:ln>
+        </p:spPr>
+        <p:style>
+          <a:lnRef idx="1">
+            <a:schemeClr val="accent1"/>
+          </a:lnRef>
+          <a:fillRef idx="0">
+            <a:schemeClr val="accent1"/>
+          </a:fillRef>
+          <a:effectRef idx="0">
+            <a:schemeClr val="accent1"/>
+          </a:effectRef>
+          <a:fontRef idx="minor">
+            <a:schemeClr val="tx1"/>
+          </a:fontRef>
+        </p:style>
+        <p:txBody>
+          <a:bodyPr rtlCol="0" anchor="ctr"/>
+          <a:lstStyle/>
+          <a:p>
+            <a:pPr algn="ctr"/>
+            <a:endParaRPr lang="zh-CN" altLang="en-US"/>
+          </a:p>
+        </p:txBody>
+      </p:sp>
+      <mc:AlternateContent xmlns:mc="http://schemas.openxmlformats.org/markup-compatibility/2006">
+        <mc:Choice xmlns:a14="http://schemas.microsoft.com/office/drawing/2010/main" Requires="a14">
+          <p:sp>
+            <p:nvSpPr>
+              <p:cNvPr id="38" name="文本框 37">
+                <a:extLst>
+                  <a:ext uri="{FF2B5EF4-FFF2-40B4-BE49-F238E27FC236}">
+                    <a16:creationId xmlns:a16="http://schemas.microsoft.com/office/drawing/2014/main" id="{9BCB791E-49E6-0275-4E06-E9A35357E9B5}"/>
+                  </a:ext>
+                </a:extLst>
+              </p:cNvPr>
+              <p:cNvSpPr txBox="1"/>
+              <p:nvPr/>
+            </p:nvSpPr>
+            <p:spPr>
+              <a:xfrm>
+                <a:off x="3816981" y="2820474"/>
+                <a:ext cx="527004" cy="266868"/>
+              </a:xfrm>
+              <a:prstGeom prst="rect">
+                <a:avLst/>
+              </a:prstGeom>
+              <a:noFill/>
+            </p:spPr>
+            <p:txBody>
+              <a:bodyPr wrap="none" rtlCol="0">
+                <a:spAutoFit/>
+              </a:bodyPr>
+              <a:lstStyle/>
+              <a:p>
+                <a:pPr/>
+                <a14:m>
+                  <m:oMathPara xmlns:m="http://schemas.openxmlformats.org/officeDocument/2006/math">
+                    <m:oMathParaPr>
+                      <m:jc m:val="centerGroup"/>
+                    </m:oMathParaPr>
+                    <m:oMath xmlns:m="http://schemas.openxmlformats.org/officeDocument/2006/math">
+                      <m:r>
+                        <a:rPr lang="en-US" altLang="zh-CN" sz="1050" b="0" i="1" smtClean="0">
+                          <a:solidFill>
+                            <a:schemeClr val="tx1"/>
+                          </a:solidFill>
+                          <a:latin typeface="Cambria Math" panose="02040503050406030204" pitchFamily="18" charset="0"/>
+                        </a:rPr>
+                        <m:t>−</m:t>
+                      </m:r>
+                      <m:sSub>
+                        <m:sSubPr>
+                          <m:ctrlPr>
+                            <a:rPr lang="en-US" altLang="zh-CN" sz="1050" b="0" i="1" smtClean="0">
+                              <a:solidFill>
+                                <a:schemeClr val="tx1"/>
+                              </a:solidFill>
+                              <a:latin typeface="Cambria Math" panose="02040503050406030204" pitchFamily="18" charset="0"/>
+                            </a:rPr>
+                          </m:ctrlPr>
+                        </m:sSubPr>
+                        <m:e>
+                          <m:r>
+                            <a:rPr lang="en-US" altLang="zh-CN" sz="1050" b="0" i="1" smtClean="0">
+                              <a:solidFill>
+                                <a:schemeClr val="tx1"/>
+                              </a:solidFill>
+                              <a:latin typeface="Cambria Math" panose="02040503050406030204" pitchFamily="18" charset="0"/>
+                            </a:rPr>
+                            <m:t>𝑋</m:t>
+                          </m:r>
+                        </m:e>
+                        <m:sub>
+                          <m:r>
+                            <a:rPr lang="en-US" altLang="zh-CN" sz="1050" b="0" i="1" smtClean="0">
+                              <a:solidFill>
+                                <a:schemeClr val="tx1"/>
+                              </a:solidFill>
+                              <a:latin typeface="Cambria Math" panose="02040503050406030204" pitchFamily="18" charset="0"/>
+                            </a:rPr>
+                            <m:t>𝑓𝑅</m:t>
+                          </m:r>
+                        </m:sub>
+                      </m:sSub>
+                    </m:oMath>
+                  </m:oMathPara>
+                </a14:m>
+                <a:endParaRPr lang="zh-CN" altLang="en-US" sz="1050" dirty="0">
+                  <a:solidFill>
+                    <a:schemeClr val="tx1"/>
+                  </a:solidFill>
+                </a:endParaRPr>
+              </a:p>
+            </p:txBody>
+          </p:sp>
+        </mc:Choice>
+        <mc:Fallback>
+          <p:sp>
+            <p:nvSpPr>
+              <p:cNvPr id="38" name="文本框 37">
+                <a:extLst>
+                  <a:ext uri="{FF2B5EF4-FFF2-40B4-BE49-F238E27FC236}">
+                    <a16:creationId xmlns:a16="http://schemas.microsoft.com/office/drawing/2014/main" id="{9BCB791E-49E6-0275-4E06-E9A35357E9B5}"/>
+                  </a:ext>
+                </a:extLst>
+              </p:cNvPr>
+              <p:cNvSpPr txBox="1">
+                <a:spLocks noRot="1" noChangeAspect="1" noMove="1" noResize="1" noEditPoints="1" noAdjustHandles="1" noChangeArrowheads="1" noChangeShapeType="1" noTextEdit="1"/>
+              </p:cNvSpPr>
+              <p:nvPr/>
+            </p:nvSpPr>
+            <p:spPr>
+              <a:xfrm>
+                <a:off x="3816981" y="2820474"/>
+                <a:ext cx="527004" cy="266868"/>
+              </a:xfrm>
+              <a:prstGeom prst="rect">
+                <a:avLst/>
+              </a:prstGeom>
+              <a:blipFill>
+                <a:blip r:embed="rId13"/>
+                <a:stretch>
+                  <a:fillRect/>
+                </a:stretch>
+              </a:blipFill>
+            </p:spPr>
+            <p:txBody>
+              <a:bodyPr/>
+              <a:lstStyle/>
+              <a:p>
+                <a:r>
+                  <a:rPr lang="zh-CN" altLang="en-US">
+                    <a:noFill/>
+                  </a:rPr>
+                  <a:t> </a:t>
+                </a:r>
+              </a:p>
+            </p:txBody>
+          </p:sp>
+        </mc:Fallback>
+      </mc:AlternateContent>
+      <p:sp>
+        <p:nvSpPr>
+          <p:cNvPr id="39" name="右大括号 38">
+            <a:extLst>
+              <a:ext uri="{FF2B5EF4-FFF2-40B4-BE49-F238E27FC236}">
+                <a16:creationId xmlns:a16="http://schemas.microsoft.com/office/drawing/2014/main" id="{694B54DA-C8CC-F05A-43F8-68853D9330D9}"/>
+              </a:ext>
+            </a:extLst>
+          </p:cNvPr>
+          <p:cNvSpPr/>
+          <p:nvPr/>
+        </p:nvSpPr>
+        <p:spPr>
+          <a:xfrm rot="16200000">
+            <a:off x="2277509" y="2986122"/>
+            <a:ext cx="45719" cy="212341"/>
+          </a:xfrm>
+          <a:custGeom>
+            <a:avLst/>
+            <a:gdLst>
+              <a:gd name="connsiteX0" fmla="*/ 0 w 45719"/>
+              <a:gd name="connsiteY0" fmla="*/ 0 h 212341"/>
+              <a:gd name="connsiteX1" fmla="*/ 22860 w 45719"/>
+              <a:gd name="connsiteY1" fmla="*/ 3810 h 212341"/>
+              <a:gd name="connsiteX2" fmla="*/ 22860 w 45719"/>
+              <a:gd name="connsiteY2" fmla="*/ 102361 h 212341"/>
+              <a:gd name="connsiteX3" fmla="*/ 45720 w 45719"/>
+              <a:gd name="connsiteY3" fmla="*/ 106171 h 212341"/>
+              <a:gd name="connsiteX4" fmla="*/ 22860 w 45719"/>
+              <a:gd name="connsiteY4" fmla="*/ 109981 h 212341"/>
+              <a:gd name="connsiteX5" fmla="*/ 22860 w 45719"/>
+              <a:gd name="connsiteY5" fmla="*/ 208531 h 212341"/>
+              <a:gd name="connsiteX6" fmla="*/ 0 w 45719"/>
+              <a:gd name="connsiteY6" fmla="*/ 212341 h 212341"/>
+              <a:gd name="connsiteX7" fmla="*/ 0 w 45719"/>
+              <a:gd name="connsiteY7" fmla="*/ 0 h 212341"/>
+              <a:gd name="connsiteX0" fmla="*/ 0 w 45719"/>
+              <a:gd name="connsiteY0" fmla="*/ 0 h 212341"/>
+              <a:gd name="connsiteX1" fmla="*/ 22860 w 45719"/>
+              <a:gd name="connsiteY1" fmla="*/ 3810 h 212341"/>
+              <a:gd name="connsiteX2" fmla="*/ 22860 w 45719"/>
+              <a:gd name="connsiteY2" fmla="*/ 102361 h 212341"/>
+              <a:gd name="connsiteX3" fmla="*/ 45720 w 45719"/>
+              <a:gd name="connsiteY3" fmla="*/ 106171 h 212341"/>
+              <a:gd name="connsiteX4" fmla="*/ 22860 w 45719"/>
+              <a:gd name="connsiteY4" fmla="*/ 109981 h 212341"/>
+              <a:gd name="connsiteX5" fmla="*/ 22860 w 45719"/>
+              <a:gd name="connsiteY5" fmla="*/ 208531 h 212341"/>
+              <a:gd name="connsiteX6" fmla="*/ 0 w 45719"/>
+              <a:gd name="connsiteY6" fmla="*/ 212341 h 212341"/>
+            </a:gdLst>
+            <a:ahLst/>
+            <a:cxnLst>
+              <a:cxn ang="0">
+                <a:pos x="connsiteX0" y="connsiteY0"/>
+              </a:cxn>
+              <a:cxn ang="0">
+                <a:pos x="connsiteX1" y="connsiteY1"/>
+              </a:cxn>
+              <a:cxn ang="0">
+                <a:pos x="connsiteX2" y="connsiteY2"/>
+              </a:cxn>
+              <a:cxn ang="0">
+                <a:pos x="connsiteX3" y="connsiteY3"/>
+              </a:cxn>
+              <a:cxn ang="0">
+                <a:pos x="connsiteX4" y="connsiteY4"/>
+              </a:cxn>
+              <a:cxn ang="0">
+                <a:pos x="connsiteX5" y="connsiteY5"/>
+              </a:cxn>
+              <a:cxn ang="0">
+                <a:pos x="connsiteX6" y="connsiteY6"/>
+              </a:cxn>
+            </a:cxnLst>
+            <a:rect l="l" t="t" r="r" b="b"/>
+            <a:pathLst>
+              <a:path w="45719" h="212341" stroke="0" extrusionOk="0">
+                <a:moveTo>
+                  <a:pt x="0" y="0"/>
+                </a:moveTo>
+                <a:cubicBezTo>
+                  <a:pt x="12337" y="-178"/>
+                  <a:pt x="22371" y="1889"/>
+                  <a:pt x="22860" y="3810"/>
+                </a:cubicBezTo>
+                <a:cubicBezTo>
+                  <a:pt x="21884" y="24893"/>
+                  <a:pt x="24141" y="76074"/>
+                  <a:pt x="22860" y="102361"/>
+                </a:cubicBezTo>
+                <a:cubicBezTo>
+                  <a:pt x="22559" y="104236"/>
+                  <a:pt x="31969" y="108483"/>
+                  <a:pt x="45720" y="106171"/>
+                </a:cubicBezTo>
+                <a:cubicBezTo>
+                  <a:pt x="33098" y="106416"/>
+                  <a:pt x="22738" y="107484"/>
+                  <a:pt x="22860" y="109981"/>
+                </a:cubicBezTo>
+                <a:cubicBezTo>
+                  <a:pt x="18607" y="139533"/>
+                  <a:pt x="22437" y="166553"/>
+                  <a:pt x="22860" y="208531"/>
+                </a:cubicBezTo>
+                <a:cubicBezTo>
+                  <a:pt x="21687" y="211740"/>
+                  <a:pt x="12535" y="211480"/>
+                  <a:pt x="0" y="212341"/>
+                </a:cubicBezTo>
+                <a:cubicBezTo>
+                  <a:pt x="-2163" y="161176"/>
+                  <a:pt x="-6588" y="54953"/>
+                  <a:pt x="0" y="0"/>
+                </a:cubicBezTo>
+                <a:close/>
+              </a:path>
+              <a:path w="45719" h="212341" fill="none" extrusionOk="0">
+                <a:moveTo>
+                  <a:pt x="0" y="0"/>
+                </a:moveTo>
+                <a:cubicBezTo>
+                  <a:pt x="12589" y="-108"/>
+                  <a:pt x="23261" y="1625"/>
+                  <a:pt x="22860" y="3810"/>
+                </a:cubicBezTo>
+                <a:cubicBezTo>
+                  <a:pt x="19184" y="40386"/>
+                  <a:pt x="27068" y="67851"/>
+                  <a:pt x="22860" y="102361"/>
+                </a:cubicBezTo>
+                <a:cubicBezTo>
+                  <a:pt x="24050" y="103759"/>
+                  <a:pt x="32374" y="107316"/>
+                  <a:pt x="45720" y="106171"/>
+                </a:cubicBezTo>
+                <a:cubicBezTo>
+                  <a:pt x="32867" y="106183"/>
+                  <a:pt x="22904" y="107964"/>
+                  <a:pt x="22860" y="109981"/>
+                </a:cubicBezTo>
+                <a:cubicBezTo>
+                  <a:pt x="22804" y="143914"/>
+                  <a:pt x="18587" y="168810"/>
+                  <a:pt x="22860" y="208531"/>
+                </a:cubicBezTo>
+                <a:cubicBezTo>
+                  <a:pt x="21771" y="211992"/>
+                  <a:pt x="12940" y="211372"/>
+                  <a:pt x="0" y="212341"/>
+                </a:cubicBezTo>
+              </a:path>
+              <a:path w="45719" h="212341" fill="none" stroke="0" extrusionOk="0">
+                <a:moveTo>
+                  <a:pt x="0" y="0"/>
+                </a:moveTo>
+                <a:cubicBezTo>
+                  <a:pt x="12665" y="276"/>
+                  <a:pt x="22358" y="1677"/>
+                  <a:pt x="22860" y="3810"/>
+                </a:cubicBezTo>
+                <a:cubicBezTo>
+                  <a:pt x="19133" y="39393"/>
+                  <a:pt x="20297" y="69145"/>
+                  <a:pt x="22860" y="102361"/>
+                </a:cubicBezTo>
+                <a:cubicBezTo>
+                  <a:pt x="22995" y="104673"/>
+                  <a:pt x="34419" y="107793"/>
+                  <a:pt x="45720" y="106171"/>
+                </a:cubicBezTo>
+                <a:cubicBezTo>
+                  <a:pt x="33453" y="105858"/>
+                  <a:pt x="22902" y="107681"/>
+                  <a:pt x="22860" y="109981"/>
+                </a:cubicBezTo>
+                <a:cubicBezTo>
+                  <a:pt x="21567" y="131068"/>
+                  <a:pt x="24733" y="162121"/>
+                  <a:pt x="22860" y="208531"/>
+                </a:cubicBezTo>
+                <a:cubicBezTo>
+                  <a:pt x="21789" y="209034"/>
+                  <a:pt x="12292" y="213594"/>
+                  <a:pt x="0" y="212341"/>
+                </a:cubicBezTo>
+              </a:path>
+            </a:pathLst>
+          </a:custGeom>
+          <a:ln w="12700">
+            <a:solidFill>
+              <a:schemeClr val="tx1"/>
+            </a:solidFill>
+            <a:extLst>
+              <a:ext uri="{C807C97D-BFC1-408E-A445-0C87EB9F89A2}">
+                <ask:lineSketchStyleProps xmlns:ask="http://schemas.microsoft.com/office/drawing/2018/sketchyshapes" sd="1219033472">
+                  <a:prstGeom prst="rightBrace">
+                    <a:avLst/>
+                  </a:prstGeom>
+                  <ask:type>
+                    <ask:lineSketchFreehand/>
+                  </ask:type>
+                </ask:lineSketchStyleProps>
+              </a:ext>
+            </a:extLst>
+          </a:ln>
+        </p:spPr>
+        <p:style>
+          <a:lnRef idx="1">
+            <a:schemeClr val="accent1"/>
+          </a:lnRef>
+          <a:fillRef idx="0">
+            <a:schemeClr val="accent1"/>
+          </a:fillRef>
+          <a:effectRef idx="0">
+            <a:schemeClr val="accent1"/>
+          </a:effectRef>
+          <a:fontRef idx="minor">
+            <a:schemeClr val="tx1"/>
+          </a:fontRef>
+        </p:style>
+        <p:txBody>
+          <a:bodyPr rtlCol="0" anchor="ctr"/>
+          <a:lstStyle/>
+          <a:p>
+            <a:pPr algn="ctr"/>
+            <a:endParaRPr lang="zh-CN" altLang="en-US"/>
+          </a:p>
+        </p:txBody>
+      </p:sp>
+      <mc:AlternateContent xmlns:mc="http://schemas.openxmlformats.org/markup-compatibility/2006">
+        <mc:Choice xmlns:a14="http://schemas.microsoft.com/office/drawing/2010/main" Requires="a14">
+          <p:sp>
+            <p:nvSpPr>
+              <p:cNvPr id="40" name="文本框 39">
+                <a:extLst>
+                  <a:ext uri="{FF2B5EF4-FFF2-40B4-BE49-F238E27FC236}">
+                    <a16:creationId xmlns:a16="http://schemas.microsoft.com/office/drawing/2014/main" id="{879B61B8-9BF0-1DDE-8F9E-F21CCF58FD88}"/>
+                  </a:ext>
+                </a:extLst>
+              </p:cNvPr>
+              <p:cNvSpPr txBox="1"/>
+              <p:nvPr/>
+            </p:nvSpPr>
+            <p:spPr>
+              <a:xfrm>
+                <a:off x="2122092" y="2820474"/>
+                <a:ext cx="416076" cy="266868"/>
+              </a:xfrm>
+              <a:prstGeom prst="rect">
+                <a:avLst/>
+              </a:prstGeom>
+              <a:noFill/>
+            </p:spPr>
+            <p:txBody>
+              <a:bodyPr wrap="none" rtlCol="0">
+                <a:spAutoFit/>
+              </a:bodyPr>
+              <a:lstStyle/>
+              <a:p>
+                <a:pPr/>
+                <a14:m>
+                  <m:oMathPara xmlns:m="http://schemas.openxmlformats.org/officeDocument/2006/math">
+                    <m:oMathParaPr>
+                      <m:jc m:val="centerGroup"/>
+                    </m:oMathParaPr>
+                    <m:oMath xmlns:m="http://schemas.openxmlformats.org/officeDocument/2006/math">
+                      <m:sSub>
+                        <m:sSubPr>
+                          <m:ctrlPr>
+                            <a:rPr lang="en-US" altLang="zh-CN" sz="1050" b="0" i="1" smtClean="0">
+                              <a:solidFill>
+                                <a:schemeClr val="tx1"/>
+                              </a:solidFill>
+                              <a:latin typeface="Cambria Math" panose="02040503050406030204" pitchFamily="18" charset="0"/>
+                            </a:rPr>
+                          </m:ctrlPr>
+                        </m:sSubPr>
+                        <m:e>
+                          <m:r>
+                            <a:rPr lang="en-US" altLang="zh-CN" sz="1050" b="0" i="1" smtClean="0">
+                              <a:solidFill>
+                                <a:schemeClr val="tx1"/>
+                              </a:solidFill>
+                              <a:latin typeface="Cambria Math" panose="02040503050406030204" pitchFamily="18" charset="0"/>
+                            </a:rPr>
+                            <m:t>𝑋</m:t>
+                          </m:r>
+                        </m:e>
+                        <m:sub>
+                          <m:r>
+                            <a:rPr lang="en-US" altLang="zh-CN" sz="1050" b="0" i="1" smtClean="0">
+                              <a:solidFill>
+                                <a:schemeClr val="tx1"/>
+                              </a:solidFill>
+                              <a:latin typeface="Cambria Math" panose="02040503050406030204" pitchFamily="18" charset="0"/>
+                            </a:rPr>
+                            <m:t>𝑓𝐿</m:t>
+                          </m:r>
+                        </m:sub>
+                      </m:sSub>
+                    </m:oMath>
+                  </m:oMathPara>
+                </a14:m>
+                <a:endParaRPr lang="zh-CN" altLang="en-US" sz="1050" dirty="0">
+                  <a:solidFill>
+                    <a:schemeClr val="tx1"/>
+                  </a:solidFill>
+                </a:endParaRPr>
+              </a:p>
+            </p:txBody>
+          </p:sp>
+        </mc:Choice>
+        <mc:Fallback>
+          <p:sp>
+            <p:nvSpPr>
+              <p:cNvPr id="40" name="文本框 39">
+                <a:extLst>
+                  <a:ext uri="{FF2B5EF4-FFF2-40B4-BE49-F238E27FC236}">
+                    <a16:creationId xmlns:a16="http://schemas.microsoft.com/office/drawing/2014/main" id="{879B61B8-9BF0-1DDE-8F9E-F21CCF58FD88}"/>
+                  </a:ext>
+                </a:extLst>
+              </p:cNvPr>
+              <p:cNvSpPr txBox="1">
+                <a:spLocks noRot="1" noChangeAspect="1" noMove="1" noResize="1" noEditPoints="1" noAdjustHandles="1" noChangeArrowheads="1" noChangeShapeType="1" noTextEdit="1"/>
+              </p:cNvSpPr>
+              <p:nvPr/>
+            </p:nvSpPr>
+            <p:spPr>
+              <a:xfrm>
+                <a:off x="2122092" y="2820474"/>
+                <a:ext cx="416076" cy="266868"/>
+              </a:xfrm>
+              <a:prstGeom prst="rect">
+                <a:avLst/>
+              </a:prstGeom>
+              <a:blipFill>
+                <a:blip r:embed="rId14"/>
+                <a:stretch>
+                  <a:fillRect/>
+                </a:stretch>
+              </a:blipFill>
+            </p:spPr>
+            <p:txBody>
+              <a:bodyPr/>
+              <a:lstStyle/>
+              <a:p>
+                <a:r>
+                  <a:rPr lang="zh-CN" altLang="en-US">
+                    <a:noFill/>
+                  </a:rPr>
+                  <a:t> </a:t>
+                </a:r>
+              </a:p>
+            </p:txBody>
+          </p:sp>
+        </mc:Fallback>
+      </mc:AlternateContent>
+      <p:cxnSp>
+        <p:nvCxnSpPr>
+          <p:cNvPr id="41" name="直接连接符 40">
+            <a:extLst>
+              <a:ext uri="{FF2B5EF4-FFF2-40B4-BE49-F238E27FC236}">
+                <a16:creationId xmlns:a16="http://schemas.microsoft.com/office/drawing/2014/main" id="{990C6444-D872-A848-8579-B6053599134F}"/>
+              </a:ext>
+            </a:extLst>
+          </p:cNvPr>
+          <p:cNvCxnSpPr>
+            <a:cxnSpLocks/>
+          </p:cNvCxnSpPr>
+          <p:nvPr/>
+        </p:nvCxnSpPr>
+        <p:spPr>
+          <a:xfrm>
+            <a:off x="5539157" y="3168623"/>
+            <a:ext cx="4267783" cy="0"/>
+          </a:xfrm>
+          <a:prstGeom prst="line">
+            <a:avLst/>
+          </a:prstGeom>
+          <a:ln w="19050"/>
+        </p:spPr>
+        <p:style>
+          <a:lnRef idx="1">
+            <a:schemeClr val="dk1"/>
+          </a:lnRef>
+          <a:fillRef idx="0">
+            <a:schemeClr val="dk1"/>
+          </a:fillRef>
+          <a:effectRef idx="0">
+            <a:schemeClr val="dk1"/>
+          </a:effectRef>
+          <a:fontRef idx="minor">
+            <a:schemeClr val="tx1"/>
+          </a:fontRef>
+        </p:style>
+      </p:cxnSp>
+      <p:sp>
+        <p:nvSpPr>
+          <p:cNvPr id="42" name="椭圆 41">
+            <a:extLst>
+              <a:ext uri="{FF2B5EF4-FFF2-40B4-BE49-F238E27FC236}">
+                <a16:creationId xmlns:a16="http://schemas.microsoft.com/office/drawing/2014/main" id="{0644DB79-5C59-91A7-7DE2-508C773D73F6}"/>
+              </a:ext>
+            </a:extLst>
+          </p:cNvPr>
+          <p:cNvSpPr/>
+          <p:nvPr/>
+        </p:nvSpPr>
+        <p:spPr>
+          <a:xfrm>
+            <a:off x="9156626" y="1738860"/>
+            <a:ext cx="139959" cy="139959"/>
+          </a:xfrm>
+          <a:prstGeom prst="ellipse">
+            <a:avLst/>
+          </a:prstGeom>
+          <a:solidFill>
+            <a:schemeClr val="accent1"/>
+          </a:solidFill>
+          <a:ln>
+            <a:noFill/>
+          </a:ln>
+        </p:spPr>
+        <p:style>
+          <a:lnRef idx="2">
+            <a:schemeClr val="accent1">
+              <a:shade val="50000"/>
+            </a:schemeClr>
+          </a:lnRef>
+          <a:fillRef idx="1">
+            <a:schemeClr val="accent1"/>
+          </a:fillRef>
+          <a:effectRef idx="0">
+            <a:schemeClr val="accent1"/>
+          </a:effectRef>
+          <a:fontRef idx="minor">
+            <a:schemeClr val="lt1"/>
+          </a:fontRef>
+        </p:style>
+        <p:txBody>
+          <a:bodyPr rtlCol="0" anchor="ctr"/>
+          <a:lstStyle/>
+          <a:p>
+            <a:pPr algn="ctr"/>
+            <a:endParaRPr lang="zh-CN" altLang="en-US"/>
+          </a:p>
+        </p:txBody>
+      </p:sp>
+      <p:cxnSp>
+        <p:nvCxnSpPr>
+          <p:cNvPr id="43" name="直接连接符 42">
+            <a:extLst>
+              <a:ext uri="{FF2B5EF4-FFF2-40B4-BE49-F238E27FC236}">
+                <a16:creationId xmlns:a16="http://schemas.microsoft.com/office/drawing/2014/main" id="{7FF699B4-EE3A-0224-BCC6-75F3E51B3B3C}"/>
+              </a:ext>
+            </a:extLst>
+          </p:cNvPr>
+          <p:cNvCxnSpPr>
+            <a:cxnSpLocks/>
+          </p:cNvCxnSpPr>
+          <p:nvPr/>
+        </p:nvCxnSpPr>
+        <p:spPr>
+          <a:xfrm>
+            <a:off x="5539157" y="3955504"/>
+            <a:ext cx="4267783" cy="0"/>
+          </a:xfrm>
+          <a:prstGeom prst="line">
+            <a:avLst/>
+          </a:prstGeom>
+          <a:ln w="19050">
+            <a:prstDash val="lgDash"/>
+            <a:tailEnd type="arrow"/>
+          </a:ln>
+        </p:spPr>
+        <p:style>
+          <a:lnRef idx="1">
+            <a:schemeClr val="dk1"/>
+          </a:lnRef>
+          <a:fillRef idx="0">
+            <a:schemeClr val="dk1"/>
+          </a:fillRef>
+          <a:effectRef idx="0">
+            <a:schemeClr val="dk1"/>
+          </a:effectRef>
+          <a:fontRef idx="minor">
+            <a:schemeClr val="tx1"/>
+          </a:fontRef>
+        </p:style>
+      </p:cxnSp>
+      <p:cxnSp>
+        <p:nvCxnSpPr>
+          <p:cNvPr id="44" name="直接连接符 43">
+            <a:extLst>
+              <a:ext uri="{FF2B5EF4-FFF2-40B4-BE49-F238E27FC236}">
+                <a16:creationId xmlns:a16="http://schemas.microsoft.com/office/drawing/2014/main" id="{DA74001B-4C5C-B2D5-0EC4-7BAECDB68A27}"/>
+              </a:ext>
+            </a:extLst>
+          </p:cNvPr>
+          <p:cNvCxnSpPr>
+            <a:cxnSpLocks/>
+            <a:stCxn id="42" idx="3"/>
+            <a:endCxn id="45" idx="0"/>
+          </p:cNvCxnSpPr>
+          <p:nvPr/>
+        </p:nvCxnSpPr>
+        <p:spPr>
+          <a:xfrm flipH="1">
+            <a:off x="6079059" y="1858322"/>
+            <a:ext cx="3098064" cy="2071739"/>
+          </a:xfrm>
+          <a:prstGeom prst="line">
+            <a:avLst/>
+          </a:prstGeom>
+          <a:ln w="12700"/>
+        </p:spPr>
+        <p:style>
+          <a:lnRef idx="1">
+            <a:schemeClr val="dk1"/>
+          </a:lnRef>
+          <a:fillRef idx="0">
+            <a:schemeClr val="dk1"/>
+          </a:fillRef>
+          <a:effectRef idx="0">
+            <a:schemeClr val="dk1"/>
+          </a:effectRef>
+          <a:fontRef idx="minor">
+            <a:schemeClr val="tx1"/>
+          </a:fontRef>
+        </p:style>
+      </p:cxnSp>
+      <p:sp>
+        <p:nvSpPr>
+          <p:cNvPr id="45" name="椭圆 44">
+            <a:extLst>
+              <a:ext uri="{FF2B5EF4-FFF2-40B4-BE49-F238E27FC236}">
+                <a16:creationId xmlns:a16="http://schemas.microsoft.com/office/drawing/2014/main" id="{A146A90D-E774-702A-6E78-F1E18400BC9B}"/>
+              </a:ext>
+            </a:extLst>
+          </p:cNvPr>
+          <p:cNvSpPr/>
+          <p:nvPr/>
+        </p:nvSpPr>
+        <p:spPr>
+          <a:xfrm>
+            <a:off x="6037708" y="3930061"/>
+            <a:ext cx="82701" cy="82701"/>
+          </a:xfrm>
+          <a:prstGeom prst="ellipse">
+            <a:avLst/>
+          </a:prstGeom>
+          <a:solidFill>
+            <a:schemeClr val="tx1"/>
+          </a:solidFill>
+          <a:ln>
+            <a:solidFill>
+              <a:schemeClr val="tx1"/>
+            </a:solidFill>
+          </a:ln>
+        </p:spPr>
+        <p:style>
+          <a:lnRef idx="2">
+            <a:schemeClr val="accent1">
+              <a:shade val="50000"/>
+            </a:schemeClr>
+          </a:lnRef>
+          <a:fillRef idx="1">
+            <a:schemeClr val="accent1"/>
+          </a:fillRef>
+          <a:effectRef idx="0">
+            <a:schemeClr val="accent1"/>
+          </a:effectRef>
+          <a:fontRef idx="minor">
+            <a:schemeClr val="lt1"/>
+          </a:fontRef>
+        </p:style>
+        <p:txBody>
+          <a:bodyPr rtlCol="0" anchor="ctr"/>
+          <a:lstStyle/>
+          <a:p>
+            <a:pPr algn="ctr"/>
+            <a:endParaRPr lang="zh-CN" altLang="en-US"/>
+          </a:p>
+        </p:txBody>
+      </p:sp>
+      <p:sp>
+        <p:nvSpPr>
+          <p:cNvPr id="46" name="椭圆 45">
+            <a:extLst>
+              <a:ext uri="{FF2B5EF4-FFF2-40B4-BE49-F238E27FC236}">
+                <a16:creationId xmlns:a16="http://schemas.microsoft.com/office/drawing/2014/main" id="{6B6EE030-43C8-21DD-B959-777A589249CC}"/>
+              </a:ext>
+            </a:extLst>
+          </p:cNvPr>
+          <p:cNvSpPr/>
+          <p:nvPr/>
+        </p:nvSpPr>
+        <p:spPr>
+          <a:xfrm>
+            <a:off x="8203214" y="3914154"/>
+            <a:ext cx="98608" cy="98608"/>
+          </a:xfrm>
+          <a:prstGeom prst="ellipse">
+            <a:avLst/>
+          </a:prstGeom>
+          <a:solidFill>
+            <a:schemeClr val="tx1"/>
+          </a:solidFill>
+          <a:ln>
+            <a:noFill/>
+          </a:ln>
+        </p:spPr>
+        <p:style>
+          <a:lnRef idx="2">
+            <a:schemeClr val="accent1">
+              <a:shade val="50000"/>
+            </a:schemeClr>
+          </a:lnRef>
+          <a:fillRef idx="1">
+            <a:schemeClr val="accent1"/>
+          </a:fillRef>
+          <a:effectRef idx="0">
+            <a:schemeClr val="accent1"/>
+          </a:effectRef>
+          <a:fontRef idx="minor">
+            <a:schemeClr val="lt1"/>
+          </a:fontRef>
+        </p:style>
+        <p:txBody>
+          <a:bodyPr rtlCol="0" anchor="ctr"/>
+          <a:lstStyle/>
+          <a:p>
+            <a:pPr algn="ctr"/>
+            <a:endParaRPr lang="zh-CN" altLang="en-US"/>
+          </a:p>
+        </p:txBody>
+      </p:sp>
+      <p:cxnSp>
+        <p:nvCxnSpPr>
+          <p:cNvPr id="47" name="直接连接符 46">
+            <a:extLst>
+              <a:ext uri="{FF2B5EF4-FFF2-40B4-BE49-F238E27FC236}">
+                <a16:creationId xmlns:a16="http://schemas.microsoft.com/office/drawing/2014/main" id="{3DB13FB8-C326-2D33-8111-90B5B5A6885F}"/>
+              </a:ext>
+            </a:extLst>
+          </p:cNvPr>
+          <p:cNvCxnSpPr>
+            <a:cxnSpLocks/>
+            <a:stCxn id="42" idx="3"/>
+          </p:cNvCxnSpPr>
+          <p:nvPr/>
+        </p:nvCxnSpPr>
+        <p:spPr>
+          <a:xfrm flipH="1">
+            <a:off x="8258730" y="1858322"/>
+            <a:ext cx="918393" cy="2091778"/>
+          </a:xfrm>
+          <a:prstGeom prst="line">
+            <a:avLst/>
+          </a:prstGeom>
+          <a:ln w="12700"/>
+        </p:spPr>
+        <p:style>
+          <a:lnRef idx="1">
+            <a:schemeClr val="dk1"/>
+          </a:lnRef>
+          <a:fillRef idx="0">
+            <a:schemeClr val="dk1"/>
+          </a:fillRef>
+          <a:effectRef idx="0">
+            <a:schemeClr val="dk1"/>
+          </a:effectRef>
+          <a:fontRef idx="minor">
+            <a:schemeClr val="tx1"/>
+          </a:fontRef>
+        </p:style>
+      </p:cxnSp>
+      <p:cxnSp>
+        <p:nvCxnSpPr>
+          <p:cNvPr id="48" name="直接连接符 47">
+            <a:extLst>
+              <a:ext uri="{FF2B5EF4-FFF2-40B4-BE49-F238E27FC236}">
+                <a16:creationId xmlns:a16="http://schemas.microsoft.com/office/drawing/2014/main" id="{50775A95-3E01-9FDD-4B85-3D431C443AB1}"/>
+              </a:ext>
+            </a:extLst>
+          </p:cNvPr>
+          <p:cNvCxnSpPr>
+            <a:cxnSpLocks/>
+          </p:cNvCxnSpPr>
+          <p:nvPr/>
+        </p:nvCxnSpPr>
+        <p:spPr>
+          <a:xfrm>
+            <a:off x="6066358" y="1823186"/>
+            <a:ext cx="0" cy="2176497"/>
+          </a:xfrm>
+          <a:prstGeom prst="line">
+            <a:avLst/>
+          </a:prstGeom>
+          <a:ln w="12700">
+            <a:prstDash val="lgDash"/>
+          </a:ln>
+        </p:spPr>
+        <p:style>
+          <a:lnRef idx="1">
+            <a:schemeClr val="dk1"/>
+          </a:lnRef>
+          <a:fillRef idx="0">
+            <a:schemeClr val="dk1"/>
+          </a:fillRef>
+          <a:effectRef idx="0">
+            <a:schemeClr val="dk1"/>
+          </a:effectRef>
+          <a:fontRef idx="minor">
+            <a:schemeClr val="tx1"/>
+          </a:fontRef>
+        </p:style>
+      </p:cxnSp>
+      <p:cxnSp>
+        <p:nvCxnSpPr>
+          <p:cNvPr id="49" name="直接连接符 48">
+            <a:extLst>
+              <a:ext uri="{FF2B5EF4-FFF2-40B4-BE49-F238E27FC236}">
+                <a16:creationId xmlns:a16="http://schemas.microsoft.com/office/drawing/2014/main" id="{DADC88E7-58D9-37C8-B0F1-C67878303014}"/>
+              </a:ext>
+            </a:extLst>
+          </p:cNvPr>
+          <p:cNvCxnSpPr>
+            <a:cxnSpLocks/>
+          </p:cNvCxnSpPr>
+          <p:nvPr/>
+        </p:nvCxnSpPr>
+        <p:spPr>
+          <a:xfrm flipH="1">
+            <a:off x="8250208" y="3164836"/>
+            <a:ext cx="0" cy="847926"/>
+          </a:xfrm>
+          <a:prstGeom prst="line">
+            <a:avLst/>
+          </a:prstGeom>
+          <a:ln w="12700">
+            <a:prstDash val="lgDash"/>
+          </a:ln>
+        </p:spPr>
+        <p:style>
+          <a:lnRef idx="1">
+            <a:schemeClr val="dk1"/>
+          </a:lnRef>
+          <a:fillRef idx="0">
+            <a:schemeClr val="dk1"/>
+          </a:fillRef>
+          <a:effectRef idx="0">
+            <a:schemeClr val="dk1"/>
+          </a:effectRef>
+          <a:fontRef idx="minor">
+            <a:schemeClr val="tx1"/>
+          </a:fontRef>
+        </p:style>
+      </p:cxnSp>
+      <p:sp>
+        <p:nvSpPr>
+          <p:cNvPr id="50" name="椭圆 49">
+            <a:extLst>
+              <a:ext uri="{FF2B5EF4-FFF2-40B4-BE49-F238E27FC236}">
+                <a16:creationId xmlns:a16="http://schemas.microsoft.com/office/drawing/2014/main" id="{62EBFB06-A422-3A15-240C-13E94CA3D547}"/>
+              </a:ext>
+            </a:extLst>
+          </p:cNvPr>
+          <p:cNvSpPr/>
+          <p:nvPr/>
+        </p:nvSpPr>
+        <p:spPr>
+          <a:xfrm>
+            <a:off x="7148587" y="3104994"/>
+            <a:ext cx="119684" cy="119684"/>
+          </a:xfrm>
+          <a:prstGeom prst="ellipse">
+            <a:avLst/>
+          </a:prstGeom>
+          <a:solidFill>
+            <a:schemeClr val="accent1"/>
+          </a:solidFill>
+          <a:ln>
+            <a:noFill/>
+          </a:ln>
+        </p:spPr>
+        <p:style>
+          <a:lnRef idx="2">
+            <a:schemeClr val="accent1">
+              <a:shade val="50000"/>
+            </a:schemeClr>
+          </a:lnRef>
+          <a:fillRef idx="1">
+            <a:schemeClr val="accent1"/>
+          </a:fillRef>
+          <a:effectRef idx="0">
+            <a:schemeClr val="accent1"/>
+          </a:effectRef>
+          <a:fontRef idx="minor">
+            <a:schemeClr val="lt1"/>
+          </a:fontRef>
+        </p:style>
+        <p:txBody>
+          <a:bodyPr rtlCol="0" anchor="ctr"/>
+          <a:lstStyle/>
+          <a:p>
+            <a:pPr algn="ctr"/>
+            <a:endParaRPr lang="zh-CN" altLang="en-US"/>
+          </a:p>
+        </p:txBody>
+      </p:sp>
+      <p:sp>
+        <p:nvSpPr>
+          <p:cNvPr id="51" name="椭圆 50">
+            <a:extLst>
+              <a:ext uri="{FF2B5EF4-FFF2-40B4-BE49-F238E27FC236}">
+                <a16:creationId xmlns:a16="http://schemas.microsoft.com/office/drawing/2014/main" id="{3DD7A912-D7C4-8F10-205F-6321AC9A3A25}"/>
+              </a:ext>
+            </a:extLst>
+          </p:cNvPr>
+          <p:cNvSpPr/>
+          <p:nvPr/>
+        </p:nvSpPr>
+        <p:spPr>
+          <a:xfrm>
+            <a:off x="8549563" y="3112581"/>
+            <a:ext cx="119684" cy="119684"/>
+          </a:xfrm>
+          <a:prstGeom prst="ellipse">
+            <a:avLst/>
+          </a:prstGeom>
+          <a:solidFill>
+            <a:schemeClr val="accent1"/>
+          </a:solidFill>
+          <a:ln>
+            <a:noFill/>
+          </a:ln>
+        </p:spPr>
+        <p:style>
+          <a:lnRef idx="2">
+            <a:schemeClr val="accent1">
+              <a:shade val="50000"/>
+            </a:schemeClr>
+          </a:lnRef>
+          <a:fillRef idx="1">
+            <a:schemeClr val="accent1"/>
+          </a:fillRef>
+          <a:effectRef idx="0">
+            <a:schemeClr val="accent1"/>
+          </a:effectRef>
+          <a:fontRef idx="minor">
+            <a:schemeClr val="lt1"/>
+          </a:fontRef>
+        </p:style>
+        <p:txBody>
+          <a:bodyPr rtlCol="0" anchor="ctr"/>
+          <a:lstStyle/>
+          <a:p>
+            <a:pPr algn="ctr"/>
+            <a:endParaRPr lang="zh-CN" altLang="en-US"/>
+          </a:p>
+        </p:txBody>
+      </p:sp>
+      <mc:AlternateContent xmlns:mc="http://schemas.openxmlformats.org/markup-compatibility/2006">
+        <mc:Choice xmlns:a14="http://schemas.microsoft.com/office/drawing/2010/main" Requires="a14">
+          <p:sp>
+            <p:nvSpPr>
+              <p:cNvPr id="52" name="文本框 51">
+                <a:extLst>
+                  <a:ext uri="{FF2B5EF4-FFF2-40B4-BE49-F238E27FC236}">
+                    <a16:creationId xmlns:a16="http://schemas.microsoft.com/office/drawing/2014/main" id="{DE2FBD5B-4A1F-E63D-18B0-12C2F9C7343B}"/>
+                  </a:ext>
+                </a:extLst>
+              </p:cNvPr>
+              <p:cNvSpPr txBox="1"/>
+              <p:nvPr/>
+            </p:nvSpPr>
+            <p:spPr>
+              <a:xfrm>
+                <a:off x="9199564" y="1649505"/>
+                <a:ext cx="447367" cy="369332"/>
+              </a:xfrm>
+              <a:prstGeom prst="rect">
+                <a:avLst/>
+              </a:prstGeom>
+              <a:noFill/>
+            </p:spPr>
+            <p:txBody>
+              <a:bodyPr wrap="none" rtlCol="0">
+                <a:spAutoFit/>
+              </a:bodyPr>
+              <a:lstStyle/>
+              <a:p>
+                <a:pPr/>
+                <a14:m>
+                  <m:oMathPara xmlns:m="http://schemas.openxmlformats.org/officeDocument/2006/math">
+                    <m:oMathParaPr>
+                      <m:jc m:val="centerGroup"/>
+                    </m:oMathParaPr>
+                    <m:oMath xmlns:m="http://schemas.openxmlformats.org/officeDocument/2006/math">
+                      <m:sSub>
+                        <m:sSubPr>
+                          <m:ctrlPr>
+                            <a:rPr lang="en-US" altLang="zh-CN" b="0" i="1" smtClean="0">
+                              <a:solidFill>
+                                <a:schemeClr val="accent1"/>
+                              </a:solidFill>
+                              <a:latin typeface="Cambria Math" panose="02040503050406030204" pitchFamily="18" charset="0"/>
+                            </a:rPr>
+                          </m:ctrlPr>
+                        </m:sSubPr>
+                        <m:e>
+                          <m:r>
+                            <m:rPr>
+                              <m:sty m:val="p"/>
+                            </m:rPr>
+                            <a:rPr lang="en-US" altLang="zh-CN" b="0" i="0" smtClean="0">
+                              <a:solidFill>
+                                <a:schemeClr val="accent1"/>
+                              </a:solidFill>
+                              <a:latin typeface="Cambria Math" panose="02040503050406030204" pitchFamily="18" charset="0"/>
+                            </a:rPr>
+                            <m:t>P</m:t>
+                          </m:r>
+                        </m:e>
+                        <m:sub>
+                          <m:r>
+                            <a:rPr lang="en-US" altLang="zh-CN" b="0" i="1" smtClean="0">
+                              <a:solidFill>
+                                <a:schemeClr val="accent1"/>
+                              </a:solidFill>
+                              <a:latin typeface="Cambria Math" panose="02040503050406030204" pitchFamily="18" charset="0"/>
+                            </a:rPr>
+                            <m:t>𝑐</m:t>
+                          </m:r>
+                        </m:sub>
+                      </m:sSub>
+                    </m:oMath>
+                  </m:oMathPara>
+                </a14:m>
+                <a:endParaRPr lang="zh-CN" altLang="en-US" dirty="0">
+                  <a:solidFill>
+                    <a:schemeClr val="accent1"/>
+                  </a:solidFill>
+                </a:endParaRPr>
+              </a:p>
+            </p:txBody>
+          </p:sp>
+        </mc:Choice>
+        <mc:Fallback>
+          <p:sp>
+            <p:nvSpPr>
+              <p:cNvPr id="52" name="文本框 51">
+                <a:extLst>
+                  <a:ext uri="{FF2B5EF4-FFF2-40B4-BE49-F238E27FC236}">
+                    <a16:creationId xmlns:a16="http://schemas.microsoft.com/office/drawing/2014/main" id="{DE2FBD5B-4A1F-E63D-18B0-12C2F9C7343B}"/>
+                  </a:ext>
+                </a:extLst>
+              </p:cNvPr>
+              <p:cNvSpPr txBox="1">
+                <a:spLocks noRot="1" noChangeAspect="1" noMove="1" noResize="1" noEditPoints="1" noAdjustHandles="1" noChangeArrowheads="1" noChangeShapeType="1" noTextEdit="1"/>
+              </p:cNvSpPr>
+              <p:nvPr/>
+            </p:nvSpPr>
+            <p:spPr>
+              <a:xfrm>
+                <a:off x="9199564" y="1649505"/>
+                <a:ext cx="447367" cy="369332"/>
+              </a:xfrm>
+              <a:prstGeom prst="rect">
+                <a:avLst/>
+              </a:prstGeom>
+              <a:blipFill>
+                <a:blip r:embed="rId15"/>
+                <a:stretch>
+                  <a:fillRect/>
+                </a:stretch>
+              </a:blipFill>
+            </p:spPr>
+            <p:txBody>
+              <a:bodyPr/>
+              <a:lstStyle/>
+              <a:p>
+                <a:r>
+                  <a:rPr lang="zh-CN" altLang="en-US">
+                    <a:noFill/>
+                  </a:rPr>
+                  <a:t> </a:t>
+                </a:r>
+              </a:p>
+            </p:txBody>
+          </p:sp>
+        </mc:Fallback>
+      </mc:AlternateContent>
+      <mc:AlternateContent xmlns:mc="http://schemas.openxmlformats.org/markup-compatibility/2006">
+        <mc:Choice xmlns:a14="http://schemas.microsoft.com/office/drawing/2010/main" Requires="a14">
+          <p:sp>
+            <p:nvSpPr>
+              <p:cNvPr id="53" name="文本框 52">
+                <a:extLst>
+                  <a:ext uri="{FF2B5EF4-FFF2-40B4-BE49-F238E27FC236}">
+                    <a16:creationId xmlns:a16="http://schemas.microsoft.com/office/drawing/2014/main" id="{D6BB835F-A92D-D5D6-93F3-46C639B81BA9}"/>
+                  </a:ext>
+                </a:extLst>
+              </p:cNvPr>
+              <p:cNvSpPr txBox="1"/>
+              <p:nvPr/>
+            </p:nvSpPr>
+            <p:spPr>
+              <a:xfrm>
+                <a:off x="5801007" y="3932062"/>
+                <a:ext cx="503279" cy="369332"/>
+              </a:xfrm>
+              <a:prstGeom prst="rect">
+                <a:avLst/>
+              </a:prstGeom>
+              <a:noFill/>
+            </p:spPr>
+            <p:txBody>
+              <a:bodyPr wrap="none" rtlCol="0">
+                <a:spAutoFit/>
+              </a:bodyPr>
+              <a:lstStyle/>
+              <a:p>
+                <a:pPr/>
+                <a14:m>
+                  <m:oMathPara xmlns:m="http://schemas.openxmlformats.org/officeDocument/2006/math">
+                    <m:oMathParaPr>
+                      <m:jc m:val="centerGroup"/>
+                    </m:oMathParaPr>
+                    <m:oMath xmlns:m="http://schemas.openxmlformats.org/officeDocument/2006/math">
+                      <m:sSub>
+                        <m:sSubPr>
+                          <m:ctrlPr>
+                            <a:rPr lang="en-US" altLang="zh-CN" b="0" i="1" smtClean="0">
+                              <a:solidFill>
+                                <a:schemeClr val="tx1"/>
+                              </a:solidFill>
+                              <a:latin typeface="Cambria Math" panose="02040503050406030204" pitchFamily="18" charset="0"/>
+                            </a:rPr>
+                          </m:ctrlPr>
+                        </m:sSubPr>
+                        <m:e>
+                          <m:r>
+                            <m:rPr>
+                              <m:sty m:val="p"/>
+                            </m:rPr>
+                            <a:rPr lang="en-US" altLang="zh-CN" i="1">
+                              <a:solidFill>
+                                <a:schemeClr val="tx1"/>
+                              </a:solidFill>
+                              <a:latin typeface="Cambria Math" panose="02040503050406030204" pitchFamily="18" charset="0"/>
+                            </a:rPr>
+                            <m:t>O</m:t>
+                          </m:r>
+                        </m:e>
+                        <m:sub>
+                          <m:r>
+                            <a:rPr lang="en-US" altLang="zh-CN" b="0" i="1" smtClean="0">
+                              <a:solidFill>
+                                <a:schemeClr val="tx1"/>
+                              </a:solidFill>
+                              <a:latin typeface="Cambria Math" panose="02040503050406030204" pitchFamily="18" charset="0"/>
+                            </a:rPr>
+                            <m:t>𝐿</m:t>
+                          </m:r>
+                        </m:sub>
+                      </m:sSub>
+                    </m:oMath>
+                  </m:oMathPara>
+                </a14:m>
+                <a:endParaRPr lang="zh-CN" altLang="en-US" dirty="0">
+                  <a:solidFill>
+                    <a:schemeClr val="tx1"/>
+                  </a:solidFill>
+                </a:endParaRPr>
+              </a:p>
+            </p:txBody>
+          </p:sp>
+        </mc:Choice>
+        <mc:Fallback>
+          <p:sp>
+            <p:nvSpPr>
+              <p:cNvPr id="53" name="文本框 52">
+                <a:extLst>
+                  <a:ext uri="{FF2B5EF4-FFF2-40B4-BE49-F238E27FC236}">
+                    <a16:creationId xmlns:a16="http://schemas.microsoft.com/office/drawing/2014/main" id="{D6BB835F-A92D-D5D6-93F3-46C639B81BA9}"/>
+                  </a:ext>
+                </a:extLst>
+              </p:cNvPr>
+              <p:cNvSpPr txBox="1">
+                <a:spLocks noRot="1" noChangeAspect="1" noMove="1" noResize="1" noEditPoints="1" noAdjustHandles="1" noChangeArrowheads="1" noChangeShapeType="1" noTextEdit="1"/>
+              </p:cNvSpPr>
+              <p:nvPr/>
+            </p:nvSpPr>
+            <p:spPr>
+              <a:xfrm>
+                <a:off x="5801007" y="3932062"/>
+                <a:ext cx="503279" cy="369332"/>
+              </a:xfrm>
+              <a:prstGeom prst="rect">
+                <a:avLst/>
+              </a:prstGeom>
+              <a:blipFill>
+                <a:blip r:embed="rId16"/>
+                <a:stretch>
+                  <a:fillRect/>
+                </a:stretch>
+              </a:blipFill>
+            </p:spPr>
+            <p:txBody>
+              <a:bodyPr/>
+              <a:lstStyle/>
+              <a:p>
+                <a:r>
+                  <a:rPr lang="zh-CN" altLang="en-US">
+                    <a:noFill/>
+                  </a:rPr>
+                  <a:t> </a:t>
+                </a:r>
+              </a:p>
+            </p:txBody>
+          </p:sp>
+        </mc:Fallback>
+      </mc:AlternateContent>
+      <mc:AlternateContent xmlns:mc="http://schemas.openxmlformats.org/markup-compatibility/2006">
+        <mc:Choice xmlns:a14="http://schemas.microsoft.com/office/drawing/2010/main" Requires="a14">
+          <p:sp>
+            <p:nvSpPr>
+              <p:cNvPr id="54" name="文本框 53">
+                <a:extLst>
+                  <a:ext uri="{FF2B5EF4-FFF2-40B4-BE49-F238E27FC236}">
+                    <a16:creationId xmlns:a16="http://schemas.microsoft.com/office/drawing/2014/main" id="{E7F3B985-16DD-E8E7-3578-19956A8BDE04}"/>
+                  </a:ext>
+                </a:extLst>
+              </p:cNvPr>
+              <p:cNvSpPr txBox="1"/>
+              <p:nvPr/>
+            </p:nvSpPr>
+            <p:spPr>
+              <a:xfrm>
+                <a:off x="8486874" y="3112844"/>
+                <a:ext cx="577338" cy="391582"/>
+              </a:xfrm>
+              <a:prstGeom prst="rect">
+                <a:avLst/>
+              </a:prstGeom>
+              <a:noFill/>
+            </p:spPr>
+            <p:txBody>
+              <a:bodyPr wrap="none" rtlCol="0">
+                <a:spAutoFit/>
+              </a:bodyPr>
+              <a:lstStyle/>
+              <a:p>
+                <a:pPr/>
+                <a14:m>
+                  <m:oMathPara xmlns:m="http://schemas.openxmlformats.org/officeDocument/2006/math">
+                    <m:oMathParaPr>
+                      <m:jc m:val="centerGroup"/>
+                    </m:oMathParaPr>
+                    <m:oMath xmlns:m="http://schemas.openxmlformats.org/officeDocument/2006/math">
+                      <m:sSub>
+                        <m:sSubPr>
+                          <m:ctrlPr>
+                            <a:rPr lang="en-US" altLang="zh-CN" b="0" i="1" smtClean="0">
+                              <a:solidFill>
+                                <a:schemeClr val="accent1"/>
+                              </a:solidFill>
+                              <a:latin typeface="Cambria Math" panose="02040503050406030204" pitchFamily="18" charset="0"/>
+                            </a:rPr>
+                          </m:ctrlPr>
+                        </m:sSubPr>
+                        <m:e>
+                          <m:r>
+                            <a:rPr lang="en-US" altLang="zh-CN" b="0" i="1" smtClean="0">
+                              <a:solidFill>
+                                <a:schemeClr val="accent1"/>
+                              </a:solidFill>
+                              <a:latin typeface="Cambria Math" panose="02040503050406030204" pitchFamily="18" charset="0"/>
+                            </a:rPr>
+                            <m:t>𝑃</m:t>
+                          </m:r>
+                        </m:e>
+                        <m:sub>
+                          <m:r>
+                            <a:rPr lang="en-US" altLang="zh-CN" b="0" i="1" smtClean="0">
+                              <a:solidFill>
+                                <a:schemeClr val="accent1"/>
+                              </a:solidFill>
+                              <a:latin typeface="Cambria Math" panose="02040503050406030204" pitchFamily="18" charset="0"/>
+                            </a:rPr>
+                            <m:t>𝑓𝑅</m:t>
+                          </m:r>
+                        </m:sub>
+                      </m:sSub>
+                    </m:oMath>
+                  </m:oMathPara>
+                </a14:m>
+                <a:endParaRPr lang="zh-CN" altLang="en-US" dirty="0">
+                  <a:solidFill>
+                    <a:schemeClr val="accent1"/>
+                  </a:solidFill>
+                </a:endParaRPr>
+              </a:p>
+            </p:txBody>
+          </p:sp>
+        </mc:Choice>
+        <mc:Fallback>
+          <p:sp>
+            <p:nvSpPr>
+              <p:cNvPr id="54" name="文本框 53">
+                <a:extLst>
+                  <a:ext uri="{FF2B5EF4-FFF2-40B4-BE49-F238E27FC236}">
+                    <a16:creationId xmlns:a16="http://schemas.microsoft.com/office/drawing/2014/main" id="{E7F3B985-16DD-E8E7-3578-19956A8BDE04}"/>
+                  </a:ext>
+                </a:extLst>
+              </p:cNvPr>
+              <p:cNvSpPr txBox="1">
+                <a:spLocks noRot="1" noChangeAspect="1" noMove="1" noResize="1" noEditPoints="1" noAdjustHandles="1" noChangeArrowheads="1" noChangeShapeType="1" noTextEdit="1"/>
+              </p:cNvSpPr>
+              <p:nvPr/>
+            </p:nvSpPr>
+            <p:spPr>
+              <a:xfrm>
+                <a:off x="8486874" y="3112844"/>
+                <a:ext cx="577338" cy="391582"/>
+              </a:xfrm>
+              <a:prstGeom prst="rect">
+                <a:avLst/>
+              </a:prstGeom>
+              <a:blipFill>
+                <a:blip r:embed="rId17"/>
+                <a:stretch>
+                  <a:fillRect b="-9375"/>
+                </a:stretch>
+              </a:blipFill>
+            </p:spPr>
+            <p:txBody>
+              <a:bodyPr/>
+              <a:lstStyle/>
+              <a:p>
+                <a:r>
+                  <a:rPr lang="zh-CN" altLang="en-US">
+                    <a:noFill/>
+                  </a:rPr>
+                  <a:t> </a:t>
+                </a:r>
+              </a:p>
+            </p:txBody>
+          </p:sp>
+        </mc:Fallback>
+      </mc:AlternateContent>
+      <p:sp>
+        <p:nvSpPr>
+          <p:cNvPr id="55" name="右大括号 54">
+            <a:extLst>
+              <a:ext uri="{FF2B5EF4-FFF2-40B4-BE49-F238E27FC236}">
+                <a16:creationId xmlns:a16="http://schemas.microsoft.com/office/drawing/2014/main" id="{044E2379-5AC0-9CD8-0A40-FAC84F3FDCB9}"/>
+              </a:ext>
+            </a:extLst>
+          </p:cNvPr>
+          <p:cNvSpPr/>
+          <p:nvPr/>
+        </p:nvSpPr>
+        <p:spPr>
+          <a:xfrm rot="10800000">
+            <a:off x="8089096" y="3217837"/>
+            <a:ext cx="116730" cy="686647"/>
+          </a:xfrm>
+          <a:custGeom>
+            <a:avLst/>
+            <a:gdLst>
+              <a:gd name="connsiteX0" fmla="*/ 0 w 116730"/>
+              <a:gd name="connsiteY0" fmla="*/ 0 h 686647"/>
+              <a:gd name="connsiteX1" fmla="*/ 58365 w 116730"/>
+              <a:gd name="connsiteY1" fmla="*/ 9727 h 686647"/>
+              <a:gd name="connsiteX2" fmla="*/ 58365 w 116730"/>
+              <a:gd name="connsiteY2" fmla="*/ 333596 h 686647"/>
+              <a:gd name="connsiteX3" fmla="*/ 116730 w 116730"/>
+              <a:gd name="connsiteY3" fmla="*/ 343323 h 686647"/>
+              <a:gd name="connsiteX4" fmla="*/ 58365 w 116730"/>
+              <a:gd name="connsiteY4" fmla="*/ 353050 h 686647"/>
+              <a:gd name="connsiteX5" fmla="*/ 58365 w 116730"/>
+              <a:gd name="connsiteY5" fmla="*/ 676920 h 686647"/>
+              <a:gd name="connsiteX6" fmla="*/ 0 w 116730"/>
+              <a:gd name="connsiteY6" fmla="*/ 686647 h 686647"/>
+              <a:gd name="connsiteX7" fmla="*/ 0 w 116730"/>
+              <a:gd name="connsiteY7" fmla="*/ 329591 h 686647"/>
+              <a:gd name="connsiteX8" fmla="*/ 0 w 116730"/>
+              <a:gd name="connsiteY8" fmla="*/ 0 h 686647"/>
+              <a:gd name="connsiteX0" fmla="*/ 0 w 116730"/>
+              <a:gd name="connsiteY0" fmla="*/ 0 h 686647"/>
+              <a:gd name="connsiteX1" fmla="*/ 58365 w 116730"/>
+              <a:gd name="connsiteY1" fmla="*/ 9727 h 686647"/>
+              <a:gd name="connsiteX2" fmla="*/ 58365 w 116730"/>
+              <a:gd name="connsiteY2" fmla="*/ 333596 h 686647"/>
+              <a:gd name="connsiteX3" fmla="*/ 116730 w 116730"/>
+              <a:gd name="connsiteY3" fmla="*/ 343323 h 686647"/>
+              <a:gd name="connsiteX4" fmla="*/ 58365 w 116730"/>
+              <a:gd name="connsiteY4" fmla="*/ 353050 h 686647"/>
+              <a:gd name="connsiteX5" fmla="*/ 58365 w 116730"/>
+              <a:gd name="connsiteY5" fmla="*/ 676920 h 686647"/>
+              <a:gd name="connsiteX6" fmla="*/ 0 w 116730"/>
+              <a:gd name="connsiteY6" fmla="*/ 686647 h 686647"/>
+            </a:gdLst>
+            <a:ahLst/>
+            <a:cxnLst>
+              <a:cxn ang="0">
+                <a:pos x="connsiteX0" y="connsiteY0"/>
+              </a:cxn>
+              <a:cxn ang="0">
+                <a:pos x="connsiteX1" y="connsiteY1"/>
+              </a:cxn>
+              <a:cxn ang="0">
+                <a:pos x="connsiteX2" y="connsiteY2"/>
+              </a:cxn>
+              <a:cxn ang="0">
+                <a:pos x="connsiteX3" y="connsiteY3"/>
+              </a:cxn>
+              <a:cxn ang="0">
+                <a:pos x="connsiteX4" y="connsiteY4"/>
+              </a:cxn>
+              <a:cxn ang="0">
+                <a:pos x="connsiteX5" y="connsiteY5"/>
+              </a:cxn>
+              <a:cxn ang="0">
+                <a:pos x="connsiteX6" y="connsiteY6"/>
+              </a:cxn>
+            </a:cxnLst>
+            <a:rect l="l" t="t" r="r" b="b"/>
+            <a:pathLst>
+              <a:path w="116730" h="686647" stroke="0" extrusionOk="0">
+                <a:moveTo>
+                  <a:pt x="0" y="0"/>
+                </a:moveTo>
+                <a:cubicBezTo>
+                  <a:pt x="31369" y="-534"/>
+                  <a:pt x="58010" y="4488"/>
+                  <a:pt x="58365" y="9727"/>
+                </a:cubicBezTo>
+                <a:cubicBezTo>
+                  <a:pt x="95787" y="168044"/>
+                  <a:pt x="52033" y="227425"/>
+                  <a:pt x="58365" y="333596"/>
+                </a:cubicBezTo>
+                <a:cubicBezTo>
+                  <a:pt x="56110" y="337253"/>
+                  <a:pt x="84231" y="343868"/>
+                  <a:pt x="116730" y="343323"/>
+                </a:cubicBezTo>
+                <a:cubicBezTo>
+                  <a:pt x="84514" y="344759"/>
+                  <a:pt x="58161" y="347021"/>
+                  <a:pt x="58365" y="353050"/>
+                </a:cubicBezTo>
+                <a:cubicBezTo>
+                  <a:pt x="80697" y="462762"/>
+                  <a:pt x="20184" y="544450"/>
+                  <a:pt x="58365" y="676920"/>
+                </a:cubicBezTo>
+                <a:cubicBezTo>
+                  <a:pt x="55133" y="685334"/>
+                  <a:pt x="31855" y="683028"/>
+                  <a:pt x="0" y="686647"/>
+                </a:cubicBezTo>
+                <a:cubicBezTo>
+                  <a:pt x="-24359" y="583393"/>
+                  <a:pt x="6640" y="472147"/>
+                  <a:pt x="0" y="329591"/>
+                </a:cubicBezTo>
+                <a:cubicBezTo>
+                  <a:pt x="-6640" y="187035"/>
+                  <a:pt x="10160" y="161729"/>
+                  <a:pt x="0" y="0"/>
+                </a:cubicBezTo>
+                <a:close/>
+              </a:path>
+              <a:path w="116730" h="686647" fill="none" extrusionOk="0">
+                <a:moveTo>
+                  <a:pt x="0" y="0"/>
+                </a:moveTo>
+                <a:cubicBezTo>
+                  <a:pt x="31837" y="709"/>
+                  <a:pt x="59044" y="4860"/>
+                  <a:pt x="58365" y="9727"/>
+                </a:cubicBezTo>
+                <a:cubicBezTo>
+                  <a:pt x="63885" y="171023"/>
+                  <a:pt x="41402" y="175893"/>
+                  <a:pt x="58365" y="333596"/>
+                </a:cubicBezTo>
+                <a:cubicBezTo>
+                  <a:pt x="61363" y="338334"/>
+                  <a:pt x="84905" y="347211"/>
+                  <a:pt x="116730" y="343323"/>
+                </a:cubicBezTo>
+                <a:cubicBezTo>
+                  <a:pt x="85898" y="342851"/>
+                  <a:pt x="58358" y="347499"/>
+                  <a:pt x="58365" y="353050"/>
+                </a:cubicBezTo>
+                <a:cubicBezTo>
+                  <a:pt x="88502" y="506604"/>
+                  <a:pt x="19895" y="596379"/>
+                  <a:pt x="58365" y="676920"/>
+                </a:cubicBezTo>
+                <a:cubicBezTo>
+                  <a:pt x="56449" y="688079"/>
+                  <a:pt x="29319" y="692498"/>
+                  <a:pt x="0" y="686647"/>
+                </a:cubicBezTo>
+              </a:path>
+              <a:path w="116730" h="686647" fill="none" stroke="0" extrusionOk="0">
+                <a:moveTo>
+                  <a:pt x="0" y="0"/>
+                </a:moveTo>
+                <a:cubicBezTo>
+                  <a:pt x="33130" y="733"/>
+                  <a:pt x="58860" y="5092"/>
+                  <a:pt x="58365" y="9727"/>
+                </a:cubicBezTo>
+                <a:cubicBezTo>
+                  <a:pt x="81446" y="150392"/>
+                  <a:pt x="53784" y="266084"/>
+                  <a:pt x="58365" y="333596"/>
+                </a:cubicBezTo>
+                <a:cubicBezTo>
+                  <a:pt x="56975" y="338612"/>
+                  <a:pt x="85470" y="342113"/>
+                  <a:pt x="116730" y="343323"/>
+                </a:cubicBezTo>
+                <a:cubicBezTo>
+                  <a:pt x="83793" y="343051"/>
+                  <a:pt x="58114" y="347051"/>
+                  <a:pt x="58365" y="353050"/>
+                </a:cubicBezTo>
+                <a:cubicBezTo>
+                  <a:pt x="71459" y="436600"/>
+                  <a:pt x="38163" y="538552"/>
+                  <a:pt x="58365" y="676920"/>
+                </a:cubicBezTo>
+                <a:cubicBezTo>
+                  <a:pt x="58822" y="676109"/>
+                  <a:pt x="30959" y="687391"/>
+                  <a:pt x="0" y="686647"/>
+                </a:cubicBezTo>
+              </a:path>
+            </a:pathLst>
+          </a:custGeom>
+          <a:ln w="12700">
+            <a:solidFill>
+              <a:schemeClr val="tx1"/>
+            </a:solidFill>
+            <a:extLst>
+              <a:ext uri="{C807C97D-BFC1-408E-A445-0C87EB9F89A2}">
+                <ask:lineSketchStyleProps xmlns:ask="http://schemas.microsoft.com/office/drawing/2018/sketchyshapes" sd="1219033472">
+                  <a:prstGeom prst="rightBrace">
+                    <a:avLst/>
+                  </a:prstGeom>
+                  <ask:type>
+                    <ask:lineSketchScribble/>
+                  </ask:type>
+                </ask:lineSketchStyleProps>
+              </a:ext>
+            </a:extLst>
+          </a:ln>
+        </p:spPr>
+        <p:style>
+          <a:lnRef idx="1">
+            <a:schemeClr val="accent1"/>
+          </a:lnRef>
+          <a:fillRef idx="0">
+            <a:schemeClr val="accent1"/>
+          </a:fillRef>
+          <a:effectRef idx="0">
+            <a:schemeClr val="accent1"/>
+          </a:effectRef>
+          <a:fontRef idx="minor">
+            <a:schemeClr val="tx1"/>
+          </a:fontRef>
+        </p:style>
+        <p:txBody>
+          <a:bodyPr rtlCol="0" anchor="ctr"/>
+          <a:lstStyle/>
+          <a:p>
+            <a:pPr algn="ctr"/>
+            <a:endParaRPr lang="zh-CN" altLang="en-US"/>
+          </a:p>
+        </p:txBody>
+      </p:sp>
+      <mc:AlternateContent xmlns:mc="http://schemas.openxmlformats.org/markup-compatibility/2006">
+        <mc:Choice xmlns:a14="http://schemas.microsoft.com/office/drawing/2010/main" Requires="a14">
+          <p:sp>
+            <p:nvSpPr>
+              <p:cNvPr id="56" name="文本框 55">
+                <a:extLst>
+                  <a:ext uri="{FF2B5EF4-FFF2-40B4-BE49-F238E27FC236}">
+                    <a16:creationId xmlns:a16="http://schemas.microsoft.com/office/drawing/2014/main" id="{6C574E01-ACFD-D32D-4B37-C9FBCD867289}"/>
+                  </a:ext>
+                </a:extLst>
+              </p:cNvPr>
+              <p:cNvSpPr txBox="1"/>
+              <p:nvPr/>
+            </p:nvSpPr>
+            <p:spPr>
+              <a:xfrm>
+                <a:off x="7841300" y="3376850"/>
+                <a:ext cx="359009" cy="338554"/>
+              </a:xfrm>
+              <a:prstGeom prst="rect">
+                <a:avLst/>
+              </a:prstGeom>
+              <a:noFill/>
+            </p:spPr>
+            <p:txBody>
+              <a:bodyPr wrap="none" rtlCol="0">
+                <a:spAutoFit/>
+              </a:bodyPr>
+              <a:lstStyle/>
+              <a:p>
+                <a:pPr/>
+                <a14:m>
+                  <m:oMathPara xmlns:m="http://schemas.openxmlformats.org/officeDocument/2006/math">
+                    <m:oMathParaPr>
+                      <m:jc m:val="centerGroup"/>
+                    </m:oMathParaPr>
+                    <m:oMath xmlns:m="http://schemas.openxmlformats.org/officeDocument/2006/math">
+                      <m:r>
+                        <a:rPr lang="en-US" altLang="zh-CN" sz="1600" b="0" i="1" smtClean="0">
+                          <a:solidFill>
+                            <a:schemeClr val="tx1"/>
+                          </a:solidFill>
+                          <a:latin typeface="Cambria Math" panose="02040503050406030204" pitchFamily="18" charset="0"/>
+                        </a:rPr>
+                        <m:t>𝑓</m:t>
+                      </m:r>
+                    </m:oMath>
+                  </m:oMathPara>
+                </a14:m>
+                <a:endParaRPr lang="zh-CN" altLang="en-US" sz="1600" dirty="0">
+                  <a:solidFill>
+                    <a:schemeClr val="tx1"/>
+                  </a:solidFill>
+                </a:endParaRPr>
+              </a:p>
+            </p:txBody>
+          </p:sp>
+        </mc:Choice>
+        <mc:Fallback>
+          <p:sp>
+            <p:nvSpPr>
+              <p:cNvPr id="56" name="文本框 55">
+                <a:extLst>
+                  <a:ext uri="{FF2B5EF4-FFF2-40B4-BE49-F238E27FC236}">
+                    <a16:creationId xmlns:a16="http://schemas.microsoft.com/office/drawing/2014/main" id="{6C574E01-ACFD-D32D-4B37-C9FBCD867289}"/>
+                  </a:ext>
+                </a:extLst>
+              </p:cNvPr>
+              <p:cNvSpPr txBox="1">
+                <a:spLocks noRot="1" noChangeAspect="1" noMove="1" noResize="1" noEditPoints="1" noAdjustHandles="1" noChangeArrowheads="1" noChangeShapeType="1" noTextEdit="1"/>
+              </p:cNvSpPr>
+              <p:nvPr/>
+            </p:nvSpPr>
+            <p:spPr>
+              <a:xfrm>
+                <a:off x="7841300" y="3376850"/>
+                <a:ext cx="359009" cy="338554"/>
+              </a:xfrm>
+              <a:prstGeom prst="rect">
+                <a:avLst/>
+              </a:prstGeom>
+              <a:blipFill>
+                <a:blip r:embed="rId18"/>
+                <a:stretch>
+                  <a:fillRect b="-10909"/>
+                </a:stretch>
+              </a:blipFill>
+            </p:spPr>
+            <p:txBody>
+              <a:bodyPr/>
+              <a:lstStyle/>
+              <a:p>
+                <a:r>
+                  <a:rPr lang="zh-CN" altLang="en-US">
+                    <a:noFill/>
+                  </a:rPr>
+                  <a:t> </a:t>
+                </a:r>
+              </a:p>
+            </p:txBody>
+          </p:sp>
+        </mc:Fallback>
+      </mc:AlternateContent>
+      <p:cxnSp>
+        <p:nvCxnSpPr>
+          <p:cNvPr id="57" name="直接连接符 56">
+            <a:extLst>
+              <a:ext uri="{FF2B5EF4-FFF2-40B4-BE49-F238E27FC236}">
+                <a16:creationId xmlns:a16="http://schemas.microsoft.com/office/drawing/2014/main" id="{7FDA30DF-6384-6FAA-6A85-0BE68D2F1698}"/>
+              </a:ext>
+            </a:extLst>
+          </p:cNvPr>
+          <p:cNvCxnSpPr>
+            <a:cxnSpLocks/>
+            <a:endCxn id="42" idx="2"/>
+          </p:cNvCxnSpPr>
+          <p:nvPr/>
+        </p:nvCxnSpPr>
+        <p:spPr>
+          <a:xfrm>
+            <a:off x="5801007" y="1808840"/>
+            <a:ext cx="3355619" cy="0"/>
+          </a:xfrm>
+          <a:prstGeom prst="line">
+            <a:avLst/>
+          </a:prstGeom>
+          <a:ln w="15875">
+            <a:prstDash val="dash"/>
+          </a:ln>
+        </p:spPr>
+        <p:style>
+          <a:lnRef idx="1">
+            <a:schemeClr val="dk1"/>
+          </a:lnRef>
+          <a:fillRef idx="0">
+            <a:schemeClr val="dk1"/>
+          </a:fillRef>
+          <a:effectRef idx="0">
+            <a:schemeClr val="dk1"/>
+          </a:effectRef>
+          <a:fontRef idx="minor">
+            <a:schemeClr val="tx1"/>
+          </a:fontRef>
+        </p:style>
+      </p:cxnSp>
+      <p:sp>
+        <p:nvSpPr>
+          <p:cNvPr id="58" name="左大括号 57">
+            <a:extLst>
+              <a:ext uri="{FF2B5EF4-FFF2-40B4-BE49-F238E27FC236}">
+                <a16:creationId xmlns:a16="http://schemas.microsoft.com/office/drawing/2014/main" id="{C30E4B9D-1140-4666-9D37-A5A4ED59B0BB}"/>
+              </a:ext>
+            </a:extLst>
+          </p:cNvPr>
+          <p:cNvSpPr/>
+          <p:nvPr/>
+        </p:nvSpPr>
+        <p:spPr>
+          <a:xfrm>
+            <a:off x="5740880" y="1930597"/>
+            <a:ext cx="120255" cy="1914357"/>
+          </a:xfrm>
+          <a:custGeom>
+            <a:avLst/>
+            <a:gdLst>
+              <a:gd name="connsiteX0" fmla="*/ 120255 w 120255"/>
+              <a:gd name="connsiteY0" fmla="*/ 1914357 h 1914357"/>
+              <a:gd name="connsiteX1" fmla="*/ 60127 w 120255"/>
+              <a:gd name="connsiteY1" fmla="*/ 1904336 h 1914357"/>
+              <a:gd name="connsiteX2" fmla="*/ 60128 w 120255"/>
+              <a:gd name="connsiteY2" fmla="*/ 967199 h 1914357"/>
+              <a:gd name="connsiteX3" fmla="*/ 0 w 120255"/>
+              <a:gd name="connsiteY3" fmla="*/ 957178 h 1914357"/>
+              <a:gd name="connsiteX4" fmla="*/ 60128 w 120255"/>
+              <a:gd name="connsiteY4" fmla="*/ 947157 h 1914357"/>
+              <a:gd name="connsiteX5" fmla="*/ 60128 w 120255"/>
+              <a:gd name="connsiteY5" fmla="*/ 10021 h 1914357"/>
+              <a:gd name="connsiteX6" fmla="*/ 120256 w 120255"/>
+              <a:gd name="connsiteY6" fmla="*/ 0 h 1914357"/>
+              <a:gd name="connsiteX7" fmla="*/ 120255 w 120255"/>
+              <a:gd name="connsiteY7" fmla="*/ 1914357 h 1914357"/>
+              <a:gd name="connsiteX0" fmla="*/ 120255 w 120255"/>
+              <a:gd name="connsiteY0" fmla="*/ 1914357 h 1914357"/>
+              <a:gd name="connsiteX1" fmla="*/ 60127 w 120255"/>
+              <a:gd name="connsiteY1" fmla="*/ 1904336 h 1914357"/>
+              <a:gd name="connsiteX2" fmla="*/ 60128 w 120255"/>
+              <a:gd name="connsiteY2" fmla="*/ 967199 h 1914357"/>
+              <a:gd name="connsiteX3" fmla="*/ 0 w 120255"/>
+              <a:gd name="connsiteY3" fmla="*/ 957178 h 1914357"/>
+              <a:gd name="connsiteX4" fmla="*/ 60128 w 120255"/>
+              <a:gd name="connsiteY4" fmla="*/ 947157 h 1914357"/>
+              <a:gd name="connsiteX5" fmla="*/ 60128 w 120255"/>
+              <a:gd name="connsiteY5" fmla="*/ 10021 h 1914357"/>
+              <a:gd name="connsiteX6" fmla="*/ 120256 w 120255"/>
+              <a:gd name="connsiteY6" fmla="*/ 0 h 1914357"/>
+            </a:gdLst>
+            <a:ahLst/>
+            <a:cxnLst>
+              <a:cxn ang="0">
+                <a:pos x="connsiteX0" y="connsiteY0"/>
+              </a:cxn>
+              <a:cxn ang="0">
+                <a:pos x="connsiteX1" y="connsiteY1"/>
+              </a:cxn>
+              <a:cxn ang="0">
+                <a:pos x="connsiteX2" y="connsiteY2"/>
+              </a:cxn>
+              <a:cxn ang="0">
+                <a:pos x="connsiteX3" y="connsiteY3"/>
+              </a:cxn>
+              <a:cxn ang="0">
+                <a:pos x="connsiteX4" y="connsiteY4"/>
+              </a:cxn>
+              <a:cxn ang="0">
+                <a:pos x="connsiteX5" y="connsiteY5"/>
+              </a:cxn>
+              <a:cxn ang="0">
+                <a:pos x="connsiteX6" y="connsiteY6"/>
+              </a:cxn>
+            </a:cxnLst>
+            <a:rect l="l" t="t" r="r" b="b"/>
+            <a:pathLst>
+              <a:path w="120255" h="1914357" stroke="0" extrusionOk="0">
+                <a:moveTo>
+                  <a:pt x="120255" y="1914357"/>
+                </a:moveTo>
+                <a:cubicBezTo>
+                  <a:pt x="86510" y="1914025"/>
+                  <a:pt x="59390" y="1910147"/>
+                  <a:pt x="60127" y="1904336"/>
+                </a:cubicBezTo>
+                <a:cubicBezTo>
+                  <a:pt x="89539" y="1598149"/>
+                  <a:pt x="55487" y="1279726"/>
+                  <a:pt x="60128" y="967199"/>
+                </a:cubicBezTo>
+                <a:cubicBezTo>
+                  <a:pt x="57361" y="964367"/>
+                  <a:pt x="32370" y="961809"/>
+                  <a:pt x="0" y="957178"/>
+                </a:cubicBezTo>
+                <a:cubicBezTo>
+                  <a:pt x="32575" y="956832"/>
+                  <a:pt x="60510" y="952873"/>
+                  <a:pt x="60128" y="947157"/>
+                </a:cubicBezTo>
+                <a:cubicBezTo>
+                  <a:pt x="-21552" y="489273"/>
+                  <a:pt x="11826" y="361394"/>
+                  <a:pt x="60128" y="10021"/>
+                </a:cubicBezTo>
+                <a:cubicBezTo>
+                  <a:pt x="58394" y="4221"/>
+                  <a:pt x="86513" y="504"/>
+                  <a:pt x="120256" y="0"/>
+                </a:cubicBezTo>
+                <a:cubicBezTo>
+                  <a:pt x="116552" y="602799"/>
+                  <a:pt x="53254" y="1369350"/>
+                  <a:pt x="120255" y="1914357"/>
+                </a:cubicBezTo>
+                <a:close/>
+              </a:path>
+              <a:path w="120255" h="1914357" fill="none" extrusionOk="0">
+                <a:moveTo>
+                  <a:pt x="120255" y="1914357"/>
+                </a:moveTo>
+                <a:cubicBezTo>
+                  <a:pt x="86721" y="1914334"/>
+                  <a:pt x="59796" y="1909195"/>
+                  <a:pt x="60127" y="1904336"/>
+                </a:cubicBezTo>
+                <a:cubicBezTo>
+                  <a:pt x="63582" y="1545219"/>
+                  <a:pt x="32454" y="1295737"/>
+                  <a:pt x="60128" y="967199"/>
+                </a:cubicBezTo>
+                <a:cubicBezTo>
+                  <a:pt x="58955" y="963762"/>
+                  <a:pt x="35634" y="958981"/>
+                  <a:pt x="0" y="957178"/>
+                </a:cubicBezTo>
+                <a:cubicBezTo>
+                  <a:pt x="33178" y="957901"/>
+                  <a:pt x="60573" y="952427"/>
+                  <a:pt x="60128" y="947157"/>
+                </a:cubicBezTo>
+                <a:cubicBezTo>
+                  <a:pt x="89129" y="748341"/>
+                  <a:pt x="96285" y="308908"/>
+                  <a:pt x="60128" y="10021"/>
+                </a:cubicBezTo>
+                <a:cubicBezTo>
+                  <a:pt x="60805" y="5828"/>
+                  <a:pt x="84843" y="1163"/>
+                  <a:pt x="120256" y="0"/>
+                </a:cubicBezTo>
+              </a:path>
+              <a:path w="120255" h="1914357" fill="none" stroke="0" extrusionOk="0">
+                <a:moveTo>
+                  <a:pt x="120255" y="1914357"/>
+                </a:moveTo>
+                <a:cubicBezTo>
+                  <a:pt x="87560" y="1914644"/>
+                  <a:pt x="61149" y="1910116"/>
+                  <a:pt x="60127" y="1904336"/>
+                </a:cubicBezTo>
+                <a:cubicBezTo>
+                  <a:pt x="49989" y="1590317"/>
+                  <a:pt x="71379" y="1288779"/>
+                  <a:pt x="60128" y="967199"/>
+                </a:cubicBezTo>
+                <a:cubicBezTo>
+                  <a:pt x="63029" y="965983"/>
+                  <a:pt x="33435" y="959529"/>
+                  <a:pt x="0" y="957178"/>
+                </a:cubicBezTo>
+                <a:cubicBezTo>
+                  <a:pt x="33699" y="957934"/>
+                  <a:pt x="60818" y="953536"/>
+                  <a:pt x="60128" y="947157"/>
+                </a:cubicBezTo>
+                <a:cubicBezTo>
+                  <a:pt x="106733" y="685729"/>
+                  <a:pt x="-8651" y="375343"/>
+                  <a:pt x="60128" y="10021"/>
+                </a:cubicBezTo>
+                <a:cubicBezTo>
+                  <a:pt x="59558" y="4581"/>
+                  <a:pt x="85950" y="-758"/>
+                  <a:pt x="120256" y="0"/>
+                </a:cubicBezTo>
+              </a:path>
+            </a:pathLst>
+          </a:custGeom>
+          <a:ln w="12700">
+            <a:solidFill>
+              <a:schemeClr val="tx1"/>
+            </a:solidFill>
+            <a:extLst>
+              <a:ext uri="{C807C97D-BFC1-408E-A445-0C87EB9F89A2}">
+                <ask:lineSketchStyleProps xmlns:ask="http://schemas.microsoft.com/office/drawing/2018/sketchyshapes" sd="1219033472">
+                  <a:prstGeom prst="leftBrace">
+                    <a:avLst/>
+                  </a:prstGeom>
+                  <ask:type>
+                    <ask:lineSketchCurved/>
+                  </ask:type>
+                </ask:lineSketchStyleProps>
+              </a:ext>
+            </a:extLst>
+          </a:ln>
+        </p:spPr>
+        <p:style>
+          <a:lnRef idx="1">
+            <a:schemeClr val="accent1"/>
+          </a:lnRef>
+          <a:fillRef idx="0">
+            <a:schemeClr val="accent1"/>
+          </a:fillRef>
+          <a:effectRef idx="0">
+            <a:schemeClr val="accent1"/>
+          </a:effectRef>
+          <a:fontRef idx="minor">
+            <a:schemeClr val="tx1"/>
+          </a:fontRef>
+        </p:style>
+        <p:txBody>
+          <a:bodyPr rtlCol="0" anchor="ctr"/>
+          <a:lstStyle/>
+          <a:p>
+            <a:pPr algn="ctr"/>
+            <a:endParaRPr lang="zh-CN" altLang="en-US"/>
+          </a:p>
+        </p:txBody>
+      </p:sp>
+      <mc:AlternateContent xmlns:mc="http://schemas.openxmlformats.org/markup-compatibility/2006">
+        <mc:Choice xmlns:a14="http://schemas.microsoft.com/office/drawing/2010/main" Requires="a14">
+          <p:sp>
+            <p:nvSpPr>
+              <p:cNvPr id="59" name="文本框 58">
+                <a:extLst>
+                  <a:ext uri="{FF2B5EF4-FFF2-40B4-BE49-F238E27FC236}">
+                    <a16:creationId xmlns:a16="http://schemas.microsoft.com/office/drawing/2014/main" id="{ED8A3257-D388-9849-1836-B9C257452AA5}"/>
+                  </a:ext>
+                </a:extLst>
+              </p:cNvPr>
+              <p:cNvSpPr txBox="1"/>
+              <p:nvPr/>
+            </p:nvSpPr>
+            <p:spPr>
+              <a:xfrm>
+                <a:off x="5357398" y="2713395"/>
+                <a:ext cx="445185" cy="338554"/>
+              </a:xfrm>
+              <a:prstGeom prst="rect">
+                <a:avLst/>
+              </a:prstGeom>
+              <a:noFill/>
+            </p:spPr>
+            <p:txBody>
+              <a:bodyPr wrap="none" rtlCol="0">
+                <a:spAutoFit/>
+              </a:bodyPr>
+              <a:lstStyle/>
+              <a:p>
+                <a:pPr/>
+                <a14:m>
+                  <m:oMathPara xmlns:m="http://schemas.openxmlformats.org/officeDocument/2006/math">
+                    <m:oMathParaPr>
+                      <m:jc m:val="centerGroup"/>
+                    </m:oMathParaPr>
+                    <m:oMath xmlns:m="http://schemas.openxmlformats.org/officeDocument/2006/math">
+                      <m:sSub>
+                        <m:sSubPr>
+                          <m:ctrlPr>
+                            <a:rPr lang="en-US" altLang="zh-CN" sz="1600" i="1" dirty="0" smtClean="0">
+                              <a:solidFill>
+                                <a:schemeClr val="tx1"/>
+                              </a:solidFill>
+                              <a:latin typeface="Cambria Math" panose="02040503050406030204" pitchFamily="18" charset="0"/>
+                            </a:rPr>
+                          </m:ctrlPr>
+                        </m:sSubPr>
+                        <m:e>
+                          <m:r>
+                            <a:rPr lang="en-US" altLang="zh-CN" sz="1600" i="1" dirty="0" smtClean="0">
+                              <a:solidFill>
+                                <a:schemeClr val="tx1"/>
+                              </a:solidFill>
+                              <a:latin typeface="Cambria Math" panose="02040503050406030204" pitchFamily="18" charset="0"/>
+                            </a:rPr>
+                            <m:t>𝑍</m:t>
+                          </m:r>
+                        </m:e>
+                        <m:sub>
+                          <m:r>
+                            <a:rPr lang="en-US" altLang="zh-CN" sz="1600" i="1" dirty="0" smtClean="0">
+                              <a:solidFill>
+                                <a:schemeClr val="tx1"/>
+                              </a:solidFill>
+                              <a:latin typeface="Cambria Math" panose="02040503050406030204" pitchFamily="18" charset="0"/>
+                            </a:rPr>
+                            <m:t>𝑐</m:t>
+                          </m:r>
+                        </m:sub>
+                      </m:sSub>
+                    </m:oMath>
+                  </m:oMathPara>
+                </a14:m>
+                <a:endParaRPr lang="zh-CN" altLang="en-US" sz="1600" dirty="0">
+                  <a:solidFill>
+                    <a:schemeClr val="tx1"/>
+                  </a:solidFill>
+                </a:endParaRPr>
+              </a:p>
+            </p:txBody>
+          </p:sp>
+        </mc:Choice>
+        <mc:Fallback>
+          <p:sp>
+            <p:nvSpPr>
+              <p:cNvPr id="59" name="文本框 58">
+                <a:extLst>
+                  <a:ext uri="{FF2B5EF4-FFF2-40B4-BE49-F238E27FC236}">
+                    <a16:creationId xmlns:a16="http://schemas.microsoft.com/office/drawing/2014/main" id="{ED8A3257-D388-9849-1836-B9C257452AA5}"/>
+                  </a:ext>
+                </a:extLst>
+              </p:cNvPr>
+              <p:cNvSpPr txBox="1">
+                <a:spLocks noRot="1" noChangeAspect="1" noMove="1" noResize="1" noEditPoints="1" noAdjustHandles="1" noChangeArrowheads="1" noChangeShapeType="1" noTextEdit="1"/>
+              </p:cNvSpPr>
+              <p:nvPr/>
+            </p:nvSpPr>
+            <p:spPr>
+              <a:xfrm>
+                <a:off x="5357398" y="2713395"/>
+                <a:ext cx="445185" cy="338554"/>
+              </a:xfrm>
+              <a:prstGeom prst="rect">
+                <a:avLst/>
+              </a:prstGeom>
+              <a:blipFill>
+                <a:blip r:embed="rId19"/>
+                <a:stretch>
+                  <a:fillRect/>
+                </a:stretch>
+              </a:blipFill>
+            </p:spPr>
+            <p:txBody>
+              <a:bodyPr/>
+              <a:lstStyle/>
+              <a:p>
+                <a:r>
+                  <a:rPr lang="zh-CN" altLang="en-US">
+                    <a:noFill/>
+                  </a:rPr>
+                  <a:t> </a:t>
+                </a:r>
+              </a:p>
+            </p:txBody>
+          </p:sp>
+        </mc:Fallback>
+      </mc:AlternateContent>
+      <mc:AlternateContent xmlns:mc="http://schemas.openxmlformats.org/markup-compatibility/2006">
+        <mc:Choice xmlns:a14="http://schemas.microsoft.com/office/drawing/2010/main" Requires="a14">
+          <p:sp>
+            <p:nvSpPr>
+              <p:cNvPr id="60" name="文本框 59">
+                <a:extLst>
+                  <a:ext uri="{FF2B5EF4-FFF2-40B4-BE49-F238E27FC236}">
+                    <a16:creationId xmlns:a16="http://schemas.microsoft.com/office/drawing/2014/main" id="{CA3E73ED-863C-B33D-2273-DF70CC8939E7}"/>
+                  </a:ext>
+                </a:extLst>
+              </p:cNvPr>
+              <p:cNvSpPr txBox="1"/>
+              <p:nvPr/>
+            </p:nvSpPr>
+            <p:spPr>
+              <a:xfrm>
+                <a:off x="5472290" y="2629865"/>
+                <a:ext cx="346570" cy="369332"/>
+              </a:xfrm>
+              <a:prstGeom prst="rect">
+                <a:avLst/>
+              </a:prstGeom>
+              <a:noFill/>
+            </p:spPr>
+            <p:txBody>
+              <a:bodyPr wrap="none" rtlCol="0">
+                <a:spAutoFit/>
+              </a:bodyPr>
+              <a:lstStyle/>
+              <a:p>
+                <a:pPr/>
+                <a14:m>
+                  <m:oMathPara xmlns:m="http://schemas.openxmlformats.org/officeDocument/2006/math">
+                    <m:oMathParaPr>
+                      <m:jc m:val="centerGroup"/>
+                    </m:oMathParaPr>
+                    <m:oMath xmlns:m="http://schemas.openxmlformats.org/officeDocument/2006/math">
+                      <m:r>
+                        <a:rPr lang="en-US" altLang="zh-CN" b="1" i="1" dirty="0" smtClean="0">
+                          <a:solidFill>
+                            <a:srgbClr val="C00000"/>
+                          </a:solidFill>
+                          <a:latin typeface="Cambria Math" panose="02040503050406030204" pitchFamily="18" charset="0"/>
+                        </a:rPr>
+                        <m:t>?</m:t>
+                      </m:r>
+                    </m:oMath>
+                  </m:oMathPara>
+                </a14:m>
+                <a:endParaRPr lang="zh-CN" altLang="en-US" b="1" dirty="0">
+                  <a:solidFill>
+                    <a:srgbClr val="C00000"/>
+                  </a:solidFill>
+                </a:endParaRPr>
+              </a:p>
+            </p:txBody>
+          </p:sp>
+        </mc:Choice>
+        <mc:Fallback>
+          <p:sp>
+            <p:nvSpPr>
+              <p:cNvPr id="60" name="文本框 59">
+                <a:extLst>
+                  <a:ext uri="{FF2B5EF4-FFF2-40B4-BE49-F238E27FC236}">
+                    <a16:creationId xmlns:a16="http://schemas.microsoft.com/office/drawing/2014/main" id="{CA3E73ED-863C-B33D-2273-DF70CC8939E7}"/>
+                  </a:ext>
+                </a:extLst>
+              </p:cNvPr>
+              <p:cNvSpPr txBox="1">
+                <a:spLocks noRot="1" noChangeAspect="1" noMove="1" noResize="1" noEditPoints="1" noAdjustHandles="1" noChangeArrowheads="1" noChangeShapeType="1" noTextEdit="1"/>
+              </p:cNvSpPr>
+              <p:nvPr/>
+            </p:nvSpPr>
+            <p:spPr>
+              <a:xfrm>
+                <a:off x="5472290" y="2629865"/>
+                <a:ext cx="346570" cy="369332"/>
+              </a:xfrm>
+              <a:prstGeom prst="rect">
+                <a:avLst/>
+              </a:prstGeom>
+              <a:blipFill>
+                <a:blip r:embed="rId20"/>
+                <a:stretch>
+                  <a:fillRect/>
+                </a:stretch>
+              </a:blipFill>
+            </p:spPr>
+            <p:txBody>
+              <a:bodyPr/>
+              <a:lstStyle/>
+              <a:p>
+                <a:r>
+                  <a:rPr lang="zh-CN" altLang="en-US">
+                    <a:noFill/>
+                  </a:rPr>
+                  <a:t> </a:t>
+                </a:r>
+              </a:p>
+            </p:txBody>
+          </p:sp>
+        </mc:Fallback>
+      </mc:AlternateContent>
+      <mc:AlternateContent xmlns:mc="http://schemas.openxmlformats.org/markup-compatibility/2006">
+        <mc:Choice xmlns:a14="http://schemas.microsoft.com/office/drawing/2010/main" Requires="a14">
+          <p:sp>
+            <p:nvSpPr>
+              <p:cNvPr id="61" name="文本框 60">
+                <a:extLst>
+                  <a:ext uri="{FF2B5EF4-FFF2-40B4-BE49-F238E27FC236}">
+                    <a16:creationId xmlns:a16="http://schemas.microsoft.com/office/drawing/2014/main" id="{13956A2F-8BB8-AB76-DBB0-FC1DB316F899}"/>
+                  </a:ext>
+                </a:extLst>
+              </p:cNvPr>
+              <p:cNvSpPr txBox="1"/>
+              <p:nvPr/>
+            </p:nvSpPr>
+            <p:spPr>
+              <a:xfrm>
+                <a:off x="7087768" y="3083555"/>
+                <a:ext cx="557524" cy="391582"/>
+              </a:xfrm>
+              <a:prstGeom prst="rect">
+                <a:avLst/>
+              </a:prstGeom>
+              <a:noFill/>
+            </p:spPr>
+            <p:txBody>
+              <a:bodyPr wrap="none" rtlCol="0">
+                <a:spAutoFit/>
+              </a:bodyPr>
+              <a:lstStyle/>
+              <a:p>
+                <a:pPr/>
+                <a14:m>
+                  <m:oMathPara xmlns:m="http://schemas.openxmlformats.org/officeDocument/2006/math">
+                    <m:oMathParaPr>
+                      <m:jc m:val="centerGroup"/>
+                    </m:oMathParaPr>
+                    <m:oMath xmlns:m="http://schemas.openxmlformats.org/officeDocument/2006/math">
+                      <m:sSub>
+                        <m:sSubPr>
+                          <m:ctrlPr>
+                            <a:rPr lang="en-US" altLang="zh-CN" b="0" i="1" smtClean="0">
+                              <a:solidFill>
+                                <a:schemeClr val="accent1"/>
+                              </a:solidFill>
+                              <a:latin typeface="Cambria Math" panose="02040503050406030204" pitchFamily="18" charset="0"/>
+                            </a:rPr>
+                          </m:ctrlPr>
+                        </m:sSubPr>
+                        <m:e>
+                          <m:r>
+                            <a:rPr lang="en-US" altLang="zh-CN" b="0" i="1" smtClean="0">
+                              <a:solidFill>
+                                <a:schemeClr val="accent1"/>
+                              </a:solidFill>
+                              <a:latin typeface="Cambria Math" panose="02040503050406030204" pitchFamily="18" charset="0"/>
+                            </a:rPr>
+                            <m:t>𝑃</m:t>
+                          </m:r>
+                        </m:e>
+                        <m:sub>
+                          <m:r>
+                            <a:rPr lang="en-US" altLang="zh-CN" b="0" i="1" smtClean="0">
+                              <a:solidFill>
+                                <a:schemeClr val="accent1"/>
+                              </a:solidFill>
+                              <a:latin typeface="Cambria Math" panose="02040503050406030204" pitchFamily="18" charset="0"/>
+                            </a:rPr>
+                            <m:t>𝑓𝐿</m:t>
+                          </m:r>
+                        </m:sub>
+                      </m:sSub>
+                    </m:oMath>
+                  </m:oMathPara>
+                </a14:m>
+                <a:endParaRPr lang="zh-CN" altLang="en-US" dirty="0">
+                  <a:solidFill>
+                    <a:schemeClr val="accent1"/>
+                  </a:solidFill>
+                </a:endParaRPr>
+              </a:p>
+            </p:txBody>
+          </p:sp>
+        </mc:Choice>
+        <mc:Fallback>
+          <p:sp>
+            <p:nvSpPr>
+              <p:cNvPr id="61" name="文本框 60">
+                <a:extLst>
+                  <a:ext uri="{FF2B5EF4-FFF2-40B4-BE49-F238E27FC236}">
+                    <a16:creationId xmlns:a16="http://schemas.microsoft.com/office/drawing/2014/main" id="{13956A2F-8BB8-AB76-DBB0-FC1DB316F899}"/>
+                  </a:ext>
+                </a:extLst>
+              </p:cNvPr>
+              <p:cNvSpPr txBox="1">
+                <a:spLocks noRot="1" noChangeAspect="1" noMove="1" noResize="1" noEditPoints="1" noAdjustHandles="1" noChangeArrowheads="1" noChangeShapeType="1" noTextEdit="1"/>
+              </p:cNvSpPr>
+              <p:nvPr/>
+            </p:nvSpPr>
+            <p:spPr>
+              <a:xfrm>
+                <a:off x="7087768" y="3083555"/>
+                <a:ext cx="557524" cy="391582"/>
+              </a:xfrm>
+              <a:prstGeom prst="rect">
+                <a:avLst/>
+              </a:prstGeom>
+              <a:blipFill>
+                <a:blip r:embed="rId21"/>
+                <a:stretch>
+                  <a:fillRect b="-9375"/>
+                </a:stretch>
+              </a:blipFill>
+            </p:spPr>
+            <p:txBody>
+              <a:bodyPr/>
+              <a:lstStyle/>
+              <a:p>
+                <a:r>
+                  <a:rPr lang="zh-CN" altLang="en-US">
+                    <a:noFill/>
+                  </a:rPr>
+                  <a:t> </a:t>
+                </a:r>
+              </a:p>
+            </p:txBody>
+          </p:sp>
+        </mc:Fallback>
+      </mc:AlternateContent>
+      <mc:AlternateContent xmlns:mc="http://schemas.openxmlformats.org/markup-compatibility/2006">
+        <mc:Choice xmlns:a14="http://schemas.microsoft.com/office/drawing/2010/main" Requires="a14">
+          <p:sp>
+            <p:nvSpPr>
+              <p:cNvPr id="62" name="文本框 61">
+                <a:extLst>
+                  <a:ext uri="{FF2B5EF4-FFF2-40B4-BE49-F238E27FC236}">
+                    <a16:creationId xmlns:a16="http://schemas.microsoft.com/office/drawing/2014/main" id="{2C979C4E-193D-F76E-494A-9D954312A357}"/>
+                  </a:ext>
+                </a:extLst>
+              </p:cNvPr>
+              <p:cNvSpPr txBox="1"/>
+              <p:nvPr/>
+            </p:nvSpPr>
+            <p:spPr>
+              <a:xfrm>
+                <a:off x="8122221" y="3932062"/>
+                <a:ext cx="523092" cy="369332"/>
+              </a:xfrm>
+              <a:prstGeom prst="rect">
+                <a:avLst/>
+              </a:prstGeom>
+              <a:noFill/>
+            </p:spPr>
+            <p:txBody>
+              <a:bodyPr wrap="none" rtlCol="0">
+                <a:spAutoFit/>
+              </a:bodyPr>
+              <a:lstStyle/>
+              <a:p>
+                <a:pPr/>
+                <a14:m>
+                  <m:oMathPara xmlns:m="http://schemas.openxmlformats.org/officeDocument/2006/math">
+                    <m:oMathParaPr>
+                      <m:jc m:val="centerGroup"/>
+                    </m:oMathParaPr>
+                    <m:oMath xmlns:m="http://schemas.openxmlformats.org/officeDocument/2006/math">
+                      <m:sSub>
+                        <m:sSubPr>
+                          <m:ctrlPr>
+                            <a:rPr lang="en-US" altLang="zh-CN" b="0" i="1" smtClean="0">
+                              <a:solidFill>
+                                <a:schemeClr val="tx1"/>
+                              </a:solidFill>
+                              <a:latin typeface="Cambria Math" panose="02040503050406030204" pitchFamily="18" charset="0"/>
+                            </a:rPr>
+                          </m:ctrlPr>
+                        </m:sSubPr>
+                        <m:e>
+                          <m:r>
+                            <m:rPr>
+                              <m:sty m:val="p"/>
+                            </m:rPr>
+                            <a:rPr lang="en-US" altLang="zh-CN" i="1">
+                              <a:solidFill>
+                                <a:schemeClr val="tx1"/>
+                              </a:solidFill>
+                              <a:latin typeface="Cambria Math" panose="02040503050406030204" pitchFamily="18" charset="0"/>
+                            </a:rPr>
+                            <m:t>O</m:t>
+                          </m:r>
+                        </m:e>
+                        <m:sub>
+                          <m:r>
+                            <a:rPr lang="en-US" altLang="zh-CN" b="0" i="1" smtClean="0">
+                              <a:solidFill>
+                                <a:schemeClr val="tx1"/>
+                              </a:solidFill>
+                              <a:latin typeface="Cambria Math" panose="02040503050406030204" pitchFamily="18" charset="0"/>
+                            </a:rPr>
+                            <m:t>𝑅</m:t>
+                          </m:r>
+                        </m:sub>
+                      </m:sSub>
+                    </m:oMath>
+                  </m:oMathPara>
+                </a14:m>
+                <a:endParaRPr lang="zh-CN" altLang="en-US" dirty="0">
+                  <a:solidFill>
+                    <a:schemeClr val="tx1"/>
+                  </a:solidFill>
+                </a:endParaRPr>
+              </a:p>
+            </p:txBody>
+          </p:sp>
+        </mc:Choice>
+        <mc:Fallback>
+          <p:sp>
+            <p:nvSpPr>
+              <p:cNvPr id="62" name="文本框 61">
+                <a:extLst>
+                  <a:ext uri="{FF2B5EF4-FFF2-40B4-BE49-F238E27FC236}">
+                    <a16:creationId xmlns:a16="http://schemas.microsoft.com/office/drawing/2014/main" id="{2C979C4E-193D-F76E-494A-9D954312A357}"/>
+                  </a:ext>
+                </a:extLst>
+              </p:cNvPr>
+              <p:cNvSpPr txBox="1">
+                <a:spLocks noRot="1" noChangeAspect="1" noMove="1" noResize="1" noEditPoints="1" noAdjustHandles="1" noChangeArrowheads="1" noChangeShapeType="1" noTextEdit="1"/>
+              </p:cNvSpPr>
+              <p:nvPr/>
+            </p:nvSpPr>
+            <p:spPr>
+              <a:xfrm>
+                <a:off x="8122221" y="3932062"/>
+                <a:ext cx="523092" cy="369332"/>
+              </a:xfrm>
+              <a:prstGeom prst="rect">
+                <a:avLst/>
+              </a:prstGeom>
+              <a:blipFill>
+                <a:blip r:embed="rId22"/>
+                <a:stretch>
+                  <a:fillRect/>
+                </a:stretch>
+              </a:blipFill>
+            </p:spPr>
+            <p:txBody>
+              <a:bodyPr/>
+              <a:lstStyle/>
+              <a:p>
+                <a:r>
+                  <a:rPr lang="zh-CN" altLang="en-US">
+                    <a:noFill/>
+                  </a:rPr>
+                  <a:t> </a:t>
+                </a:r>
+              </a:p>
+            </p:txBody>
+          </p:sp>
+        </mc:Fallback>
+      </mc:AlternateContent>
+      <p:sp>
+        <p:nvSpPr>
+          <p:cNvPr id="63" name="左大括号 62">
+            <a:extLst>
+              <a:ext uri="{FF2B5EF4-FFF2-40B4-BE49-F238E27FC236}">
+                <a16:creationId xmlns:a16="http://schemas.microsoft.com/office/drawing/2014/main" id="{45805588-A3F5-0E79-96D4-C7314F91A59B}"/>
+              </a:ext>
+            </a:extLst>
+          </p:cNvPr>
+          <p:cNvSpPr/>
+          <p:nvPr/>
+        </p:nvSpPr>
+        <p:spPr>
+          <a:xfrm rot="16200000">
+            <a:off x="7114679" y="3032622"/>
+            <a:ext cx="109488" cy="2080578"/>
+          </a:xfrm>
+          <a:custGeom>
+            <a:avLst/>
+            <a:gdLst>
+              <a:gd name="connsiteX0" fmla="*/ 109488 w 109488"/>
+              <a:gd name="connsiteY0" fmla="*/ 2080578 h 2080578"/>
+              <a:gd name="connsiteX1" fmla="*/ 54744 w 109488"/>
+              <a:gd name="connsiteY1" fmla="*/ 2071454 h 2080578"/>
+              <a:gd name="connsiteX2" fmla="*/ 54744 w 109488"/>
+              <a:gd name="connsiteY2" fmla="*/ 1049413 h 2080578"/>
+              <a:gd name="connsiteX3" fmla="*/ 0 w 109488"/>
+              <a:gd name="connsiteY3" fmla="*/ 1040289 h 2080578"/>
+              <a:gd name="connsiteX4" fmla="*/ 54744 w 109488"/>
+              <a:gd name="connsiteY4" fmla="*/ 1031165 h 2080578"/>
+              <a:gd name="connsiteX5" fmla="*/ 54744 w 109488"/>
+              <a:gd name="connsiteY5" fmla="*/ 9124 h 2080578"/>
+              <a:gd name="connsiteX6" fmla="*/ 109488 w 109488"/>
+              <a:gd name="connsiteY6" fmla="*/ 0 h 2080578"/>
+              <a:gd name="connsiteX7" fmla="*/ 109488 w 109488"/>
+              <a:gd name="connsiteY7" fmla="*/ 2080578 h 2080578"/>
+              <a:gd name="connsiteX0" fmla="*/ 109488 w 109488"/>
+              <a:gd name="connsiteY0" fmla="*/ 2080578 h 2080578"/>
+              <a:gd name="connsiteX1" fmla="*/ 54744 w 109488"/>
+              <a:gd name="connsiteY1" fmla="*/ 2071454 h 2080578"/>
+              <a:gd name="connsiteX2" fmla="*/ 54744 w 109488"/>
+              <a:gd name="connsiteY2" fmla="*/ 1049413 h 2080578"/>
+              <a:gd name="connsiteX3" fmla="*/ 0 w 109488"/>
+              <a:gd name="connsiteY3" fmla="*/ 1040289 h 2080578"/>
+              <a:gd name="connsiteX4" fmla="*/ 54744 w 109488"/>
+              <a:gd name="connsiteY4" fmla="*/ 1031165 h 2080578"/>
+              <a:gd name="connsiteX5" fmla="*/ 54744 w 109488"/>
+              <a:gd name="connsiteY5" fmla="*/ 9124 h 2080578"/>
+              <a:gd name="connsiteX6" fmla="*/ 109488 w 109488"/>
+              <a:gd name="connsiteY6" fmla="*/ 0 h 2080578"/>
+            </a:gdLst>
+            <a:ahLst/>
+            <a:cxnLst>
+              <a:cxn ang="0">
+                <a:pos x="connsiteX0" y="connsiteY0"/>
+              </a:cxn>
+              <a:cxn ang="0">
+                <a:pos x="connsiteX1" y="connsiteY1"/>
+              </a:cxn>
+              <a:cxn ang="0">
+                <a:pos x="connsiteX2" y="connsiteY2"/>
+              </a:cxn>
+              <a:cxn ang="0">
+                <a:pos x="connsiteX3" y="connsiteY3"/>
+              </a:cxn>
+              <a:cxn ang="0">
+                <a:pos x="connsiteX4" y="connsiteY4"/>
+              </a:cxn>
+              <a:cxn ang="0">
+                <a:pos x="connsiteX5" y="connsiteY5"/>
+              </a:cxn>
+              <a:cxn ang="0">
+                <a:pos x="connsiteX6" y="connsiteY6"/>
+              </a:cxn>
+            </a:cxnLst>
+            <a:rect l="l" t="t" r="r" b="b"/>
+            <a:pathLst>
+              <a:path w="109488" h="2080578" stroke="0" extrusionOk="0">
+                <a:moveTo>
+                  <a:pt x="109488" y="2080578"/>
+                </a:moveTo>
+                <a:cubicBezTo>
+                  <a:pt x="78426" y="2080068"/>
+                  <a:pt x="54571" y="2076558"/>
+                  <a:pt x="54744" y="2071454"/>
+                </a:cubicBezTo>
+                <a:cubicBezTo>
+                  <a:pt x="59497" y="1811643"/>
+                  <a:pt x="79075" y="1328315"/>
+                  <a:pt x="54744" y="1049413"/>
+                </a:cubicBezTo>
+                <a:cubicBezTo>
+                  <a:pt x="52690" y="1046379"/>
+                  <a:pt x="29386" y="1044975"/>
+                  <a:pt x="0" y="1040289"/>
+                </a:cubicBezTo>
+                <a:cubicBezTo>
+                  <a:pt x="30057" y="1040192"/>
+                  <a:pt x="55319" y="1036479"/>
+                  <a:pt x="54744" y="1031165"/>
+                </a:cubicBezTo>
+                <a:cubicBezTo>
+                  <a:pt x="137643" y="666355"/>
+                  <a:pt x="45033" y="283362"/>
+                  <a:pt x="54744" y="9124"/>
+                </a:cubicBezTo>
+                <a:cubicBezTo>
+                  <a:pt x="53512" y="3896"/>
+                  <a:pt x="78818" y="410"/>
+                  <a:pt x="109488" y="0"/>
+                </a:cubicBezTo>
+                <a:cubicBezTo>
+                  <a:pt x="61257" y="832986"/>
+                  <a:pt x="193943" y="1309661"/>
+                  <a:pt x="109488" y="2080578"/>
+                </a:cubicBezTo>
+                <a:close/>
+              </a:path>
+              <a:path w="109488" h="2080578" fill="none" extrusionOk="0">
+                <a:moveTo>
+                  <a:pt x="109488" y="2080578"/>
+                </a:moveTo>
+                <a:cubicBezTo>
+                  <a:pt x="78257" y="2080507"/>
+                  <a:pt x="54483" y="2075960"/>
+                  <a:pt x="54744" y="2071454"/>
+                </a:cubicBezTo>
+                <a:cubicBezTo>
+                  <a:pt x="56655" y="1896176"/>
+                  <a:pt x="15897" y="1357440"/>
+                  <a:pt x="54744" y="1049413"/>
+                </a:cubicBezTo>
+                <a:cubicBezTo>
+                  <a:pt x="54532" y="1044753"/>
+                  <a:pt x="31490" y="1041222"/>
+                  <a:pt x="0" y="1040289"/>
+                </a:cubicBezTo>
+                <a:cubicBezTo>
+                  <a:pt x="30204" y="1041011"/>
+                  <a:pt x="55219" y="1035922"/>
+                  <a:pt x="54744" y="1031165"/>
+                </a:cubicBezTo>
+                <a:cubicBezTo>
+                  <a:pt x="104290" y="828533"/>
+                  <a:pt x="62520" y="420095"/>
+                  <a:pt x="54744" y="9124"/>
+                </a:cubicBezTo>
+                <a:cubicBezTo>
+                  <a:pt x="55123" y="4836"/>
+                  <a:pt x="76167" y="1628"/>
+                  <a:pt x="109488" y="0"/>
+                </a:cubicBezTo>
+              </a:path>
+              <a:path w="109488" h="2080578" fill="none" stroke="0" extrusionOk="0">
+                <a:moveTo>
+                  <a:pt x="109488" y="2080578"/>
+                </a:moveTo>
+                <a:cubicBezTo>
+                  <a:pt x="79319" y="2080615"/>
+                  <a:pt x="55197" y="2076602"/>
+                  <a:pt x="54744" y="2071454"/>
+                </a:cubicBezTo>
+                <a:cubicBezTo>
+                  <a:pt x="145939" y="1774120"/>
+                  <a:pt x="-34709" y="1533608"/>
+                  <a:pt x="54744" y="1049413"/>
+                </a:cubicBezTo>
+                <a:cubicBezTo>
+                  <a:pt x="56759" y="1047374"/>
+                  <a:pt x="30370" y="1041700"/>
+                  <a:pt x="0" y="1040289"/>
+                </a:cubicBezTo>
+                <a:cubicBezTo>
+                  <a:pt x="30565" y="1040799"/>
+                  <a:pt x="54949" y="1036455"/>
+                  <a:pt x="54744" y="1031165"/>
+                </a:cubicBezTo>
+                <a:cubicBezTo>
+                  <a:pt x="-16594" y="757049"/>
+                  <a:pt x="65667" y="455689"/>
+                  <a:pt x="54744" y="9124"/>
+                </a:cubicBezTo>
+                <a:cubicBezTo>
+                  <a:pt x="50711" y="4747"/>
+                  <a:pt x="76255" y="-2069"/>
+                  <a:pt x="109488" y="0"/>
+                </a:cubicBezTo>
+              </a:path>
+            </a:pathLst>
+          </a:custGeom>
+          <a:ln w="9525" cmpd="thinThick">
+            <a:solidFill>
+              <a:schemeClr val="tx1"/>
+            </a:solidFill>
+            <a:extLst>
+              <a:ext uri="{C807C97D-BFC1-408E-A445-0C87EB9F89A2}">
+                <ask:lineSketchStyleProps xmlns:ask="http://schemas.microsoft.com/office/drawing/2018/sketchyshapes" sd="1219033472">
+                  <a:prstGeom prst="leftBrace">
+                    <a:avLst/>
+                  </a:prstGeom>
+                  <ask:type>
+                    <ask:lineSketchCurved/>
+                  </ask:type>
+                </ask:lineSketchStyleProps>
+              </a:ext>
+            </a:extLst>
+          </a:ln>
+        </p:spPr>
+        <p:style>
+          <a:lnRef idx="1">
+            <a:schemeClr val="accent1"/>
+          </a:lnRef>
+          <a:fillRef idx="0">
+            <a:schemeClr val="accent1"/>
+          </a:fillRef>
+          <a:effectRef idx="0">
+            <a:schemeClr val="accent1"/>
+          </a:effectRef>
+          <a:fontRef idx="minor">
+            <a:schemeClr val="tx1"/>
+          </a:fontRef>
+        </p:style>
+        <p:txBody>
+          <a:bodyPr rtlCol="0" anchor="ctr"/>
+          <a:lstStyle/>
+          <a:p>
+            <a:pPr algn="ctr"/>
+            <a:endParaRPr lang="zh-CN" altLang="en-US"/>
+          </a:p>
+        </p:txBody>
+      </p:sp>
+      <mc:AlternateContent xmlns:mc="http://schemas.openxmlformats.org/markup-compatibility/2006">
+        <mc:Choice xmlns:a14="http://schemas.microsoft.com/office/drawing/2010/main" Requires="a14">
+          <p:sp>
+            <p:nvSpPr>
+              <p:cNvPr id="64" name="文本框 63">
+                <a:extLst>
+                  <a:ext uri="{FF2B5EF4-FFF2-40B4-BE49-F238E27FC236}">
+                    <a16:creationId xmlns:a16="http://schemas.microsoft.com/office/drawing/2014/main" id="{55FBE730-8BE1-99C1-3E50-1C8C85916420}"/>
+                  </a:ext>
+                </a:extLst>
+              </p:cNvPr>
+              <p:cNvSpPr txBox="1"/>
+              <p:nvPr/>
+            </p:nvSpPr>
+            <p:spPr>
+              <a:xfrm>
+                <a:off x="6982513" y="4068554"/>
+                <a:ext cx="352981" cy="338554"/>
+              </a:xfrm>
+              <a:prstGeom prst="rect">
+                <a:avLst/>
+              </a:prstGeom>
+              <a:noFill/>
+            </p:spPr>
+            <p:txBody>
+              <a:bodyPr wrap="none" rtlCol="0">
+                <a:spAutoFit/>
+              </a:bodyPr>
+              <a:lstStyle/>
+              <a:p>
+                <a:pPr/>
+                <a14:m>
+                  <m:oMathPara xmlns:m="http://schemas.openxmlformats.org/officeDocument/2006/math">
+                    <m:oMathParaPr>
+                      <m:jc m:val="centerGroup"/>
+                    </m:oMathParaPr>
+                    <m:oMath xmlns:m="http://schemas.openxmlformats.org/officeDocument/2006/math">
+                      <m:r>
+                        <m:rPr>
+                          <m:sty m:val="p"/>
+                        </m:rPr>
+                        <a:rPr lang="en-US" altLang="zh-CN" sz="1600" i="1">
+                          <a:latin typeface="Cambria Math" panose="02040503050406030204" pitchFamily="18" charset="0"/>
+                        </a:rPr>
+                        <m:t>b</m:t>
+                      </m:r>
+                    </m:oMath>
+                  </m:oMathPara>
+                </a14:m>
+                <a:endParaRPr lang="zh-CN" altLang="en-US" sz="1600" dirty="0">
+                  <a:solidFill>
+                    <a:schemeClr val="tx1"/>
+                  </a:solidFill>
+                </a:endParaRPr>
+              </a:p>
+            </p:txBody>
+          </p:sp>
+        </mc:Choice>
+        <mc:Fallback>
+          <p:sp>
+            <p:nvSpPr>
+              <p:cNvPr id="64" name="文本框 63">
+                <a:extLst>
+                  <a:ext uri="{FF2B5EF4-FFF2-40B4-BE49-F238E27FC236}">
+                    <a16:creationId xmlns:a16="http://schemas.microsoft.com/office/drawing/2014/main" id="{55FBE730-8BE1-99C1-3E50-1C8C85916420}"/>
+                  </a:ext>
+                </a:extLst>
+              </p:cNvPr>
+              <p:cNvSpPr txBox="1">
+                <a:spLocks noRot="1" noChangeAspect="1" noMove="1" noResize="1" noEditPoints="1" noAdjustHandles="1" noChangeArrowheads="1" noChangeShapeType="1" noTextEdit="1"/>
+              </p:cNvSpPr>
+              <p:nvPr/>
+            </p:nvSpPr>
+            <p:spPr>
+              <a:xfrm>
+                <a:off x="6982513" y="4068554"/>
+                <a:ext cx="352981" cy="338554"/>
+              </a:xfrm>
+              <a:prstGeom prst="rect">
+                <a:avLst/>
+              </a:prstGeom>
+              <a:blipFill>
+                <a:blip r:embed="rId23"/>
+                <a:stretch>
+                  <a:fillRect/>
+                </a:stretch>
+              </a:blipFill>
+            </p:spPr>
+            <p:txBody>
+              <a:bodyPr/>
+              <a:lstStyle/>
+              <a:p>
+                <a:r>
+                  <a:rPr lang="zh-CN" altLang="en-US">
+                    <a:noFill/>
+                  </a:rPr>
+                  <a:t> </a:t>
+                </a:r>
+              </a:p>
+            </p:txBody>
+          </p:sp>
+        </mc:Fallback>
+      </mc:AlternateContent>
+      <mc:AlternateContent xmlns:mc="http://schemas.openxmlformats.org/markup-compatibility/2006">
+        <mc:Choice xmlns:a14="http://schemas.microsoft.com/office/drawing/2010/main" Requires="a14">
+          <p:sp>
+            <p:nvSpPr>
+              <p:cNvPr id="65" name="文本框 64">
+                <a:extLst>
+                  <a:ext uri="{FF2B5EF4-FFF2-40B4-BE49-F238E27FC236}">
+                    <a16:creationId xmlns:a16="http://schemas.microsoft.com/office/drawing/2014/main" id="{7EC4B1C4-2D6F-24C0-BBA2-D55AA16D4D06}"/>
+                  </a:ext>
+                </a:extLst>
+              </p:cNvPr>
+              <p:cNvSpPr txBox="1"/>
+              <p:nvPr/>
+            </p:nvSpPr>
+            <p:spPr>
+              <a:xfrm>
+                <a:off x="9678364" y="3778174"/>
+                <a:ext cx="355995" cy="338554"/>
+              </a:xfrm>
+              <a:prstGeom prst="rect">
+                <a:avLst/>
+              </a:prstGeom>
+              <a:noFill/>
+            </p:spPr>
+            <p:txBody>
+              <a:bodyPr wrap="none" rtlCol="0">
+                <a:spAutoFit/>
+              </a:bodyPr>
+              <a:lstStyle/>
+              <a:p>
+                <a:pPr/>
+                <a14:m>
+                  <m:oMathPara xmlns:m="http://schemas.openxmlformats.org/officeDocument/2006/math">
+                    <m:oMathParaPr>
+                      <m:jc m:val="centerGroup"/>
+                    </m:oMathParaPr>
+                    <m:oMath xmlns:m="http://schemas.openxmlformats.org/officeDocument/2006/math">
+                      <m:r>
+                        <a:rPr lang="en-US" altLang="zh-CN" sz="1600" i="1" dirty="0" smtClean="0">
+                          <a:solidFill>
+                            <a:schemeClr val="tx1"/>
+                          </a:solidFill>
+                          <a:latin typeface="Cambria Math" panose="02040503050406030204" pitchFamily="18" charset="0"/>
+                        </a:rPr>
+                        <m:t>𝑥</m:t>
+                      </m:r>
+                    </m:oMath>
+                  </m:oMathPara>
+                </a14:m>
+                <a:endParaRPr lang="zh-CN" altLang="en-US" sz="1600" dirty="0">
+                  <a:solidFill>
+                    <a:schemeClr val="tx1"/>
+                  </a:solidFill>
+                </a:endParaRPr>
+              </a:p>
+            </p:txBody>
+          </p:sp>
+        </mc:Choice>
+        <mc:Fallback>
+          <p:sp>
+            <p:nvSpPr>
+              <p:cNvPr id="65" name="文本框 64">
+                <a:extLst>
+                  <a:ext uri="{FF2B5EF4-FFF2-40B4-BE49-F238E27FC236}">
+                    <a16:creationId xmlns:a16="http://schemas.microsoft.com/office/drawing/2014/main" id="{7EC4B1C4-2D6F-24C0-BBA2-D55AA16D4D06}"/>
+                  </a:ext>
+                </a:extLst>
+              </p:cNvPr>
+              <p:cNvSpPr txBox="1">
+                <a:spLocks noRot="1" noChangeAspect="1" noMove="1" noResize="1" noEditPoints="1" noAdjustHandles="1" noChangeArrowheads="1" noChangeShapeType="1" noTextEdit="1"/>
+              </p:cNvSpPr>
+              <p:nvPr/>
+            </p:nvSpPr>
+            <p:spPr>
+              <a:xfrm>
+                <a:off x="9678364" y="3778174"/>
+                <a:ext cx="355995" cy="338554"/>
+              </a:xfrm>
+              <a:prstGeom prst="rect">
+                <a:avLst/>
+              </a:prstGeom>
+              <a:blipFill>
+                <a:blip r:embed="rId24"/>
+                <a:stretch>
+                  <a:fillRect/>
+                </a:stretch>
+              </a:blipFill>
+            </p:spPr>
+            <p:txBody>
+              <a:bodyPr/>
+              <a:lstStyle/>
+              <a:p>
+                <a:r>
+                  <a:rPr lang="zh-CN" altLang="en-US">
+                    <a:noFill/>
+                  </a:rPr>
+                  <a:t> </a:t>
+                </a:r>
+              </a:p>
+            </p:txBody>
+          </p:sp>
+        </mc:Fallback>
+      </mc:AlternateContent>
+      <p:sp>
+        <p:nvSpPr>
+          <p:cNvPr id="66" name="右大括号 65">
+            <a:extLst>
+              <a:ext uri="{FF2B5EF4-FFF2-40B4-BE49-F238E27FC236}">
+                <a16:creationId xmlns:a16="http://schemas.microsoft.com/office/drawing/2014/main" id="{4C06F4B4-9D30-82E9-93EA-0AA5EE4E2BCC}"/>
+              </a:ext>
+            </a:extLst>
+          </p:cNvPr>
+          <p:cNvSpPr/>
+          <p:nvPr/>
+        </p:nvSpPr>
+        <p:spPr>
+          <a:xfrm>
+            <a:off x="9304493" y="2061371"/>
+            <a:ext cx="54994" cy="985055"/>
+          </a:xfrm>
+          <a:custGeom>
+            <a:avLst/>
+            <a:gdLst>
+              <a:gd name="connsiteX0" fmla="*/ 0 w 54994"/>
+              <a:gd name="connsiteY0" fmla="*/ 0 h 985055"/>
+              <a:gd name="connsiteX1" fmla="*/ 27497 w 54994"/>
+              <a:gd name="connsiteY1" fmla="*/ 4583 h 985055"/>
+              <a:gd name="connsiteX2" fmla="*/ 27497 w 54994"/>
+              <a:gd name="connsiteY2" fmla="*/ 487945 h 985055"/>
+              <a:gd name="connsiteX3" fmla="*/ 54994 w 54994"/>
+              <a:gd name="connsiteY3" fmla="*/ 492528 h 985055"/>
+              <a:gd name="connsiteX4" fmla="*/ 27497 w 54994"/>
+              <a:gd name="connsiteY4" fmla="*/ 497111 h 985055"/>
+              <a:gd name="connsiteX5" fmla="*/ 27497 w 54994"/>
+              <a:gd name="connsiteY5" fmla="*/ 980472 h 985055"/>
+              <a:gd name="connsiteX6" fmla="*/ 0 w 54994"/>
+              <a:gd name="connsiteY6" fmla="*/ 985055 h 985055"/>
+              <a:gd name="connsiteX7" fmla="*/ 0 w 54994"/>
+              <a:gd name="connsiteY7" fmla="*/ 472826 h 985055"/>
+              <a:gd name="connsiteX8" fmla="*/ 0 w 54994"/>
+              <a:gd name="connsiteY8" fmla="*/ 0 h 985055"/>
+              <a:gd name="connsiteX0" fmla="*/ 0 w 54994"/>
+              <a:gd name="connsiteY0" fmla="*/ 0 h 985055"/>
+              <a:gd name="connsiteX1" fmla="*/ 27497 w 54994"/>
+              <a:gd name="connsiteY1" fmla="*/ 4583 h 985055"/>
+              <a:gd name="connsiteX2" fmla="*/ 27497 w 54994"/>
+              <a:gd name="connsiteY2" fmla="*/ 487945 h 985055"/>
+              <a:gd name="connsiteX3" fmla="*/ 54994 w 54994"/>
+              <a:gd name="connsiteY3" fmla="*/ 492528 h 985055"/>
+              <a:gd name="connsiteX4" fmla="*/ 27497 w 54994"/>
+              <a:gd name="connsiteY4" fmla="*/ 497111 h 985055"/>
+              <a:gd name="connsiteX5" fmla="*/ 27497 w 54994"/>
+              <a:gd name="connsiteY5" fmla="*/ 980472 h 985055"/>
+              <a:gd name="connsiteX6" fmla="*/ 0 w 54994"/>
+              <a:gd name="connsiteY6" fmla="*/ 985055 h 985055"/>
+            </a:gdLst>
+            <a:ahLst/>
+            <a:cxnLst>
+              <a:cxn ang="0">
+                <a:pos x="connsiteX0" y="connsiteY0"/>
+              </a:cxn>
+              <a:cxn ang="0">
+                <a:pos x="connsiteX1" y="connsiteY1"/>
+              </a:cxn>
+              <a:cxn ang="0">
+                <a:pos x="connsiteX2" y="connsiteY2"/>
+              </a:cxn>
+              <a:cxn ang="0">
+                <a:pos x="connsiteX3" y="connsiteY3"/>
+              </a:cxn>
+              <a:cxn ang="0">
+                <a:pos x="connsiteX4" y="connsiteY4"/>
+              </a:cxn>
+              <a:cxn ang="0">
+                <a:pos x="connsiteX5" y="connsiteY5"/>
+              </a:cxn>
+              <a:cxn ang="0">
+                <a:pos x="connsiteX6" y="connsiteY6"/>
+              </a:cxn>
+            </a:cxnLst>
+            <a:rect l="l" t="t" r="r" b="b"/>
+            <a:pathLst>
+              <a:path w="54994" h="985055" stroke="0" extrusionOk="0">
+                <a:moveTo>
+                  <a:pt x="0" y="0"/>
+                </a:moveTo>
+                <a:cubicBezTo>
+                  <a:pt x="14661" y="-324"/>
+                  <a:pt x="27319" y="2119"/>
+                  <a:pt x="27497" y="4583"/>
+                </a:cubicBezTo>
+                <a:cubicBezTo>
+                  <a:pt x="11286" y="178190"/>
+                  <a:pt x="12778" y="318929"/>
+                  <a:pt x="27497" y="487945"/>
+                </a:cubicBezTo>
+                <a:cubicBezTo>
+                  <a:pt x="27142" y="490206"/>
+                  <a:pt x="39305" y="493560"/>
+                  <a:pt x="54994" y="492528"/>
+                </a:cubicBezTo>
+                <a:cubicBezTo>
+                  <a:pt x="39814" y="493032"/>
+                  <a:pt x="27458" y="494455"/>
+                  <a:pt x="27497" y="497111"/>
+                </a:cubicBezTo>
+                <a:cubicBezTo>
+                  <a:pt x="20707" y="726543"/>
+                  <a:pt x="3600" y="825127"/>
+                  <a:pt x="27497" y="980472"/>
+                </a:cubicBezTo>
+                <a:cubicBezTo>
+                  <a:pt x="26080" y="984337"/>
+                  <a:pt x="14985" y="983134"/>
+                  <a:pt x="0" y="985055"/>
+                </a:cubicBezTo>
+                <a:cubicBezTo>
+                  <a:pt x="-13070" y="749696"/>
+                  <a:pt x="-1146" y="639632"/>
+                  <a:pt x="0" y="472826"/>
+                </a:cubicBezTo>
+                <a:cubicBezTo>
+                  <a:pt x="1146" y="306020"/>
+                  <a:pt x="612" y="206251"/>
+                  <a:pt x="0" y="0"/>
+                </a:cubicBezTo>
+                <a:close/>
+              </a:path>
+              <a:path w="54994" h="985055" fill="none" extrusionOk="0">
+                <a:moveTo>
+                  <a:pt x="0" y="0"/>
+                </a:moveTo>
+                <a:cubicBezTo>
+                  <a:pt x="15112" y="132"/>
+                  <a:pt x="27817" y="2290"/>
+                  <a:pt x="27497" y="4583"/>
+                </a:cubicBezTo>
+                <a:cubicBezTo>
+                  <a:pt x="9628" y="224229"/>
+                  <a:pt x="34447" y="329606"/>
+                  <a:pt x="27497" y="487945"/>
+                </a:cubicBezTo>
+                <a:cubicBezTo>
+                  <a:pt x="29527" y="490046"/>
+                  <a:pt x="40064" y="494956"/>
+                  <a:pt x="54994" y="492528"/>
+                </a:cubicBezTo>
+                <a:cubicBezTo>
+                  <a:pt x="39996" y="492465"/>
+                  <a:pt x="27493" y="494466"/>
+                  <a:pt x="27497" y="497111"/>
+                </a:cubicBezTo>
+                <a:cubicBezTo>
+                  <a:pt x="31317" y="635097"/>
+                  <a:pt x="30090" y="832655"/>
+                  <a:pt x="27497" y="980472"/>
+                </a:cubicBezTo>
+                <a:cubicBezTo>
+                  <a:pt x="27343" y="983469"/>
+                  <a:pt x="14017" y="987402"/>
+                  <a:pt x="0" y="985055"/>
+                </a:cubicBezTo>
+              </a:path>
+              <a:path w="54994" h="985055" fill="none" stroke="0" extrusionOk="0">
+                <a:moveTo>
+                  <a:pt x="0" y="0"/>
+                </a:moveTo>
+                <a:cubicBezTo>
+                  <a:pt x="15500" y="257"/>
+                  <a:pt x="27815" y="2525"/>
+                  <a:pt x="27497" y="4583"/>
+                </a:cubicBezTo>
+                <a:cubicBezTo>
+                  <a:pt x="51527" y="102017"/>
+                  <a:pt x="19476" y="279735"/>
+                  <a:pt x="27497" y="487945"/>
+                </a:cubicBezTo>
+                <a:cubicBezTo>
+                  <a:pt x="25368" y="489931"/>
+                  <a:pt x="40656" y="491475"/>
+                  <a:pt x="54994" y="492528"/>
+                </a:cubicBezTo>
+                <a:cubicBezTo>
+                  <a:pt x="39708" y="492489"/>
+                  <a:pt x="27398" y="494333"/>
+                  <a:pt x="27497" y="497111"/>
+                </a:cubicBezTo>
+                <a:cubicBezTo>
+                  <a:pt x="16472" y="606328"/>
+                  <a:pt x="42098" y="840054"/>
+                  <a:pt x="27497" y="980472"/>
+                </a:cubicBezTo>
+                <a:cubicBezTo>
+                  <a:pt x="27565" y="982083"/>
+                  <a:pt x="13161" y="986237"/>
+                  <a:pt x="0" y="985055"/>
+                </a:cubicBezTo>
+              </a:path>
+            </a:pathLst>
+          </a:custGeom>
+          <a:ln w="12700">
+            <a:solidFill>
+              <a:schemeClr val="tx1"/>
+            </a:solidFill>
+            <a:extLst>
+              <a:ext uri="{C807C97D-BFC1-408E-A445-0C87EB9F89A2}">
+                <ask:lineSketchStyleProps xmlns:ask="http://schemas.microsoft.com/office/drawing/2018/sketchyshapes" sd="1219033472">
+                  <a:prstGeom prst="rightBrace">
+                    <a:avLst/>
+                  </a:prstGeom>
+                  <ask:type>
+                    <ask:lineSketchFreehand/>
+                  </ask:type>
+                </ask:lineSketchStyleProps>
+              </a:ext>
+            </a:extLst>
+          </a:ln>
+        </p:spPr>
+        <p:style>
+          <a:lnRef idx="1">
+            <a:schemeClr val="accent1"/>
+          </a:lnRef>
+          <a:fillRef idx="0">
+            <a:schemeClr val="accent1"/>
+          </a:fillRef>
+          <a:effectRef idx="0">
+            <a:schemeClr val="accent1"/>
+          </a:effectRef>
+          <a:fontRef idx="minor">
+            <a:schemeClr val="tx1"/>
+          </a:fontRef>
+        </p:style>
+        <p:txBody>
+          <a:bodyPr rtlCol="0" anchor="ctr"/>
+          <a:lstStyle/>
+          <a:p>
+            <a:pPr algn="ctr"/>
+            <a:endParaRPr lang="zh-CN" altLang="en-US"/>
+          </a:p>
+        </p:txBody>
+      </p:sp>
+      <mc:AlternateContent xmlns:mc="http://schemas.openxmlformats.org/markup-compatibility/2006">
+        <mc:Choice xmlns:a14="http://schemas.microsoft.com/office/drawing/2010/main" Requires="a14">
+          <p:sp>
+            <p:nvSpPr>
+              <p:cNvPr id="67" name="文本框 66">
+                <a:extLst>
+                  <a:ext uri="{FF2B5EF4-FFF2-40B4-BE49-F238E27FC236}">
+                    <a16:creationId xmlns:a16="http://schemas.microsoft.com/office/drawing/2014/main" id="{736D408D-F669-0EFA-6135-5900D00E3216}"/>
+                  </a:ext>
+                </a:extLst>
+              </p:cNvPr>
+              <p:cNvSpPr txBox="1"/>
+              <p:nvPr/>
+            </p:nvSpPr>
+            <p:spPr>
+              <a:xfrm>
+                <a:off x="9296585" y="2423093"/>
+                <a:ext cx="612347" cy="261610"/>
+              </a:xfrm>
+              <a:prstGeom prst="rect">
+                <a:avLst/>
+              </a:prstGeom>
+              <a:noFill/>
+            </p:spPr>
+            <p:txBody>
+              <a:bodyPr wrap="none" rtlCol="0">
+                <a:spAutoFit/>
+              </a:bodyPr>
+              <a:lstStyle/>
+              <a:p>
+                <a:pPr/>
+                <a14:m>
+                  <m:oMathPara xmlns:m="http://schemas.openxmlformats.org/officeDocument/2006/math">
+                    <m:oMathParaPr>
+                      <m:jc m:val="centerGroup"/>
+                    </m:oMathParaPr>
+                    <m:oMath xmlns:m="http://schemas.openxmlformats.org/officeDocument/2006/math">
+                      <m:sSub>
+                        <m:sSubPr>
+                          <m:ctrlPr>
+                            <a:rPr lang="en-US" altLang="zh-CN" sz="1050" b="0" i="1" smtClean="0">
+                              <a:solidFill>
+                                <a:schemeClr val="tx1"/>
+                              </a:solidFill>
+                              <a:latin typeface="Cambria Math" panose="02040503050406030204" pitchFamily="18" charset="0"/>
+                            </a:rPr>
+                          </m:ctrlPr>
+                        </m:sSubPr>
+                        <m:e>
+                          <m:r>
+                            <a:rPr lang="en-US" altLang="zh-CN" sz="1050" b="0" i="1" smtClean="0">
+                              <a:solidFill>
+                                <a:schemeClr val="tx1"/>
+                              </a:solidFill>
+                              <a:latin typeface="Cambria Math" panose="02040503050406030204" pitchFamily="18" charset="0"/>
+                            </a:rPr>
+                            <m:t>𝑍</m:t>
+                          </m:r>
+                        </m:e>
+                        <m:sub>
+                          <m:r>
+                            <a:rPr lang="en-US" altLang="zh-CN" sz="1050" b="0" i="1" smtClean="0">
+                              <a:solidFill>
+                                <a:schemeClr val="tx1"/>
+                              </a:solidFill>
+                              <a:latin typeface="Cambria Math" panose="02040503050406030204" pitchFamily="18" charset="0"/>
+                            </a:rPr>
+                            <m:t>𝑐</m:t>
+                          </m:r>
+                        </m:sub>
+                      </m:sSub>
+                      <m:r>
+                        <a:rPr lang="en-US" altLang="zh-CN" sz="1050" b="0" i="1" smtClean="0">
+                          <a:solidFill>
+                            <a:schemeClr val="tx1"/>
+                          </a:solidFill>
+                          <a:latin typeface="Cambria Math" panose="02040503050406030204" pitchFamily="18" charset="0"/>
+                        </a:rPr>
+                        <m:t>−</m:t>
+                      </m:r>
+                      <m:r>
+                        <a:rPr lang="en-US" altLang="zh-CN" sz="1050" b="0" i="1" smtClean="0">
+                          <a:solidFill>
+                            <a:schemeClr val="tx1"/>
+                          </a:solidFill>
+                          <a:latin typeface="Cambria Math" panose="02040503050406030204" pitchFamily="18" charset="0"/>
+                        </a:rPr>
+                        <m:t>𝑓</m:t>
+                      </m:r>
+                    </m:oMath>
+                  </m:oMathPara>
+                </a14:m>
+                <a:endParaRPr lang="zh-CN" altLang="en-US" sz="1050" dirty="0">
+                  <a:solidFill>
+                    <a:schemeClr val="tx1"/>
+                  </a:solidFill>
+                </a:endParaRPr>
+              </a:p>
+            </p:txBody>
+          </p:sp>
+        </mc:Choice>
+        <mc:Fallback>
+          <p:sp>
+            <p:nvSpPr>
+              <p:cNvPr id="67" name="文本框 66">
+                <a:extLst>
+                  <a:ext uri="{FF2B5EF4-FFF2-40B4-BE49-F238E27FC236}">
+                    <a16:creationId xmlns:a16="http://schemas.microsoft.com/office/drawing/2014/main" id="{736D408D-F669-0EFA-6135-5900D00E3216}"/>
+                  </a:ext>
+                </a:extLst>
+              </p:cNvPr>
+              <p:cNvSpPr txBox="1">
+                <a:spLocks noRot="1" noChangeAspect="1" noMove="1" noResize="1" noEditPoints="1" noAdjustHandles="1" noChangeArrowheads="1" noChangeShapeType="1" noTextEdit="1"/>
+              </p:cNvSpPr>
+              <p:nvPr/>
+            </p:nvSpPr>
+            <p:spPr>
+              <a:xfrm>
+                <a:off x="9296585" y="2423093"/>
+                <a:ext cx="612347" cy="261610"/>
+              </a:xfrm>
+              <a:prstGeom prst="rect">
+                <a:avLst/>
+              </a:prstGeom>
+              <a:blipFill>
+                <a:blip r:embed="rId25"/>
+                <a:stretch>
+                  <a:fillRect b="-2326"/>
+                </a:stretch>
+              </a:blipFill>
+            </p:spPr>
+            <p:txBody>
+              <a:bodyPr/>
+              <a:lstStyle/>
+              <a:p>
+                <a:r>
+                  <a:rPr lang="zh-CN" altLang="en-US">
+                    <a:noFill/>
+                  </a:rPr>
+                  <a:t> </a:t>
+                </a:r>
+              </a:p>
+            </p:txBody>
+          </p:sp>
+        </mc:Fallback>
+      </mc:AlternateContent>
+      <p:cxnSp>
+        <p:nvCxnSpPr>
+          <p:cNvPr id="68" name="直接连接符 67">
+            <a:extLst>
+              <a:ext uri="{FF2B5EF4-FFF2-40B4-BE49-F238E27FC236}">
+                <a16:creationId xmlns:a16="http://schemas.microsoft.com/office/drawing/2014/main" id="{FFF52884-B5A2-60E8-AC6B-00113D5F3766}"/>
+              </a:ext>
+            </a:extLst>
+          </p:cNvPr>
+          <p:cNvCxnSpPr>
+            <a:cxnSpLocks/>
+          </p:cNvCxnSpPr>
+          <p:nvPr/>
+        </p:nvCxnSpPr>
+        <p:spPr>
+          <a:xfrm>
+            <a:off x="9228705" y="1856175"/>
+            <a:ext cx="0" cy="1293170"/>
+          </a:xfrm>
+          <a:prstGeom prst="line">
+            <a:avLst/>
+          </a:prstGeom>
+          <a:ln w="12700">
+            <a:prstDash val="lgDash"/>
+          </a:ln>
+        </p:spPr>
+        <p:style>
+          <a:lnRef idx="1">
+            <a:schemeClr val="dk1"/>
+          </a:lnRef>
+          <a:fillRef idx="0">
+            <a:schemeClr val="dk1"/>
+          </a:fillRef>
+          <a:effectRef idx="0">
+            <a:schemeClr val="dk1"/>
+          </a:effectRef>
+          <a:fontRef idx="minor">
+            <a:schemeClr val="tx1"/>
+          </a:fontRef>
+        </p:style>
+      </p:cxnSp>
+      <p:sp>
+        <p:nvSpPr>
+          <p:cNvPr id="69" name="右大括号 68">
+            <a:extLst>
+              <a:ext uri="{FF2B5EF4-FFF2-40B4-BE49-F238E27FC236}">
+                <a16:creationId xmlns:a16="http://schemas.microsoft.com/office/drawing/2014/main" id="{520E47D7-AC21-7A04-30BF-43B0524BB0F3}"/>
+              </a:ext>
+            </a:extLst>
+          </p:cNvPr>
+          <p:cNvSpPr/>
+          <p:nvPr/>
+        </p:nvSpPr>
+        <p:spPr>
+          <a:xfrm rot="16200000">
+            <a:off x="8365889" y="2935466"/>
+            <a:ext cx="63818" cy="303534"/>
+          </a:xfrm>
+          <a:custGeom>
+            <a:avLst/>
+            <a:gdLst>
+              <a:gd name="connsiteX0" fmla="*/ 0 w 63818"/>
+              <a:gd name="connsiteY0" fmla="*/ 0 h 303534"/>
+              <a:gd name="connsiteX1" fmla="*/ 31909 w 63818"/>
+              <a:gd name="connsiteY1" fmla="*/ 5318 h 303534"/>
+              <a:gd name="connsiteX2" fmla="*/ 31909 w 63818"/>
+              <a:gd name="connsiteY2" fmla="*/ 146449 h 303534"/>
+              <a:gd name="connsiteX3" fmla="*/ 63818 w 63818"/>
+              <a:gd name="connsiteY3" fmla="*/ 151767 h 303534"/>
+              <a:gd name="connsiteX4" fmla="*/ 31909 w 63818"/>
+              <a:gd name="connsiteY4" fmla="*/ 157085 h 303534"/>
+              <a:gd name="connsiteX5" fmla="*/ 31909 w 63818"/>
+              <a:gd name="connsiteY5" fmla="*/ 298216 h 303534"/>
+              <a:gd name="connsiteX6" fmla="*/ 0 w 63818"/>
+              <a:gd name="connsiteY6" fmla="*/ 303534 h 303534"/>
+              <a:gd name="connsiteX7" fmla="*/ 0 w 63818"/>
+              <a:gd name="connsiteY7" fmla="*/ 0 h 303534"/>
+              <a:gd name="connsiteX0" fmla="*/ 0 w 63818"/>
+              <a:gd name="connsiteY0" fmla="*/ 0 h 303534"/>
+              <a:gd name="connsiteX1" fmla="*/ 31909 w 63818"/>
+              <a:gd name="connsiteY1" fmla="*/ 5318 h 303534"/>
+              <a:gd name="connsiteX2" fmla="*/ 31909 w 63818"/>
+              <a:gd name="connsiteY2" fmla="*/ 146449 h 303534"/>
+              <a:gd name="connsiteX3" fmla="*/ 63818 w 63818"/>
+              <a:gd name="connsiteY3" fmla="*/ 151767 h 303534"/>
+              <a:gd name="connsiteX4" fmla="*/ 31909 w 63818"/>
+              <a:gd name="connsiteY4" fmla="*/ 157085 h 303534"/>
+              <a:gd name="connsiteX5" fmla="*/ 31909 w 63818"/>
+              <a:gd name="connsiteY5" fmla="*/ 298216 h 303534"/>
+              <a:gd name="connsiteX6" fmla="*/ 0 w 63818"/>
+              <a:gd name="connsiteY6" fmla="*/ 303534 h 303534"/>
+            </a:gdLst>
+            <a:ahLst/>
+            <a:cxnLst>
+              <a:cxn ang="0">
+                <a:pos x="connsiteX0" y="connsiteY0"/>
+              </a:cxn>
+              <a:cxn ang="0">
+                <a:pos x="connsiteX1" y="connsiteY1"/>
+              </a:cxn>
+              <a:cxn ang="0">
+                <a:pos x="connsiteX2" y="connsiteY2"/>
+              </a:cxn>
+              <a:cxn ang="0">
+                <a:pos x="connsiteX3" y="connsiteY3"/>
+              </a:cxn>
+              <a:cxn ang="0">
+                <a:pos x="connsiteX4" y="connsiteY4"/>
+              </a:cxn>
+              <a:cxn ang="0">
+                <a:pos x="connsiteX5" y="connsiteY5"/>
+              </a:cxn>
+              <a:cxn ang="0">
+                <a:pos x="connsiteX6" y="connsiteY6"/>
+              </a:cxn>
+            </a:cxnLst>
+            <a:rect l="l" t="t" r="r" b="b"/>
+            <a:pathLst>
+              <a:path w="63818" h="303534" stroke="0" extrusionOk="0">
+                <a:moveTo>
+                  <a:pt x="0" y="0"/>
+                </a:moveTo>
+                <a:cubicBezTo>
+                  <a:pt x="17227" y="-244"/>
+                  <a:pt x="31381" y="2579"/>
+                  <a:pt x="31909" y="5318"/>
+                </a:cubicBezTo>
+                <a:cubicBezTo>
+                  <a:pt x="26503" y="46210"/>
+                  <a:pt x="32502" y="114442"/>
+                  <a:pt x="31909" y="146449"/>
+                </a:cubicBezTo>
+                <a:cubicBezTo>
+                  <a:pt x="30408" y="148245"/>
+                  <a:pt x="45089" y="154036"/>
+                  <a:pt x="63818" y="151767"/>
+                </a:cubicBezTo>
+                <a:cubicBezTo>
+                  <a:pt x="46204" y="152464"/>
+                  <a:pt x="31709" y="153504"/>
+                  <a:pt x="31909" y="157085"/>
+                </a:cubicBezTo>
+                <a:cubicBezTo>
+                  <a:pt x="34673" y="225641"/>
+                  <a:pt x="30456" y="237513"/>
+                  <a:pt x="31909" y="298216"/>
+                </a:cubicBezTo>
+                <a:cubicBezTo>
+                  <a:pt x="31184" y="301835"/>
+                  <a:pt x="17325" y="300696"/>
+                  <a:pt x="0" y="303534"/>
+                </a:cubicBezTo>
+                <a:cubicBezTo>
+                  <a:pt x="-2585" y="167377"/>
+                  <a:pt x="8644" y="141552"/>
+                  <a:pt x="0" y="0"/>
+                </a:cubicBezTo>
+                <a:close/>
+              </a:path>
+              <a:path w="63818" h="303534" fill="none" extrusionOk="0">
+                <a:moveTo>
+                  <a:pt x="0" y="0"/>
+                </a:moveTo>
+                <a:cubicBezTo>
+                  <a:pt x="17653" y="210"/>
+                  <a:pt x="31767" y="2373"/>
+                  <a:pt x="31909" y="5318"/>
+                </a:cubicBezTo>
+                <a:cubicBezTo>
+                  <a:pt x="35226" y="33913"/>
+                  <a:pt x="34405" y="91377"/>
+                  <a:pt x="31909" y="146449"/>
+                </a:cubicBezTo>
+                <a:cubicBezTo>
+                  <a:pt x="33485" y="151814"/>
+                  <a:pt x="48408" y="154478"/>
+                  <a:pt x="63818" y="151767"/>
+                </a:cubicBezTo>
+                <a:cubicBezTo>
+                  <a:pt x="46317" y="151660"/>
+                  <a:pt x="32051" y="153480"/>
+                  <a:pt x="31909" y="157085"/>
+                </a:cubicBezTo>
+                <a:cubicBezTo>
+                  <a:pt x="25404" y="226635"/>
+                  <a:pt x="38044" y="258160"/>
+                  <a:pt x="31909" y="298216"/>
+                </a:cubicBezTo>
+                <a:cubicBezTo>
+                  <a:pt x="30320" y="298777"/>
+                  <a:pt x="17293" y="304778"/>
+                  <a:pt x="0" y="303534"/>
+                </a:cubicBezTo>
+              </a:path>
+            </a:pathLst>
+          </a:custGeom>
+          <a:ln w="12700">
+            <a:solidFill>
+              <a:schemeClr val="tx1"/>
+            </a:solidFill>
+            <a:extLst>
+              <a:ext uri="{C807C97D-BFC1-408E-A445-0C87EB9F89A2}">
+                <ask:lineSketchStyleProps xmlns:ask="http://schemas.microsoft.com/office/drawing/2018/sketchyshapes" sd="1219033472">
+                  <a:prstGeom prst="rightBrace">
+                    <a:avLst/>
+                  </a:prstGeom>
+                  <ask:type>
+                    <ask:lineSketchFreehand/>
+                  </ask:type>
+                </ask:lineSketchStyleProps>
+              </a:ext>
+            </a:extLst>
+          </a:ln>
+        </p:spPr>
+        <p:style>
+          <a:lnRef idx="1">
+            <a:schemeClr val="accent1"/>
+          </a:lnRef>
+          <a:fillRef idx="0">
+            <a:schemeClr val="accent1"/>
+          </a:fillRef>
+          <a:effectRef idx="0">
+            <a:schemeClr val="accent1"/>
+          </a:effectRef>
+          <a:fontRef idx="minor">
+            <a:schemeClr val="tx1"/>
+          </a:fontRef>
+        </p:style>
+        <p:txBody>
+          <a:bodyPr rtlCol="0" anchor="ctr"/>
+          <a:lstStyle/>
+          <a:p>
+            <a:pPr algn="ctr"/>
+            <a:endParaRPr lang="zh-CN" altLang="en-US"/>
+          </a:p>
+        </p:txBody>
+      </p:sp>
+      <mc:AlternateContent xmlns:mc="http://schemas.openxmlformats.org/markup-compatibility/2006">
+        <mc:Choice xmlns:a14="http://schemas.microsoft.com/office/drawing/2010/main" Requires="a14">
+          <p:sp>
+            <p:nvSpPr>
+              <p:cNvPr id="70" name="文本框 69">
+                <a:extLst>
+                  <a:ext uri="{FF2B5EF4-FFF2-40B4-BE49-F238E27FC236}">
+                    <a16:creationId xmlns:a16="http://schemas.microsoft.com/office/drawing/2014/main" id="{35642652-5A89-74B9-A195-C9130D0F9B67}"/>
+                  </a:ext>
+                </a:extLst>
+              </p:cNvPr>
+              <p:cNvSpPr txBox="1"/>
+              <p:nvPr/>
+            </p:nvSpPr>
+            <p:spPr>
+              <a:xfrm>
+                <a:off x="8170133" y="2819576"/>
+                <a:ext cx="426014" cy="266868"/>
+              </a:xfrm>
+              <a:prstGeom prst="rect">
+                <a:avLst/>
+              </a:prstGeom>
+              <a:noFill/>
+            </p:spPr>
+            <p:txBody>
+              <a:bodyPr wrap="none" rtlCol="0">
+                <a:spAutoFit/>
+              </a:bodyPr>
+              <a:lstStyle/>
+              <a:p>
+                <a:pPr/>
+                <a14:m>
+                  <m:oMathPara xmlns:m="http://schemas.openxmlformats.org/officeDocument/2006/math">
+                    <m:oMathParaPr>
+                      <m:jc m:val="centerGroup"/>
+                    </m:oMathParaPr>
+                    <m:oMath xmlns:m="http://schemas.openxmlformats.org/officeDocument/2006/math">
+                      <m:sSub>
+                        <m:sSubPr>
+                          <m:ctrlPr>
+                            <a:rPr lang="en-US" altLang="zh-CN" sz="1050" b="0" i="1" smtClean="0">
+                              <a:solidFill>
+                                <a:schemeClr val="tx1"/>
+                              </a:solidFill>
+                              <a:latin typeface="Cambria Math" panose="02040503050406030204" pitchFamily="18" charset="0"/>
+                            </a:rPr>
+                          </m:ctrlPr>
+                        </m:sSubPr>
+                        <m:e>
+                          <m:r>
+                            <a:rPr lang="en-US" altLang="zh-CN" sz="1050" b="0" i="1" smtClean="0">
+                              <a:solidFill>
+                                <a:schemeClr val="tx1"/>
+                              </a:solidFill>
+                              <a:latin typeface="Cambria Math" panose="02040503050406030204" pitchFamily="18" charset="0"/>
+                            </a:rPr>
+                            <m:t>𝑋</m:t>
+                          </m:r>
+                        </m:e>
+                        <m:sub>
+                          <m:r>
+                            <a:rPr lang="en-US" altLang="zh-CN" sz="1050" b="0" i="1" smtClean="0">
+                              <a:solidFill>
+                                <a:schemeClr val="tx1"/>
+                              </a:solidFill>
+                              <a:latin typeface="Cambria Math" panose="02040503050406030204" pitchFamily="18" charset="0"/>
+                            </a:rPr>
+                            <m:t>𝑓𝑅</m:t>
+                          </m:r>
+                        </m:sub>
+                      </m:sSub>
+                    </m:oMath>
+                  </m:oMathPara>
+                </a14:m>
+                <a:endParaRPr lang="zh-CN" altLang="en-US" sz="1050" dirty="0">
+                  <a:solidFill>
+                    <a:schemeClr val="tx1"/>
+                  </a:solidFill>
+                </a:endParaRPr>
+              </a:p>
+            </p:txBody>
+          </p:sp>
+        </mc:Choice>
+        <mc:Fallback>
+          <p:sp>
+            <p:nvSpPr>
+              <p:cNvPr id="70" name="文本框 69">
+                <a:extLst>
+                  <a:ext uri="{FF2B5EF4-FFF2-40B4-BE49-F238E27FC236}">
+                    <a16:creationId xmlns:a16="http://schemas.microsoft.com/office/drawing/2014/main" id="{35642652-5A89-74B9-A195-C9130D0F9B67}"/>
+                  </a:ext>
+                </a:extLst>
+              </p:cNvPr>
+              <p:cNvSpPr txBox="1">
+                <a:spLocks noRot="1" noChangeAspect="1" noMove="1" noResize="1" noEditPoints="1" noAdjustHandles="1" noChangeArrowheads="1" noChangeShapeType="1" noTextEdit="1"/>
+              </p:cNvSpPr>
+              <p:nvPr/>
+            </p:nvSpPr>
+            <p:spPr>
+              <a:xfrm>
+                <a:off x="8170133" y="2819576"/>
+                <a:ext cx="426014" cy="266868"/>
+              </a:xfrm>
+              <a:prstGeom prst="rect">
+                <a:avLst/>
+              </a:prstGeom>
+              <a:blipFill>
+                <a:blip r:embed="rId26"/>
+                <a:stretch>
+                  <a:fillRect/>
+                </a:stretch>
+              </a:blipFill>
+            </p:spPr>
+            <p:txBody>
+              <a:bodyPr/>
+              <a:lstStyle/>
+              <a:p>
+                <a:r>
+                  <a:rPr lang="zh-CN" altLang="en-US">
+                    <a:noFill/>
+                  </a:rPr>
+                  <a:t> </a:t>
+                </a:r>
+              </a:p>
+            </p:txBody>
+          </p:sp>
+        </mc:Fallback>
+      </mc:AlternateContent>
+      <p:sp>
+        <p:nvSpPr>
+          <p:cNvPr id="71" name="右大括号 70">
+            <a:extLst>
+              <a:ext uri="{FF2B5EF4-FFF2-40B4-BE49-F238E27FC236}">
+                <a16:creationId xmlns:a16="http://schemas.microsoft.com/office/drawing/2014/main" id="{744B7641-02EB-CC81-4669-4CBFB93E2A57}"/>
+              </a:ext>
+            </a:extLst>
+          </p:cNvPr>
+          <p:cNvSpPr/>
+          <p:nvPr/>
+        </p:nvSpPr>
+        <p:spPr>
+          <a:xfrm rot="16200000">
+            <a:off x="6592383" y="2559764"/>
+            <a:ext cx="45719" cy="1057481"/>
+          </a:xfrm>
+          <a:custGeom>
+            <a:avLst/>
+            <a:gdLst>
+              <a:gd name="connsiteX0" fmla="*/ 0 w 45719"/>
+              <a:gd name="connsiteY0" fmla="*/ 0 h 1057481"/>
+              <a:gd name="connsiteX1" fmla="*/ 22860 w 45719"/>
+              <a:gd name="connsiteY1" fmla="*/ 3810 h 1057481"/>
+              <a:gd name="connsiteX2" fmla="*/ 22860 w 45719"/>
+              <a:gd name="connsiteY2" fmla="*/ 524931 h 1057481"/>
+              <a:gd name="connsiteX3" fmla="*/ 45720 w 45719"/>
+              <a:gd name="connsiteY3" fmla="*/ 528741 h 1057481"/>
+              <a:gd name="connsiteX4" fmla="*/ 22860 w 45719"/>
+              <a:gd name="connsiteY4" fmla="*/ 532551 h 1057481"/>
+              <a:gd name="connsiteX5" fmla="*/ 22860 w 45719"/>
+              <a:gd name="connsiteY5" fmla="*/ 1053671 h 1057481"/>
+              <a:gd name="connsiteX6" fmla="*/ 0 w 45719"/>
+              <a:gd name="connsiteY6" fmla="*/ 1057481 h 1057481"/>
+              <a:gd name="connsiteX7" fmla="*/ 0 w 45719"/>
+              <a:gd name="connsiteY7" fmla="*/ 507591 h 1057481"/>
+              <a:gd name="connsiteX8" fmla="*/ 0 w 45719"/>
+              <a:gd name="connsiteY8" fmla="*/ 0 h 1057481"/>
+              <a:gd name="connsiteX0" fmla="*/ 0 w 45719"/>
+              <a:gd name="connsiteY0" fmla="*/ 0 h 1057481"/>
+              <a:gd name="connsiteX1" fmla="*/ 22860 w 45719"/>
+              <a:gd name="connsiteY1" fmla="*/ 3810 h 1057481"/>
+              <a:gd name="connsiteX2" fmla="*/ 22860 w 45719"/>
+              <a:gd name="connsiteY2" fmla="*/ 524931 h 1057481"/>
+              <a:gd name="connsiteX3" fmla="*/ 45720 w 45719"/>
+              <a:gd name="connsiteY3" fmla="*/ 528741 h 1057481"/>
+              <a:gd name="connsiteX4" fmla="*/ 22860 w 45719"/>
+              <a:gd name="connsiteY4" fmla="*/ 532551 h 1057481"/>
+              <a:gd name="connsiteX5" fmla="*/ 22860 w 45719"/>
+              <a:gd name="connsiteY5" fmla="*/ 1053671 h 1057481"/>
+              <a:gd name="connsiteX6" fmla="*/ 0 w 45719"/>
+              <a:gd name="connsiteY6" fmla="*/ 1057481 h 1057481"/>
+            </a:gdLst>
+            <a:ahLst/>
+            <a:cxnLst>
+              <a:cxn ang="0">
+                <a:pos x="connsiteX0" y="connsiteY0"/>
+              </a:cxn>
+              <a:cxn ang="0">
+                <a:pos x="connsiteX1" y="connsiteY1"/>
+              </a:cxn>
+              <a:cxn ang="0">
+                <a:pos x="connsiteX2" y="connsiteY2"/>
+              </a:cxn>
+              <a:cxn ang="0">
+                <a:pos x="connsiteX3" y="connsiteY3"/>
+              </a:cxn>
+              <a:cxn ang="0">
+                <a:pos x="connsiteX4" y="connsiteY4"/>
+              </a:cxn>
+              <a:cxn ang="0">
+                <a:pos x="connsiteX5" y="connsiteY5"/>
+              </a:cxn>
+              <a:cxn ang="0">
+                <a:pos x="connsiteX6" y="connsiteY6"/>
+              </a:cxn>
+            </a:cxnLst>
+            <a:rect l="l" t="t" r="r" b="b"/>
+            <a:pathLst>
+              <a:path w="45719" h="1057481" stroke="0" extrusionOk="0">
+                <a:moveTo>
+                  <a:pt x="0" y="0"/>
+                </a:moveTo>
+                <a:cubicBezTo>
+                  <a:pt x="12337" y="-178"/>
+                  <a:pt x="22371" y="1889"/>
+                  <a:pt x="22860" y="3810"/>
+                </a:cubicBezTo>
+                <a:cubicBezTo>
+                  <a:pt x="14779" y="147732"/>
+                  <a:pt x="1221" y="331687"/>
+                  <a:pt x="22860" y="524931"/>
+                </a:cubicBezTo>
+                <a:cubicBezTo>
+                  <a:pt x="22559" y="526806"/>
+                  <a:pt x="31969" y="531053"/>
+                  <a:pt x="45720" y="528741"/>
+                </a:cubicBezTo>
+                <a:cubicBezTo>
+                  <a:pt x="33098" y="528986"/>
+                  <a:pt x="22738" y="530054"/>
+                  <a:pt x="22860" y="532551"/>
+                </a:cubicBezTo>
+                <a:cubicBezTo>
+                  <a:pt x="41661" y="728214"/>
+                  <a:pt x="14107" y="850973"/>
+                  <a:pt x="22860" y="1053671"/>
+                </a:cubicBezTo>
+                <a:cubicBezTo>
+                  <a:pt x="21687" y="1056880"/>
+                  <a:pt x="12535" y="1056620"/>
+                  <a:pt x="0" y="1057481"/>
+                </a:cubicBezTo>
+                <a:cubicBezTo>
+                  <a:pt x="-4590" y="856790"/>
+                  <a:pt x="22230" y="650573"/>
+                  <a:pt x="0" y="507591"/>
+                </a:cubicBezTo>
+                <a:cubicBezTo>
+                  <a:pt x="-22230" y="364609"/>
+                  <a:pt x="-17277" y="226289"/>
+                  <a:pt x="0" y="0"/>
+                </a:cubicBezTo>
+                <a:close/>
+              </a:path>
+              <a:path w="45719" h="1057481" fill="none" extrusionOk="0">
+                <a:moveTo>
+                  <a:pt x="0" y="0"/>
+                </a:moveTo>
+                <a:cubicBezTo>
+                  <a:pt x="12944" y="261"/>
+                  <a:pt x="23075" y="2026"/>
+                  <a:pt x="22860" y="3810"/>
+                </a:cubicBezTo>
+                <a:cubicBezTo>
+                  <a:pt x="47631" y="230383"/>
+                  <a:pt x="9600" y="345527"/>
+                  <a:pt x="22860" y="524931"/>
+                </a:cubicBezTo>
+                <a:cubicBezTo>
+                  <a:pt x="22088" y="526837"/>
+                  <a:pt x="34583" y="526894"/>
+                  <a:pt x="45720" y="528741"/>
+                </a:cubicBezTo>
+                <a:cubicBezTo>
+                  <a:pt x="32774" y="528617"/>
+                  <a:pt x="22840" y="530397"/>
+                  <a:pt x="22860" y="532551"/>
+                </a:cubicBezTo>
+                <a:cubicBezTo>
+                  <a:pt x="1329" y="762709"/>
+                  <a:pt x="13136" y="844776"/>
+                  <a:pt x="22860" y="1053671"/>
+                </a:cubicBezTo>
+                <a:cubicBezTo>
+                  <a:pt x="22923" y="1054925"/>
+                  <a:pt x="12168" y="1057748"/>
+                  <a:pt x="0" y="1057481"/>
+                </a:cubicBezTo>
+              </a:path>
+            </a:pathLst>
+          </a:custGeom>
+          <a:ln w="12700">
+            <a:solidFill>
+              <a:schemeClr val="tx1"/>
+            </a:solidFill>
+            <a:extLst>
+              <a:ext uri="{C807C97D-BFC1-408E-A445-0C87EB9F89A2}">
+                <ask:lineSketchStyleProps xmlns:ask="http://schemas.microsoft.com/office/drawing/2018/sketchyshapes" sd="1219033472">
+                  <a:prstGeom prst="rightBrace">
+                    <a:avLst/>
+                  </a:prstGeom>
+                  <ask:type>
+                    <ask:lineSketchFreehand/>
+                  </ask:type>
+                </ask:lineSketchStyleProps>
+              </a:ext>
+            </a:extLst>
+          </a:ln>
+        </p:spPr>
+        <p:style>
+          <a:lnRef idx="1">
+            <a:schemeClr val="accent1"/>
+          </a:lnRef>
+          <a:fillRef idx="0">
+            <a:schemeClr val="accent1"/>
+          </a:fillRef>
+          <a:effectRef idx="0">
+            <a:schemeClr val="accent1"/>
+          </a:effectRef>
+          <a:fontRef idx="minor">
+            <a:schemeClr val="tx1"/>
+          </a:fontRef>
+        </p:style>
+        <p:txBody>
+          <a:bodyPr rtlCol="0" anchor="ctr"/>
+          <a:lstStyle/>
+          <a:p>
+            <a:pPr algn="ctr"/>
+            <a:endParaRPr lang="zh-CN" altLang="en-US"/>
+          </a:p>
+        </p:txBody>
+      </p:sp>
+      <mc:AlternateContent xmlns:mc="http://schemas.openxmlformats.org/markup-compatibility/2006">
+        <mc:Choice xmlns:a14="http://schemas.microsoft.com/office/drawing/2010/main" Requires="a14">
+          <p:sp>
+            <p:nvSpPr>
+              <p:cNvPr id="72" name="文本框 71">
+                <a:extLst>
+                  <a:ext uri="{FF2B5EF4-FFF2-40B4-BE49-F238E27FC236}">
+                    <a16:creationId xmlns:a16="http://schemas.microsoft.com/office/drawing/2014/main" id="{33403410-31F3-5981-89B2-067B7598044E}"/>
+                  </a:ext>
+                </a:extLst>
+              </p:cNvPr>
+              <p:cNvSpPr txBox="1"/>
+              <p:nvPr/>
+            </p:nvSpPr>
+            <p:spPr>
+              <a:xfrm>
+                <a:off x="6459060" y="2845701"/>
+                <a:ext cx="416076" cy="266868"/>
+              </a:xfrm>
+              <a:prstGeom prst="rect">
+                <a:avLst/>
+              </a:prstGeom>
+              <a:noFill/>
+            </p:spPr>
+            <p:txBody>
+              <a:bodyPr wrap="square" rtlCol="0">
+                <a:spAutoFit/>
+              </a:bodyPr>
+              <a:lstStyle/>
+              <a:p>
+                <a:pPr/>
+                <a14:m>
+                  <m:oMathPara xmlns:m="http://schemas.openxmlformats.org/officeDocument/2006/math">
+                    <m:oMathParaPr>
+                      <m:jc m:val="centerGroup"/>
+                    </m:oMathParaPr>
+                    <m:oMath xmlns:m="http://schemas.openxmlformats.org/officeDocument/2006/math">
+                      <m:sSub>
+                        <m:sSubPr>
+                          <m:ctrlPr>
+                            <a:rPr lang="en-US" altLang="zh-CN" sz="1050" b="0" i="1" smtClean="0">
+                              <a:solidFill>
+                                <a:schemeClr val="tx1"/>
+                              </a:solidFill>
+                              <a:latin typeface="Cambria Math" panose="02040503050406030204" pitchFamily="18" charset="0"/>
+                            </a:rPr>
+                          </m:ctrlPr>
+                        </m:sSubPr>
+                        <m:e>
+                          <m:r>
+                            <a:rPr lang="en-US" altLang="zh-CN" sz="1050" b="0" i="1" smtClean="0">
+                              <a:solidFill>
+                                <a:schemeClr val="tx1"/>
+                              </a:solidFill>
+                              <a:latin typeface="Cambria Math" panose="02040503050406030204" pitchFamily="18" charset="0"/>
+                            </a:rPr>
+                            <m:t>𝑋</m:t>
+                          </m:r>
+                        </m:e>
+                        <m:sub>
+                          <m:r>
+                            <a:rPr lang="en-US" altLang="zh-CN" sz="1050" b="0" i="1" smtClean="0">
+                              <a:solidFill>
+                                <a:schemeClr val="tx1"/>
+                              </a:solidFill>
+                              <a:latin typeface="Cambria Math" panose="02040503050406030204" pitchFamily="18" charset="0"/>
+                            </a:rPr>
+                            <m:t>𝑓𝐿</m:t>
+                          </m:r>
+                        </m:sub>
+                      </m:sSub>
+                    </m:oMath>
+                  </m:oMathPara>
+                </a14:m>
+                <a:endParaRPr lang="zh-CN" altLang="en-US" sz="1050" dirty="0">
+                  <a:solidFill>
+                    <a:schemeClr val="tx1"/>
+                  </a:solidFill>
+                </a:endParaRPr>
+              </a:p>
+            </p:txBody>
+          </p:sp>
+        </mc:Choice>
+        <mc:Fallback>
+          <p:sp>
+            <p:nvSpPr>
+              <p:cNvPr id="72" name="文本框 71">
+                <a:extLst>
+                  <a:ext uri="{FF2B5EF4-FFF2-40B4-BE49-F238E27FC236}">
+                    <a16:creationId xmlns:a16="http://schemas.microsoft.com/office/drawing/2014/main" id="{33403410-31F3-5981-89B2-067B7598044E}"/>
+                  </a:ext>
+                </a:extLst>
+              </p:cNvPr>
+              <p:cNvSpPr txBox="1">
+                <a:spLocks noRot="1" noChangeAspect="1" noMove="1" noResize="1" noEditPoints="1" noAdjustHandles="1" noChangeArrowheads="1" noChangeShapeType="1" noTextEdit="1"/>
+              </p:cNvSpPr>
+              <p:nvPr/>
+            </p:nvSpPr>
+            <p:spPr>
+              <a:xfrm>
+                <a:off x="6459060" y="2845701"/>
+                <a:ext cx="416076" cy="266868"/>
+              </a:xfrm>
+              <a:prstGeom prst="rect">
+                <a:avLst/>
+              </a:prstGeom>
+              <a:blipFill>
+                <a:blip r:embed="rId27"/>
+                <a:stretch>
+                  <a:fillRect/>
+                </a:stretch>
+              </a:blipFill>
+            </p:spPr>
+            <p:txBody>
+              <a:bodyPr/>
+              <a:lstStyle/>
+              <a:p>
+                <a:r>
+                  <a:rPr lang="zh-CN" altLang="en-US">
+                    <a:noFill/>
+                  </a:rPr>
+                  <a:t> </a:t>
+                </a:r>
+              </a:p>
+            </p:txBody>
+          </p:sp>
+        </mc:Fallback>
+      </mc:AlternateContent>
+      <p:sp>
+        <p:nvSpPr>
+          <p:cNvPr id="73" name="右大括号 72">
+            <a:extLst>
+              <a:ext uri="{FF2B5EF4-FFF2-40B4-BE49-F238E27FC236}">
+                <a16:creationId xmlns:a16="http://schemas.microsoft.com/office/drawing/2014/main" id="{A8448002-ADDC-470D-B6C8-190BE5C84A3E}"/>
+              </a:ext>
+            </a:extLst>
+          </p:cNvPr>
+          <p:cNvSpPr/>
+          <p:nvPr/>
+        </p:nvSpPr>
+        <p:spPr>
+          <a:xfrm rot="5400000">
+            <a:off x="3091021" y="2846825"/>
+            <a:ext cx="45719" cy="1311378"/>
+          </a:xfrm>
+          <a:custGeom>
+            <a:avLst/>
+            <a:gdLst>
+              <a:gd name="connsiteX0" fmla="*/ 0 w 45719"/>
+              <a:gd name="connsiteY0" fmla="*/ 0 h 1311378"/>
+              <a:gd name="connsiteX1" fmla="*/ 22860 w 45719"/>
+              <a:gd name="connsiteY1" fmla="*/ 3810 h 1311378"/>
+              <a:gd name="connsiteX2" fmla="*/ 22860 w 45719"/>
+              <a:gd name="connsiteY2" fmla="*/ 651879 h 1311378"/>
+              <a:gd name="connsiteX3" fmla="*/ 45720 w 45719"/>
+              <a:gd name="connsiteY3" fmla="*/ 655689 h 1311378"/>
+              <a:gd name="connsiteX4" fmla="*/ 22860 w 45719"/>
+              <a:gd name="connsiteY4" fmla="*/ 659499 h 1311378"/>
+              <a:gd name="connsiteX5" fmla="*/ 22860 w 45719"/>
+              <a:gd name="connsiteY5" fmla="*/ 1307568 h 1311378"/>
+              <a:gd name="connsiteX6" fmla="*/ 0 w 45719"/>
+              <a:gd name="connsiteY6" fmla="*/ 1311378 h 1311378"/>
+              <a:gd name="connsiteX7" fmla="*/ 0 w 45719"/>
+              <a:gd name="connsiteY7" fmla="*/ 629461 h 1311378"/>
+              <a:gd name="connsiteX8" fmla="*/ 0 w 45719"/>
+              <a:gd name="connsiteY8" fmla="*/ 0 h 1311378"/>
+              <a:gd name="connsiteX0" fmla="*/ 0 w 45719"/>
+              <a:gd name="connsiteY0" fmla="*/ 0 h 1311378"/>
+              <a:gd name="connsiteX1" fmla="*/ 22860 w 45719"/>
+              <a:gd name="connsiteY1" fmla="*/ 3810 h 1311378"/>
+              <a:gd name="connsiteX2" fmla="*/ 22860 w 45719"/>
+              <a:gd name="connsiteY2" fmla="*/ 651879 h 1311378"/>
+              <a:gd name="connsiteX3" fmla="*/ 45720 w 45719"/>
+              <a:gd name="connsiteY3" fmla="*/ 655689 h 1311378"/>
+              <a:gd name="connsiteX4" fmla="*/ 22860 w 45719"/>
+              <a:gd name="connsiteY4" fmla="*/ 659499 h 1311378"/>
+              <a:gd name="connsiteX5" fmla="*/ 22860 w 45719"/>
+              <a:gd name="connsiteY5" fmla="*/ 1307568 h 1311378"/>
+              <a:gd name="connsiteX6" fmla="*/ 0 w 45719"/>
+              <a:gd name="connsiteY6" fmla="*/ 1311378 h 1311378"/>
+            </a:gdLst>
+            <a:ahLst/>
+            <a:cxnLst>
+              <a:cxn ang="0">
+                <a:pos x="connsiteX0" y="connsiteY0"/>
+              </a:cxn>
+              <a:cxn ang="0">
+                <a:pos x="connsiteX1" y="connsiteY1"/>
+              </a:cxn>
+              <a:cxn ang="0">
+                <a:pos x="connsiteX2" y="connsiteY2"/>
+              </a:cxn>
+              <a:cxn ang="0">
+                <a:pos x="connsiteX3" y="connsiteY3"/>
+              </a:cxn>
+              <a:cxn ang="0">
+                <a:pos x="connsiteX4" y="connsiteY4"/>
+              </a:cxn>
+              <a:cxn ang="0">
+                <a:pos x="connsiteX5" y="connsiteY5"/>
+              </a:cxn>
+              <a:cxn ang="0">
+                <a:pos x="connsiteX6" y="connsiteY6"/>
+              </a:cxn>
+            </a:cxnLst>
+            <a:rect l="l" t="t" r="r" b="b"/>
+            <a:pathLst>
+              <a:path w="45719" h="1311378" stroke="0" extrusionOk="0">
+                <a:moveTo>
+                  <a:pt x="0" y="0"/>
+                </a:moveTo>
+                <a:cubicBezTo>
+                  <a:pt x="12337" y="-178"/>
+                  <a:pt x="22371" y="1889"/>
+                  <a:pt x="22860" y="3810"/>
+                </a:cubicBezTo>
+                <a:cubicBezTo>
+                  <a:pt x="4511" y="281708"/>
+                  <a:pt x="15868" y="371744"/>
+                  <a:pt x="22860" y="651879"/>
+                </a:cubicBezTo>
+                <a:cubicBezTo>
+                  <a:pt x="22559" y="653754"/>
+                  <a:pt x="31969" y="658001"/>
+                  <a:pt x="45720" y="655689"/>
+                </a:cubicBezTo>
+                <a:cubicBezTo>
+                  <a:pt x="33098" y="655934"/>
+                  <a:pt x="22738" y="657002"/>
+                  <a:pt x="22860" y="659499"/>
+                </a:cubicBezTo>
+                <a:cubicBezTo>
+                  <a:pt x="22166" y="822071"/>
+                  <a:pt x="7704" y="1166915"/>
+                  <a:pt x="22860" y="1307568"/>
+                </a:cubicBezTo>
+                <a:cubicBezTo>
+                  <a:pt x="21687" y="1310777"/>
+                  <a:pt x="12535" y="1310517"/>
+                  <a:pt x="0" y="1311378"/>
+                </a:cubicBezTo>
+                <a:cubicBezTo>
+                  <a:pt x="5723" y="1053773"/>
+                  <a:pt x="-24496" y="912964"/>
+                  <a:pt x="0" y="629461"/>
+                </a:cubicBezTo>
+                <a:cubicBezTo>
+                  <a:pt x="24496" y="345958"/>
+                  <a:pt x="9558" y="135705"/>
+                  <a:pt x="0" y="0"/>
+                </a:cubicBezTo>
+                <a:close/>
+              </a:path>
+              <a:path w="45719" h="1311378" fill="none" extrusionOk="0">
+                <a:moveTo>
+                  <a:pt x="0" y="0"/>
+                </a:moveTo>
+                <a:cubicBezTo>
+                  <a:pt x="12944" y="261"/>
+                  <a:pt x="23075" y="2026"/>
+                  <a:pt x="22860" y="3810"/>
+                </a:cubicBezTo>
+                <a:cubicBezTo>
+                  <a:pt x="50573" y="138610"/>
+                  <a:pt x="18442" y="403677"/>
+                  <a:pt x="22860" y="651879"/>
+                </a:cubicBezTo>
+                <a:cubicBezTo>
+                  <a:pt x="22088" y="653785"/>
+                  <a:pt x="34583" y="653842"/>
+                  <a:pt x="45720" y="655689"/>
+                </a:cubicBezTo>
+                <a:cubicBezTo>
+                  <a:pt x="32774" y="655565"/>
+                  <a:pt x="22840" y="657345"/>
+                  <a:pt x="22860" y="659499"/>
+                </a:cubicBezTo>
+                <a:cubicBezTo>
+                  <a:pt x="24764" y="889358"/>
+                  <a:pt x="24077" y="1166788"/>
+                  <a:pt x="22860" y="1307568"/>
+                </a:cubicBezTo>
+                <a:cubicBezTo>
+                  <a:pt x="22923" y="1308822"/>
+                  <a:pt x="12168" y="1311645"/>
+                  <a:pt x="0" y="1311378"/>
+                </a:cubicBezTo>
+              </a:path>
+            </a:pathLst>
+          </a:custGeom>
+          <a:ln w="12700">
+            <a:solidFill>
+              <a:srgbClr val="C00000"/>
+            </a:solidFill>
+            <a:extLst>
+              <a:ext uri="{C807C97D-BFC1-408E-A445-0C87EB9F89A2}">
+                <ask:lineSketchStyleProps xmlns:ask="http://schemas.microsoft.com/office/drawing/2018/sketchyshapes" sd="1219033472">
+                  <a:prstGeom prst="rightBrace">
+                    <a:avLst/>
+                  </a:prstGeom>
+                  <ask:type>
+                    <ask:lineSketchFreehand/>
+                  </ask:type>
+                </ask:lineSketchStyleProps>
+              </a:ext>
+            </a:extLst>
+          </a:ln>
+        </p:spPr>
+        <p:style>
+          <a:lnRef idx="1">
+            <a:schemeClr val="accent1"/>
+          </a:lnRef>
+          <a:fillRef idx="0">
+            <a:schemeClr val="accent1"/>
+          </a:fillRef>
+          <a:effectRef idx="0">
+            <a:schemeClr val="accent1"/>
+          </a:effectRef>
+          <a:fontRef idx="minor">
+            <a:schemeClr val="tx1"/>
+          </a:fontRef>
+        </p:style>
+        <p:txBody>
+          <a:bodyPr rtlCol="0" anchor="ctr"/>
+          <a:lstStyle/>
+          <a:p>
+            <a:pPr algn="ctr"/>
+            <a:endParaRPr lang="zh-CN" altLang="en-US"/>
+          </a:p>
+        </p:txBody>
+      </p:sp>
+      <mc:AlternateContent xmlns:mc="http://schemas.openxmlformats.org/markup-compatibility/2006">
+        <mc:Choice xmlns:a14="http://schemas.microsoft.com/office/drawing/2010/main" Requires="a14">
+          <p:sp>
+            <p:nvSpPr>
+              <p:cNvPr id="75" name="文本框 74">
+                <a:extLst>
+                  <a:ext uri="{FF2B5EF4-FFF2-40B4-BE49-F238E27FC236}">
+                    <a16:creationId xmlns:a16="http://schemas.microsoft.com/office/drawing/2014/main" id="{D086B614-2B2A-D7F5-BD9D-666967DF665C}"/>
+                  </a:ext>
+                </a:extLst>
+              </p:cNvPr>
+              <p:cNvSpPr txBox="1"/>
+              <p:nvPr/>
+            </p:nvSpPr>
+            <p:spPr>
+              <a:xfrm>
+                <a:off x="2408780" y="3507044"/>
+                <a:ext cx="1442382" cy="325025"/>
+              </a:xfrm>
+              <a:prstGeom prst="rect">
+                <a:avLst/>
+              </a:prstGeom>
+              <a:noFill/>
+            </p:spPr>
+            <p:txBody>
+              <a:bodyPr wrap="none" rtlCol="0">
+                <a:spAutoFit/>
+              </a:bodyPr>
+              <a:lstStyle/>
+              <a:p>
+                <a:pPr/>
+                <a14:m>
+                  <m:oMathPara xmlns:m="http://schemas.openxmlformats.org/officeDocument/2006/math">
+                    <m:oMathParaPr>
+                      <m:jc m:val="centerGroup"/>
+                    </m:oMathParaPr>
+                    <m:oMath xmlns:m="http://schemas.openxmlformats.org/officeDocument/2006/math">
+                      <m:r>
+                        <a:rPr lang="en-US" altLang="zh-CN" sz="1400" i="1" dirty="0" smtClean="0">
+                          <a:solidFill>
+                            <a:srgbClr val="C00000"/>
+                          </a:solidFill>
+                          <a:latin typeface="Cambria Math" panose="02040503050406030204" pitchFamily="18" charset="0"/>
+                        </a:rPr>
+                        <m:t>𝑏</m:t>
+                      </m:r>
+                      <m:r>
+                        <a:rPr lang="en-US" altLang="zh-CN" sz="1400" b="0" i="1" dirty="0" smtClean="0">
+                          <a:solidFill>
+                            <a:srgbClr val="C00000"/>
+                          </a:solidFill>
+                          <a:latin typeface="Cambria Math" panose="02040503050406030204" pitchFamily="18" charset="0"/>
+                        </a:rPr>
+                        <m:t>−(</m:t>
+                      </m:r>
+                      <m:sSub>
+                        <m:sSubPr>
+                          <m:ctrlPr>
+                            <a:rPr lang="en-US" altLang="zh-CN" sz="1400" b="0" i="1" dirty="0" smtClean="0">
+                              <a:solidFill>
+                                <a:srgbClr val="C00000"/>
+                              </a:solidFill>
+                              <a:latin typeface="Cambria Math" panose="02040503050406030204" pitchFamily="18" charset="0"/>
+                            </a:rPr>
+                          </m:ctrlPr>
+                        </m:sSubPr>
+                        <m:e>
+                          <m:r>
+                            <a:rPr lang="en-US" altLang="zh-CN" sz="1400" b="0" i="1" dirty="0" smtClean="0">
+                              <a:solidFill>
+                                <a:srgbClr val="C00000"/>
+                              </a:solidFill>
+                              <a:latin typeface="Cambria Math" panose="02040503050406030204" pitchFamily="18" charset="0"/>
+                            </a:rPr>
+                            <m:t>𝑋</m:t>
+                          </m:r>
+                        </m:e>
+                        <m:sub>
+                          <m:r>
+                            <a:rPr lang="en-US" altLang="zh-CN" sz="1400" b="0" i="1" dirty="0" smtClean="0">
+                              <a:solidFill>
+                                <a:srgbClr val="C00000"/>
+                              </a:solidFill>
+                              <a:latin typeface="Cambria Math" panose="02040503050406030204" pitchFamily="18" charset="0"/>
+                            </a:rPr>
+                            <m:t>𝑓𝐿</m:t>
+                          </m:r>
+                        </m:sub>
+                      </m:sSub>
+                      <m:r>
+                        <a:rPr lang="en-US" altLang="zh-CN" sz="1400" b="0" i="1" dirty="0" smtClean="0">
+                          <a:solidFill>
+                            <a:srgbClr val="C00000"/>
+                          </a:solidFill>
+                          <a:latin typeface="Cambria Math" panose="02040503050406030204" pitchFamily="18" charset="0"/>
+                        </a:rPr>
+                        <m:t>−</m:t>
+                      </m:r>
+                      <m:sSub>
+                        <m:sSubPr>
+                          <m:ctrlPr>
+                            <a:rPr lang="en-US" altLang="zh-CN" sz="1400" b="0" i="1" dirty="0" smtClean="0">
+                              <a:solidFill>
+                                <a:srgbClr val="C00000"/>
+                              </a:solidFill>
+                              <a:latin typeface="Cambria Math" panose="02040503050406030204" pitchFamily="18" charset="0"/>
+                            </a:rPr>
+                          </m:ctrlPr>
+                        </m:sSubPr>
+                        <m:e>
+                          <m:r>
+                            <a:rPr lang="en-US" altLang="zh-CN" sz="1400" b="0" i="1" dirty="0" smtClean="0">
+                              <a:solidFill>
+                                <a:srgbClr val="C00000"/>
+                              </a:solidFill>
+                              <a:latin typeface="Cambria Math" panose="02040503050406030204" pitchFamily="18" charset="0"/>
+                            </a:rPr>
+                            <m:t>𝑋</m:t>
+                          </m:r>
+                        </m:e>
+                        <m:sub>
+                          <m:r>
+                            <a:rPr lang="en-US" altLang="zh-CN" sz="1400" b="0" i="1" dirty="0" smtClean="0">
+                              <a:solidFill>
+                                <a:srgbClr val="C00000"/>
+                              </a:solidFill>
+                              <a:latin typeface="Cambria Math" panose="02040503050406030204" pitchFamily="18" charset="0"/>
+                            </a:rPr>
+                            <m:t>𝑓𝑅</m:t>
+                          </m:r>
+                        </m:sub>
+                      </m:sSub>
+                      <m:r>
+                        <a:rPr lang="en-US" altLang="zh-CN" sz="1400" b="0" i="1" dirty="0" smtClean="0">
+                          <a:solidFill>
+                            <a:srgbClr val="C00000"/>
+                          </a:solidFill>
+                          <a:latin typeface="Cambria Math" panose="02040503050406030204" pitchFamily="18" charset="0"/>
+                        </a:rPr>
+                        <m:t>)</m:t>
+                      </m:r>
+                    </m:oMath>
+                  </m:oMathPara>
+                </a14:m>
+                <a:endParaRPr lang="zh-CN" altLang="en-US" sz="1400" dirty="0">
+                  <a:solidFill>
+                    <a:srgbClr val="C00000"/>
+                  </a:solidFill>
+                </a:endParaRPr>
+              </a:p>
+            </p:txBody>
+          </p:sp>
+        </mc:Choice>
+        <mc:Fallback>
+          <p:sp>
+            <p:nvSpPr>
+              <p:cNvPr id="75" name="文本框 74">
+                <a:extLst>
+                  <a:ext uri="{FF2B5EF4-FFF2-40B4-BE49-F238E27FC236}">
+                    <a16:creationId xmlns:a16="http://schemas.microsoft.com/office/drawing/2014/main" id="{D086B614-2B2A-D7F5-BD9D-666967DF665C}"/>
+                  </a:ext>
+                </a:extLst>
+              </p:cNvPr>
+              <p:cNvSpPr txBox="1">
+                <a:spLocks noRot="1" noChangeAspect="1" noMove="1" noResize="1" noEditPoints="1" noAdjustHandles="1" noChangeArrowheads="1" noChangeShapeType="1" noTextEdit="1"/>
+              </p:cNvSpPr>
+              <p:nvPr/>
+            </p:nvSpPr>
+            <p:spPr>
+              <a:xfrm>
+                <a:off x="2408780" y="3507044"/>
+                <a:ext cx="1442382" cy="325025"/>
+              </a:xfrm>
+              <a:prstGeom prst="rect">
+                <a:avLst/>
+              </a:prstGeom>
+              <a:blipFill>
+                <a:blip r:embed="rId28"/>
+                <a:stretch>
+                  <a:fillRect b="-1852"/>
+                </a:stretch>
+              </a:blipFill>
+            </p:spPr>
+            <p:txBody>
+              <a:bodyPr/>
+              <a:lstStyle/>
+              <a:p>
+                <a:r>
+                  <a:rPr lang="zh-CN" altLang="en-US">
+                    <a:noFill/>
+                  </a:rPr>
+                  <a:t> </a:t>
+                </a:r>
+              </a:p>
+            </p:txBody>
+          </p:sp>
+        </mc:Fallback>
+      </mc:AlternateContent>
+      <p:sp>
+        <p:nvSpPr>
+          <p:cNvPr id="76" name="右大括号 75">
+            <a:extLst>
+              <a:ext uri="{FF2B5EF4-FFF2-40B4-BE49-F238E27FC236}">
+                <a16:creationId xmlns:a16="http://schemas.microsoft.com/office/drawing/2014/main" id="{9078A91D-3745-847E-0930-61C6D722A493}"/>
+              </a:ext>
+            </a:extLst>
+          </p:cNvPr>
+          <p:cNvSpPr/>
+          <p:nvPr/>
+        </p:nvSpPr>
+        <p:spPr>
+          <a:xfrm rot="5400000">
+            <a:off x="7867851" y="2918843"/>
+            <a:ext cx="45719" cy="1442381"/>
+          </a:xfrm>
+          <a:custGeom>
+            <a:avLst/>
+            <a:gdLst>
+              <a:gd name="connsiteX0" fmla="*/ 0 w 45719"/>
+              <a:gd name="connsiteY0" fmla="*/ 0 h 1442381"/>
+              <a:gd name="connsiteX1" fmla="*/ 22860 w 45719"/>
+              <a:gd name="connsiteY1" fmla="*/ 3810 h 1442381"/>
+              <a:gd name="connsiteX2" fmla="*/ 22860 w 45719"/>
+              <a:gd name="connsiteY2" fmla="*/ 374867 h 1442381"/>
+              <a:gd name="connsiteX3" fmla="*/ 22860 w 45719"/>
+              <a:gd name="connsiteY3" fmla="*/ 717381 h 1442381"/>
+              <a:gd name="connsiteX4" fmla="*/ 45720 w 45719"/>
+              <a:gd name="connsiteY4" fmla="*/ 721191 h 1442381"/>
+              <a:gd name="connsiteX5" fmla="*/ 22860 w 45719"/>
+              <a:gd name="connsiteY5" fmla="*/ 725001 h 1442381"/>
+              <a:gd name="connsiteX6" fmla="*/ 22860 w 45719"/>
+              <a:gd name="connsiteY6" fmla="*/ 1067515 h 1442381"/>
+              <a:gd name="connsiteX7" fmla="*/ 22860 w 45719"/>
+              <a:gd name="connsiteY7" fmla="*/ 1438571 h 1442381"/>
+              <a:gd name="connsiteX8" fmla="*/ 0 w 45719"/>
+              <a:gd name="connsiteY8" fmla="*/ 1442381 h 1442381"/>
+              <a:gd name="connsiteX9" fmla="*/ 0 w 45719"/>
+              <a:gd name="connsiteY9" fmla="*/ 932740 h 1442381"/>
+              <a:gd name="connsiteX10" fmla="*/ 0 w 45719"/>
+              <a:gd name="connsiteY10" fmla="*/ 437522 h 1442381"/>
+              <a:gd name="connsiteX11" fmla="*/ 0 w 45719"/>
+              <a:gd name="connsiteY11" fmla="*/ 0 h 1442381"/>
+              <a:gd name="connsiteX0" fmla="*/ 0 w 45719"/>
+              <a:gd name="connsiteY0" fmla="*/ 0 h 1442381"/>
+              <a:gd name="connsiteX1" fmla="*/ 22860 w 45719"/>
+              <a:gd name="connsiteY1" fmla="*/ 3810 h 1442381"/>
+              <a:gd name="connsiteX2" fmla="*/ 22860 w 45719"/>
+              <a:gd name="connsiteY2" fmla="*/ 374867 h 1442381"/>
+              <a:gd name="connsiteX3" fmla="*/ 22860 w 45719"/>
+              <a:gd name="connsiteY3" fmla="*/ 717381 h 1442381"/>
+              <a:gd name="connsiteX4" fmla="*/ 45720 w 45719"/>
+              <a:gd name="connsiteY4" fmla="*/ 721191 h 1442381"/>
+              <a:gd name="connsiteX5" fmla="*/ 22860 w 45719"/>
+              <a:gd name="connsiteY5" fmla="*/ 725001 h 1442381"/>
+              <a:gd name="connsiteX6" fmla="*/ 22860 w 45719"/>
+              <a:gd name="connsiteY6" fmla="*/ 1067515 h 1442381"/>
+              <a:gd name="connsiteX7" fmla="*/ 22860 w 45719"/>
+              <a:gd name="connsiteY7" fmla="*/ 1438571 h 1442381"/>
+              <a:gd name="connsiteX8" fmla="*/ 0 w 45719"/>
+              <a:gd name="connsiteY8" fmla="*/ 1442381 h 1442381"/>
+            </a:gdLst>
+            <a:ahLst/>
+            <a:cxnLst>
+              <a:cxn ang="0">
+                <a:pos x="connsiteX0" y="connsiteY0"/>
+              </a:cxn>
+              <a:cxn ang="0">
+                <a:pos x="connsiteX1" y="connsiteY1"/>
+              </a:cxn>
+              <a:cxn ang="0">
+                <a:pos x="connsiteX2" y="connsiteY2"/>
+              </a:cxn>
+              <a:cxn ang="0">
+                <a:pos x="connsiteX3" y="connsiteY3"/>
+              </a:cxn>
+              <a:cxn ang="0">
+                <a:pos x="connsiteX4" y="connsiteY4"/>
+              </a:cxn>
+              <a:cxn ang="0">
+                <a:pos x="connsiteX5" y="connsiteY5"/>
+              </a:cxn>
+              <a:cxn ang="0">
+                <a:pos x="connsiteX6" y="connsiteY6"/>
+              </a:cxn>
+              <a:cxn ang="0">
+                <a:pos x="connsiteX7" y="connsiteY7"/>
+              </a:cxn>
+              <a:cxn ang="0">
+                <a:pos x="connsiteX8" y="connsiteY8"/>
+              </a:cxn>
+            </a:cxnLst>
+            <a:rect l="l" t="t" r="r" b="b"/>
+            <a:pathLst>
+              <a:path w="45719" h="1442381" stroke="0" extrusionOk="0">
+                <a:moveTo>
+                  <a:pt x="0" y="0"/>
+                </a:moveTo>
+                <a:cubicBezTo>
+                  <a:pt x="12337" y="-178"/>
+                  <a:pt x="22371" y="1889"/>
+                  <a:pt x="22860" y="3810"/>
+                </a:cubicBezTo>
+                <a:cubicBezTo>
+                  <a:pt x="26869" y="94938"/>
+                  <a:pt x="29109" y="295387"/>
+                  <a:pt x="22860" y="374867"/>
+                </a:cubicBezTo>
+                <a:cubicBezTo>
+                  <a:pt x="16611" y="454347"/>
+                  <a:pt x="17049" y="577492"/>
+                  <a:pt x="22860" y="717381"/>
+                </a:cubicBezTo>
+                <a:cubicBezTo>
+                  <a:pt x="21366" y="718668"/>
+                  <a:pt x="34429" y="721828"/>
+                  <a:pt x="45720" y="721191"/>
+                </a:cubicBezTo>
+                <a:cubicBezTo>
+                  <a:pt x="33613" y="721252"/>
+                  <a:pt x="22911" y="722793"/>
+                  <a:pt x="22860" y="725001"/>
+                </a:cubicBezTo>
+                <a:cubicBezTo>
+                  <a:pt x="34029" y="823942"/>
+                  <a:pt x="36270" y="917958"/>
+                  <a:pt x="22860" y="1067515"/>
+                </a:cubicBezTo>
+                <a:cubicBezTo>
+                  <a:pt x="9450" y="1217072"/>
+                  <a:pt x="37810" y="1362325"/>
+                  <a:pt x="22860" y="1438571"/>
+                </a:cubicBezTo>
+                <a:cubicBezTo>
+                  <a:pt x="24097" y="1441368"/>
+                  <a:pt x="13494" y="1442590"/>
+                  <a:pt x="0" y="1442381"/>
+                </a:cubicBezTo>
+                <a:cubicBezTo>
+                  <a:pt x="-24602" y="1274303"/>
+                  <a:pt x="-14101" y="1166651"/>
+                  <a:pt x="0" y="932740"/>
+                </a:cubicBezTo>
+                <a:cubicBezTo>
+                  <a:pt x="14101" y="698829"/>
+                  <a:pt x="-10269" y="627894"/>
+                  <a:pt x="0" y="437522"/>
+                </a:cubicBezTo>
+                <a:cubicBezTo>
+                  <a:pt x="10269" y="247150"/>
+                  <a:pt x="-943" y="128898"/>
+                  <a:pt x="0" y="0"/>
+                </a:cubicBezTo>
+                <a:close/>
+              </a:path>
+              <a:path w="45719" h="1442381" fill="none" extrusionOk="0">
+                <a:moveTo>
+                  <a:pt x="0" y="0"/>
+                </a:moveTo>
+                <a:cubicBezTo>
+                  <a:pt x="12365" y="-67"/>
+                  <a:pt x="23142" y="1355"/>
+                  <a:pt x="22860" y="3810"/>
+                </a:cubicBezTo>
+                <a:cubicBezTo>
+                  <a:pt x="18559" y="149599"/>
+                  <a:pt x="34805" y="269612"/>
+                  <a:pt x="22860" y="374867"/>
+                </a:cubicBezTo>
+                <a:cubicBezTo>
+                  <a:pt x="10915" y="480122"/>
+                  <a:pt x="9630" y="562316"/>
+                  <a:pt x="22860" y="717381"/>
+                </a:cubicBezTo>
+                <a:cubicBezTo>
+                  <a:pt x="22527" y="720738"/>
+                  <a:pt x="32811" y="720337"/>
+                  <a:pt x="45720" y="721191"/>
+                </a:cubicBezTo>
+                <a:cubicBezTo>
+                  <a:pt x="33496" y="721110"/>
+                  <a:pt x="23034" y="722925"/>
+                  <a:pt x="22860" y="725001"/>
+                </a:cubicBezTo>
+                <a:cubicBezTo>
+                  <a:pt x="17500" y="882788"/>
+                  <a:pt x="31508" y="897637"/>
+                  <a:pt x="22860" y="1067515"/>
+                </a:cubicBezTo>
+                <a:cubicBezTo>
+                  <a:pt x="14212" y="1237393"/>
+                  <a:pt x="8890" y="1362080"/>
+                  <a:pt x="22860" y="1438571"/>
+                </a:cubicBezTo>
+                <a:cubicBezTo>
+                  <a:pt x="22983" y="1441845"/>
+                  <a:pt x="13598" y="1442054"/>
+                  <a:pt x="0" y="1442381"/>
+                </a:cubicBezTo>
+              </a:path>
+            </a:pathLst>
+          </a:custGeom>
+          <a:ln w="12700">
+            <a:solidFill>
+              <a:srgbClr val="C00000"/>
+            </a:solidFill>
+            <a:extLst>
+              <a:ext uri="{C807C97D-BFC1-408E-A445-0C87EB9F89A2}">
+                <ask:lineSketchStyleProps xmlns:ask="http://schemas.microsoft.com/office/drawing/2018/sketchyshapes" sd="1219033472">
+                  <a:prstGeom prst="rightBrace">
+                    <a:avLst/>
+                  </a:prstGeom>
+                  <ask:type>
+                    <ask:lineSketchFreehand/>
+                  </ask:type>
+                </ask:lineSketchStyleProps>
+              </a:ext>
+            </a:extLst>
+          </a:ln>
+        </p:spPr>
+        <p:style>
+          <a:lnRef idx="1">
+            <a:schemeClr val="accent1"/>
+          </a:lnRef>
+          <a:fillRef idx="0">
+            <a:schemeClr val="accent1"/>
+          </a:fillRef>
+          <a:effectRef idx="0">
+            <a:schemeClr val="accent1"/>
+          </a:effectRef>
+          <a:fontRef idx="minor">
+            <a:schemeClr val="tx1"/>
+          </a:fontRef>
+        </p:style>
+        <p:txBody>
+          <a:bodyPr rtlCol="0" anchor="ctr"/>
+          <a:lstStyle/>
+          <a:p>
+            <a:pPr algn="ctr"/>
+            <a:endParaRPr lang="zh-CN" altLang="en-US"/>
+          </a:p>
+        </p:txBody>
+      </p:sp>
+      <mc:AlternateContent xmlns:mc="http://schemas.openxmlformats.org/markup-compatibility/2006">
+        <mc:Choice xmlns:a14="http://schemas.microsoft.com/office/drawing/2010/main" Requires="a14">
+          <p:sp>
+            <p:nvSpPr>
+              <p:cNvPr id="77" name="文本框 76">
+                <a:extLst>
+                  <a:ext uri="{FF2B5EF4-FFF2-40B4-BE49-F238E27FC236}">
+                    <a16:creationId xmlns:a16="http://schemas.microsoft.com/office/drawing/2014/main" id="{82BC9639-09AD-360D-9DF6-95B4E25D330E}"/>
+                  </a:ext>
+                </a:extLst>
+              </p:cNvPr>
+              <p:cNvSpPr txBox="1"/>
+              <p:nvPr/>
+            </p:nvSpPr>
+            <p:spPr>
+              <a:xfrm>
+                <a:off x="7186159" y="3598585"/>
+                <a:ext cx="1442382" cy="325025"/>
+              </a:xfrm>
+              <a:prstGeom prst="rect">
+                <a:avLst/>
+              </a:prstGeom>
+              <a:noFill/>
+            </p:spPr>
+            <p:txBody>
+              <a:bodyPr wrap="none" rtlCol="0">
+                <a:spAutoFit/>
+              </a:bodyPr>
+              <a:lstStyle/>
+              <a:p>
+                <a:pPr/>
+                <a14:m>
+                  <m:oMathPara xmlns:m="http://schemas.openxmlformats.org/officeDocument/2006/math">
+                    <m:oMathParaPr>
+                      <m:jc m:val="centerGroup"/>
+                    </m:oMathParaPr>
+                    <m:oMath xmlns:m="http://schemas.openxmlformats.org/officeDocument/2006/math">
+                      <m:r>
+                        <a:rPr lang="en-US" altLang="zh-CN" sz="1400" i="1" dirty="0" smtClean="0">
+                          <a:solidFill>
+                            <a:srgbClr val="C00000"/>
+                          </a:solidFill>
+                          <a:latin typeface="Cambria Math" panose="02040503050406030204" pitchFamily="18" charset="0"/>
+                        </a:rPr>
+                        <m:t>𝑏</m:t>
+                      </m:r>
+                      <m:r>
+                        <a:rPr lang="en-US" altLang="zh-CN" sz="1400" b="0" i="1" dirty="0" smtClean="0">
+                          <a:solidFill>
+                            <a:srgbClr val="C00000"/>
+                          </a:solidFill>
+                          <a:latin typeface="Cambria Math" panose="02040503050406030204" pitchFamily="18" charset="0"/>
+                        </a:rPr>
+                        <m:t>−(</m:t>
+                      </m:r>
+                      <m:sSub>
+                        <m:sSubPr>
+                          <m:ctrlPr>
+                            <a:rPr lang="en-US" altLang="zh-CN" sz="1400" b="0" i="1" dirty="0" smtClean="0">
+                              <a:solidFill>
+                                <a:srgbClr val="C00000"/>
+                              </a:solidFill>
+                              <a:latin typeface="Cambria Math" panose="02040503050406030204" pitchFamily="18" charset="0"/>
+                            </a:rPr>
+                          </m:ctrlPr>
+                        </m:sSubPr>
+                        <m:e>
+                          <m:r>
+                            <a:rPr lang="en-US" altLang="zh-CN" sz="1400" b="0" i="1" dirty="0" smtClean="0">
+                              <a:solidFill>
+                                <a:srgbClr val="C00000"/>
+                              </a:solidFill>
+                              <a:latin typeface="Cambria Math" panose="02040503050406030204" pitchFamily="18" charset="0"/>
+                            </a:rPr>
+                            <m:t>𝑋</m:t>
+                          </m:r>
+                        </m:e>
+                        <m:sub>
+                          <m:r>
+                            <a:rPr lang="en-US" altLang="zh-CN" sz="1400" b="0" i="1" dirty="0" smtClean="0">
+                              <a:solidFill>
+                                <a:srgbClr val="C00000"/>
+                              </a:solidFill>
+                              <a:latin typeface="Cambria Math" panose="02040503050406030204" pitchFamily="18" charset="0"/>
+                            </a:rPr>
+                            <m:t>𝑓𝐿</m:t>
+                          </m:r>
+                        </m:sub>
+                      </m:sSub>
+                      <m:r>
+                        <a:rPr lang="en-US" altLang="zh-CN" sz="1400" b="0" i="1" dirty="0" smtClean="0">
+                          <a:solidFill>
+                            <a:srgbClr val="C00000"/>
+                          </a:solidFill>
+                          <a:latin typeface="Cambria Math" panose="02040503050406030204" pitchFamily="18" charset="0"/>
+                        </a:rPr>
+                        <m:t>−</m:t>
+                      </m:r>
+                      <m:sSub>
+                        <m:sSubPr>
+                          <m:ctrlPr>
+                            <a:rPr lang="en-US" altLang="zh-CN" sz="1400" b="0" i="1" dirty="0" smtClean="0">
+                              <a:solidFill>
+                                <a:srgbClr val="C00000"/>
+                              </a:solidFill>
+                              <a:latin typeface="Cambria Math" panose="02040503050406030204" pitchFamily="18" charset="0"/>
+                            </a:rPr>
+                          </m:ctrlPr>
+                        </m:sSubPr>
+                        <m:e>
+                          <m:r>
+                            <a:rPr lang="en-US" altLang="zh-CN" sz="1400" b="0" i="1" dirty="0" smtClean="0">
+                              <a:solidFill>
+                                <a:srgbClr val="C00000"/>
+                              </a:solidFill>
+                              <a:latin typeface="Cambria Math" panose="02040503050406030204" pitchFamily="18" charset="0"/>
+                            </a:rPr>
+                            <m:t>𝑋</m:t>
+                          </m:r>
+                        </m:e>
+                        <m:sub>
+                          <m:r>
+                            <a:rPr lang="en-US" altLang="zh-CN" sz="1400" b="0" i="1" dirty="0" smtClean="0">
+                              <a:solidFill>
+                                <a:srgbClr val="C00000"/>
+                              </a:solidFill>
+                              <a:latin typeface="Cambria Math" panose="02040503050406030204" pitchFamily="18" charset="0"/>
+                            </a:rPr>
+                            <m:t>𝑓𝑅</m:t>
+                          </m:r>
+                        </m:sub>
+                      </m:sSub>
+                      <m:r>
+                        <a:rPr lang="en-US" altLang="zh-CN" sz="1400" b="0" i="1" dirty="0" smtClean="0">
+                          <a:solidFill>
+                            <a:srgbClr val="C00000"/>
+                          </a:solidFill>
+                          <a:latin typeface="Cambria Math" panose="02040503050406030204" pitchFamily="18" charset="0"/>
+                        </a:rPr>
+                        <m:t>)</m:t>
+                      </m:r>
+                    </m:oMath>
+                  </m:oMathPara>
+                </a14:m>
+                <a:endParaRPr lang="zh-CN" altLang="en-US" sz="1400" dirty="0">
+                  <a:solidFill>
+                    <a:srgbClr val="C00000"/>
+                  </a:solidFill>
+                </a:endParaRPr>
+              </a:p>
+            </p:txBody>
+          </p:sp>
+        </mc:Choice>
+        <mc:Fallback>
+          <p:sp>
+            <p:nvSpPr>
+              <p:cNvPr id="77" name="文本框 76">
+                <a:extLst>
+                  <a:ext uri="{FF2B5EF4-FFF2-40B4-BE49-F238E27FC236}">
+                    <a16:creationId xmlns:a16="http://schemas.microsoft.com/office/drawing/2014/main" id="{82BC9639-09AD-360D-9DF6-95B4E25D330E}"/>
+                  </a:ext>
+                </a:extLst>
+              </p:cNvPr>
+              <p:cNvSpPr txBox="1">
+                <a:spLocks noRot="1" noChangeAspect="1" noMove="1" noResize="1" noEditPoints="1" noAdjustHandles="1" noChangeArrowheads="1" noChangeShapeType="1" noTextEdit="1"/>
+              </p:cNvSpPr>
+              <p:nvPr/>
+            </p:nvSpPr>
+            <p:spPr>
+              <a:xfrm>
+                <a:off x="7186159" y="3598585"/>
+                <a:ext cx="1442382" cy="325025"/>
+              </a:xfrm>
+              <a:prstGeom prst="rect">
+                <a:avLst/>
+              </a:prstGeom>
+              <a:blipFill>
+                <a:blip r:embed="rId29"/>
+                <a:stretch>
+                  <a:fillRect b="-1852"/>
+                </a:stretch>
+              </a:blipFill>
+            </p:spPr>
+            <p:txBody>
+              <a:bodyPr/>
+              <a:lstStyle/>
+              <a:p>
+                <a:r>
+                  <a:rPr lang="zh-CN" altLang="en-US">
+                    <a:noFill/>
+                  </a:rPr>
+                  <a:t> </a:t>
+                </a:r>
+              </a:p>
+            </p:txBody>
+          </p:sp>
+        </mc:Fallback>
+      </mc:AlternateContent>
+      <p:cxnSp>
+        <p:nvCxnSpPr>
+          <p:cNvPr id="79" name="直接连接符 78">
+            <a:extLst>
+              <a:ext uri="{FF2B5EF4-FFF2-40B4-BE49-F238E27FC236}">
+                <a16:creationId xmlns:a16="http://schemas.microsoft.com/office/drawing/2014/main" id="{A9CE2499-AA76-E133-5939-8A4405C9F3B7}"/>
+              </a:ext>
+            </a:extLst>
+          </p:cNvPr>
+          <p:cNvCxnSpPr>
+            <a:cxnSpLocks/>
+          </p:cNvCxnSpPr>
+          <p:nvPr/>
+        </p:nvCxnSpPr>
+        <p:spPr>
+          <a:xfrm>
+            <a:off x="5273372" y="1385990"/>
+            <a:ext cx="0" cy="3399370"/>
+          </a:xfrm>
+          <a:prstGeom prst="line">
+            <a:avLst/>
+          </a:prstGeom>
+          <a:ln w="12700"/>
+        </p:spPr>
+        <p:style>
+          <a:lnRef idx="1">
+            <a:schemeClr val="accent1"/>
+          </a:lnRef>
+          <a:fillRef idx="0">
+            <a:schemeClr val="accent1"/>
+          </a:fillRef>
+          <a:effectRef idx="0">
+            <a:schemeClr val="accent1"/>
+          </a:effectRef>
+          <a:fontRef idx="minor">
+            <a:schemeClr val="tx1"/>
+          </a:fontRef>
+        </p:style>
+      </p:cxnSp>
+      <mc:AlternateContent xmlns:mc="http://schemas.openxmlformats.org/markup-compatibility/2006">
+        <mc:Choice xmlns:a14="http://schemas.microsoft.com/office/drawing/2010/main" Requires="a14">
+          <p:sp>
+            <p:nvSpPr>
+              <p:cNvPr id="81" name="文本框 80">
+                <a:extLst>
+                  <a:ext uri="{FF2B5EF4-FFF2-40B4-BE49-F238E27FC236}">
+                    <a16:creationId xmlns:a16="http://schemas.microsoft.com/office/drawing/2014/main" id="{754A47CA-0C52-AB1C-335F-52B9CCEFF760}"/>
+                  </a:ext>
+                </a:extLst>
+              </p:cNvPr>
+              <p:cNvSpPr txBox="1"/>
+              <p:nvPr/>
+            </p:nvSpPr>
+            <p:spPr>
+              <a:xfrm>
+                <a:off x="1785876" y="4390019"/>
+                <a:ext cx="2982483" cy="325025"/>
+              </a:xfrm>
+              <a:prstGeom prst="rect">
+                <a:avLst/>
+              </a:prstGeom>
+              <a:noFill/>
+            </p:spPr>
+            <p:txBody>
+              <a:bodyPr wrap="none" rtlCol="0">
+                <a:spAutoFit/>
+              </a:bodyPr>
+              <a:lstStyle/>
+              <a:p>
+                <a:r>
+                  <a:rPr lang="zh-CN" altLang="en-US" sz="1400" dirty="0"/>
+                  <a:t>情况</a:t>
+                </a:r>
+                <a:r>
+                  <a:rPr lang="en-US" altLang="zh-CN" sz="1400" dirty="0"/>
+                  <a:t>1</a:t>
+                </a:r>
+                <a:r>
+                  <a:rPr lang="zh-CN" altLang="en-US" sz="1400" dirty="0"/>
+                  <a:t>： </a:t>
+                </a:r>
+                <a14:m>
+                  <m:oMath xmlns:m="http://schemas.openxmlformats.org/officeDocument/2006/math">
+                    <m:sSub>
+                      <m:sSubPr>
+                        <m:ctrlPr>
+                          <a:rPr lang="en-US" altLang="zh-CN" sz="1400" b="0" i="1" smtClean="0">
+                            <a:latin typeface="Cambria Math" panose="02040503050406030204" pitchFamily="18" charset="0"/>
+                          </a:rPr>
+                        </m:ctrlPr>
+                      </m:sSubPr>
+                      <m:e>
+                        <m:r>
+                          <a:rPr lang="en-US" altLang="zh-CN" sz="1400" b="0" i="1" smtClean="0">
+                            <a:latin typeface="Cambria Math" panose="02040503050406030204" pitchFamily="18" charset="0"/>
+                          </a:rPr>
+                          <m:t>𝑃</m:t>
+                        </m:r>
+                      </m:e>
+                      <m:sub>
+                        <m:r>
+                          <a:rPr lang="en-US" altLang="zh-CN" sz="1400" b="0" i="1" smtClean="0">
+                            <a:latin typeface="Cambria Math" panose="02040503050406030204" pitchFamily="18" charset="0"/>
+                          </a:rPr>
+                          <m:t>𝑓𝐿</m:t>
+                        </m:r>
+                      </m:sub>
+                    </m:sSub>
+                  </m:oMath>
+                </a14:m>
+                <a:r>
+                  <a:rPr lang="zh-CN" altLang="en-US" sz="1400" dirty="0"/>
+                  <a:t>在正半轴，</a:t>
+                </a:r>
+                <a14:m>
+                  <m:oMath xmlns:m="http://schemas.openxmlformats.org/officeDocument/2006/math">
+                    <m:sSub>
+                      <m:sSubPr>
+                        <m:ctrlPr>
+                          <a:rPr lang="en-US" altLang="zh-CN" sz="1400" b="0" i="1" smtClean="0">
+                            <a:latin typeface="Cambria Math" panose="02040503050406030204" pitchFamily="18" charset="0"/>
+                          </a:rPr>
+                        </m:ctrlPr>
+                      </m:sSubPr>
+                      <m:e>
+                        <m:r>
+                          <a:rPr lang="en-US" altLang="zh-CN" sz="1400" b="0" i="1" smtClean="0">
+                            <a:latin typeface="Cambria Math" panose="02040503050406030204" pitchFamily="18" charset="0"/>
+                          </a:rPr>
+                          <m:t>𝑃</m:t>
+                        </m:r>
+                      </m:e>
+                      <m:sub>
+                        <m:r>
+                          <a:rPr lang="en-US" altLang="zh-CN" sz="1400" b="0" i="1" smtClean="0">
+                            <a:latin typeface="Cambria Math" panose="02040503050406030204" pitchFamily="18" charset="0"/>
+                          </a:rPr>
+                          <m:t>𝑓𝑅</m:t>
+                        </m:r>
+                      </m:sub>
+                    </m:sSub>
+                  </m:oMath>
+                </a14:m>
+                <a:r>
+                  <a:rPr lang="zh-CN" altLang="en-US" sz="1400" dirty="0"/>
+                  <a:t>在负半轴</a:t>
+                </a:r>
+              </a:p>
+            </p:txBody>
+          </p:sp>
+        </mc:Choice>
+        <mc:Fallback>
+          <p:sp>
+            <p:nvSpPr>
+              <p:cNvPr id="81" name="文本框 80">
+                <a:extLst>
+                  <a:ext uri="{FF2B5EF4-FFF2-40B4-BE49-F238E27FC236}">
+                    <a16:creationId xmlns:a16="http://schemas.microsoft.com/office/drawing/2014/main" id="{754A47CA-0C52-AB1C-335F-52B9CCEFF760}"/>
+                  </a:ext>
+                </a:extLst>
+              </p:cNvPr>
+              <p:cNvSpPr txBox="1">
+                <a:spLocks noRot="1" noChangeAspect="1" noMove="1" noResize="1" noEditPoints="1" noAdjustHandles="1" noChangeArrowheads="1" noChangeShapeType="1" noTextEdit="1"/>
+              </p:cNvSpPr>
+              <p:nvPr/>
+            </p:nvSpPr>
+            <p:spPr>
+              <a:xfrm>
+                <a:off x="1785876" y="4390019"/>
+                <a:ext cx="2982483" cy="325025"/>
+              </a:xfrm>
+              <a:prstGeom prst="rect">
+                <a:avLst/>
+              </a:prstGeom>
+              <a:blipFill>
+                <a:blip r:embed="rId30"/>
+                <a:stretch>
+                  <a:fillRect l="-613" t="-1887" b="-16981"/>
+                </a:stretch>
+              </a:blipFill>
+            </p:spPr>
+            <p:txBody>
+              <a:bodyPr/>
+              <a:lstStyle/>
+              <a:p>
+                <a:r>
+                  <a:rPr lang="zh-CN" altLang="en-US">
+                    <a:noFill/>
+                  </a:rPr>
+                  <a:t> </a:t>
+                </a:r>
+              </a:p>
+            </p:txBody>
+          </p:sp>
+        </mc:Fallback>
+      </mc:AlternateContent>
+      <mc:AlternateContent xmlns:mc="http://schemas.openxmlformats.org/markup-compatibility/2006">
+        <mc:Choice xmlns:a14="http://schemas.microsoft.com/office/drawing/2010/main" Requires="a14">
+          <p:sp>
+            <p:nvSpPr>
+              <p:cNvPr id="82" name="文本框 81">
+                <a:extLst>
+                  <a:ext uri="{FF2B5EF4-FFF2-40B4-BE49-F238E27FC236}">
+                    <a16:creationId xmlns:a16="http://schemas.microsoft.com/office/drawing/2014/main" id="{105D0D60-8085-2683-C826-076DAA3646A1}"/>
+                  </a:ext>
+                </a:extLst>
+              </p:cNvPr>
+              <p:cNvSpPr txBox="1"/>
+              <p:nvPr/>
+            </p:nvSpPr>
+            <p:spPr>
+              <a:xfrm>
+                <a:off x="5418970" y="4390019"/>
+                <a:ext cx="4844660" cy="325025"/>
+              </a:xfrm>
+              <a:prstGeom prst="rect">
+                <a:avLst/>
+              </a:prstGeom>
+              <a:noFill/>
+            </p:spPr>
+            <p:txBody>
+              <a:bodyPr wrap="none" rtlCol="0">
+                <a:spAutoFit/>
+              </a:bodyPr>
+              <a:lstStyle/>
+              <a:p>
+                <a:r>
+                  <a:rPr lang="zh-CN" altLang="en-US" sz="1400" dirty="0"/>
+                  <a:t>情况</a:t>
+                </a:r>
+                <a:r>
+                  <a:rPr lang="en-US" altLang="zh-CN" sz="1400" dirty="0"/>
+                  <a:t>2</a:t>
+                </a:r>
+                <a:r>
+                  <a:rPr lang="zh-CN" altLang="en-US" sz="1400" dirty="0"/>
+                  <a:t>： </a:t>
+                </a:r>
+                <a14:m>
+                  <m:oMath xmlns:m="http://schemas.openxmlformats.org/officeDocument/2006/math">
+                    <m:sSub>
+                      <m:sSubPr>
+                        <m:ctrlPr>
+                          <a:rPr lang="en-US" altLang="zh-CN" sz="1400" b="0" i="1" smtClean="0">
+                            <a:latin typeface="Cambria Math" panose="02040503050406030204" pitchFamily="18" charset="0"/>
+                          </a:rPr>
+                        </m:ctrlPr>
+                      </m:sSubPr>
+                      <m:e>
+                        <m:r>
+                          <a:rPr lang="en-US" altLang="zh-CN" sz="1400" b="0" i="1" smtClean="0">
+                            <a:latin typeface="Cambria Math" panose="02040503050406030204" pitchFamily="18" charset="0"/>
+                          </a:rPr>
+                          <m:t>𝑃</m:t>
+                        </m:r>
+                      </m:e>
+                      <m:sub>
+                        <m:r>
+                          <a:rPr lang="en-US" altLang="zh-CN" sz="1400" b="0" i="1" smtClean="0">
+                            <a:latin typeface="Cambria Math" panose="02040503050406030204" pitchFamily="18" charset="0"/>
+                          </a:rPr>
+                          <m:t>𝑓𝐿</m:t>
+                        </m:r>
+                      </m:sub>
+                    </m:sSub>
+                    <m:r>
+                      <a:rPr lang="en-US" altLang="zh-CN" sz="1400" b="0" i="0" smtClean="0">
+                        <a:latin typeface="Cambria Math" panose="02040503050406030204" pitchFamily="18" charset="0"/>
+                      </a:rPr>
+                      <m:t>, </m:t>
+                    </m:r>
+                    <m:sSub>
+                      <m:sSubPr>
+                        <m:ctrlPr>
+                          <a:rPr lang="en-US" altLang="zh-CN" sz="1400" b="0" i="1" smtClean="0">
+                            <a:latin typeface="Cambria Math" panose="02040503050406030204" pitchFamily="18" charset="0"/>
+                          </a:rPr>
+                        </m:ctrlPr>
+                      </m:sSubPr>
+                      <m:e>
+                        <m:r>
+                          <a:rPr lang="en-US" altLang="zh-CN" sz="1400" b="0" i="1" smtClean="0">
+                            <a:latin typeface="Cambria Math" panose="02040503050406030204" pitchFamily="18" charset="0"/>
+                          </a:rPr>
+                          <m:t>𝑃</m:t>
+                        </m:r>
+                      </m:e>
+                      <m:sub>
+                        <m:r>
+                          <a:rPr lang="en-US" altLang="zh-CN" sz="1400" b="0" i="1" smtClean="0">
+                            <a:latin typeface="Cambria Math" panose="02040503050406030204" pitchFamily="18" charset="0"/>
+                          </a:rPr>
+                          <m:t>𝑓𝑅</m:t>
+                        </m:r>
+                      </m:sub>
+                    </m:sSub>
+                  </m:oMath>
+                </a14:m>
+                <a:r>
+                  <a:rPr lang="zh-CN" altLang="en-US" sz="1400" dirty="0"/>
+                  <a:t>同在正半轴（同在负半轴省略，结果一致）</a:t>
+                </a:r>
+              </a:p>
+            </p:txBody>
+          </p:sp>
+        </mc:Choice>
+        <mc:Fallback>
+          <p:sp>
+            <p:nvSpPr>
+              <p:cNvPr id="82" name="文本框 81">
+                <a:extLst>
+                  <a:ext uri="{FF2B5EF4-FFF2-40B4-BE49-F238E27FC236}">
+                    <a16:creationId xmlns:a16="http://schemas.microsoft.com/office/drawing/2014/main" id="{105D0D60-8085-2683-C826-076DAA3646A1}"/>
+                  </a:ext>
+                </a:extLst>
+              </p:cNvPr>
+              <p:cNvSpPr txBox="1">
+                <a:spLocks noRot="1" noChangeAspect="1" noMove="1" noResize="1" noEditPoints="1" noAdjustHandles="1" noChangeArrowheads="1" noChangeShapeType="1" noTextEdit="1"/>
+              </p:cNvSpPr>
+              <p:nvPr/>
+            </p:nvSpPr>
+            <p:spPr>
+              <a:xfrm>
+                <a:off x="5418970" y="4390019"/>
+                <a:ext cx="4844660" cy="325025"/>
+              </a:xfrm>
+              <a:prstGeom prst="rect">
+                <a:avLst/>
+              </a:prstGeom>
+              <a:blipFill>
+                <a:blip r:embed="rId31"/>
+                <a:stretch>
+                  <a:fillRect l="-377" t="-1887" b="-16981"/>
                 </a:stretch>
               </a:blipFill>
             </p:spPr>
